--- a/Documents/Project Design/Project Design.pptx
+++ b/Documents/Project Design/Project Design.pptx
@@ -23,18 +23,11 @@
   <p:notesSz cx="6858000" cy="9144000"/>
   <p:embeddedFontLst>
     <p:embeddedFont>
-      <p:font typeface="Montserrat"/>
+      <p:font typeface="Nunito"/>
       <p:regular r:id="rId16"/>
       <p:bold r:id="rId17"/>
       <p:italic r:id="rId18"/>
       <p:boldItalic r:id="rId19"/>
-    </p:embeddedFont>
-    <p:embeddedFont>
-      <p:font typeface="Lato"/>
-      <p:regular r:id="rId20"/>
-      <p:bold r:id="rId21"/>
-      <p:italic r:id="rId22"/>
-      <p:boldItalic r:id="rId23"/>
     </p:embeddedFont>
   </p:embeddedFontLst>
   <p:defaultTextStyle>
@@ -716,7 +709,7 @@
   <p:cSld>
     <p:spTree>
       <p:nvGrpSpPr>
-        <p:cNvPr id="130" name="Shape 130"/>
+        <p:cNvPr id="124" name="Shape 124"/>
         <p:cNvGrpSpPr/>
         <p:nvPr/>
       </p:nvGrpSpPr>
@@ -730,7 +723,7 @@
       </p:grpSpPr>
       <p:sp>
         <p:nvSpPr>
-          <p:cNvPr id="131" name="Google Shape;131;g387f2e334ed_0_0:notes"/>
+          <p:cNvPr id="125" name="Google Shape;125;g387f2e334ed_0_0:notes"/>
           <p:cNvSpPr/>
           <p:nvPr>
             <p:ph idx="2" type="sldImg"/>
@@ -765,7 +758,7 @@
       </p:sp>
       <p:sp>
         <p:nvSpPr>
-          <p:cNvPr id="132" name="Google Shape;132;g387f2e334ed_0_0:notes"/>
+          <p:cNvPr id="126" name="Google Shape;126;g387f2e334ed_0_0:notes"/>
           <p:cNvSpPr txBox="1"/>
           <p:nvPr>
             <p:ph idx="1" type="body"/>
@@ -815,7 +808,7 @@
   <p:cSld>
     <p:spTree>
       <p:nvGrpSpPr>
-        <p:cNvPr id="184" name="Shape 184"/>
+        <p:cNvPr id="181" name="Shape 181"/>
         <p:cNvGrpSpPr/>
         <p:nvPr/>
       </p:nvGrpSpPr>
@@ -829,7 +822,7 @@
       </p:grpSpPr>
       <p:sp>
         <p:nvSpPr>
-          <p:cNvPr id="185" name="Google Shape;185;g387f2e334ed_0_303:notes"/>
+          <p:cNvPr id="182" name="Google Shape;182;g387f2e334ed_0_303:notes"/>
           <p:cNvSpPr/>
           <p:nvPr>
             <p:ph idx="2" type="sldImg"/>
@@ -864,7 +857,7 @@
       </p:sp>
       <p:sp>
         <p:nvSpPr>
-          <p:cNvPr id="186" name="Google Shape;186;g387f2e334ed_0_303:notes"/>
+          <p:cNvPr id="183" name="Google Shape;183;g387f2e334ed_0_303:notes"/>
           <p:cNvSpPr txBox="1"/>
           <p:nvPr>
             <p:ph idx="1" type="body"/>
@@ -914,7 +907,7 @@
   <p:cSld>
     <p:spTree>
       <p:nvGrpSpPr>
-        <p:cNvPr id="136" name="Shape 136"/>
+        <p:cNvPr id="130" name="Shape 130"/>
         <p:cNvGrpSpPr/>
         <p:nvPr/>
       </p:nvGrpSpPr>
@@ -928,7 +921,7 @@
       </p:grpSpPr>
       <p:sp>
         <p:nvSpPr>
-          <p:cNvPr id="137" name="Google Shape;137;g387f2e334ed_0_260:notes"/>
+          <p:cNvPr id="131" name="Google Shape;131;g387f2e334ed_0_260:notes"/>
           <p:cNvSpPr/>
           <p:nvPr>
             <p:ph idx="2" type="sldImg"/>
@@ -963,7 +956,7 @@
       </p:sp>
       <p:sp>
         <p:nvSpPr>
-          <p:cNvPr id="138" name="Google Shape;138;g387f2e334ed_0_260:notes"/>
+          <p:cNvPr id="132" name="Google Shape;132;g387f2e334ed_0_260:notes"/>
           <p:cNvSpPr txBox="1"/>
           <p:nvPr>
             <p:ph idx="1" type="body"/>
@@ -1013,7 +1006,7 @@
   <p:cSld>
     <p:spTree>
       <p:nvGrpSpPr>
-        <p:cNvPr id="141" name="Shape 141"/>
+        <p:cNvPr id="135" name="Shape 135"/>
         <p:cNvGrpSpPr/>
         <p:nvPr/>
       </p:nvGrpSpPr>
@@ -1027,7 +1020,7 @@
       </p:grpSpPr>
       <p:sp>
         <p:nvSpPr>
-          <p:cNvPr id="142" name="Google Shape;142;g387f2e334ed_0_265:notes"/>
+          <p:cNvPr id="136" name="Google Shape;136;g387f2e334ed_0_265:notes"/>
           <p:cNvSpPr/>
           <p:nvPr>
             <p:ph idx="2" type="sldImg"/>
@@ -1062,7 +1055,7 @@
       </p:sp>
       <p:sp>
         <p:nvSpPr>
-          <p:cNvPr id="143" name="Google Shape;143;g387f2e334ed_0_265:notes"/>
+          <p:cNvPr id="137" name="Google Shape;137;g387f2e334ed_0_265:notes"/>
           <p:cNvSpPr txBox="1"/>
           <p:nvPr>
             <p:ph idx="1" type="body"/>
@@ -1112,7 +1105,7 @@
   <p:cSld>
     <p:spTree>
       <p:nvGrpSpPr>
-        <p:cNvPr id="146" name="Shape 146"/>
+        <p:cNvPr id="140" name="Shape 140"/>
         <p:cNvGrpSpPr/>
         <p:nvPr/>
       </p:nvGrpSpPr>
@@ -1126,7 +1119,7 @@
       </p:grpSpPr>
       <p:sp>
         <p:nvSpPr>
-          <p:cNvPr id="147" name="Google Shape;147;g387f2e334ed_0_269:notes"/>
+          <p:cNvPr id="141" name="Google Shape;141;g387f2e334ed_0_269:notes"/>
           <p:cNvSpPr/>
           <p:nvPr>
             <p:ph idx="2" type="sldImg"/>
@@ -1161,7 +1154,7 @@
       </p:sp>
       <p:sp>
         <p:nvSpPr>
-          <p:cNvPr id="148" name="Google Shape;148;g387f2e334ed_0_269:notes"/>
+          <p:cNvPr id="142" name="Google Shape;142;g387f2e334ed_0_269:notes"/>
           <p:cNvSpPr txBox="1"/>
           <p:nvPr>
             <p:ph idx="1" type="body"/>
@@ -1211,7 +1204,7 @@
   <p:cSld>
     <p:spTree>
       <p:nvGrpSpPr>
-        <p:cNvPr id="153" name="Shape 153"/>
+        <p:cNvPr id="147" name="Shape 147"/>
         <p:cNvGrpSpPr/>
         <p:nvPr/>
       </p:nvGrpSpPr>
@@ -1225,7 +1218,7 @@
       </p:grpSpPr>
       <p:sp>
         <p:nvSpPr>
-          <p:cNvPr id="154" name="Google Shape;154;g387f2e334ed_0_275:notes"/>
+          <p:cNvPr id="148" name="Google Shape;148;g387f2e334ed_0_275:notes"/>
           <p:cNvSpPr/>
           <p:nvPr>
             <p:ph idx="2" type="sldImg"/>
@@ -1260,7 +1253,7 @@
       </p:sp>
       <p:sp>
         <p:nvSpPr>
-          <p:cNvPr id="155" name="Google Shape;155;g387f2e334ed_0_275:notes"/>
+          <p:cNvPr id="149" name="Google Shape;149;g387f2e334ed_0_275:notes"/>
           <p:cNvSpPr txBox="1"/>
           <p:nvPr>
             <p:ph idx="1" type="body"/>
@@ -1310,7 +1303,7 @@
   <p:cSld>
     <p:spTree>
       <p:nvGrpSpPr>
-        <p:cNvPr id="159" name="Shape 159"/>
+        <p:cNvPr id="154" name="Shape 154"/>
         <p:cNvGrpSpPr/>
         <p:nvPr/>
       </p:nvGrpSpPr>
@@ -1324,7 +1317,7 @@
       </p:grpSpPr>
       <p:sp>
         <p:nvSpPr>
-          <p:cNvPr id="160" name="Google Shape;160;g387f2e334ed_0_280:notes"/>
+          <p:cNvPr id="155" name="Google Shape;155;g387f2e334ed_0_280:notes"/>
           <p:cNvSpPr/>
           <p:nvPr>
             <p:ph idx="2" type="sldImg"/>
@@ -1359,7 +1352,7 @@
       </p:sp>
       <p:sp>
         <p:nvSpPr>
-          <p:cNvPr id="161" name="Google Shape;161;g387f2e334ed_0_280:notes"/>
+          <p:cNvPr id="156" name="Google Shape;156;g387f2e334ed_0_280:notes"/>
           <p:cNvSpPr txBox="1"/>
           <p:nvPr>
             <p:ph idx="1" type="body"/>
@@ -1409,7 +1402,7 @@
   <p:cSld>
     <p:spTree>
       <p:nvGrpSpPr>
-        <p:cNvPr id="166" name="Shape 166"/>
+        <p:cNvPr id="162" name="Shape 162"/>
         <p:cNvGrpSpPr/>
         <p:nvPr/>
       </p:nvGrpSpPr>
@@ -1423,7 +1416,7 @@
       </p:grpSpPr>
       <p:sp>
         <p:nvSpPr>
-          <p:cNvPr id="167" name="Google Shape;167;g387f2e334ed_0_286:notes"/>
+          <p:cNvPr id="163" name="Google Shape;163;g387f2e334ed_0_286:notes"/>
           <p:cNvSpPr/>
           <p:nvPr>
             <p:ph idx="2" type="sldImg"/>
@@ -1458,7 +1451,7 @@
       </p:sp>
       <p:sp>
         <p:nvSpPr>
-          <p:cNvPr id="168" name="Google Shape;168;g387f2e334ed_0_286:notes"/>
+          <p:cNvPr id="164" name="Google Shape;164;g387f2e334ed_0_286:notes"/>
           <p:cNvSpPr txBox="1"/>
           <p:nvPr>
             <p:ph idx="1" type="body"/>
@@ -1508,7 +1501,7 @@
   <p:cSld>
     <p:spTree>
       <p:nvGrpSpPr>
-        <p:cNvPr id="172" name="Shape 172"/>
+        <p:cNvPr id="169" name="Shape 169"/>
         <p:cNvGrpSpPr/>
         <p:nvPr/>
       </p:nvGrpSpPr>
@@ -1522,7 +1515,7 @@
       </p:grpSpPr>
       <p:sp>
         <p:nvSpPr>
-          <p:cNvPr id="173" name="Google Shape;173;g387f2e334ed_0_291:notes"/>
+          <p:cNvPr id="170" name="Google Shape;170;g387f2e334ed_0_291:notes"/>
           <p:cNvSpPr/>
           <p:nvPr>
             <p:ph idx="2" type="sldImg"/>
@@ -1557,7 +1550,7 @@
       </p:sp>
       <p:sp>
         <p:nvSpPr>
-          <p:cNvPr id="174" name="Google Shape;174;g387f2e334ed_0_291:notes"/>
+          <p:cNvPr id="171" name="Google Shape;171;g387f2e334ed_0_291:notes"/>
           <p:cNvSpPr txBox="1"/>
           <p:nvPr>
             <p:ph idx="1" type="body"/>
@@ -1607,7 +1600,7 @@
   <p:cSld>
     <p:spTree>
       <p:nvGrpSpPr>
-        <p:cNvPr id="177" name="Shape 177"/>
+        <p:cNvPr id="174" name="Shape 174"/>
         <p:cNvGrpSpPr/>
         <p:nvPr/>
       </p:nvGrpSpPr>
@@ -1621,7 +1614,7 @@
       </p:grpSpPr>
       <p:sp>
         <p:nvSpPr>
-          <p:cNvPr id="178" name="Google Shape;178;g387f2e334ed_0_296:notes"/>
+          <p:cNvPr id="175" name="Google Shape;175;g387f2e334ed_0_296:notes"/>
           <p:cNvSpPr/>
           <p:nvPr>
             <p:ph idx="2" type="sldImg"/>
@@ -1656,7 +1649,7 @@
       </p:sp>
       <p:sp>
         <p:nvSpPr>
-          <p:cNvPr id="179" name="Google Shape;179;g387f2e334ed_0_296:notes"/>
+          <p:cNvPr id="176" name="Google Shape;176;g387f2e334ed_0_296:notes"/>
           <p:cNvSpPr txBox="1"/>
           <p:nvPr>
             <p:ph idx="1" type="body"/>
@@ -1704,6 +1697,13 @@
 <file path=ppt/slideLayouts/slideLayout1.xml><?xml version="1.0" encoding="utf-8"?>
 <p:sldLayout xmlns:a="http://schemas.openxmlformats.org/drawingml/2006/main" xmlns:r="http://schemas.openxmlformats.org/officeDocument/2006/relationships" xmlns:mc="http://schemas.openxmlformats.org/markup-compatibility/2006" xmlns:mv="urn:schemas-microsoft-com:mac:vml" xmlns:p="http://schemas.openxmlformats.org/presentationml/2006/main" xmlns:c="http://schemas.openxmlformats.org/drawingml/2006/chart" xmlns:dgm="http://schemas.openxmlformats.org/drawingml/2006/diagram" xmlns:o="urn:schemas-microsoft-com:office:office" xmlns:v="urn:schemas-microsoft-com:vml" xmlns:pvml="urn:schemas-microsoft-com:office:powerpoint" xmlns:com="http://schemas.openxmlformats.org/drawingml/2006/compatibility" xmlns:p14="http://schemas.microsoft.com/office/powerpoint/2010/main" xmlns:p15="http://schemas.microsoft.com/office/powerpoint/2012/main" xmlns:ahyp="http://schemas.microsoft.com/office/drawing/2018/hyperlinkcolor" matchingName="Title slide" type="title">
   <p:cSld name="TITLE">
+    <p:bg>
+      <p:bgPr>
+        <a:solidFill>
+          <a:schemeClr val="accent6"/>
+        </a:solidFill>
+      </p:bgPr>
+    </p:bg>
     <p:spTree>
       <p:nvGrpSpPr>
         <p:cNvPr id="9" name="Shape 9"/>
@@ -1725,19 +1725,15 @@
           <p:nvPr/>
         </p:nvSpPr>
         <p:spPr>
-          <a:xfrm rot="5400000">
-            <a:off x="7500300" y="505"/>
-            <a:ext cx="1643700" cy="1643700"/>
+          <a:xfrm>
+            <a:off x="31" y="2824500"/>
+            <a:ext cx="7370400" cy="2319000"/>
           </a:xfrm>
-          <a:prstGeom prst="diagStripe">
-            <a:avLst>
-              <a:gd fmla="val 0" name="adj"/>
-            </a:avLst>
+          <a:prstGeom prst="rtTriangle">
+            <a:avLst/>
           </a:prstGeom>
           <a:solidFill>
-            <a:schemeClr val="lt1">
-              <a:alpha val="3030"/>
-            </a:schemeClr>
+            <a:schemeClr val="accent1"/>
           </a:solidFill>
           <a:ln>
             <a:noFill/>
@@ -1765,40 +1761,174 @@
           </a:p>
         </p:txBody>
       </p:sp>
+      <p:sp>
+        <p:nvSpPr>
+          <p:cNvPr id="11" name="Google Shape;11;p2"/>
+          <p:cNvSpPr/>
+          <p:nvPr/>
+        </p:nvSpPr>
+        <p:spPr>
+          <a:xfrm flipH="1">
+            <a:off x="3582600" y="1550700"/>
+            <a:ext cx="5561400" cy="3592800"/>
+          </a:xfrm>
+          <a:prstGeom prst="rtTriangle">
+            <a:avLst/>
+          </a:prstGeom>
+          <a:solidFill>
+            <a:schemeClr val="accent3"/>
+          </a:solidFill>
+          <a:ln>
+            <a:noFill/>
+          </a:ln>
+        </p:spPr>
+        <p:txBody>
+          <a:bodyPr anchorCtr="0" anchor="ctr" bIns="91425" lIns="91425" spcFirstLastPara="1" rIns="91425" wrap="square" tIns="91425">
+            <a:noAutofit/>
+          </a:bodyPr>
+          <a:lstStyle/>
+          <a:p>
+            <a:pPr indent="0" lvl="0" marL="0" rtl="0" algn="l">
+              <a:spcBef>
+                <a:spcPts val="0"/>
+              </a:spcBef>
+              <a:spcAft>
+                <a:spcPts val="0"/>
+              </a:spcAft>
+              <a:buNone/>
+            </a:pPr>
+            <a:r>
+              <a:t/>
+            </a:r>
+            <a:endParaRPr/>
+          </a:p>
+        </p:txBody>
+      </p:sp>
+      <p:sp>
+        <p:nvSpPr>
+          <p:cNvPr id="12" name="Google Shape;12;p2"/>
+          <p:cNvSpPr/>
+          <p:nvPr/>
+        </p:nvSpPr>
+        <p:spPr>
+          <a:xfrm rot="10800000">
+            <a:off x="5058905" y="0"/>
+            <a:ext cx="4085100" cy="2052600"/>
+          </a:xfrm>
+          <a:prstGeom prst="rtTriangle">
+            <a:avLst/>
+          </a:prstGeom>
+          <a:solidFill>
+            <a:schemeClr val="dk2"/>
+          </a:solidFill>
+          <a:ln>
+            <a:noFill/>
+          </a:ln>
+        </p:spPr>
+        <p:txBody>
+          <a:bodyPr anchorCtr="0" anchor="ctr" bIns="91425" lIns="91425" spcFirstLastPara="1" rIns="91425" wrap="square" tIns="91425">
+            <a:noAutofit/>
+          </a:bodyPr>
+          <a:lstStyle/>
+          <a:p>
+            <a:pPr indent="0" lvl="0" marL="0" rtl="0" algn="l">
+              <a:spcBef>
+                <a:spcPts val="0"/>
+              </a:spcBef>
+              <a:spcAft>
+                <a:spcPts val="0"/>
+              </a:spcAft>
+              <a:buNone/>
+            </a:pPr>
+            <a:r>
+              <a:t/>
+            </a:r>
+            <a:endParaRPr/>
+          </a:p>
+        </p:txBody>
+      </p:sp>
+      <p:sp>
+        <p:nvSpPr>
+          <p:cNvPr id="13" name="Google Shape;13;p2"/>
+          <p:cNvSpPr/>
+          <p:nvPr/>
+        </p:nvSpPr>
+        <p:spPr>
+          <a:xfrm>
+            <a:off x="203275" y="206250"/>
+            <a:ext cx="8737500" cy="4731000"/>
+          </a:xfrm>
+          <a:prstGeom prst="rect">
+            <a:avLst/>
+          </a:prstGeom>
+          <a:solidFill>
+            <a:schemeClr val="dk1"/>
+          </a:solidFill>
+          <a:ln>
+            <a:noFill/>
+          </a:ln>
+          <a:effectLst>
+            <a:outerShdw blurRad="228600" sx="101000" rotWithShape="0" algn="ctr" sy="101000">
+              <a:srgbClr val="000000">
+                <a:alpha val="40000"/>
+              </a:srgbClr>
+            </a:outerShdw>
+          </a:effectLst>
+        </p:spPr>
+        <p:txBody>
+          <a:bodyPr anchorCtr="0" anchor="ctr" bIns="91425" lIns="91425" spcFirstLastPara="1" rIns="91425" wrap="square" tIns="91425">
+            <a:noAutofit/>
+          </a:bodyPr>
+          <a:lstStyle/>
+          <a:p>
+            <a:pPr indent="0" lvl="0" marL="0" rtl="0" algn="l">
+              <a:spcBef>
+                <a:spcPts val="0"/>
+              </a:spcBef>
+              <a:spcAft>
+                <a:spcPts val="0"/>
+              </a:spcAft>
+              <a:buNone/>
+            </a:pPr>
+            <a:r>
+              <a:t/>
+            </a:r>
+            <a:endParaRPr/>
+          </a:p>
+        </p:txBody>
+      </p:sp>
       <p:grpSp>
         <p:nvGrpSpPr>
-          <p:cNvPr id="11" name="Google Shape;11;p2"/>
+          <p:cNvPr id="14" name="Google Shape;14;p2"/>
           <p:cNvGrpSpPr/>
           <p:nvPr/>
         </p:nvGrpSpPr>
         <p:grpSpPr>
           <a:xfrm>
-            <a:off x="0" y="490"/>
-            <a:ext cx="5153705" cy="5134399"/>
-            <a:chOff x="0" y="75"/>
-            <a:chExt cx="5153705" cy="5152950"/>
+            <a:off x="255200" y="592"/>
+            <a:ext cx="2250363" cy="1044300"/>
+            <a:chOff x="255200" y="592"/>
+            <a:chExt cx="2250363" cy="1044300"/>
           </a:xfrm>
         </p:grpSpPr>
         <p:sp>
           <p:nvSpPr>
-            <p:cNvPr id="12" name="Google Shape;12;p2"/>
+            <p:cNvPr id="15" name="Google Shape;15;p2"/>
             <p:cNvSpPr/>
             <p:nvPr/>
           </p:nvSpPr>
           <p:spPr>
-            <a:xfrm rot="-5400000">
-              <a:off x="455" y="-225"/>
-              <a:ext cx="5152800" cy="5153700"/>
+            <a:xfrm>
+              <a:off x="764063" y="592"/>
+              <a:ext cx="1741500" cy="1044300"/>
             </a:xfrm>
-            <a:prstGeom prst="diagStripe">
+            <a:prstGeom prst="parallelogram">
               <a:avLst>
-                <a:gd fmla="val 50000" name="adj"/>
+                <a:gd fmla="val 153193" name="adj"/>
               </a:avLst>
             </a:prstGeom>
             <a:solidFill>
-              <a:schemeClr val="lt1">
-                <a:alpha val="3030"/>
-              </a:schemeClr>
+              <a:schemeClr val="dk1"/>
             </a:solidFill>
             <a:ln>
               <a:noFill/>
@@ -1828,24 +1958,22 @@
         </p:sp>
         <p:sp>
           <p:nvSpPr>
-            <p:cNvPr id="13" name="Google Shape;13;p2"/>
+            <p:cNvPr id="16" name="Google Shape;16;p2"/>
             <p:cNvSpPr/>
             <p:nvPr/>
           </p:nvSpPr>
           <p:spPr>
-            <a:xfrm rot="-5400000">
-              <a:off x="150" y="1145825"/>
-              <a:ext cx="3996600" cy="3996900"/>
+            <a:xfrm>
+              <a:off x="509632" y="592"/>
+              <a:ext cx="1741500" cy="1044300"/>
             </a:xfrm>
-            <a:prstGeom prst="diagStripe">
+            <a:prstGeom prst="parallelogram">
               <a:avLst>
-                <a:gd fmla="val 58774" name="adj"/>
+                <a:gd fmla="val 153193" name="adj"/>
               </a:avLst>
             </a:prstGeom>
             <a:solidFill>
-              <a:schemeClr val="lt1">
-                <a:alpha val="3030"/>
-              </a:schemeClr>
+              <a:schemeClr val="dk1"/>
             </a:solidFill>
             <a:ln>
               <a:noFill/>
@@ -1875,18 +2003,528 @@
         </p:sp>
         <p:sp>
           <p:nvSpPr>
-            <p:cNvPr id="14" name="Google Shape;14;p2"/>
+            <p:cNvPr id="17" name="Google Shape;17;p2"/>
             <p:cNvSpPr/>
             <p:nvPr/>
           </p:nvSpPr>
           <p:spPr>
-            <a:xfrm rot="-5400000">
-              <a:off x="1646" y="-75"/>
-              <a:ext cx="2299800" cy="2300100"/>
+            <a:xfrm>
+              <a:off x="255200" y="592"/>
+              <a:ext cx="1741500" cy="1044300"/>
             </a:xfrm>
-            <a:prstGeom prst="diagStripe">
+            <a:prstGeom prst="parallelogram">
               <a:avLst>
-                <a:gd fmla="val 50000" name="adj"/>
+                <a:gd fmla="val 153193" name="adj"/>
+              </a:avLst>
+            </a:prstGeom>
+            <a:solidFill>
+              <a:schemeClr val="dk1"/>
+            </a:solidFill>
+            <a:ln>
+              <a:noFill/>
+            </a:ln>
+          </p:spPr>
+          <p:txBody>
+            <a:bodyPr anchorCtr="0" anchor="ctr" bIns="91425" lIns="91425" spcFirstLastPara="1" rIns="91425" wrap="square" tIns="91425">
+              <a:noAutofit/>
+            </a:bodyPr>
+            <a:lstStyle/>
+            <a:p>
+              <a:pPr indent="0" lvl="0" marL="0" rtl="0" algn="l">
+                <a:spcBef>
+                  <a:spcPts val="0"/>
+                </a:spcBef>
+                <a:spcAft>
+                  <a:spcPts val="0"/>
+                </a:spcAft>
+                <a:buNone/>
+              </a:pPr>
+              <a:r>
+                <a:t/>
+              </a:r>
+              <a:endParaRPr/>
+            </a:p>
+          </p:txBody>
+        </p:sp>
+      </p:grpSp>
+      <p:grpSp>
+        <p:nvGrpSpPr>
+          <p:cNvPr id="18" name="Google Shape;18;p2"/>
+          <p:cNvGrpSpPr/>
+          <p:nvPr/>
+        </p:nvGrpSpPr>
+        <p:grpSpPr>
+          <a:xfrm>
+            <a:off x="905395" y="592"/>
+            <a:ext cx="2250363" cy="1044300"/>
+            <a:chOff x="905395" y="592"/>
+            <a:chExt cx="2250363" cy="1044300"/>
+          </a:xfrm>
+        </p:grpSpPr>
+        <p:sp>
+          <p:nvSpPr>
+            <p:cNvPr id="19" name="Google Shape;19;p2"/>
+            <p:cNvSpPr/>
+            <p:nvPr/>
+          </p:nvSpPr>
+          <p:spPr>
+            <a:xfrm>
+              <a:off x="1414258" y="592"/>
+              <a:ext cx="1741500" cy="1044300"/>
+            </a:xfrm>
+            <a:prstGeom prst="parallelogram">
+              <a:avLst>
+                <a:gd fmla="val 153193" name="adj"/>
+              </a:avLst>
+            </a:prstGeom>
+            <a:solidFill>
+              <a:schemeClr val="accent6"/>
+            </a:solidFill>
+            <a:ln>
+              <a:noFill/>
+            </a:ln>
+          </p:spPr>
+          <p:txBody>
+            <a:bodyPr anchorCtr="0" anchor="ctr" bIns="91425" lIns="91425" spcFirstLastPara="1" rIns="91425" wrap="square" tIns="91425">
+              <a:noAutofit/>
+            </a:bodyPr>
+            <a:lstStyle/>
+            <a:p>
+              <a:pPr indent="0" lvl="0" marL="0" rtl="0" algn="l">
+                <a:spcBef>
+                  <a:spcPts val="0"/>
+                </a:spcBef>
+                <a:spcAft>
+                  <a:spcPts val="0"/>
+                </a:spcAft>
+                <a:buNone/>
+              </a:pPr>
+              <a:r>
+                <a:t/>
+              </a:r>
+              <a:endParaRPr/>
+            </a:p>
+          </p:txBody>
+        </p:sp>
+        <p:sp>
+          <p:nvSpPr>
+            <p:cNvPr id="20" name="Google Shape;20;p2"/>
+            <p:cNvSpPr/>
+            <p:nvPr/>
+          </p:nvSpPr>
+          <p:spPr>
+            <a:xfrm>
+              <a:off x="1159826" y="592"/>
+              <a:ext cx="1741500" cy="1044300"/>
+            </a:xfrm>
+            <a:prstGeom prst="parallelogram">
+              <a:avLst>
+                <a:gd fmla="val 153193" name="adj"/>
+              </a:avLst>
+            </a:prstGeom>
+            <a:solidFill>
+              <a:schemeClr val="accent6"/>
+            </a:solidFill>
+            <a:ln>
+              <a:noFill/>
+            </a:ln>
+          </p:spPr>
+          <p:txBody>
+            <a:bodyPr anchorCtr="0" anchor="ctr" bIns="91425" lIns="91425" spcFirstLastPara="1" rIns="91425" wrap="square" tIns="91425">
+              <a:noAutofit/>
+            </a:bodyPr>
+            <a:lstStyle/>
+            <a:p>
+              <a:pPr indent="0" lvl="0" marL="0" rtl="0" algn="l">
+                <a:spcBef>
+                  <a:spcPts val="0"/>
+                </a:spcBef>
+                <a:spcAft>
+                  <a:spcPts val="0"/>
+                </a:spcAft>
+                <a:buNone/>
+              </a:pPr>
+              <a:r>
+                <a:t/>
+              </a:r>
+              <a:endParaRPr/>
+            </a:p>
+          </p:txBody>
+        </p:sp>
+        <p:sp>
+          <p:nvSpPr>
+            <p:cNvPr id="21" name="Google Shape;21;p2"/>
+            <p:cNvSpPr/>
+            <p:nvPr/>
+          </p:nvSpPr>
+          <p:spPr>
+            <a:xfrm>
+              <a:off x="905395" y="592"/>
+              <a:ext cx="1741500" cy="1044300"/>
+            </a:xfrm>
+            <a:prstGeom prst="parallelogram">
+              <a:avLst>
+                <a:gd fmla="val 153193" name="adj"/>
+              </a:avLst>
+            </a:prstGeom>
+            <a:solidFill>
+              <a:schemeClr val="accent6"/>
+            </a:solidFill>
+            <a:ln>
+              <a:noFill/>
+            </a:ln>
+          </p:spPr>
+          <p:txBody>
+            <a:bodyPr anchorCtr="0" anchor="ctr" bIns="91425" lIns="91425" spcFirstLastPara="1" rIns="91425" wrap="square" tIns="91425">
+              <a:noAutofit/>
+            </a:bodyPr>
+            <a:lstStyle/>
+            <a:p>
+              <a:pPr indent="0" lvl="0" marL="0" rtl="0" algn="l">
+                <a:spcBef>
+                  <a:spcPts val="0"/>
+                </a:spcBef>
+                <a:spcAft>
+                  <a:spcPts val="0"/>
+                </a:spcAft>
+                <a:buNone/>
+              </a:pPr>
+              <a:r>
+                <a:t/>
+              </a:r>
+              <a:endParaRPr/>
+            </a:p>
+          </p:txBody>
+        </p:sp>
+      </p:grpSp>
+      <p:grpSp>
+        <p:nvGrpSpPr>
+          <p:cNvPr id="22" name="Google Shape;22;p2"/>
+          <p:cNvGrpSpPr/>
+          <p:nvPr/>
+        </p:nvGrpSpPr>
+        <p:grpSpPr>
+          <a:xfrm>
+            <a:off x="7057468" y="5088"/>
+            <a:ext cx="1851282" cy="752108"/>
+            <a:chOff x="6917201" y="0"/>
+            <a:chExt cx="2227777" cy="863400"/>
+          </a:xfrm>
+        </p:grpSpPr>
+        <p:sp>
+          <p:nvSpPr>
+            <p:cNvPr id="23" name="Google Shape;23;p2"/>
+            <p:cNvSpPr/>
+            <p:nvPr/>
+          </p:nvSpPr>
+          <p:spPr>
+            <a:xfrm>
+              <a:off x="7641677" y="0"/>
+              <a:ext cx="1503300" cy="863400"/>
+            </a:xfrm>
+            <a:prstGeom prst="parallelogram">
+              <a:avLst>
+                <a:gd fmla="val 158024" name="adj"/>
+              </a:avLst>
+            </a:prstGeom>
+            <a:solidFill>
+              <a:schemeClr val="dk2"/>
+            </a:solidFill>
+            <a:ln>
+              <a:noFill/>
+            </a:ln>
+          </p:spPr>
+          <p:txBody>
+            <a:bodyPr anchorCtr="0" anchor="ctr" bIns="91425" lIns="91425" spcFirstLastPara="1" rIns="91425" wrap="square" tIns="91425">
+              <a:noAutofit/>
+            </a:bodyPr>
+            <a:lstStyle/>
+            <a:p>
+              <a:pPr indent="0" lvl="0" marL="0" rtl="0" algn="l">
+                <a:spcBef>
+                  <a:spcPts val="0"/>
+                </a:spcBef>
+                <a:spcAft>
+                  <a:spcPts val="0"/>
+                </a:spcAft>
+                <a:buNone/>
+              </a:pPr>
+              <a:r>
+                <a:t/>
+              </a:r>
+              <a:endParaRPr/>
+            </a:p>
+          </p:txBody>
+        </p:sp>
+        <p:sp>
+          <p:nvSpPr>
+            <p:cNvPr id="24" name="Google Shape;24;p2"/>
+            <p:cNvSpPr/>
+            <p:nvPr/>
+          </p:nvSpPr>
+          <p:spPr>
+            <a:xfrm>
+              <a:off x="7279439" y="0"/>
+              <a:ext cx="1503300" cy="863400"/>
+            </a:xfrm>
+            <a:prstGeom prst="parallelogram">
+              <a:avLst>
+                <a:gd fmla="val 158024" name="adj"/>
+              </a:avLst>
+            </a:prstGeom>
+            <a:solidFill>
+              <a:schemeClr val="dk2"/>
+            </a:solidFill>
+            <a:ln>
+              <a:noFill/>
+            </a:ln>
+          </p:spPr>
+          <p:txBody>
+            <a:bodyPr anchorCtr="0" anchor="ctr" bIns="91425" lIns="91425" spcFirstLastPara="1" rIns="91425" wrap="square" tIns="91425">
+              <a:noAutofit/>
+            </a:bodyPr>
+            <a:lstStyle/>
+            <a:p>
+              <a:pPr indent="0" lvl="0" marL="0" rtl="0" algn="l">
+                <a:spcBef>
+                  <a:spcPts val="0"/>
+                </a:spcBef>
+                <a:spcAft>
+                  <a:spcPts val="0"/>
+                </a:spcAft>
+                <a:buNone/>
+              </a:pPr>
+              <a:r>
+                <a:t/>
+              </a:r>
+              <a:endParaRPr/>
+            </a:p>
+          </p:txBody>
+        </p:sp>
+        <p:sp>
+          <p:nvSpPr>
+            <p:cNvPr id="25" name="Google Shape;25;p2"/>
+            <p:cNvSpPr/>
+            <p:nvPr/>
+          </p:nvSpPr>
+          <p:spPr>
+            <a:xfrm>
+              <a:off x="6917201" y="0"/>
+              <a:ext cx="1503300" cy="863400"/>
+            </a:xfrm>
+            <a:prstGeom prst="parallelogram">
+              <a:avLst>
+                <a:gd fmla="val 158024" name="adj"/>
+              </a:avLst>
+            </a:prstGeom>
+            <a:solidFill>
+              <a:schemeClr val="dk2"/>
+            </a:solidFill>
+            <a:ln>
+              <a:noFill/>
+            </a:ln>
+          </p:spPr>
+          <p:txBody>
+            <a:bodyPr anchorCtr="0" anchor="ctr" bIns="91425" lIns="91425" spcFirstLastPara="1" rIns="91425" wrap="square" tIns="91425">
+              <a:noAutofit/>
+            </a:bodyPr>
+            <a:lstStyle/>
+            <a:p>
+              <a:pPr indent="0" lvl="0" marL="0" rtl="0" algn="l">
+                <a:spcBef>
+                  <a:spcPts val="0"/>
+                </a:spcBef>
+                <a:spcAft>
+                  <a:spcPts val="0"/>
+                </a:spcAft>
+                <a:buNone/>
+              </a:pPr>
+              <a:r>
+                <a:t/>
+              </a:r>
+              <a:endParaRPr/>
+            </a:p>
+          </p:txBody>
+        </p:sp>
+      </p:grpSp>
+      <p:grpSp>
+        <p:nvGrpSpPr>
+          <p:cNvPr id="26" name="Google Shape;26;p2"/>
+          <p:cNvGrpSpPr/>
+          <p:nvPr/>
+        </p:nvGrpSpPr>
+        <p:grpSpPr>
+          <a:xfrm>
+            <a:off x="6553032" y="4217852"/>
+            <a:ext cx="2389068" cy="925737"/>
+            <a:chOff x="6917201" y="0"/>
+            <a:chExt cx="2227777" cy="863400"/>
+          </a:xfrm>
+        </p:grpSpPr>
+        <p:sp>
+          <p:nvSpPr>
+            <p:cNvPr id="27" name="Google Shape;27;p2"/>
+            <p:cNvSpPr/>
+            <p:nvPr/>
+          </p:nvSpPr>
+          <p:spPr>
+            <a:xfrm>
+              <a:off x="7641677" y="0"/>
+              <a:ext cx="1503300" cy="863400"/>
+            </a:xfrm>
+            <a:prstGeom prst="parallelogram">
+              <a:avLst>
+                <a:gd fmla="val 158024" name="adj"/>
+              </a:avLst>
+            </a:prstGeom>
+            <a:solidFill>
+              <a:schemeClr val="dk1"/>
+            </a:solidFill>
+            <a:ln>
+              <a:noFill/>
+            </a:ln>
+          </p:spPr>
+          <p:txBody>
+            <a:bodyPr anchorCtr="0" anchor="ctr" bIns="91425" lIns="91425" spcFirstLastPara="1" rIns="91425" wrap="square" tIns="91425">
+              <a:noAutofit/>
+            </a:bodyPr>
+            <a:lstStyle/>
+            <a:p>
+              <a:pPr indent="0" lvl="0" marL="0" rtl="0" algn="l">
+                <a:spcBef>
+                  <a:spcPts val="0"/>
+                </a:spcBef>
+                <a:spcAft>
+                  <a:spcPts val="0"/>
+                </a:spcAft>
+                <a:buNone/>
+              </a:pPr>
+              <a:r>
+                <a:t/>
+              </a:r>
+              <a:endParaRPr/>
+            </a:p>
+          </p:txBody>
+        </p:sp>
+        <p:sp>
+          <p:nvSpPr>
+            <p:cNvPr id="28" name="Google Shape;28;p2"/>
+            <p:cNvSpPr/>
+            <p:nvPr/>
+          </p:nvSpPr>
+          <p:spPr>
+            <a:xfrm>
+              <a:off x="7279439" y="0"/>
+              <a:ext cx="1503300" cy="863400"/>
+            </a:xfrm>
+            <a:prstGeom prst="parallelogram">
+              <a:avLst>
+                <a:gd fmla="val 158024" name="adj"/>
+              </a:avLst>
+            </a:prstGeom>
+            <a:solidFill>
+              <a:schemeClr val="dk1"/>
+            </a:solidFill>
+            <a:ln>
+              <a:noFill/>
+            </a:ln>
+          </p:spPr>
+          <p:txBody>
+            <a:bodyPr anchorCtr="0" anchor="ctr" bIns="91425" lIns="91425" spcFirstLastPara="1" rIns="91425" wrap="square" tIns="91425">
+              <a:noAutofit/>
+            </a:bodyPr>
+            <a:lstStyle/>
+            <a:p>
+              <a:pPr indent="0" lvl="0" marL="0" rtl="0" algn="l">
+                <a:spcBef>
+                  <a:spcPts val="0"/>
+                </a:spcBef>
+                <a:spcAft>
+                  <a:spcPts val="0"/>
+                </a:spcAft>
+                <a:buNone/>
+              </a:pPr>
+              <a:r>
+                <a:t/>
+              </a:r>
+              <a:endParaRPr/>
+            </a:p>
+          </p:txBody>
+        </p:sp>
+        <p:sp>
+          <p:nvSpPr>
+            <p:cNvPr id="29" name="Google Shape;29;p2"/>
+            <p:cNvSpPr/>
+            <p:nvPr/>
+          </p:nvSpPr>
+          <p:spPr>
+            <a:xfrm>
+              <a:off x="6917201" y="0"/>
+              <a:ext cx="1503300" cy="863400"/>
+            </a:xfrm>
+            <a:prstGeom prst="parallelogram">
+              <a:avLst>
+                <a:gd fmla="val 158024" name="adj"/>
+              </a:avLst>
+            </a:prstGeom>
+            <a:solidFill>
+              <a:schemeClr val="dk1"/>
+            </a:solidFill>
+            <a:ln>
+              <a:noFill/>
+            </a:ln>
+          </p:spPr>
+          <p:txBody>
+            <a:bodyPr anchorCtr="0" anchor="ctr" bIns="91425" lIns="91425" spcFirstLastPara="1" rIns="91425" wrap="square" tIns="91425">
+              <a:noAutofit/>
+            </a:bodyPr>
+            <a:lstStyle/>
+            <a:p>
+              <a:pPr indent="0" lvl="0" marL="0" rtl="0" algn="l">
+                <a:spcBef>
+                  <a:spcPts val="0"/>
+                </a:spcBef>
+                <a:spcAft>
+                  <a:spcPts val="0"/>
+                </a:spcAft>
+                <a:buNone/>
+              </a:pPr>
+              <a:r>
+                <a:t/>
+              </a:r>
+              <a:endParaRPr/>
+            </a:p>
+          </p:txBody>
+        </p:sp>
+      </p:grpSp>
+      <p:grpSp>
+        <p:nvGrpSpPr>
+          <p:cNvPr id="30" name="Google Shape;30;p2"/>
+          <p:cNvGrpSpPr/>
+          <p:nvPr/>
+        </p:nvGrpSpPr>
+        <p:grpSpPr>
+          <a:xfrm>
+            <a:off x="199149" y="4055652"/>
+            <a:ext cx="2795414" cy="1083308"/>
+            <a:chOff x="6917201" y="0"/>
+            <a:chExt cx="2227777" cy="863400"/>
+          </a:xfrm>
+        </p:grpSpPr>
+        <p:sp>
+          <p:nvSpPr>
+            <p:cNvPr id="31" name="Google Shape;31;p2"/>
+            <p:cNvSpPr/>
+            <p:nvPr/>
+          </p:nvSpPr>
+          <p:spPr>
+            <a:xfrm>
+              <a:off x="7641677" y="0"/>
+              <a:ext cx="1503300" cy="863400"/>
+            </a:xfrm>
+            <a:prstGeom prst="parallelogram">
+              <a:avLst>
+                <a:gd fmla="val 158024" name="adj"/>
               </a:avLst>
             </a:prstGeom>
             <a:solidFill>
@@ -1920,22 +2558,67 @@
         </p:sp>
         <p:sp>
           <p:nvSpPr>
-            <p:cNvPr id="15" name="Google Shape;15;p2"/>
+            <p:cNvPr id="32" name="Google Shape;32;p2"/>
             <p:cNvSpPr/>
             <p:nvPr/>
           </p:nvSpPr>
           <p:spPr>
-            <a:xfrm flipH="1">
-              <a:off x="652821" y="590035"/>
-              <a:ext cx="2300100" cy="2299800"/>
+            <a:xfrm>
+              <a:off x="7279439" y="0"/>
+              <a:ext cx="1503300" cy="863400"/>
             </a:xfrm>
-            <a:prstGeom prst="diagStripe">
+            <a:prstGeom prst="parallelogram">
               <a:avLst>
-                <a:gd fmla="val 50000" name="adj"/>
+                <a:gd fmla="val 158024" name="adj"/>
               </a:avLst>
             </a:prstGeom>
             <a:solidFill>
-              <a:schemeClr val="lt2"/>
+              <a:schemeClr val="accent1"/>
+            </a:solidFill>
+            <a:ln>
+              <a:noFill/>
+            </a:ln>
+          </p:spPr>
+          <p:txBody>
+            <a:bodyPr anchorCtr="0" anchor="ctr" bIns="91425" lIns="91425" spcFirstLastPara="1" rIns="91425" wrap="square" tIns="91425">
+              <a:noAutofit/>
+            </a:bodyPr>
+            <a:lstStyle/>
+            <a:p>
+              <a:pPr indent="0" lvl="0" marL="0" rtl="0" algn="l">
+                <a:spcBef>
+                  <a:spcPts val="0"/>
+                </a:spcBef>
+                <a:spcAft>
+                  <a:spcPts val="0"/>
+                </a:spcAft>
+                <a:buNone/>
+              </a:pPr>
+              <a:r>
+                <a:t/>
+              </a:r>
+              <a:endParaRPr/>
+            </a:p>
+          </p:txBody>
+        </p:sp>
+        <p:sp>
+          <p:nvSpPr>
+            <p:cNvPr id="33" name="Google Shape;33;p2"/>
+            <p:cNvSpPr/>
+            <p:nvPr/>
+          </p:nvSpPr>
+          <p:spPr>
+            <a:xfrm>
+              <a:off x="6917201" y="0"/>
+              <a:ext cx="1503300" cy="863400"/>
+            </a:xfrm>
+            <a:prstGeom prst="parallelogram">
+              <a:avLst>
+                <a:gd fmla="val 158024" name="adj"/>
+              </a:avLst>
+            </a:prstGeom>
+            <a:solidFill>
+              <a:schemeClr val="accent1"/>
             </a:solidFill>
             <a:ln>
               <a:noFill/>
@@ -1966,7 +2649,7 @@
       </p:grpSp>
       <p:sp>
         <p:nvSpPr>
-          <p:cNvPr id="16" name="Google Shape;16;p2"/>
+          <p:cNvPr id="34" name="Google Shape;34;p2"/>
           <p:cNvSpPr txBox="1"/>
           <p:nvPr>
             <p:ph type="ctrTitle"/>
@@ -1974,8 +2657,133 @@
         </p:nvSpPr>
         <p:spPr>
           <a:xfrm>
-            <a:off x="3537150" y="1578400"/>
-            <a:ext cx="5017500" cy="1578900"/>
+            <a:off x="1858703" y="1822833"/>
+            <a:ext cx="5361300" cy="1448100"/>
+          </a:xfrm>
+          <a:prstGeom prst="rect">
+            <a:avLst/>
+          </a:prstGeom>
+        </p:spPr>
+        <p:txBody>
+          <a:bodyPr anchorCtr="0" anchor="ctr" bIns="91425" lIns="91425" spcFirstLastPara="1" rIns="91425" wrap="square" tIns="91425">
+            <a:normAutofit/>
+          </a:bodyPr>
+          <a:lstStyle>
+            <a:lvl1pPr lvl="0" algn="ctr">
+              <a:spcBef>
+                <a:spcPts val="0"/>
+              </a:spcBef>
+              <a:spcAft>
+                <a:spcPts val="0"/>
+              </a:spcAft>
+              <a:buSzPts val="3800"/>
+              <a:buNone/>
+              <a:defRPr sz="3800"/>
+            </a:lvl1pPr>
+            <a:lvl2pPr lvl="1" algn="ctr">
+              <a:spcBef>
+                <a:spcPts val="0"/>
+              </a:spcBef>
+              <a:spcAft>
+                <a:spcPts val="0"/>
+              </a:spcAft>
+              <a:buSzPts val="3800"/>
+              <a:buNone/>
+              <a:defRPr sz="3800"/>
+            </a:lvl2pPr>
+            <a:lvl3pPr lvl="2" algn="ctr">
+              <a:spcBef>
+                <a:spcPts val="0"/>
+              </a:spcBef>
+              <a:spcAft>
+                <a:spcPts val="0"/>
+              </a:spcAft>
+              <a:buSzPts val="3800"/>
+              <a:buNone/>
+              <a:defRPr sz="3800"/>
+            </a:lvl3pPr>
+            <a:lvl4pPr lvl="3" algn="ctr">
+              <a:spcBef>
+                <a:spcPts val="0"/>
+              </a:spcBef>
+              <a:spcAft>
+                <a:spcPts val="0"/>
+              </a:spcAft>
+              <a:buSzPts val="3800"/>
+              <a:buNone/>
+              <a:defRPr sz="3800"/>
+            </a:lvl4pPr>
+            <a:lvl5pPr lvl="4" algn="ctr">
+              <a:spcBef>
+                <a:spcPts val="0"/>
+              </a:spcBef>
+              <a:spcAft>
+                <a:spcPts val="0"/>
+              </a:spcAft>
+              <a:buSzPts val="3800"/>
+              <a:buNone/>
+              <a:defRPr sz="3800"/>
+            </a:lvl5pPr>
+            <a:lvl6pPr lvl="5" algn="ctr">
+              <a:spcBef>
+                <a:spcPts val="0"/>
+              </a:spcBef>
+              <a:spcAft>
+                <a:spcPts val="0"/>
+              </a:spcAft>
+              <a:buSzPts val="3800"/>
+              <a:buNone/>
+              <a:defRPr sz="3800"/>
+            </a:lvl6pPr>
+            <a:lvl7pPr lvl="6" algn="ctr">
+              <a:spcBef>
+                <a:spcPts val="0"/>
+              </a:spcBef>
+              <a:spcAft>
+                <a:spcPts val="0"/>
+              </a:spcAft>
+              <a:buSzPts val="3800"/>
+              <a:buNone/>
+              <a:defRPr sz="3800"/>
+            </a:lvl7pPr>
+            <a:lvl8pPr lvl="7" algn="ctr">
+              <a:spcBef>
+                <a:spcPts val="0"/>
+              </a:spcBef>
+              <a:spcAft>
+                <a:spcPts val="0"/>
+              </a:spcAft>
+              <a:buSzPts val="3800"/>
+              <a:buNone/>
+              <a:defRPr sz="3800"/>
+            </a:lvl8pPr>
+            <a:lvl9pPr lvl="8" algn="ctr">
+              <a:spcBef>
+                <a:spcPts val="0"/>
+              </a:spcBef>
+              <a:spcAft>
+                <a:spcPts val="0"/>
+              </a:spcAft>
+              <a:buSzPts val="3800"/>
+              <a:buNone/>
+              <a:defRPr sz="3800"/>
+            </a:lvl9pPr>
+          </a:lstStyle>
+          <a:p/>
+        </p:txBody>
+      </p:sp>
+      <p:sp>
+        <p:nvSpPr>
+          <p:cNvPr id="35" name="Google Shape;35;p2"/>
+          <p:cNvSpPr txBox="1"/>
+          <p:nvPr>
+            <p:ph idx="1" type="subTitle"/>
+          </p:nvPr>
+        </p:nvSpPr>
+        <p:spPr>
+          <a:xfrm>
+            <a:off x="1858700" y="3413158"/>
+            <a:ext cx="5361300" cy="522600"/>
           </a:xfrm>
           <a:prstGeom prst="rect">
             <a:avLst/>
@@ -1986,104 +2794,194 @@
             <a:normAutofit/>
           </a:bodyPr>
           <a:lstStyle>
-            <a:lvl1pPr lvl="0">
-              <a:spcBef>
-                <a:spcPts val="0"/>
-              </a:spcBef>
-              <a:spcAft>
-                <a:spcPts val="0"/>
-              </a:spcAft>
-              <a:buSzPts val="4000"/>
-              <a:buNone/>
-              <a:defRPr sz="4000"/>
+            <a:lvl1pPr lvl="0" algn="ctr">
+              <a:lnSpc>
+                <a:spcPct val="100000"/>
+              </a:lnSpc>
+              <a:spcBef>
+                <a:spcPts val="0"/>
+              </a:spcBef>
+              <a:spcAft>
+                <a:spcPts val="0"/>
+              </a:spcAft>
+              <a:buClr>
+                <a:schemeClr val="lt1"/>
+              </a:buClr>
+              <a:buSzPts val="1600"/>
+              <a:buNone/>
+              <a:defRPr sz="1600">
+                <a:solidFill>
+                  <a:schemeClr val="lt1"/>
+                </a:solidFill>
+              </a:defRPr>
             </a:lvl1pPr>
-            <a:lvl2pPr lvl="1">
-              <a:spcBef>
-                <a:spcPts val="0"/>
-              </a:spcBef>
-              <a:spcAft>
-                <a:spcPts val="0"/>
-              </a:spcAft>
-              <a:buSzPts val="4000"/>
-              <a:buNone/>
-              <a:defRPr sz="4000"/>
+            <a:lvl2pPr lvl="1" algn="ctr">
+              <a:lnSpc>
+                <a:spcPct val="100000"/>
+              </a:lnSpc>
+              <a:spcBef>
+                <a:spcPts val="0"/>
+              </a:spcBef>
+              <a:spcAft>
+                <a:spcPts val="0"/>
+              </a:spcAft>
+              <a:buClr>
+                <a:schemeClr val="lt1"/>
+              </a:buClr>
+              <a:buSzPts val="1600"/>
+              <a:buNone/>
+              <a:defRPr sz="1600">
+                <a:solidFill>
+                  <a:schemeClr val="lt1"/>
+                </a:solidFill>
+              </a:defRPr>
             </a:lvl2pPr>
-            <a:lvl3pPr lvl="2">
-              <a:spcBef>
-                <a:spcPts val="0"/>
-              </a:spcBef>
-              <a:spcAft>
-                <a:spcPts val="0"/>
-              </a:spcAft>
-              <a:buSzPts val="4000"/>
-              <a:buNone/>
-              <a:defRPr sz="4000"/>
+            <a:lvl3pPr lvl="2" algn="ctr">
+              <a:lnSpc>
+                <a:spcPct val="100000"/>
+              </a:lnSpc>
+              <a:spcBef>
+                <a:spcPts val="0"/>
+              </a:spcBef>
+              <a:spcAft>
+                <a:spcPts val="0"/>
+              </a:spcAft>
+              <a:buClr>
+                <a:schemeClr val="lt1"/>
+              </a:buClr>
+              <a:buSzPts val="1600"/>
+              <a:buNone/>
+              <a:defRPr sz="1600">
+                <a:solidFill>
+                  <a:schemeClr val="lt1"/>
+                </a:solidFill>
+              </a:defRPr>
             </a:lvl3pPr>
-            <a:lvl4pPr lvl="3">
-              <a:spcBef>
-                <a:spcPts val="0"/>
-              </a:spcBef>
-              <a:spcAft>
-                <a:spcPts val="0"/>
-              </a:spcAft>
-              <a:buSzPts val="4000"/>
-              <a:buNone/>
-              <a:defRPr sz="4000"/>
+            <a:lvl4pPr lvl="3" algn="ctr">
+              <a:lnSpc>
+                <a:spcPct val="100000"/>
+              </a:lnSpc>
+              <a:spcBef>
+                <a:spcPts val="0"/>
+              </a:spcBef>
+              <a:spcAft>
+                <a:spcPts val="0"/>
+              </a:spcAft>
+              <a:buClr>
+                <a:schemeClr val="lt1"/>
+              </a:buClr>
+              <a:buSzPts val="1600"/>
+              <a:buNone/>
+              <a:defRPr sz="1600">
+                <a:solidFill>
+                  <a:schemeClr val="lt1"/>
+                </a:solidFill>
+              </a:defRPr>
             </a:lvl4pPr>
-            <a:lvl5pPr lvl="4">
-              <a:spcBef>
-                <a:spcPts val="0"/>
-              </a:spcBef>
-              <a:spcAft>
-                <a:spcPts val="0"/>
-              </a:spcAft>
-              <a:buSzPts val="4000"/>
-              <a:buNone/>
-              <a:defRPr sz="4000"/>
+            <a:lvl5pPr lvl="4" algn="ctr">
+              <a:lnSpc>
+                <a:spcPct val="100000"/>
+              </a:lnSpc>
+              <a:spcBef>
+                <a:spcPts val="0"/>
+              </a:spcBef>
+              <a:spcAft>
+                <a:spcPts val="0"/>
+              </a:spcAft>
+              <a:buClr>
+                <a:schemeClr val="lt1"/>
+              </a:buClr>
+              <a:buSzPts val="1600"/>
+              <a:buNone/>
+              <a:defRPr sz="1600">
+                <a:solidFill>
+                  <a:schemeClr val="lt1"/>
+                </a:solidFill>
+              </a:defRPr>
             </a:lvl5pPr>
-            <a:lvl6pPr lvl="5">
-              <a:spcBef>
-                <a:spcPts val="0"/>
-              </a:spcBef>
-              <a:spcAft>
-                <a:spcPts val="0"/>
-              </a:spcAft>
-              <a:buSzPts val="4000"/>
-              <a:buNone/>
-              <a:defRPr sz="4000"/>
+            <a:lvl6pPr lvl="5" algn="ctr">
+              <a:lnSpc>
+                <a:spcPct val="100000"/>
+              </a:lnSpc>
+              <a:spcBef>
+                <a:spcPts val="0"/>
+              </a:spcBef>
+              <a:spcAft>
+                <a:spcPts val="0"/>
+              </a:spcAft>
+              <a:buClr>
+                <a:schemeClr val="lt1"/>
+              </a:buClr>
+              <a:buSzPts val="1600"/>
+              <a:buNone/>
+              <a:defRPr sz="1600">
+                <a:solidFill>
+                  <a:schemeClr val="lt1"/>
+                </a:solidFill>
+              </a:defRPr>
             </a:lvl6pPr>
-            <a:lvl7pPr lvl="6">
-              <a:spcBef>
-                <a:spcPts val="0"/>
-              </a:spcBef>
-              <a:spcAft>
-                <a:spcPts val="0"/>
-              </a:spcAft>
-              <a:buSzPts val="4000"/>
-              <a:buNone/>
-              <a:defRPr sz="4000"/>
+            <a:lvl7pPr lvl="6" algn="ctr">
+              <a:lnSpc>
+                <a:spcPct val="100000"/>
+              </a:lnSpc>
+              <a:spcBef>
+                <a:spcPts val="0"/>
+              </a:spcBef>
+              <a:spcAft>
+                <a:spcPts val="0"/>
+              </a:spcAft>
+              <a:buClr>
+                <a:schemeClr val="lt1"/>
+              </a:buClr>
+              <a:buSzPts val="1600"/>
+              <a:buNone/>
+              <a:defRPr sz="1600">
+                <a:solidFill>
+                  <a:schemeClr val="lt1"/>
+                </a:solidFill>
+              </a:defRPr>
             </a:lvl7pPr>
-            <a:lvl8pPr lvl="7">
-              <a:spcBef>
-                <a:spcPts val="0"/>
-              </a:spcBef>
-              <a:spcAft>
-                <a:spcPts val="0"/>
-              </a:spcAft>
-              <a:buSzPts val="4000"/>
-              <a:buNone/>
-              <a:defRPr sz="4000"/>
+            <a:lvl8pPr lvl="7" algn="ctr">
+              <a:lnSpc>
+                <a:spcPct val="100000"/>
+              </a:lnSpc>
+              <a:spcBef>
+                <a:spcPts val="0"/>
+              </a:spcBef>
+              <a:spcAft>
+                <a:spcPts val="0"/>
+              </a:spcAft>
+              <a:buClr>
+                <a:schemeClr val="lt1"/>
+              </a:buClr>
+              <a:buSzPts val="1600"/>
+              <a:buNone/>
+              <a:defRPr sz="1600">
+                <a:solidFill>
+                  <a:schemeClr val="lt1"/>
+                </a:solidFill>
+              </a:defRPr>
             </a:lvl8pPr>
-            <a:lvl9pPr lvl="8">
-              <a:spcBef>
-                <a:spcPts val="0"/>
-              </a:spcBef>
-              <a:spcAft>
-                <a:spcPts val="0"/>
-              </a:spcAft>
-              <a:buSzPts val="4000"/>
-              <a:buNone/>
-              <a:defRPr sz="4000"/>
+            <a:lvl9pPr lvl="8" algn="ctr">
+              <a:lnSpc>
+                <a:spcPct val="100000"/>
+              </a:lnSpc>
+              <a:spcBef>
+                <a:spcPts val="0"/>
+              </a:spcBef>
+              <a:spcAft>
+                <a:spcPts val="0"/>
+              </a:spcAft>
+              <a:buClr>
+                <a:schemeClr val="lt1"/>
+              </a:buClr>
+              <a:buSzPts val="1600"/>
+              <a:buNone/>
+              <a:defRPr sz="1600">
+                <a:solidFill>
+                  <a:schemeClr val="lt1"/>
+                </a:solidFill>
+              </a:defRPr>
             </a:lvl9pPr>
           </a:lstStyle>
           <a:p/>
@@ -2091,159 +2989,7 @@
       </p:sp>
       <p:sp>
         <p:nvSpPr>
-          <p:cNvPr id="17" name="Google Shape;17;p2"/>
-          <p:cNvSpPr txBox="1"/>
-          <p:nvPr>
-            <p:ph idx="1" type="subTitle"/>
-          </p:nvPr>
-        </p:nvSpPr>
-        <p:spPr>
-          <a:xfrm>
-            <a:off x="5083950" y="3924925"/>
-            <a:ext cx="3470700" cy="506100"/>
-          </a:xfrm>
-          <a:prstGeom prst="rect">
-            <a:avLst/>
-          </a:prstGeom>
-        </p:spPr>
-        <p:txBody>
-          <a:bodyPr anchorCtr="0" anchor="t" bIns="91425" lIns="91425" spcFirstLastPara="1" rIns="91425" wrap="square" tIns="91425">
-            <a:normAutofit/>
-          </a:bodyPr>
-          <a:lstStyle>
-            <a:lvl1pPr lvl="0">
-              <a:lnSpc>
-                <a:spcPct val="100000"/>
-              </a:lnSpc>
-              <a:spcBef>
-                <a:spcPts val="0"/>
-              </a:spcBef>
-              <a:spcAft>
-                <a:spcPts val="0"/>
-              </a:spcAft>
-              <a:buSzPts val="1300"/>
-              <a:buNone/>
-              <a:defRPr/>
-            </a:lvl1pPr>
-            <a:lvl2pPr lvl="1">
-              <a:lnSpc>
-                <a:spcPct val="100000"/>
-              </a:lnSpc>
-              <a:spcBef>
-                <a:spcPts val="0"/>
-              </a:spcBef>
-              <a:spcAft>
-                <a:spcPts val="0"/>
-              </a:spcAft>
-              <a:buSzPts val="1300"/>
-              <a:buNone/>
-              <a:defRPr sz="1300"/>
-            </a:lvl2pPr>
-            <a:lvl3pPr lvl="2">
-              <a:lnSpc>
-                <a:spcPct val="100000"/>
-              </a:lnSpc>
-              <a:spcBef>
-                <a:spcPts val="0"/>
-              </a:spcBef>
-              <a:spcAft>
-                <a:spcPts val="0"/>
-              </a:spcAft>
-              <a:buSzPts val="1300"/>
-              <a:buNone/>
-              <a:defRPr sz="1300"/>
-            </a:lvl3pPr>
-            <a:lvl4pPr lvl="3">
-              <a:lnSpc>
-                <a:spcPct val="100000"/>
-              </a:lnSpc>
-              <a:spcBef>
-                <a:spcPts val="0"/>
-              </a:spcBef>
-              <a:spcAft>
-                <a:spcPts val="0"/>
-              </a:spcAft>
-              <a:buSzPts val="1300"/>
-              <a:buNone/>
-              <a:defRPr sz="1300"/>
-            </a:lvl4pPr>
-            <a:lvl5pPr lvl="4">
-              <a:lnSpc>
-                <a:spcPct val="100000"/>
-              </a:lnSpc>
-              <a:spcBef>
-                <a:spcPts val="0"/>
-              </a:spcBef>
-              <a:spcAft>
-                <a:spcPts val="0"/>
-              </a:spcAft>
-              <a:buSzPts val="1300"/>
-              <a:buNone/>
-              <a:defRPr sz="1300"/>
-            </a:lvl5pPr>
-            <a:lvl6pPr lvl="5">
-              <a:lnSpc>
-                <a:spcPct val="100000"/>
-              </a:lnSpc>
-              <a:spcBef>
-                <a:spcPts val="0"/>
-              </a:spcBef>
-              <a:spcAft>
-                <a:spcPts val="0"/>
-              </a:spcAft>
-              <a:buSzPts val="1300"/>
-              <a:buNone/>
-              <a:defRPr sz="1300"/>
-            </a:lvl6pPr>
-            <a:lvl7pPr lvl="6">
-              <a:lnSpc>
-                <a:spcPct val="100000"/>
-              </a:lnSpc>
-              <a:spcBef>
-                <a:spcPts val="0"/>
-              </a:spcBef>
-              <a:spcAft>
-                <a:spcPts val="0"/>
-              </a:spcAft>
-              <a:buSzPts val="1300"/>
-              <a:buNone/>
-              <a:defRPr sz="1300"/>
-            </a:lvl7pPr>
-            <a:lvl8pPr lvl="7">
-              <a:lnSpc>
-                <a:spcPct val="100000"/>
-              </a:lnSpc>
-              <a:spcBef>
-                <a:spcPts val="0"/>
-              </a:spcBef>
-              <a:spcAft>
-                <a:spcPts val="0"/>
-              </a:spcAft>
-              <a:buSzPts val="1300"/>
-              <a:buNone/>
-              <a:defRPr sz="1300"/>
-            </a:lvl8pPr>
-            <a:lvl9pPr lvl="8">
-              <a:lnSpc>
-                <a:spcPct val="100000"/>
-              </a:lnSpc>
-              <a:spcBef>
-                <a:spcPts val="0"/>
-              </a:spcBef>
-              <a:spcAft>
-                <a:spcPts val="0"/>
-              </a:spcAft>
-              <a:buSzPts val="1300"/>
-              <a:buNone/>
-              <a:defRPr sz="1300"/>
-            </a:lvl9pPr>
-          </a:lstStyle>
-          <a:p/>
-        </p:txBody>
-      </p:sp>
-      <p:sp>
-        <p:nvSpPr>
-          <p:cNvPr id="18" name="Google Shape;18;p2"/>
+          <p:cNvPr id="36" name="Google Shape;36;p2"/>
           <p:cNvSpPr txBox="1"/>
           <p:nvPr>
             <p:ph idx="12" type="sldNum"/>
@@ -2251,7 +2997,7 @@
         </p:nvSpPr>
         <p:spPr>
           <a:xfrm>
-            <a:off x="8472458" y="4663217"/>
+            <a:off x="8390734" y="4543668"/>
             <a:ext cx="548700" cy="393600"/>
           </a:xfrm>
           <a:prstGeom prst="rect">
@@ -2329,9 +3075,16 @@
 <file path=ppt/slideLayouts/slideLayout10.xml><?xml version="1.0" encoding="utf-8"?>
 <p:sldLayout xmlns:a="http://schemas.openxmlformats.org/drawingml/2006/main" xmlns:r="http://schemas.openxmlformats.org/officeDocument/2006/relationships" xmlns:mc="http://schemas.openxmlformats.org/markup-compatibility/2006" xmlns:mv="urn:schemas-microsoft-com:mac:vml" xmlns:p="http://schemas.openxmlformats.org/presentationml/2006/main" xmlns:c="http://schemas.openxmlformats.org/drawingml/2006/chart" xmlns:dgm="http://schemas.openxmlformats.org/drawingml/2006/diagram" xmlns:o="urn:schemas-microsoft-com:office:office" xmlns:v="urn:schemas-microsoft-com:vml" xmlns:pvml="urn:schemas-microsoft-com:office:powerpoint" xmlns:com="http://schemas.openxmlformats.org/drawingml/2006/compatibility" xmlns:p14="http://schemas.microsoft.com/office/powerpoint/2010/main" xmlns:p15="http://schemas.microsoft.com/office/powerpoint/2012/main" xmlns:ahyp="http://schemas.microsoft.com/office/drawing/2018/hyperlinkcolor" matchingName="Big number">
   <p:cSld name="BIG_NUMBER">
+    <p:bg>
+      <p:bgPr>
+        <a:solidFill>
+          <a:schemeClr val="accent3"/>
+        </a:solidFill>
+      </p:bgPr>
+    </p:bg>
     <p:spTree>
       <p:nvGrpSpPr>
-        <p:cNvPr id="105" name="Shape 105"/>
+        <p:cNvPr id="109" name="Shape 109"/>
         <p:cNvGrpSpPr/>
         <p:nvPr/>
       </p:nvGrpSpPr>
@@ -2343,255 +3096,63 @@
           <a:chExt cx="0" cy="0"/>
         </a:xfrm>
       </p:grpSpPr>
+      <p:sp>
+        <p:nvSpPr>
+          <p:cNvPr id="110" name="Google Shape;110;p11"/>
+          <p:cNvSpPr/>
+          <p:nvPr/>
+        </p:nvSpPr>
+        <p:spPr>
+          <a:xfrm flipH="1">
+            <a:off x="5569200" y="2834075"/>
+            <a:ext cx="3574800" cy="2309400"/>
+          </a:xfrm>
+          <a:prstGeom prst="rtTriangle">
+            <a:avLst/>
+          </a:prstGeom>
+          <a:solidFill>
+            <a:schemeClr val="dk1"/>
+          </a:solidFill>
+          <a:ln>
+            <a:noFill/>
+          </a:ln>
+        </p:spPr>
+        <p:txBody>
+          <a:bodyPr anchorCtr="0" anchor="ctr" bIns="91425" lIns="91425" spcFirstLastPara="1" rIns="91425" wrap="square" tIns="91425">
+            <a:noAutofit/>
+          </a:bodyPr>
+          <a:lstStyle/>
+          <a:p>
+            <a:pPr indent="0" lvl="0" marL="0" rtl="0" algn="l">
+              <a:spcBef>
+                <a:spcPts val="0"/>
+              </a:spcBef>
+              <a:spcAft>
+                <a:spcPts val="0"/>
+              </a:spcAft>
+              <a:buNone/>
+            </a:pPr>
+            <a:r>
+              <a:t/>
+            </a:r>
+            <a:endParaRPr/>
+          </a:p>
+        </p:txBody>
+      </p:sp>
       <p:grpSp>
         <p:nvGrpSpPr>
-          <p:cNvPr id="106" name="Google Shape;106;p11"/>
+          <p:cNvPr id="111" name="Google Shape;111;p11"/>
           <p:cNvGrpSpPr/>
           <p:nvPr/>
         </p:nvGrpSpPr>
         <p:grpSpPr>
           <a:xfrm>
-            <a:off x="4406400" y="0"/>
-            <a:ext cx="4737600" cy="5143065"/>
-            <a:chOff x="4406400" y="0"/>
-            <a:chExt cx="4737600" cy="5143065"/>
+            <a:off x="5959222" y="4119576"/>
+            <a:ext cx="2520952" cy="1024165"/>
+            <a:chOff x="6917201" y="0"/>
+            <a:chExt cx="2227777" cy="863400"/>
           </a:xfrm>
         </p:grpSpPr>
-        <p:sp>
-          <p:nvSpPr>
-            <p:cNvPr id="107" name="Google Shape;107;p11"/>
-            <p:cNvSpPr/>
-            <p:nvPr/>
-          </p:nvSpPr>
-          <p:spPr>
-            <a:xfrm rot="5400000">
-              <a:off x="4408200" y="-1800"/>
-              <a:ext cx="4734000" cy="4737600"/>
-            </a:xfrm>
-            <a:prstGeom prst="diagStripe">
-              <a:avLst>
-                <a:gd fmla="val 49469" name="adj"/>
-              </a:avLst>
-            </a:prstGeom>
-            <a:solidFill>
-              <a:schemeClr val="lt1">
-                <a:alpha val="3460"/>
-              </a:schemeClr>
-            </a:solidFill>
-            <a:ln>
-              <a:noFill/>
-            </a:ln>
-          </p:spPr>
-          <p:txBody>
-            <a:bodyPr anchorCtr="0" anchor="ctr" bIns="91425" lIns="91425" spcFirstLastPara="1" rIns="91425" wrap="square" tIns="91425">
-              <a:noAutofit/>
-            </a:bodyPr>
-            <a:lstStyle/>
-            <a:p>
-              <a:pPr indent="0" lvl="0" marL="0" rtl="0" algn="l">
-                <a:spcBef>
-                  <a:spcPts val="0"/>
-                </a:spcBef>
-                <a:spcAft>
-                  <a:spcPts val="0"/>
-                </a:spcAft>
-                <a:buNone/>
-              </a:pPr>
-              <a:r>
-                <a:t/>
-              </a:r>
-              <a:endParaRPr/>
-            </a:p>
-          </p:txBody>
-        </p:sp>
-        <p:sp>
-          <p:nvSpPr>
-            <p:cNvPr id="108" name="Google Shape;108;p11"/>
-            <p:cNvSpPr/>
-            <p:nvPr/>
-          </p:nvSpPr>
-          <p:spPr>
-            <a:xfrm rot="5400000">
-              <a:off x="4841125" y="5700"/>
-              <a:ext cx="4298100" cy="4286700"/>
-            </a:xfrm>
-            <a:prstGeom prst="diagStripe">
-              <a:avLst>
-                <a:gd fmla="val 0" name="adj"/>
-              </a:avLst>
-            </a:prstGeom>
-            <a:solidFill>
-              <a:schemeClr val="lt1">
-                <a:alpha val="3460"/>
-              </a:schemeClr>
-            </a:solidFill>
-            <a:ln>
-              <a:noFill/>
-            </a:ln>
-          </p:spPr>
-          <p:txBody>
-            <a:bodyPr anchorCtr="0" anchor="ctr" bIns="91425" lIns="91425" spcFirstLastPara="1" rIns="91425" wrap="square" tIns="91425">
-              <a:noAutofit/>
-            </a:bodyPr>
-            <a:lstStyle/>
-            <a:p>
-              <a:pPr indent="0" lvl="0" marL="0" rtl="0" algn="l">
-                <a:spcBef>
-                  <a:spcPts val="0"/>
-                </a:spcBef>
-                <a:spcAft>
-                  <a:spcPts val="0"/>
-                </a:spcAft>
-                <a:buNone/>
-              </a:pPr>
-              <a:r>
-                <a:t/>
-              </a:r>
-              <a:endParaRPr/>
-            </a:p>
-          </p:txBody>
-        </p:sp>
-        <p:sp>
-          <p:nvSpPr>
-            <p:cNvPr id="109" name="Google Shape;109;p11"/>
-            <p:cNvSpPr/>
-            <p:nvPr/>
-          </p:nvSpPr>
-          <p:spPr>
-            <a:xfrm rot="-5400000">
-              <a:off x="5618399" y="1236468"/>
-              <a:ext cx="808800" cy="808800"/>
-            </a:xfrm>
-            <a:prstGeom prst="diagStripe">
-              <a:avLst>
-                <a:gd fmla="val 50000" name="adj"/>
-              </a:avLst>
-            </a:prstGeom>
-            <a:solidFill>
-              <a:schemeClr val="lt1">
-                <a:alpha val="7310"/>
-              </a:schemeClr>
-            </a:solidFill>
-            <a:ln>
-              <a:noFill/>
-            </a:ln>
-          </p:spPr>
-          <p:txBody>
-            <a:bodyPr anchorCtr="0" anchor="ctr" bIns="91425" lIns="91425" spcFirstLastPara="1" rIns="91425" wrap="square" tIns="91425">
-              <a:noAutofit/>
-            </a:bodyPr>
-            <a:lstStyle/>
-            <a:p>
-              <a:pPr indent="0" lvl="0" marL="0" rtl="0" algn="l">
-                <a:spcBef>
-                  <a:spcPts val="0"/>
-                </a:spcBef>
-                <a:spcAft>
-                  <a:spcPts val="0"/>
-                </a:spcAft>
-                <a:buNone/>
-              </a:pPr>
-              <a:r>
-                <a:t/>
-              </a:r>
-              <a:endParaRPr/>
-            </a:p>
-          </p:txBody>
-        </p:sp>
-        <p:sp>
-          <p:nvSpPr>
-            <p:cNvPr id="110" name="Google Shape;110;p11"/>
-            <p:cNvSpPr/>
-            <p:nvPr/>
-          </p:nvSpPr>
-          <p:spPr>
-            <a:xfrm flipH="1">
-              <a:off x="5849857" y="1443956"/>
-              <a:ext cx="808800" cy="808800"/>
-            </a:xfrm>
-            <a:prstGeom prst="diagStripe">
-              <a:avLst>
-                <a:gd fmla="val 50000" name="adj"/>
-              </a:avLst>
-            </a:prstGeom>
-            <a:solidFill>
-              <a:schemeClr val="lt1">
-                <a:alpha val="7310"/>
-              </a:schemeClr>
-            </a:solidFill>
-            <a:ln>
-              <a:noFill/>
-            </a:ln>
-          </p:spPr>
-          <p:txBody>
-            <a:bodyPr anchorCtr="0" anchor="ctr" bIns="91425" lIns="91425" spcFirstLastPara="1" rIns="91425" wrap="square" tIns="91425">
-              <a:noAutofit/>
-            </a:bodyPr>
-            <a:lstStyle/>
-            <a:p>
-              <a:pPr indent="0" lvl="0" marL="0" rtl="0" algn="l">
-                <a:spcBef>
-                  <a:spcPts val="0"/>
-                </a:spcBef>
-                <a:spcAft>
-                  <a:spcPts val="0"/>
-                </a:spcAft>
-                <a:buNone/>
-              </a:pPr>
-              <a:r>
-                <a:t/>
-              </a:r>
-              <a:endParaRPr/>
-            </a:p>
-          </p:txBody>
-        </p:sp>
-        <p:sp>
-          <p:nvSpPr>
-            <p:cNvPr id="111" name="Google Shape;111;p11"/>
-            <p:cNvSpPr/>
-            <p:nvPr/>
-          </p:nvSpPr>
-          <p:spPr>
-            <a:xfrm rot="-5400000">
-              <a:off x="5987081" y="2469465"/>
-              <a:ext cx="808800" cy="808800"/>
-            </a:xfrm>
-            <a:prstGeom prst="diagStripe">
-              <a:avLst>
-                <a:gd fmla="val 50000" name="adj"/>
-              </a:avLst>
-            </a:prstGeom>
-            <a:solidFill>
-              <a:schemeClr val="lt1">
-                <a:alpha val="7310"/>
-              </a:schemeClr>
-            </a:solidFill>
-            <a:ln>
-              <a:noFill/>
-            </a:ln>
-          </p:spPr>
-          <p:txBody>
-            <a:bodyPr anchorCtr="0" anchor="ctr" bIns="91425" lIns="91425" spcFirstLastPara="1" rIns="91425" wrap="square" tIns="91425">
-              <a:noAutofit/>
-            </a:bodyPr>
-            <a:lstStyle/>
-            <a:p>
-              <a:pPr indent="0" lvl="0" marL="0" rtl="0" algn="l">
-                <a:spcBef>
-                  <a:spcPts val="0"/>
-                </a:spcBef>
-                <a:spcAft>
-                  <a:spcPts val="0"/>
-                </a:spcAft>
-                <a:buNone/>
-              </a:pPr>
-              <a:r>
-                <a:t/>
-              </a:r>
-              <a:endParaRPr/>
-            </a:p>
-          </p:txBody>
-        </p:sp>
         <p:sp>
           <p:nvSpPr>
             <p:cNvPr id="112" name="Google Shape;112;p11"/>
@@ -2599,19 +3160,17 @@
             <p:nvPr/>
           </p:nvSpPr>
           <p:spPr>
-            <a:xfrm flipH="1">
-              <a:off x="6222115" y="2676953"/>
-              <a:ext cx="808800" cy="808800"/>
+            <a:xfrm>
+              <a:off x="7641677" y="0"/>
+              <a:ext cx="1503300" cy="863400"/>
             </a:xfrm>
-            <a:prstGeom prst="diagStripe">
+            <a:prstGeom prst="parallelogram">
               <a:avLst>
-                <a:gd fmla="val 50000" name="adj"/>
+                <a:gd fmla="val 158024" name="adj"/>
               </a:avLst>
             </a:prstGeom>
             <a:solidFill>
-              <a:schemeClr val="lt1">
-                <a:alpha val="7310"/>
-              </a:schemeClr>
+              <a:schemeClr val="accent3"/>
             </a:solidFill>
             <a:ln>
               <a:noFill/>
@@ -2646,19 +3205,17 @@
             <p:nvPr/>
           </p:nvSpPr>
           <p:spPr>
-            <a:xfrm rot="-5400000">
-              <a:off x="6675341" y="1862018"/>
-              <a:ext cx="808800" cy="808800"/>
+            <a:xfrm>
+              <a:off x="7279439" y="0"/>
+              <a:ext cx="1503300" cy="863400"/>
             </a:xfrm>
-            <a:prstGeom prst="diagStripe">
+            <a:prstGeom prst="parallelogram">
               <a:avLst>
-                <a:gd fmla="val 50000" name="adj"/>
+                <a:gd fmla="val 158024" name="adj"/>
               </a:avLst>
             </a:prstGeom>
             <a:solidFill>
-              <a:schemeClr val="lt1">
-                <a:alpha val="7310"/>
-              </a:schemeClr>
+              <a:schemeClr val="accent3"/>
             </a:solidFill>
             <a:ln>
               <a:noFill/>
@@ -2693,17 +3250,17 @@
             <p:nvPr/>
           </p:nvSpPr>
           <p:spPr>
-            <a:xfrm flipH="1">
-              <a:off x="6908099" y="2069505"/>
-              <a:ext cx="808800" cy="808800"/>
+            <a:xfrm>
+              <a:off x="6917201" y="0"/>
+              <a:ext cx="1503300" cy="863400"/>
             </a:xfrm>
-            <a:prstGeom prst="diagStripe">
+            <a:prstGeom prst="parallelogram">
               <a:avLst>
-                <a:gd fmla="val 50000" name="adj"/>
+                <a:gd fmla="val 158024" name="adj"/>
               </a:avLst>
             </a:prstGeom>
             <a:solidFill>
-              <a:schemeClr val="lt2"/>
+              <a:schemeClr val="accent3"/>
             </a:solidFill>
             <a:ln>
               <a:noFill/>
@@ -2731,53 +3288,21 @@
             </a:p>
           </p:txBody>
         </p:sp>
-        <p:sp>
-          <p:nvSpPr>
-            <p:cNvPr id="115" name="Google Shape;115;p11"/>
-            <p:cNvSpPr/>
-            <p:nvPr/>
-          </p:nvSpPr>
-          <p:spPr>
-            <a:xfrm rot="-5400000">
-              <a:off x="6861141" y="2477810"/>
-              <a:ext cx="808800" cy="808800"/>
-            </a:xfrm>
-            <a:prstGeom prst="diagStripe">
-              <a:avLst>
-                <a:gd fmla="val 50000" name="adj"/>
-              </a:avLst>
-            </a:prstGeom>
-            <a:solidFill>
-              <a:schemeClr val="lt1">
-                <a:alpha val="7310"/>
-              </a:schemeClr>
-            </a:solidFill>
-            <a:ln>
-              <a:noFill/>
-            </a:ln>
-          </p:spPr>
-          <p:txBody>
-            <a:bodyPr anchorCtr="0" anchor="ctr" bIns="91425" lIns="91425" spcFirstLastPara="1" rIns="91425" wrap="square" tIns="91425">
-              <a:noAutofit/>
-            </a:bodyPr>
-            <a:lstStyle/>
-            <a:p>
-              <a:pPr indent="0" lvl="0" marL="0" rtl="0" algn="l">
-                <a:spcBef>
-                  <a:spcPts val="0"/>
-                </a:spcBef>
-                <a:spcAft>
-                  <a:spcPts val="0"/>
-                </a:spcAft>
-                <a:buNone/>
-              </a:pPr>
-              <a:r>
-                <a:t/>
-              </a:r>
-              <a:endParaRPr/>
-            </a:p>
-          </p:txBody>
-        </p:sp>
+      </p:grpSp>
+      <p:grpSp>
+        <p:nvGrpSpPr>
+          <p:cNvPr id="115" name="Google Shape;115;p11"/>
+          <p:cNvGrpSpPr/>
+          <p:nvPr/>
+        </p:nvGrpSpPr>
+        <p:grpSpPr>
+          <a:xfrm>
+            <a:off x="199149" y="2"/>
+            <a:ext cx="2795414" cy="1083308"/>
+            <a:chOff x="6917201" y="0"/>
+            <a:chExt cx="2227777" cy="863400"/>
+          </a:xfrm>
+        </p:grpSpPr>
         <p:sp>
           <p:nvSpPr>
             <p:cNvPr id="116" name="Google Shape;116;p11"/>
@@ -2785,19 +3310,17 @@
             <p:nvPr/>
           </p:nvSpPr>
           <p:spPr>
-            <a:xfrm flipH="1">
-              <a:off x="7965266" y="2692963"/>
-              <a:ext cx="808800" cy="808800"/>
+            <a:xfrm>
+              <a:off x="7641677" y="0"/>
+              <a:ext cx="1503300" cy="863400"/>
             </a:xfrm>
-            <a:prstGeom prst="diagStripe">
+            <a:prstGeom prst="parallelogram">
               <a:avLst>
-                <a:gd fmla="val 50000" name="adj"/>
+                <a:gd fmla="val 158024" name="adj"/>
               </a:avLst>
             </a:prstGeom>
             <a:solidFill>
-              <a:schemeClr val="lt1">
-                <a:alpha val="7310"/>
-              </a:schemeClr>
+              <a:schemeClr val="dk2"/>
             </a:solidFill>
             <a:ln>
               <a:noFill/>
@@ -2832,19 +3355,17 @@
             <p:nvPr/>
           </p:nvSpPr>
           <p:spPr>
-            <a:xfrm flipH="1">
-              <a:off x="8145082" y="3308755"/>
-              <a:ext cx="808800" cy="808800"/>
+            <a:xfrm>
+              <a:off x="7279439" y="0"/>
+              <a:ext cx="1503300" cy="863400"/>
             </a:xfrm>
-            <a:prstGeom prst="diagStripe">
+            <a:prstGeom prst="parallelogram">
               <a:avLst>
-                <a:gd fmla="val 50000" name="adj"/>
+                <a:gd fmla="val 158024" name="adj"/>
               </a:avLst>
             </a:prstGeom>
             <a:solidFill>
-              <a:schemeClr val="lt1">
-                <a:alpha val="7310"/>
-              </a:schemeClr>
+              <a:schemeClr val="dk2"/>
             </a:solidFill>
             <a:ln>
               <a:noFill/>
@@ -2879,299 +3400,17 @@
             <p:nvPr/>
           </p:nvSpPr>
           <p:spPr>
-            <a:xfrm rot="-5400000">
-              <a:off x="7047599" y="3095015"/>
-              <a:ext cx="808800" cy="808800"/>
+            <a:xfrm>
+              <a:off x="6917201" y="0"/>
+              <a:ext cx="1503300" cy="863400"/>
             </a:xfrm>
-            <a:prstGeom prst="diagStripe">
+            <a:prstGeom prst="parallelogram">
               <a:avLst>
-                <a:gd fmla="val 50000" name="adj"/>
+                <a:gd fmla="val 158024" name="adj"/>
               </a:avLst>
             </a:prstGeom>
             <a:solidFill>
-              <a:schemeClr val="lt1">
-                <a:alpha val="7310"/>
-              </a:schemeClr>
-            </a:solidFill>
-            <a:ln>
-              <a:noFill/>
-            </a:ln>
-          </p:spPr>
-          <p:txBody>
-            <a:bodyPr anchorCtr="0" anchor="ctr" bIns="91425" lIns="91425" spcFirstLastPara="1" rIns="91425" wrap="square" tIns="91425">
-              <a:noAutofit/>
-            </a:bodyPr>
-            <a:lstStyle/>
-            <a:p>
-              <a:pPr indent="0" lvl="0" marL="0" rtl="0" algn="l">
-                <a:spcBef>
-                  <a:spcPts val="0"/>
-                </a:spcBef>
-                <a:spcAft>
-                  <a:spcPts val="0"/>
-                </a:spcAft>
-                <a:buNone/>
-              </a:pPr>
-              <a:r>
-                <a:t/>
-              </a:r>
-              <a:endParaRPr/>
-            </a:p>
-          </p:txBody>
-        </p:sp>
-        <p:sp>
-          <p:nvSpPr>
-            <p:cNvPr id="119" name="Google Shape;119;p11"/>
-            <p:cNvSpPr/>
-            <p:nvPr/>
-          </p:nvSpPr>
-          <p:spPr>
-            <a:xfrm flipH="1">
-              <a:off x="7276649" y="3302502"/>
-              <a:ext cx="808800" cy="808800"/>
-            </a:xfrm>
-            <a:prstGeom prst="diagStripe">
-              <a:avLst>
-                <a:gd fmla="val 50000" name="adj"/>
-              </a:avLst>
-            </a:prstGeom>
-            <a:solidFill>
-              <a:schemeClr val="lt1">
-                <a:alpha val="7310"/>
-              </a:schemeClr>
-            </a:solidFill>
-            <a:ln>
-              <a:noFill/>
-            </a:ln>
-          </p:spPr>
-          <p:txBody>
-            <a:bodyPr anchorCtr="0" anchor="ctr" bIns="91425" lIns="91425" spcFirstLastPara="1" rIns="91425" wrap="square" tIns="91425">
-              <a:noAutofit/>
-            </a:bodyPr>
-            <a:lstStyle/>
-            <a:p>
-              <a:pPr indent="0" lvl="0" marL="0" rtl="0" algn="l">
-                <a:spcBef>
-                  <a:spcPts val="0"/>
-                </a:spcBef>
-                <a:spcAft>
-                  <a:spcPts val="0"/>
-                </a:spcAft>
-                <a:buNone/>
-              </a:pPr>
-              <a:r>
-                <a:t/>
-              </a:r>
-              <a:endParaRPr/>
-            </a:p>
-          </p:txBody>
-        </p:sp>
-        <p:sp>
-          <p:nvSpPr>
-            <p:cNvPr id="120" name="Google Shape;120;p11"/>
-            <p:cNvSpPr/>
-            <p:nvPr/>
-          </p:nvSpPr>
-          <p:spPr>
-            <a:xfrm rot="-5400000">
-              <a:off x="7227414" y="3710807"/>
-              <a:ext cx="808800" cy="808800"/>
-            </a:xfrm>
-            <a:prstGeom prst="diagStripe">
-              <a:avLst>
-                <a:gd fmla="val 50000" name="adj"/>
-              </a:avLst>
-            </a:prstGeom>
-            <a:solidFill>
-              <a:schemeClr val="accent1"/>
-            </a:solidFill>
-            <a:ln>
-              <a:noFill/>
-            </a:ln>
-          </p:spPr>
-          <p:txBody>
-            <a:bodyPr anchorCtr="0" anchor="ctr" bIns="91425" lIns="91425" spcFirstLastPara="1" rIns="91425" wrap="square" tIns="91425">
-              <a:noAutofit/>
-            </a:bodyPr>
-            <a:lstStyle/>
-            <a:p>
-              <a:pPr indent="0" lvl="0" marL="0" rtl="0" algn="l">
-                <a:spcBef>
-                  <a:spcPts val="0"/>
-                </a:spcBef>
-                <a:spcAft>
-                  <a:spcPts val="0"/>
-                </a:spcAft>
-                <a:buNone/>
-              </a:pPr>
-              <a:r>
-                <a:t/>
-              </a:r>
-              <a:endParaRPr/>
-            </a:p>
-          </p:txBody>
-        </p:sp>
-        <p:sp>
-          <p:nvSpPr>
-            <p:cNvPr id="121" name="Google Shape;121;p11"/>
-            <p:cNvSpPr/>
-            <p:nvPr/>
-          </p:nvSpPr>
-          <p:spPr>
-            <a:xfrm flipH="1">
-              <a:off x="7462448" y="3918294"/>
-              <a:ext cx="808800" cy="808800"/>
-            </a:xfrm>
-            <a:prstGeom prst="diagStripe">
-              <a:avLst>
-                <a:gd fmla="val 50000" name="adj"/>
-              </a:avLst>
-            </a:prstGeom>
-            <a:solidFill>
-              <a:schemeClr val="lt1">
-                <a:alpha val="7310"/>
-              </a:schemeClr>
-            </a:solidFill>
-            <a:ln>
-              <a:noFill/>
-            </a:ln>
-          </p:spPr>
-          <p:txBody>
-            <a:bodyPr anchorCtr="0" anchor="ctr" bIns="91425" lIns="91425" spcFirstLastPara="1" rIns="91425" wrap="square" tIns="91425">
-              <a:noAutofit/>
-            </a:bodyPr>
-            <a:lstStyle/>
-            <a:p>
-              <a:pPr indent="0" lvl="0" marL="0" rtl="0" algn="l">
-                <a:spcBef>
-                  <a:spcPts val="0"/>
-                </a:spcBef>
-                <a:spcAft>
-                  <a:spcPts val="0"/>
-                </a:spcAft>
-                <a:buNone/>
-              </a:pPr>
-              <a:r>
-                <a:t/>
-              </a:r>
-              <a:endParaRPr/>
-            </a:p>
-          </p:txBody>
-        </p:sp>
-        <p:sp>
-          <p:nvSpPr>
-            <p:cNvPr id="122" name="Google Shape;122;p11"/>
-            <p:cNvSpPr/>
-            <p:nvPr/>
-          </p:nvSpPr>
-          <p:spPr>
-            <a:xfrm rot="-5400000">
-              <a:off x="8102491" y="3718473"/>
-              <a:ext cx="808800" cy="808800"/>
-            </a:xfrm>
-            <a:prstGeom prst="diagStripe">
-              <a:avLst>
-                <a:gd fmla="val 50000" name="adj"/>
-              </a:avLst>
-            </a:prstGeom>
-            <a:solidFill>
-              <a:schemeClr val="lt1">
-                <a:alpha val="7310"/>
-              </a:schemeClr>
-            </a:solidFill>
-            <a:ln>
-              <a:noFill/>
-            </a:ln>
-          </p:spPr>
-          <p:txBody>
-            <a:bodyPr anchorCtr="0" anchor="ctr" bIns="91425" lIns="91425" spcFirstLastPara="1" rIns="91425" wrap="square" tIns="91425">
-              <a:noAutofit/>
-            </a:bodyPr>
-            <a:lstStyle/>
-            <a:p>
-              <a:pPr indent="0" lvl="0" marL="0" rtl="0" algn="l">
-                <a:spcBef>
-                  <a:spcPts val="0"/>
-                </a:spcBef>
-                <a:spcAft>
-                  <a:spcPts val="0"/>
-                </a:spcAft>
-                <a:buNone/>
-              </a:pPr>
-              <a:r>
-                <a:t/>
-              </a:r>
-              <a:endParaRPr/>
-            </a:p>
-          </p:txBody>
-        </p:sp>
-        <p:sp>
-          <p:nvSpPr>
-            <p:cNvPr id="123" name="Google Shape;123;p11"/>
-            <p:cNvSpPr/>
-            <p:nvPr/>
-          </p:nvSpPr>
-          <p:spPr>
-            <a:xfrm flipH="1">
-              <a:off x="8334533" y="3925960"/>
-              <a:ext cx="808800" cy="808800"/>
-            </a:xfrm>
-            <a:prstGeom prst="diagStripe">
-              <a:avLst>
-                <a:gd fmla="val 50000" name="adj"/>
-              </a:avLst>
-            </a:prstGeom>
-            <a:solidFill>
-              <a:schemeClr val="lt1">
-                <a:alpha val="7310"/>
-              </a:schemeClr>
-            </a:solidFill>
-            <a:ln>
-              <a:noFill/>
-            </a:ln>
-          </p:spPr>
-          <p:txBody>
-            <a:bodyPr anchorCtr="0" anchor="ctr" bIns="91425" lIns="91425" spcFirstLastPara="1" rIns="91425" wrap="square" tIns="91425">
-              <a:noAutofit/>
-            </a:bodyPr>
-            <a:lstStyle/>
-            <a:p>
-              <a:pPr indent="0" lvl="0" marL="0" rtl="0" algn="l">
-                <a:spcBef>
-                  <a:spcPts val="0"/>
-                </a:spcBef>
-                <a:spcAft>
-                  <a:spcPts val="0"/>
-                </a:spcAft>
-                <a:buNone/>
-              </a:pPr>
-              <a:r>
-                <a:t/>
-              </a:r>
-              <a:endParaRPr/>
-            </a:p>
-          </p:txBody>
-        </p:sp>
-        <p:sp>
-          <p:nvSpPr>
-            <p:cNvPr id="124" name="Google Shape;124;p11"/>
-            <p:cNvSpPr/>
-            <p:nvPr/>
-          </p:nvSpPr>
-          <p:spPr>
-            <a:xfrm rot="-5400000">
-              <a:off x="8288290" y="4334265"/>
-              <a:ext cx="808800" cy="808800"/>
-            </a:xfrm>
-            <a:prstGeom prst="diagStripe">
-              <a:avLst>
-                <a:gd fmla="val 50000" name="adj"/>
-              </a:avLst>
-            </a:prstGeom>
-            <a:solidFill>
-              <a:schemeClr val="lt1">
-                <a:alpha val="7310"/>
-              </a:schemeClr>
+              <a:schemeClr val="dk2"/>
             </a:solidFill>
             <a:ln>
               <a:noFill/>
@@ -3202,7 +3441,7 @@
       </p:grpSp>
       <p:sp>
         <p:nvSpPr>
-          <p:cNvPr id="125" name="Google Shape;125;p11"/>
+          <p:cNvPr id="119" name="Google Shape;119;p11"/>
           <p:cNvSpPr txBox="1"/>
           <p:nvPr>
             <p:ph hasCustomPrompt="1" type="title"/>
@@ -3210,116 +3449,179 @@
         </p:nvSpPr>
         <p:spPr>
           <a:xfrm>
-            <a:off x="823850" y="1284675"/>
-            <a:ext cx="4776000" cy="1300800"/>
+            <a:off x="1385850" y="1383850"/>
+            <a:ext cx="6372300" cy="1379700"/>
           </a:xfrm>
           <a:prstGeom prst="rect">
             <a:avLst/>
           </a:prstGeom>
         </p:spPr>
         <p:txBody>
-          <a:bodyPr anchorCtr="0" anchor="t" bIns="91425" lIns="91425" spcFirstLastPara="1" rIns="91425" wrap="square" tIns="91425">
+          <a:bodyPr anchorCtr="0" anchor="ctr" bIns="91425" lIns="91425" spcFirstLastPara="1" rIns="91425" wrap="square" tIns="91425">
             <a:normAutofit/>
           </a:bodyPr>
           <a:lstStyle>
-            <a:lvl1pPr lvl="0">
-              <a:spcBef>
-                <a:spcPts val="0"/>
-              </a:spcBef>
-              <a:spcAft>
-                <a:spcPts val="0"/>
-              </a:spcAft>
-              <a:buSzPts val="8000"/>
-              <a:buNone/>
-              <a:defRPr sz="8000"/>
+            <a:lvl1pPr lvl="0" algn="ctr">
+              <a:spcBef>
+                <a:spcPts val="0"/>
+              </a:spcBef>
+              <a:spcAft>
+                <a:spcPts val="0"/>
+              </a:spcAft>
+              <a:buClr>
+                <a:schemeClr val="dk2"/>
+              </a:buClr>
+              <a:buSzPts val="8600"/>
+              <a:buNone/>
+              <a:defRPr sz="8600">
+                <a:solidFill>
+                  <a:schemeClr val="dk2"/>
+                </a:solidFill>
+              </a:defRPr>
             </a:lvl1pPr>
-            <a:lvl2pPr lvl="1">
-              <a:spcBef>
-                <a:spcPts val="0"/>
-              </a:spcBef>
-              <a:spcAft>
-                <a:spcPts val="0"/>
-              </a:spcAft>
-              <a:buSzPts val="8000"/>
-              <a:buNone/>
-              <a:defRPr sz="8000"/>
+            <a:lvl2pPr lvl="1" algn="ctr">
+              <a:spcBef>
+                <a:spcPts val="0"/>
+              </a:spcBef>
+              <a:spcAft>
+                <a:spcPts val="0"/>
+              </a:spcAft>
+              <a:buClr>
+                <a:schemeClr val="dk2"/>
+              </a:buClr>
+              <a:buSzPts val="8600"/>
+              <a:buNone/>
+              <a:defRPr sz="8600">
+                <a:solidFill>
+                  <a:schemeClr val="dk2"/>
+                </a:solidFill>
+              </a:defRPr>
             </a:lvl2pPr>
-            <a:lvl3pPr lvl="2">
-              <a:spcBef>
-                <a:spcPts val="0"/>
-              </a:spcBef>
-              <a:spcAft>
-                <a:spcPts val="0"/>
-              </a:spcAft>
-              <a:buSzPts val="8000"/>
-              <a:buNone/>
-              <a:defRPr sz="8000"/>
+            <a:lvl3pPr lvl="2" algn="ctr">
+              <a:spcBef>
+                <a:spcPts val="0"/>
+              </a:spcBef>
+              <a:spcAft>
+                <a:spcPts val="0"/>
+              </a:spcAft>
+              <a:buClr>
+                <a:schemeClr val="dk2"/>
+              </a:buClr>
+              <a:buSzPts val="8600"/>
+              <a:buNone/>
+              <a:defRPr sz="8600">
+                <a:solidFill>
+                  <a:schemeClr val="dk2"/>
+                </a:solidFill>
+              </a:defRPr>
             </a:lvl3pPr>
-            <a:lvl4pPr lvl="3">
-              <a:spcBef>
-                <a:spcPts val="0"/>
-              </a:spcBef>
-              <a:spcAft>
-                <a:spcPts val="0"/>
-              </a:spcAft>
-              <a:buSzPts val="8000"/>
-              <a:buNone/>
-              <a:defRPr sz="8000"/>
+            <a:lvl4pPr lvl="3" algn="ctr">
+              <a:spcBef>
+                <a:spcPts val="0"/>
+              </a:spcBef>
+              <a:spcAft>
+                <a:spcPts val="0"/>
+              </a:spcAft>
+              <a:buClr>
+                <a:schemeClr val="dk2"/>
+              </a:buClr>
+              <a:buSzPts val="8600"/>
+              <a:buNone/>
+              <a:defRPr sz="8600">
+                <a:solidFill>
+                  <a:schemeClr val="dk2"/>
+                </a:solidFill>
+              </a:defRPr>
             </a:lvl4pPr>
-            <a:lvl5pPr lvl="4">
-              <a:spcBef>
-                <a:spcPts val="0"/>
-              </a:spcBef>
-              <a:spcAft>
-                <a:spcPts val="0"/>
-              </a:spcAft>
-              <a:buSzPts val="8000"/>
-              <a:buNone/>
-              <a:defRPr sz="8000"/>
+            <a:lvl5pPr lvl="4" algn="ctr">
+              <a:spcBef>
+                <a:spcPts val="0"/>
+              </a:spcBef>
+              <a:spcAft>
+                <a:spcPts val="0"/>
+              </a:spcAft>
+              <a:buClr>
+                <a:schemeClr val="dk2"/>
+              </a:buClr>
+              <a:buSzPts val="8600"/>
+              <a:buNone/>
+              <a:defRPr sz="8600">
+                <a:solidFill>
+                  <a:schemeClr val="dk2"/>
+                </a:solidFill>
+              </a:defRPr>
             </a:lvl5pPr>
-            <a:lvl6pPr lvl="5">
-              <a:spcBef>
-                <a:spcPts val="0"/>
-              </a:spcBef>
-              <a:spcAft>
-                <a:spcPts val="0"/>
-              </a:spcAft>
-              <a:buSzPts val="8000"/>
-              <a:buNone/>
-              <a:defRPr sz="8000"/>
+            <a:lvl6pPr lvl="5" algn="ctr">
+              <a:spcBef>
+                <a:spcPts val="0"/>
+              </a:spcBef>
+              <a:spcAft>
+                <a:spcPts val="0"/>
+              </a:spcAft>
+              <a:buClr>
+                <a:schemeClr val="dk2"/>
+              </a:buClr>
+              <a:buSzPts val="8600"/>
+              <a:buNone/>
+              <a:defRPr sz="8600">
+                <a:solidFill>
+                  <a:schemeClr val="dk2"/>
+                </a:solidFill>
+              </a:defRPr>
             </a:lvl6pPr>
-            <a:lvl7pPr lvl="6">
-              <a:spcBef>
-                <a:spcPts val="0"/>
-              </a:spcBef>
-              <a:spcAft>
-                <a:spcPts val="0"/>
-              </a:spcAft>
-              <a:buSzPts val="8000"/>
-              <a:buNone/>
-              <a:defRPr sz="8000"/>
+            <a:lvl7pPr lvl="6" algn="ctr">
+              <a:spcBef>
+                <a:spcPts val="0"/>
+              </a:spcBef>
+              <a:spcAft>
+                <a:spcPts val="0"/>
+              </a:spcAft>
+              <a:buClr>
+                <a:schemeClr val="dk2"/>
+              </a:buClr>
+              <a:buSzPts val="8600"/>
+              <a:buNone/>
+              <a:defRPr sz="8600">
+                <a:solidFill>
+                  <a:schemeClr val="dk2"/>
+                </a:solidFill>
+              </a:defRPr>
             </a:lvl7pPr>
-            <a:lvl8pPr lvl="7">
-              <a:spcBef>
-                <a:spcPts val="0"/>
-              </a:spcBef>
-              <a:spcAft>
-                <a:spcPts val="0"/>
-              </a:spcAft>
-              <a:buSzPts val="8000"/>
-              <a:buNone/>
-              <a:defRPr sz="8000"/>
+            <a:lvl8pPr lvl="7" algn="ctr">
+              <a:spcBef>
+                <a:spcPts val="0"/>
+              </a:spcBef>
+              <a:spcAft>
+                <a:spcPts val="0"/>
+              </a:spcAft>
+              <a:buClr>
+                <a:schemeClr val="dk2"/>
+              </a:buClr>
+              <a:buSzPts val="8600"/>
+              <a:buNone/>
+              <a:defRPr sz="8600">
+                <a:solidFill>
+                  <a:schemeClr val="dk2"/>
+                </a:solidFill>
+              </a:defRPr>
             </a:lvl8pPr>
-            <a:lvl9pPr lvl="8">
-              <a:spcBef>
-                <a:spcPts val="0"/>
-              </a:spcBef>
-              <a:spcAft>
-                <a:spcPts val="0"/>
-              </a:spcAft>
-              <a:buSzPts val="8000"/>
-              <a:buNone/>
-              <a:defRPr sz="8000"/>
+            <a:lvl9pPr lvl="8" algn="ctr">
+              <a:spcBef>
+                <a:spcPts val="0"/>
+              </a:spcBef>
+              <a:spcAft>
+                <a:spcPts val="0"/>
+              </a:spcAft>
+              <a:buClr>
+                <a:schemeClr val="dk2"/>
+              </a:buClr>
+              <a:buSzPts val="8600"/>
+              <a:buNone/>
+              <a:defRPr sz="8600">
+                <a:solidFill>
+                  <a:schemeClr val="dk2"/>
+                </a:solidFill>
+              </a:defRPr>
             </a:lvl9pPr>
           </a:lstStyle>
           <a:p>
@@ -3331,7 +3633,7 @@
       </p:sp>
       <p:sp>
         <p:nvSpPr>
-          <p:cNvPr id="126" name="Google Shape;126;p11"/>
+          <p:cNvPr id="120" name="Google Shape;120;p11"/>
           <p:cNvSpPr txBox="1"/>
           <p:nvPr>
             <p:ph idx="1" type="body"/>
@@ -3339,8 +3641,8 @@
         </p:nvSpPr>
         <p:spPr>
           <a:xfrm>
-            <a:off x="823850" y="2643124"/>
-            <a:ext cx="4776000" cy="1218900"/>
+            <a:off x="1385850" y="2863850"/>
+            <a:ext cx="6372300" cy="641100"/>
           </a:xfrm>
           <a:prstGeom prst="rect">
             <a:avLst/>
@@ -3351,7 +3653,7 @@
             <a:normAutofit/>
           </a:bodyPr>
           <a:lstStyle>
-            <a:lvl1pPr indent="-311150" lvl="0" marL="457200">
+            <a:lvl1pPr indent="-311150" lvl="0" marL="457200" algn="ctr">
               <a:spcBef>
                 <a:spcPts val="0"/>
               </a:spcBef>
@@ -3362,7 +3664,7 @@
               <a:buChar char="●"/>
               <a:defRPr/>
             </a:lvl1pPr>
-            <a:lvl2pPr indent="-298450" lvl="1" marL="914400">
+            <a:lvl2pPr indent="-298450" lvl="1" marL="914400" algn="ctr">
               <a:spcBef>
                 <a:spcPts val="0"/>
               </a:spcBef>
@@ -3373,7 +3675,7 @@
               <a:buChar char="○"/>
               <a:defRPr/>
             </a:lvl2pPr>
-            <a:lvl3pPr indent="-298450" lvl="2" marL="1371600">
+            <a:lvl3pPr indent="-298450" lvl="2" marL="1371600" algn="ctr">
               <a:spcBef>
                 <a:spcPts val="0"/>
               </a:spcBef>
@@ -3384,7 +3686,7 @@
               <a:buChar char="■"/>
               <a:defRPr/>
             </a:lvl3pPr>
-            <a:lvl4pPr indent="-298450" lvl="3" marL="1828800">
+            <a:lvl4pPr indent="-298450" lvl="3" marL="1828800" algn="ctr">
               <a:spcBef>
                 <a:spcPts val="0"/>
               </a:spcBef>
@@ -3395,7 +3697,7 @@
               <a:buChar char="●"/>
               <a:defRPr/>
             </a:lvl4pPr>
-            <a:lvl5pPr indent="-298450" lvl="4" marL="2286000">
+            <a:lvl5pPr indent="-298450" lvl="4" marL="2286000" algn="ctr">
               <a:spcBef>
                 <a:spcPts val="0"/>
               </a:spcBef>
@@ -3406,7 +3708,7 @@
               <a:buChar char="○"/>
               <a:defRPr/>
             </a:lvl5pPr>
-            <a:lvl6pPr indent="-298450" lvl="5" marL="2743200">
+            <a:lvl6pPr indent="-298450" lvl="5" marL="2743200" algn="ctr">
               <a:spcBef>
                 <a:spcPts val="0"/>
               </a:spcBef>
@@ -3417,7 +3719,7 @@
               <a:buChar char="■"/>
               <a:defRPr/>
             </a:lvl6pPr>
-            <a:lvl7pPr indent="-298450" lvl="6" marL="3200400">
+            <a:lvl7pPr indent="-298450" lvl="6" marL="3200400" algn="ctr">
               <a:spcBef>
                 <a:spcPts val="0"/>
               </a:spcBef>
@@ -3428,7 +3730,7 @@
               <a:buChar char="●"/>
               <a:defRPr/>
             </a:lvl7pPr>
-            <a:lvl8pPr indent="-298450" lvl="7" marL="3657600">
+            <a:lvl8pPr indent="-298450" lvl="7" marL="3657600" algn="ctr">
               <a:spcBef>
                 <a:spcPts val="0"/>
               </a:spcBef>
@@ -3439,7 +3741,7 @@
               <a:buChar char="○"/>
               <a:defRPr/>
             </a:lvl8pPr>
-            <a:lvl9pPr indent="-298450" lvl="8" marL="4114800">
+            <a:lvl9pPr indent="-298450" lvl="8" marL="4114800" algn="ctr">
               <a:spcBef>
                 <a:spcPts val="0"/>
               </a:spcBef>
@@ -3456,7 +3758,7 @@
       </p:sp>
       <p:sp>
         <p:nvSpPr>
-          <p:cNvPr id="127" name="Google Shape;127;p11"/>
+          <p:cNvPr id="121" name="Google Shape;121;p11"/>
           <p:cNvSpPr txBox="1"/>
           <p:nvPr>
             <p:ph idx="12" type="sldNum"/>
@@ -3464,7 +3766,7 @@
         </p:nvSpPr>
         <p:spPr>
           <a:xfrm>
-            <a:off x="8472458" y="4663217"/>
+            <a:off x="8390734" y="4543668"/>
             <a:ext cx="548700" cy="393600"/>
           </a:xfrm>
           <a:prstGeom prst="rect">
@@ -3544,7 +3846,7 @@
   <p:cSld name="BLANK">
     <p:spTree>
       <p:nvGrpSpPr>
-        <p:cNvPr id="128" name="Shape 128"/>
+        <p:cNvPr id="122" name="Shape 122"/>
         <p:cNvGrpSpPr/>
         <p:nvPr/>
       </p:nvGrpSpPr>
@@ -3558,7 +3860,7 @@
       </p:grpSpPr>
       <p:sp>
         <p:nvSpPr>
-          <p:cNvPr id="129" name="Google Shape;129;p12"/>
+          <p:cNvPr id="123" name="Google Shape;123;p12"/>
           <p:cNvSpPr txBox="1"/>
           <p:nvPr>
             <p:ph idx="12" type="sldNum"/>
@@ -3566,7 +3868,7 @@
         </p:nvSpPr>
         <p:spPr>
           <a:xfrm>
-            <a:off x="8472458" y="4663217"/>
+            <a:off x="8390734" y="4543668"/>
             <a:ext cx="548700" cy="393600"/>
           </a:xfrm>
           <a:prstGeom prst="rect">
@@ -3644,9 +3946,16 @@
 <file path=ppt/slideLayouts/slideLayout2.xml><?xml version="1.0" encoding="utf-8"?>
 <p:sldLayout xmlns:a="http://schemas.openxmlformats.org/drawingml/2006/main" xmlns:r="http://schemas.openxmlformats.org/officeDocument/2006/relationships" xmlns:mc="http://schemas.openxmlformats.org/markup-compatibility/2006" xmlns:mv="urn:schemas-microsoft-com:mac:vml" xmlns:p="http://schemas.openxmlformats.org/presentationml/2006/main" xmlns:c="http://schemas.openxmlformats.org/drawingml/2006/chart" xmlns:dgm="http://schemas.openxmlformats.org/drawingml/2006/diagram" xmlns:o="urn:schemas-microsoft-com:office:office" xmlns:v="urn:schemas-microsoft-com:vml" xmlns:pvml="urn:schemas-microsoft-com:office:powerpoint" xmlns:com="http://schemas.openxmlformats.org/drawingml/2006/compatibility" xmlns:p14="http://schemas.microsoft.com/office/powerpoint/2010/main" xmlns:p15="http://schemas.microsoft.com/office/powerpoint/2012/main" xmlns:ahyp="http://schemas.microsoft.com/office/drawing/2018/hyperlinkcolor" matchingName="Section header" type="secHead">
   <p:cSld name="SECTION_HEADER">
+    <p:bg>
+      <p:bgPr>
+        <a:solidFill>
+          <a:schemeClr val="accent3"/>
+        </a:solidFill>
+      </p:bgPr>
+    </p:bg>
     <p:spTree>
       <p:nvGrpSpPr>
-        <p:cNvPr id="19" name="Shape 19"/>
+        <p:cNvPr id="37" name="Shape 37"/>
         <p:cNvGrpSpPr/>
         <p:nvPr/>
       </p:nvGrpSpPr>
@@ -3658,40 +3967,81 @@
           <a:chExt cx="0" cy="0"/>
         </a:xfrm>
       </p:grpSpPr>
+      <p:sp>
+        <p:nvSpPr>
+          <p:cNvPr id="38" name="Google Shape;38;p3"/>
+          <p:cNvSpPr/>
+          <p:nvPr/>
+        </p:nvSpPr>
+        <p:spPr>
+          <a:xfrm flipH="1">
+            <a:off x="4757100" y="2309400"/>
+            <a:ext cx="4386900" cy="2834100"/>
+          </a:xfrm>
+          <a:prstGeom prst="rtTriangle">
+            <a:avLst/>
+          </a:prstGeom>
+          <a:solidFill>
+            <a:schemeClr val="dk1"/>
+          </a:solidFill>
+          <a:ln>
+            <a:noFill/>
+          </a:ln>
+        </p:spPr>
+        <p:txBody>
+          <a:bodyPr anchorCtr="0" anchor="ctr" bIns="91425" lIns="91425" spcFirstLastPara="1" rIns="91425" wrap="square" tIns="91425">
+            <a:noAutofit/>
+          </a:bodyPr>
+          <a:lstStyle/>
+          <a:p>
+            <a:pPr indent="0" lvl="0" marL="0" rtl="0" algn="l">
+              <a:spcBef>
+                <a:spcPts val="0"/>
+              </a:spcBef>
+              <a:spcAft>
+                <a:spcPts val="0"/>
+              </a:spcAft>
+              <a:buNone/>
+            </a:pPr>
+            <a:r>
+              <a:t/>
+            </a:r>
+            <a:endParaRPr/>
+          </a:p>
+        </p:txBody>
+      </p:sp>
       <p:grpSp>
         <p:nvGrpSpPr>
-          <p:cNvPr id="20" name="Google Shape;20;p3"/>
+          <p:cNvPr id="39" name="Google Shape;39;p3"/>
           <p:cNvGrpSpPr/>
           <p:nvPr/>
         </p:nvGrpSpPr>
         <p:grpSpPr>
           <a:xfrm>
-            <a:off x="4406400" y="0"/>
-            <a:ext cx="4737600" cy="5143065"/>
-            <a:chOff x="4406400" y="0"/>
-            <a:chExt cx="4737600" cy="5143065"/>
+            <a:off x="5594191" y="3961115"/>
+            <a:ext cx="2910145" cy="1182340"/>
+            <a:chOff x="6917201" y="0"/>
+            <a:chExt cx="2227777" cy="863400"/>
           </a:xfrm>
         </p:grpSpPr>
         <p:sp>
           <p:nvSpPr>
-            <p:cNvPr id="21" name="Google Shape;21;p3"/>
+            <p:cNvPr id="40" name="Google Shape;40;p3"/>
             <p:cNvSpPr/>
             <p:nvPr/>
           </p:nvSpPr>
           <p:spPr>
-            <a:xfrm rot="5400000">
-              <a:off x="4408200" y="-1800"/>
-              <a:ext cx="4734000" cy="4737600"/>
+            <a:xfrm>
+              <a:off x="7641677" y="0"/>
+              <a:ext cx="1503300" cy="863400"/>
             </a:xfrm>
-            <a:prstGeom prst="diagStripe">
+            <a:prstGeom prst="parallelogram">
               <a:avLst>
-                <a:gd fmla="val 49469" name="adj"/>
+                <a:gd fmla="val 158024" name="adj"/>
               </a:avLst>
             </a:prstGeom>
             <a:solidFill>
-              <a:schemeClr val="lt1">
-                <a:alpha val="3460"/>
-              </a:schemeClr>
+              <a:schemeClr val="accent3"/>
             </a:solidFill>
             <a:ln>
               <a:noFill/>
@@ -3721,24 +4071,22 @@
         </p:sp>
         <p:sp>
           <p:nvSpPr>
-            <p:cNvPr id="22" name="Google Shape;22;p3"/>
+            <p:cNvPr id="41" name="Google Shape;41;p3"/>
             <p:cNvSpPr/>
             <p:nvPr/>
           </p:nvSpPr>
           <p:spPr>
-            <a:xfrm rot="5400000">
-              <a:off x="4841125" y="5700"/>
-              <a:ext cx="4298100" cy="4286700"/>
+            <a:xfrm>
+              <a:off x="7279439" y="0"/>
+              <a:ext cx="1503300" cy="863400"/>
             </a:xfrm>
-            <a:prstGeom prst="diagStripe">
+            <a:prstGeom prst="parallelogram">
               <a:avLst>
-                <a:gd fmla="val 0" name="adj"/>
+                <a:gd fmla="val 158024" name="adj"/>
               </a:avLst>
             </a:prstGeom>
             <a:solidFill>
-              <a:schemeClr val="lt1">
-                <a:alpha val="3460"/>
-              </a:schemeClr>
+              <a:schemeClr val="accent3"/>
             </a:solidFill>
             <a:ln>
               <a:noFill/>
@@ -3768,24 +4116,82 @@
         </p:sp>
         <p:sp>
           <p:nvSpPr>
-            <p:cNvPr id="23" name="Google Shape;23;p3"/>
+            <p:cNvPr id="42" name="Google Shape;42;p3"/>
             <p:cNvSpPr/>
             <p:nvPr/>
           </p:nvSpPr>
           <p:spPr>
-            <a:xfrm rot="-5400000">
-              <a:off x="5618399" y="1236468"/>
-              <a:ext cx="808800" cy="808800"/>
+            <a:xfrm>
+              <a:off x="6917201" y="0"/>
+              <a:ext cx="1503300" cy="863400"/>
             </a:xfrm>
-            <a:prstGeom prst="diagStripe">
+            <a:prstGeom prst="parallelogram">
               <a:avLst>
-                <a:gd fmla="val 50000" name="adj"/>
+                <a:gd fmla="val 158024" name="adj"/>
               </a:avLst>
             </a:prstGeom>
             <a:solidFill>
-              <a:schemeClr val="lt1">
-                <a:alpha val="7310"/>
-              </a:schemeClr>
+              <a:schemeClr val="accent3"/>
+            </a:solidFill>
+            <a:ln>
+              <a:noFill/>
+            </a:ln>
+          </p:spPr>
+          <p:txBody>
+            <a:bodyPr anchorCtr="0" anchor="ctr" bIns="91425" lIns="91425" spcFirstLastPara="1" rIns="91425" wrap="square" tIns="91425">
+              <a:noAutofit/>
+            </a:bodyPr>
+            <a:lstStyle/>
+            <a:p>
+              <a:pPr indent="0" lvl="0" marL="0" rtl="0" algn="l">
+                <a:spcBef>
+                  <a:spcPts val="0"/>
+                </a:spcBef>
+                <a:spcAft>
+                  <a:spcPts val="0"/>
+                </a:spcAft>
+                <a:buNone/>
+              </a:pPr>
+              <a:r>
+                <a:t/>
+              </a:r>
+              <a:endParaRPr/>
+            </a:p>
+          </p:txBody>
+        </p:sp>
+      </p:grpSp>
+      <p:grpSp>
+        <p:nvGrpSpPr>
+          <p:cNvPr id="43" name="Google Shape;43;p3"/>
+          <p:cNvGrpSpPr/>
+          <p:nvPr/>
+        </p:nvGrpSpPr>
+        <p:grpSpPr>
+          <a:xfrm>
+            <a:off x="199149" y="2"/>
+            <a:ext cx="2795414" cy="1083308"/>
+            <a:chOff x="6917201" y="0"/>
+            <a:chExt cx="2227777" cy="863400"/>
+          </a:xfrm>
+        </p:grpSpPr>
+        <p:sp>
+          <p:nvSpPr>
+            <p:cNvPr id="44" name="Google Shape;44;p3"/>
+            <p:cNvSpPr/>
+            <p:nvPr/>
+          </p:nvSpPr>
+          <p:spPr>
+            <a:xfrm>
+              <a:off x="7641677" y="0"/>
+              <a:ext cx="1503300" cy="863400"/>
+            </a:xfrm>
+            <a:prstGeom prst="parallelogram">
+              <a:avLst>
+                <a:gd fmla="val 158024" name="adj"/>
+              </a:avLst>
+            </a:prstGeom>
+            <a:solidFill>
+              <a:schemeClr val="dk2"/>
             </a:solidFill>
             <a:ln>
               <a:noFill/>
@@ -3815,24 +4221,22 @@
         </p:sp>
         <p:sp>
           <p:nvSpPr>
-            <p:cNvPr id="24" name="Google Shape;24;p3"/>
+            <p:cNvPr id="45" name="Google Shape;45;p3"/>
             <p:cNvSpPr/>
             <p:nvPr/>
           </p:nvSpPr>
           <p:spPr>
-            <a:xfrm flipH="1">
-              <a:off x="5849857" y="1443956"/>
-              <a:ext cx="808800" cy="808800"/>
+            <a:xfrm>
+              <a:off x="7279439" y="0"/>
+              <a:ext cx="1503300" cy="863400"/>
             </a:xfrm>
-            <a:prstGeom prst="diagStripe">
+            <a:prstGeom prst="parallelogram">
               <a:avLst>
-                <a:gd fmla="val 50000" name="adj"/>
+                <a:gd fmla="val 158024" name="adj"/>
               </a:avLst>
             </a:prstGeom>
             <a:solidFill>
-              <a:schemeClr val="lt1">
-                <a:alpha val="7310"/>
-              </a:schemeClr>
+              <a:schemeClr val="dk2"/>
             </a:solidFill>
             <a:ln>
               <a:noFill/>
@@ -3862,631 +4266,22 @@
         </p:sp>
         <p:sp>
           <p:nvSpPr>
-            <p:cNvPr id="25" name="Google Shape;25;p3"/>
+            <p:cNvPr id="46" name="Google Shape;46;p3"/>
             <p:cNvSpPr/>
             <p:nvPr/>
           </p:nvSpPr>
           <p:spPr>
-            <a:xfrm rot="-5400000">
-              <a:off x="5987081" y="2469465"/>
-              <a:ext cx="808800" cy="808800"/>
+            <a:xfrm>
+              <a:off x="6917201" y="0"/>
+              <a:ext cx="1503300" cy="863400"/>
             </a:xfrm>
-            <a:prstGeom prst="diagStripe">
+            <a:prstGeom prst="parallelogram">
               <a:avLst>
-                <a:gd fmla="val 50000" name="adj"/>
+                <a:gd fmla="val 158024" name="adj"/>
               </a:avLst>
             </a:prstGeom>
             <a:solidFill>
-              <a:schemeClr val="lt1">
-                <a:alpha val="7310"/>
-              </a:schemeClr>
-            </a:solidFill>
-            <a:ln>
-              <a:noFill/>
-            </a:ln>
-          </p:spPr>
-          <p:txBody>
-            <a:bodyPr anchorCtr="0" anchor="ctr" bIns="91425" lIns="91425" spcFirstLastPara="1" rIns="91425" wrap="square" tIns="91425">
-              <a:noAutofit/>
-            </a:bodyPr>
-            <a:lstStyle/>
-            <a:p>
-              <a:pPr indent="0" lvl="0" marL="0" rtl="0" algn="l">
-                <a:spcBef>
-                  <a:spcPts val="0"/>
-                </a:spcBef>
-                <a:spcAft>
-                  <a:spcPts val="0"/>
-                </a:spcAft>
-                <a:buNone/>
-              </a:pPr>
-              <a:r>
-                <a:t/>
-              </a:r>
-              <a:endParaRPr/>
-            </a:p>
-          </p:txBody>
-        </p:sp>
-        <p:sp>
-          <p:nvSpPr>
-            <p:cNvPr id="26" name="Google Shape;26;p3"/>
-            <p:cNvSpPr/>
-            <p:nvPr/>
-          </p:nvSpPr>
-          <p:spPr>
-            <a:xfrm flipH="1">
-              <a:off x="6222115" y="2676953"/>
-              <a:ext cx="808800" cy="808800"/>
-            </a:xfrm>
-            <a:prstGeom prst="diagStripe">
-              <a:avLst>
-                <a:gd fmla="val 50000" name="adj"/>
-              </a:avLst>
-            </a:prstGeom>
-            <a:solidFill>
-              <a:schemeClr val="lt1">
-                <a:alpha val="7310"/>
-              </a:schemeClr>
-            </a:solidFill>
-            <a:ln>
-              <a:noFill/>
-            </a:ln>
-          </p:spPr>
-          <p:txBody>
-            <a:bodyPr anchorCtr="0" anchor="ctr" bIns="91425" lIns="91425" spcFirstLastPara="1" rIns="91425" wrap="square" tIns="91425">
-              <a:noAutofit/>
-            </a:bodyPr>
-            <a:lstStyle/>
-            <a:p>
-              <a:pPr indent="0" lvl="0" marL="0" rtl="0" algn="l">
-                <a:spcBef>
-                  <a:spcPts val="0"/>
-                </a:spcBef>
-                <a:spcAft>
-                  <a:spcPts val="0"/>
-                </a:spcAft>
-                <a:buNone/>
-              </a:pPr>
-              <a:r>
-                <a:t/>
-              </a:r>
-              <a:endParaRPr/>
-            </a:p>
-          </p:txBody>
-        </p:sp>
-        <p:sp>
-          <p:nvSpPr>
-            <p:cNvPr id="27" name="Google Shape;27;p3"/>
-            <p:cNvSpPr/>
-            <p:nvPr/>
-          </p:nvSpPr>
-          <p:spPr>
-            <a:xfrm rot="-5400000">
-              <a:off x="6675341" y="1862018"/>
-              <a:ext cx="808800" cy="808800"/>
-            </a:xfrm>
-            <a:prstGeom prst="diagStripe">
-              <a:avLst>
-                <a:gd fmla="val 50000" name="adj"/>
-              </a:avLst>
-            </a:prstGeom>
-            <a:solidFill>
-              <a:schemeClr val="lt1">
-                <a:alpha val="7310"/>
-              </a:schemeClr>
-            </a:solidFill>
-            <a:ln>
-              <a:noFill/>
-            </a:ln>
-          </p:spPr>
-          <p:txBody>
-            <a:bodyPr anchorCtr="0" anchor="ctr" bIns="91425" lIns="91425" spcFirstLastPara="1" rIns="91425" wrap="square" tIns="91425">
-              <a:noAutofit/>
-            </a:bodyPr>
-            <a:lstStyle/>
-            <a:p>
-              <a:pPr indent="0" lvl="0" marL="0" rtl="0" algn="l">
-                <a:spcBef>
-                  <a:spcPts val="0"/>
-                </a:spcBef>
-                <a:spcAft>
-                  <a:spcPts val="0"/>
-                </a:spcAft>
-                <a:buNone/>
-              </a:pPr>
-              <a:r>
-                <a:t/>
-              </a:r>
-              <a:endParaRPr/>
-            </a:p>
-          </p:txBody>
-        </p:sp>
-        <p:sp>
-          <p:nvSpPr>
-            <p:cNvPr id="28" name="Google Shape;28;p3"/>
-            <p:cNvSpPr/>
-            <p:nvPr/>
-          </p:nvSpPr>
-          <p:spPr>
-            <a:xfrm flipH="1">
-              <a:off x="6908099" y="2069505"/>
-              <a:ext cx="808800" cy="808800"/>
-            </a:xfrm>
-            <a:prstGeom prst="diagStripe">
-              <a:avLst>
-                <a:gd fmla="val 50000" name="adj"/>
-              </a:avLst>
-            </a:prstGeom>
-            <a:solidFill>
-              <a:schemeClr val="lt2"/>
-            </a:solidFill>
-            <a:ln>
-              <a:noFill/>
-            </a:ln>
-          </p:spPr>
-          <p:txBody>
-            <a:bodyPr anchorCtr="0" anchor="ctr" bIns="91425" lIns="91425" spcFirstLastPara="1" rIns="91425" wrap="square" tIns="91425">
-              <a:noAutofit/>
-            </a:bodyPr>
-            <a:lstStyle/>
-            <a:p>
-              <a:pPr indent="0" lvl="0" marL="0" rtl="0" algn="l">
-                <a:spcBef>
-                  <a:spcPts val="0"/>
-                </a:spcBef>
-                <a:spcAft>
-                  <a:spcPts val="0"/>
-                </a:spcAft>
-                <a:buNone/>
-              </a:pPr>
-              <a:r>
-                <a:t/>
-              </a:r>
-              <a:endParaRPr/>
-            </a:p>
-          </p:txBody>
-        </p:sp>
-        <p:sp>
-          <p:nvSpPr>
-            <p:cNvPr id="29" name="Google Shape;29;p3"/>
-            <p:cNvSpPr/>
-            <p:nvPr/>
-          </p:nvSpPr>
-          <p:spPr>
-            <a:xfrm rot="-5400000">
-              <a:off x="6861141" y="2477810"/>
-              <a:ext cx="808800" cy="808800"/>
-            </a:xfrm>
-            <a:prstGeom prst="diagStripe">
-              <a:avLst>
-                <a:gd fmla="val 50000" name="adj"/>
-              </a:avLst>
-            </a:prstGeom>
-            <a:solidFill>
-              <a:schemeClr val="lt1">
-                <a:alpha val="7310"/>
-              </a:schemeClr>
-            </a:solidFill>
-            <a:ln>
-              <a:noFill/>
-            </a:ln>
-          </p:spPr>
-          <p:txBody>
-            <a:bodyPr anchorCtr="0" anchor="ctr" bIns="91425" lIns="91425" spcFirstLastPara="1" rIns="91425" wrap="square" tIns="91425">
-              <a:noAutofit/>
-            </a:bodyPr>
-            <a:lstStyle/>
-            <a:p>
-              <a:pPr indent="0" lvl="0" marL="0" rtl="0" algn="l">
-                <a:spcBef>
-                  <a:spcPts val="0"/>
-                </a:spcBef>
-                <a:spcAft>
-                  <a:spcPts val="0"/>
-                </a:spcAft>
-                <a:buNone/>
-              </a:pPr>
-              <a:r>
-                <a:t/>
-              </a:r>
-              <a:endParaRPr/>
-            </a:p>
-          </p:txBody>
-        </p:sp>
-        <p:sp>
-          <p:nvSpPr>
-            <p:cNvPr id="30" name="Google Shape;30;p3"/>
-            <p:cNvSpPr/>
-            <p:nvPr/>
-          </p:nvSpPr>
-          <p:spPr>
-            <a:xfrm flipH="1">
-              <a:off x="7965266" y="2692963"/>
-              <a:ext cx="808800" cy="808800"/>
-            </a:xfrm>
-            <a:prstGeom prst="diagStripe">
-              <a:avLst>
-                <a:gd fmla="val 50000" name="adj"/>
-              </a:avLst>
-            </a:prstGeom>
-            <a:solidFill>
-              <a:schemeClr val="lt1">
-                <a:alpha val="7310"/>
-              </a:schemeClr>
-            </a:solidFill>
-            <a:ln>
-              <a:noFill/>
-            </a:ln>
-          </p:spPr>
-          <p:txBody>
-            <a:bodyPr anchorCtr="0" anchor="ctr" bIns="91425" lIns="91425" spcFirstLastPara="1" rIns="91425" wrap="square" tIns="91425">
-              <a:noAutofit/>
-            </a:bodyPr>
-            <a:lstStyle/>
-            <a:p>
-              <a:pPr indent="0" lvl="0" marL="0" rtl="0" algn="l">
-                <a:spcBef>
-                  <a:spcPts val="0"/>
-                </a:spcBef>
-                <a:spcAft>
-                  <a:spcPts val="0"/>
-                </a:spcAft>
-                <a:buNone/>
-              </a:pPr>
-              <a:r>
-                <a:t/>
-              </a:r>
-              <a:endParaRPr/>
-            </a:p>
-          </p:txBody>
-        </p:sp>
-        <p:sp>
-          <p:nvSpPr>
-            <p:cNvPr id="31" name="Google Shape;31;p3"/>
-            <p:cNvSpPr/>
-            <p:nvPr/>
-          </p:nvSpPr>
-          <p:spPr>
-            <a:xfrm flipH="1">
-              <a:off x="8145082" y="3308755"/>
-              <a:ext cx="808800" cy="808800"/>
-            </a:xfrm>
-            <a:prstGeom prst="diagStripe">
-              <a:avLst>
-                <a:gd fmla="val 50000" name="adj"/>
-              </a:avLst>
-            </a:prstGeom>
-            <a:solidFill>
-              <a:schemeClr val="lt1">
-                <a:alpha val="7310"/>
-              </a:schemeClr>
-            </a:solidFill>
-            <a:ln>
-              <a:noFill/>
-            </a:ln>
-          </p:spPr>
-          <p:txBody>
-            <a:bodyPr anchorCtr="0" anchor="ctr" bIns="91425" lIns="91425" spcFirstLastPara="1" rIns="91425" wrap="square" tIns="91425">
-              <a:noAutofit/>
-            </a:bodyPr>
-            <a:lstStyle/>
-            <a:p>
-              <a:pPr indent="0" lvl="0" marL="0" rtl="0" algn="l">
-                <a:spcBef>
-                  <a:spcPts val="0"/>
-                </a:spcBef>
-                <a:spcAft>
-                  <a:spcPts val="0"/>
-                </a:spcAft>
-                <a:buNone/>
-              </a:pPr>
-              <a:r>
-                <a:t/>
-              </a:r>
-              <a:endParaRPr/>
-            </a:p>
-          </p:txBody>
-        </p:sp>
-        <p:sp>
-          <p:nvSpPr>
-            <p:cNvPr id="32" name="Google Shape;32;p3"/>
-            <p:cNvSpPr/>
-            <p:nvPr/>
-          </p:nvSpPr>
-          <p:spPr>
-            <a:xfrm rot="-5400000">
-              <a:off x="7047599" y="3095015"/>
-              <a:ext cx="808800" cy="808800"/>
-            </a:xfrm>
-            <a:prstGeom prst="diagStripe">
-              <a:avLst>
-                <a:gd fmla="val 50000" name="adj"/>
-              </a:avLst>
-            </a:prstGeom>
-            <a:solidFill>
-              <a:schemeClr val="lt1">
-                <a:alpha val="7310"/>
-              </a:schemeClr>
-            </a:solidFill>
-            <a:ln>
-              <a:noFill/>
-            </a:ln>
-          </p:spPr>
-          <p:txBody>
-            <a:bodyPr anchorCtr="0" anchor="ctr" bIns="91425" lIns="91425" spcFirstLastPara="1" rIns="91425" wrap="square" tIns="91425">
-              <a:noAutofit/>
-            </a:bodyPr>
-            <a:lstStyle/>
-            <a:p>
-              <a:pPr indent="0" lvl="0" marL="0" rtl="0" algn="l">
-                <a:spcBef>
-                  <a:spcPts val="0"/>
-                </a:spcBef>
-                <a:spcAft>
-                  <a:spcPts val="0"/>
-                </a:spcAft>
-                <a:buNone/>
-              </a:pPr>
-              <a:r>
-                <a:t/>
-              </a:r>
-              <a:endParaRPr/>
-            </a:p>
-          </p:txBody>
-        </p:sp>
-        <p:sp>
-          <p:nvSpPr>
-            <p:cNvPr id="33" name="Google Shape;33;p3"/>
-            <p:cNvSpPr/>
-            <p:nvPr/>
-          </p:nvSpPr>
-          <p:spPr>
-            <a:xfrm flipH="1">
-              <a:off x="7276649" y="3302502"/>
-              <a:ext cx="808800" cy="808800"/>
-            </a:xfrm>
-            <a:prstGeom prst="diagStripe">
-              <a:avLst>
-                <a:gd fmla="val 50000" name="adj"/>
-              </a:avLst>
-            </a:prstGeom>
-            <a:solidFill>
-              <a:schemeClr val="lt1">
-                <a:alpha val="7310"/>
-              </a:schemeClr>
-            </a:solidFill>
-            <a:ln>
-              <a:noFill/>
-            </a:ln>
-          </p:spPr>
-          <p:txBody>
-            <a:bodyPr anchorCtr="0" anchor="ctr" bIns="91425" lIns="91425" spcFirstLastPara="1" rIns="91425" wrap="square" tIns="91425">
-              <a:noAutofit/>
-            </a:bodyPr>
-            <a:lstStyle/>
-            <a:p>
-              <a:pPr indent="0" lvl="0" marL="0" rtl="0" algn="l">
-                <a:spcBef>
-                  <a:spcPts val="0"/>
-                </a:spcBef>
-                <a:spcAft>
-                  <a:spcPts val="0"/>
-                </a:spcAft>
-                <a:buNone/>
-              </a:pPr>
-              <a:r>
-                <a:t/>
-              </a:r>
-              <a:endParaRPr/>
-            </a:p>
-          </p:txBody>
-        </p:sp>
-        <p:sp>
-          <p:nvSpPr>
-            <p:cNvPr id="34" name="Google Shape;34;p3"/>
-            <p:cNvSpPr/>
-            <p:nvPr/>
-          </p:nvSpPr>
-          <p:spPr>
-            <a:xfrm rot="-5400000">
-              <a:off x="7227414" y="3710807"/>
-              <a:ext cx="808800" cy="808800"/>
-            </a:xfrm>
-            <a:prstGeom prst="diagStripe">
-              <a:avLst>
-                <a:gd fmla="val 50000" name="adj"/>
-              </a:avLst>
-            </a:prstGeom>
-            <a:solidFill>
-              <a:schemeClr val="accent1"/>
-            </a:solidFill>
-            <a:ln>
-              <a:noFill/>
-            </a:ln>
-          </p:spPr>
-          <p:txBody>
-            <a:bodyPr anchorCtr="0" anchor="ctr" bIns="91425" lIns="91425" spcFirstLastPara="1" rIns="91425" wrap="square" tIns="91425">
-              <a:noAutofit/>
-            </a:bodyPr>
-            <a:lstStyle/>
-            <a:p>
-              <a:pPr indent="0" lvl="0" marL="0" rtl="0" algn="l">
-                <a:spcBef>
-                  <a:spcPts val="0"/>
-                </a:spcBef>
-                <a:spcAft>
-                  <a:spcPts val="0"/>
-                </a:spcAft>
-                <a:buNone/>
-              </a:pPr>
-              <a:r>
-                <a:t/>
-              </a:r>
-              <a:endParaRPr/>
-            </a:p>
-          </p:txBody>
-        </p:sp>
-        <p:sp>
-          <p:nvSpPr>
-            <p:cNvPr id="35" name="Google Shape;35;p3"/>
-            <p:cNvSpPr/>
-            <p:nvPr/>
-          </p:nvSpPr>
-          <p:spPr>
-            <a:xfrm flipH="1">
-              <a:off x="7462448" y="3918294"/>
-              <a:ext cx="808800" cy="808800"/>
-            </a:xfrm>
-            <a:prstGeom prst="diagStripe">
-              <a:avLst>
-                <a:gd fmla="val 50000" name="adj"/>
-              </a:avLst>
-            </a:prstGeom>
-            <a:solidFill>
-              <a:schemeClr val="lt1">
-                <a:alpha val="7310"/>
-              </a:schemeClr>
-            </a:solidFill>
-            <a:ln>
-              <a:noFill/>
-            </a:ln>
-          </p:spPr>
-          <p:txBody>
-            <a:bodyPr anchorCtr="0" anchor="ctr" bIns="91425" lIns="91425" spcFirstLastPara="1" rIns="91425" wrap="square" tIns="91425">
-              <a:noAutofit/>
-            </a:bodyPr>
-            <a:lstStyle/>
-            <a:p>
-              <a:pPr indent="0" lvl="0" marL="0" rtl="0" algn="l">
-                <a:spcBef>
-                  <a:spcPts val="0"/>
-                </a:spcBef>
-                <a:spcAft>
-                  <a:spcPts val="0"/>
-                </a:spcAft>
-                <a:buNone/>
-              </a:pPr>
-              <a:r>
-                <a:t/>
-              </a:r>
-              <a:endParaRPr/>
-            </a:p>
-          </p:txBody>
-        </p:sp>
-        <p:sp>
-          <p:nvSpPr>
-            <p:cNvPr id="36" name="Google Shape;36;p3"/>
-            <p:cNvSpPr/>
-            <p:nvPr/>
-          </p:nvSpPr>
-          <p:spPr>
-            <a:xfrm rot="-5400000">
-              <a:off x="8102491" y="3718473"/>
-              <a:ext cx="808800" cy="808800"/>
-            </a:xfrm>
-            <a:prstGeom prst="diagStripe">
-              <a:avLst>
-                <a:gd fmla="val 50000" name="adj"/>
-              </a:avLst>
-            </a:prstGeom>
-            <a:solidFill>
-              <a:schemeClr val="lt1">
-                <a:alpha val="7310"/>
-              </a:schemeClr>
-            </a:solidFill>
-            <a:ln>
-              <a:noFill/>
-            </a:ln>
-          </p:spPr>
-          <p:txBody>
-            <a:bodyPr anchorCtr="0" anchor="ctr" bIns="91425" lIns="91425" spcFirstLastPara="1" rIns="91425" wrap="square" tIns="91425">
-              <a:noAutofit/>
-            </a:bodyPr>
-            <a:lstStyle/>
-            <a:p>
-              <a:pPr indent="0" lvl="0" marL="0" rtl="0" algn="l">
-                <a:spcBef>
-                  <a:spcPts val="0"/>
-                </a:spcBef>
-                <a:spcAft>
-                  <a:spcPts val="0"/>
-                </a:spcAft>
-                <a:buNone/>
-              </a:pPr>
-              <a:r>
-                <a:t/>
-              </a:r>
-              <a:endParaRPr/>
-            </a:p>
-          </p:txBody>
-        </p:sp>
-        <p:sp>
-          <p:nvSpPr>
-            <p:cNvPr id="37" name="Google Shape;37;p3"/>
-            <p:cNvSpPr/>
-            <p:nvPr/>
-          </p:nvSpPr>
-          <p:spPr>
-            <a:xfrm flipH="1">
-              <a:off x="8334533" y="3925960"/>
-              <a:ext cx="808800" cy="808800"/>
-            </a:xfrm>
-            <a:prstGeom prst="diagStripe">
-              <a:avLst>
-                <a:gd fmla="val 50000" name="adj"/>
-              </a:avLst>
-            </a:prstGeom>
-            <a:solidFill>
-              <a:schemeClr val="lt1">
-                <a:alpha val="7310"/>
-              </a:schemeClr>
-            </a:solidFill>
-            <a:ln>
-              <a:noFill/>
-            </a:ln>
-          </p:spPr>
-          <p:txBody>
-            <a:bodyPr anchorCtr="0" anchor="ctr" bIns="91425" lIns="91425" spcFirstLastPara="1" rIns="91425" wrap="square" tIns="91425">
-              <a:noAutofit/>
-            </a:bodyPr>
-            <a:lstStyle/>
-            <a:p>
-              <a:pPr indent="0" lvl="0" marL="0" rtl="0" algn="l">
-                <a:spcBef>
-                  <a:spcPts val="0"/>
-                </a:spcBef>
-                <a:spcAft>
-                  <a:spcPts val="0"/>
-                </a:spcAft>
-                <a:buNone/>
-              </a:pPr>
-              <a:r>
-                <a:t/>
-              </a:r>
-              <a:endParaRPr/>
-            </a:p>
-          </p:txBody>
-        </p:sp>
-        <p:sp>
-          <p:nvSpPr>
-            <p:cNvPr id="38" name="Google Shape;38;p3"/>
-            <p:cNvSpPr/>
-            <p:nvPr/>
-          </p:nvSpPr>
-          <p:spPr>
-            <a:xfrm rot="-5400000">
-              <a:off x="8288290" y="4334265"/>
-              <a:ext cx="808800" cy="808800"/>
-            </a:xfrm>
-            <a:prstGeom prst="diagStripe">
-              <a:avLst>
-                <a:gd fmla="val 50000" name="adj"/>
-              </a:avLst>
-            </a:prstGeom>
-            <a:solidFill>
-              <a:schemeClr val="lt1">
-                <a:alpha val="7310"/>
-              </a:schemeClr>
+              <a:schemeClr val="dk2"/>
             </a:solidFill>
             <a:ln>
               <a:noFill/>
@@ -4517,7 +4312,7 @@
       </p:grpSp>
       <p:sp>
         <p:nvSpPr>
-          <p:cNvPr id="39" name="Google Shape;39;p3"/>
+          <p:cNvPr id="47" name="Google Shape;47;p3"/>
           <p:cNvSpPr txBox="1"/>
           <p:nvPr>
             <p:ph type="title"/>
@@ -4525,8 +4320,8 @@
         </p:nvSpPr>
         <p:spPr>
           <a:xfrm>
-            <a:off x="823850" y="2053000"/>
-            <a:ext cx="4587000" cy="1148700"/>
+            <a:off x="1888684" y="1746100"/>
+            <a:ext cx="5377500" cy="1646100"/>
           </a:xfrm>
           <a:prstGeom prst="rect">
             <a:avLst/>
@@ -4537,104 +4332,167 @@
             <a:normAutofit/>
           </a:bodyPr>
           <a:lstStyle>
-            <a:lvl1pPr lvl="0">
-              <a:spcBef>
-                <a:spcPts val="0"/>
-              </a:spcBef>
-              <a:spcAft>
-                <a:spcPts val="0"/>
-              </a:spcAft>
-              <a:buSzPts val="2800"/>
-              <a:buNone/>
-              <a:defRPr/>
+            <a:lvl1pPr lvl="0" algn="ctr">
+              <a:spcBef>
+                <a:spcPts val="0"/>
+              </a:spcBef>
+              <a:spcAft>
+                <a:spcPts val="0"/>
+              </a:spcAft>
+              <a:buClr>
+                <a:schemeClr val="dk2"/>
+              </a:buClr>
+              <a:buSzPts val="3200"/>
+              <a:buNone/>
+              <a:defRPr sz="3200">
+                <a:solidFill>
+                  <a:schemeClr val="dk2"/>
+                </a:solidFill>
+              </a:defRPr>
             </a:lvl1pPr>
-            <a:lvl2pPr lvl="1">
-              <a:spcBef>
-                <a:spcPts val="0"/>
-              </a:spcBef>
-              <a:spcAft>
-                <a:spcPts val="0"/>
-              </a:spcAft>
-              <a:buSzPts val="2800"/>
-              <a:buNone/>
-              <a:defRPr/>
+            <a:lvl2pPr lvl="1" algn="ctr">
+              <a:spcBef>
+                <a:spcPts val="0"/>
+              </a:spcBef>
+              <a:spcAft>
+                <a:spcPts val="0"/>
+              </a:spcAft>
+              <a:buClr>
+                <a:schemeClr val="dk2"/>
+              </a:buClr>
+              <a:buSzPts val="3200"/>
+              <a:buNone/>
+              <a:defRPr sz="3200">
+                <a:solidFill>
+                  <a:schemeClr val="dk2"/>
+                </a:solidFill>
+              </a:defRPr>
             </a:lvl2pPr>
-            <a:lvl3pPr lvl="2">
-              <a:spcBef>
-                <a:spcPts val="0"/>
-              </a:spcBef>
-              <a:spcAft>
-                <a:spcPts val="0"/>
-              </a:spcAft>
-              <a:buSzPts val="2800"/>
-              <a:buNone/>
-              <a:defRPr/>
+            <a:lvl3pPr lvl="2" algn="ctr">
+              <a:spcBef>
+                <a:spcPts val="0"/>
+              </a:spcBef>
+              <a:spcAft>
+                <a:spcPts val="0"/>
+              </a:spcAft>
+              <a:buClr>
+                <a:schemeClr val="dk2"/>
+              </a:buClr>
+              <a:buSzPts val="3200"/>
+              <a:buNone/>
+              <a:defRPr sz="3200">
+                <a:solidFill>
+                  <a:schemeClr val="dk2"/>
+                </a:solidFill>
+              </a:defRPr>
             </a:lvl3pPr>
-            <a:lvl4pPr lvl="3">
-              <a:spcBef>
-                <a:spcPts val="0"/>
-              </a:spcBef>
-              <a:spcAft>
-                <a:spcPts val="0"/>
-              </a:spcAft>
-              <a:buSzPts val="2800"/>
-              <a:buNone/>
-              <a:defRPr/>
+            <a:lvl4pPr lvl="3" algn="ctr">
+              <a:spcBef>
+                <a:spcPts val="0"/>
+              </a:spcBef>
+              <a:spcAft>
+                <a:spcPts val="0"/>
+              </a:spcAft>
+              <a:buClr>
+                <a:schemeClr val="dk2"/>
+              </a:buClr>
+              <a:buSzPts val="3200"/>
+              <a:buNone/>
+              <a:defRPr sz="3200">
+                <a:solidFill>
+                  <a:schemeClr val="dk2"/>
+                </a:solidFill>
+              </a:defRPr>
             </a:lvl4pPr>
-            <a:lvl5pPr lvl="4">
-              <a:spcBef>
-                <a:spcPts val="0"/>
-              </a:spcBef>
-              <a:spcAft>
-                <a:spcPts val="0"/>
-              </a:spcAft>
-              <a:buSzPts val="2800"/>
-              <a:buNone/>
-              <a:defRPr/>
+            <a:lvl5pPr lvl="4" algn="ctr">
+              <a:spcBef>
+                <a:spcPts val="0"/>
+              </a:spcBef>
+              <a:spcAft>
+                <a:spcPts val="0"/>
+              </a:spcAft>
+              <a:buClr>
+                <a:schemeClr val="dk2"/>
+              </a:buClr>
+              <a:buSzPts val="3200"/>
+              <a:buNone/>
+              <a:defRPr sz="3200">
+                <a:solidFill>
+                  <a:schemeClr val="dk2"/>
+                </a:solidFill>
+              </a:defRPr>
             </a:lvl5pPr>
-            <a:lvl6pPr lvl="5">
-              <a:spcBef>
-                <a:spcPts val="0"/>
-              </a:spcBef>
-              <a:spcAft>
-                <a:spcPts val="0"/>
-              </a:spcAft>
-              <a:buSzPts val="2800"/>
-              <a:buNone/>
-              <a:defRPr/>
+            <a:lvl6pPr lvl="5" algn="ctr">
+              <a:spcBef>
+                <a:spcPts val="0"/>
+              </a:spcBef>
+              <a:spcAft>
+                <a:spcPts val="0"/>
+              </a:spcAft>
+              <a:buClr>
+                <a:schemeClr val="dk2"/>
+              </a:buClr>
+              <a:buSzPts val="3200"/>
+              <a:buNone/>
+              <a:defRPr sz="3200">
+                <a:solidFill>
+                  <a:schemeClr val="dk2"/>
+                </a:solidFill>
+              </a:defRPr>
             </a:lvl6pPr>
-            <a:lvl7pPr lvl="6">
-              <a:spcBef>
-                <a:spcPts val="0"/>
-              </a:spcBef>
-              <a:spcAft>
-                <a:spcPts val="0"/>
-              </a:spcAft>
-              <a:buSzPts val="2800"/>
-              <a:buNone/>
-              <a:defRPr/>
+            <a:lvl7pPr lvl="6" algn="ctr">
+              <a:spcBef>
+                <a:spcPts val="0"/>
+              </a:spcBef>
+              <a:spcAft>
+                <a:spcPts val="0"/>
+              </a:spcAft>
+              <a:buClr>
+                <a:schemeClr val="dk2"/>
+              </a:buClr>
+              <a:buSzPts val="3200"/>
+              <a:buNone/>
+              <a:defRPr sz="3200">
+                <a:solidFill>
+                  <a:schemeClr val="dk2"/>
+                </a:solidFill>
+              </a:defRPr>
             </a:lvl7pPr>
-            <a:lvl8pPr lvl="7">
-              <a:spcBef>
-                <a:spcPts val="0"/>
-              </a:spcBef>
-              <a:spcAft>
-                <a:spcPts val="0"/>
-              </a:spcAft>
-              <a:buSzPts val="2800"/>
-              <a:buNone/>
-              <a:defRPr/>
+            <a:lvl8pPr lvl="7" algn="ctr">
+              <a:spcBef>
+                <a:spcPts val="0"/>
+              </a:spcBef>
+              <a:spcAft>
+                <a:spcPts val="0"/>
+              </a:spcAft>
+              <a:buClr>
+                <a:schemeClr val="dk2"/>
+              </a:buClr>
+              <a:buSzPts val="3200"/>
+              <a:buNone/>
+              <a:defRPr sz="3200">
+                <a:solidFill>
+                  <a:schemeClr val="dk2"/>
+                </a:solidFill>
+              </a:defRPr>
             </a:lvl8pPr>
-            <a:lvl9pPr lvl="8">
-              <a:spcBef>
-                <a:spcPts val="0"/>
-              </a:spcBef>
-              <a:spcAft>
-                <a:spcPts val="0"/>
-              </a:spcAft>
-              <a:buSzPts val="2800"/>
-              <a:buNone/>
-              <a:defRPr/>
+            <a:lvl9pPr lvl="8" algn="ctr">
+              <a:spcBef>
+                <a:spcPts val="0"/>
+              </a:spcBef>
+              <a:spcAft>
+                <a:spcPts val="0"/>
+              </a:spcAft>
+              <a:buClr>
+                <a:schemeClr val="dk2"/>
+              </a:buClr>
+              <a:buSzPts val="3200"/>
+              <a:buNone/>
+              <a:defRPr sz="3200">
+                <a:solidFill>
+                  <a:schemeClr val="dk2"/>
+                </a:solidFill>
+              </a:defRPr>
             </a:lvl9pPr>
           </a:lstStyle>
           <a:p/>
@@ -4642,7 +4500,7 @@
       </p:sp>
       <p:sp>
         <p:nvSpPr>
-          <p:cNvPr id="40" name="Google Shape;40;p3"/>
+          <p:cNvPr id="48" name="Google Shape;48;p3"/>
           <p:cNvSpPr txBox="1"/>
           <p:nvPr>
             <p:ph idx="12" type="sldNum"/>
@@ -4650,7 +4508,7 @@
         </p:nvSpPr>
         <p:spPr>
           <a:xfrm>
-            <a:off x="8472458" y="4663217"/>
+            <a:off x="8390734" y="4543668"/>
             <a:ext cx="548700" cy="393600"/>
           </a:xfrm>
           <a:prstGeom prst="rect">
@@ -4728,9 +4586,16 @@
 <file path=ppt/slideLayouts/slideLayout3.xml><?xml version="1.0" encoding="utf-8"?>
 <p:sldLayout xmlns:a="http://schemas.openxmlformats.org/drawingml/2006/main" xmlns:r="http://schemas.openxmlformats.org/officeDocument/2006/relationships" xmlns:mc="http://schemas.openxmlformats.org/markup-compatibility/2006" xmlns:mv="urn:schemas-microsoft-com:mac:vml" xmlns:p="http://schemas.openxmlformats.org/presentationml/2006/main" xmlns:c="http://schemas.openxmlformats.org/drawingml/2006/chart" xmlns:dgm="http://schemas.openxmlformats.org/drawingml/2006/diagram" xmlns:o="urn:schemas-microsoft-com:office:office" xmlns:v="urn:schemas-microsoft-com:vml" xmlns:pvml="urn:schemas-microsoft-com:office:powerpoint" xmlns:com="http://schemas.openxmlformats.org/drawingml/2006/compatibility" xmlns:p14="http://schemas.microsoft.com/office/powerpoint/2010/main" xmlns:p15="http://schemas.microsoft.com/office/powerpoint/2012/main" xmlns:ahyp="http://schemas.microsoft.com/office/drawing/2018/hyperlinkcolor" matchingName="Title and body" type="tx">
   <p:cSld name="TITLE_AND_BODY">
+    <p:bg>
+      <p:bgPr>
+        <a:solidFill>
+          <a:schemeClr val="dk2"/>
+        </a:solidFill>
+      </p:bgPr>
+    </p:bg>
     <p:spTree>
       <p:nvGrpSpPr>
-        <p:cNvPr id="41" name="Shape 41"/>
+        <p:cNvPr id="49" name="Shape 49"/>
         <p:cNvGrpSpPr/>
         <p:nvPr/>
       </p:nvGrpSpPr>
@@ -4742,114 +4607,145 @@
           <a:chExt cx="0" cy="0"/>
         </a:xfrm>
       </p:grpSpPr>
-      <p:grpSp>
-        <p:nvGrpSpPr>
-          <p:cNvPr id="42" name="Google Shape;42;p4"/>
-          <p:cNvGrpSpPr/>
-          <p:nvPr/>
-        </p:nvGrpSpPr>
-        <p:grpSpPr>
-          <a:xfrm>
-            <a:off x="0" y="381001"/>
-            <a:ext cx="1037850" cy="1016287"/>
-            <a:chOff x="0" y="381001"/>
-            <a:chExt cx="1037850" cy="1016287"/>
-          </a:xfrm>
-        </p:grpSpPr>
-        <p:sp>
-          <p:nvSpPr>
-            <p:cNvPr id="43" name="Google Shape;43;p4"/>
-            <p:cNvSpPr/>
-            <p:nvPr/>
-          </p:nvSpPr>
-          <p:spPr>
-            <a:xfrm rot="-5400000">
-              <a:off x="0" y="381001"/>
-              <a:ext cx="808800" cy="808800"/>
-            </a:xfrm>
-            <a:prstGeom prst="diagStripe">
-              <a:avLst>
-                <a:gd fmla="val 50000" name="adj"/>
-              </a:avLst>
-            </a:prstGeom>
-            <a:solidFill>
-              <a:schemeClr val="accent1"/>
-            </a:solidFill>
-            <a:ln>
-              <a:noFill/>
-            </a:ln>
-          </p:spPr>
-          <p:txBody>
-            <a:bodyPr anchorCtr="0" anchor="ctr" bIns="91425" lIns="91425" spcFirstLastPara="1" rIns="91425" wrap="square" tIns="91425">
-              <a:noAutofit/>
-            </a:bodyPr>
-            <a:lstStyle/>
-            <a:p>
-              <a:pPr indent="0" lvl="0" marL="0" rtl="0" algn="l">
-                <a:spcBef>
-                  <a:spcPts val="0"/>
-                </a:spcBef>
-                <a:spcAft>
-                  <a:spcPts val="0"/>
-                </a:spcAft>
-                <a:buNone/>
-              </a:pPr>
-              <a:r>
-                <a:t/>
-              </a:r>
-              <a:endParaRPr/>
-            </a:p>
-          </p:txBody>
-        </p:sp>
-        <p:sp>
-          <p:nvSpPr>
-            <p:cNvPr id="44" name="Google Shape;44;p4"/>
-            <p:cNvSpPr/>
-            <p:nvPr/>
-          </p:nvSpPr>
-          <p:spPr>
-            <a:xfrm flipH="1">
-              <a:off x="229050" y="588489"/>
-              <a:ext cx="808800" cy="808800"/>
-            </a:xfrm>
-            <a:prstGeom prst="diagStripe">
-              <a:avLst>
-                <a:gd fmla="val 50000" name="adj"/>
-              </a:avLst>
-            </a:prstGeom>
-            <a:solidFill>
-              <a:schemeClr val="lt2"/>
-            </a:solidFill>
-            <a:ln>
-              <a:noFill/>
-            </a:ln>
-          </p:spPr>
-          <p:txBody>
-            <a:bodyPr anchorCtr="0" anchor="ctr" bIns="91425" lIns="91425" spcFirstLastPara="1" rIns="91425" wrap="square" tIns="91425">
-              <a:noAutofit/>
-            </a:bodyPr>
-            <a:lstStyle/>
-            <a:p>
-              <a:pPr indent="0" lvl="0" marL="0" rtl="0" algn="l">
-                <a:spcBef>
-                  <a:spcPts val="0"/>
-                </a:spcBef>
-                <a:spcAft>
-                  <a:spcPts val="0"/>
-                </a:spcAft>
-                <a:buNone/>
-              </a:pPr>
-              <a:r>
-                <a:t/>
-              </a:r>
-              <a:endParaRPr/>
-            </a:p>
-          </p:txBody>
-        </p:sp>
-      </p:grpSp>
       <p:sp>
         <p:nvSpPr>
-          <p:cNvPr id="45" name="Google Shape;45;p4"/>
+          <p:cNvPr id="50" name="Google Shape;50;p4"/>
+          <p:cNvSpPr/>
+          <p:nvPr/>
+        </p:nvSpPr>
+        <p:spPr>
+          <a:xfrm flipH="1">
+            <a:off x="3582600" y="1550700"/>
+            <a:ext cx="5561400" cy="3592800"/>
+          </a:xfrm>
+          <a:prstGeom prst="rtTriangle">
+            <a:avLst/>
+          </a:prstGeom>
+          <a:solidFill>
+            <a:schemeClr val="lt2"/>
+          </a:solidFill>
+          <a:ln>
+            <a:noFill/>
+          </a:ln>
+        </p:spPr>
+        <p:txBody>
+          <a:bodyPr anchorCtr="0" anchor="ctr" bIns="91425" lIns="91425" spcFirstLastPara="1" rIns="91425" wrap="square" tIns="91425">
+            <a:noAutofit/>
+          </a:bodyPr>
+          <a:lstStyle/>
+          <a:p>
+            <a:pPr indent="0" lvl="0" marL="0" rtl="0" algn="l">
+              <a:spcBef>
+                <a:spcPts val="0"/>
+              </a:spcBef>
+              <a:spcAft>
+                <a:spcPts val="0"/>
+              </a:spcAft>
+              <a:buNone/>
+            </a:pPr>
+            <a:r>
+              <a:t/>
+            </a:r>
+            <a:endParaRPr/>
+          </a:p>
+        </p:txBody>
+      </p:sp>
+      <p:sp>
+        <p:nvSpPr>
+          <p:cNvPr id="51" name="Google Shape;51;p4"/>
+          <p:cNvSpPr/>
+          <p:nvPr/>
+        </p:nvSpPr>
+        <p:spPr>
+          <a:xfrm>
+            <a:off x="31" y="2824500"/>
+            <a:ext cx="7370400" cy="2319000"/>
+          </a:xfrm>
+          <a:prstGeom prst="rtTriangle">
+            <a:avLst/>
+          </a:prstGeom>
+          <a:solidFill>
+            <a:schemeClr val="accent3"/>
+          </a:solidFill>
+          <a:ln>
+            <a:noFill/>
+          </a:ln>
+        </p:spPr>
+        <p:txBody>
+          <a:bodyPr anchorCtr="0" anchor="ctr" bIns="91425" lIns="91425" spcFirstLastPara="1" rIns="91425" wrap="square" tIns="91425">
+            <a:noAutofit/>
+          </a:bodyPr>
+          <a:lstStyle/>
+          <a:p>
+            <a:pPr indent="0" lvl="0" marL="0" rtl="0" algn="l">
+              <a:spcBef>
+                <a:spcPts val="0"/>
+              </a:spcBef>
+              <a:spcAft>
+                <a:spcPts val="0"/>
+              </a:spcAft>
+              <a:buNone/>
+            </a:pPr>
+            <a:r>
+              <a:t/>
+            </a:r>
+            <a:endParaRPr/>
+          </a:p>
+        </p:txBody>
+      </p:sp>
+      <p:sp>
+        <p:nvSpPr>
+          <p:cNvPr id="52" name="Google Shape;52;p4"/>
+          <p:cNvSpPr/>
+          <p:nvPr/>
+        </p:nvSpPr>
+        <p:spPr>
+          <a:xfrm>
+            <a:off x="203225" y="206250"/>
+            <a:ext cx="8737500" cy="4731000"/>
+          </a:xfrm>
+          <a:prstGeom prst="rect">
+            <a:avLst/>
+          </a:prstGeom>
+          <a:solidFill>
+            <a:schemeClr val="dk1"/>
+          </a:solidFill>
+          <a:ln>
+            <a:noFill/>
+          </a:ln>
+          <a:effectLst>
+            <a:outerShdw blurRad="228600" sx="101000" rotWithShape="0" algn="ctr" sy="101000">
+              <a:srgbClr val="000000">
+                <a:alpha val="40000"/>
+              </a:srgbClr>
+            </a:outerShdw>
+          </a:effectLst>
+        </p:spPr>
+        <p:txBody>
+          <a:bodyPr anchorCtr="0" anchor="ctr" bIns="91425" lIns="91425" spcFirstLastPara="1" rIns="91425" wrap="square" tIns="91425">
+            <a:noAutofit/>
+          </a:bodyPr>
+          <a:lstStyle/>
+          <a:p>
+            <a:pPr indent="0" lvl="0" marL="0" rtl="0" algn="l">
+              <a:spcBef>
+                <a:spcPts val="0"/>
+              </a:spcBef>
+              <a:spcAft>
+                <a:spcPts val="0"/>
+              </a:spcAft>
+              <a:buNone/>
+            </a:pPr>
+            <a:r>
+              <a:t/>
+            </a:r>
+            <a:endParaRPr/>
+          </a:p>
+        </p:txBody>
+      </p:sp>
+      <p:sp>
+        <p:nvSpPr>
+          <p:cNvPr id="53" name="Google Shape;53;p4"/>
           <p:cNvSpPr txBox="1"/>
           <p:nvPr>
             <p:ph type="title"/>
@@ -4857,8 +4753,8 @@
         </p:nvSpPr>
         <p:spPr>
           <a:xfrm>
-            <a:off x="1297500" y="393750"/>
-            <a:ext cx="7038900" cy="914100"/>
+            <a:off x="819150" y="845600"/>
+            <a:ext cx="7505700" cy="954600"/>
           </a:xfrm>
           <a:prstGeom prst="rect">
             <a:avLst/>
@@ -4876,9 +4772,9 @@
               <a:spcAft>
                 <a:spcPts val="0"/>
               </a:spcAft>
-              <a:buSzPts val="2400"/>
-              <a:buNone/>
-              <a:defRPr sz="2400"/>
+              <a:buSzPts val="3000"/>
+              <a:buNone/>
+              <a:defRPr sz="3000"/>
             </a:lvl1pPr>
             <a:lvl2pPr lvl="1">
               <a:spcBef>
@@ -4887,9 +4783,9 @@
               <a:spcAft>
                 <a:spcPts val="0"/>
               </a:spcAft>
-              <a:buSzPts val="2400"/>
-              <a:buNone/>
-              <a:defRPr sz="2400"/>
+              <a:buSzPts val="3000"/>
+              <a:buNone/>
+              <a:defRPr sz="3000"/>
             </a:lvl2pPr>
             <a:lvl3pPr lvl="2">
               <a:spcBef>
@@ -4898,9 +4794,9 @@
               <a:spcAft>
                 <a:spcPts val="0"/>
               </a:spcAft>
-              <a:buSzPts val="2400"/>
-              <a:buNone/>
-              <a:defRPr sz="2400"/>
+              <a:buSzPts val="3000"/>
+              <a:buNone/>
+              <a:defRPr sz="3000"/>
             </a:lvl3pPr>
             <a:lvl4pPr lvl="3">
               <a:spcBef>
@@ -4909,9 +4805,9 @@
               <a:spcAft>
                 <a:spcPts val="0"/>
               </a:spcAft>
-              <a:buSzPts val="2400"/>
-              <a:buNone/>
-              <a:defRPr sz="2400"/>
+              <a:buSzPts val="3000"/>
+              <a:buNone/>
+              <a:defRPr sz="3000"/>
             </a:lvl4pPr>
             <a:lvl5pPr lvl="4">
               <a:spcBef>
@@ -4920,9 +4816,9 @@
               <a:spcAft>
                 <a:spcPts val="0"/>
               </a:spcAft>
-              <a:buSzPts val="2400"/>
-              <a:buNone/>
-              <a:defRPr sz="2400"/>
+              <a:buSzPts val="3000"/>
+              <a:buNone/>
+              <a:defRPr sz="3000"/>
             </a:lvl5pPr>
             <a:lvl6pPr lvl="5">
               <a:spcBef>
@@ -4931,9 +4827,9 @@
               <a:spcAft>
                 <a:spcPts val="0"/>
               </a:spcAft>
-              <a:buSzPts val="2400"/>
-              <a:buNone/>
-              <a:defRPr sz="2400"/>
+              <a:buSzPts val="3000"/>
+              <a:buNone/>
+              <a:defRPr sz="3000"/>
             </a:lvl6pPr>
             <a:lvl7pPr lvl="6">
               <a:spcBef>
@@ -4942,9 +4838,9 @@
               <a:spcAft>
                 <a:spcPts val="0"/>
               </a:spcAft>
-              <a:buSzPts val="2400"/>
-              <a:buNone/>
-              <a:defRPr sz="2400"/>
+              <a:buSzPts val="3000"/>
+              <a:buNone/>
+              <a:defRPr sz="3000"/>
             </a:lvl7pPr>
             <a:lvl8pPr lvl="7">
               <a:spcBef>
@@ -4953,9 +4849,9 @@
               <a:spcAft>
                 <a:spcPts val="0"/>
               </a:spcAft>
-              <a:buSzPts val="2400"/>
-              <a:buNone/>
-              <a:defRPr sz="2400"/>
+              <a:buSzPts val="3000"/>
+              <a:buNone/>
+              <a:defRPr sz="3000"/>
             </a:lvl8pPr>
             <a:lvl9pPr lvl="8">
               <a:spcBef>
@@ -4964,9 +4860,9 @@
               <a:spcAft>
                 <a:spcPts val="0"/>
               </a:spcAft>
-              <a:buSzPts val="2400"/>
-              <a:buNone/>
-              <a:defRPr sz="2400"/>
+              <a:buSzPts val="3000"/>
+              <a:buNone/>
+              <a:defRPr sz="3000"/>
             </a:lvl9pPr>
           </a:lstStyle>
           <a:p/>
@@ -4974,7 +4870,7 @@
       </p:sp>
       <p:sp>
         <p:nvSpPr>
-          <p:cNvPr id="46" name="Google Shape;46;p4"/>
+          <p:cNvPr id="54" name="Google Shape;54;p4"/>
           <p:cNvSpPr txBox="1"/>
           <p:nvPr>
             <p:ph idx="1" type="body"/>
@@ -4982,8 +4878,8 @@
         </p:nvSpPr>
         <p:spPr>
           <a:xfrm>
-            <a:off x="1297500" y="1567550"/>
-            <a:ext cx="7038900" cy="2911200"/>
+            <a:off x="819150" y="1990725"/>
+            <a:ext cx="7505700" cy="2448000"/>
           </a:xfrm>
           <a:prstGeom prst="rect">
             <a:avLst/>
@@ -5099,7 +4995,7 @@
       </p:sp>
       <p:sp>
         <p:nvSpPr>
-          <p:cNvPr id="47" name="Google Shape;47;p4"/>
+          <p:cNvPr id="55" name="Google Shape;55;p4"/>
           <p:cNvSpPr txBox="1"/>
           <p:nvPr>
             <p:ph idx="12" type="sldNum"/>
@@ -5107,7 +5003,7 @@
         </p:nvSpPr>
         <p:spPr>
           <a:xfrm>
-            <a:off x="8472458" y="4663217"/>
+            <a:off x="8390734" y="4543668"/>
             <a:ext cx="548700" cy="393600"/>
           </a:xfrm>
           <a:prstGeom prst="rect">
@@ -5185,9 +5081,16 @@
 <file path=ppt/slideLayouts/slideLayout4.xml><?xml version="1.0" encoding="utf-8"?>
 <p:sldLayout xmlns:a="http://schemas.openxmlformats.org/drawingml/2006/main" xmlns:r="http://schemas.openxmlformats.org/officeDocument/2006/relationships" xmlns:mc="http://schemas.openxmlformats.org/markup-compatibility/2006" xmlns:mv="urn:schemas-microsoft-com:mac:vml" xmlns:p="http://schemas.openxmlformats.org/presentationml/2006/main" xmlns:c="http://schemas.openxmlformats.org/drawingml/2006/chart" xmlns:dgm="http://schemas.openxmlformats.org/drawingml/2006/diagram" xmlns:o="urn:schemas-microsoft-com:office:office" xmlns:v="urn:schemas-microsoft-com:vml" xmlns:pvml="urn:schemas-microsoft-com:office:powerpoint" xmlns:com="http://schemas.openxmlformats.org/drawingml/2006/compatibility" xmlns:p14="http://schemas.microsoft.com/office/powerpoint/2010/main" xmlns:p15="http://schemas.microsoft.com/office/powerpoint/2012/main" xmlns:ahyp="http://schemas.microsoft.com/office/drawing/2018/hyperlinkcolor" matchingName="Title and two columns" type="twoColTx">
   <p:cSld name="TITLE_AND_TWO_COLUMNS">
+    <p:bg>
+      <p:bgPr>
+        <a:solidFill>
+          <a:schemeClr val="dk2"/>
+        </a:solidFill>
+      </p:bgPr>
+    </p:bg>
     <p:spTree>
       <p:nvGrpSpPr>
-        <p:cNvPr id="48" name="Shape 48"/>
+        <p:cNvPr id="56" name="Shape 56"/>
         <p:cNvGrpSpPr/>
         <p:nvPr/>
       </p:nvGrpSpPr>
@@ -5199,114 +5102,145 @@
           <a:chExt cx="0" cy="0"/>
         </a:xfrm>
       </p:grpSpPr>
-      <p:grpSp>
-        <p:nvGrpSpPr>
-          <p:cNvPr id="49" name="Google Shape;49;p5"/>
-          <p:cNvGrpSpPr/>
-          <p:nvPr/>
-        </p:nvGrpSpPr>
-        <p:grpSpPr>
-          <a:xfrm>
-            <a:off x="0" y="381001"/>
-            <a:ext cx="1037850" cy="1016287"/>
-            <a:chOff x="0" y="381001"/>
-            <a:chExt cx="1037850" cy="1016287"/>
-          </a:xfrm>
-        </p:grpSpPr>
-        <p:sp>
-          <p:nvSpPr>
-            <p:cNvPr id="50" name="Google Shape;50;p5"/>
-            <p:cNvSpPr/>
-            <p:nvPr/>
-          </p:nvSpPr>
-          <p:spPr>
-            <a:xfrm rot="-5400000">
-              <a:off x="0" y="381001"/>
-              <a:ext cx="808800" cy="808800"/>
-            </a:xfrm>
-            <a:prstGeom prst="diagStripe">
-              <a:avLst>
-                <a:gd fmla="val 50000" name="adj"/>
-              </a:avLst>
-            </a:prstGeom>
-            <a:solidFill>
-              <a:schemeClr val="accent1"/>
-            </a:solidFill>
-            <a:ln>
-              <a:noFill/>
-            </a:ln>
-          </p:spPr>
-          <p:txBody>
-            <a:bodyPr anchorCtr="0" anchor="ctr" bIns="91425" lIns="91425" spcFirstLastPara="1" rIns="91425" wrap="square" tIns="91425">
-              <a:noAutofit/>
-            </a:bodyPr>
-            <a:lstStyle/>
-            <a:p>
-              <a:pPr indent="0" lvl="0" marL="0" rtl="0" algn="l">
-                <a:spcBef>
-                  <a:spcPts val="0"/>
-                </a:spcBef>
-                <a:spcAft>
-                  <a:spcPts val="0"/>
-                </a:spcAft>
-                <a:buNone/>
-              </a:pPr>
-              <a:r>
-                <a:t/>
-              </a:r>
-              <a:endParaRPr/>
-            </a:p>
-          </p:txBody>
-        </p:sp>
-        <p:sp>
-          <p:nvSpPr>
-            <p:cNvPr id="51" name="Google Shape;51;p5"/>
-            <p:cNvSpPr/>
-            <p:nvPr/>
-          </p:nvSpPr>
-          <p:spPr>
-            <a:xfrm flipH="1">
-              <a:off x="229050" y="588489"/>
-              <a:ext cx="808800" cy="808800"/>
-            </a:xfrm>
-            <a:prstGeom prst="diagStripe">
-              <a:avLst>
-                <a:gd fmla="val 50000" name="adj"/>
-              </a:avLst>
-            </a:prstGeom>
-            <a:solidFill>
-              <a:schemeClr val="lt2"/>
-            </a:solidFill>
-            <a:ln>
-              <a:noFill/>
-            </a:ln>
-          </p:spPr>
-          <p:txBody>
-            <a:bodyPr anchorCtr="0" anchor="ctr" bIns="91425" lIns="91425" spcFirstLastPara="1" rIns="91425" wrap="square" tIns="91425">
-              <a:noAutofit/>
-            </a:bodyPr>
-            <a:lstStyle/>
-            <a:p>
-              <a:pPr indent="0" lvl="0" marL="0" rtl="0" algn="l">
-                <a:spcBef>
-                  <a:spcPts val="0"/>
-                </a:spcBef>
-                <a:spcAft>
-                  <a:spcPts val="0"/>
-                </a:spcAft>
-                <a:buNone/>
-              </a:pPr>
-              <a:r>
-                <a:t/>
-              </a:r>
-              <a:endParaRPr/>
-            </a:p>
-          </p:txBody>
-        </p:sp>
-      </p:grpSp>
       <p:sp>
         <p:nvSpPr>
-          <p:cNvPr id="52" name="Google Shape;52;p5"/>
+          <p:cNvPr id="57" name="Google Shape;57;p5"/>
+          <p:cNvSpPr/>
+          <p:nvPr/>
+        </p:nvSpPr>
+        <p:spPr>
+          <a:xfrm flipH="1">
+            <a:off x="3582600" y="1550700"/>
+            <a:ext cx="5561400" cy="3592800"/>
+          </a:xfrm>
+          <a:prstGeom prst="rtTriangle">
+            <a:avLst/>
+          </a:prstGeom>
+          <a:solidFill>
+            <a:schemeClr val="lt2"/>
+          </a:solidFill>
+          <a:ln>
+            <a:noFill/>
+          </a:ln>
+        </p:spPr>
+        <p:txBody>
+          <a:bodyPr anchorCtr="0" anchor="ctr" bIns="91425" lIns="91425" spcFirstLastPara="1" rIns="91425" wrap="square" tIns="91425">
+            <a:noAutofit/>
+          </a:bodyPr>
+          <a:lstStyle/>
+          <a:p>
+            <a:pPr indent="0" lvl="0" marL="0" rtl="0" algn="l">
+              <a:spcBef>
+                <a:spcPts val="0"/>
+              </a:spcBef>
+              <a:spcAft>
+                <a:spcPts val="0"/>
+              </a:spcAft>
+              <a:buNone/>
+            </a:pPr>
+            <a:r>
+              <a:t/>
+            </a:r>
+            <a:endParaRPr/>
+          </a:p>
+        </p:txBody>
+      </p:sp>
+      <p:sp>
+        <p:nvSpPr>
+          <p:cNvPr id="58" name="Google Shape;58;p5"/>
+          <p:cNvSpPr/>
+          <p:nvPr/>
+        </p:nvSpPr>
+        <p:spPr>
+          <a:xfrm>
+            <a:off x="31" y="2824500"/>
+            <a:ext cx="7370400" cy="2319000"/>
+          </a:xfrm>
+          <a:prstGeom prst="rtTriangle">
+            <a:avLst/>
+          </a:prstGeom>
+          <a:solidFill>
+            <a:schemeClr val="accent3"/>
+          </a:solidFill>
+          <a:ln>
+            <a:noFill/>
+          </a:ln>
+        </p:spPr>
+        <p:txBody>
+          <a:bodyPr anchorCtr="0" anchor="ctr" bIns="91425" lIns="91425" spcFirstLastPara="1" rIns="91425" wrap="square" tIns="91425">
+            <a:noAutofit/>
+          </a:bodyPr>
+          <a:lstStyle/>
+          <a:p>
+            <a:pPr indent="0" lvl="0" marL="0" rtl="0" algn="l">
+              <a:spcBef>
+                <a:spcPts val="0"/>
+              </a:spcBef>
+              <a:spcAft>
+                <a:spcPts val="0"/>
+              </a:spcAft>
+              <a:buNone/>
+            </a:pPr>
+            <a:r>
+              <a:t/>
+            </a:r>
+            <a:endParaRPr/>
+          </a:p>
+        </p:txBody>
+      </p:sp>
+      <p:sp>
+        <p:nvSpPr>
+          <p:cNvPr id="59" name="Google Shape;59;p5"/>
+          <p:cNvSpPr/>
+          <p:nvPr/>
+        </p:nvSpPr>
+        <p:spPr>
+          <a:xfrm>
+            <a:off x="203225" y="206250"/>
+            <a:ext cx="8737500" cy="4731000"/>
+          </a:xfrm>
+          <a:prstGeom prst="rect">
+            <a:avLst/>
+          </a:prstGeom>
+          <a:solidFill>
+            <a:schemeClr val="dk1"/>
+          </a:solidFill>
+          <a:ln>
+            <a:noFill/>
+          </a:ln>
+          <a:effectLst>
+            <a:outerShdw blurRad="228600" sx="101000" rotWithShape="0" algn="ctr" sy="101000">
+              <a:srgbClr val="000000">
+                <a:alpha val="40000"/>
+              </a:srgbClr>
+            </a:outerShdw>
+          </a:effectLst>
+        </p:spPr>
+        <p:txBody>
+          <a:bodyPr anchorCtr="0" anchor="ctr" bIns="91425" lIns="91425" spcFirstLastPara="1" rIns="91425" wrap="square" tIns="91425">
+            <a:noAutofit/>
+          </a:bodyPr>
+          <a:lstStyle/>
+          <a:p>
+            <a:pPr indent="0" lvl="0" marL="0" rtl="0" algn="l">
+              <a:spcBef>
+                <a:spcPts val="0"/>
+              </a:spcBef>
+              <a:spcAft>
+                <a:spcPts val="0"/>
+              </a:spcAft>
+              <a:buNone/>
+            </a:pPr>
+            <a:r>
+              <a:t/>
+            </a:r>
+            <a:endParaRPr/>
+          </a:p>
+        </p:txBody>
+      </p:sp>
+      <p:sp>
+        <p:nvSpPr>
+          <p:cNvPr id="60" name="Google Shape;60;p5"/>
           <p:cNvSpPr txBox="1"/>
           <p:nvPr>
             <p:ph type="title"/>
@@ -5314,8 +5248,8 @@
         </p:nvSpPr>
         <p:spPr>
           <a:xfrm>
-            <a:off x="1297500" y="393750"/>
-            <a:ext cx="7038900" cy="914100"/>
+            <a:off x="819150" y="845600"/>
+            <a:ext cx="7505700" cy="954600"/>
           </a:xfrm>
           <a:prstGeom prst="rect">
             <a:avLst/>
@@ -5333,9 +5267,9 @@
               <a:spcAft>
                 <a:spcPts val="0"/>
               </a:spcAft>
-              <a:buSzPts val="2400"/>
-              <a:buNone/>
-              <a:defRPr sz="2400"/>
+              <a:buSzPts val="3000"/>
+              <a:buNone/>
+              <a:defRPr sz="3000"/>
             </a:lvl1pPr>
             <a:lvl2pPr lvl="1">
               <a:spcBef>
@@ -5344,9 +5278,9 @@
               <a:spcAft>
                 <a:spcPts val="0"/>
               </a:spcAft>
-              <a:buSzPts val="2400"/>
-              <a:buNone/>
-              <a:defRPr sz="2400"/>
+              <a:buSzPts val="3000"/>
+              <a:buNone/>
+              <a:defRPr sz="3000"/>
             </a:lvl2pPr>
             <a:lvl3pPr lvl="2">
               <a:spcBef>
@@ -5355,9 +5289,9 @@
               <a:spcAft>
                 <a:spcPts val="0"/>
               </a:spcAft>
-              <a:buSzPts val="2400"/>
-              <a:buNone/>
-              <a:defRPr sz="2400"/>
+              <a:buSzPts val="3000"/>
+              <a:buNone/>
+              <a:defRPr sz="3000"/>
             </a:lvl3pPr>
             <a:lvl4pPr lvl="3">
               <a:spcBef>
@@ -5366,9 +5300,9 @@
               <a:spcAft>
                 <a:spcPts val="0"/>
               </a:spcAft>
-              <a:buSzPts val="2400"/>
-              <a:buNone/>
-              <a:defRPr sz="2400"/>
+              <a:buSzPts val="3000"/>
+              <a:buNone/>
+              <a:defRPr sz="3000"/>
             </a:lvl4pPr>
             <a:lvl5pPr lvl="4">
               <a:spcBef>
@@ -5377,9 +5311,9 @@
               <a:spcAft>
                 <a:spcPts val="0"/>
               </a:spcAft>
-              <a:buSzPts val="2400"/>
-              <a:buNone/>
-              <a:defRPr sz="2400"/>
+              <a:buSzPts val="3000"/>
+              <a:buNone/>
+              <a:defRPr sz="3000"/>
             </a:lvl5pPr>
             <a:lvl6pPr lvl="5">
               <a:spcBef>
@@ -5388,9 +5322,9 @@
               <a:spcAft>
                 <a:spcPts val="0"/>
               </a:spcAft>
-              <a:buSzPts val="2400"/>
-              <a:buNone/>
-              <a:defRPr sz="2400"/>
+              <a:buSzPts val="3000"/>
+              <a:buNone/>
+              <a:defRPr sz="3000"/>
             </a:lvl6pPr>
             <a:lvl7pPr lvl="6">
               <a:spcBef>
@@ -5399,9 +5333,9 @@
               <a:spcAft>
                 <a:spcPts val="0"/>
               </a:spcAft>
-              <a:buSzPts val="2400"/>
-              <a:buNone/>
-              <a:defRPr sz="2400"/>
+              <a:buSzPts val="3000"/>
+              <a:buNone/>
+              <a:defRPr sz="3000"/>
             </a:lvl7pPr>
             <a:lvl8pPr lvl="7">
               <a:spcBef>
@@ -5410,9 +5344,9 @@
               <a:spcAft>
                 <a:spcPts val="0"/>
               </a:spcAft>
-              <a:buSzPts val="2400"/>
-              <a:buNone/>
-              <a:defRPr sz="2400"/>
+              <a:buSzPts val="3000"/>
+              <a:buNone/>
+              <a:defRPr sz="3000"/>
             </a:lvl8pPr>
             <a:lvl9pPr lvl="8">
               <a:spcBef>
@@ -5421,9 +5355,9 @@
               <a:spcAft>
                 <a:spcPts val="0"/>
               </a:spcAft>
-              <a:buSzPts val="2400"/>
-              <a:buNone/>
-              <a:defRPr sz="2400"/>
+              <a:buSzPts val="3000"/>
+              <a:buNone/>
+              <a:defRPr sz="3000"/>
             </a:lvl9pPr>
           </a:lstStyle>
           <a:p/>
@@ -5431,7 +5365,7 @@
       </p:sp>
       <p:sp>
         <p:nvSpPr>
-          <p:cNvPr id="53" name="Google Shape;53;p5"/>
+          <p:cNvPr id="61" name="Google Shape;61;p5"/>
           <p:cNvSpPr txBox="1"/>
           <p:nvPr>
             <p:ph idx="1" type="body"/>
@@ -5439,8 +5373,8 @@
         </p:nvSpPr>
         <p:spPr>
           <a:xfrm>
-            <a:off x="1297500" y="1567550"/>
-            <a:ext cx="3403200" cy="2911200"/>
+            <a:off x="819150" y="1990725"/>
+            <a:ext cx="3686100" cy="2448000"/>
           </a:xfrm>
           <a:prstGeom prst="rect">
             <a:avLst/>
@@ -5556,7 +5490,7 @@
       </p:sp>
       <p:sp>
         <p:nvSpPr>
-          <p:cNvPr id="54" name="Google Shape;54;p5"/>
+          <p:cNvPr id="62" name="Google Shape;62;p5"/>
           <p:cNvSpPr txBox="1"/>
           <p:nvPr>
             <p:ph idx="2" type="body"/>
@@ -5564,8 +5498,8 @@
         </p:nvSpPr>
         <p:spPr>
           <a:xfrm>
-            <a:off x="4933221" y="1567550"/>
-            <a:ext cx="3403200" cy="2911200"/>
+            <a:off x="4638675" y="1990725"/>
+            <a:ext cx="3686100" cy="2448000"/>
           </a:xfrm>
           <a:prstGeom prst="rect">
             <a:avLst/>
@@ -5681,7 +5615,7 @@
       </p:sp>
       <p:sp>
         <p:nvSpPr>
-          <p:cNvPr id="55" name="Google Shape;55;p5"/>
+          <p:cNvPr id="63" name="Google Shape;63;p5"/>
           <p:cNvSpPr txBox="1"/>
           <p:nvPr>
             <p:ph idx="12" type="sldNum"/>
@@ -5689,7 +5623,7 @@
         </p:nvSpPr>
         <p:spPr>
           <a:xfrm>
-            <a:off x="8472458" y="4663217"/>
+            <a:off x="8390734" y="4543668"/>
             <a:ext cx="548700" cy="393600"/>
           </a:xfrm>
           <a:prstGeom prst="rect">
@@ -5767,9 +5701,16 @@
 <file path=ppt/slideLayouts/slideLayout5.xml><?xml version="1.0" encoding="utf-8"?>
 <p:sldLayout xmlns:a="http://schemas.openxmlformats.org/drawingml/2006/main" xmlns:r="http://schemas.openxmlformats.org/officeDocument/2006/relationships" xmlns:mc="http://schemas.openxmlformats.org/markup-compatibility/2006" xmlns:mv="urn:schemas-microsoft-com:mac:vml" xmlns:p="http://schemas.openxmlformats.org/presentationml/2006/main" xmlns:c="http://schemas.openxmlformats.org/drawingml/2006/chart" xmlns:dgm="http://schemas.openxmlformats.org/drawingml/2006/diagram" xmlns:o="urn:schemas-microsoft-com:office:office" xmlns:v="urn:schemas-microsoft-com:vml" xmlns:pvml="urn:schemas-microsoft-com:office:powerpoint" xmlns:com="http://schemas.openxmlformats.org/drawingml/2006/compatibility" xmlns:p14="http://schemas.microsoft.com/office/powerpoint/2010/main" xmlns:p15="http://schemas.microsoft.com/office/powerpoint/2012/main" xmlns:ahyp="http://schemas.microsoft.com/office/drawing/2018/hyperlinkcolor" matchingName="Title only" type="titleOnly">
   <p:cSld name="TITLE_ONLY">
+    <p:bg>
+      <p:bgPr>
+        <a:solidFill>
+          <a:schemeClr val="dk2"/>
+        </a:solidFill>
+      </p:bgPr>
+    </p:bg>
     <p:spTree>
       <p:nvGrpSpPr>
-        <p:cNvPr id="56" name="Shape 56"/>
+        <p:cNvPr id="64" name="Shape 64"/>
         <p:cNvGrpSpPr/>
         <p:nvPr/>
       </p:nvGrpSpPr>
@@ -5781,114 +5722,145 @@
           <a:chExt cx="0" cy="0"/>
         </a:xfrm>
       </p:grpSpPr>
-      <p:grpSp>
-        <p:nvGrpSpPr>
-          <p:cNvPr id="57" name="Google Shape;57;p6"/>
-          <p:cNvGrpSpPr/>
-          <p:nvPr/>
-        </p:nvGrpSpPr>
-        <p:grpSpPr>
-          <a:xfrm>
-            <a:off x="0" y="381001"/>
-            <a:ext cx="1037850" cy="1016287"/>
-            <a:chOff x="0" y="381001"/>
-            <a:chExt cx="1037850" cy="1016287"/>
-          </a:xfrm>
-        </p:grpSpPr>
-        <p:sp>
-          <p:nvSpPr>
-            <p:cNvPr id="58" name="Google Shape;58;p6"/>
-            <p:cNvSpPr/>
-            <p:nvPr/>
-          </p:nvSpPr>
-          <p:spPr>
-            <a:xfrm rot="-5400000">
-              <a:off x="0" y="381001"/>
-              <a:ext cx="808800" cy="808800"/>
-            </a:xfrm>
-            <a:prstGeom prst="diagStripe">
-              <a:avLst>
-                <a:gd fmla="val 50000" name="adj"/>
-              </a:avLst>
-            </a:prstGeom>
-            <a:solidFill>
-              <a:schemeClr val="accent1"/>
-            </a:solidFill>
-            <a:ln>
-              <a:noFill/>
-            </a:ln>
-          </p:spPr>
-          <p:txBody>
-            <a:bodyPr anchorCtr="0" anchor="ctr" bIns="91425" lIns="91425" spcFirstLastPara="1" rIns="91425" wrap="square" tIns="91425">
-              <a:noAutofit/>
-            </a:bodyPr>
-            <a:lstStyle/>
-            <a:p>
-              <a:pPr indent="0" lvl="0" marL="0" rtl="0" algn="l">
-                <a:spcBef>
-                  <a:spcPts val="0"/>
-                </a:spcBef>
-                <a:spcAft>
-                  <a:spcPts val="0"/>
-                </a:spcAft>
-                <a:buNone/>
-              </a:pPr>
-              <a:r>
-                <a:t/>
-              </a:r>
-              <a:endParaRPr/>
-            </a:p>
-          </p:txBody>
-        </p:sp>
-        <p:sp>
-          <p:nvSpPr>
-            <p:cNvPr id="59" name="Google Shape;59;p6"/>
-            <p:cNvSpPr/>
-            <p:nvPr/>
-          </p:nvSpPr>
-          <p:spPr>
-            <a:xfrm flipH="1">
-              <a:off x="229050" y="588489"/>
-              <a:ext cx="808800" cy="808800"/>
-            </a:xfrm>
-            <a:prstGeom prst="diagStripe">
-              <a:avLst>
-                <a:gd fmla="val 50000" name="adj"/>
-              </a:avLst>
-            </a:prstGeom>
-            <a:solidFill>
-              <a:schemeClr val="lt2"/>
-            </a:solidFill>
-            <a:ln>
-              <a:noFill/>
-            </a:ln>
-          </p:spPr>
-          <p:txBody>
-            <a:bodyPr anchorCtr="0" anchor="ctr" bIns="91425" lIns="91425" spcFirstLastPara="1" rIns="91425" wrap="square" tIns="91425">
-              <a:noAutofit/>
-            </a:bodyPr>
-            <a:lstStyle/>
-            <a:p>
-              <a:pPr indent="0" lvl="0" marL="0" rtl="0" algn="l">
-                <a:spcBef>
-                  <a:spcPts val="0"/>
-                </a:spcBef>
-                <a:spcAft>
-                  <a:spcPts val="0"/>
-                </a:spcAft>
-                <a:buNone/>
-              </a:pPr>
-              <a:r>
-                <a:t/>
-              </a:r>
-              <a:endParaRPr/>
-            </a:p>
-          </p:txBody>
-        </p:sp>
-      </p:grpSp>
       <p:sp>
         <p:nvSpPr>
-          <p:cNvPr id="60" name="Google Shape;60;p6"/>
+          <p:cNvPr id="65" name="Google Shape;65;p6"/>
+          <p:cNvSpPr/>
+          <p:nvPr/>
+        </p:nvSpPr>
+        <p:spPr>
+          <a:xfrm flipH="1">
+            <a:off x="3582600" y="1550700"/>
+            <a:ext cx="5561400" cy="3592800"/>
+          </a:xfrm>
+          <a:prstGeom prst="rtTriangle">
+            <a:avLst/>
+          </a:prstGeom>
+          <a:solidFill>
+            <a:schemeClr val="lt2"/>
+          </a:solidFill>
+          <a:ln>
+            <a:noFill/>
+          </a:ln>
+        </p:spPr>
+        <p:txBody>
+          <a:bodyPr anchorCtr="0" anchor="ctr" bIns="91425" lIns="91425" spcFirstLastPara="1" rIns="91425" wrap="square" tIns="91425">
+            <a:noAutofit/>
+          </a:bodyPr>
+          <a:lstStyle/>
+          <a:p>
+            <a:pPr indent="0" lvl="0" marL="0" rtl="0" algn="l">
+              <a:spcBef>
+                <a:spcPts val="0"/>
+              </a:spcBef>
+              <a:spcAft>
+                <a:spcPts val="0"/>
+              </a:spcAft>
+              <a:buNone/>
+            </a:pPr>
+            <a:r>
+              <a:t/>
+            </a:r>
+            <a:endParaRPr/>
+          </a:p>
+        </p:txBody>
+      </p:sp>
+      <p:sp>
+        <p:nvSpPr>
+          <p:cNvPr id="66" name="Google Shape;66;p6"/>
+          <p:cNvSpPr/>
+          <p:nvPr/>
+        </p:nvSpPr>
+        <p:spPr>
+          <a:xfrm>
+            <a:off x="31" y="2824500"/>
+            <a:ext cx="7370400" cy="2319000"/>
+          </a:xfrm>
+          <a:prstGeom prst="rtTriangle">
+            <a:avLst/>
+          </a:prstGeom>
+          <a:solidFill>
+            <a:schemeClr val="accent3"/>
+          </a:solidFill>
+          <a:ln>
+            <a:noFill/>
+          </a:ln>
+        </p:spPr>
+        <p:txBody>
+          <a:bodyPr anchorCtr="0" anchor="ctr" bIns="91425" lIns="91425" spcFirstLastPara="1" rIns="91425" wrap="square" tIns="91425">
+            <a:noAutofit/>
+          </a:bodyPr>
+          <a:lstStyle/>
+          <a:p>
+            <a:pPr indent="0" lvl="0" marL="0" rtl="0" algn="l">
+              <a:spcBef>
+                <a:spcPts val="0"/>
+              </a:spcBef>
+              <a:spcAft>
+                <a:spcPts val="0"/>
+              </a:spcAft>
+              <a:buNone/>
+            </a:pPr>
+            <a:r>
+              <a:t/>
+            </a:r>
+            <a:endParaRPr/>
+          </a:p>
+        </p:txBody>
+      </p:sp>
+      <p:sp>
+        <p:nvSpPr>
+          <p:cNvPr id="67" name="Google Shape;67;p6"/>
+          <p:cNvSpPr/>
+          <p:nvPr/>
+        </p:nvSpPr>
+        <p:spPr>
+          <a:xfrm>
+            <a:off x="203225" y="206250"/>
+            <a:ext cx="8737500" cy="4731000"/>
+          </a:xfrm>
+          <a:prstGeom prst="rect">
+            <a:avLst/>
+          </a:prstGeom>
+          <a:solidFill>
+            <a:schemeClr val="dk1"/>
+          </a:solidFill>
+          <a:ln>
+            <a:noFill/>
+          </a:ln>
+          <a:effectLst>
+            <a:outerShdw blurRad="228600" sx="101000" rotWithShape="0" algn="ctr" sy="101000">
+              <a:srgbClr val="000000">
+                <a:alpha val="40000"/>
+              </a:srgbClr>
+            </a:outerShdw>
+          </a:effectLst>
+        </p:spPr>
+        <p:txBody>
+          <a:bodyPr anchorCtr="0" anchor="ctr" bIns="91425" lIns="91425" spcFirstLastPara="1" rIns="91425" wrap="square" tIns="91425">
+            <a:noAutofit/>
+          </a:bodyPr>
+          <a:lstStyle/>
+          <a:p>
+            <a:pPr indent="0" lvl="0" marL="0" rtl="0" algn="l">
+              <a:spcBef>
+                <a:spcPts val="0"/>
+              </a:spcBef>
+              <a:spcAft>
+                <a:spcPts val="0"/>
+              </a:spcAft>
+              <a:buNone/>
+            </a:pPr>
+            <a:r>
+              <a:t/>
+            </a:r>
+            <a:endParaRPr/>
+          </a:p>
+        </p:txBody>
+      </p:sp>
+      <p:sp>
+        <p:nvSpPr>
+          <p:cNvPr id="68" name="Google Shape;68;p6"/>
           <p:cNvSpPr txBox="1"/>
           <p:nvPr>
             <p:ph type="title"/>
@@ -5896,8 +5868,8 @@
         </p:nvSpPr>
         <p:spPr>
           <a:xfrm>
-            <a:off x="1297500" y="393750"/>
-            <a:ext cx="7038900" cy="914100"/>
+            <a:off x="819150" y="845600"/>
+            <a:ext cx="7505700" cy="954600"/>
           </a:xfrm>
           <a:prstGeom prst="rect">
             <a:avLst/>
@@ -5915,9 +5887,9 @@
               <a:spcAft>
                 <a:spcPts val="0"/>
               </a:spcAft>
-              <a:buSzPts val="2400"/>
-              <a:buNone/>
-              <a:defRPr sz="2400"/>
+              <a:buSzPts val="3000"/>
+              <a:buNone/>
+              <a:defRPr sz="3000"/>
             </a:lvl1pPr>
             <a:lvl2pPr lvl="1">
               <a:spcBef>
@@ -5926,9 +5898,9 @@
               <a:spcAft>
                 <a:spcPts val="0"/>
               </a:spcAft>
-              <a:buSzPts val="2400"/>
-              <a:buNone/>
-              <a:defRPr sz="2400"/>
+              <a:buSzPts val="3000"/>
+              <a:buNone/>
+              <a:defRPr sz="3000"/>
             </a:lvl2pPr>
             <a:lvl3pPr lvl="2">
               <a:spcBef>
@@ -5937,9 +5909,9 @@
               <a:spcAft>
                 <a:spcPts val="0"/>
               </a:spcAft>
-              <a:buSzPts val="2400"/>
-              <a:buNone/>
-              <a:defRPr sz="2400"/>
+              <a:buSzPts val="3000"/>
+              <a:buNone/>
+              <a:defRPr sz="3000"/>
             </a:lvl3pPr>
             <a:lvl4pPr lvl="3">
               <a:spcBef>
@@ -5948,9 +5920,9 @@
               <a:spcAft>
                 <a:spcPts val="0"/>
               </a:spcAft>
-              <a:buSzPts val="2400"/>
-              <a:buNone/>
-              <a:defRPr sz="2400"/>
+              <a:buSzPts val="3000"/>
+              <a:buNone/>
+              <a:defRPr sz="3000"/>
             </a:lvl4pPr>
             <a:lvl5pPr lvl="4">
               <a:spcBef>
@@ -5959,9 +5931,9 @@
               <a:spcAft>
                 <a:spcPts val="0"/>
               </a:spcAft>
-              <a:buSzPts val="2400"/>
-              <a:buNone/>
-              <a:defRPr sz="2400"/>
+              <a:buSzPts val="3000"/>
+              <a:buNone/>
+              <a:defRPr sz="3000"/>
             </a:lvl5pPr>
             <a:lvl6pPr lvl="5">
               <a:spcBef>
@@ -5970,9 +5942,9 @@
               <a:spcAft>
                 <a:spcPts val="0"/>
               </a:spcAft>
-              <a:buSzPts val="2400"/>
-              <a:buNone/>
-              <a:defRPr sz="2400"/>
+              <a:buSzPts val="3000"/>
+              <a:buNone/>
+              <a:defRPr sz="3000"/>
             </a:lvl6pPr>
             <a:lvl7pPr lvl="6">
               <a:spcBef>
@@ -5981,9 +5953,9 @@
               <a:spcAft>
                 <a:spcPts val="0"/>
               </a:spcAft>
-              <a:buSzPts val="2400"/>
-              <a:buNone/>
-              <a:defRPr sz="2400"/>
+              <a:buSzPts val="3000"/>
+              <a:buNone/>
+              <a:defRPr sz="3000"/>
             </a:lvl7pPr>
             <a:lvl8pPr lvl="7">
               <a:spcBef>
@@ -5992,9 +5964,9 @@
               <a:spcAft>
                 <a:spcPts val="0"/>
               </a:spcAft>
-              <a:buSzPts val="2400"/>
-              <a:buNone/>
-              <a:defRPr sz="2400"/>
+              <a:buSzPts val="3000"/>
+              <a:buNone/>
+              <a:defRPr sz="3000"/>
             </a:lvl8pPr>
             <a:lvl9pPr lvl="8">
               <a:spcBef>
@@ -6003,9 +5975,9 @@
               <a:spcAft>
                 <a:spcPts val="0"/>
               </a:spcAft>
-              <a:buSzPts val="2400"/>
-              <a:buNone/>
-              <a:defRPr sz="2400"/>
+              <a:buSzPts val="3000"/>
+              <a:buNone/>
+              <a:defRPr sz="3000"/>
             </a:lvl9pPr>
           </a:lstStyle>
           <a:p/>
@@ -6013,7 +5985,7 @@
       </p:sp>
       <p:sp>
         <p:nvSpPr>
-          <p:cNvPr id="61" name="Google Shape;61;p6"/>
+          <p:cNvPr id="69" name="Google Shape;69;p6"/>
           <p:cNvSpPr txBox="1"/>
           <p:nvPr>
             <p:ph idx="12" type="sldNum"/>
@@ -6021,7 +5993,7 @@
         </p:nvSpPr>
         <p:spPr>
           <a:xfrm>
-            <a:off x="8472458" y="4663217"/>
+            <a:off x="8390734" y="4543668"/>
             <a:ext cx="548700" cy="393600"/>
           </a:xfrm>
           <a:prstGeom prst="rect">
@@ -6099,9 +6071,16 @@
 <file path=ppt/slideLayouts/slideLayout6.xml><?xml version="1.0" encoding="utf-8"?>
 <p:sldLayout xmlns:a="http://schemas.openxmlformats.org/drawingml/2006/main" xmlns:r="http://schemas.openxmlformats.org/officeDocument/2006/relationships" xmlns:mc="http://schemas.openxmlformats.org/markup-compatibility/2006" xmlns:mv="urn:schemas-microsoft-com:mac:vml" xmlns:p="http://schemas.openxmlformats.org/presentationml/2006/main" xmlns:c="http://schemas.openxmlformats.org/drawingml/2006/chart" xmlns:dgm="http://schemas.openxmlformats.org/drawingml/2006/diagram" xmlns:o="urn:schemas-microsoft-com:office:office" xmlns:v="urn:schemas-microsoft-com:vml" xmlns:pvml="urn:schemas-microsoft-com:office:powerpoint" xmlns:com="http://schemas.openxmlformats.org/drawingml/2006/compatibility" xmlns:p14="http://schemas.microsoft.com/office/powerpoint/2010/main" xmlns:p15="http://schemas.microsoft.com/office/powerpoint/2012/main" xmlns:ahyp="http://schemas.microsoft.com/office/drawing/2018/hyperlinkcolor" matchingName="One column text">
   <p:cSld name="ONE_COLUMN_TEXT">
+    <p:bg>
+      <p:bgPr>
+        <a:solidFill>
+          <a:schemeClr val="accent3"/>
+        </a:solidFill>
+      </p:bgPr>
+    </p:bg>
     <p:spTree>
       <p:nvGrpSpPr>
-        <p:cNvPr id="62" name="Shape 62"/>
+        <p:cNvPr id="70" name="Shape 70"/>
         <p:cNvGrpSpPr/>
         <p:nvPr/>
       </p:nvGrpSpPr>
@@ -6113,114 +6092,145 @@
           <a:chExt cx="0" cy="0"/>
         </a:xfrm>
       </p:grpSpPr>
-      <p:grpSp>
-        <p:nvGrpSpPr>
-          <p:cNvPr id="63" name="Google Shape;63;p7"/>
-          <p:cNvGrpSpPr/>
-          <p:nvPr/>
-        </p:nvGrpSpPr>
-        <p:grpSpPr>
-          <a:xfrm>
-            <a:off x="0" y="381001"/>
-            <a:ext cx="1037850" cy="1016287"/>
-            <a:chOff x="0" y="381001"/>
-            <a:chExt cx="1037850" cy="1016287"/>
-          </a:xfrm>
-        </p:grpSpPr>
-        <p:sp>
-          <p:nvSpPr>
-            <p:cNvPr id="64" name="Google Shape;64;p7"/>
-            <p:cNvSpPr/>
-            <p:nvPr/>
-          </p:nvSpPr>
-          <p:spPr>
-            <a:xfrm rot="-5400000">
-              <a:off x="0" y="381001"/>
-              <a:ext cx="808800" cy="808800"/>
-            </a:xfrm>
-            <a:prstGeom prst="diagStripe">
-              <a:avLst>
-                <a:gd fmla="val 50000" name="adj"/>
-              </a:avLst>
-            </a:prstGeom>
-            <a:solidFill>
-              <a:schemeClr val="accent1"/>
-            </a:solidFill>
-            <a:ln>
-              <a:noFill/>
-            </a:ln>
-          </p:spPr>
-          <p:txBody>
-            <a:bodyPr anchorCtr="0" anchor="ctr" bIns="91425" lIns="91425" spcFirstLastPara="1" rIns="91425" wrap="square" tIns="91425">
-              <a:noAutofit/>
-            </a:bodyPr>
-            <a:lstStyle/>
-            <a:p>
-              <a:pPr indent="0" lvl="0" marL="0" rtl="0" algn="l">
-                <a:spcBef>
-                  <a:spcPts val="0"/>
-                </a:spcBef>
-                <a:spcAft>
-                  <a:spcPts val="0"/>
-                </a:spcAft>
-                <a:buNone/>
-              </a:pPr>
-              <a:r>
-                <a:t/>
-              </a:r>
-              <a:endParaRPr/>
-            </a:p>
-          </p:txBody>
-        </p:sp>
-        <p:sp>
-          <p:nvSpPr>
-            <p:cNvPr id="65" name="Google Shape;65;p7"/>
-            <p:cNvSpPr/>
-            <p:nvPr/>
-          </p:nvSpPr>
-          <p:spPr>
-            <a:xfrm flipH="1">
-              <a:off x="229050" y="588489"/>
-              <a:ext cx="808800" cy="808800"/>
-            </a:xfrm>
-            <a:prstGeom prst="diagStripe">
-              <a:avLst>
-                <a:gd fmla="val 50000" name="adj"/>
-              </a:avLst>
-            </a:prstGeom>
-            <a:solidFill>
-              <a:schemeClr val="lt2"/>
-            </a:solidFill>
-            <a:ln>
-              <a:noFill/>
-            </a:ln>
-          </p:spPr>
-          <p:txBody>
-            <a:bodyPr anchorCtr="0" anchor="ctr" bIns="91425" lIns="91425" spcFirstLastPara="1" rIns="91425" wrap="square" tIns="91425">
-              <a:noAutofit/>
-            </a:bodyPr>
-            <a:lstStyle/>
-            <a:p>
-              <a:pPr indent="0" lvl="0" marL="0" rtl="0" algn="l">
-                <a:spcBef>
-                  <a:spcPts val="0"/>
-                </a:spcBef>
-                <a:spcAft>
-                  <a:spcPts val="0"/>
-                </a:spcAft>
-                <a:buNone/>
-              </a:pPr>
-              <a:r>
-                <a:t/>
-              </a:r>
-              <a:endParaRPr/>
-            </a:p>
-          </p:txBody>
-        </p:sp>
-      </p:grpSp>
       <p:sp>
         <p:nvSpPr>
-          <p:cNvPr id="66" name="Google Shape;66;p7"/>
+          <p:cNvPr id="71" name="Google Shape;71;p7"/>
+          <p:cNvSpPr/>
+          <p:nvPr/>
+        </p:nvSpPr>
+        <p:spPr>
+          <a:xfrm flipH="1">
+            <a:off x="3582600" y="1550700"/>
+            <a:ext cx="5561400" cy="3592800"/>
+          </a:xfrm>
+          <a:prstGeom prst="rtTriangle">
+            <a:avLst/>
+          </a:prstGeom>
+          <a:solidFill>
+            <a:schemeClr val="lt2"/>
+          </a:solidFill>
+          <a:ln>
+            <a:noFill/>
+          </a:ln>
+        </p:spPr>
+        <p:txBody>
+          <a:bodyPr anchorCtr="0" anchor="ctr" bIns="91425" lIns="91425" spcFirstLastPara="1" rIns="91425" wrap="square" tIns="91425">
+            <a:noAutofit/>
+          </a:bodyPr>
+          <a:lstStyle/>
+          <a:p>
+            <a:pPr indent="0" lvl="0" marL="0" rtl="0" algn="l">
+              <a:spcBef>
+                <a:spcPts val="0"/>
+              </a:spcBef>
+              <a:spcAft>
+                <a:spcPts val="0"/>
+              </a:spcAft>
+              <a:buNone/>
+            </a:pPr>
+            <a:r>
+              <a:t/>
+            </a:r>
+            <a:endParaRPr/>
+          </a:p>
+        </p:txBody>
+      </p:sp>
+      <p:sp>
+        <p:nvSpPr>
+          <p:cNvPr id="72" name="Google Shape;72;p7"/>
+          <p:cNvSpPr/>
+          <p:nvPr/>
+        </p:nvSpPr>
+        <p:spPr>
+          <a:xfrm>
+            <a:off x="31" y="2824500"/>
+            <a:ext cx="7370400" cy="2319000"/>
+          </a:xfrm>
+          <a:prstGeom prst="rtTriangle">
+            <a:avLst/>
+          </a:prstGeom>
+          <a:solidFill>
+            <a:schemeClr val="dk2"/>
+          </a:solidFill>
+          <a:ln>
+            <a:noFill/>
+          </a:ln>
+        </p:spPr>
+        <p:txBody>
+          <a:bodyPr anchorCtr="0" anchor="ctr" bIns="91425" lIns="91425" spcFirstLastPara="1" rIns="91425" wrap="square" tIns="91425">
+            <a:noAutofit/>
+          </a:bodyPr>
+          <a:lstStyle/>
+          <a:p>
+            <a:pPr indent="0" lvl="0" marL="0" rtl="0" algn="l">
+              <a:spcBef>
+                <a:spcPts val="0"/>
+              </a:spcBef>
+              <a:spcAft>
+                <a:spcPts val="0"/>
+              </a:spcAft>
+              <a:buNone/>
+            </a:pPr>
+            <a:r>
+              <a:t/>
+            </a:r>
+            <a:endParaRPr/>
+          </a:p>
+        </p:txBody>
+      </p:sp>
+      <p:sp>
+        <p:nvSpPr>
+          <p:cNvPr id="73" name="Google Shape;73;p7"/>
+          <p:cNvSpPr/>
+          <p:nvPr/>
+        </p:nvSpPr>
+        <p:spPr>
+          <a:xfrm>
+            <a:off x="203225" y="206250"/>
+            <a:ext cx="8737500" cy="4731000"/>
+          </a:xfrm>
+          <a:prstGeom prst="rect">
+            <a:avLst/>
+          </a:prstGeom>
+          <a:solidFill>
+            <a:schemeClr val="dk1"/>
+          </a:solidFill>
+          <a:ln>
+            <a:noFill/>
+          </a:ln>
+          <a:effectLst>
+            <a:outerShdw blurRad="228600" sx="101000" rotWithShape="0" algn="ctr" sy="101000">
+              <a:srgbClr val="000000">
+                <a:alpha val="40000"/>
+              </a:srgbClr>
+            </a:outerShdw>
+          </a:effectLst>
+        </p:spPr>
+        <p:txBody>
+          <a:bodyPr anchorCtr="0" anchor="ctr" bIns="91425" lIns="91425" spcFirstLastPara="1" rIns="91425" wrap="square" tIns="91425">
+            <a:noAutofit/>
+          </a:bodyPr>
+          <a:lstStyle/>
+          <a:p>
+            <a:pPr indent="0" lvl="0" marL="0" rtl="0" algn="l">
+              <a:spcBef>
+                <a:spcPts val="0"/>
+              </a:spcBef>
+              <a:spcAft>
+                <a:spcPts val="0"/>
+              </a:spcAft>
+              <a:buNone/>
+            </a:pPr>
+            <a:r>
+              <a:t/>
+            </a:r>
+            <a:endParaRPr/>
+          </a:p>
+        </p:txBody>
+      </p:sp>
+      <p:sp>
+        <p:nvSpPr>
+          <p:cNvPr id="74" name="Google Shape;74;p7"/>
           <p:cNvSpPr txBox="1"/>
           <p:nvPr>
             <p:ph type="title"/>
@@ -6228,8 +6238,8 @@
         </p:nvSpPr>
         <p:spPr>
           <a:xfrm>
-            <a:off x="1297500" y="393750"/>
-            <a:ext cx="3798900" cy="1493100"/>
+            <a:off x="819150" y="845600"/>
+            <a:ext cx="3709200" cy="1383000"/>
           </a:xfrm>
           <a:prstGeom prst="rect">
             <a:avLst/>
@@ -6247,9 +6257,9 @@
               <a:spcAft>
                 <a:spcPts val="0"/>
               </a:spcAft>
-              <a:buSzPts val="2400"/>
-              <a:buNone/>
-              <a:defRPr sz="2400"/>
+              <a:buSzPts val="3000"/>
+              <a:buNone/>
+              <a:defRPr sz="3000"/>
             </a:lvl1pPr>
             <a:lvl2pPr lvl="1">
               <a:spcBef>
@@ -6258,9 +6268,9 @@
               <a:spcAft>
                 <a:spcPts val="0"/>
               </a:spcAft>
-              <a:buSzPts val="2400"/>
-              <a:buNone/>
-              <a:defRPr sz="2400"/>
+              <a:buSzPts val="3000"/>
+              <a:buNone/>
+              <a:defRPr sz="3000"/>
             </a:lvl2pPr>
             <a:lvl3pPr lvl="2">
               <a:spcBef>
@@ -6269,9 +6279,9 @@
               <a:spcAft>
                 <a:spcPts val="0"/>
               </a:spcAft>
-              <a:buSzPts val="2400"/>
-              <a:buNone/>
-              <a:defRPr sz="2400"/>
+              <a:buSzPts val="3000"/>
+              <a:buNone/>
+              <a:defRPr sz="3000"/>
             </a:lvl3pPr>
             <a:lvl4pPr lvl="3">
               <a:spcBef>
@@ -6280,9 +6290,9 @@
               <a:spcAft>
                 <a:spcPts val="0"/>
               </a:spcAft>
-              <a:buSzPts val="2400"/>
-              <a:buNone/>
-              <a:defRPr sz="2400"/>
+              <a:buSzPts val="3000"/>
+              <a:buNone/>
+              <a:defRPr sz="3000"/>
             </a:lvl4pPr>
             <a:lvl5pPr lvl="4">
               <a:spcBef>
@@ -6291,9 +6301,9 @@
               <a:spcAft>
                 <a:spcPts val="0"/>
               </a:spcAft>
-              <a:buSzPts val="2400"/>
-              <a:buNone/>
-              <a:defRPr sz="2400"/>
+              <a:buSzPts val="3000"/>
+              <a:buNone/>
+              <a:defRPr sz="3000"/>
             </a:lvl5pPr>
             <a:lvl6pPr lvl="5">
               <a:spcBef>
@@ -6302,9 +6312,9 @@
               <a:spcAft>
                 <a:spcPts val="0"/>
               </a:spcAft>
-              <a:buSzPts val="2400"/>
-              <a:buNone/>
-              <a:defRPr sz="2400"/>
+              <a:buSzPts val="3000"/>
+              <a:buNone/>
+              <a:defRPr sz="3000"/>
             </a:lvl6pPr>
             <a:lvl7pPr lvl="6">
               <a:spcBef>
@@ -6313,9 +6323,9 @@
               <a:spcAft>
                 <a:spcPts val="0"/>
               </a:spcAft>
-              <a:buSzPts val="2400"/>
-              <a:buNone/>
-              <a:defRPr sz="2400"/>
+              <a:buSzPts val="3000"/>
+              <a:buNone/>
+              <a:defRPr sz="3000"/>
             </a:lvl7pPr>
             <a:lvl8pPr lvl="7">
               <a:spcBef>
@@ -6324,9 +6334,9 @@
               <a:spcAft>
                 <a:spcPts val="0"/>
               </a:spcAft>
-              <a:buSzPts val="2400"/>
-              <a:buNone/>
-              <a:defRPr sz="2400"/>
+              <a:buSzPts val="3000"/>
+              <a:buNone/>
+              <a:defRPr sz="3000"/>
             </a:lvl8pPr>
             <a:lvl9pPr lvl="8">
               <a:spcBef>
@@ -6335,9 +6345,9 @@
               <a:spcAft>
                 <a:spcPts val="0"/>
               </a:spcAft>
-              <a:buSzPts val="2400"/>
-              <a:buNone/>
-              <a:defRPr sz="2400"/>
+              <a:buSzPts val="3000"/>
+              <a:buNone/>
+              <a:defRPr sz="3000"/>
             </a:lvl9pPr>
           </a:lstStyle>
           <a:p/>
@@ -6345,7 +6355,7 @@
       </p:sp>
       <p:sp>
         <p:nvSpPr>
-          <p:cNvPr id="67" name="Google Shape;67;p7"/>
+          <p:cNvPr id="75" name="Google Shape;75;p7"/>
           <p:cNvSpPr txBox="1"/>
           <p:nvPr>
             <p:ph idx="1" type="body"/>
@@ -6353,8 +6363,8 @@
         </p:nvSpPr>
         <p:spPr>
           <a:xfrm>
-            <a:off x="1297500" y="1972550"/>
-            <a:ext cx="3798900" cy="2415900"/>
+            <a:off x="830700" y="2319050"/>
+            <a:ext cx="3709200" cy="2119800"/>
           </a:xfrm>
           <a:prstGeom prst="rect">
             <a:avLst/>
@@ -6470,7 +6480,7 @@
       </p:sp>
       <p:sp>
         <p:nvSpPr>
-          <p:cNvPr id="68" name="Google Shape;68;p7"/>
+          <p:cNvPr id="76" name="Google Shape;76;p7"/>
           <p:cNvSpPr txBox="1"/>
           <p:nvPr>
             <p:ph idx="12" type="sldNum"/>
@@ -6478,7 +6488,7 @@
         </p:nvSpPr>
         <p:spPr>
           <a:xfrm>
-            <a:off x="8472458" y="4663217"/>
+            <a:off x="8390734" y="4543668"/>
             <a:ext cx="548700" cy="393600"/>
           </a:xfrm>
           <a:prstGeom prst="rect">
@@ -6556,9 +6566,16 @@
 <file path=ppt/slideLayouts/slideLayout7.xml><?xml version="1.0" encoding="utf-8"?>
 <p:sldLayout xmlns:a="http://schemas.openxmlformats.org/drawingml/2006/main" xmlns:r="http://schemas.openxmlformats.org/officeDocument/2006/relationships" xmlns:mc="http://schemas.openxmlformats.org/markup-compatibility/2006" xmlns:mv="urn:schemas-microsoft-com:mac:vml" xmlns:p="http://schemas.openxmlformats.org/presentationml/2006/main" xmlns:c="http://schemas.openxmlformats.org/drawingml/2006/chart" xmlns:dgm="http://schemas.openxmlformats.org/drawingml/2006/diagram" xmlns:o="urn:schemas-microsoft-com:office:office" xmlns:v="urn:schemas-microsoft-com:vml" xmlns:pvml="urn:schemas-microsoft-com:office:powerpoint" xmlns:com="http://schemas.openxmlformats.org/drawingml/2006/compatibility" xmlns:p14="http://schemas.microsoft.com/office/powerpoint/2010/main" xmlns:p15="http://schemas.microsoft.com/office/powerpoint/2012/main" xmlns:ahyp="http://schemas.microsoft.com/office/drawing/2018/hyperlinkcolor" matchingName="Main point">
   <p:cSld name="MAIN_POINT">
+    <p:bg>
+      <p:bgPr>
+        <a:solidFill>
+          <a:schemeClr val="accent1"/>
+        </a:solidFill>
+      </p:bgPr>
+    </p:bg>
     <p:spTree>
       <p:nvGrpSpPr>
-        <p:cNvPr id="69" name="Shape 69"/>
+        <p:cNvPr id="77" name="Shape 77"/>
         <p:cNvGrpSpPr/>
         <p:nvPr/>
       </p:nvGrpSpPr>
@@ -6570,488 +6587,106 @@
           <a:chExt cx="0" cy="0"/>
         </a:xfrm>
       </p:grpSpPr>
+      <p:sp>
+        <p:nvSpPr>
+          <p:cNvPr id="78" name="Google Shape;78;p8"/>
+          <p:cNvSpPr/>
+          <p:nvPr/>
+        </p:nvSpPr>
+        <p:spPr>
+          <a:xfrm>
+            <a:off x="0" y="2823144"/>
+            <a:ext cx="7369200" cy="2316900"/>
+          </a:xfrm>
+          <a:prstGeom prst="rtTriangle">
+            <a:avLst/>
+          </a:prstGeom>
+          <a:solidFill>
+            <a:schemeClr val="accent6"/>
+          </a:solidFill>
+          <a:ln>
+            <a:noFill/>
+          </a:ln>
+        </p:spPr>
+        <p:txBody>
+          <a:bodyPr anchorCtr="0" anchor="ctr" bIns="91425" lIns="91425" spcFirstLastPara="1" rIns="91425" wrap="square" tIns="91425">
+            <a:noAutofit/>
+          </a:bodyPr>
+          <a:lstStyle/>
+          <a:p>
+            <a:pPr indent="0" lvl="0" marL="0" rtl="0" algn="l">
+              <a:spcBef>
+                <a:spcPts val="0"/>
+              </a:spcBef>
+              <a:spcAft>
+                <a:spcPts val="0"/>
+              </a:spcAft>
+              <a:buNone/>
+            </a:pPr>
+            <a:r>
+              <a:t/>
+            </a:r>
+            <a:endParaRPr/>
+          </a:p>
+        </p:txBody>
+      </p:sp>
+      <p:sp>
+        <p:nvSpPr>
+          <p:cNvPr id="79" name="Google Shape;79;p8"/>
+          <p:cNvSpPr/>
+          <p:nvPr/>
+        </p:nvSpPr>
+        <p:spPr>
+          <a:xfrm flipH="1">
+            <a:off x="3583210" y="1554113"/>
+            <a:ext cx="5560500" cy="3589500"/>
+          </a:xfrm>
+          <a:prstGeom prst="rtTriangle">
+            <a:avLst/>
+          </a:prstGeom>
+          <a:solidFill>
+            <a:schemeClr val="lt2"/>
+          </a:solidFill>
+          <a:ln>
+            <a:noFill/>
+          </a:ln>
+        </p:spPr>
+        <p:txBody>
+          <a:bodyPr anchorCtr="0" anchor="ctr" bIns="91425" lIns="91425" spcFirstLastPara="1" rIns="91425" wrap="square" tIns="91425">
+            <a:noAutofit/>
+          </a:bodyPr>
+          <a:lstStyle/>
+          <a:p>
+            <a:pPr indent="0" lvl="0" marL="0" rtl="0" algn="l">
+              <a:spcBef>
+                <a:spcPts val="0"/>
+              </a:spcBef>
+              <a:spcAft>
+                <a:spcPts val="0"/>
+              </a:spcAft>
+              <a:buNone/>
+            </a:pPr>
+            <a:r>
+              <a:t/>
+            </a:r>
+            <a:endParaRPr/>
+          </a:p>
+        </p:txBody>
+      </p:sp>
       <p:grpSp>
         <p:nvGrpSpPr>
-          <p:cNvPr id="70" name="Google Shape;70;p8"/>
+          <p:cNvPr id="80" name="Google Shape;80;p8"/>
           <p:cNvGrpSpPr/>
           <p:nvPr/>
         </p:nvGrpSpPr>
         <p:grpSpPr>
           <a:xfrm>
-            <a:off x="4406400" y="0"/>
-            <a:ext cx="4737600" cy="5143500"/>
-            <a:chOff x="4406400" y="0"/>
-            <a:chExt cx="4737600" cy="5143500"/>
+            <a:off x="255991" y="-118"/>
+            <a:ext cx="2251347" cy="1043408"/>
+            <a:chOff x="3961956" y="4383950"/>
+            <a:chExt cx="1160548" cy="548700"/>
           </a:xfrm>
         </p:grpSpPr>
-        <p:sp>
-          <p:nvSpPr>
-            <p:cNvPr id="71" name="Google Shape;71;p8"/>
-            <p:cNvSpPr/>
-            <p:nvPr/>
-          </p:nvSpPr>
-          <p:spPr>
-            <a:xfrm rot="5400000">
-              <a:off x="4407900" y="-1500"/>
-              <a:ext cx="4734600" cy="4737600"/>
-            </a:xfrm>
-            <a:prstGeom prst="diagStripe">
-              <a:avLst>
-                <a:gd fmla="val 49469" name="adj"/>
-              </a:avLst>
-            </a:prstGeom>
-            <a:solidFill>
-              <a:schemeClr val="lt1">
-                <a:alpha val="3460"/>
-              </a:schemeClr>
-            </a:solidFill>
-            <a:ln>
-              <a:noFill/>
-            </a:ln>
-          </p:spPr>
-          <p:txBody>
-            <a:bodyPr anchorCtr="0" anchor="ctr" bIns="91425" lIns="91425" spcFirstLastPara="1" rIns="91425" wrap="square" tIns="91425">
-              <a:noAutofit/>
-            </a:bodyPr>
-            <a:lstStyle/>
-            <a:p>
-              <a:pPr indent="0" lvl="0" marL="0" rtl="0" algn="l">
-                <a:spcBef>
-                  <a:spcPts val="0"/>
-                </a:spcBef>
-                <a:spcAft>
-                  <a:spcPts val="0"/>
-                </a:spcAft>
-                <a:buNone/>
-              </a:pPr>
-              <a:r>
-                <a:t/>
-              </a:r>
-              <a:endParaRPr/>
-            </a:p>
-          </p:txBody>
-        </p:sp>
-        <p:sp>
-          <p:nvSpPr>
-            <p:cNvPr id="72" name="Google Shape;72;p8"/>
-            <p:cNvSpPr/>
-            <p:nvPr/>
-          </p:nvSpPr>
-          <p:spPr>
-            <a:xfrm rot="5400000">
-              <a:off x="4840825" y="6000"/>
-              <a:ext cx="4298700" cy="4286700"/>
-            </a:xfrm>
-            <a:prstGeom prst="diagStripe">
-              <a:avLst>
-                <a:gd fmla="val 0" name="adj"/>
-              </a:avLst>
-            </a:prstGeom>
-            <a:solidFill>
-              <a:schemeClr val="lt1">
-                <a:alpha val="3460"/>
-              </a:schemeClr>
-            </a:solidFill>
-            <a:ln>
-              <a:noFill/>
-            </a:ln>
-          </p:spPr>
-          <p:txBody>
-            <a:bodyPr anchorCtr="0" anchor="ctr" bIns="91425" lIns="91425" spcFirstLastPara="1" rIns="91425" wrap="square" tIns="91425">
-              <a:noAutofit/>
-            </a:bodyPr>
-            <a:lstStyle/>
-            <a:p>
-              <a:pPr indent="0" lvl="0" marL="0" rtl="0" algn="l">
-                <a:spcBef>
-                  <a:spcPts val="0"/>
-                </a:spcBef>
-                <a:spcAft>
-                  <a:spcPts val="0"/>
-                </a:spcAft>
-                <a:buNone/>
-              </a:pPr>
-              <a:r>
-                <a:t/>
-              </a:r>
-              <a:endParaRPr/>
-            </a:p>
-          </p:txBody>
-        </p:sp>
-        <p:sp>
-          <p:nvSpPr>
-            <p:cNvPr id="73" name="Google Shape;73;p8"/>
-            <p:cNvSpPr/>
-            <p:nvPr/>
-          </p:nvSpPr>
-          <p:spPr>
-            <a:xfrm rot="-5400000">
-              <a:off x="5618399" y="1236641"/>
-              <a:ext cx="808800" cy="808800"/>
-            </a:xfrm>
-            <a:prstGeom prst="diagStripe">
-              <a:avLst>
-                <a:gd fmla="val 50000" name="adj"/>
-              </a:avLst>
-            </a:prstGeom>
-            <a:solidFill>
-              <a:schemeClr val="lt1">
-                <a:alpha val="7310"/>
-              </a:schemeClr>
-            </a:solidFill>
-            <a:ln>
-              <a:noFill/>
-            </a:ln>
-          </p:spPr>
-          <p:txBody>
-            <a:bodyPr anchorCtr="0" anchor="ctr" bIns="91425" lIns="91425" spcFirstLastPara="1" rIns="91425" wrap="square" tIns="91425">
-              <a:noAutofit/>
-            </a:bodyPr>
-            <a:lstStyle/>
-            <a:p>
-              <a:pPr indent="0" lvl="0" marL="0" rtl="0" algn="l">
-                <a:spcBef>
-                  <a:spcPts val="0"/>
-                </a:spcBef>
-                <a:spcAft>
-                  <a:spcPts val="0"/>
-                </a:spcAft>
-                <a:buNone/>
-              </a:pPr>
-              <a:r>
-                <a:t/>
-              </a:r>
-              <a:endParaRPr/>
-            </a:p>
-          </p:txBody>
-        </p:sp>
-        <p:sp>
-          <p:nvSpPr>
-            <p:cNvPr id="74" name="Google Shape;74;p8"/>
-            <p:cNvSpPr/>
-            <p:nvPr/>
-          </p:nvSpPr>
-          <p:spPr>
-            <a:xfrm flipH="1">
-              <a:off x="5849857" y="1444078"/>
-              <a:ext cx="808800" cy="808800"/>
-            </a:xfrm>
-            <a:prstGeom prst="diagStripe">
-              <a:avLst>
-                <a:gd fmla="val 50000" name="adj"/>
-              </a:avLst>
-            </a:prstGeom>
-            <a:solidFill>
-              <a:schemeClr val="lt1">
-                <a:alpha val="7310"/>
-              </a:schemeClr>
-            </a:solidFill>
-            <a:ln>
-              <a:noFill/>
-            </a:ln>
-          </p:spPr>
-          <p:txBody>
-            <a:bodyPr anchorCtr="0" anchor="ctr" bIns="91425" lIns="91425" spcFirstLastPara="1" rIns="91425" wrap="square" tIns="91425">
-              <a:noAutofit/>
-            </a:bodyPr>
-            <a:lstStyle/>
-            <a:p>
-              <a:pPr indent="0" lvl="0" marL="0" rtl="0" algn="l">
-                <a:spcBef>
-                  <a:spcPts val="0"/>
-                </a:spcBef>
-                <a:spcAft>
-                  <a:spcPts val="0"/>
-                </a:spcAft>
-                <a:buNone/>
-              </a:pPr>
-              <a:r>
-                <a:t/>
-              </a:r>
-              <a:endParaRPr/>
-            </a:p>
-          </p:txBody>
-        </p:sp>
-        <p:sp>
-          <p:nvSpPr>
-            <p:cNvPr id="75" name="Google Shape;75;p8"/>
-            <p:cNvSpPr/>
-            <p:nvPr/>
-          </p:nvSpPr>
-          <p:spPr>
-            <a:xfrm rot="-5400000">
-              <a:off x="5987081" y="2469743"/>
-              <a:ext cx="808800" cy="808800"/>
-            </a:xfrm>
-            <a:prstGeom prst="diagStripe">
-              <a:avLst>
-                <a:gd fmla="val 50000" name="adj"/>
-              </a:avLst>
-            </a:prstGeom>
-            <a:solidFill>
-              <a:schemeClr val="lt1">
-                <a:alpha val="7310"/>
-              </a:schemeClr>
-            </a:solidFill>
-            <a:ln>
-              <a:noFill/>
-            </a:ln>
-          </p:spPr>
-          <p:txBody>
-            <a:bodyPr anchorCtr="0" anchor="ctr" bIns="91425" lIns="91425" spcFirstLastPara="1" rIns="91425" wrap="square" tIns="91425">
-              <a:noAutofit/>
-            </a:bodyPr>
-            <a:lstStyle/>
-            <a:p>
-              <a:pPr indent="0" lvl="0" marL="0" rtl="0" algn="l">
-                <a:spcBef>
-                  <a:spcPts val="0"/>
-                </a:spcBef>
-                <a:spcAft>
-                  <a:spcPts val="0"/>
-                </a:spcAft>
-                <a:buNone/>
-              </a:pPr>
-              <a:r>
-                <a:t/>
-              </a:r>
-              <a:endParaRPr/>
-            </a:p>
-          </p:txBody>
-        </p:sp>
-        <p:sp>
-          <p:nvSpPr>
-            <p:cNvPr id="76" name="Google Shape;76;p8"/>
-            <p:cNvSpPr/>
-            <p:nvPr/>
-          </p:nvSpPr>
-          <p:spPr>
-            <a:xfrm flipH="1">
-              <a:off x="6222115" y="2677179"/>
-              <a:ext cx="808800" cy="808800"/>
-            </a:xfrm>
-            <a:prstGeom prst="diagStripe">
-              <a:avLst>
-                <a:gd fmla="val 50000" name="adj"/>
-              </a:avLst>
-            </a:prstGeom>
-            <a:solidFill>
-              <a:schemeClr val="lt1">
-                <a:alpha val="7310"/>
-              </a:schemeClr>
-            </a:solidFill>
-            <a:ln>
-              <a:noFill/>
-            </a:ln>
-          </p:spPr>
-          <p:txBody>
-            <a:bodyPr anchorCtr="0" anchor="ctr" bIns="91425" lIns="91425" spcFirstLastPara="1" rIns="91425" wrap="square" tIns="91425">
-              <a:noAutofit/>
-            </a:bodyPr>
-            <a:lstStyle/>
-            <a:p>
-              <a:pPr indent="0" lvl="0" marL="0" rtl="0" algn="l">
-                <a:spcBef>
-                  <a:spcPts val="0"/>
-                </a:spcBef>
-                <a:spcAft>
-                  <a:spcPts val="0"/>
-                </a:spcAft>
-                <a:buNone/>
-              </a:pPr>
-              <a:r>
-                <a:t/>
-              </a:r>
-              <a:endParaRPr/>
-            </a:p>
-          </p:txBody>
-        </p:sp>
-        <p:sp>
-          <p:nvSpPr>
-            <p:cNvPr id="77" name="Google Shape;77;p8"/>
-            <p:cNvSpPr/>
-            <p:nvPr/>
-          </p:nvSpPr>
-          <p:spPr>
-            <a:xfrm rot="-5400000">
-              <a:off x="6675341" y="1862244"/>
-              <a:ext cx="808800" cy="808800"/>
-            </a:xfrm>
-            <a:prstGeom prst="diagStripe">
-              <a:avLst>
-                <a:gd fmla="val 50000" name="adj"/>
-              </a:avLst>
-            </a:prstGeom>
-            <a:solidFill>
-              <a:schemeClr val="lt1">
-                <a:alpha val="7310"/>
-              </a:schemeClr>
-            </a:solidFill>
-            <a:ln>
-              <a:noFill/>
-            </a:ln>
-          </p:spPr>
-          <p:txBody>
-            <a:bodyPr anchorCtr="0" anchor="ctr" bIns="91425" lIns="91425" spcFirstLastPara="1" rIns="91425" wrap="square" tIns="91425">
-              <a:noAutofit/>
-            </a:bodyPr>
-            <a:lstStyle/>
-            <a:p>
-              <a:pPr indent="0" lvl="0" marL="0" rtl="0" algn="l">
-                <a:spcBef>
-                  <a:spcPts val="0"/>
-                </a:spcBef>
-                <a:spcAft>
-                  <a:spcPts val="0"/>
-                </a:spcAft>
-                <a:buNone/>
-              </a:pPr>
-              <a:r>
-                <a:t/>
-              </a:r>
-              <a:endParaRPr/>
-            </a:p>
-          </p:txBody>
-        </p:sp>
-        <p:sp>
-          <p:nvSpPr>
-            <p:cNvPr id="78" name="Google Shape;78;p8"/>
-            <p:cNvSpPr/>
-            <p:nvPr/>
-          </p:nvSpPr>
-          <p:spPr>
-            <a:xfrm flipH="1">
-              <a:off x="6908099" y="2069680"/>
-              <a:ext cx="808800" cy="808800"/>
-            </a:xfrm>
-            <a:prstGeom prst="diagStripe">
-              <a:avLst>
-                <a:gd fmla="val 50000" name="adj"/>
-              </a:avLst>
-            </a:prstGeom>
-            <a:solidFill>
-              <a:schemeClr val="lt2"/>
-            </a:solidFill>
-            <a:ln>
-              <a:noFill/>
-            </a:ln>
-          </p:spPr>
-          <p:txBody>
-            <a:bodyPr anchorCtr="0" anchor="ctr" bIns="91425" lIns="91425" spcFirstLastPara="1" rIns="91425" wrap="square" tIns="91425">
-              <a:noAutofit/>
-            </a:bodyPr>
-            <a:lstStyle/>
-            <a:p>
-              <a:pPr indent="0" lvl="0" marL="0" rtl="0" algn="l">
-                <a:spcBef>
-                  <a:spcPts val="0"/>
-                </a:spcBef>
-                <a:spcAft>
-                  <a:spcPts val="0"/>
-                </a:spcAft>
-                <a:buNone/>
-              </a:pPr>
-              <a:r>
-                <a:t/>
-              </a:r>
-              <a:endParaRPr/>
-            </a:p>
-          </p:txBody>
-        </p:sp>
-        <p:sp>
-          <p:nvSpPr>
-            <p:cNvPr id="79" name="Google Shape;79;p8"/>
-            <p:cNvSpPr/>
-            <p:nvPr/>
-          </p:nvSpPr>
-          <p:spPr>
-            <a:xfrm rot="-5400000">
-              <a:off x="6861141" y="2478088"/>
-              <a:ext cx="808800" cy="808800"/>
-            </a:xfrm>
-            <a:prstGeom prst="diagStripe">
-              <a:avLst>
-                <a:gd fmla="val 50000" name="adj"/>
-              </a:avLst>
-            </a:prstGeom>
-            <a:solidFill>
-              <a:schemeClr val="lt1">
-                <a:alpha val="7310"/>
-              </a:schemeClr>
-            </a:solidFill>
-            <a:ln>
-              <a:noFill/>
-            </a:ln>
-          </p:spPr>
-          <p:txBody>
-            <a:bodyPr anchorCtr="0" anchor="ctr" bIns="91425" lIns="91425" spcFirstLastPara="1" rIns="91425" wrap="square" tIns="91425">
-              <a:noAutofit/>
-            </a:bodyPr>
-            <a:lstStyle/>
-            <a:p>
-              <a:pPr indent="0" lvl="0" marL="0" rtl="0" algn="l">
-                <a:spcBef>
-                  <a:spcPts val="0"/>
-                </a:spcBef>
-                <a:spcAft>
-                  <a:spcPts val="0"/>
-                </a:spcAft>
-                <a:buNone/>
-              </a:pPr>
-              <a:r>
-                <a:t/>
-              </a:r>
-              <a:endParaRPr/>
-            </a:p>
-          </p:txBody>
-        </p:sp>
-        <p:sp>
-          <p:nvSpPr>
-            <p:cNvPr id="80" name="Google Shape;80;p8"/>
-            <p:cNvSpPr/>
-            <p:nvPr/>
-          </p:nvSpPr>
-          <p:spPr>
-            <a:xfrm flipH="1">
-              <a:off x="7965266" y="2693191"/>
-              <a:ext cx="808800" cy="808800"/>
-            </a:xfrm>
-            <a:prstGeom prst="diagStripe">
-              <a:avLst>
-                <a:gd fmla="val 50000" name="adj"/>
-              </a:avLst>
-            </a:prstGeom>
-            <a:solidFill>
-              <a:schemeClr val="lt1">
-                <a:alpha val="7310"/>
-              </a:schemeClr>
-            </a:solidFill>
-            <a:ln>
-              <a:noFill/>
-            </a:ln>
-          </p:spPr>
-          <p:txBody>
-            <a:bodyPr anchorCtr="0" anchor="ctr" bIns="91425" lIns="91425" spcFirstLastPara="1" rIns="91425" wrap="square" tIns="91425">
-              <a:noAutofit/>
-            </a:bodyPr>
-            <a:lstStyle/>
-            <a:p>
-              <a:pPr indent="0" lvl="0" marL="0" rtl="0" algn="l">
-                <a:spcBef>
-                  <a:spcPts val="0"/>
-                </a:spcBef>
-                <a:spcAft>
-                  <a:spcPts val="0"/>
-                </a:spcAft>
-                <a:buNone/>
-              </a:pPr>
-              <a:r>
-                <a:t/>
-              </a:r>
-              <a:endParaRPr/>
-            </a:p>
-          </p:txBody>
-        </p:sp>
         <p:sp>
           <p:nvSpPr>
             <p:cNvPr id="81" name="Google Shape;81;p8"/>
@@ -7059,19 +6694,17 @@
             <p:nvPr/>
           </p:nvSpPr>
           <p:spPr>
-            <a:xfrm flipH="1">
-              <a:off x="8145082" y="3309036"/>
-              <a:ext cx="808800" cy="808800"/>
+            <a:xfrm>
+              <a:off x="4224904" y="4383950"/>
+              <a:ext cx="897600" cy="548700"/>
             </a:xfrm>
-            <a:prstGeom prst="diagStripe">
+            <a:prstGeom prst="parallelogram">
               <a:avLst>
-                <a:gd fmla="val 50000" name="adj"/>
+                <a:gd fmla="val 153193" name="adj"/>
               </a:avLst>
             </a:prstGeom>
             <a:solidFill>
-              <a:schemeClr val="lt1">
-                <a:alpha val="7310"/>
-              </a:schemeClr>
+              <a:schemeClr val="dk1"/>
             </a:solidFill>
             <a:ln>
               <a:noFill/>
@@ -7106,19 +6739,17 @@
             <p:nvPr/>
           </p:nvSpPr>
           <p:spPr>
-            <a:xfrm rot="-5400000">
-              <a:off x="7047599" y="3095345"/>
-              <a:ext cx="808800" cy="808800"/>
+            <a:xfrm>
+              <a:off x="4093430" y="4383950"/>
+              <a:ext cx="897600" cy="548700"/>
             </a:xfrm>
-            <a:prstGeom prst="diagStripe">
+            <a:prstGeom prst="parallelogram">
               <a:avLst>
-                <a:gd fmla="val 50000" name="adj"/>
+                <a:gd fmla="val 153193" name="adj"/>
               </a:avLst>
             </a:prstGeom>
             <a:solidFill>
-              <a:schemeClr val="lt1">
-                <a:alpha val="7310"/>
-              </a:schemeClr>
+              <a:schemeClr val="dk1"/>
             </a:solidFill>
             <a:ln>
               <a:noFill/>
@@ -7153,19 +6784,17 @@
             <p:nvPr/>
           </p:nvSpPr>
           <p:spPr>
-            <a:xfrm flipH="1">
-              <a:off x="7276649" y="3302781"/>
-              <a:ext cx="808800" cy="808800"/>
+            <a:xfrm>
+              <a:off x="3961956" y="4383950"/>
+              <a:ext cx="897600" cy="548700"/>
             </a:xfrm>
-            <a:prstGeom prst="diagStripe">
+            <a:prstGeom prst="parallelogram">
               <a:avLst>
-                <a:gd fmla="val 50000" name="adj"/>
+                <a:gd fmla="val 153193" name="adj"/>
               </a:avLst>
             </a:prstGeom>
             <a:solidFill>
-              <a:schemeClr val="lt1">
-                <a:alpha val="7310"/>
-              </a:schemeClr>
+              <a:schemeClr val="dk1"/>
             </a:solidFill>
             <a:ln>
               <a:noFill/>
@@ -7193,98 +6822,71 @@
             </a:p>
           </p:txBody>
         </p:sp>
-        <p:sp>
-          <p:nvSpPr>
-            <p:cNvPr id="84" name="Google Shape;84;p8"/>
-            <p:cNvSpPr/>
-            <p:nvPr/>
-          </p:nvSpPr>
-          <p:spPr>
-            <a:xfrm rot="-5400000">
-              <a:off x="7227414" y="3711189"/>
-              <a:ext cx="808800" cy="808800"/>
-            </a:xfrm>
-            <a:prstGeom prst="diagStripe">
-              <a:avLst>
-                <a:gd fmla="val 50000" name="adj"/>
-              </a:avLst>
-            </a:prstGeom>
-            <a:solidFill>
-              <a:schemeClr val="accent1"/>
-            </a:solidFill>
-            <a:ln>
-              <a:noFill/>
-            </a:ln>
-          </p:spPr>
-          <p:txBody>
-            <a:bodyPr anchorCtr="0" anchor="ctr" bIns="91425" lIns="91425" spcFirstLastPara="1" rIns="91425" wrap="square" tIns="91425">
-              <a:noAutofit/>
-            </a:bodyPr>
-            <a:lstStyle/>
-            <a:p>
-              <a:pPr indent="0" lvl="0" marL="0" rtl="0" algn="l">
-                <a:spcBef>
-                  <a:spcPts val="0"/>
-                </a:spcBef>
-                <a:spcAft>
-                  <a:spcPts val="0"/>
-                </a:spcAft>
-                <a:buNone/>
-              </a:pPr>
-              <a:r>
-                <a:t/>
-              </a:r>
-              <a:endParaRPr/>
-            </a:p>
-          </p:txBody>
-        </p:sp>
-        <p:sp>
-          <p:nvSpPr>
-            <p:cNvPr id="85" name="Google Shape;85;p8"/>
-            <p:cNvSpPr/>
-            <p:nvPr/>
-          </p:nvSpPr>
-          <p:spPr>
-            <a:xfrm flipH="1">
-              <a:off x="7462448" y="3918625"/>
-              <a:ext cx="808800" cy="808800"/>
-            </a:xfrm>
-            <a:prstGeom prst="diagStripe">
-              <a:avLst>
-                <a:gd fmla="val 50000" name="adj"/>
-              </a:avLst>
-            </a:prstGeom>
-            <a:solidFill>
-              <a:schemeClr val="lt1">
-                <a:alpha val="7310"/>
-              </a:schemeClr>
-            </a:solidFill>
-            <a:ln>
-              <a:noFill/>
-            </a:ln>
-          </p:spPr>
-          <p:txBody>
-            <a:bodyPr anchorCtr="0" anchor="ctr" bIns="91425" lIns="91425" spcFirstLastPara="1" rIns="91425" wrap="square" tIns="91425">
-              <a:noAutofit/>
-            </a:bodyPr>
-            <a:lstStyle/>
-            <a:p>
-              <a:pPr indent="0" lvl="0" marL="0" rtl="0" algn="l">
-                <a:spcBef>
-                  <a:spcPts val="0"/>
-                </a:spcBef>
-                <a:spcAft>
-                  <a:spcPts val="0"/>
-                </a:spcAft>
-                <a:buNone/>
-              </a:pPr>
-              <a:r>
-                <a:t/>
-              </a:r>
-              <a:endParaRPr/>
-            </a:p>
-          </p:txBody>
-        </p:sp>
+      </p:grpSp>
+      <p:sp>
+        <p:nvSpPr>
+          <p:cNvPr id="84" name="Google Shape;84;p8"/>
+          <p:cNvSpPr/>
+          <p:nvPr/>
+        </p:nvSpPr>
+        <p:spPr>
+          <a:xfrm>
+            <a:off x="203225" y="206250"/>
+            <a:ext cx="8737500" cy="4731000"/>
+          </a:xfrm>
+          <a:prstGeom prst="rect">
+            <a:avLst/>
+          </a:prstGeom>
+          <a:solidFill>
+            <a:schemeClr val="dk1"/>
+          </a:solidFill>
+          <a:ln>
+            <a:noFill/>
+          </a:ln>
+          <a:effectLst>
+            <a:outerShdw blurRad="228600" sx="101000" rotWithShape="0" algn="ctr" sy="101000">
+              <a:srgbClr val="000000">
+                <a:alpha val="40000"/>
+              </a:srgbClr>
+            </a:outerShdw>
+          </a:effectLst>
+        </p:spPr>
+        <p:txBody>
+          <a:bodyPr anchorCtr="0" anchor="ctr" bIns="91425" lIns="91425" spcFirstLastPara="1" rIns="91425" wrap="square" tIns="91425">
+            <a:noAutofit/>
+          </a:bodyPr>
+          <a:lstStyle/>
+          <a:p>
+            <a:pPr indent="0" lvl="0" marL="0" rtl="0" algn="l">
+              <a:spcBef>
+                <a:spcPts val="0"/>
+              </a:spcBef>
+              <a:spcAft>
+                <a:spcPts val="0"/>
+              </a:spcAft>
+              <a:buNone/>
+            </a:pPr>
+            <a:r>
+              <a:t/>
+            </a:r>
+            <a:endParaRPr/>
+          </a:p>
+        </p:txBody>
+      </p:sp>
+      <p:grpSp>
+        <p:nvGrpSpPr>
+          <p:cNvPr id="85" name="Google Shape;85;p8"/>
+          <p:cNvGrpSpPr/>
+          <p:nvPr/>
+        </p:nvGrpSpPr>
+        <p:grpSpPr>
+          <a:xfrm>
+            <a:off x="34934" y="4522125"/>
+            <a:ext cx="1593306" cy="617072"/>
+            <a:chOff x="6917201" y="0"/>
+            <a:chExt cx="2227777" cy="863400"/>
+          </a:xfrm>
+        </p:grpSpPr>
         <p:sp>
           <p:nvSpPr>
             <p:cNvPr id="86" name="Google Shape;86;p8"/>
@@ -7292,19 +6894,17 @@
             <p:nvPr/>
           </p:nvSpPr>
           <p:spPr>
-            <a:xfrm rot="-5400000">
-              <a:off x="8102491" y="3718856"/>
-              <a:ext cx="808800" cy="808800"/>
+            <a:xfrm>
+              <a:off x="7641677" y="0"/>
+              <a:ext cx="1503300" cy="863400"/>
             </a:xfrm>
-            <a:prstGeom prst="diagStripe">
+            <a:prstGeom prst="parallelogram">
               <a:avLst>
-                <a:gd fmla="val 50000" name="adj"/>
+                <a:gd fmla="val 158024" name="adj"/>
               </a:avLst>
             </a:prstGeom>
             <a:solidFill>
-              <a:schemeClr val="lt1">
-                <a:alpha val="7310"/>
-              </a:schemeClr>
+              <a:schemeClr val="accent6"/>
             </a:solidFill>
             <a:ln>
               <a:noFill/>
@@ -7339,19 +6939,17 @@
             <p:nvPr/>
           </p:nvSpPr>
           <p:spPr>
-            <a:xfrm flipH="1">
-              <a:off x="8334533" y="3926292"/>
-              <a:ext cx="808800" cy="808800"/>
+            <a:xfrm>
+              <a:off x="7279439" y="0"/>
+              <a:ext cx="1503300" cy="863400"/>
             </a:xfrm>
-            <a:prstGeom prst="diagStripe">
+            <a:prstGeom prst="parallelogram">
               <a:avLst>
-                <a:gd fmla="val 50000" name="adj"/>
+                <a:gd fmla="val 158024" name="adj"/>
               </a:avLst>
             </a:prstGeom>
             <a:solidFill>
-              <a:schemeClr val="lt1">
-                <a:alpha val="7310"/>
-              </a:schemeClr>
+              <a:schemeClr val="accent6"/>
             </a:solidFill>
             <a:ln>
               <a:noFill/>
@@ -7386,19 +6984,17 @@
             <p:nvPr/>
           </p:nvSpPr>
           <p:spPr>
-            <a:xfrm rot="-5400000">
-              <a:off x="8288290" y="4334700"/>
-              <a:ext cx="808800" cy="808800"/>
+            <a:xfrm>
+              <a:off x="6917201" y="0"/>
+              <a:ext cx="1503300" cy="863400"/>
             </a:xfrm>
-            <a:prstGeom prst="diagStripe">
+            <a:prstGeom prst="parallelogram">
               <a:avLst>
-                <a:gd fmla="val 50000" name="adj"/>
+                <a:gd fmla="val 158024" name="adj"/>
               </a:avLst>
             </a:prstGeom>
             <a:solidFill>
-              <a:schemeClr val="lt1">
-                <a:alpha val="7310"/>
-              </a:schemeClr>
+              <a:schemeClr val="accent6"/>
             </a:solidFill>
             <a:ln>
               <a:noFill/>
@@ -7427,261 +7023,34 @@
           </p:txBody>
         </p:sp>
       </p:grpSp>
-      <p:sp>
-        <p:nvSpPr>
-          <p:cNvPr id="89" name="Google Shape;89;p8"/>
-          <p:cNvSpPr txBox="1"/>
-          <p:nvPr>
-            <p:ph type="title"/>
-          </p:nvPr>
-        </p:nvSpPr>
-        <p:spPr>
-          <a:xfrm>
-            <a:off x="823850" y="866775"/>
-            <a:ext cx="4587000" cy="3521100"/>
-          </a:xfrm>
-          <a:prstGeom prst="rect">
-            <a:avLst/>
-          </a:prstGeom>
-        </p:spPr>
-        <p:txBody>
-          <a:bodyPr anchorCtr="0" anchor="ctr" bIns="91425" lIns="91425" spcFirstLastPara="1" rIns="91425" wrap="square" tIns="91425">
-            <a:normAutofit/>
-          </a:bodyPr>
-          <a:lstStyle>
-            <a:lvl1pPr lvl="0">
-              <a:spcBef>
-                <a:spcPts val="0"/>
-              </a:spcBef>
-              <a:spcAft>
-                <a:spcPts val="0"/>
-              </a:spcAft>
-              <a:buSzPts val="2800"/>
-              <a:buNone/>
-              <a:defRPr/>
-            </a:lvl1pPr>
-            <a:lvl2pPr lvl="1">
-              <a:spcBef>
-                <a:spcPts val="0"/>
-              </a:spcBef>
-              <a:spcAft>
-                <a:spcPts val="0"/>
-              </a:spcAft>
-              <a:buSzPts val="2800"/>
-              <a:buNone/>
-              <a:defRPr/>
-            </a:lvl2pPr>
-            <a:lvl3pPr lvl="2">
-              <a:spcBef>
-                <a:spcPts val="0"/>
-              </a:spcBef>
-              <a:spcAft>
-                <a:spcPts val="0"/>
-              </a:spcAft>
-              <a:buSzPts val="2800"/>
-              <a:buNone/>
-              <a:defRPr/>
-            </a:lvl3pPr>
-            <a:lvl4pPr lvl="3">
-              <a:spcBef>
-                <a:spcPts val="0"/>
-              </a:spcBef>
-              <a:spcAft>
-                <a:spcPts val="0"/>
-              </a:spcAft>
-              <a:buSzPts val="2800"/>
-              <a:buNone/>
-              <a:defRPr/>
-            </a:lvl4pPr>
-            <a:lvl5pPr lvl="4">
-              <a:spcBef>
-                <a:spcPts val="0"/>
-              </a:spcBef>
-              <a:spcAft>
-                <a:spcPts val="0"/>
-              </a:spcAft>
-              <a:buSzPts val="2800"/>
-              <a:buNone/>
-              <a:defRPr/>
-            </a:lvl5pPr>
-            <a:lvl6pPr lvl="5">
-              <a:spcBef>
-                <a:spcPts val="0"/>
-              </a:spcBef>
-              <a:spcAft>
-                <a:spcPts val="0"/>
-              </a:spcAft>
-              <a:buSzPts val="2800"/>
-              <a:buNone/>
-              <a:defRPr/>
-            </a:lvl6pPr>
-            <a:lvl7pPr lvl="6">
-              <a:spcBef>
-                <a:spcPts val="0"/>
-              </a:spcBef>
-              <a:spcAft>
-                <a:spcPts val="0"/>
-              </a:spcAft>
-              <a:buSzPts val="2800"/>
-              <a:buNone/>
-              <a:defRPr/>
-            </a:lvl7pPr>
-            <a:lvl8pPr lvl="7">
-              <a:spcBef>
-                <a:spcPts val="0"/>
-              </a:spcBef>
-              <a:spcAft>
-                <a:spcPts val="0"/>
-              </a:spcAft>
-              <a:buSzPts val="2800"/>
-              <a:buNone/>
-              <a:defRPr/>
-            </a:lvl8pPr>
-            <a:lvl9pPr lvl="8">
-              <a:spcBef>
-                <a:spcPts val="0"/>
-              </a:spcBef>
-              <a:spcAft>
-                <a:spcPts val="0"/>
-              </a:spcAft>
-              <a:buSzPts val="2800"/>
-              <a:buNone/>
-              <a:defRPr/>
-            </a:lvl9pPr>
-          </a:lstStyle>
-          <a:p/>
-        </p:txBody>
-      </p:sp>
-      <p:sp>
-        <p:nvSpPr>
-          <p:cNvPr id="90" name="Google Shape;90;p8"/>
-          <p:cNvSpPr txBox="1"/>
-          <p:nvPr>
-            <p:ph idx="12" type="sldNum"/>
-          </p:nvPr>
-        </p:nvSpPr>
-        <p:spPr>
-          <a:xfrm>
-            <a:off x="8472458" y="4663217"/>
-            <a:ext cx="548700" cy="393600"/>
-          </a:xfrm>
-          <a:prstGeom prst="rect">
-            <a:avLst/>
-          </a:prstGeom>
-        </p:spPr>
-        <p:txBody>
-          <a:bodyPr anchorCtr="0" anchor="ctr" bIns="91425" lIns="91425" spcFirstLastPara="1" rIns="91425" wrap="square" tIns="91425">
-            <a:normAutofit/>
-          </a:bodyPr>
-          <a:lstStyle>
-            <a:lvl1pPr lvl="0">
-              <a:buNone/>
-              <a:defRPr/>
-            </a:lvl1pPr>
-            <a:lvl2pPr lvl="1">
-              <a:buNone/>
-              <a:defRPr/>
-            </a:lvl2pPr>
-            <a:lvl3pPr lvl="2">
-              <a:buNone/>
-              <a:defRPr/>
-            </a:lvl3pPr>
-            <a:lvl4pPr lvl="3">
-              <a:buNone/>
-              <a:defRPr/>
-            </a:lvl4pPr>
-            <a:lvl5pPr lvl="4">
-              <a:buNone/>
-              <a:defRPr/>
-            </a:lvl5pPr>
-            <a:lvl6pPr lvl="5">
-              <a:buNone/>
-              <a:defRPr/>
-            </a:lvl6pPr>
-            <a:lvl7pPr lvl="6">
-              <a:buNone/>
-              <a:defRPr/>
-            </a:lvl7pPr>
-            <a:lvl8pPr lvl="7">
-              <a:buNone/>
-              <a:defRPr/>
-            </a:lvl8pPr>
-            <a:lvl9pPr lvl="8">
-              <a:buNone/>
-              <a:defRPr/>
-            </a:lvl9pPr>
-          </a:lstStyle>
-          <a:p>
-            <a:pPr indent="0" lvl="0" marL="0" rtl="0" algn="r">
-              <a:spcBef>
-                <a:spcPts val="0"/>
-              </a:spcBef>
-              <a:spcAft>
-                <a:spcPts val="0"/>
-              </a:spcAft>
-              <a:buNone/>
-            </a:pPr>
-            <a:fld id="{00000000-1234-1234-1234-123412341234}" type="slidenum">
-              <a:rPr lang="en"/>
-              <a:t>‹#›</a:t>
-            </a:fld>
-            <a:endParaRPr/>
-          </a:p>
-        </p:txBody>
-      </p:sp>
-    </p:spTree>
-  </p:cSld>
-  <p:clrMapOvr>
-    <a:masterClrMapping/>
-  </p:clrMapOvr>
-</p:sldLayout>
-</file>
-
-<file path=ppt/slideLayouts/slideLayout8.xml><?xml version="1.0" encoding="utf-8"?>
-<p:sldLayout xmlns:a="http://schemas.openxmlformats.org/drawingml/2006/main" xmlns:r="http://schemas.openxmlformats.org/officeDocument/2006/relationships" xmlns:mc="http://schemas.openxmlformats.org/markup-compatibility/2006" xmlns:mv="urn:schemas-microsoft-com:mac:vml" xmlns:p="http://schemas.openxmlformats.org/presentationml/2006/main" xmlns:c="http://schemas.openxmlformats.org/drawingml/2006/chart" xmlns:dgm="http://schemas.openxmlformats.org/drawingml/2006/diagram" xmlns:o="urn:schemas-microsoft-com:office:office" xmlns:v="urn:schemas-microsoft-com:vml" xmlns:pvml="urn:schemas-microsoft-com:office:powerpoint" xmlns:com="http://schemas.openxmlformats.org/drawingml/2006/compatibility" xmlns:p14="http://schemas.microsoft.com/office/powerpoint/2010/main" xmlns:p15="http://schemas.microsoft.com/office/powerpoint/2012/main" xmlns:ahyp="http://schemas.microsoft.com/office/drawing/2018/hyperlinkcolor" matchingName="Section title and description">
-  <p:cSld name="SECTION_TITLE_AND_DESCRIPTION">
-    <p:spTree>
-      <p:nvGrpSpPr>
-        <p:cNvPr id="91" name="Shape 91"/>
-        <p:cNvGrpSpPr/>
-        <p:nvPr/>
-      </p:nvGrpSpPr>
-      <p:grpSpPr>
-        <a:xfrm>
-          <a:off x="0" y="0"/>
-          <a:ext cx="0" cy="0"/>
-          <a:chOff x="0" y="0"/>
-          <a:chExt cx="0" cy="0"/>
-        </a:xfrm>
-      </p:grpSpPr>
       <p:grpSp>
         <p:nvGrpSpPr>
-          <p:cNvPr id="92" name="Google Shape;92;p9"/>
+          <p:cNvPr id="89" name="Google Shape;89;p8"/>
           <p:cNvGrpSpPr/>
           <p:nvPr/>
         </p:nvGrpSpPr>
         <p:grpSpPr>
           <a:xfrm>
-            <a:off x="0" y="381001"/>
-            <a:ext cx="1037850" cy="1016287"/>
-            <a:chOff x="0" y="381001"/>
-            <a:chExt cx="1037850" cy="1016287"/>
+            <a:off x="5886353" y="1243"/>
+            <a:ext cx="3257455" cy="1261514"/>
+            <a:chOff x="6917201" y="0"/>
+            <a:chExt cx="2227777" cy="863400"/>
           </a:xfrm>
         </p:grpSpPr>
         <p:sp>
           <p:nvSpPr>
-            <p:cNvPr id="93" name="Google Shape;93;p9"/>
+            <p:cNvPr id="90" name="Google Shape;90;p8"/>
             <p:cNvSpPr/>
             <p:nvPr/>
           </p:nvSpPr>
           <p:spPr>
-            <a:xfrm rot="-5400000">
-              <a:off x="0" y="381001"/>
-              <a:ext cx="808800" cy="808800"/>
+            <a:xfrm>
+              <a:off x="7641677" y="0"/>
+              <a:ext cx="1503300" cy="863400"/>
             </a:xfrm>
-            <a:prstGeom prst="diagStripe">
+            <a:prstGeom prst="parallelogram">
               <a:avLst>
-                <a:gd fmla="val 50000" name="adj"/>
+                <a:gd fmla="val 158024" name="adj"/>
               </a:avLst>
             </a:prstGeom>
             <a:solidFill>
@@ -7715,22 +7084,67 @@
         </p:sp>
         <p:sp>
           <p:nvSpPr>
-            <p:cNvPr id="94" name="Google Shape;94;p9"/>
+            <p:cNvPr id="91" name="Google Shape;91;p8"/>
             <p:cNvSpPr/>
             <p:nvPr/>
           </p:nvSpPr>
           <p:spPr>
-            <a:xfrm flipH="1">
-              <a:off x="229050" y="588489"/>
-              <a:ext cx="808800" cy="808800"/>
+            <a:xfrm>
+              <a:off x="7279439" y="0"/>
+              <a:ext cx="1503300" cy="863400"/>
             </a:xfrm>
-            <a:prstGeom prst="diagStripe">
+            <a:prstGeom prst="parallelogram">
               <a:avLst>
-                <a:gd fmla="val 50000" name="adj"/>
+                <a:gd fmla="val 158024" name="adj"/>
               </a:avLst>
             </a:prstGeom>
             <a:solidFill>
-              <a:schemeClr val="lt2"/>
+              <a:schemeClr val="accent1"/>
+            </a:solidFill>
+            <a:ln>
+              <a:noFill/>
+            </a:ln>
+          </p:spPr>
+          <p:txBody>
+            <a:bodyPr anchorCtr="0" anchor="ctr" bIns="91425" lIns="91425" spcFirstLastPara="1" rIns="91425" wrap="square" tIns="91425">
+              <a:noAutofit/>
+            </a:bodyPr>
+            <a:lstStyle/>
+            <a:p>
+              <a:pPr indent="0" lvl="0" marL="0" rtl="0" algn="l">
+                <a:spcBef>
+                  <a:spcPts val="0"/>
+                </a:spcBef>
+                <a:spcAft>
+                  <a:spcPts val="0"/>
+                </a:spcAft>
+                <a:buNone/>
+              </a:pPr>
+              <a:r>
+                <a:t/>
+              </a:r>
+              <a:endParaRPr/>
+            </a:p>
+          </p:txBody>
+        </p:sp>
+        <p:sp>
+          <p:nvSpPr>
+            <p:cNvPr id="92" name="Google Shape;92;p8"/>
+            <p:cNvSpPr/>
+            <p:nvPr/>
+          </p:nvSpPr>
+          <p:spPr>
+            <a:xfrm>
+              <a:off x="6917201" y="0"/>
+              <a:ext cx="1503300" cy="863400"/>
+            </a:xfrm>
+            <a:prstGeom prst="parallelogram">
+              <a:avLst>
+                <a:gd fmla="val 158024" name="adj"/>
+              </a:avLst>
+            </a:prstGeom>
+            <a:solidFill>
+              <a:schemeClr val="accent1"/>
             </a:solidFill>
             <a:ln>
               <a:noFill/>
@@ -7761,7 +7175,7 @@
       </p:grpSp>
       <p:sp>
         <p:nvSpPr>
-          <p:cNvPr id="95" name="Google Shape;95;p9"/>
+          <p:cNvPr id="93" name="Google Shape;93;p8"/>
           <p:cNvSpPr txBox="1"/>
           <p:nvPr>
             <p:ph type="title"/>
@@ -7769,8 +7183,378 @@
         </p:nvSpPr>
         <p:spPr>
           <a:xfrm>
-            <a:off x="1297500" y="1658325"/>
-            <a:ext cx="3036300" cy="1751700"/>
+            <a:off x="1393929" y="1301146"/>
+            <a:ext cx="6366900" cy="2539200"/>
+          </a:xfrm>
+          <a:prstGeom prst="rect">
+            <a:avLst/>
+          </a:prstGeom>
+        </p:spPr>
+        <p:txBody>
+          <a:bodyPr anchorCtr="0" anchor="ctr" bIns="91425" lIns="91425" spcFirstLastPara="1" rIns="91425" wrap="square" tIns="91425">
+            <a:normAutofit/>
+          </a:bodyPr>
+          <a:lstStyle>
+            <a:lvl1pPr lvl="0" algn="ctr">
+              <a:spcBef>
+                <a:spcPts val="0"/>
+              </a:spcBef>
+              <a:spcAft>
+                <a:spcPts val="0"/>
+              </a:spcAft>
+              <a:buSzPts val="3200"/>
+              <a:buNone/>
+              <a:defRPr sz="3200"/>
+            </a:lvl1pPr>
+            <a:lvl2pPr lvl="1" algn="ctr">
+              <a:spcBef>
+                <a:spcPts val="0"/>
+              </a:spcBef>
+              <a:spcAft>
+                <a:spcPts val="0"/>
+              </a:spcAft>
+              <a:buSzPts val="3200"/>
+              <a:buNone/>
+              <a:defRPr sz="3200"/>
+            </a:lvl2pPr>
+            <a:lvl3pPr lvl="2" algn="ctr">
+              <a:spcBef>
+                <a:spcPts val="0"/>
+              </a:spcBef>
+              <a:spcAft>
+                <a:spcPts val="0"/>
+              </a:spcAft>
+              <a:buSzPts val="3200"/>
+              <a:buNone/>
+              <a:defRPr sz="3200"/>
+            </a:lvl3pPr>
+            <a:lvl4pPr lvl="3" algn="ctr">
+              <a:spcBef>
+                <a:spcPts val="0"/>
+              </a:spcBef>
+              <a:spcAft>
+                <a:spcPts val="0"/>
+              </a:spcAft>
+              <a:buSzPts val="3200"/>
+              <a:buNone/>
+              <a:defRPr sz="3200"/>
+            </a:lvl4pPr>
+            <a:lvl5pPr lvl="4" algn="ctr">
+              <a:spcBef>
+                <a:spcPts val="0"/>
+              </a:spcBef>
+              <a:spcAft>
+                <a:spcPts val="0"/>
+              </a:spcAft>
+              <a:buSzPts val="3200"/>
+              <a:buNone/>
+              <a:defRPr sz="3200"/>
+            </a:lvl5pPr>
+            <a:lvl6pPr lvl="5" algn="ctr">
+              <a:spcBef>
+                <a:spcPts val="0"/>
+              </a:spcBef>
+              <a:spcAft>
+                <a:spcPts val="0"/>
+              </a:spcAft>
+              <a:buSzPts val="3200"/>
+              <a:buNone/>
+              <a:defRPr sz="3200"/>
+            </a:lvl6pPr>
+            <a:lvl7pPr lvl="6" algn="ctr">
+              <a:spcBef>
+                <a:spcPts val="0"/>
+              </a:spcBef>
+              <a:spcAft>
+                <a:spcPts val="0"/>
+              </a:spcAft>
+              <a:buSzPts val="3200"/>
+              <a:buNone/>
+              <a:defRPr sz="3200"/>
+            </a:lvl7pPr>
+            <a:lvl8pPr lvl="7" algn="ctr">
+              <a:spcBef>
+                <a:spcPts val="0"/>
+              </a:spcBef>
+              <a:spcAft>
+                <a:spcPts val="0"/>
+              </a:spcAft>
+              <a:buSzPts val="3200"/>
+              <a:buNone/>
+              <a:defRPr sz="3200"/>
+            </a:lvl8pPr>
+            <a:lvl9pPr lvl="8" algn="ctr">
+              <a:spcBef>
+                <a:spcPts val="0"/>
+              </a:spcBef>
+              <a:spcAft>
+                <a:spcPts val="0"/>
+              </a:spcAft>
+              <a:buSzPts val="3200"/>
+              <a:buNone/>
+              <a:defRPr sz="3200"/>
+            </a:lvl9pPr>
+          </a:lstStyle>
+          <a:p/>
+        </p:txBody>
+      </p:sp>
+      <p:sp>
+        <p:nvSpPr>
+          <p:cNvPr id="94" name="Google Shape;94;p8"/>
+          <p:cNvSpPr txBox="1"/>
+          <p:nvPr>
+            <p:ph idx="12" type="sldNum"/>
+          </p:nvPr>
+        </p:nvSpPr>
+        <p:spPr>
+          <a:xfrm>
+            <a:off x="8390734" y="4543668"/>
+            <a:ext cx="548700" cy="393600"/>
+          </a:xfrm>
+          <a:prstGeom prst="rect">
+            <a:avLst/>
+          </a:prstGeom>
+        </p:spPr>
+        <p:txBody>
+          <a:bodyPr anchorCtr="0" anchor="ctr" bIns="91425" lIns="91425" spcFirstLastPara="1" rIns="91425" wrap="square" tIns="91425">
+            <a:normAutofit/>
+          </a:bodyPr>
+          <a:lstStyle>
+            <a:lvl1pPr lvl="0">
+              <a:buNone/>
+              <a:defRPr/>
+            </a:lvl1pPr>
+            <a:lvl2pPr lvl="1">
+              <a:buNone/>
+              <a:defRPr/>
+            </a:lvl2pPr>
+            <a:lvl3pPr lvl="2">
+              <a:buNone/>
+              <a:defRPr/>
+            </a:lvl3pPr>
+            <a:lvl4pPr lvl="3">
+              <a:buNone/>
+              <a:defRPr/>
+            </a:lvl4pPr>
+            <a:lvl5pPr lvl="4">
+              <a:buNone/>
+              <a:defRPr/>
+            </a:lvl5pPr>
+            <a:lvl6pPr lvl="5">
+              <a:buNone/>
+              <a:defRPr/>
+            </a:lvl6pPr>
+            <a:lvl7pPr lvl="6">
+              <a:buNone/>
+              <a:defRPr/>
+            </a:lvl7pPr>
+            <a:lvl8pPr lvl="7">
+              <a:buNone/>
+              <a:defRPr/>
+            </a:lvl8pPr>
+            <a:lvl9pPr lvl="8">
+              <a:buNone/>
+              <a:defRPr/>
+            </a:lvl9pPr>
+          </a:lstStyle>
+          <a:p>
+            <a:pPr indent="0" lvl="0" marL="0" rtl="0" algn="r">
+              <a:spcBef>
+                <a:spcPts val="0"/>
+              </a:spcBef>
+              <a:spcAft>
+                <a:spcPts val="0"/>
+              </a:spcAft>
+              <a:buNone/>
+            </a:pPr>
+            <a:fld id="{00000000-1234-1234-1234-123412341234}" type="slidenum">
+              <a:rPr lang="en"/>
+              <a:t>‹#›</a:t>
+            </a:fld>
+            <a:endParaRPr/>
+          </a:p>
+        </p:txBody>
+      </p:sp>
+    </p:spTree>
+  </p:cSld>
+  <p:clrMapOvr>
+    <a:masterClrMapping/>
+  </p:clrMapOvr>
+</p:sldLayout>
+</file>
+
+<file path=ppt/slideLayouts/slideLayout8.xml><?xml version="1.0" encoding="utf-8"?>
+<p:sldLayout xmlns:a="http://schemas.openxmlformats.org/drawingml/2006/main" xmlns:r="http://schemas.openxmlformats.org/officeDocument/2006/relationships" xmlns:mc="http://schemas.openxmlformats.org/markup-compatibility/2006" xmlns:mv="urn:schemas-microsoft-com:mac:vml" xmlns:p="http://schemas.openxmlformats.org/presentationml/2006/main" xmlns:c="http://schemas.openxmlformats.org/drawingml/2006/chart" xmlns:dgm="http://schemas.openxmlformats.org/drawingml/2006/diagram" xmlns:o="urn:schemas-microsoft-com:office:office" xmlns:v="urn:schemas-microsoft-com:vml" xmlns:pvml="urn:schemas-microsoft-com:office:powerpoint" xmlns:com="http://schemas.openxmlformats.org/drawingml/2006/compatibility" xmlns:p14="http://schemas.microsoft.com/office/powerpoint/2010/main" xmlns:p15="http://schemas.microsoft.com/office/powerpoint/2012/main" xmlns:ahyp="http://schemas.microsoft.com/office/drawing/2018/hyperlinkcolor" matchingName="Section title and description">
+  <p:cSld name="SECTION_TITLE_AND_DESCRIPTION">
+    <p:bg>
+      <p:bgPr>
+        <a:solidFill>
+          <a:schemeClr val="dk2"/>
+        </a:solidFill>
+      </p:bgPr>
+    </p:bg>
+    <p:spTree>
+      <p:nvGrpSpPr>
+        <p:cNvPr id="95" name="Shape 95"/>
+        <p:cNvGrpSpPr/>
+        <p:nvPr/>
+      </p:nvGrpSpPr>
+      <p:grpSpPr>
+        <a:xfrm>
+          <a:off x="0" y="0"/>
+          <a:ext cx="0" cy="0"/>
+          <a:chOff x="0" y="0"/>
+          <a:chExt cx="0" cy="0"/>
+        </a:xfrm>
+      </p:grpSpPr>
+      <p:sp>
+        <p:nvSpPr>
+          <p:cNvPr id="96" name="Google Shape;96;p9"/>
+          <p:cNvSpPr/>
+          <p:nvPr/>
+        </p:nvSpPr>
+        <p:spPr>
+          <a:xfrm flipH="1">
+            <a:off x="3582600" y="1550700"/>
+            <a:ext cx="5561400" cy="3592800"/>
+          </a:xfrm>
+          <a:prstGeom prst="rtTriangle">
+            <a:avLst/>
+          </a:prstGeom>
+          <a:solidFill>
+            <a:schemeClr val="lt2"/>
+          </a:solidFill>
+          <a:ln>
+            <a:noFill/>
+          </a:ln>
+        </p:spPr>
+        <p:txBody>
+          <a:bodyPr anchorCtr="0" anchor="ctr" bIns="91425" lIns="91425" spcFirstLastPara="1" rIns="91425" wrap="square" tIns="91425">
+            <a:noAutofit/>
+          </a:bodyPr>
+          <a:lstStyle/>
+          <a:p>
+            <a:pPr indent="0" lvl="0" marL="0" rtl="0" algn="l">
+              <a:spcBef>
+                <a:spcPts val="0"/>
+              </a:spcBef>
+              <a:spcAft>
+                <a:spcPts val="0"/>
+              </a:spcAft>
+              <a:buNone/>
+            </a:pPr>
+            <a:r>
+              <a:t/>
+            </a:r>
+            <a:endParaRPr/>
+          </a:p>
+        </p:txBody>
+      </p:sp>
+      <p:sp>
+        <p:nvSpPr>
+          <p:cNvPr id="97" name="Google Shape;97;p9"/>
+          <p:cNvSpPr/>
+          <p:nvPr/>
+        </p:nvSpPr>
+        <p:spPr>
+          <a:xfrm>
+            <a:off x="31" y="2824500"/>
+            <a:ext cx="7370400" cy="2319000"/>
+          </a:xfrm>
+          <a:prstGeom prst="rtTriangle">
+            <a:avLst/>
+          </a:prstGeom>
+          <a:solidFill>
+            <a:schemeClr val="accent3"/>
+          </a:solidFill>
+          <a:ln>
+            <a:noFill/>
+          </a:ln>
+        </p:spPr>
+        <p:txBody>
+          <a:bodyPr anchorCtr="0" anchor="ctr" bIns="91425" lIns="91425" spcFirstLastPara="1" rIns="91425" wrap="square" tIns="91425">
+            <a:noAutofit/>
+          </a:bodyPr>
+          <a:lstStyle/>
+          <a:p>
+            <a:pPr indent="0" lvl="0" marL="0" rtl="0" algn="l">
+              <a:spcBef>
+                <a:spcPts val="0"/>
+              </a:spcBef>
+              <a:spcAft>
+                <a:spcPts val="0"/>
+              </a:spcAft>
+              <a:buNone/>
+            </a:pPr>
+            <a:r>
+              <a:t/>
+            </a:r>
+            <a:endParaRPr/>
+          </a:p>
+        </p:txBody>
+      </p:sp>
+      <p:sp>
+        <p:nvSpPr>
+          <p:cNvPr id="98" name="Google Shape;98;p9"/>
+          <p:cNvSpPr/>
+          <p:nvPr/>
+        </p:nvSpPr>
+        <p:spPr>
+          <a:xfrm>
+            <a:off x="203225" y="206250"/>
+            <a:ext cx="8737500" cy="4731000"/>
+          </a:xfrm>
+          <a:prstGeom prst="rect">
+            <a:avLst/>
+          </a:prstGeom>
+          <a:solidFill>
+            <a:schemeClr val="dk1"/>
+          </a:solidFill>
+          <a:ln>
+            <a:noFill/>
+          </a:ln>
+          <a:effectLst>
+            <a:outerShdw blurRad="228600" sx="101000" rotWithShape="0" algn="ctr" sy="101000">
+              <a:srgbClr val="000000">
+                <a:alpha val="40000"/>
+              </a:srgbClr>
+            </a:outerShdw>
+          </a:effectLst>
+        </p:spPr>
+        <p:txBody>
+          <a:bodyPr anchorCtr="0" anchor="ctr" bIns="91425" lIns="91425" spcFirstLastPara="1" rIns="91425" wrap="square" tIns="91425">
+            <a:noAutofit/>
+          </a:bodyPr>
+          <a:lstStyle/>
+          <a:p>
+            <a:pPr indent="0" lvl="0" marL="0" rtl="0" algn="l">
+              <a:spcBef>
+                <a:spcPts val="0"/>
+              </a:spcBef>
+              <a:spcAft>
+                <a:spcPts val="0"/>
+              </a:spcAft>
+              <a:buNone/>
+            </a:pPr>
+            <a:r>
+              <a:t/>
+            </a:r>
+            <a:endParaRPr/>
+          </a:p>
+        </p:txBody>
+      </p:sp>
+      <p:sp>
+        <p:nvSpPr>
+          <p:cNvPr id="99" name="Google Shape;99;p9"/>
+          <p:cNvSpPr txBox="1"/>
+          <p:nvPr>
+            <p:ph type="title"/>
+          </p:nvPr>
+        </p:nvSpPr>
+        <p:spPr>
+          <a:xfrm>
+            <a:off x="819150" y="845600"/>
+            <a:ext cx="6424200" cy="705000"/>
           </a:xfrm>
           <a:prstGeom prst="rect">
             <a:avLst/>
@@ -7788,9 +7572,9 @@
               <a:spcAft>
                 <a:spcPts val="0"/>
               </a:spcAft>
-              <a:buSzPts val="2400"/>
-              <a:buNone/>
-              <a:defRPr sz="2400"/>
+              <a:buSzPts val="3000"/>
+              <a:buNone/>
+              <a:defRPr sz="3000"/>
             </a:lvl1pPr>
             <a:lvl2pPr lvl="1">
               <a:spcBef>
@@ -7799,9 +7583,9 @@
               <a:spcAft>
                 <a:spcPts val="0"/>
               </a:spcAft>
-              <a:buSzPts val="2400"/>
-              <a:buNone/>
-              <a:defRPr sz="2400"/>
+              <a:buSzPts val="3000"/>
+              <a:buNone/>
+              <a:defRPr sz="3000"/>
             </a:lvl2pPr>
             <a:lvl3pPr lvl="2">
               <a:spcBef>
@@ -7810,9 +7594,9 @@
               <a:spcAft>
                 <a:spcPts val="0"/>
               </a:spcAft>
-              <a:buSzPts val="2400"/>
-              <a:buNone/>
-              <a:defRPr sz="2400"/>
+              <a:buSzPts val="3000"/>
+              <a:buNone/>
+              <a:defRPr sz="3000"/>
             </a:lvl3pPr>
             <a:lvl4pPr lvl="3">
               <a:spcBef>
@@ -7821,9 +7605,9 @@
               <a:spcAft>
                 <a:spcPts val="0"/>
               </a:spcAft>
-              <a:buSzPts val="2400"/>
-              <a:buNone/>
-              <a:defRPr sz="2400"/>
+              <a:buSzPts val="3000"/>
+              <a:buNone/>
+              <a:defRPr sz="3000"/>
             </a:lvl4pPr>
             <a:lvl5pPr lvl="4">
               <a:spcBef>
@@ -7832,9 +7616,9 @@
               <a:spcAft>
                 <a:spcPts val="0"/>
               </a:spcAft>
-              <a:buSzPts val="2400"/>
-              <a:buNone/>
-              <a:defRPr sz="2400"/>
+              <a:buSzPts val="3000"/>
+              <a:buNone/>
+              <a:defRPr sz="3000"/>
             </a:lvl5pPr>
             <a:lvl6pPr lvl="5">
               <a:spcBef>
@@ -7843,9 +7627,9 @@
               <a:spcAft>
                 <a:spcPts val="0"/>
               </a:spcAft>
-              <a:buSzPts val="2400"/>
-              <a:buNone/>
-              <a:defRPr sz="2400"/>
+              <a:buSzPts val="3000"/>
+              <a:buNone/>
+              <a:defRPr sz="3000"/>
             </a:lvl6pPr>
             <a:lvl7pPr lvl="6">
               <a:spcBef>
@@ -7854,9 +7638,9 @@
               <a:spcAft>
                 <a:spcPts val="0"/>
               </a:spcAft>
-              <a:buSzPts val="2400"/>
-              <a:buNone/>
-              <a:defRPr sz="2400"/>
+              <a:buSzPts val="3000"/>
+              <a:buNone/>
+              <a:defRPr sz="3000"/>
             </a:lvl7pPr>
             <a:lvl8pPr lvl="7">
               <a:spcBef>
@@ -7865,9 +7649,9 @@
               <a:spcAft>
                 <a:spcPts val="0"/>
               </a:spcAft>
-              <a:buSzPts val="2400"/>
-              <a:buNone/>
-              <a:defRPr sz="2400"/>
+              <a:buSzPts val="3000"/>
+              <a:buNone/>
+              <a:defRPr sz="3000"/>
             </a:lvl8pPr>
             <a:lvl9pPr lvl="8">
               <a:spcBef>
@@ -7876,9 +7660,9 @@
               <a:spcAft>
                 <a:spcPts val="0"/>
               </a:spcAft>
-              <a:buSzPts val="2400"/>
-              <a:buNone/>
-              <a:defRPr sz="2400"/>
+              <a:buSzPts val="3000"/>
+              <a:buNone/>
+              <a:defRPr sz="3000"/>
             </a:lvl9pPr>
           </a:lstStyle>
           <a:p/>
@@ -7886,7 +7670,7 @@
       </p:sp>
       <p:sp>
         <p:nvSpPr>
-          <p:cNvPr id="96" name="Google Shape;96;p9"/>
+          <p:cNvPr id="100" name="Google Shape;100;p9"/>
           <p:cNvSpPr txBox="1"/>
           <p:nvPr>
             <p:ph idx="1" type="subTitle"/>
@@ -7894,8 +7678,8 @@
         </p:nvSpPr>
         <p:spPr>
           <a:xfrm>
-            <a:off x="1297500" y="3538000"/>
-            <a:ext cx="3036300" cy="506100"/>
+            <a:off x="819150" y="1550700"/>
+            <a:ext cx="5859900" cy="393600"/>
           </a:xfrm>
           <a:prstGeom prst="rect">
             <a:avLst/>
@@ -7916,9 +7700,16 @@
               <a:spcAft>
                 <a:spcPts val="0"/>
               </a:spcAft>
-              <a:buSzPts val="1300"/>
-              <a:buNone/>
-              <a:defRPr/>
+              <a:buClr>
+                <a:schemeClr val="lt1"/>
+              </a:buClr>
+              <a:buSzPts val="1600"/>
+              <a:buNone/>
+              <a:defRPr sz="1600">
+                <a:solidFill>
+                  <a:schemeClr val="lt1"/>
+                </a:solidFill>
+              </a:defRPr>
             </a:lvl1pPr>
             <a:lvl2pPr lvl="1">
               <a:lnSpc>
@@ -7930,9 +7721,16 @@
               <a:spcAft>
                 <a:spcPts val="0"/>
               </a:spcAft>
-              <a:buSzPts val="1300"/>
-              <a:buNone/>
-              <a:defRPr sz="1300"/>
+              <a:buClr>
+                <a:schemeClr val="lt1"/>
+              </a:buClr>
+              <a:buSzPts val="1600"/>
+              <a:buNone/>
+              <a:defRPr sz="1600">
+                <a:solidFill>
+                  <a:schemeClr val="lt1"/>
+                </a:solidFill>
+              </a:defRPr>
             </a:lvl2pPr>
             <a:lvl3pPr lvl="2">
               <a:lnSpc>
@@ -7944,9 +7742,16 @@
               <a:spcAft>
                 <a:spcPts val="0"/>
               </a:spcAft>
-              <a:buSzPts val="1300"/>
-              <a:buNone/>
-              <a:defRPr sz="1300"/>
+              <a:buClr>
+                <a:schemeClr val="lt1"/>
+              </a:buClr>
+              <a:buSzPts val="1600"/>
+              <a:buNone/>
+              <a:defRPr sz="1600">
+                <a:solidFill>
+                  <a:schemeClr val="lt1"/>
+                </a:solidFill>
+              </a:defRPr>
             </a:lvl3pPr>
             <a:lvl4pPr lvl="3">
               <a:lnSpc>
@@ -7958,9 +7763,16 @@
               <a:spcAft>
                 <a:spcPts val="0"/>
               </a:spcAft>
-              <a:buSzPts val="1300"/>
-              <a:buNone/>
-              <a:defRPr sz="1300"/>
+              <a:buClr>
+                <a:schemeClr val="lt1"/>
+              </a:buClr>
+              <a:buSzPts val="1600"/>
+              <a:buNone/>
+              <a:defRPr sz="1600">
+                <a:solidFill>
+                  <a:schemeClr val="lt1"/>
+                </a:solidFill>
+              </a:defRPr>
             </a:lvl4pPr>
             <a:lvl5pPr lvl="4">
               <a:lnSpc>
@@ -7972,9 +7784,16 @@
               <a:spcAft>
                 <a:spcPts val="0"/>
               </a:spcAft>
-              <a:buSzPts val="1300"/>
-              <a:buNone/>
-              <a:defRPr sz="1300"/>
+              <a:buClr>
+                <a:schemeClr val="lt1"/>
+              </a:buClr>
+              <a:buSzPts val="1600"/>
+              <a:buNone/>
+              <a:defRPr sz="1600">
+                <a:solidFill>
+                  <a:schemeClr val="lt1"/>
+                </a:solidFill>
+              </a:defRPr>
             </a:lvl5pPr>
             <a:lvl6pPr lvl="5">
               <a:lnSpc>
@@ -7986,9 +7805,16 @@
               <a:spcAft>
                 <a:spcPts val="0"/>
               </a:spcAft>
-              <a:buSzPts val="1300"/>
-              <a:buNone/>
-              <a:defRPr sz="1300"/>
+              <a:buClr>
+                <a:schemeClr val="lt1"/>
+              </a:buClr>
+              <a:buSzPts val="1600"/>
+              <a:buNone/>
+              <a:defRPr sz="1600">
+                <a:solidFill>
+                  <a:schemeClr val="lt1"/>
+                </a:solidFill>
+              </a:defRPr>
             </a:lvl6pPr>
             <a:lvl7pPr lvl="6">
               <a:lnSpc>
@@ -8000,9 +7826,16 @@
               <a:spcAft>
                 <a:spcPts val="0"/>
               </a:spcAft>
-              <a:buSzPts val="1300"/>
-              <a:buNone/>
-              <a:defRPr sz="1300"/>
+              <a:buClr>
+                <a:schemeClr val="lt1"/>
+              </a:buClr>
+              <a:buSzPts val="1600"/>
+              <a:buNone/>
+              <a:defRPr sz="1600">
+                <a:solidFill>
+                  <a:schemeClr val="lt1"/>
+                </a:solidFill>
+              </a:defRPr>
             </a:lvl7pPr>
             <a:lvl8pPr lvl="7">
               <a:lnSpc>
@@ -8014,9 +7847,16 @@
               <a:spcAft>
                 <a:spcPts val="0"/>
               </a:spcAft>
-              <a:buSzPts val="1300"/>
-              <a:buNone/>
-              <a:defRPr sz="1300"/>
+              <a:buClr>
+                <a:schemeClr val="lt1"/>
+              </a:buClr>
+              <a:buSzPts val="1600"/>
+              <a:buNone/>
+              <a:defRPr sz="1600">
+                <a:solidFill>
+                  <a:schemeClr val="lt1"/>
+                </a:solidFill>
+              </a:defRPr>
             </a:lvl8pPr>
             <a:lvl9pPr lvl="8">
               <a:lnSpc>
@@ -8028,9 +7868,16 @@
               <a:spcAft>
                 <a:spcPts val="0"/>
               </a:spcAft>
-              <a:buSzPts val="1300"/>
-              <a:buNone/>
-              <a:defRPr sz="1300"/>
+              <a:buClr>
+                <a:schemeClr val="lt1"/>
+              </a:buClr>
+              <a:buSzPts val="1600"/>
+              <a:buNone/>
+              <a:defRPr sz="1600">
+                <a:solidFill>
+                  <a:schemeClr val="lt1"/>
+                </a:solidFill>
+              </a:defRPr>
             </a:lvl9pPr>
           </a:lstStyle>
           <a:p/>
@@ -8038,7 +7885,7 @@
       </p:sp>
       <p:sp>
         <p:nvSpPr>
-          <p:cNvPr id="97" name="Google Shape;97;p9"/>
+          <p:cNvPr id="101" name="Google Shape;101;p9"/>
           <p:cNvSpPr txBox="1"/>
           <p:nvPr>
             <p:ph idx="2" type="body"/>
@@ -8046,8 +7893,8 @@
         </p:nvSpPr>
         <p:spPr>
           <a:xfrm>
-            <a:off x="4648200" y="1696600"/>
-            <a:ext cx="3676800" cy="2347500"/>
+            <a:off x="819150" y="2467050"/>
+            <a:ext cx="5859900" cy="2095500"/>
           </a:xfrm>
           <a:prstGeom prst="rect">
             <a:avLst/>
@@ -8163,7 +8010,7 @@
       </p:sp>
       <p:sp>
         <p:nvSpPr>
-          <p:cNvPr id="98" name="Google Shape;98;p9"/>
+          <p:cNvPr id="102" name="Google Shape;102;p9"/>
           <p:cNvSpPr txBox="1"/>
           <p:nvPr>
             <p:ph idx="12" type="sldNum"/>
@@ -8171,7 +8018,7 @@
         </p:nvSpPr>
         <p:spPr>
           <a:xfrm>
-            <a:off x="8472458" y="4663217"/>
+            <a:off x="8390734" y="4543668"/>
             <a:ext cx="548700" cy="393600"/>
           </a:xfrm>
           <a:prstGeom prst="rect">
@@ -8249,9 +8096,16 @@
 <file path=ppt/slideLayouts/slideLayout9.xml><?xml version="1.0" encoding="utf-8"?>
 <p:sldLayout xmlns:a="http://schemas.openxmlformats.org/drawingml/2006/main" xmlns:r="http://schemas.openxmlformats.org/officeDocument/2006/relationships" xmlns:mc="http://schemas.openxmlformats.org/markup-compatibility/2006" xmlns:mv="urn:schemas-microsoft-com:mac:vml" xmlns:p="http://schemas.openxmlformats.org/presentationml/2006/main" xmlns:c="http://schemas.openxmlformats.org/drawingml/2006/chart" xmlns:dgm="http://schemas.openxmlformats.org/drawingml/2006/diagram" xmlns:o="urn:schemas-microsoft-com:office:office" xmlns:v="urn:schemas-microsoft-com:vml" xmlns:pvml="urn:schemas-microsoft-com:office:powerpoint" xmlns:com="http://schemas.openxmlformats.org/drawingml/2006/compatibility" xmlns:p14="http://schemas.microsoft.com/office/powerpoint/2010/main" xmlns:p15="http://schemas.microsoft.com/office/powerpoint/2012/main" xmlns:ahyp="http://schemas.microsoft.com/office/drawing/2018/hyperlinkcolor" matchingName="Caption">
   <p:cSld name="CAPTION_ONLY">
+    <p:bg>
+      <p:bgPr>
+        <a:solidFill>
+          <a:schemeClr val="accent1"/>
+        </a:solidFill>
+      </p:bgPr>
+    </p:bg>
     <p:spTree>
       <p:nvGrpSpPr>
-        <p:cNvPr id="99" name="Shape 99"/>
+        <p:cNvPr id="103" name="Shape 103"/>
         <p:cNvGrpSpPr/>
         <p:nvPr/>
       </p:nvGrpSpPr>
@@ -8263,118 +8117,145 @@
           <a:chExt cx="0" cy="0"/>
         </a:xfrm>
       </p:grpSpPr>
-      <p:grpSp>
-        <p:nvGrpSpPr>
-          <p:cNvPr id="100" name="Google Shape;100;p10"/>
-          <p:cNvGrpSpPr/>
-          <p:nvPr/>
-        </p:nvGrpSpPr>
-        <p:grpSpPr>
-          <a:xfrm>
-            <a:off x="0" y="4128572"/>
-            <a:ext cx="698925" cy="684657"/>
-            <a:chOff x="0" y="3785672"/>
-            <a:chExt cx="698925" cy="684657"/>
-          </a:xfrm>
-        </p:grpSpPr>
-        <p:sp>
-          <p:nvSpPr>
-            <p:cNvPr id="101" name="Google Shape;101;p10"/>
-            <p:cNvSpPr/>
-            <p:nvPr/>
-          </p:nvSpPr>
-          <p:spPr>
-            <a:xfrm rot="-5400000">
-              <a:off x="0" y="3785672"/>
-              <a:ext cx="544800" cy="544800"/>
-            </a:xfrm>
-            <a:prstGeom prst="diagStripe">
-              <a:avLst>
-                <a:gd fmla="val 50000" name="adj"/>
-              </a:avLst>
-            </a:prstGeom>
-            <a:solidFill>
-              <a:schemeClr val="lt1">
-                <a:alpha val="9620"/>
-              </a:schemeClr>
-            </a:solidFill>
-            <a:ln>
-              <a:noFill/>
-            </a:ln>
-          </p:spPr>
-          <p:txBody>
-            <a:bodyPr anchorCtr="0" anchor="ctr" bIns="91425" lIns="91425" spcFirstLastPara="1" rIns="91425" wrap="square" tIns="91425">
-              <a:noAutofit/>
-            </a:bodyPr>
-            <a:lstStyle/>
-            <a:p>
-              <a:pPr indent="0" lvl="0" marL="0" rtl="0" algn="l">
-                <a:spcBef>
-                  <a:spcPts val="0"/>
-                </a:spcBef>
-                <a:spcAft>
-                  <a:spcPts val="0"/>
-                </a:spcAft>
-                <a:buNone/>
-              </a:pPr>
-              <a:r>
-                <a:t/>
-              </a:r>
-              <a:endParaRPr/>
-            </a:p>
-          </p:txBody>
-        </p:sp>
-        <p:sp>
-          <p:nvSpPr>
-            <p:cNvPr id="102" name="Google Shape;102;p10"/>
-            <p:cNvSpPr/>
-            <p:nvPr/>
-          </p:nvSpPr>
-          <p:spPr>
-            <a:xfrm flipH="1">
-              <a:off x="154125" y="3925529"/>
-              <a:ext cx="544800" cy="544800"/>
-            </a:xfrm>
-            <a:prstGeom prst="diagStripe">
-              <a:avLst>
-                <a:gd fmla="val 50000" name="adj"/>
-              </a:avLst>
-            </a:prstGeom>
-            <a:solidFill>
-              <a:schemeClr val="lt1">
-                <a:alpha val="9620"/>
-              </a:schemeClr>
-            </a:solidFill>
-            <a:ln>
-              <a:noFill/>
-            </a:ln>
-          </p:spPr>
-          <p:txBody>
-            <a:bodyPr anchorCtr="0" anchor="ctr" bIns="91425" lIns="91425" spcFirstLastPara="1" rIns="91425" wrap="square" tIns="91425">
-              <a:noAutofit/>
-            </a:bodyPr>
-            <a:lstStyle/>
-            <a:p>
-              <a:pPr indent="0" lvl="0" marL="0" rtl="0" algn="l">
-                <a:spcBef>
-                  <a:spcPts val="0"/>
-                </a:spcBef>
-                <a:spcAft>
-                  <a:spcPts val="0"/>
-                </a:spcAft>
-                <a:buNone/>
-              </a:pPr>
-              <a:r>
-                <a:t/>
-              </a:r>
-              <a:endParaRPr/>
-            </a:p>
-          </p:txBody>
-        </p:sp>
-      </p:grpSp>
       <p:sp>
         <p:nvSpPr>
-          <p:cNvPr id="103" name="Google Shape;103;p10"/>
+          <p:cNvPr id="104" name="Google Shape;104;p10"/>
+          <p:cNvSpPr/>
+          <p:nvPr/>
+        </p:nvSpPr>
+        <p:spPr>
+          <a:xfrm>
+            <a:off x="31" y="2824500"/>
+            <a:ext cx="7370400" cy="2319000"/>
+          </a:xfrm>
+          <a:prstGeom prst="rtTriangle">
+            <a:avLst/>
+          </a:prstGeom>
+          <a:solidFill>
+            <a:schemeClr val="lt2"/>
+          </a:solidFill>
+          <a:ln>
+            <a:noFill/>
+          </a:ln>
+        </p:spPr>
+        <p:txBody>
+          <a:bodyPr anchorCtr="0" anchor="ctr" bIns="91425" lIns="91425" spcFirstLastPara="1" rIns="91425" wrap="square" tIns="91425">
+            <a:noAutofit/>
+          </a:bodyPr>
+          <a:lstStyle/>
+          <a:p>
+            <a:pPr indent="0" lvl="0" marL="0" rtl="0" algn="l">
+              <a:spcBef>
+                <a:spcPts val="0"/>
+              </a:spcBef>
+              <a:spcAft>
+                <a:spcPts val="0"/>
+              </a:spcAft>
+              <a:buNone/>
+            </a:pPr>
+            <a:r>
+              <a:t/>
+            </a:r>
+            <a:endParaRPr/>
+          </a:p>
+        </p:txBody>
+      </p:sp>
+      <p:sp>
+        <p:nvSpPr>
+          <p:cNvPr id="105" name="Google Shape;105;p10"/>
+          <p:cNvSpPr/>
+          <p:nvPr/>
+        </p:nvSpPr>
+        <p:spPr>
+          <a:xfrm flipH="1">
+            <a:off x="3582600" y="1550700"/>
+            <a:ext cx="5561400" cy="3592800"/>
+          </a:xfrm>
+          <a:prstGeom prst="rtTriangle">
+            <a:avLst/>
+          </a:prstGeom>
+          <a:solidFill>
+            <a:schemeClr val="dk2"/>
+          </a:solidFill>
+          <a:ln>
+            <a:noFill/>
+          </a:ln>
+        </p:spPr>
+        <p:txBody>
+          <a:bodyPr anchorCtr="0" anchor="ctr" bIns="91425" lIns="91425" spcFirstLastPara="1" rIns="91425" wrap="square" tIns="91425">
+            <a:noAutofit/>
+          </a:bodyPr>
+          <a:lstStyle/>
+          <a:p>
+            <a:pPr indent="0" lvl="0" marL="0" rtl="0" algn="l">
+              <a:spcBef>
+                <a:spcPts val="0"/>
+              </a:spcBef>
+              <a:spcAft>
+                <a:spcPts val="0"/>
+              </a:spcAft>
+              <a:buNone/>
+            </a:pPr>
+            <a:r>
+              <a:t/>
+            </a:r>
+            <a:endParaRPr/>
+          </a:p>
+        </p:txBody>
+      </p:sp>
+      <p:sp>
+        <p:nvSpPr>
+          <p:cNvPr id="106" name="Google Shape;106;p10"/>
+          <p:cNvSpPr/>
+          <p:nvPr/>
+        </p:nvSpPr>
+        <p:spPr>
+          <a:xfrm>
+            <a:off x="203225" y="206250"/>
+            <a:ext cx="8737500" cy="4731000"/>
+          </a:xfrm>
+          <a:prstGeom prst="rect">
+            <a:avLst/>
+          </a:prstGeom>
+          <a:solidFill>
+            <a:schemeClr val="dk1"/>
+          </a:solidFill>
+          <a:ln>
+            <a:noFill/>
+          </a:ln>
+          <a:effectLst>
+            <a:outerShdw blurRad="228600" sx="101000" rotWithShape="0" algn="ctr" sy="101000">
+              <a:srgbClr val="000000">
+                <a:alpha val="40000"/>
+              </a:srgbClr>
+            </a:outerShdw>
+          </a:effectLst>
+        </p:spPr>
+        <p:txBody>
+          <a:bodyPr anchorCtr="0" anchor="ctr" bIns="91425" lIns="91425" spcFirstLastPara="1" rIns="91425" wrap="square" tIns="91425">
+            <a:noAutofit/>
+          </a:bodyPr>
+          <a:lstStyle/>
+          <a:p>
+            <a:pPr indent="0" lvl="0" marL="0" rtl="0" algn="l">
+              <a:spcBef>
+                <a:spcPts val="0"/>
+              </a:spcBef>
+              <a:spcAft>
+                <a:spcPts val="0"/>
+              </a:spcAft>
+              <a:buNone/>
+            </a:pPr>
+            <a:r>
+              <a:t/>
+            </a:r>
+            <a:endParaRPr/>
+          </a:p>
+        </p:txBody>
+      </p:sp>
+      <p:sp>
+        <p:nvSpPr>
+          <p:cNvPr id="107" name="Google Shape;107;p10"/>
           <p:cNvSpPr txBox="1"/>
           <p:nvPr>
             <p:ph idx="1" type="body"/>
@@ -8382,15 +8263,15 @@
         </p:nvSpPr>
         <p:spPr>
           <a:xfrm>
-            <a:off x="812725" y="4305375"/>
-            <a:ext cx="6936000" cy="523800"/>
+            <a:off x="328025" y="4163500"/>
+            <a:ext cx="7415100" cy="605100"/>
           </a:xfrm>
           <a:prstGeom prst="rect">
             <a:avLst/>
           </a:prstGeom>
         </p:spPr>
         <p:txBody>
-          <a:bodyPr anchorCtr="0" anchor="ctr" bIns="91425" lIns="91425" spcFirstLastPara="1" rIns="91425" wrap="square" tIns="91425">
+          <a:bodyPr anchorCtr="0" anchor="b" bIns="91425" lIns="91425" spcFirstLastPara="1" rIns="91425" wrap="square" tIns="91425">
             <a:normAutofit/>
           </a:bodyPr>
           <a:lstStyle>
@@ -8414,7 +8295,7 @@
       </p:sp>
       <p:sp>
         <p:nvSpPr>
-          <p:cNvPr id="104" name="Google Shape;104;p10"/>
+          <p:cNvPr id="108" name="Google Shape;108;p10"/>
           <p:cNvSpPr txBox="1"/>
           <p:nvPr>
             <p:ph idx="12" type="sldNum"/>
@@ -8422,7 +8303,7 @@
         </p:nvSpPr>
         <p:spPr>
           <a:xfrm>
-            <a:off x="8472458" y="4663217"/>
+            <a:off x="8390734" y="4543668"/>
             <a:ext cx="548700" cy="393600"/>
           </a:xfrm>
           <a:prstGeom prst="rect">
@@ -8499,7 +8380,7 @@
 
 <file path=ppt/slideMasters/slideMaster1.xml><?xml version="1.0" encoding="utf-8"?>
 <p:sldMaster xmlns:a="http://schemas.openxmlformats.org/drawingml/2006/main" xmlns:r="http://schemas.openxmlformats.org/officeDocument/2006/relationships" xmlns:mc="http://schemas.openxmlformats.org/markup-compatibility/2006" xmlns:mv="urn:schemas-microsoft-com:mac:vml" xmlns:p="http://schemas.openxmlformats.org/presentationml/2006/main" xmlns:c="http://schemas.openxmlformats.org/drawingml/2006/chart" xmlns:dgm="http://schemas.openxmlformats.org/drawingml/2006/diagram" xmlns:o="urn:schemas-microsoft-com:office:office" xmlns:v="urn:schemas-microsoft-com:vml" xmlns:pvml="urn:schemas-microsoft-com:office:powerpoint" xmlns:com="http://schemas.openxmlformats.org/drawingml/2006/compatibility" xmlns:p14="http://schemas.microsoft.com/office/powerpoint/2010/main" xmlns:p15="http://schemas.microsoft.com/office/powerpoint/2012/main" xmlns:ahyp="http://schemas.microsoft.com/office/drawing/2018/hyperlinkcolor">
-  <p:cSld name="focus">
+  <p:cSld name="shift">
     <p:bg>
       <p:bgPr>
         <a:solidFill>
@@ -8558,16 +8439,16 @@
                 <a:schemeClr val="lt1"/>
               </a:buClr>
               <a:buSzPts val="2800"/>
-              <a:buFont typeface="Montserrat"/>
+              <a:buFont typeface="Nunito"/>
               <a:buNone/>
               <a:defRPr sz="2800">
                 <a:solidFill>
                   <a:schemeClr val="lt1"/>
                 </a:solidFill>
-                <a:latin typeface="Montserrat"/>
-                <a:ea typeface="Montserrat"/>
-                <a:cs typeface="Montserrat"/>
-                <a:sym typeface="Montserrat"/>
+                <a:latin typeface="Nunito"/>
+                <a:ea typeface="Nunito"/>
+                <a:cs typeface="Nunito"/>
+                <a:sym typeface="Nunito"/>
               </a:defRPr>
             </a:lvl1pPr>
             <a:lvl2pPr lvl="1">
@@ -8581,16 +8462,16 @@
                 <a:schemeClr val="lt1"/>
               </a:buClr>
               <a:buSzPts val="2800"/>
-              <a:buFont typeface="Montserrat"/>
+              <a:buFont typeface="Nunito"/>
               <a:buNone/>
               <a:defRPr sz="2800">
                 <a:solidFill>
                   <a:schemeClr val="lt1"/>
                 </a:solidFill>
-                <a:latin typeface="Montserrat"/>
-                <a:ea typeface="Montserrat"/>
-                <a:cs typeface="Montserrat"/>
-                <a:sym typeface="Montserrat"/>
+                <a:latin typeface="Nunito"/>
+                <a:ea typeface="Nunito"/>
+                <a:cs typeface="Nunito"/>
+                <a:sym typeface="Nunito"/>
               </a:defRPr>
             </a:lvl2pPr>
             <a:lvl3pPr lvl="2">
@@ -8604,16 +8485,16 @@
                 <a:schemeClr val="lt1"/>
               </a:buClr>
               <a:buSzPts val="2800"/>
-              <a:buFont typeface="Montserrat"/>
+              <a:buFont typeface="Nunito"/>
               <a:buNone/>
               <a:defRPr sz="2800">
                 <a:solidFill>
                   <a:schemeClr val="lt1"/>
                 </a:solidFill>
-                <a:latin typeface="Montserrat"/>
-                <a:ea typeface="Montserrat"/>
-                <a:cs typeface="Montserrat"/>
-                <a:sym typeface="Montserrat"/>
+                <a:latin typeface="Nunito"/>
+                <a:ea typeface="Nunito"/>
+                <a:cs typeface="Nunito"/>
+                <a:sym typeface="Nunito"/>
               </a:defRPr>
             </a:lvl3pPr>
             <a:lvl4pPr lvl="3">
@@ -8627,16 +8508,16 @@
                 <a:schemeClr val="lt1"/>
               </a:buClr>
               <a:buSzPts val="2800"/>
-              <a:buFont typeface="Montserrat"/>
+              <a:buFont typeface="Nunito"/>
               <a:buNone/>
               <a:defRPr sz="2800">
                 <a:solidFill>
                   <a:schemeClr val="lt1"/>
                 </a:solidFill>
-                <a:latin typeface="Montserrat"/>
-                <a:ea typeface="Montserrat"/>
-                <a:cs typeface="Montserrat"/>
-                <a:sym typeface="Montserrat"/>
+                <a:latin typeface="Nunito"/>
+                <a:ea typeface="Nunito"/>
+                <a:cs typeface="Nunito"/>
+                <a:sym typeface="Nunito"/>
               </a:defRPr>
             </a:lvl4pPr>
             <a:lvl5pPr lvl="4">
@@ -8650,16 +8531,16 @@
                 <a:schemeClr val="lt1"/>
               </a:buClr>
               <a:buSzPts val="2800"/>
-              <a:buFont typeface="Montserrat"/>
+              <a:buFont typeface="Nunito"/>
               <a:buNone/>
               <a:defRPr sz="2800">
                 <a:solidFill>
                   <a:schemeClr val="lt1"/>
                 </a:solidFill>
-                <a:latin typeface="Montserrat"/>
-                <a:ea typeface="Montserrat"/>
-                <a:cs typeface="Montserrat"/>
-                <a:sym typeface="Montserrat"/>
+                <a:latin typeface="Nunito"/>
+                <a:ea typeface="Nunito"/>
+                <a:cs typeface="Nunito"/>
+                <a:sym typeface="Nunito"/>
               </a:defRPr>
             </a:lvl5pPr>
             <a:lvl6pPr lvl="5">
@@ -8673,16 +8554,16 @@
                 <a:schemeClr val="lt1"/>
               </a:buClr>
               <a:buSzPts val="2800"/>
-              <a:buFont typeface="Montserrat"/>
+              <a:buFont typeface="Nunito"/>
               <a:buNone/>
               <a:defRPr sz="2800">
                 <a:solidFill>
                   <a:schemeClr val="lt1"/>
                 </a:solidFill>
-                <a:latin typeface="Montserrat"/>
-                <a:ea typeface="Montserrat"/>
-                <a:cs typeface="Montserrat"/>
-                <a:sym typeface="Montserrat"/>
+                <a:latin typeface="Nunito"/>
+                <a:ea typeface="Nunito"/>
+                <a:cs typeface="Nunito"/>
+                <a:sym typeface="Nunito"/>
               </a:defRPr>
             </a:lvl6pPr>
             <a:lvl7pPr lvl="6">
@@ -8696,16 +8577,16 @@
                 <a:schemeClr val="lt1"/>
               </a:buClr>
               <a:buSzPts val="2800"/>
-              <a:buFont typeface="Montserrat"/>
+              <a:buFont typeface="Nunito"/>
               <a:buNone/>
               <a:defRPr sz="2800">
                 <a:solidFill>
                   <a:schemeClr val="lt1"/>
                 </a:solidFill>
-                <a:latin typeface="Montserrat"/>
-                <a:ea typeface="Montserrat"/>
-                <a:cs typeface="Montserrat"/>
-                <a:sym typeface="Montserrat"/>
+                <a:latin typeface="Nunito"/>
+                <a:ea typeface="Nunito"/>
+                <a:cs typeface="Nunito"/>
+                <a:sym typeface="Nunito"/>
               </a:defRPr>
             </a:lvl7pPr>
             <a:lvl8pPr lvl="7">
@@ -8719,16 +8600,16 @@
                 <a:schemeClr val="lt1"/>
               </a:buClr>
               <a:buSzPts val="2800"/>
-              <a:buFont typeface="Montserrat"/>
+              <a:buFont typeface="Nunito"/>
               <a:buNone/>
               <a:defRPr sz="2800">
                 <a:solidFill>
                   <a:schemeClr val="lt1"/>
                 </a:solidFill>
-                <a:latin typeface="Montserrat"/>
-                <a:ea typeface="Montserrat"/>
-                <a:cs typeface="Montserrat"/>
-                <a:sym typeface="Montserrat"/>
+                <a:latin typeface="Nunito"/>
+                <a:ea typeface="Nunito"/>
+                <a:cs typeface="Nunito"/>
+                <a:sym typeface="Nunito"/>
               </a:defRPr>
             </a:lvl8pPr>
             <a:lvl9pPr lvl="8">
@@ -8742,16 +8623,16 @@
                 <a:schemeClr val="lt1"/>
               </a:buClr>
               <a:buSzPts val="2800"/>
-              <a:buFont typeface="Montserrat"/>
+              <a:buFont typeface="Nunito"/>
               <a:buNone/>
               <a:defRPr sz="2800">
                 <a:solidFill>
                   <a:schemeClr val="lt1"/>
                 </a:solidFill>
-                <a:latin typeface="Montserrat"/>
-                <a:ea typeface="Montserrat"/>
-                <a:cs typeface="Montserrat"/>
-                <a:sym typeface="Montserrat"/>
+                <a:latin typeface="Nunito"/>
+                <a:ea typeface="Nunito"/>
+                <a:cs typeface="Nunito"/>
+                <a:sym typeface="Nunito"/>
               </a:defRPr>
             </a:lvl9pPr>
           </a:lstStyle>
@@ -8769,7 +8650,7 @@
         <p:spPr>
           <a:xfrm>
             <a:off x="311700" y="1152475"/>
-            <a:ext cx="8520600" cy="3416400"/>
+            <a:ext cx="8520600" cy="3391200"/>
           </a:xfrm>
           <a:prstGeom prst="rect">
             <a:avLst/>
@@ -8795,19 +8676,19 @@
                 <a:spcPts val="0"/>
               </a:spcAft>
               <a:buClr>
-                <a:schemeClr val="lt1"/>
+                <a:schemeClr val="dk2"/>
               </a:buClr>
               <a:buSzPts val="1300"/>
-              <a:buFont typeface="Lato"/>
+              <a:buFont typeface="Calibri"/>
               <a:buChar char="●"/>
               <a:defRPr sz="1300">
                 <a:solidFill>
-                  <a:schemeClr val="lt1"/>
+                  <a:schemeClr val="dk2"/>
                 </a:solidFill>
-                <a:latin typeface="Lato"/>
-                <a:ea typeface="Lato"/>
-                <a:cs typeface="Lato"/>
-                <a:sym typeface="Lato"/>
+                <a:latin typeface="Calibri"/>
+                <a:ea typeface="Calibri"/>
+                <a:cs typeface="Calibri"/>
+                <a:sym typeface="Calibri"/>
               </a:defRPr>
             </a:lvl1pPr>
             <a:lvl2pPr indent="-298450" lvl="1" marL="914400">
@@ -8821,19 +8702,19 @@
                 <a:spcPts val="0"/>
               </a:spcAft>
               <a:buClr>
-                <a:schemeClr val="lt1"/>
+                <a:schemeClr val="dk2"/>
               </a:buClr>
               <a:buSzPts val="1100"/>
-              <a:buFont typeface="Lato"/>
+              <a:buFont typeface="Calibri"/>
               <a:buChar char="○"/>
               <a:defRPr sz="1100">
                 <a:solidFill>
-                  <a:schemeClr val="lt1"/>
+                  <a:schemeClr val="dk2"/>
                 </a:solidFill>
-                <a:latin typeface="Lato"/>
-                <a:ea typeface="Lato"/>
-                <a:cs typeface="Lato"/>
-                <a:sym typeface="Lato"/>
+                <a:latin typeface="Calibri"/>
+                <a:ea typeface="Calibri"/>
+                <a:cs typeface="Calibri"/>
+                <a:sym typeface="Calibri"/>
               </a:defRPr>
             </a:lvl2pPr>
             <a:lvl3pPr indent="-298450" lvl="2" marL="1371600">
@@ -8847,19 +8728,19 @@
                 <a:spcPts val="0"/>
               </a:spcAft>
               <a:buClr>
-                <a:schemeClr val="lt1"/>
+                <a:schemeClr val="dk2"/>
               </a:buClr>
               <a:buSzPts val="1100"/>
-              <a:buFont typeface="Lato"/>
+              <a:buFont typeface="Calibri"/>
               <a:buChar char="■"/>
               <a:defRPr sz="1100">
                 <a:solidFill>
-                  <a:schemeClr val="lt1"/>
+                  <a:schemeClr val="dk2"/>
                 </a:solidFill>
-                <a:latin typeface="Lato"/>
-                <a:ea typeface="Lato"/>
-                <a:cs typeface="Lato"/>
-                <a:sym typeface="Lato"/>
+                <a:latin typeface="Calibri"/>
+                <a:ea typeface="Calibri"/>
+                <a:cs typeface="Calibri"/>
+                <a:sym typeface="Calibri"/>
               </a:defRPr>
             </a:lvl3pPr>
             <a:lvl4pPr indent="-298450" lvl="3" marL="1828800">
@@ -8873,19 +8754,19 @@
                 <a:spcPts val="0"/>
               </a:spcAft>
               <a:buClr>
-                <a:schemeClr val="lt1"/>
+                <a:schemeClr val="dk2"/>
               </a:buClr>
               <a:buSzPts val="1100"/>
-              <a:buFont typeface="Lato"/>
+              <a:buFont typeface="Calibri"/>
               <a:buChar char="●"/>
               <a:defRPr sz="1100">
                 <a:solidFill>
-                  <a:schemeClr val="lt1"/>
+                  <a:schemeClr val="dk2"/>
                 </a:solidFill>
-                <a:latin typeface="Lato"/>
-                <a:ea typeface="Lato"/>
-                <a:cs typeface="Lato"/>
-                <a:sym typeface="Lato"/>
+                <a:latin typeface="Calibri"/>
+                <a:ea typeface="Calibri"/>
+                <a:cs typeface="Calibri"/>
+                <a:sym typeface="Calibri"/>
               </a:defRPr>
             </a:lvl4pPr>
             <a:lvl5pPr indent="-298450" lvl="4" marL="2286000">
@@ -8899,19 +8780,19 @@
                 <a:spcPts val="0"/>
               </a:spcAft>
               <a:buClr>
-                <a:schemeClr val="lt1"/>
+                <a:schemeClr val="dk2"/>
               </a:buClr>
               <a:buSzPts val="1100"/>
-              <a:buFont typeface="Lato"/>
+              <a:buFont typeface="Calibri"/>
               <a:buChar char="○"/>
               <a:defRPr sz="1100">
                 <a:solidFill>
-                  <a:schemeClr val="lt1"/>
+                  <a:schemeClr val="dk2"/>
                 </a:solidFill>
-                <a:latin typeface="Lato"/>
-                <a:ea typeface="Lato"/>
-                <a:cs typeface="Lato"/>
-                <a:sym typeface="Lato"/>
+                <a:latin typeface="Calibri"/>
+                <a:ea typeface="Calibri"/>
+                <a:cs typeface="Calibri"/>
+                <a:sym typeface="Calibri"/>
               </a:defRPr>
             </a:lvl5pPr>
             <a:lvl6pPr indent="-298450" lvl="5" marL="2743200">
@@ -8925,19 +8806,19 @@
                 <a:spcPts val="0"/>
               </a:spcAft>
               <a:buClr>
-                <a:schemeClr val="lt1"/>
+                <a:schemeClr val="dk2"/>
               </a:buClr>
               <a:buSzPts val="1100"/>
-              <a:buFont typeface="Lato"/>
+              <a:buFont typeface="Calibri"/>
               <a:buChar char="■"/>
               <a:defRPr sz="1100">
                 <a:solidFill>
-                  <a:schemeClr val="lt1"/>
+                  <a:schemeClr val="dk2"/>
                 </a:solidFill>
-                <a:latin typeface="Lato"/>
-                <a:ea typeface="Lato"/>
-                <a:cs typeface="Lato"/>
-                <a:sym typeface="Lato"/>
+                <a:latin typeface="Calibri"/>
+                <a:ea typeface="Calibri"/>
+                <a:cs typeface="Calibri"/>
+                <a:sym typeface="Calibri"/>
               </a:defRPr>
             </a:lvl6pPr>
             <a:lvl7pPr indent="-298450" lvl="6" marL="3200400">
@@ -8951,19 +8832,19 @@
                 <a:spcPts val="0"/>
               </a:spcAft>
               <a:buClr>
-                <a:schemeClr val="lt1"/>
+                <a:schemeClr val="dk2"/>
               </a:buClr>
               <a:buSzPts val="1100"/>
-              <a:buFont typeface="Lato"/>
+              <a:buFont typeface="Calibri"/>
               <a:buChar char="●"/>
               <a:defRPr sz="1100">
                 <a:solidFill>
-                  <a:schemeClr val="lt1"/>
+                  <a:schemeClr val="dk2"/>
                 </a:solidFill>
-                <a:latin typeface="Lato"/>
-                <a:ea typeface="Lato"/>
-                <a:cs typeface="Lato"/>
-                <a:sym typeface="Lato"/>
+                <a:latin typeface="Calibri"/>
+                <a:ea typeface="Calibri"/>
+                <a:cs typeface="Calibri"/>
+                <a:sym typeface="Calibri"/>
               </a:defRPr>
             </a:lvl7pPr>
             <a:lvl8pPr indent="-298450" lvl="7" marL="3657600">
@@ -8977,19 +8858,19 @@
                 <a:spcPts val="0"/>
               </a:spcAft>
               <a:buClr>
-                <a:schemeClr val="lt1"/>
+                <a:schemeClr val="dk2"/>
               </a:buClr>
               <a:buSzPts val="1100"/>
-              <a:buFont typeface="Lato"/>
+              <a:buFont typeface="Calibri"/>
               <a:buChar char="○"/>
               <a:defRPr sz="1100">
                 <a:solidFill>
-                  <a:schemeClr val="lt1"/>
+                  <a:schemeClr val="dk2"/>
                 </a:solidFill>
-                <a:latin typeface="Lato"/>
-                <a:ea typeface="Lato"/>
-                <a:cs typeface="Lato"/>
-                <a:sym typeface="Lato"/>
+                <a:latin typeface="Calibri"/>
+                <a:ea typeface="Calibri"/>
+                <a:cs typeface="Calibri"/>
+                <a:sym typeface="Calibri"/>
               </a:defRPr>
             </a:lvl8pPr>
             <a:lvl9pPr indent="-298450" lvl="8" marL="4114800">
@@ -9003,19 +8884,19 @@
                 <a:spcPts val="0"/>
               </a:spcAft>
               <a:buClr>
-                <a:schemeClr val="lt1"/>
+                <a:schemeClr val="dk2"/>
               </a:buClr>
               <a:buSzPts val="1100"/>
-              <a:buFont typeface="Lato"/>
+              <a:buFont typeface="Calibri"/>
               <a:buChar char="■"/>
               <a:defRPr sz="1100">
                 <a:solidFill>
-                  <a:schemeClr val="lt1"/>
+                  <a:schemeClr val="dk2"/>
                 </a:solidFill>
-                <a:latin typeface="Lato"/>
-                <a:ea typeface="Lato"/>
-                <a:cs typeface="Lato"/>
-                <a:sym typeface="Lato"/>
+                <a:latin typeface="Calibri"/>
+                <a:ea typeface="Calibri"/>
+                <a:cs typeface="Calibri"/>
+                <a:sym typeface="Calibri"/>
               </a:defRPr>
             </a:lvl9pPr>
           </a:lstStyle>
@@ -9032,7 +8913,7 @@
         </p:nvSpPr>
         <p:spPr>
           <a:xfrm>
-            <a:off x="8472458" y="4663217"/>
+            <a:off x="8390734" y="4543668"/>
             <a:ext cx="548700" cy="393600"/>
           </a:xfrm>
           <a:prstGeom prst="rect">
@@ -9052,108 +8933,108 @@
               <a:buNone/>
               <a:defRPr sz="1000">
                 <a:solidFill>
-                  <a:schemeClr val="lt1"/>
+                  <a:schemeClr val="dk2"/>
                 </a:solidFill>
-                <a:latin typeface="Lato"/>
-                <a:ea typeface="Lato"/>
-                <a:cs typeface="Lato"/>
-                <a:sym typeface="Lato"/>
+                <a:latin typeface="Nunito"/>
+                <a:ea typeface="Nunito"/>
+                <a:cs typeface="Nunito"/>
+                <a:sym typeface="Nunito"/>
               </a:defRPr>
             </a:lvl1pPr>
             <a:lvl2pPr lvl="1" algn="r">
               <a:buNone/>
               <a:defRPr sz="1000">
                 <a:solidFill>
-                  <a:schemeClr val="lt1"/>
+                  <a:schemeClr val="dk2"/>
                 </a:solidFill>
-                <a:latin typeface="Lato"/>
-                <a:ea typeface="Lato"/>
-                <a:cs typeface="Lato"/>
-                <a:sym typeface="Lato"/>
+                <a:latin typeface="Nunito"/>
+                <a:ea typeface="Nunito"/>
+                <a:cs typeface="Nunito"/>
+                <a:sym typeface="Nunito"/>
               </a:defRPr>
             </a:lvl2pPr>
             <a:lvl3pPr lvl="2" algn="r">
               <a:buNone/>
               <a:defRPr sz="1000">
                 <a:solidFill>
-                  <a:schemeClr val="lt1"/>
+                  <a:schemeClr val="dk2"/>
                 </a:solidFill>
-                <a:latin typeface="Lato"/>
-                <a:ea typeface="Lato"/>
-                <a:cs typeface="Lato"/>
-                <a:sym typeface="Lato"/>
+                <a:latin typeface="Nunito"/>
+                <a:ea typeface="Nunito"/>
+                <a:cs typeface="Nunito"/>
+                <a:sym typeface="Nunito"/>
               </a:defRPr>
             </a:lvl3pPr>
             <a:lvl4pPr lvl="3" algn="r">
               <a:buNone/>
               <a:defRPr sz="1000">
                 <a:solidFill>
-                  <a:schemeClr val="lt1"/>
+                  <a:schemeClr val="dk2"/>
                 </a:solidFill>
-                <a:latin typeface="Lato"/>
-                <a:ea typeface="Lato"/>
-                <a:cs typeface="Lato"/>
-                <a:sym typeface="Lato"/>
+                <a:latin typeface="Nunito"/>
+                <a:ea typeface="Nunito"/>
+                <a:cs typeface="Nunito"/>
+                <a:sym typeface="Nunito"/>
               </a:defRPr>
             </a:lvl4pPr>
             <a:lvl5pPr lvl="4" algn="r">
               <a:buNone/>
               <a:defRPr sz="1000">
                 <a:solidFill>
-                  <a:schemeClr val="lt1"/>
+                  <a:schemeClr val="dk2"/>
                 </a:solidFill>
-                <a:latin typeface="Lato"/>
-                <a:ea typeface="Lato"/>
-                <a:cs typeface="Lato"/>
-                <a:sym typeface="Lato"/>
+                <a:latin typeface="Nunito"/>
+                <a:ea typeface="Nunito"/>
+                <a:cs typeface="Nunito"/>
+                <a:sym typeface="Nunito"/>
               </a:defRPr>
             </a:lvl5pPr>
             <a:lvl6pPr lvl="5" algn="r">
               <a:buNone/>
               <a:defRPr sz="1000">
                 <a:solidFill>
-                  <a:schemeClr val="lt1"/>
+                  <a:schemeClr val="dk2"/>
                 </a:solidFill>
-                <a:latin typeface="Lato"/>
-                <a:ea typeface="Lato"/>
-                <a:cs typeface="Lato"/>
-                <a:sym typeface="Lato"/>
+                <a:latin typeface="Nunito"/>
+                <a:ea typeface="Nunito"/>
+                <a:cs typeface="Nunito"/>
+                <a:sym typeface="Nunito"/>
               </a:defRPr>
             </a:lvl6pPr>
             <a:lvl7pPr lvl="6" algn="r">
               <a:buNone/>
               <a:defRPr sz="1000">
                 <a:solidFill>
-                  <a:schemeClr val="lt1"/>
+                  <a:schemeClr val="dk2"/>
                 </a:solidFill>
-                <a:latin typeface="Lato"/>
-                <a:ea typeface="Lato"/>
-                <a:cs typeface="Lato"/>
-                <a:sym typeface="Lato"/>
+                <a:latin typeface="Nunito"/>
+                <a:ea typeface="Nunito"/>
+                <a:cs typeface="Nunito"/>
+                <a:sym typeface="Nunito"/>
               </a:defRPr>
             </a:lvl7pPr>
             <a:lvl8pPr lvl="7" algn="r">
               <a:buNone/>
               <a:defRPr sz="1000">
                 <a:solidFill>
-                  <a:schemeClr val="lt1"/>
+                  <a:schemeClr val="dk2"/>
                 </a:solidFill>
-                <a:latin typeface="Lato"/>
-                <a:ea typeface="Lato"/>
-                <a:cs typeface="Lato"/>
-                <a:sym typeface="Lato"/>
+                <a:latin typeface="Nunito"/>
+                <a:ea typeface="Nunito"/>
+                <a:cs typeface="Nunito"/>
+                <a:sym typeface="Nunito"/>
               </a:defRPr>
             </a:lvl8pPr>
             <a:lvl9pPr lvl="8" algn="r">
               <a:buNone/>
               <a:defRPr sz="1000">
                 <a:solidFill>
-                  <a:schemeClr val="lt1"/>
+                  <a:schemeClr val="dk2"/>
                 </a:solidFill>
-                <a:latin typeface="Lato"/>
-                <a:ea typeface="Lato"/>
-                <a:cs typeface="Lato"/>
-                <a:sym typeface="Lato"/>
+                <a:latin typeface="Nunito"/>
+                <a:ea typeface="Nunito"/>
+                <a:cs typeface="Nunito"/>
+                <a:sym typeface="Nunito"/>
               </a:defRPr>
             </a:lvl9pPr>
           </a:lstStyle>
@@ -9894,7 +9775,7 @@
     </p:bg>
     <p:spTree>
       <p:nvGrpSpPr>
-        <p:cNvPr id="133" name="Shape 133"/>
+        <p:cNvPr id="127" name="Shape 127"/>
         <p:cNvGrpSpPr/>
         <p:nvPr/>
       </p:nvGrpSpPr>
@@ -9908,7 +9789,7 @@
       </p:grpSpPr>
       <p:sp>
         <p:nvSpPr>
-          <p:cNvPr id="134" name="Google Shape;134;p13"/>
+          <p:cNvPr id="128" name="Google Shape;128;p13"/>
           <p:cNvSpPr txBox="1"/>
           <p:nvPr>
             <p:ph type="ctrTitle"/>
@@ -9916,20 +9797,20 @@
         </p:nvSpPr>
         <p:spPr>
           <a:xfrm>
-            <a:off x="3537150" y="1578400"/>
-            <a:ext cx="5017500" cy="1578900"/>
+            <a:off x="1858703" y="1822833"/>
+            <a:ext cx="5361300" cy="1448100"/>
           </a:xfrm>
           <a:prstGeom prst="rect">
             <a:avLst/>
           </a:prstGeom>
         </p:spPr>
         <p:txBody>
-          <a:bodyPr anchorCtr="0" anchor="t" bIns="91425" lIns="91425" spcFirstLastPara="1" rIns="91425" wrap="square" tIns="91425">
+          <a:bodyPr anchorCtr="0" anchor="ctr" bIns="91425" lIns="91425" spcFirstLastPara="1" rIns="91425" wrap="square" tIns="91425">
             <a:normAutofit/>
           </a:bodyPr>
           <a:lstStyle/>
           <a:p>
-            <a:pPr indent="0" lvl="0" marL="0" rtl="0" algn="l">
+            <a:pPr indent="0" lvl="0" marL="0" rtl="0" algn="ctr">
               <a:spcBef>
                 <a:spcPts val="0"/>
               </a:spcBef>
@@ -9956,7 +9837,7 @@
       </p:sp>
       <p:sp>
         <p:nvSpPr>
-          <p:cNvPr id="135" name="Google Shape;135;p13"/>
+          <p:cNvPr id="129" name="Google Shape;129;p13"/>
           <p:cNvSpPr txBox="1"/>
           <p:nvPr>
             <p:ph idx="1" type="subTitle"/>
@@ -10012,7 +9893,7 @@
             </a:endParaRPr>
           </a:p>
           <a:p>
-            <a:pPr indent="0" lvl="0" marL="0" rtl="0" algn="l">
+            <a:pPr indent="0" lvl="0" marL="0" rtl="0" algn="ctr">
               <a:spcBef>
                 <a:spcPts val="0"/>
               </a:spcBef>
@@ -10041,7 +9922,7 @@
   <p:cSld>
     <p:spTree>
       <p:nvGrpSpPr>
-        <p:cNvPr id="187" name="Shape 187"/>
+        <p:cNvPr id="184" name="Shape 184"/>
         <p:cNvGrpSpPr/>
         <p:nvPr/>
       </p:nvGrpSpPr>
@@ -10055,7 +9936,7 @@
       </p:grpSpPr>
       <p:sp>
         <p:nvSpPr>
-          <p:cNvPr id="188" name="Google Shape;188;p22"/>
+          <p:cNvPr id="185" name="Google Shape;185;p22"/>
           <p:cNvSpPr txBox="1"/>
           <p:nvPr>
             <p:ph type="title"/>
@@ -10063,8 +9944,8 @@
         </p:nvSpPr>
         <p:spPr>
           <a:xfrm>
-            <a:off x="1297500" y="393750"/>
-            <a:ext cx="7038900" cy="914100"/>
+            <a:off x="819150" y="845600"/>
+            <a:ext cx="7505700" cy="954600"/>
           </a:xfrm>
           <a:prstGeom prst="rect">
             <a:avLst/>
@@ -10095,7 +9976,7 @@
       </p:sp>
       <p:sp>
         <p:nvSpPr>
-          <p:cNvPr id="189" name="Google Shape;189;p22"/>
+          <p:cNvPr id="186" name="Google Shape;186;p22"/>
           <p:cNvSpPr txBox="1"/>
           <p:nvPr>
             <p:ph idx="1" type="body"/>
@@ -10103,8 +9984,8 @@
         </p:nvSpPr>
         <p:spPr>
           <a:xfrm>
-            <a:off x="1297500" y="1567550"/>
-            <a:ext cx="7038900" cy="2911200"/>
+            <a:off x="819150" y="1990725"/>
+            <a:ext cx="7505700" cy="2448000"/>
           </a:xfrm>
           <a:prstGeom prst="rect">
             <a:avLst/>
@@ -10170,7 +10051,7 @@
       </p:sp>
       <p:pic>
         <p:nvPicPr>
-          <p:cNvPr id="190" name="Google Shape;190;p22"/>
+          <p:cNvPr id="187" name="Google Shape;187;p22"/>
           <p:cNvPicPr preferRelativeResize="0"/>
           <p:nvPr/>
         </p:nvPicPr>
@@ -10209,7 +10090,7 @@
   <p:cSld>
     <p:spTree>
       <p:nvGrpSpPr>
-        <p:cNvPr id="139" name="Shape 139"/>
+        <p:cNvPr id="133" name="Shape 133"/>
         <p:cNvGrpSpPr/>
         <p:nvPr/>
       </p:nvGrpSpPr>
@@ -10223,7 +10104,7 @@
       </p:grpSpPr>
       <p:sp>
         <p:nvSpPr>
-          <p:cNvPr id="140" name="Google Shape;140;p14"/>
+          <p:cNvPr id="134" name="Google Shape;134;p14"/>
           <p:cNvSpPr txBox="1"/>
           <p:nvPr>
             <p:ph type="title"/>
@@ -10231,8 +10112,8 @@
         </p:nvSpPr>
         <p:spPr>
           <a:xfrm>
-            <a:off x="823850" y="2053000"/>
-            <a:ext cx="4587000" cy="1148700"/>
+            <a:off x="1888684" y="1746100"/>
+            <a:ext cx="5377500" cy="1646100"/>
           </a:xfrm>
           <a:prstGeom prst="rect">
             <a:avLst/>
@@ -10244,7 +10125,7 @@
           </a:bodyPr>
           <a:lstStyle/>
           <a:p>
-            <a:pPr indent="0" lvl="0" marL="0" rtl="0" algn="l">
+            <a:pPr indent="0" lvl="0" marL="0" rtl="0" algn="ctr">
               <a:spcBef>
                 <a:spcPts val="0"/>
               </a:spcBef>
@@ -10274,7 +10155,60 @@
   <p:cSld>
     <p:spTree>
       <p:nvGrpSpPr>
-        <p:cNvPr id="144" name="Shape 144"/>
+        <p:cNvPr id="138" name="Shape 138"/>
+        <p:cNvGrpSpPr/>
+        <p:nvPr/>
+      </p:nvGrpSpPr>
+      <p:grpSpPr>
+        <a:xfrm>
+          <a:off x="0" y="0"/>
+          <a:ext cx="0" cy="0"/>
+          <a:chOff x="0" y="0"/>
+          <a:chExt cx="0" cy="0"/>
+        </a:xfrm>
+      </p:grpSpPr>
+      <p:pic>
+        <p:nvPicPr>
+          <p:cNvPr id="139" name="Google Shape;139;p15" title="All_In_One.png"/>
+          <p:cNvPicPr preferRelativeResize="0"/>
+          <p:nvPr/>
+        </p:nvPicPr>
+        <p:blipFill>
+          <a:blip r:embed="rId3">
+            <a:alphaModFix/>
+          </a:blip>
+          <a:stretch>
+            <a:fillRect/>
+          </a:stretch>
+        </p:blipFill>
+        <p:spPr>
+          <a:xfrm>
+            <a:off x="2614788" y="152400"/>
+            <a:ext cx="3914426" cy="4838702"/>
+          </a:xfrm>
+          <a:prstGeom prst="rect">
+            <a:avLst/>
+          </a:prstGeom>
+          <a:noFill/>
+          <a:ln>
+            <a:noFill/>
+          </a:ln>
+        </p:spPr>
+      </p:pic>
+    </p:spTree>
+  </p:cSld>
+  <p:clrMapOvr>
+    <a:masterClrMapping/>
+  </p:clrMapOvr>
+</p:sld>
+</file>
+
+<file path=ppt/slides/slide4.xml><?xml version="1.0" encoding="utf-8"?>
+<p:sld xmlns:a="http://schemas.openxmlformats.org/drawingml/2006/main" xmlns:r="http://schemas.openxmlformats.org/officeDocument/2006/relationships" xmlns:mc="http://schemas.openxmlformats.org/markup-compatibility/2006" xmlns:mv="urn:schemas-microsoft-com:mac:vml" xmlns:p="http://schemas.openxmlformats.org/presentationml/2006/main" xmlns:c="http://schemas.openxmlformats.org/drawingml/2006/chart" xmlns:dgm="http://schemas.openxmlformats.org/drawingml/2006/diagram" xmlns:o="urn:schemas-microsoft-com:office:office" xmlns:v="urn:schemas-microsoft-com:vml" xmlns:pvml="urn:schemas-microsoft-com:office:powerpoint" xmlns:com="http://schemas.openxmlformats.org/drawingml/2006/compatibility" xmlns:p14="http://schemas.microsoft.com/office/powerpoint/2010/main" xmlns:p15="http://schemas.microsoft.com/office/powerpoint/2012/main" xmlns:ahyp="http://schemas.microsoft.com/office/drawing/2018/hyperlinkcolor">
+  <p:cSld>
+    <p:spTree>
+      <p:nvGrpSpPr>
+        <p:cNvPr id="143" name="Shape 143"/>
         <p:cNvGrpSpPr/>
         <p:nvPr/>
       </p:nvGrpSpPr>
@@ -10288,7 +10222,7 @@
       </p:grpSpPr>
       <p:sp>
         <p:nvSpPr>
-          <p:cNvPr id="145" name="Google Shape;145;p15"/>
+          <p:cNvPr id="144" name="Google Shape;144;p16"/>
           <p:cNvSpPr txBox="1"/>
           <p:nvPr>
             <p:ph type="title"/>
@@ -10296,73 +10230,8 @@
         </p:nvSpPr>
         <p:spPr>
           <a:xfrm>
-            <a:off x="0" y="0"/>
-            <a:ext cx="4587000" cy="1148700"/>
-          </a:xfrm>
-          <a:prstGeom prst="rect">
-            <a:avLst/>
-          </a:prstGeom>
-        </p:spPr>
-        <p:txBody>
-          <a:bodyPr anchorCtr="0" anchor="ctr" bIns="91425" lIns="91425" spcFirstLastPara="1" rIns="91425" wrap="square" tIns="91425">
-            <a:normAutofit/>
-          </a:bodyPr>
-          <a:lstStyle/>
-          <a:p>
-            <a:pPr indent="0" lvl="0" marL="0" rtl="0" algn="l">
-              <a:spcBef>
-                <a:spcPts val="0"/>
-              </a:spcBef>
-              <a:spcAft>
-                <a:spcPts val="0"/>
-              </a:spcAft>
-              <a:buNone/>
-            </a:pPr>
-            <a:r>
-              <a:rPr lang="en"/>
-              <a:t>StroyBoard Goes here</a:t>
-            </a:r>
-            <a:endParaRPr/>
-          </a:p>
-        </p:txBody>
-      </p:sp>
-    </p:spTree>
-  </p:cSld>
-  <p:clrMapOvr>
-    <a:masterClrMapping/>
-  </p:clrMapOvr>
-</p:sld>
-</file>
-
-<file path=ppt/slides/slide4.xml><?xml version="1.0" encoding="utf-8"?>
-<p:sld xmlns:a="http://schemas.openxmlformats.org/drawingml/2006/main" xmlns:r="http://schemas.openxmlformats.org/officeDocument/2006/relationships" xmlns:mc="http://schemas.openxmlformats.org/markup-compatibility/2006" xmlns:mv="urn:schemas-microsoft-com:mac:vml" xmlns:p="http://schemas.openxmlformats.org/presentationml/2006/main" xmlns:c="http://schemas.openxmlformats.org/drawingml/2006/chart" xmlns:dgm="http://schemas.openxmlformats.org/drawingml/2006/diagram" xmlns:o="urn:schemas-microsoft-com:office:office" xmlns:v="urn:schemas-microsoft-com:vml" xmlns:pvml="urn:schemas-microsoft-com:office:powerpoint" xmlns:com="http://schemas.openxmlformats.org/drawingml/2006/compatibility" xmlns:p14="http://schemas.microsoft.com/office/powerpoint/2010/main" xmlns:p15="http://schemas.microsoft.com/office/powerpoint/2012/main" xmlns:ahyp="http://schemas.microsoft.com/office/drawing/2018/hyperlinkcolor">
-  <p:cSld>
-    <p:spTree>
-      <p:nvGrpSpPr>
-        <p:cNvPr id="149" name="Shape 149"/>
-        <p:cNvGrpSpPr/>
-        <p:nvPr/>
-      </p:nvGrpSpPr>
-      <p:grpSpPr>
-        <a:xfrm>
-          <a:off x="0" y="0"/>
-          <a:ext cx="0" cy="0"/>
-          <a:chOff x="0" y="0"/>
-          <a:chExt cx="0" cy="0"/>
-        </a:xfrm>
-      </p:grpSpPr>
-      <p:sp>
-        <p:nvSpPr>
-          <p:cNvPr id="150" name="Google Shape;150;p16"/>
-          <p:cNvSpPr txBox="1"/>
-          <p:nvPr>
-            <p:ph type="title"/>
-          </p:nvPr>
-        </p:nvSpPr>
-        <p:spPr>
-          <a:xfrm>
-            <a:off x="1297500" y="393750"/>
-            <a:ext cx="7038900" cy="914100"/>
+            <a:off x="819150" y="845600"/>
+            <a:ext cx="7505700" cy="954600"/>
           </a:xfrm>
           <a:prstGeom prst="rect">
             <a:avLst/>
@@ -10393,7 +10262,7 @@
       </p:sp>
       <p:sp>
         <p:nvSpPr>
-          <p:cNvPr id="151" name="Google Shape;151;p16"/>
+          <p:cNvPr id="145" name="Google Shape;145;p16"/>
           <p:cNvSpPr txBox="1"/>
           <p:nvPr>
             <p:ph idx="1" type="body"/>
@@ -10401,8 +10270,8 @@
         </p:nvSpPr>
         <p:spPr>
           <a:xfrm>
-            <a:off x="1297500" y="1567550"/>
-            <a:ext cx="7038900" cy="2911200"/>
+            <a:off x="819150" y="1990725"/>
+            <a:ext cx="7505700" cy="2448000"/>
           </a:xfrm>
           <a:prstGeom prst="rect">
             <a:avLst/>
@@ -10432,7 +10301,7 @@
       </p:sp>
       <p:pic>
         <p:nvPicPr>
-          <p:cNvPr id="152" name="Google Shape;152;p16" title="Sign up page.drawio.png"/>
+          <p:cNvPr id="146" name="Google Shape;146;p16" title="Sign up page.drawio.png"/>
           <p:cNvPicPr preferRelativeResize="0"/>
           <p:nvPr/>
         </p:nvPicPr>
@@ -10471,7 +10340,7 @@
   <p:cSld>
     <p:spTree>
       <p:nvGrpSpPr>
-        <p:cNvPr id="156" name="Shape 156"/>
+        <p:cNvPr id="150" name="Shape 150"/>
         <p:cNvGrpSpPr/>
         <p:nvPr/>
       </p:nvGrpSpPr>
@@ -10485,7 +10354,7 @@
       </p:grpSpPr>
       <p:sp>
         <p:nvSpPr>
-          <p:cNvPr id="157" name="Google Shape;157;p17"/>
+          <p:cNvPr id="151" name="Google Shape;151;p17"/>
           <p:cNvSpPr txBox="1"/>
           <p:nvPr>
             <p:ph type="title"/>
@@ -10493,8 +10362,8 @@
         </p:nvSpPr>
         <p:spPr>
           <a:xfrm>
-            <a:off x="1297500" y="393750"/>
-            <a:ext cx="7038900" cy="914100"/>
+            <a:off x="819150" y="845600"/>
+            <a:ext cx="7505700" cy="954600"/>
           </a:xfrm>
           <a:prstGeom prst="rect">
             <a:avLst/>
@@ -10525,7 +10394,7 @@
       </p:sp>
       <p:sp>
         <p:nvSpPr>
-          <p:cNvPr id="158" name="Google Shape;158;p17"/>
+          <p:cNvPr id="152" name="Google Shape;152;p17"/>
           <p:cNvSpPr txBox="1"/>
           <p:nvPr>
             <p:ph idx="1" type="body"/>
@@ -10533,8 +10402,8 @@
         </p:nvSpPr>
         <p:spPr>
           <a:xfrm>
-            <a:off x="1297500" y="1567550"/>
-            <a:ext cx="7038900" cy="2911200"/>
+            <a:off x="819150" y="1990725"/>
+            <a:ext cx="7505700" cy="2448000"/>
           </a:xfrm>
           <a:prstGeom prst="rect">
             <a:avLst/>
@@ -10615,6 +10484,34 @@
           </a:p>
         </p:txBody>
       </p:sp>
+      <p:pic>
+        <p:nvPicPr>
+          <p:cNvPr id="153" name="Google Shape;153;p17" title="Home Page UI.png"/>
+          <p:cNvPicPr preferRelativeResize="0"/>
+          <p:nvPr/>
+        </p:nvPicPr>
+        <p:blipFill>
+          <a:blip r:embed="rId3">
+            <a:alphaModFix/>
+          </a:blip>
+          <a:stretch>
+            <a:fillRect/>
+          </a:stretch>
+        </p:blipFill>
+        <p:spPr>
+          <a:xfrm>
+            <a:off x="4752963" y="2085963"/>
+            <a:ext cx="4391025" cy="3057525"/>
+          </a:xfrm>
+          <a:prstGeom prst="rect">
+            <a:avLst/>
+          </a:prstGeom>
+          <a:noFill/>
+          <a:ln>
+            <a:noFill/>
+          </a:ln>
+        </p:spPr>
+      </p:pic>
     </p:spTree>
   </p:cSld>
   <p:clrMapOvr>
@@ -10628,7 +10525,7 @@
   <p:cSld>
     <p:spTree>
       <p:nvGrpSpPr>
-        <p:cNvPr id="162" name="Shape 162"/>
+        <p:cNvPr id="157" name="Shape 157"/>
         <p:cNvGrpSpPr/>
         <p:nvPr/>
       </p:nvGrpSpPr>
@@ -10642,7 +10539,7 @@
       </p:grpSpPr>
       <p:sp>
         <p:nvSpPr>
-          <p:cNvPr id="163" name="Google Shape;163;p18"/>
+          <p:cNvPr id="158" name="Google Shape;158;p18"/>
           <p:cNvSpPr txBox="1"/>
           <p:nvPr>
             <p:ph type="title"/>
@@ -10650,8 +10547,8 @@
         </p:nvSpPr>
         <p:spPr>
           <a:xfrm>
-            <a:off x="1297500" y="393750"/>
-            <a:ext cx="7038900" cy="914100"/>
+            <a:off x="819150" y="845600"/>
+            <a:ext cx="7505700" cy="954600"/>
           </a:xfrm>
           <a:prstGeom prst="rect">
             <a:avLst/>
@@ -10682,7 +10579,7 @@
       </p:sp>
       <p:sp>
         <p:nvSpPr>
-          <p:cNvPr id="164" name="Google Shape;164;p18"/>
+          <p:cNvPr id="159" name="Google Shape;159;p18"/>
           <p:cNvSpPr txBox="1"/>
           <p:nvPr>
             <p:ph idx="1" type="body"/>
@@ -10690,8 +10587,8 @@
         </p:nvSpPr>
         <p:spPr>
           <a:xfrm>
-            <a:off x="1297500" y="1567550"/>
-            <a:ext cx="7038900" cy="2911200"/>
+            <a:off x="819150" y="1990725"/>
+            <a:ext cx="7505700" cy="2448000"/>
           </a:xfrm>
           <a:prstGeom prst="rect">
             <a:avLst/>
@@ -10770,7 +10667,11 @@
             </a:pPr>
             <a:r>
               <a:rPr lang="en"/>
-              <a:t>Subcatagories in the filter</a:t>
+              <a:t>Subcategories</a:t>
+            </a:r>
+            <a:r>
+              <a:rPr lang="en"/>
+              <a:t> in the filter</a:t>
             </a:r>
             <a:endParaRPr/>
           </a:p>
@@ -10795,7 +10696,7 @@
       </p:sp>
       <p:pic>
         <p:nvPicPr>
-          <p:cNvPr id="165" name="Google Shape;165;p18" title="Create Itineraries.drawio.png"/>
+          <p:cNvPr id="160" name="Google Shape;160;p18" title="Create Itineray Page 2.png"/>
           <p:cNvPicPr preferRelativeResize="0"/>
           <p:nvPr/>
         </p:nvPicPr>
@@ -10809,8 +10710,36 @@
         </p:blipFill>
         <p:spPr>
           <a:xfrm>
-            <a:off x="4424198" y="2571749"/>
-            <a:ext cx="4719802" cy="2571750"/>
+            <a:off x="4733850" y="0"/>
+            <a:ext cx="4410150" cy="3496525"/>
+          </a:xfrm>
+          <a:prstGeom prst="rect">
+            <a:avLst/>
+          </a:prstGeom>
+          <a:noFill/>
+          <a:ln>
+            <a:noFill/>
+          </a:ln>
+        </p:spPr>
+      </p:pic>
+      <p:pic>
+        <p:nvPicPr>
+          <p:cNvPr id="161" name="Google Shape;161;p18" title="Lodging_Hotel Selected.png"/>
+          <p:cNvPicPr preferRelativeResize="0"/>
+          <p:nvPr/>
+        </p:nvPicPr>
+        <p:blipFill>
+          <a:blip r:embed="rId4">
+            <a:alphaModFix/>
+          </a:blip>
+          <a:stretch>
+            <a:fillRect/>
+          </a:stretch>
+        </p:blipFill>
+        <p:spPr>
+          <a:xfrm>
+            <a:off x="6702679" y="3496525"/>
+            <a:ext cx="2441321" cy="1646975"/>
           </a:xfrm>
           <a:prstGeom prst="rect">
             <a:avLst/>
@@ -10834,7 +10763,7 @@
   <p:cSld>
     <p:spTree>
       <p:nvGrpSpPr>
-        <p:cNvPr id="169" name="Shape 169"/>
+        <p:cNvPr id="165" name="Shape 165"/>
         <p:cNvGrpSpPr/>
         <p:nvPr/>
       </p:nvGrpSpPr>
@@ -10848,7 +10777,7 @@
       </p:grpSpPr>
       <p:sp>
         <p:nvSpPr>
-          <p:cNvPr id="170" name="Google Shape;170;p19"/>
+          <p:cNvPr id="166" name="Google Shape;166;p19"/>
           <p:cNvSpPr txBox="1"/>
           <p:nvPr>
             <p:ph type="title"/>
@@ -10856,8 +10785,8 @@
         </p:nvSpPr>
         <p:spPr>
           <a:xfrm>
-            <a:off x="1297500" y="393750"/>
-            <a:ext cx="7038900" cy="914100"/>
+            <a:off x="819150" y="845600"/>
+            <a:ext cx="7505700" cy="954600"/>
           </a:xfrm>
           <a:prstGeom prst="rect">
             <a:avLst/>
@@ -10888,7 +10817,7 @@
       </p:sp>
       <p:sp>
         <p:nvSpPr>
-          <p:cNvPr id="171" name="Google Shape;171;p19"/>
+          <p:cNvPr id="167" name="Google Shape;167;p19"/>
           <p:cNvSpPr txBox="1"/>
           <p:nvPr>
             <p:ph idx="1" type="body"/>
@@ -10896,8 +10825,8 @@
         </p:nvSpPr>
         <p:spPr>
           <a:xfrm>
-            <a:off x="1297500" y="1567550"/>
-            <a:ext cx="7038900" cy="2911200"/>
+            <a:off x="819150" y="1990725"/>
+            <a:ext cx="7505700" cy="2448000"/>
           </a:xfrm>
           <a:prstGeom prst="rect">
             <a:avLst/>
@@ -10995,6 +10924,34 @@
           </a:p>
         </p:txBody>
       </p:sp>
+      <p:pic>
+        <p:nvPicPr>
+          <p:cNvPr id="168" name="Google Shape;168;p19" title="View_Itinerary.png"/>
+          <p:cNvPicPr preferRelativeResize="0"/>
+          <p:nvPr/>
+        </p:nvPicPr>
+        <p:blipFill>
+          <a:blip r:embed="rId3">
+            <a:alphaModFix/>
+          </a:blip>
+          <a:stretch>
+            <a:fillRect/>
+          </a:stretch>
+        </p:blipFill>
+        <p:spPr>
+          <a:xfrm>
+            <a:off x="5971888" y="0"/>
+            <a:ext cx="3172124" cy="5143500"/>
+          </a:xfrm>
+          <a:prstGeom prst="rect">
+            <a:avLst/>
+          </a:prstGeom>
+          <a:noFill/>
+          <a:ln>
+            <a:noFill/>
+          </a:ln>
+        </p:spPr>
+      </p:pic>
     </p:spTree>
   </p:cSld>
   <p:clrMapOvr>
@@ -11008,7 +10965,7 @@
   <p:cSld>
     <p:spTree>
       <p:nvGrpSpPr>
-        <p:cNvPr id="175" name="Shape 175"/>
+        <p:cNvPr id="172" name="Shape 172"/>
         <p:cNvGrpSpPr/>
         <p:nvPr/>
       </p:nvGrpSpPr>
@@ -11022,7 +10979,7 @@
       </p:grpSpPr>
       <p:sp>
         <p:nvSpPr>
-          <p:cNvPr id="176" name="Google Shape;176;p20"/>
+          <p:cNvPr id="173" name="Google Shape;173;p20"/>
           <p:cNvSpPr txBox="1"/>
           <p:nvPr>
             <p:ph type="title"/>
@@ -11030,8 +10987,8 @@
         </p:nvSpPr>
         <p:spPr>
           <a:xfrm>
-            <a:off x="823850" y="2053000"/>
-            <a:ext cx="4587000" cy="1148700"/>
+            <a:off x="1888684" y="1746100"/>
+            <a:ext cx="5377500" cy="1646100"/>
           </a:xfrm>
           <a:prstGeom prst="rect">
             <a:avLst/>
@@ -11043,7 +11000,7 @@
           </a:bodyPr>
           <a:lstStyle/>
           <a:p>
-            <a:pPr indent="0" lvl="0" marL="0" rtl="0" algn="l">
+            <a:pPr indent="0" lvl="0" marL="0" rtl="0" algn="ctr">
               <a:spcBef>
                 <a:spcPts val="0"/>
               </a:spcBef>
@@ -11073,7 +11030,7 @@
   <p:cSld>
     <p:spTree>
       <p:nvGrpSpPr>
-        <p:cNvPr id="180" name="Shape 180"/>
+        <p:cNvPr id="177" name="Shape 177"/>
         <p:cNvGrpSpPr/>
         <p:nvPr/>
       </p:nvGrpSpPr>
@@ -11087,7 +11044,7 @@
       </p:grpSpPr>
       <p:sp>
         <p:nvSpPr>
-          <p:cNvPr id="181" name="Google Shape;181;p21"/>
+          <p:cNvPr id="178" name="Google Shape;178;p21"/>
           <p:cNvSpPr txBox="1"/>
           <p:nvPr>
             <p:ph type="title"/>
@@ -11095,8 +11052,8 @@
         </p:nvSpPr>
         <p:spPr>
           <a:xfrm>
-            <a:off x="1297500" y="393750"/>
-            <a:ext cx="7038900" cy="914100"/>
+            <a:off x="819150" y="845600"/>
+            <a:ext cx="7505700" cy="954600"/>
           </a:xfrm>
           <a:prstGeom prst="rect">
             <a:avLst/>
@@ -11127,7 +11084,7 @@
       </p:sp>
       <p:sp>
         <p:nvSpPr>
-          <p:cNvPr id="182" name="Google Shape;182;p21"/>
+          <p:cNvPr id="179" name="Google Shape;179;p21"/>
           <p:cNvSpPr txBox="1"/>
           <p:nvPr>
             <p:ph idx="1" type="body"/>
@@ -11135,8 +11092,8 @@
         </p:nvSpPr>
         <p:spPr>
           <a:xfrm>
-            <a:off x="1297500" y="1567550"/>
-            <a:ext cx="7038900" cy="2911200"/>
+            <a:off x="819150" y="1990725"/>
+            <a:ext cx="7505700" cy="2448000"/>
           </a:xfrm>
           <a:prstGeom prst="rect">
             <a:avLst/>
@@ -11236,7 +11193,7 @@
       </p:sp>
       <p:pic>
         <p:nvPicPr>
-          <p:cNvPr id="183" name="Google Shape;183;p21"/>
+          <p:cNvPr id="180" name="Google Shape;180;p21"/>
           <p:cNvPicPr preferRelativeResize="0"/>
           <p:nvPr/>
         </p:nvPicPr>
@@ -11271,44 +11228,44 @@
 </file>
 
 <file path=ppt/theme/theme1.xml><?xml version="1.0" encoding="utf-8"?>
-<a:theme xmlns:a="http://schemas.openxmlformats.org/drawingml/2006/main" xmlns:r="http://schemas.openxmlformats.org/officeDocument/2006/relationships" name="Focus">
+<a:theme xmlns:a="http://schemas.openxmlformats.org/drawingml/2006/main" xmlns:r="http://schemas.openxmlformats.org/officeDocument/2006/relationships" name="Shift">
   <a:themeElements>
-    <a:clrScheme name="Focus">
+    <a:clrScheme name="Shift">
       <a:dk1>
-        <a:srgbClr val="1B212C"/>
+        <a:srgbClr val="FFFFFF"/>
       </a:dk1>
       <a:lt1>
-        <a:srgbClr val="FFFFFF"/>
+        <a:srgbClr val="AF7B51"/>
       </a:lt1>
       <a:dk2>
-        <a:srgbClr val="D9D9D9"/>
+        <a:srgbClr val="233A44"/>
       </a:dk2>
       <a:lt2>
-        <a:srgbClr val="82C7A5"/>
+        <a:srgbClr val="D9D9D9"/>
       </a:lt2>
       <a:accent1>
-        <a:srgbClr val="0145AC"/>
+        <a:srgbClr val="00796B"/>
       </a:accent1>
       <a:accent2>
-        <a:srgbClr val="EECE1A"/>
+        <a:srgbClr val="D9563F"/>
       </a:accent2>
       <a:accent3>
-        <a:srgbClr val="4E5567"/>
+        <a:srgbClr val="C4A15A"/>
       </a:accent3>
       <a:accent4>
-        <a:srgbClr val="F4D6AD"/>
+        <a:srgbClr val="14F597"/>
       </a:accent4>
       <a:accent5>
-        <a:srgbClr val="7890CD"/>
+        <a:srgbClr val="3D4594"/>
       </a:accent5>
       <a:accent6>
-        <a:srgbClr val="F15E22"/>
+        <a:srgbClr val="163EF5"/>
       </a:accent6>
       <a:hlink>
-        <a:srgbClr val="7890CD"/>
+        <a:srgbClr val="3D4594"/>
       </a:hlink>
       <a:folHlink>
-        <a:srgbClr val="7890CD"/>
+        <a:srgbClr val="3D4594"/>
       </a:folHlink>
     </a:clrScheme>
     <a:fontScheme name="Office">

--- a/Documents/Project Design/Project Design.pptx
+++ b/Documents/Project Design/Project Design.pptx
@@ -18,16 +18,18 @@
     <p:sldId id="263" r:id="rId13"/>
     <p:sldId id="264" r:id="rId14"/>
     <p:sldId id="265" r:id="rId15"/>
+    <p:sldId id="266" r:id="rId16"/>
+    <p:sldId id="267" r:id="rId17"/>
   </p:sldIdLst>
   <p:sldSz cy="5143500" cx="9144000"/>
   <p:notesSz cx="6858000" cy="9144000"/>
   <p:embeddedFontLst>
     <p:embeddedFont>
       <p:font typeface="Nunito"/>
-      <p:regular r:id="rId16"/>
-      <p:bold r:id="rId17"/>
-      <p:italic r:id="rId18"/>
-      <p:boldItalic r:id="rId19"/>
+      <p:regular r:id="rId18"/>
+      <p:bold r:id="rId19"/>
+      <p:italic r:id="rId20"/>
+      <p:boldItalic r:id="rId21"/>
     </p:embeddedFont>
   </p:embeddedFontLst>
   <p:defaultTextStyle>
@@ -858,6 +860,204 @@
       <p:sp>
         <p:nvSpPr>
           <p:cNvPr id="183" name="Google Shape;183;g387f2e334ed_0_303:notes"/>
+          <p:cNvSpPr txBox="1"/>
+          <p:nvPr>
+            <p:ph idx="1" type="body"/>
+          </p:nvPr>
+        </p:nvSpPr>
+        <p:spPr>
+          <a:xfrm>
+            <a:off x="685800" y="4343400"/>
+            <a:ext cx="5486400" cy="4114800"/>
+          </a:xfrm>
+          <a:prstGeom prst="rect">
+            <a:avLst/>
+          </a:prstGeom>
+        </p:spPr>
+        <p:txBody>
+          <a:bodyPr anchorCtr="0" anchor="t" bIns="91425" lIns="91425" spcFirstLastPara="1" rIns="91425" wrap="square" tIns="91425">
+            <a:noAutofit/>
+          </a:bodyPr>
+          <a:lstStyle/>
+          <a:p>
+            <a:pPr indent="0" lvl="0" marL="0" rtl="0" algn="l">
+              <a:spcBef>
+                <a:spcPts val="0"/>
+              </a:spcBef>
+              <a:spcAft>
+                <a:spcPts val="0"/>
+              </a:spcAft>
+              <a:buNone/>
+            </a:pPr>
+            <a:r>
+              <a:t/>
+            </a:r>
+            <a:endParaRPr/>
+          </a:p>
+        </p:txBody>
+      </p:sp>
+    </p:spTree>
+  </p:cSld>
+  <p:clrMapOvr>
+    <a:masterClrMapping/>
+  </p:clrMapOvr>
+</p:notes>
+</file>
+
+<file path=ppt/notesSlides/notesSlide11.xml><?xml version="1.0" encoding="utf-8"?>
+<p:notes xmlns:a="http://schemas.openxmlformats.org/drawingml/2006/main" xmlns:r="http://schemas.openxmlformats.org/officeDocument/2006/relationships" xmlns:mc="http://schemas.openxmlformats.org/markup-compatibility/2006" xmlns:mv="urn:schemas-microsoft-com:mac:vml" xmlns:p="http://schemas.openxmlformats.org/presentationml/2006/main" xmlns:c="http://schemas.openxmlformats.org/drawingml/2006/chart" xmlns:dgm="http://schemas.openxmlformats.org/drawingml/2006/diagram" xmlns:o="urn:schemas-microsoft-com:office:office" xmlns:v="urn:schemas-microsoft-com:vml" xmlns:pvml="urn:schemas-microsoft-com:office:powerpoint" xmlns:com="http://schemas.openxmlformats.org/drawingml/2006/compatibility" xmlns:p14="http://schemas.microsoft.com/office/powerpoint/2010/main" xmlns:p15="http://schemas.microsoft.com/office/powerpoint/2012/main" xmlns:ahyp="http://schemas.microsoft.com/office/drawing/2018/hyperlinkcolor" showMasterPhAnim="0" showMasterSp="0">
+  <p:cSld>
+    <p:spTree>
+      <p:nvGrpSpPr>
+        <p:cNvPr id="188" name="Shape 188"/>
+        <p:cNvGrpSpPr/>
+        <p:nvPr/>
+      </p:nvGrpSpPr>
+      <p:grpSpPr>
+        <a:xfrm>
+          <a:off x="0" y="0"/>
+          <a:ext cx="0" cy="0"/>
+          <a:chOff x="0" y="0"/>
+          <a:chExt cx="0" cy="0"/>
+        </a:xfrm>
+      </p:grpSpPr>
+      <p:sp>
+        <p:nvSpPr>
+          <p:cNvPr id="189" name="Google Shape;189;g3892e553a8c_0_124:notes"/>
+          <p:cNvSpPr/>
+          <p:nvPr>
+            <p:ph idx="2" type="sldImg"/>
+          </p:nvPr>
+        </p:nvSpPr>
+        <p:spPr>
+          <a:xfrm>
+            <a:off x="381300" y="685800"/>
+            <a:ext cx="6096000" cy="3429000"/>
+          </a:xfrm>
+          <a:custGeom>
+            <a:rect b="b" l="l" r="r" t="t"/>
+            <a:pathLst>
+              <a:path extrusionOk="0" h="120000" w="120000">
+                <a:moveTo>
+                  <a:pt x="0" y="0"/>
+                </a:moveTo>
+                <a:lnTo>
+                  <a:pt x="120000" y="0"/>
+                </a:lnTo>
+                <a:lnTo>
+                  <a:pt x="120000" y="120000"/>
+                </a:lnTo>
+                <a:lnTo>
+                  <a:pt x="0" y="120000"/>
+                </a:lnTo>
+                <a:close/>
+              </a:path>
+            </a:pathLst>
+          </a:custGeom>
+        </p:spPr>
+      </p:sp>
+      <p:sp>
+        <p:nvSpPr>
+          <p:cNvPr id="190" name="Google Shape;190;g3892e553a8c_0_124:notes"/>
+          <p:cNvSpPr txBox="1"/>
+          <p:nvPr>
+            <p:ph idx="1" type="body"/>
+          </p:nvPr>
+        </p:nvSpPr>
+        <p:spPr>
+          <a:xfrm>
+            <a:off x="685800" y="4343400"/>
+            <a:ext cx="5486400" cy="4114800"/>
+          </a:xfrm>
+          <a:prstGeom prst="rect">
+            <a:avLst/>
+          </a:prstGeom>
+        </p:spPr>
+        <p:txBody>
+          <a:bodyPr anchorCtr="0" anchor="t" bIns="91425" lIns="91425" spcFirstLastPara="1" rIns="91425" wrap="square" tIns="91425">
+            <a:noAutofit/>
+          </a:bodyPr>
+          <a:lstStyle/>
+          <a:p>
+            <a:pPr indent="0" lvl="0" marL="0" rtl="0" algn="l">
+              <a:spcBef>
+                <a:spcPts val="0"/>
+              </a:spcBef>
+              <a:spcAft>
+                <a:spcPts val="0"/>
+              </a:spcAft>
+              <a:buNone/>
+            </a:pPr>
+            <a:r>
+              <a:t/>
+            </a:r>
+            <a:endParaRPr/>
+          </a:p>
+        </p:txBody>
+      </p:sp>
+    </p:spTree>
+  </p:cSld>
+  <p:clrMapOvr>
+    <a:masterClrMapping/>
+  </p:clrMapOvr>
+</p:notes>
+</file>
+
+<file path=ppt/notesSlides/notesSlide12.xml><?xml version="1.0" encoding="utf-8"?>
+<p:notes xmlns:a="http://schemas.openxmlformats.org/drawingml/2006/main" xmlns:r="http://schemas.openxmlformats.org/officeDocument/2006/relationships" xmlns:mc="http://schemas.openxmlformats.org/markup-compatibility/2006" xmlns:mv="urn:schemas-microsoft-com:mac:vml" xmlns:p="http://schemas.openxmlformats.org/presentationml/2006/main" xmlns:c="http://schemas.openxmlformats.org/drawingml/2006/chart" xmlns:dgm="http://schemas.openxmlformats.org/drawingml/2006/diagram" xmlns:o="urn:schemas-microsoft-com:office:office" xmlns:v="urn:schemas-microsoft-com:vml" xmlns:pvml="urn:schemas-microsoft-com:office:powerpoint" xmlns:com="http://schemas.openxmlformats.org/drawingml/2006/compatibility" xmlns:p14="http://schemas.microsoft.com/office/powerpoint/2010/main" xmlns:p15="http://schemas.microsoft.com/office/powerpoint/2012/main" xmlns:ahyp="http://schemas.microsoft.com/office/drawing/2018/hyperlinkcolor" showMasterPhAnim="0" showMasterSp="0">
+  <p:cSld>
+    <p:spTree>
+      <p:nvGrpSpPr>
+        <p:cNvPr id="194" name="Shape 194"/>
+        <p:cNvGrpSpPr/>
+        <p:nvPr/>
+      </p:nvGrpSpPr>
+      <p:grpSpPr>
+        <a:xfrm>
+          <a:off x="0" y="0"/>
+          <a:ext cx="0" cy="0"/>
+          <a:chOff x="0" y="0"/>
+          <a:chExt cx="0" cy="0"/>
+        </a:xfrm>
+      </p:grpSpPr>
+      <p:sp>
+        <p:nvSpPr>
+          <p:cNvPr id="195" name="Google Shape;195;g3892e553a8c_0_129:notes"/>
+          <p:cNvSpPr/>
+          <p:nvPr>
+            <p:ph idx="2" type="sldImg"/>
+          </p:nvPr>
+        </p:nvSpPr>
+        <p:spPr>
+          <a:xfrm>
+            <a:off x="381300" y="685800"/>
+            <a:ext cx="6096000" cy="3429000"/>
+          </a:xfrm>
+          <a:custGeom>
+            <a:rect b="b" l="l" r="r" t="t"/>
+            <a:pathLst>
+              <a:path extrusionOk="0" h="120000" w="120000">
+                <a:moveTo>
+                  <a:pt x="0" y="0"/>
+                </a:moveTo>
+                <a:lnTo>
+                  <a:pt x="120000" y="0"/>
+                </a:lnTo>
+                <a:lnTo>
+                  <a:pt x="120000" y="120000"/>
+                </a:lnTo>
+                <a:lnTo>
+                  <a:pt x="0" y="120000"/>
+                </a:lnTo>
+                <a:close/>
+              </a:path>
+            </a:pathLst>
+          </a:custGeom>
+        </p:spPr>
+      </p:sp>
+      <p:sp>
+        <p:nvSpPr>
+          <p:cNvPr id="196" name="Google Shape;196;g3892e553a8c_0_129:notes"/>
           <p:cNvSpPr txBox="1"/>
           <p:nvPr>
             <p:ph idx="1" type="body"/>
@@ -9822,14 +10022,14 @@
             <a:r>
               <a:rPr lang="en">
                 <a:solidFill>
-                  <a:schemeClr val="dk1"/>
+                  <a:schemeClr val="dk2"/>
                 </a:solidFill>
               </a:rPr>
               <a:t>Atlas Itinerary</a:t>
             </a:r>
             <a:endParaRPr>
               <a:solidFill>
-                <a:schemeClr val="dk1"/>
+                <a:schemeClr val="dk2"/>
               </a:solidFill>
             </a:endParaRPr>
           </a:p>
@@ -9845,7 +10045,7 @@
         </p:nvSpPr>
         <p:spPr>
           <a:xfrm>
-            <a:off x="271225" y="3924925"/>
+            <a:off x="384300" y="3378600"/>
             <a:ext cx="8759700" cy="506100"/>
           </a:xfrm>
           <a:prstGeom prst="rect">
@@ -9870,7 +10070,7 @@
             <a:r>
               <a:rPr lang="en" sz="2400">
                 <a:solidFill>
-                  <a:schemeClr val="dk1"/>
+                  <a:schemeClr val="dk2"/>
                 </a:solidFill>
                 <a:latin typeface="Times New Roman"/>
                 <a:ea typeface="Times New Roman"/>
@@ -9881,7 +10081,7 @@
             </a:r>
             <a:endParaRPr sz="2400">
               <a:solidFill>
-                <a:schemeClr val="dk1"/>
+                <a:schemeClr val="dk2"/>
               </a:solidFill>
               <a:highlight>
                 <a:srgbClr val="FFFFFF"/>
@@ -9984,7 +10184,7 @@
         </p:nvSpPr>
         <p:spPr>
           <a:xfrm>
-            <a:off x="819150" y="1990725"/>
+            <a:off x="66625" y="1537675"/>
             <a:ext cx="7505700" cy="2448000"/>
           </a:xfrm>
           <a:prstGeom prst="rect">
@@ -9997,55 +10197,38 @@
           </a:bodyPr>
           <a:lstStyle/>
           <a:p>
-            <a:pPr indent="-311150" lvl="0" marL="457200" rtl="0" algn="l">
-              <a:spcBef>
-                <a:spcPts val="0"/>
-              </a:spcBef>
-              <a:spcAft>
-                <a:spcPts val="0"/>
-              </a:spcAft>
-              <a:buSzPts val="1300"/>
+            <a:pPr indent="-368300" lvl="0" marL="457200" rtl="0" algn="l">
+              <a:spcBef>
+                <a:spcPts val="0"/>
+              </a:spcBef>
+              <a:spcAft>
+                <a:spcPts val="0"/>
+              </a:spcAft>
+              <a:buSzPts val="2200"/>
               <a:buChar char="●"/>
             </a:pPr>
             <a:r>
-              <a:rPr lang="en"/>
-              <a:t>Why Supa?</a:t>
+              <a:rPr lang="en" sz="2200"/>
+              <a:t>How it will help</a:t>
             </a:r>
-            <a:endParaRPr/>
+            <a:endParaRPr sz="2200"/>
           </a:p>
           <a:p>
-            <a:pPr indent="-311150" lvl="0" marL="457200" rtl="0" algn="l">
-              <a:spcBef>
-                <a:spcPts val="0"/>
-              </a:spcBef>
-              <a:spcAft>
-                <a:spcPts val="0"/>
-              </a:spcAft>
-              <a:buSzPts val="1300"/>
+            <a:pPr indent="-368300" lvl="0" marL="457200" rtl="0" algn="l">
+              <a:spcBef>
+                <a:spcPts val="0"/>
+              </a:spcBef>
+              <a:spcAft>
+                <a:spcPts val="0"/>
+              </a:spcAft>
+              <a:buSzPts val="2200"/>
               <a:buChar char="●"/>
             </a:pPr>
             <a:r>
-              <a:rPr lang="en"/>
-              <a:t>How it will help</a:t>
-            </a:r>
-            <a:endParaRPr/>
-          </a:p>
-          <a:p>
-            <a:pPr indent="-311150" lvl="0" marL="457200" rtl="0" algn="l">
-              <a:spcBef>
-                <a:spcPts val="0"/>
-              </a:spcBef>
-              <a:spcAft>
-                <a:spcPts val="0"/>
-              </a:spcAft>
-              <a:buSzPts val="1300"/>
-              <a:buChar char="●"/>
-            </a:pPr>
-            <a:r>
-              <a:rPr lang="en"/>
+              <a:rPr lang="en" sz="2200"/>
               <a:t>The entities of the database</a:t>
             </a:r>
-            <a:endParaRPr/>
+            <a:endParaRPr sz="2200"/>
           </a:p>
         </p:txBody>
       </p:sp>
@@ -10077,6 +10260,286 @@
           </a:ln>
         </p:spPr>
       </p:pic>
+    </p:spTree>
+  </p:cSld>
+  <p:clrMapOvr>
+    <a:masterClrMapping/>
+  </p:clrMapOvr>
+</p:sld>
+</file>
+
+<file path=ppt/slides/slide11.xml><?xml version="1.0" encoding="utf-8"?>
+<p:sld xmlns:a="http://schemas.openxmlformats.org/drawingml/2006/main" xmlns:r="http://schemas.openxmlformats.org/officeDocument/2006/relationships" xmlns:mc="http://schemas.openxmlformats.org/markup-compatibility/2006" xmlns:mv="urn:schemas-microsoft-com:mac:vml" xmlns:p="http://schemas.openxmlformats.org/presentationml/2006/main" xmlns:c="http://schemas.openxmlformats.org/drawingml/2006/chart" xmlns:dgm="http://schemas.openxmlformats.org/drawingml/2006/diagram" xmlns:o="urn:schemas-microsoft-com:office:office" xmlns:v="urn:schemas-microsoft-com:vml" xmlns:pvml="urn:schemas-microsoft-com:office:powerpoint" xmlns:com="http://schemas.openxmlformats.org/drawingml/2006/compatibility" xmlns:p14="http://schemas.microsoft.com/office/powerpoint/2010/main" xmlns:p15="http://schemas.microsoft.com/office/powerpoint/2012/main" xmlns:ahyp="http://schemas.microsoft.com/office/drawing/2018/hyperlinkcolor">
+  <p:cSld>
+    <p:spTree>
+      <p:nvGrpSpPr>
+        <p:cNvPr id="191" name="Shape 191"/>
+        <p:cNvGrpSpPr/>
+        <p:nvPr/>
+      </p:nvGrpSpPr>
+      <p:grpSpPr>
+        <a:xfrm>
+          <a:off x="0" y="0"/>
+          <a:ext cx="0" cy="0"/>
+          <a:chOff x="0" y="0"/>
+          <a:chExt cx="0" cy="0"/>
+        </a:xfrm>
+      </p:grpSpPr>
+      <p:sp>
+        <p:nvSpPr>
+          <p:cNvPr id="192" name="Google Shape;192;p23"/>
+          <p:cNvSpPr txBox="1"/>
+          <p:nvPr>
+            <p:ph type="title"/>
+          </p:nvPr>
+        </p:nvSpPr>
+        <p:spPr>
+          <a:xfrm>
+            <a:off x="819150" y="845600"/>
+            <a:ext cx="7505700" cy="954600"/>
+          </a:xfrm>
+          <a:prstGeom prst="rect">
+            <a:avLst/>
+          </a:prstGeom>
+        </p:spPr>
+        <p:txBody>
+          <a:bodyPr anchorCtr="0" anchor="t" bIns="91425" lIns="91425" spcFirstLastPara="1" rIns="91425" wrap="square" tIns="91425">
+            <a:normAutofit/>
+          </a:bodyPr>
+          <a:lstStyle/>
+          <a:p>
+            <a:pPr indent="0" lvl="0" marL="0" rtl="0" algn="l">
+              <a:spcBef>
+                <a:spcPts val="0"/>
+              </a:spcBef>
+              <a:spcAft>
+                <a:spcPts val="0"/>
+              </a:spcAft>
+              <a:buNone/>
+            </a:pPr>
+            <a:r>
+              <a:rPr lang="en"/>
+              <a:t>VERCEL</a:t>
+            </a:r>
+            <a:endParaRPr/>
+          </a:p>
+        </p:txBody>
+      </p:sp>
+      <p:sp>
+        <p:nvSpPr>
+          <p:cNvPr id="193" name="Google Shape;193;p23"/>
+          <p:cNvSpPr txBox="1"/>
+          <p:nvPr>
+            <p:ph idx="1" type="body"/>
+          </p:nvPr>
+        </p:nvSpPr>
+        <p:spPr>
+          <a:xfrm>
+            <a:off x="819150" y="1990725"/>
+            <a:ext cx="7505700" cy="2448000"/>
+          </a:xfrm>
+          <a:prstGeom prst="rect">
+            <a:avLst/>
+          </a:prstGeom>
+        </p:spPr>
+        <p:txBody>
+          <a:bodyPr anchorCtr="0" anchor="t" bIns="91425" lIns="91425" spcFirstLastPara="1" rIns="91425" wrap="square" tIns="91425">
+            <a:normAutofit/>
+          </a:bodyPr>
+          <a:lstStyle/>
+          <a:p>
+            <a:pPr indent="-368300" lvl="0" marL="457200" rtl="0" algn="l">
+              <a:spcBef>
+                <a:spcPts val="0"/>
+              </a:spcBef>
+              <a:spcAft>
+                <a:spcPts val="0"/>
+              </a:spcAft>
+              <a:buSzPts val="2200"/>
+              <a:buChar char="●"/>
+            </a:pPr>
+            <a:r>
+              <a:rPr lang="en" sz="2200"/>
+              <a:t>Server base</a:t>
+            </a:r>
+            <a:endParaRPr sz="2200"/>
+          </a:p>
+          <a:p>
+            <a:pPr indent="-368300" lvl="0" marL="457200" rtl="0" algn="l">
+              <a:spcBef>
+                <a:spcPts val="0"/>
+              </a:spcBef>
+              <a:spcAft>
+                <a:spcPts val="0"/>
+              </a:spcAft>
+              <a:buSzPts val="2200"/>
+              <a:buChar char="●"/>
+            </a:pPr>
+            <a:r>
+              <a:rPr lang="en" sz="2200"/>
+              <a:t>Analytics</a:t>
+            </a:r>
+            <a:endParaRPr sz="2200"/>
+          </a:p>
+          <a:p>
+            <a:pPr indent="-368300" lvl="0" marL="457200" rtl="0" algn="l">
+              <a:spcBef>
+                <a:spcPts val="0"/>
+              </a:spcBef>
+              <a:spcAft>
+                <a:spcPts val="0"/>
+              </a:spcAft>
+              <a:buSzPts val="2200"/>
+              <a:buChar char="●"/>
+            </a:pPr>
+            <a:r>
+              <a:rPr lang="en" sz="2200"/>
+              <a:t>Breakdown</a:t>
+            </a:r>
+            <a:endParaRPr sz="2200"/>
+          </a:p>
+        </p:txBody>
+      </p:sp>
+    </p:spTree>
+  </p:cSld>
+  <p:clrMapOvr>
+    <a:masterClrMapping/>
+  </p:clrMapOvr>
+</p:sld>
+</file>
+
+<file path=ppt/slides/slide12.xml><?xml version="1.0" encoding="utf-8"?>
+<p:sld xmlns:a="http://schemas.openxmlformats.org/drawingml/2006/main" xmlns:r="http://schemas.openxmlformats.org/officeDocument/2006/relationships" xmlns:mc="http://schemas.openxmlformats.org/markup-compatibility/2006" xmlns:mv="urn:schemas-microsoft-com:mac:vml" xmlns:p="http://schemas.openxmlformats.org/presentationml/2006/main" xmlns:c="http://schemas.openxmlformats.org/drawingml/2006/chart" xmlns:dgm="http://schemas.openxmlformats.org/drawingml/2006/diagram" xmlns:o="urn:schemas-microsoft-com:office:office" xmlns:v="urn:schemas-microsoft-com:vml" xmlns:pvml="urn:schemas-microsoft-com:office:powerpoint" xmlns:com="http://schemas.openxmlformats.org/drawingml/2006/compatibility" xmlns:p14="http://schemas.microsoft.com/office/powerpoint/2010/main" xmlns:p15="http://schemas.microsoft.com/office/powerpoint/2012/main" xmlns:ahyp="http://schemas.microsoft.com/office/drawing/2018/hyperlinkcolor">
+  <p:cSld>
+    <p:spTree>
+      <p:nvGrpSpPr>
+        <p:cNvPr id="197" name="Shape 197"/>
+        <p:cNvGrpSpPr/>
+        <p:nvPr/>
+      </p:nvGrpSpPr>
+      <p:grpSpPr>
+        <a:xfrm>
+          <a:off x="0" y="0"/>
+          <a:ext cx="0" cy="0"/>
+          <a:chOff x="0" y="0"/>
+          <a:chExt cx="0" cy="0"/>
+        </a:xfrm>
+      </p:grpSpPr>
+      <p:sp>
+        <p:nvSpPr>
+          <p:cNvPr id="198" name="Google Shape;198;p24"/>
+          <p:cNvSpPr txBox="1"/>
+          <p:nvPr>
+            <p:ph type="title"/>
+          </p:nvPr>
+        </p:nvSpPr>
+        <p:spPr>
+          <a:xfrm>
+            <a:off x="819150" y="845600"/>
+            <a:ext cx="7505700" cy="954600"/>
+          </a:xfrm>
+          <a:prstGeom prst="rect">
+            <a:avLst/>
+          </a:prstGeom>
+        </p:spPr>
+        <p:txBody>
+          <a:bodyPr anchorCtr="0" anchor="t" bIns="91425" lIns="91425" spcFirstLastPara="1" rIns="91425" wrap="square" tIns="91425">
+            <a:normAutofit/>
+          </a:bodyPr>
+          <a:lstStyle/>
+          <a:p>
+            <a:pPr indent="0" lvl="0" marL="0" rtl="0" algn="l">
+              <a:spcBef>
+                <a:spcPts val="0"/>
+              </a:spcBef>
+              <a:spcAft>
+                <a:spcPts val="0"/>
+              </a:spcAft>
+              <a:buNone/>
+            </a:pPr>
+            <a:r>
+              <a:rPr lang="en"/>
+              <a:t>Why each Software Program was chosen</a:t>
+            </a:r>
+            <a:endParaRPr/>
+          </a:p>
+        </p:txBody>
+      </p:sp>
+      <p:sp>
+        <p:nvSpPr>
+          <p:cNvPr id="199" name="Google Shape;199;p24"/>
+          <p:cNvSpPr txBox="1"/>
+          <p:nvPr>
+            <p:ph idx="1" type="body"/>
+          </p:nvPr>
+        </p:nvSpPr>
+        <p:spPr>
+          <a:xfrm>
+            <a:off x="819150" y="1990725"/>
+            <a:ext cx="7505700" cy="2448000"/>
+          </a:xfrm>
+          <a:prstGeom prst="rect">
+            <a:avLst/>
+          </a:prstGeom>
+        </p:spPr>
+        <p:txBody>
+          <a:bodyPr anchorCtr="0" anchor="t" bIns="91425" lIns="91425" spcFirstLastPara="1" rIns="91425" wrap="square" tIns="91425">
+            <a:normAutofit/>
+          </a:bodyPr>
+          <a:lstStyle/>
+          <a:p>
+            <a:pPr indent="-368300" lvl="0" marL="457200" rtl="0" algn="l">
+              <a:spcBef>
+                <a:spcPts val="0"/>
+              </a:spcBef>
+              <a:spcAft>
+                <a:spcPts val="0"/>
+              </a:spcAft>
+              <a:buSzPts val="2200"/>
+              <a:buChar char="●"/>
+            </a:pPr>
+            <a:r>
+              <a:rPr lang="en" sz="2200"/>
+              <a:t>Familiarity and ease of use with React</a:t>
+            </a:r>
+            <a:endParaRPr sz="2200"/>
+          </a:p>
+          <a:p>
+            <a:pPr indent="-368300" lvl="0" marL="457200" rtl="0" algn="l">
+              <a:spcBef>
+                <a:spcPts val="0"/>
+              </a:spcBef>
+              <a:spcAft>
+                <a:spcPts val="0"/>
+              </a:spcAft>
+              <a:buSzPts val="2200"/>
+              <a:buChar char="●"/>
+            </a:pPr>
+            <a:r>
+              <a:rPr lang="en" sz="2200"/>
+              <a:t>Compatibility with Supa</a:t>
+            </a:r>
+            <a:endParaRPr sz="2200"/>
+          </a:p>
+          <a:p>
+            <a:pPr indent="-368300" lvl="0" marL="457200" rtl="0" algn="l">
+              <a:spcBef>
+                <a:spcPts val="0"/>
+              </a:spcBef>
+              <a:spcAft>
+                <a:spcPts val="0"/>
+              </a:spcAft>
+              <a:buSzPts val="2200"/>
+              <a:buChar char="●"/>
+            </a:pPr>
+            <a:r>
+              <a:rPr lang="en" sz="2200"/>
+              <a:t>Simplicity with Vercel</a:t>
+            </a:r>
+            <a:endParaRPr sz="2200"/>
+          </a:p>
+        </p:txBody>
+      </p:sp>
     </p:spTree>
   </p:cSld>
   <p:clrMapOvr>
@@ -10283,19 +10746,42 @@
           </a:bodyPr>
           <a:lstStyle/>
           <a:p>
-            <a:pPr indent="0" lvl="0" marL="0" rtl="0" algn="l">
-              <a:spcBef>
-                <a:spcPts val="0"/>
-              </a:spcBef>
-              <a:spcAft>
-                <a:spcPts val="1200"/>
-              </a:spcAft>
-              <a:buNone/>
+            <a:pPr indent="-368300" lvl="0" marL="457200" rtl="0" algn="l">
+              <a:spcBef>
+                <a:spcPts val="0"/>
+              </a:spcBef>
+              <a:spcAft>
+                <a:spcPts val="0"/>
+              </a:spcAft>
+              <a:buSzPts val="2200"/>
+              <a:buChar char="●"/>
             </a:pPr>
             <a:r>
-              <a:t/>
+              <a:rPr lang="en" sz="2200"/>
+              <a:t>Google API </a:t>
             </a:r>
-            <a:endParaRPr/>
+            <a:r>
+              <a:rPr lang="en" sz="2200"/>
+              <a:t>backbone</a:t>
+            </a:r>
+            <a:endParaRPr sz="2200"/>
+          </a:p>
+          <a:p>
+            <a:pPr indent="-368300" lvl="0" marL="457200" rtl="0" algn="l">
+              <a:spcBef>
+                <a:spcPts val="0"/>
+              </a:spcBef>
+              <a:spcAft>
+                <a:spcPts val="0"/>
+              </a:spcAft>
+              <a:buSzPts val="2200"/>
+              <a:buChar char="●"/>
+            </a:pPr>
+            <a:r>
+              <a:rPr lang="en" sz="2200"/>
+              <a:t>Link to Sign-in page</a:t>
+            </a:r>
+            <a:endParaRPr sz="2200"/>
           </a:p>
         </p:txBody>
       </p:sp>
@@ -10600,97 +11086,97 @@
           </a:bodyPr>
           <a:lstStyle/>
           <a:p>
-            <a:pPr indent="-311150" lvl="0" marL="457200" rtl="0" algn="l">
-              <a:spcBef>
-                <a:spcPts val="0"/>
-              </a:spcBef>
-              <a:spcAft>
-                <a:spcPts val="0"/>
-              </a:spcAft>
-              <a:buSzPts val="1300"/>
+            <a:pPr indent="-368300" lvl="0" marL="457200" rtl="0" algn="l">
+              <a:spcBef>
+                <a:spcPts val="0"/>
+              </a:spcBef>
+              <a:spcAft>
+                <a:spcPts val="0"/>
+              </a:spcAft>
+              <a:buSzPts val="2200"/>
               <a:buChar char="●"/>
             </a:pPr>
             <a:r>
-              <a:rPr lang="en"/>
+              <a:rPr lang="en" sz="2200"/>
               <a:t>Travel destination</a:t>
             </a:r>
-            <a:endParaRPr/>
+            <a:endParaRPr sz="2200"/>
           </a:p>
           <a:p>
-            <a:pPr indent="-311150" lvl="0" marL="457200" rtl="0" algn="l">
-              <a:spcBef>
-                <a:spcPts val="0"/>
-              </a:spcBef>
-              <a:spcAft>
-                <a:spcPts val="0"/>
-              </a:spcAft>
-              <a:buSzPts val="1300"/>
+            <a:pPr indent="-368300" lvl="0" marL="457200" rtl="0" algn="l">
+              <a:spcBef>
+                <a:spcPts val="0"/>
+              </a:spcBef>
+              <a:spcAft>
+                <a:spcPts val="0"/>
+              </a:spcAft>
+              <a:buSzPts val="2200"/>
               <a:buChar char="●"/>
             </a:pPr>
             <a:r>
-              <a:rPr lang="en"/>
+              <a:rPr lang="en" sz="2200"/>
               <a:t>Geolocating</a:t>
             </a:r>
-            <a:endParaRPr/>
+            <a:endParaRPr sz="2200"/>
           </a:p>
           <a:p>
-            <a:pPr indent="-311150" lvl="0" marL="457200" rtl="0" algn="l">
-              <a:spcBef>
-                <a:spcPts val="0"/>
-              </a:spcBef>
-              <a:spcAft>
-                <a:spcPts val="0"/>
-              </a:spcAft>
-              <a:buSzPts val="1300"/>
+            <a:pPr indent="-368300" lvl="0" marL="457200" rtl="0" algn="l">
+              <a:spcBef>
+                <a:spcPts val="0"/>
+              </a:spcBef>
+              <a:spcAft>
+                <a:spcPts val="0"/>
+              </a:spcAft>
+              <a:buSzPts val="2200"/>
               <a:buChar char="●"/>
             </a:pPr>
             <a:r>
-              <a:rPr lang="en"/>
+              <a:rPr lang="en" sz="2200"/>
               <a:t>Location </a:t>
             </a:r>
             <a:r>
-              <a:rPr lang="en"/>
+              <a:rPr lang="en" sz="2200"/>
               <a:t>categories</a:t>
             </a:r>
-            <a:endParaRPr/>
+            <a:endParaRPr sz="2200"/>
           </a:p>
           <a:p>
-            <a:pPr indent="-311150" lvl="0" marL="457200" rtl="0" algn="l">
-              <a:spcBef>
-                <a:spcPts val="0"/>
-              </a:spcBef>
-              <a:spcAft>
-                <a:spcPts val="0"/>
-              </a:spcAft>
-              <a:buSzPts val="1300"/>
+            <a:pPr indent="-368300" lvl="0" marL="457200" rtl="0" algn="l">
+              <a:spcBef>
+                <a:spcPts val="0"/>
+              </a:spcBef>
+              <a:spcAft>
+                <a:spcPts val="0"/>
+              </a:spcAft>
+              <a:buSzPts val="2200"/>
               <a:buChar char="●"/>
             </a:pPr>
             <a:r>
-              <a:rPr lang="en"/>
+              <a:rPr lang="en" sz="2200"/>
               <a:t>Subcategories</a:t>
             </a:r>
             <a:r>
-              <a:rPr lang="en"/>
+              <a:rPr lang="en" sz="2200"/>
               <a:t> in the filter</a:t>
             </a:r>
-            <a:endParaRPr/>
+            <a:endParaRPr sz="2200"/>
           </a:p>
           <a:p>
-            <a:pPr indent="-311150" lvl="0" marL="457200" rtl="0" algn="l">
-              <a:spcBef>
-                <a:spcPts val="0"/>
-              </a:spcBef>
-              <a:spcAft>
-                <a:spcPts val="0"/>
-              </a:spcAft>
-              <a:buSzPts val="1300"/>
+            <a:pPr indent="-368300" lvl="0" marL="457200" rtl="0" algn="l">
+              <a:spcBef>
+                <a:spcPts val="0"/>
+              </a:spcBef>
+              <a:spcAft>
+                <a:spcPts val="0"/>
+              </a:spcAft>
+              <a:buSzPts val="2200"/>
               <a:buChar char="●"/>
             </a:pPr>
             <a:r>
-              <a:rPr lang="en"/>
+              <a:rPr lang="en" sz="2200"/>
               <a:t>Successful Completion</a:t>
             </a:r>
-            <a:endParaRPr/>
+            <a:endParaRPr sz="2200"/>
           </a:p>
         </p:txBody>
       </p:sp>
@@ -10825,7 +11311,7 @@
         </p:nvSpPr>
         <p:spPr>
           <a:xfrm>
-            <a:off x="819150" y="1990725"/>
+            <a:off x="424450" y="1800200"/>
             <a:ext cx="7505700" cy="2448000"/>
           </a:xfrm>
           <a:prstGeom prst="rect">
@@ -10838,89 +11324,89 @@
           </a:bodyPr>
           <a:lstStyle/>
           <a:p>
-            <a:pPr indent="-336550" lvl="0" marL="457200" rtl="0" algn="l">
-              <a:spcBef>
-                <a:spcPts val="0"/>
-              </a:spcBef>
-              <a:spcAft>
-                <a:spcPts val="0"/>
-              </a:spcAft>
-              <a:buSzPts val="1700"/>
+            <a:pPr indent="-368300" lvl="0" marL="457200" rtl="0" algn="l">
+              <a:spcBef>
+                <a:spcPts val="0"/>
+              </a:spcBef>
+              <a:spcAft>
+                <a:spcPts val="0"/>
+              </a:spcAft>
+              <a:buSzPts val="2200"/>
               <a:buChar char="●"/>
             </a:pPr>
             <a:r>
-              <a:rPr lang="en" sz="1700"/>
+              <a:rPr lang="en" sz="2200"/>
               <a:t>Empty Page</a:t>
             </a:r>
-            <a:endParaRPr sz="1700"/>
+            <a:endParaRPr sz="2200"/>
           </a:p>
           <a:p>
-            <a:pPr indent="-336550" lvl="0" marL="457200" rtl="0" algn="l">
-              <a:spcBef>
-                <a:spcPts val="0"/>
-              </a:spcBef>
-              <a:spcAft>
-                <a:spcPts val="0"/>
-              </a:spcAft>
-              <a:buSzPts val="1700"/>
+            <a:pPr indent="-368300" lvl="0" marL="457200" rtl="0" algn="l">
+              <a:spcBef>
+                <a:spcPts val="0"/>
+              </a:spcBef>
+              <a:spcAft>
+                <a:spcPts val="0"/>
+              </a:spcAft>
+              <a:buSzPts val="2200"/>
               <a:buChar char="●"/>
             </a:pPr>
             <a:r>
-              <a:rPr lang="en" sz="1700"/>
+              <a:rPr lang="en" sz="2200"/>
               <a:t>Card Presentation (and Contents)</a:t>
             </a:r>
-            <a:endParaRPr sz="1700"/>
+            <a:endParaRPr sz="2200"/>
           </a:p>
           <a:p>
-            <a:pPr indent="-336550" lvl="0" marL="457200" rtl="0" algn="l">
-              <a:spcBef>
-                <a:spcPts val="0"/>
-              </a:spcBef>
-              <a:spcAft>
-                <a:spcPts val="0"/>
-              </a:spcAft>
-              <a:buSzPts val="1700"/>
+            <a:pPr indent="-368300" lvl="0" marL="457200" rtl="0" algn="l">
+              <a:spcBef>
+                <a:spcPts val="0"/>
+              </a:spcBef>
+              <a:spcAft>
+                <a:spcPts val="0"/>
+              </a:spcAft>
+              <a:buSzPts val="2200"/>
               <a:buChar char="●"/>
             </a:pPr>
             <a:r>
-              <a:rPr lang="en" sz="1700"/>
+              <a:rPr lang="en" sz="2200"/>
               <a:t>Expanded cards</a:t>
             </a:r>
-            <a:endParaRPr sz="1700"/>
+            <a:endParaRPr sz="2200"/>
           </a:p>
           <a:p>
-            <a:pPr indent="-336550" lvl="0" marL="457200" rtl="0" algn="l">
-              <a:spcBef>
-                <a:spcPts val="0"/>
-              </a:spcBef>
-              <a:spcAft>
-                <a:spcPts val="0"/>
-              </a:spcAft>
-              <a:buSzPts val="1700"/>
+            <a:pPr indent="-368300" lvl="0" marL="457200" rtl="0" algn="l">
+              <a:spcBef>
+                <a:spcPts val="0"/>
+              </a:spcBef>
+              <a:spcAft>
+                <a:spcPts val="0"/>
+              </a:spcAft>
+              <a:buSzPts val="2200"/>
               <a:buChar char="●"/>
             </a:pPr>
             <a:r>
-              <a:rPr lang="en" sz="1700"/>
+              <a:rPr lang="en" sz="2200"/>
               <a:t>Edit mode (both event and day)</a:t>
             </a:r>
-            <a:endParaRPr sz="1700"/>
+            <a:endParaRPr sz="2200"/>
           </a:p>
           <a:p>
-            <a:pPr indent="-336550" lvl="0" marL="457200" rtl="0" algn="l">
-              <a:spcBef>
-                <a:spcPts val="0"/>
-              </a:spcBef>
-              <a:spcAft>
-                <a:spcPts val="0"/>
-              </a:spcAft>
-              <a:buSzPts val="1700"/>
+            <a:pPr indent="-368300" lvl="0" marL="457200" rtl="0" algn="l">
+              <a:spcBef>
+                <a:spcPts val="0"/>
+              </a:spcBef>
+              <a:spcAft>
+                <a:spcPts val="0"/>
+              </a:spcAft>
+              <a:buSzPts val="2200"/>
               <a:buChar char="●"/>
             </a:pPr>
             <a:r>
-              <a:rPr lang="en" sz="1700"/>
+              <a:rPr lang="en" sz="2200"/>
               <a:t>Warning</a:t>
             </a:r>
-            <a:endParaRPr sz="1700"/>
+            <a:endParaRPr sz="2200"/>
           </a:p>
         </p:txBody>
       </p:sp>
@@ -11092,7 +11578,7 @@
         </p:nvSpPr>
         <p:spPr>
           <a:xfrm>
-            <a:off x="819150" y="1990725"/>
+            <a:off x="106600" y="1800200"/>
             <a:ext cx="7505700" cy="2448000"/>
           </a:xfrm>
           <a:prstGeom prst="rect">
@@ -11105,89 +11591,89 @@
           </a:bodyPr>
           <a:lstStyle/>
           <a:p>
-            <a:pPr indent="-311150" lvl="0" marL="457200" rtl="0" algn="l">
-              <a:spcBef>
-                <a:spcPts val="0"/>
-              </a:spcBef>
-              <a:spcAft>
-                <a:spcPts val="0"/>
-              </a:spcAft>
-              <a:buSzPts val="1300"/>
+            <a:pPr indent="-368300" lvl="0" marL="457200" rtl="0" algn="l">
+              <a:spcBef>
+                <a:spcPts val="0"/>
+              </a:spcBef>
+              <a:spcAft>
+                <a:spcPts val="0"/>
+              </a:spcAft>
+              <a:buSzPts val="2200"/>
               <a:buChar char="●"/>
             </a:pPr>
             <a:r>
-              <a:rPr lang="en"/>
+              <a:rPr lang="en" sz="2200"/>
               <a:t>How it works</a:t>
             </a:r>
-            <a:endParaRPr/>
+            <a:endParaRPr sz="2200"/>
           </a:p>
           <a:p>
-            <a:pPr indent="-311150" lvl="0" marL="457200" rtl="0" algn="l">
-              <a:spcBef>
-                <a:spcPts val="0"/>
-              </a:spcBef>
-              <a:spcAft>
-                <a:spcPts val="0"/>
-              </a:spcAft>
-              <a:buSzPts val="1300"/>
+            <a:pPr indent="-368300" lvl="0" marL="457200" rtl="0" algn="l">
+              <a:spcBef>
+                <a:spcPts val="0"/>
+              </a:spcBef>
+              <a:spcAft>
+                <a:spcPts val="0"/>
+              </a:spcAft>
+              <a:buSzPts val="2200"/>
               <a:buChar char="●"/>
             </a:pPr>
             <a:r>
-              <a:rPr lang="en"/>
+              <a:rPr lang="en" sz="2200"/>
               <a:t>How it fits with the project</a:t>
             </a:r>
-            <a:endParaRPr/>
+            <a:endParaRPr sz="2200"/>
           </a:p>
           <a:p>
-            <a:pPr indent="-311150" lvl="0" marL="457200" rtl="0" algn="l">
-              <a:spcBef>
-                <a:spcPts val="0"/>
-              </a:spcBef>
-              <a:spcAft>
-                <a:spcPts val="0"/>
-              </a:spcAft>
-              <a:buSzPts val="1300"/>
+            <a:pPr indent="-368300" lvl="0" marL="457200" rtl="0" algn="l">
+              <a:spcBef>
+                <a:spcPts val="0"/>
+              </a:spcBef>
+              <a:spcAft>
+                <a:spcPts val="0"/>
+              </a:spcAft>
+              <a:buSzPts val="2200"/>
               <a:buChar char="●"/>
             </a:pPr>
             <a:r>
-              <a:rPr lang="en"/>
+              <a:rPr lang="en" sz="2200"/>
               <a:t>Examples of how it will be used</a:t>
             </a:r>
-            <a:endParaRPr/>
+            <a:endParaRPr sz="2200"/>
           </a:p>
           <a:p>
-            <a:pPr indent="-311150" lvl="0" marL="457200" rtl="0" algn="l">
-              <a:spcBef>
-                <a:spcPts val="0"/>
-              </a:spcBef>
-              <a:spcAft>
-                <a:spcPts val="0"/>
-              </a:spcAft>
-              <a:buSzPts val="1300"/>
+            <a:pPr indent="-368300" lvl="0" marL="457200" rtl="0" algn="l">
+              <a:spcBef>
+                <a:spcPts val="0"/>
+              </a:spcBef>
+              <a:spcAft>
+                <a:spcPts val="0"/>
+              </a:spcAft>
+              <a:buSzPts val="2200"/>
               <a:buChar char="●"/>
             </a:pPr>
             <a:r>
-              <a:rPr lang="en"/>
+              <a:rPr lang="en" sz="2200"/>
               <a:t>All of the many components</a:t>
             </a:r>
-            <a:endParaRPr/>
+            <a:endParaRPr sz="2200"/>
           </a:p>
           <a:p>
-            <a:pPr indent="-311150" lvl="0" marL="457200" rtl="0" algn="l">
-              <a:spcBef>
-                <a:spcPts val="0"/>
-              </a:spcBef>
-              <a:spcAft>
-                <a:spcPts val="0"/>
-              </a:spcAft>
-              <a:buSzPts val="1300"/>
+            <a:pPr indent="-368300" lvl="0" marL="457200" rtl="0" algn="l">
+              <a:spcBef>
+                <a:spcPts val="0"/>
+              </a:spcBef>
+              <a:spcAft>
+                <a:spcPts val="0"/>
+              </a:spcAft>
+              <a:buSzPts val="2200"/>
               <a:buChar char="●"/>
             </a:pPr>
             <a:r>
-              <a:rPr lang="en"/>
+              <a:rPr lang="en" sz="2200"/>
               <a:t>Sharing is caring (and more efficient)</a:t>
             </a:r>
-            <a:endParaRPr/>
+            <a:endParaRPr sz="2200"/>
           </a:p>
         </p:txBody>
       </p:sp>
@@ -11207,7 +11693,7 @@
         </p:blipFill>
         <p:spPr>
           <a:xfrm>
-            <a:off x="4572000" y="1847950"/>
+            <a:off x="4572000" y="0"/>
             <a:ext cx="4600499" cy="3295550"/>
           </a:xfrm>
           <a:prstGeom prst="rect">

--- a/Documents/Project Design/Project Design.pptx
+++ b/Documents/Project Design/Project Design.pptx
@@ -20,16 +20,21 @@
     <p:sldId id="265" r:id="rId15"/>
     <p:sldId id="266" r:id="rId16"/>
     <p:sldId id="267" r:id="rId17"/>
+    <p:sldId id="268" r:id="rId18"/>
+    <p:sldId id="269" r:id="rId19"/>
+    <p:sldId id="270" r:id="rId20"/>
+    <p:sldId id="271" r:id="rId21"/>
+    <p:sldId id="272" r:id="rId22"/>
   </p:sldIdLst>
   <p:sldSz cy="5143500" cx="9144000"/>
   <p:notesSz cx="6858000" cy="9144000"/>
   <p:embeddedFontLst>
     <p:embeddedFont>
       <p:font typeface="Nunito"/>
-      <p:regular r:id="rId18"/>
-      <p:bold r:id="rId19"/>
-      <p:italic r:id="rId20"/>
-      <p:boldItalic r:id="rId21"/>
+      <p:regular r:id="rId23"/>
+      <p:bold r:id="rId24"/>
+      <p:italic r:id="rId25"/>
+      <p:boldItalic r:id="rId26"/>
     </p:embeddedFont>
   </p:embeddedFontLst>
   <p:defaultTextStyle>
@@ -824,7 +829,7 @@
       </p:grpSpPr>
       <p:sp>
         <p:nvSpPr>
-          <p:cNvPr id="182" name="Google Shape;182;g387f2e334ed_0_303:notes"/>
+          <p:cNvPr id="182" name="Google Shape;182;g3892eb97007_0_27:notes"/>
           <p:cNvSpPr/>
           <p:nvPr>
             <p:ph idx="2" type="sldImg"/>
@@ -859,7 +864,7 @@
       </p:sp>
       <p:sp>
         <p:nvSpPr>
-          <p:cNvPr id="183" name="Google Shape;183;g387f2e334ed_0_303:notes"/>
+          <p:cNvPr id="183" name="Google Shape;183;g3892eb97007_0_27:notes"/>
           <p:cNvSpPr txBox="1"/>
           <p:nvPr>
             <p:ph idx="1" type="body"/>
@@ -909,7 +914,7 @@
   <p:cSld>
     <p:spTree>
       <p:nvGrpSpPr>
-        <p:cNvPr id="188" name="Shape 188"/>
+        <p:cNvPr id="186" name="Shape 186"/>
         <p:cNvGrpSpPr/>
         <p:nvPr/>
       </p:nvGrpSpPr>
@@ -923,7 +928,7 @@
       </p:grpSpPr>
       <p:sp>
         <p:nvSpPr>
-          <p:cNvPr id="189" name="Google Shape;189;g3892e553a8c_0_124:notes"/>
+          <p:cNvPr id="187" name="Google Shape;187;g3892eb97007_0_0:notes"/>
           <p:cNvSpPr/>
           <p:nvPr>
             <p:ph idx="2" type="sldImg"/>
@@ -958,7 +963,7 @@
       </p:sp>
       <p:sp>
         <p:nvSpPr>
-          <p:cNvPr id="190" name="Google Shape;190;g3892e553a8c_0_124:notes"/>
+          <p:cNvPr id="188" name="Google Shape;188;g3892eb97007_0_0:notes"/>
           <p:cNvSpPr txBox="1"/>
           <p:nvPr>
             <p:ph idx="1" type="body"/>
@@ -1008,7 +1013,7 @@
   <p:cSld>
     <p:spTree>
       <p:nvGrpSpPr>
-        <p:cNvPr id="194" name="Shape 194"/>
+        <p:cNvPr id="191" name="Shape 191"/>
         <p:cNvGrpSpPr/>
         <p:nvPr/>
       </p:nvGrpSpPr>
@@ -1022,7 +1027,7 @@
       </p:grpSpPr>
       <p:sp>
         <p:nvSpPr>
-          <p:cNvPr id="195" name="Google Shape;195;g3892e553a8c_0_129:notes"/>
+          <p:cNvPr id="192" name="Google Shape;192;g3892eb97007_0_9:notes"/>
           <p:cNvSpPr/>
           <p:nvPr>
             <p:ph idx="2" type="sldImg"/>
@@ -1057,7 +1062,502 @@
       </p:sp>
       <p:sp>
         <p:nvSpPr>
-          <p:cNvPr id="196" name="Google Shape;196;g3892e553a8c_0_129:notes"/>
+          <p:cNvPr id="193" name="Google Shape;193;g3892eb97007_0_9:notes"/>
+          <p:cNvSpPr txBox="1"/>
+          <p:nvPr>
+            <p:ph idx="1" type="body"/>
+          </p:nvPr>
+        </p:nvSpPr>
+        <p:spPr>
+          <a:xfrm>
+            <a:off x="685800" y="4343400"/>
+            <a:ext cx="5486400" cy="4114800"/>
+          </a:xfrm>
+          <a:prstGeom prst="rect">
+            <a:avLst/>
+          </a:prstGeom>
+        </p:spPr>
+        <p:txBody>
+          <a:bodyPr anchorCtr="0" anchor="t" bIns="91425" lIns="91425" spcFirstLastPara="1" rIns="91425" wrap="square" tIns="91425">
+            <a:noAutofit/>
+          </a:bodyPr>
+          <a:lstStyle/>
+          <a:p>
+            <a:pPr indent="0" lvl="0" marL="0" rtl="0" algn="l">
+              <a:spcBef>
+                <a:spcPts val="0"/>
+              </a:spcBef>
+              <a:spcAft>
+                <a:spcPts val="0"/>
+              </a:spcAft>
+              <a:buNone/>
+            </a:pPr>
+            <a:r>
+              <a:t/>
+            </a:r>
+            <a:endParaRPr/>
+          </a:p>
+        </p:txBody>
+      </p:sp>
+    </p:spTree>
+  </p:cSld>
+  <p:clrMapOvr>
+    <a:masterClrMapping/>
+  </p:clrMapOvr>
+</p:notes>
+</file>
+
+<file path=ppt/notesSlides/notesSlide13.xml><?xml version="1.0" encoding="utf-8"?>
+<p:notes xmlns:a="http://schemas.openxmlformats.org/drawingml/2006/main" xmlns:r="http://schemas.openxmlformats.org/officeDocument/2006/relationships" xmlns:mc="http://schemas.openxmlformats.org/markup-compatibility/2006" xmlns:mv="urn:schemas-microsoft-com:mac:vml" xmlns:p="http://schemas.openxmlformats.org/presentationml/2006/main" xmlns:c="http://schemas.openxmlformats.org/drawingml/2006/chart" xmlns:dgm="http://schemas.openxmlformats.org/drawingml/2006/diagram" xmlns:o="urn:schemas-microsoft-com:office:office" xmlns:v="urn:schemas-microsoft-com:vml" xmlns:pvml="urn:schemas-microsoft-com:office:powerpoint" xmlns:com="http://schemas.openxmlformats.org/drawingml/2006/compatibility" xmlns:p14="http://schemas.microsoft.com/office/powerpoint/2010/main" xmlns:p15="http://schemas.microsoft.com/office/powerpoint/2012/main" xmlns:ahyp="http://schemas.microsoft.com/office/drawing/2018/hyperlinkcolor" showMasterPhAnim="0" showMasterSp="0">
+  <p:cSld>
+    <p:spTree>
+      <p:nvGrpSpPr>
+        <p:cNvPr id="196" name="Shape 196"/>
+        <p:cNvGrpSpPr/>
+        <p:nvPr/>
+      </p:nvGrpSpPr>
+      <p:grpSpPr>
+        <a:xfrm>
+          <a:off x="0" y="0"/>
+          <a:ext cx="0" cy="0"/>
+          <a:chOff x="0" y="0"/>
+          <a:chExt cx="0" cy="0"/>
+        </a:xfrm>
+      </p:grpSpPr>
+      <p:sp>
+        <p:nvSpPr>
+          <p:cNvPr id="197" name="Google Shape;197;g3892eb97007_0_14:notes"/>
+          <p:cNvSpPr/>
+          <p:nvPr>
+            <p:ph idx="2" type="sldImg"/>
+          </p:nvPr>
+        </p:nvSpPr>
+        <p:spPr>
+          <a:xfrm>
+            <a:off x="381300" y="685800"/>
+            <a:ext cx="6096000" cy="3429000"/>
+          </a:xfrm>
+          <a:custGeom>
+            <a:rect b="b" l="l" r="r" t="t"/>
+            <a:pathLst>
+              <a:path extrusionOk="0" h="120000" w="120000">
+                <a:moveTo>
+                  <a:pt x="0" y="0"/>
+                </a:moveTo>
+                <a:lnTo>
+                  <a:pt x="120000" y="0"/>
+                </a:lnTo>
+                <a:lnTo>
+                  <a:pt x="120000" y="120000"/>
+                </a:lnTo>
+                <a:lnTo>
+                  <a:pt x="0" y="120000"/>
+                </a:lnTo>
+                <a:close/>
+              </a:path>
+            </a:pathLst>
+          </a:custGeom>
+        </p:spPr>
+      </p:sp>
+      <p:sp>
+        <p:nvSpPr>
+          <p:cNvPr id="198" name="Google Shape;198;g3892eb97007_0_14:notes"/>
+          <p:cNvSpPr txBox="1"/>
+          <p:nvPr>
+            <p:ph idx="1" type="body"/>
+          </p:nvPr>
+        </p:nvSpPr>
+        <p:spPr>
+          <a:xfrm>
+            <a:off x="685800" y="4343400"/>
+            <a:ext cx="5486400" cy="4114800"/>
+          </a:xfrm>
+          <a:prstGeom prst="rect">
+            <a:avLst/>
+          </a:prstGeom>
+        </p:spPr>
+        <p:txBody>
+          <a:bodyPr anchorCtr="0" anchor="t" bIns="91425" lIns="91425" spcFirstLastPara="1" rIns="91425" wrap="square" tIns="91425">
+            <a:noAutofit/>
+          </a:bodyPr>
+          <a:lstStyle/>
+          <a:p>
+            <a:pPr indent="0" lvl="0" marL="0" rtl="0" algn="l">
+              <a:spcBef>
+                <a:spcPts val="0"/>
+              </a:spcBef>
+              <a:spcAft>
+                <a:spcPts val="0"/>
+              </a:spcAft>
+              <a:buNone/>
+            </a:pPr>
+            <a:r>
+              <a:t/>
+            </a:r>
+            <a:endParaRPr/>
+          </a:p>
+        </p:txBody>
+      </p:sp>
+    </p:spTree>
+  </p:cSld>
+  <p:clrMapOvr>
+    <a:masterClrMapping/>
+  </p:clrMapOvr>
+</p:notes>
+</file>
+
+<file path=ppt/notesSlides/notesSlide14.xml><?xml version="1.0" encoding="utf-8"?>
+<p:notes xmlns:a="http://schemas.openxmlformats.org/drawingml/2006/main" xmlns:r="http://schemas.openxmlformats.org/officeDocument/2006/relationships" xmlns:mc="http://schemas.openxmlformats.org/markup-compatibility/2006" xmlns:mv="urn:schemas-microsoft-com:mac:vml" xmlns:p="http://schemas.openxmlformats.org/presentationml/2006/main" xmlns:c="http://schemas.openxmlformats.org/drawingml/2006/chart" xmlns:dgm="http://schemas.openxmlformats.org/drawingml/2006/diagram" xmlns:o="urn:schemas-microsoft-com:office:office" xmlns:v="urn:schemas-microsoft-com:vml" xmlns:pvml="urn:schemas-microsoft-com:office:powerpoint" xmlns:com="http://schemas.openxmlformats.org/drawingml/2006/compatibility" xmlns:p14="http://schemas.microsoft.com/office/powerpoint/2010/main" xmlns:p15="http://schemas.microsoft.com/office/powerpoint/2012/main" xmlns:ahyp="http://schemas.microsoft.com/office/drawing/2018/hyperlinkcolor" showMasterPhAnim="0" showMasterSp="0">
+  <p:cSld>
+    <p:spTree>
+      <p:nvGrpSpPr>
+        <p:cNvPr id="201" name="Shape 201"/>
+        <p:cNvGrpSpPr/>
+        <p:nvPr/>
+      </p:nvGrpSpPr>
+      <p:grpSpPr>
+        <a:xfrm>
+          <a:off x="0" y="0"/>
+          <a:ext cx="0" cy="0"/>
+          <a:chOff x="0" y="0"/>
+          <a:chExt cx="0" cy="0"/>
+        </a:xfrm>
+      </p:grpSpPr>
+      <p:sp>
+        <p:nvSpPr>
+          <p:cNvPr id="202" name="Google Shape;202;g3892eb97007_0_19:notes"/>
+          <p:cNvSpPr/>
+          <p:nvPr>
+            <p:ph idx="2" type="sldImg"/>
+          </p:nvPr>
+        </p:nvSpPr>
+        <p:spPr>
+          <a:xfrm>
+            <a:off x="381300" y="685800"/>
+            <a:ext cx="6096000" cy="3429000"/>
+          </a:xfrm>
+          <a:custGeom>
+            <a:rect b="b" l="l" r="r" t="t"/>
+            <a:pathLst>
+              <a:path extrusionOk="0" h="120000" w="120000">
+                <a:moveTo>
+                  <a:pt x="0" y="0"/>
+                </a:moveTo>
+                <a:lnTo>
+                  <a:pt x="120000" y="0"/>
+                </a:lnTo>
+                <a:lnTo>
+                  <a:pt x="120000" y="120000"/>
+                </a:lnTo>
+                <a:lnTo>
+                  <a:pt x="0" y="120000"/>
+                </a:lnTo>
+                <a:close/>
+              </a:path>
+            </a:pathLst>
+          </a:custGeom>
+        </p:spPr>
+      </p:sp>
+      <p:sp>
+        <p:nvSpPr>
+          <p:cNvPr id="203" name="Google Shape;203;g3892eb97007_0_19:notes"/>
+          <p:cNvSpPr txBox="1"/>
+          <p:nvPr>
+            <p:ph idx="1" type="body"/>
+          </p:nvPr>
+        </p:nvSpPr>
+        <p:spPr>
+          <a:xfrm>
+            <a:off x="685800" y="4343400"/>
+            <a:ext cx="5486400" cy="4114800"/>
+          </a:xfrm>
+          <a:prstGeom prst="rect">
+            <a:avLst/>
+          </a:prstGeom>
+        </p:spPr>
+        <p:txBody>
+          <a:bodyPr anchorCtr="0" anchor="t" bIns="91425" lIns="91425" spcFirstLastPara="1" rIns="91425" wrap="square" tIns="91425">
+            <a:noAutofit/>
+          </a:bodyPr>
+          <a:lstStyle/>
+          <a:p>
+            <a:pPr indent="0" lvl="0" marL="0" rtl="0" algn="l">
+              <a:spcBef>
+                <a:spcPts val="0"/>
+              </a:spcBef>
+              <a:spcAft>
+                <a:spcPts val="0"/>
+              </a:spcAft>
+              <a:buNone/>
+            </a:pPr>
+            <a:r>
+              <a:t/>
+            </a:r>
+            <a:endParaRPr/>
+          </a:p>
+        </p:txBody>
+      </p:sp>
+    </p:spTree>
+  </p:cSld>
+  <p:clrMapOvr>
+    <a:masterClrMapping/>
+  </p:clrMapOvr>
+</p:notes>
+</file>
+
+<file path=ppt/notesSlides/notesSlide15.xml><?xml version="1.0" encoding="utf-8"?>
+<p:notes xmlns:a="http://schemas.openxmlformats.org/drawingml/2006/main" xmlns:r="http://schemas.openxmlformats.org/officeDocument/2006/relationships" xmlns:mc="http://schemas.openxmlformats.org/markup-compatibility/2006" xmlns:mv="urn:schemas-microsoft-com:mac:vml" xmlns:p="http://schemas.openxmlformats.org/presentationml/2006/main" xmlns:c="http://schemas.openxmlformats.org/drawingml/2006/chart" xmlns:dgm="http://schemas.openxmlformats.org/drawingml/2006/diagram" xmlns:o="urn:schemas-microsoft-com:office:office" xmlns:v="urn:schemas-microsoft-com:vml" xmlns:pvml="urn:schemas-microsoft-com:office:powerpoint" xmlns:com="http://schemas.openxmlformats.org/drawingml/2006/compatibility" xmlns:p14="http://schemas.microsoft.com/office/powerpoint/2010/main" xmlns:p15="http://schemas.microsoft.com/office/powerpoint/2012/main" xmlns:ahyp="http://schemas.microsoft.com/office/drawing/2018/hyperlinkcolor" showMasterPhAnim="0" showMasterSp="0">
+  <p:cSld>
+    <p:spTree>
+      <p:nvGrpSpPr>
+        <p:cNvPr id="206" name="Shape 206"/>
+        <p:cNvGrpSpPr/>
+        <p:nvPr/>
+      </p:nvGrpSpPr>
+      <p:grpSpPr>
+        <a:xfrm>
+          <a:off x="0" y="0"/>
+          <a:ext cx="0" cy="0"/>
+          <a:chOff x="0" y="0"/>
+          <a:chExt cx="0" cy="0"/>
+        </a:xfrm>
+      </p:grpSpPr>
+      <p:sp>
+        <p:nvSpPr>
+          <p:cNvPr id="207" name="Google Shape;207;g387f2e334ed_0_303:notes"/>
+          <p:cNvSpPr/>
+          <p:nvPr>
+            <p:ph idx="2" type="sldImg"/>
+          </p:nvPr>
+        </p:nvSpPr>
+        <p:spPr>
+          <a:xfrm>
+            <a:off x="381300" y="685800"/>
+            <a:ext cx="6096000" cy="3429000"/>
+          </a:xfrm>
+          <a:custGeom>
+            <a:rect b="b" l="l" r="r" t="t"/>
+            <a:pathLst>
+              <a:path extrusionOk="0" h="120000" w="120000">
+                <a:moveTo>
+                  <a:pt x="0" y="0"/>
+                </a:moveTo>
+                <a:lnTo>
+                  <a:pt x="120000" y="0"/>
+                </a:lnTo>
+                <a:lnTo>
+                  <a:pt x="120000" y="120000"/>
+                </a:lnTo>
+                <a:lnTo>
+                  <a:pt x="0" y="120000"/>
+                </a:lnTo>
+                <a:close/>
+              </a:path>
+            </a:pathLst>
+          </a:custGeom>
+        </p:spPr>
+      </p:sp>
+      <p:sp>
+        <p:nvSpPr>
+          <p:cNvPr id="208" name="Google Shape;208;g387f2e334ed_0_303:notes"/>
+          <p:cNvSpPr txBox="1"/>
+          <p:nvPr>
+            <p:ph idx="1" type="body"/>
+          </p:nvPr>
+        </p:nvSpPr>
+        <p:spPr>
+          <a:xfrm>
+            <a:off x="685800" y="4343400"/>
+            <a:ext cx="5486400" cy="4114800"/>
+          </a:xfrm>
+          <a:prstGeom prst="rect">
+            <a:avLst/>
+          </a:prstGeom>
+        </p:spPr>
+        <p:txBody>
+          <a:bodyPr anchorCtr="0" anchor="t" bIns="91425" lIns="91425" spcFirstLastPara="1" rIns="91425" wrap="square" tIns="91425">
+            <a:noAutofit/>
+          </a:bodyPr>
+          <a:lstStyle/>
+          <a:p>
+            <a:pPr indent="0" lvl="0" marL="0" rtl="0" algn="l">
+              <a:spcBef>
+                <a:spcPts val="0"/>
+              </a:spcBef>
+              <a:spcAft>
+                <a:spcPts val="0"/>
+              </a:spcAft>
+              <a:buNone/>
+            </a:pPr>
+            <a:r>
+              <a:t/>
+            </a:r>
+            <a:endParaRPr/>
+          </a:p>
+        </p:txBody>
+      </p:sp>
+    </p:spTree>
+  </p:cSld>
+  <p:clrMapOvr>
+    <a:masterClrMapping/>
+  </p:clrMapOvr>
+</p:notes>
+</file>
+
+<file path=ppt/notesSlides/notesSlide16.xml><?xml version="1.0" encoding="utf-8"?>
+<p:notes xmlns:a="http://schemas.openxmlformats.org/drawingml/2006/main" xmlns:r="http://schemas.openxmlformats.org/officeDocument/2006/relationships" xmlns:mc="http://schemas.openxmlformats.org/markup-compatibility/2006" xmlns:mv="urn:schemas-microsoft-com:mac:vml" xmlns:p="http://schemas.openxmlformats.org/presentationml/2006/main" xmlns:c="http://schemas.openxmlformats.org/drawingml/2006/chart" xmlns:dgm="http://schemas.openxmlformats.org/drawingml/2006/diagram" xmlns:o="urn:schemas-microsoft-com:office:office" xmlns:v="urn:schemas-microsoft-com:vml" xmlns:pvml="urn:schemas-microsoft-com:office:powerpoint" xmlns:com="http://schemas.openxmlformats.org/drawingml/2006/compatibility" xmlns:p14="http://schemas.microsoft.com/office/powerpoint/2010/main" xmlns:p15="http://schemas.microsoft.com/office/powerpoint/2012/main" xmlns:ahyp="http://schemas.microsoft.com/office/drawing/2018/hyperlinkcolor" showMasterPhAnim="0" showMasterSp="0">
+  <p:cSld>
+    <p:spTree>
+      <p:nvGrpSpPr>
+        <p:cNvPr id="213" name="Shape 213"/>
+        <p:cNvGrpSpPr/>
+        <p:nvPr/>
+      </p:nvGrpSpPr>
+      <p:grpSpPr>
+        <a:xfrm>
+          <a:off x="0" y="0"/>
+          <a:ext cx="0" cy="0"/>
+          <a:chOff x="0" y="0"/>
+          <a:chExt cx="0" cy="0"/>
+        </a:xfrm>
+      </p:grpSpPr>
+      <p:sp>
+        <p:nvSpPr>
+          <p:cNvPr id="214" name="Google Shape;214;g3892e553a8c_0_124:notes"/>
+          <p:cNvSpPr/>
+          <p:nvPr>
+            <p:ph idx="2" type="sldImg"/>
+          </p:nvPr>
+        </p:nvSpPr>
+        <p:spPr>
+          <a:xfrm>
+            <a:off x="381300" y="685800"/>
+            <a:ext cx="6096000" cy="3429000"/>
+          </a:xfrm>
+          <a:custGeom>
+            <a:rect b="b" l="l" r="r" t="t"/>
+            <a:pathLst>
+              <a:path extrusionOk="0" h="120000" w="120000">
+                <a:moveTo>
+                  <a:pt x="0" y="0"/>
+                </a:moveTo>
+                <a:lnTo>
+                  <a:pt x="120000" y="0"/>
+                </a:lnTo>
+                <a:lnTo>
+                  <a:pt x="120000" y="120000"/>
+                </a:lnTo>
+                <a:lnTo>
+                  <a:pt x="0" y="120000"/>
+                </a:lnTo>
+                <a:close/>
+              </a:path>
+            </a:pathLst>
+          </a:custGeom>
+        </p:spPr>
+      </p:sp>
+      <p:sp>
+        <p:nvSpPr>
+          <p:cNvPr id="215" name="Google Shape;215;g3892e553a8c_0_124:notes"/>
+          <p:cNvSpPr txBox="1"/>
+          <p:nvPr>
+            <p:ph idx="1" type="body"/>
+          </p:nvPr>
+        </p:nvSpPr>
+        <p:spPr>
+          <a:xfrm>
+            <a:off x="685800" y="4343400"/>
+            <a:ext cx="5486400" cy="4114800"/>
+          </a:xfrm>
+          <a:prstGeom prst="rect">
+            <a:avLst/>
+          </a:prstGeom>
+        </p:spPr>
+        <p:txBody>
+          <a:bodyPr anchorCtr="0" anchor="t" bIns="91425" lIns="91425" spcFirstLastPara="1" rIns="91425" wrap="square" tIns="91425">
+            <a:noAutofit/>
+          </a:bodyPr>
+          <a:lstStyle/>
+          <a:p>
+            <a:pPr indent="0" lvl="0" marL="0" rtl="0" algn="l">
+              <a:spcBef>
+                <a:spcPts val="0"/>
+              </a:spcBef>
+              <a:spcAft>
+                <a:spcPts val="0"/>
+              </a:spcAft>
+              <a:buNone/>
+            </a:pPr>
+            <a:r>
+              <a:t/>
+            </a:r>
+            <a:endParaRPr/>
+          </a:p>
+        </p:txBody>
+      </p:sp>
+    </p:spTree>
+  </p:cSld>
+  <p:clrMapOvr>
+    <a:masterClrMapping/>
+  </p:clrMapOvr>
+</p:notes>
+</file>
+
+<file path=ppt/notesSlides/notesSlide17.xml><?xml version="1.0" encoding="utf-8"?>
+<p:notes xmlns:a="http://schemas.openxmlformats.org/drawingml/2006/main" xmlns:r="http://schemas.openxmlformats.org/officeDocument/2006/relationships" xmlns:mc="http://schemas.openxmlformats.org/markup-compatibility/2006" xmlns:mv="urn:schemas-microsoft-com:mac:vml" xmlns:p="http://schemas.openxmlformats.org/presentationml/2006/main" xmlns:c="http://schemas.openxmlformats.org/drawingml/2006/chart" xmlns:dgm="http://schemas.openxmlformats.org/drawingml/2006/diagram" xmlns:o="urn:schemas-microsoft-com:office:office" xmlns:v="urn:schemas-microsoft-com:vml" xmlns:pvml="urn:schemas-microsoft-com:office:powerpoint" xmlns:com="http://schemas.openxmlformats.org/drawingml/2006/compatibility" xmlns:p14="http://schemas.microsoft.com/office/powerpoint/2010/main" xmlns:p15="http://schemas.microsoft.com/office/powerpoint/2012/main" xmlns:ahyp="http://schemas.microsoft.com/office/drawing/2018/hyperlinkcolor" showMasterPhAnim="0" showMasterSp="0">
+  <p:cSld>
+    <p:spTree>
+      <p:nvGrpSpPr>
+        <p:cNvPr id="219" name="Shape 219"/>
+        <p:cNvGrpSpPr/>
+        <p:nvPr/>
+      </p:nvGrpSpPr>
+      <p:grpSpPr>
+        <a:xfrm>
+          <a:off x="0" y="0"/>
+          <a:ext cx="0" cy="0"/>
+          <a:chOff x="0" y="0"/>
+          <a:chExt cx="0" cy="0"/>
+        </a:xfrm>
+      </p:grpSpPr>
+      <p:sp>
+        <p:nvSpPr>
+          <p:cNvPr id="220" name="Google Shape;220;g3892e553a8c_0_129:notes"/>
+          <p:cNvSpPr/>
+          <p:nvPr>
+            <p:ph idx="2" type="sldImg"/>
+          </p:nvPr>
+        </p:nvSpPr>
+        <p:spPr>
+          <a:xfrm>
+            <a:off x="381300" y="685800"/>
+            <a:ext cx="6096000" cy="3429000"/>
+          </a:xfrm>
+          <a:custGeom>
+            <a:rect b="b" l="l" r="r" t="t"/>
+            <a:pathLst>
+              <a:path extrusionOk="0" h="120000" w="120000">
+                <a:moveTo>
+                  <a:pt x="0" y="0"/>
+                </a:moveTo>
+                <a:lnTo>
+                  <a:pt x="120000" y="0"/>
+                </a:lnTo>
+                <a:lnTo>
+                  <a:pt x="120000" y="120000"/>
+                </a:lnTo>
+                <a:lnTo>
+                  <a:pt x="0" y="120000"/>
+                </a:lnTo>
+                <a:close/>
+              </a:path>
+            </a:pathLst>
+          </a:custGeom>
+        </p:spPr>
+      </p:sp>
+      <p:sp>
+        <p:nvSpPr>
+          <p:cNvPr id="221" name="Google Shape;221;g3892e553a8c_0_129:notes"/>
           <p:cNvSpPr txBox="1"/>
           <p:nvPr>
             <p:ph idx="1" type="body"/>
@@ -10144,20 +10644,23 @@
         </p:nvSpPr>
         <p:spPr>
           <a:xfrm>
-            <a:off x="819150" y="845600"/>
-            <a:ext cx="7505700" cy="954600"/>
+            <a:off x="1888684" y="1746100"/>
+            <a:ext cx="5377500" cy="1646100"/>
           </a:xfrm>
           <a:prstGeom prst="rect">
             <a:avLst/>
           </a:prstGeom>
         </p:spPr>
         <p:txBody>
-          <a:bodyPr anchorCtr="0" anchor="t" bIns="91425" lIns="91425" spcFirstLastPara="1" rIns="91425" wrap="square" tIns="91425">
+          <a:bodyPr anchorCtr="0" anchor="ctr" bIns="91425" lIns="91425" spcFirstLastPara="1" rIns="91425" wrap="square" tIns="91425">
             <a:normAutofit/>
           </a:bodyPr>
           <a:lstStyle/>
           <a:p>
             <a:pPr indent="0" lvl="0" marL="0" rtl="0" algn="l">
+              <a:lnSpc>
+                <a:spcPct val="115000"/>
+              </a:lnSpc>
               <a:spcBef>
                 <a:spcPts val="0"/>
               </a:spcBef>
@@ -10167,74 +10670,69 @@
               <a:buNone/>
             </a:pPr>
             <a:r>
-              <a:rPr lang="en"/>
-              <a:t>SupaBase</a:t>
+              <a:rPr lang="en" sz="2200">
+                <a:latin typeface="Calibri"/>
+                <a:ea typeface="Calibri"/>
+                <a:cs typeface="Calibri"/>
+                <a:sym typeface="Calibri"/>
+              </a:rPr>
+              <a:t>All of the many components of React</a:t>
+            </a:r>
+            <a:endParaRPr sz="1400">
+              <a:solidFill>
+                <a:srgbClr val="000000"/>
+              </a:solidFill>
+              <a:latin typeface="Arial"/>
+              <a:ea typeface="Arial"/>
+              <a:cs typeface="Arial"/>
+              <a:sym typeface="Arial"/>
+            </a:endParaRPr>
+          </a:p>
+          <a:p>
+            <a:pPr indent="0" lvl="0" marL="0" rtl="0" algn="ctr">
+              <a:spcBef>
+                <a:spcPts val="1200"/>
+              </a:spcBef>
+              <a:spcAft>
+                <a:spcPts val="0"/>
+              </a:spcAft>
+              <a:buNone/>
+            </a:pPr>
+            <a:r>
+              <a:t/>
             </a:r>
             <a:endParaRPr/>
           </a:p>
         </p:txBody>
       </p:sp>
-      <p:sp>
-        <p:nvSpPr>
-          <p:cNvPr id="186" name="Google Shape;186;p22"/>
-          <p:cNvSpPr txBox="1"/>
-          <p:nvPr>
-            <p:ph idx="1" type="body"/>
-          </p:nvPr>
-        </p:nvSpPr>
-        <p:spPr>
-          <a:xfrm>
-            <a:off x="66625" y="1537675"/>
-            <a:ext cx="7505700" cy="2448000"/>
-          </a:xfrm>
-          <a:prstGeom prst="rect">
-            <a:avLst/>
-          </a:prstGeom>
-        </p:spPr>
-        <p:txBody>
-          <a:bodyPr anchorCtr="0" anchor="t" bIns="91425" lIns="91425" spcFirstLastPara="1" rIns="91425" wrap="square" tIns="91425">
-            <a:normAutofit/>
-          </a:bodyPr>
-          <a:lstStyle/>
-          <a:p>
-            <a:pPr indent="-368300" lvl="0" marL="457200" rtl="0" algn="l">
-              <a:spcBef>
-                <a:spcPts val="0"/>
-              </a:spcBef>
-              <a:spcAft>
-                <a:spcPts val="0"/>
-              </a:spcAft>
-              <a:buSzPts val="2200"/>
-              <a:buChar char="●"/>
-            </a:pPr>
-            <a:r>
-              <a:rPr lang="en" sz="2200"/>
-              <a:t>How it will help</a:t>
-            </a:r>
-            <a:endParaRPr sz="2200"/>
-          </a:p>
-          <a:p>
-            <a:pPr indent="-368300" lvl="0" marL="457200" rtl="0" algn="l">
-              <a:spcBef>
-                <a:spcPts val="0"/>
-              </a:spcBef>
-              <a:spcAft>
-                <a:spcPts val="0"/>
-              </a:spcAft>
-              <a:buSzPts val="2200"/>
-              <a:buChar char="●"/>
-            </a:pPr>
-            <a:r>
-              <a:rPr lang="en" sz="2200"/>
-              <a:t>The entities of the database</a:t>
-            </a:r>
-            <a:endParaRPr sz="2200"/>
-          </a:p>
-        </p:txBody>
-      </p:sp>
+    </p:spTree>
+  </p:cSld>
+  <p:clrMapOvr>
+    <a:masterClrMapping/>
+  </p:clrMapOvr>
+</p:sld>
+</file>
+
+<file path=ppt/slides/slide11.xml><?xml version="1.0" encoding="utf-8"?>
+<p:sld xmlns:a="http://schemas.openxmlformats.org/drawingml/2006/main" xmlns:r="http://schemas.openxmlformats.org/officeDocument/2006/relationships" xmlns:mc="http://schemas.openxmlformats.org/markup-compatibility/2006" xmlns:mv="urn:schemas-microsoft-com:mac:vml" xmlns:p="http://schemas.openxmlformats.org/presentationml/2006/main" xmlns:c="http://schemas.openxmlformats.org/drawingml/2006/chart" xmlns:dgm="http://schemas.openxmlformats.org/drawingml/2006/diagram" xmlns:o="urn:schemas-microsoft-com:office:office" xmlns:v="urn:schemas-microsoft-com:vml" xmlns:pvml="urn:schemas-microsoft-com:office:powerpoint" xmlns:com="http://schemas.openxmlformats.org/drawingml/2006/compatibility" xmlns:p14="http://schemas.microsoft.com/office/powerpoint/2010/main" xmlns:p15="http://schemas.microsoft.com/office/powerpoint/2012/main" xmlns:ahyp="http://schemas.microsoft.com/office/drawing/2018/hyperlinkcolor">
+  <p:cSld>
+    <p:spTree>
+      <p:nvGrpSpPr>
+        <p:cNvPr id="189" name="Shape 189"/>
+        <p:cNvGrpSpPr/>
+        <p:nvPr/>
+      </p:nvGrpSpPr>
+      <p:grpSpPr>
+        <a:xfrm>
+          <a:off x="0" y="0"/>
+          <a:ext cx="0" cy="0"/>
+          <a:chOff x="0" y="0"/>
+          <a:chExt cx="0" cy="0"/>
+        </a:xfrm>
+      </p:grpSpPr>
       <p:pic>
         <p:nvPicPr>
-          <p:cNvPr id="187" name="Google Shape;187;p22"/>
+          <p:cNvPr id="190" name="Google Shape;190;p23"/>
           <p:cNvPicPr preferRelativeResize="0"/>
           <p:nvPr/>
         </p:nvPicPr>
@@ -10248,8 +10746,8 @@
         </p:blipFill>
         <p:spPr>
           <a:xfrm>
-            <a:off x="3200400" y="2933700"/>
-            <a:ext cx="5943600" cy="2209800"/>
+            <a:off x="565638" y="249175"/>
+            <a:ext cx="8012724" cy="4645150"/>
           </a:xfrm>
           <a:prstGeom prst="rect">
             <a:avLst/>
@@ -10268,12 +10766,171 @@
 </p:sld>
 </file>
 
-<file path=ppt/slides/slide11.xml><?xml version="1.0" encoding="utf-8"?>
+<file path=ppt/slides/slide12.xml><?xml version="1.0" encoding="utf-8"?>
 <p:sld xmlns:a="http://schemas.openxmlformats.org/drawingml/2006/main" xmlns:r="http://schemas.openxmlformats.org/officeDocument/2006/relationships" xmlns:mc="http://schemas.openxmlformats.org/markup-compatibility/2006" xmlns:mv="urn:schemas-microsoft-com:mac:vml" xmlns:p="http://schemas.openxmlformats.org/presentationml/2006/main" xmlns:c="http://schemas.openxmlformats.org/drawingml/2006/chart" xmlns:dgm="http://schemas.openxmlformats.org/drawingml/2006/diagram" xmlns:o="urn:schemas-microsoft-com:office:office" xmlns:v="urn:schemas-microsoft-com:vml" xmlns:pvml="urn:schemas-microsoft-com:office:powerpoint" xmlns:com="http://schemas.openxmlformats.org/drawingml/2006/compatibility" xmlns:p14="http://schemas.microsoft.com/office/powerpoint/2010/main" xmlns:p15="http://schemas.microsoft.com/office/powerpoint/2012/main" xmlns:ahyp="http://schemas.microsoft.com/office/drawing/2018/hyperlinkcolor">
   <p:cSld>
     <p:spTree>
       <p:nvGrpSpPr>
-        <p:cNvPr id="191" name="Shape 191"/>
+        <p:cNvPr id="194" name="Shape 194"/>
+        <p:cNvGrpSpPr/>
+        <p:nvPr/>
+      </p:nvGrpSpPr>
+      <p:grpSpPr>
+        <a:xfrm>
+          <a:off x="0" y="0"/>
+          <a:ext cx="0" cy="0"/>
+          <a:chOff x="0" y="0"/>
+          <a:chExt cx="0" cy="0"/>
+        </a:xfrm>
+      </p:grpSpPr>
+      <p:pic>
+        <p:nvPicPr>
+          <p:cNvPr id="195" name="Google Shape;195;p24"/>
+          <p:cNvPicPr preferRelativeResize="0"/>
+          <p:nvPr/>
+        </p:nvPicPr>
+        <p:blipFill>
+          <a:blip r:embed="rId3">
+            <a:alphaModFix/>
+          </a:blip>
+          <a:stretch>
+            <a:fillRect/>
+          </a:stretch>
+        </p:blipFill>
+        <p:spPr>
+          <a:xfrm>
+            <a:off x="586800" y="180013"/>
+            <a:ext cx="7970399" cy="4783475"/>
+          </a:xfrm>
+          <a:prstGeom prst="rect">
+            <a:avLst/>
+          </a:prstGeom>
+          <a:noFill/>
+          <a:ln>
+            <a:noFill/>
+          </a:ln>
+        </p:spPr>
+      </p:pic>
+    </p:spTree>
+  </p:cSld>
+  <p:clrMapOvr>
+    <a:masterClrMapping/>
+  </p:clrMapOvr>
+</p:sld>
+</file>
+
+<file path=ppt/slides/slide13.xml><?xml version="1.0" encoding="utf-8"?>
+<p:sld xmlns:a="http://schemas.openxmlformats.org/drawingml/2006/main" xmlns:r="http://schemas.openxmlformats.org/officeDocument/2006/relationships" xmlns:mc="http://schemas.openxmlformats.org/markup-compatibility/2006" xmlns:mv="urn:schemas-microsoft-com:mac:vml" xmlns:p="http://schemas.openxmlformats.org/presentationml/2006/main" xmlns:c="http://schemas.openxmlformats.org/drawingml/2006/chart" xmlns:dgm="http://schemas.openxmlformats.org/drawingml/2006/diagram" xmlns:o="urn:schemas-microsoft-com:office:office" xmlns:v="urn:schemas-microsoft-com:vml" xmlns:pvml="urn:schemas-microsoft-com:office:powerpoint" xmlns:com="http://schemas.openxmlformats.org/drawingml/2006/compatibility" xmlns:p14="http://schemas.microsoft.com/office/powerpoint/2010/main" xmlns:p15="http://schemas.microsoft.com/office/powerpoint/2012/main" xmlns:ahyp="http://schemas.microsoft.com/office/drawing/2018/hyperlinkcolor">
+  <p:cSld>
+    <p:spTree>
+      <p:nvGrpSpPr>
+        <p:cNvPr id="199" name="Shape 199"/>
+        <p:cNvGrpSpPr/>
+        <p:nvPr/>
+      </p:nvGrpSpPr>
+      <p:grpSpPr>
+        <a:xfrm>
+          <a:off x="0" y="0"/>
+          <a:ext cx="0" cy="0"/>
+          <a:chOff x="0" y="0"/>
+          <a:chExt cx="0" cy="0"/>
+        </a:xfrm>
+      </p:grpSpPr>
+      <p:pic>
+        <p:nvPicPr>
+          <p:cNvPr id="200" name="Google Shape;200;p25"/>
+          <p:cNvPicPr preferRelativeResize="0"/>
+          <p:nvPr/>
+        </p:nvPicPr>
+        <p:blipFill>
+          <a:blip r:embed="rId3">
+            <a:alphaModFix/>
+          </a:blip>
+          <a:stretch>
+            <a:fillRect/>
+          </a:stretch>
+        </p:blipFill>
+        <p:spPr>
+          <a:xfrm>
+            <a:off x="5759395" y="1"/>
+            <a:ext cx="3384606" cy="5143500"/>
+          </a:xfrm>
+          <a:prstGeom prst="rect">
+            <a:avLst/>
+          </a:prstGeom>
+          <a:noFill/>
+          <a:ln>
+            <a:noFill/>
+          </a:ln>
+        </p:spPr>
+      </p:pic>
+    </p:spTree>
+  </p:cSld>
+  <p:clrMapOvr>
+    <a:masterClrMapping/>
+  </p:clrMapOvr>
+</p:sld>
+</file>
+
+<file path=ppt/slides/slide14.xml><?xml version="1.0" encoding="utf-8"?>
+<p:sld xmlns:a="http://schemas.openxmlformats.org/drawingml/2006/main" xmlns:r="http://schemas.openxmlformats.org/officeDocument/2006/relationships" xmlns:mc="http://schemas.openxmlformats.org/markup-compatibility/2006" xmlns:mv="urn:schemas-microsoft-com:mac:vml" xmlns:p="http://schemas.openxmlformats.org/presentationml/2006/main" xmlns:c="http://schemas.openxmlformats.org/drawingml/2006/chart" xmlns:dgm="http://schemas.openxmlformats.org/drawingml/2006/diagram" xmlns:o="urn:schemas-microsoft-com:office:office" xmlns:v="urn:schemas-microsoft-com:vml" xmlns:pvml="urn:schemas-microsoft-com:office:powerpoint" xmlns:com="http://schemas.openxmlformats.org/drawingml/2006/compatibility" xmlns:p14="http://schemas.microsoft.com/office/powerpoint/2010/main" xmlns:p15="http://schemas.microsoft.com/office/powerpoint/2012/main" xmlns:ahyp="http://schemas.microsoft.com/office/drawing/2018/hyperlinkcolor">
+  <p:cSld>
+    <p:spTree>
+      <p:nvGrpSpPr>
+        <p:cNvPr id="204" name="Shape 204"/>
+        <p:cNvGrpSpPr/>
+        <p:nvPr/>
+      </p:nvGrpSpPr>
+      <p:grpSpPr>
+        <a:xfrm>
+          <a:off x="0" y="0"/>
+          <a:ext cx="0" cy="0"/>
+          <a:chOff x="0" y="0"/>
+          <a:chExt cx="0" cy="0"/>
+        </a:xfrm>
+      </p:grpSpPr>
+      <p:pic>
+        <p:nvPicPr>
+          <p:cNvPr id="205" name="Google Shape;205;p26"/>
+          <p:cNvPicPr preferRelativeResize="0"/>
+          <p:nvPr/>
+        </p:nvPicPr>
+        <p:blipFill>
+          <a:blip r:embed="rId3">
+            <a:alphaModFix/>
+          </a:blip>
+          <a:stretch>
+            <a:fillRect/>
+          </a:stretch>
+        </p:blipFill>
+        <p:spPr>
+          <a:xfrm>
+            <a:off x="5738500" y="4"/>
+            <a:ext cx="3405505" cy="5143500"/>
+          </a:xfrm>
+          <a:prstGeom prst="rect">
+            <a:avLst/>
+          </a:prstGeom>
+          <a:noFill/>
+          <a:ln>
+            <a:noFill/>
+          </a:ln>
+        </p:spPr>
+      </p:pic>
+    </p:spTree>
+  </p:cSld>
+  <p:clrMapOvr>
+    <a:masterClrMapping/>
+  </p:clrMapOvr>
+</p:sld>
+</file>
+
+<file path=ppt/slides/slide15.xml><?xml version="1.0" encoding="utf-8"?>
+<p:sld xmlns:a="http://schemas.openxmlformats.org/drawingml/2006/main" xmlns:r="http://schemas.openxmlformats.org/officeDocument/2006/relationships" xmlns:mc="http://schemas.openxmlformats.org/markup-compatibility/2006" xmlns:mv="urn:schemas-microsoft-com:mac:vml" xmlns:p="http://schemas.openxmlformats.org/presentationml/2006/main" xmlns:c="http://schemas.openxmlformats.org/drawingml/2006/chart" xmlns:dgm="http://schemas.openxmlformats.org/drawingml/2006/diagram" xmlns:o="urn:schemas-microsoft-com:office:office" xmlns:v="urn:schemas-microsoft-com:vml" xmlns:pvml="urn:schemas-microsoft-com:office:powerpoint" xmlns:com="http://schemas.openxmlformats.org/drawingml/2006/compatibility" xmlns:p14="http://schemas.microsoft.com/office/powerpoint/2010/main" xmlns:p15="http://schemas.microsoft.com/office/powerpoint/2012/main" xmlns:ahyp="http://schemas.microsoft.com/office/drawing/2018/hyperlinkcolor">
+  <p:cSld>
+    <p:spTree>
+      <p:nvGrpSpPr>
+        <p:cNvPr id="209" name="Shape 209"/>
         <p:cNvGrpSpPr/>
         <p:nvPr/>
       </p:nvGrpSpPr>
@@ -10287,7 +10944,7 @@
       </p:grpSpPr>
       <p:sp>
         <p:nvSpPr>
-          <p:cNvPr id="192" name="Google Shape;192;p23"/>
+          <p:cNvPr id="210" name="Google Shape;210;p27"/>
           <p:cNvSpPr txBox="1"/>
           <p:nvPr>
             <p:ph type="title"/>
@@ -10319,6 +10976,157 @@
             </a:pPr>
             <a:r>
               <a:rPr lang="en"/>
+              <a:t>SupaBase</a:t>
+            </a:r>
+            <a:endParaRPr/>
+          </a:p>
+        </p:txBody>
+      </p:sp>
+      <p:sp>
+        <p:nvSpPr>
+          <p:cNvPr id="211" name="Google Shape;211;p27"/>
+          <p:cNvSpPr txBox="1"/>
+          <p:nvPr>
+            <p:ph idx="1" type="body"/>
+          </p:nvPr>
+        </p:nvSpPr>
+        <p:spPr>
+          <a:xfrm>
+            <a:off x="66625" y="1537675"/>
+            <a:ext cx="7505700" cy="2448000"/>
+          </a:xfrm>
+          <a:prstGeom prst="rect">
+            <a:avLst/>
+          </a:prstGeom>
+        </p:spPr>
+        <p:txBody>
+          <a:bodyPr anchorCtr="0" anchor="t" bIns="91425" lIns="91425" spcFirstLastPara="1" rIns="91425" wrap="square" tIns="91425">
+            <a:normAutofit/>
+          </a:bodyPr>
+          <a:lstStyle/>
+          <a:p>
+            <a:pPr indent="-368300" lvl="0" marL="457200" rtl="0" algn="l">
+              <a:spcBef>
+                <a:spcPts val="0"/>
+              </a:spcBef>
+              <a:spcAft>
+                <a:spcPts val="0"/>
+              </a:spcAft>
+              <a:buSzPts val="2200"/>
+              <a:buChar char="●"/>
+            </a:pPr>
+            <a:r>
+              <a:rPr lang="en" sz="2200"/>
+              <a:t>How it will help</a:t>
+            </a:r>
+            <a:endParaRPr sz="2200"/>
+          </a:p>
+          <a:p>
+            <a:pPr indent="-368300" lvl="0" marL="457200" rtl="0" algn="l">
+              <a:spcBef>
+                <a:spcPts val="0"/>
+              </a:spcBef>
+              <a:spcAft>
+                <a:spcPts val="0"/>
+              </a:spcAft>
+              <a:buSzPts val="2200"/>
+              <a:buChar char="●"/>
+            </a:pPr>
+            <a:r>
+              <a:rPr lang="en" sz="2200"/>
+              <a:t>The entities of the database</a:t>
+            </a:r>
+            <a:endParaRPr sz="2200"/>
+          </a:p>
+        </p:txBody>
+      </p:sp>
+      <p:pic>
+        <p:nvPicPr>
+          <p:cNvPr id="212" name="Google Shape;212;p27"/>
+          <p:cNvPicPr preferRelativeResize="0"/>
+          <p:nvPr/>
+        </p:nvPicPr>
+        <p:blipFill>
+          <a:blip r:embed="rId3">
+            <a:alphaModFix/>
+          </a:blip>
+          <a:stretch>
+            <a:fillRect/>
+          </a:stretch>
+        </p:blipFill>
+        <p:spPr>
+          <a:xfrm>
+            <a:off x="3200400" y="2933700"/>
+            <a:ext cx="5943600" cy="2209800"/>
+          </a:xfrm>
+          <a:prstGeom prst="rect">
+            <a:avLst/>
+          </a:prstGeom>
+          <a:noFill/>
+          <a:ln>
+            <a:noFill/>
+          </a:ln>
+        </p:spPr>
+      </p:pic>
+    </p:spTree>
+  </p:cSld>
+  <p:clrMapOvr>
+    <a:masterClrMapping/>
+  </p:clrMapOvr>
+</p:sld>
+</file>
+
+<file path=ppt/slides/slide16.xml><?xml version="1.0" encoding="utf-8"?>
+<p:sld xmlns:a="http://schemas.openxmlformats.org/drawingml/2006/main" xmlns:r="http://schemas.openxmlformats.org/officeDocument/2006/relationships" xmlns:mc="http://schemas.openxmlformats.org/markup-compatibility/2006" xmlns:mv="urn:schemas-microsoft-com:mac:vml" xmlns:p="http://schemas.openxmlformats.org/presentationml/2006/main" xmlns:c="http://schemas.openxmlformats.org/drawingml/2006/chart" xmlns:dgm="http://schemas.openxmlformats.org/drawingml/2006/diagram" xmlns:o="urn:schemas-microsoft-com:office:office" xmlns:v="urn:schemas-microsoft-com:vml" xmlns:pvml="urn:schemas-microsoft-com:office:powerpoint" xmlns:com="http://schemas.openxmlformats.org/drawingml/2006/compatibility" xmlns:p14="http://schemas.microsoft.com/office/powerpoint/2010/main" xmlns:p15="http://schemas.microsoft.com/office/powerpoint/2012/main" xmlns:ahyp="http://schemas.microsoft.com/office/drawing/2018/hyperlinkcolor">
+  <p:cSld>
+    <p:spTree>
+      <p:nvGrpSpPr>
+        <p:cNvPr id="216" name="Shape 216"/>
+        <p:cNvGrpSpPr/>
+        <p:nvPr/>
+      </p:nvGrpSpPr>
+      <p:grpSpPr>
+        <a:xfrm>
+          <a:off x="0" y="0"/>
+          <a:ext cx="0" cy="0"/>
+          <a:chOff x="0" y="0"/>
+          <a:chExt cx="0" cy="0"/>
+        </a:xfrm>
+      </p:grpSpPr>
+      <p:sp>
+        <p:nvSpPr>
+          <p:cNvPr id="217" name="Google Shape;217;p28"/>
+          <p:cNvSpPr txBox="1"/>
+          <p:nvPr>
+            <p:ph type="title"/>
+          </p:nvPr>
+        </p:nvSpPr>
+        <p:spPr>
+          <a:xfrm>
+            <a:off x="819150" y="845600"/>
+            <a:ext cx="7505700" cy="954600"/>
+          </a:xfrm>
+          <a:prstGeom prst="rect">
+            <a:avLst/>
+          </a:prstGeom>
+        </p:spPr>
+        <p:txBody>
+          <a:bodyPr anchorCtr="0" anchor="t" bIns="91425" lIns="91425" spcFirstLastPara="1" rIns="91425" wrap="square" tIns="91425">
+            <a:normAutofit/>
+          </a:bodyPr>
+          <a:lstStyle/>
+          <a:p>
+            <a:pPr indent="0" lvl="0" marL="0" rtl="0" algn="l">
+              <a:spcBef>
+                <a:spcPts val="0"/>
+              </a:spcBef>
+              <a:spcAft>
+                <a:spcPts val="0"/>
+              </a:spcAft>
+              <a:buNone/>
+            </a:pPr>
+            <a:r>
+              <a:rPr lang="en"/>
               <a:t>VERCEL</a:t>
             </a:r>
             <a:endParaRPr/>
@@ -10327,7 +11135,7 @@
       </p:sp>
       <p:sp>
         <p:nvSpPr>
-          <p:cNvPr id="193" name="Google Shape;193;p23"/>
+          <p:cNvPr id="218" name="Google Shape;218;p28"/>
           <p:cNvSpPr txBox="1"/>
           <p:nvPr>
             <p:ph idx="1" type="body"/>
@@ -10408,12 +11216,12 @@
 </p:sld>
 </file>
 
-<file path=ppt/slides/slide12.xml><?xml version="1.0" encoding="utf-8"?>
+<file path=ppt/slides/slide17.xml><?xml version="1.0" encoding="utf-8"?>
 <p:sld xmlns:a="http://schemas.openxmlformats.org/drawingml/2006/main" xmlns:r="http://schemas.openxmlformats.org/officeDocument/2006/relationships" xmlns:mc="http://schemas.openxmlformats.org/markup-compatibility/2006" xmlns:mv="urn:schemas-microsoft-com:mac:vml" xmlns:p="http://schemas.openxmlformats.org/presentationml/2006/main" xmlns:c="http://schemas.openxmlformats.org/drawingml/2006/chart" xmlns:dgm="http://schemas.openxmlformats.org/drawingml/2006/diagram" xmlns:o="urn:schemas-microsoft-com:office:office" xmlns:v="urn:schemas-microsoft-com:vml" xmlns:pvml="urn:schemas-microsoft-com:office:powerpoint" xmlns:com="http://schemas.openxmlformats.org/drawingml/2006/compatibility" xmlns:p14="http://schemas.microsoft.com/office/powerpoint/2010/main" xmlns:p15="http://schemas.microsoft.com/office/powerpoint/2012/main" xmlns:ahyp="http://schemas.microsoft.com/office/drawing/2018/hyperlinkcolor">
   <p:cSld>
     <p:spTree>
       <p:nvGrpSpPr>
-        <p:cNvPr id="197" name="Shape 197"/>
+        <p:cNvPr id="222" name="Shape 222"/>
         <p:cNvGrpSpPr/>
         <p:nvPr/>
       </p:nvGrpSpPr>
@@ -10427,7 +11235,7 @@
       </p:grpSpPr>
       <p:sp>
         <p:nvSpPr>
-          <p:cNvPr id="198" name="Google Shape;198;p24"/>
+          <p:cNvPr id="223" name="Google Shape;223;p29"/>
           <p:cNvSpPr txBox="1"/>
           <p:nvPr>
             <p:ph type="title"/>
@@ -10467,7 +11275,7 @@
       </p:sp>
       <p:sp>
         <p:nvSpPr>
-          <p:cNvPr id="199" name="Google Shape;199;p24"/>
+          <p:cNvPr id="224" name="Google Shape;224;p29"/>
           <p:cNvSpPr txBox="1"/>
           <p:nvPr>
             <p:ph idx="1" type="body"/>
@@ -11638,23 +12446,6 @@
             <a:r>
               <a:rPr lang="en" sz="2200"/>
               <a:t>Examples of how it will be used</a:t>
-            </a:r>
-            <a:endParaRPr sz="2200"/>
-          </a:p>
-          <a:p>
-            <a:pPr indent="-368300" lvl="0" marL="457200" rtl="0" algn="l">
-              <a:spcBef>
-                <a:spcPts val="0"/>
-              </a:spcBef>
-              <a:spcAft>
-                <a:spcPts val="0"/>
-              </a:spcAft>
-              <a:buSzPts val="2200"/>
-              <a:buChar char="●"/>
-            </a:pPr>
-            <a:r>
-              <a:rPr lang="en" sz="2200"/>
-              <a:t>All of the many components</a:t>
             </a:r>
             <a:endParaRPr sz="2200"/>
           </a:p>

--- a/Documents/Project Design/Project Design.pptx
+++ b/Documents/Project Design/Project Design.pptx
@@ -1,44 +1,43 @@
 
 <file path=ppt/presentation.xml><?xml version="1.0" encoding="utf-8"?>
-<p:presentation xmlns:a="http://schemas.openxmlformats.org/drawingml/2006/main" xmlns:r="http://schemas.openxmlformats.org/officeDocument/2006/relationships" xmlns:mc="http://schemas.openxmlformats.org/markup-compatibility/2006" xmlns:mv="urn:schemas-microsoft-com:mac:vml" xmlns:p="http://schemas.openxmlformats.org/presentationml/2006/main" xmlns:c="http://schemas.openxmlformats.org/drawingml/2006/chart" xmlns:dgm="http://schemas.openxmlformats.org/drawingml/2006/diagram" xmlns:o="urn:schemas-microsoft-com:office:office" xmlns:v="urn:schemas-microsoft-com:vml" xmlns:pvml="urn:schemas-microsoft-com:office:powerpoint" xmlns:com="http://schemas.openxmlformats.org/drawingml/2006/compatibility" xmlns:p14="http://schemas.microsoft.com/office/powerpoint/2010/main" xmlns:p15="http://schemas.microsoft.com/office/powerpoint/2012/main" xmlns:ahyp="http://schemas.microsoft.com/office/drawing/2018/hyperlinkcolor" autoCompressPictures="0" embedTrueTypeFonts="1" strictFirstAndLastChars="0" saveSubsetFonts="1">
+<p:presentation xmlns:a="http://schemas.openxmlformats.org/drawingml/2006/main" xmlns:r="http://schemas.openxmlformats.org/officeDocument/2006/relationships" xmlns:p="http://schemas.openxmlformats.org/presentationml/2006/main" strictFirstAndLastChars="0" embedTrueTypeFonts="1" saveSubsetFonts="1" autoCompressPictures="0">
   <p:sldMasterIdLst>
-    <p:sldMasterId id="2147483659" r:id="rId4"/>
+    <p:sldMasterId id="2147483659" r:id="rId1"/>
   </p:sldMasterIdLst>
   <p:notesMasterIdLst>
-    <p:notesMasterId r:id="rId5"/>
+    <p:notesMasterId r:id="rId18"/>
   </p:notesMasterIdLst>
   <p:sldIdLst>
-    <p:sldId id="256" r:id="rId6"/>
-    <p:sldId id="257" r:id="rId7"/>
-    <p:sldId id="258" r:id="rId8"/>
-    <p:sldId id="259" r:id="rId9"/>
-    <p:sldId id="260" r:id="rId10"/>
-    <p:sldId id="261" r:id="rId11"/>
-    <p:sldId id="262" r:id="rId12"/>
-    <p:sldId id="263" r:id="rId13"/>
-    <p:sldId id="264" r:id="rId14"/>
-    <p:sldId id="265" r:id="rId15"/>
-    <p:sldId id="266" r:id="rId16"/>
-    <p:sldId id="267" r:id="rId17"/>
-    <p:sldId id="268" r:id="rId18"/>
-    <p:sldId id="269" r:id="rId19"/>
-    <p:sldId id="270" r:id="rId20"/>
-    <p:sldId id="271" r:id="rId21"/>
-    <p:sldId id="272" r:id="rId22"/>
+    <p:sldId id="256" r:id="rId2"/>
+    <p:sldId id="258" r:id="rId3"/>
+    <p:sldId id="259" r:id="rId4"/>
+    <p:sldId id="260" r:id="rId5"/>
+    <p:sldId id="261" r:id="rId6"/>
+    <p:sldId id="262" r:id="rId7"/>
+    <p:sldId id="263" r:id="rId8"/>
+    <p:sldId id="264" r:id="rId9"/>
+    <p:sldId id="265" r:id="rId10"/>
+    <p:sldId id="266" r:id="rId11"/>
+    <p:sldId id="267" r:id="rId12"/>
+    <p:sldId id="268" r:id="rId13"/>
+    <p:sldId id="269" r:id="rId14"/>
+    <p:sldId id="270" r:id="rId15"/>
+    <p:sldId id="271" r:id="rId16"/>
+    <p:sldId id="272" r:id="rId17"/>
   </p:sldIdLst>
-  <p:sldSz cy="5143500" cx="9144000"/>
+  <p:sldSz cx="9144000" cy="5143500" type="screen16x9"/>
   <p:notesSz cx="6858000" cy="9144000"/>
   <p:embeddedFontLst>
     <p:embeddedFont>
-      <p:font typeface="Nunito"/>
-      <p:regular r:id="rId23"/>
-      <p:bold r:id="rId24"/>
-      <p:italic r:id="rId25"/>
-      <p:boldItalic r:id="rId26"/>
+      <p:font typeface="Nunito" panose="020F0502020204030204" pitchFamily="2" charset="0"/>
+      <p:regular r:id="rId19"/>
+      <p:bold r:id="rId20"/>
+      <p:italic r:id="rId21"/>
+      <p:boldItalic r:id="rId22"/>
     </p:embeddedFont>
   </p:embeddedFontLst>
   <p:defaultTextStyle>
-    <a:defPPr lvl="0" marR="0" rtl="0" algn="l">
+    <a:defPPr marR="0" lvl="0" algn="l" rtl="0">
       <a:lnSpc>
         <a:spcPct val="100000"/>
       </a:lnSpc>
@@ -49,7 +48,7 @@
         <a:spcPts val="0"/>
       </a:spcAft>
     </a:defPPr>
-    <a:lvl1pPr lvl="0" marR="0" rtl="0" algn="l">
+    <a:lvl1pPr marR="0" lvl="0" algn="l" rtl="0">
       <a:lnSpc>
         <a:spcPct val="100000"/>
       </a:lnSpc>
@@ -63,7 +62,7 @@
         <a:srgbClr val="000000"/>
       </a:buClr>
       <a:buFont typeface="Arial"/>
-      <a:defRPr b="0" i="0" sz="1400" u="none" cap="none" strike="noStrike">
+      <a:defRPr sz="1400" b="0" i="0" u="none" strike="noStrike" cap="none">
         <a:solidFill>
           <a:srgbClr val="000000"/>
         </a:solidFill>
@@ -73,7 +72,7 @@
         <a:sym typeface="Arial"/>
       </a:defRPr>
     </a:lvl1pPr>
-    <a:lvl2pPr lvl="1" marR="0" rtl="0" algn="l">
+    <a:lvl2pPr marR="0" lvl="1" algn="l" rtl="0">
       <a:lnSpc>
         <a:spcPct val="100000"/>
       </a:lnSpc>
@@ -87,7 +86,7 @@
         <a:srgbClr val="000000"/>
       </a:buClr>
       <a:buFont typeface="Arial"/>
-      <a:defRPr b="0" i="0" sz="1400" u="none" cap="none" strike="noStrike">
+      <a:defRPr sz="1400" b="0" i="0" u="none" strike="noStrike" cap="none">
         <a:solidFill>
           <a:srgbClr val="000000"/>
         </a:solidFill>
@@ -97,7 +96,7 @@
         <a:sym typeface="Arial"/>
       </a:defRPr>
     </a:lvl2pPr>
-    <a:lvl3pPr lvl="2" marR="0" rtl="0" algn="l">
+    <a:lvl3pPr marR="0" lvl="2" algn="l" rtl="0">
       <a:lnSpc>
         <a:spcPct val="100000"/>
       </a:lnSpc>
@@ -111,7 +110,7 @@
         <a:srgbClr val="000000"/>
       </a:buClr>
       <a:buFont typeface="Arial"/>
-      <a:defRPr b="0" i="0" sz="1400" u="none" cap="none" strike="noStrike">
+      <a:defRPr sz="1400" b="0" i="0" u="none" strike="noStrike" cap="none">
         <a:solidFill>
           <a:srgbClr val="000000"/>
         </a:solidFill>
@@ -121,7 +120,7 @@
         <a:sym typeface="Arial"/>
       </a:defRPr>
     </a:lvl3pPr>
-    <a:lvl4pPr lvl="3" marR="0" rtl="0" algn="l">
+    <a:lvl4pPr marR="0" lvl="3" algn="l" rtl="0">
       <a:lnSpc>
         <a:spcPct val="100000"/>
       </a:lnSpc>
@@ -135,7 +134,7 @@
         <a:srgbClr val="000000"/>
       </a:buClr>
       <a:buFont typeface="Arial"/>
-      <a:defRPr b="0" i="0" sz="1400" u="none" cap="none" strike="noStrike">
+      <a:defRPr sz="1400" b="0" i="0" u="none" strike="noStrike" cap="none">
         <a:solidFill>
           <a:srgbClr val="000000"/>
         </a:solidFill>
@@ -145,7 +144,7 @@
         <a:sym typeface="Arial"/>
       </a:defRPr>
     </a:lvl4pPr>
-    <a:lvl5pPr lvl="4" marR="0" rtl="0" algn="l">
+    <a:lvl5pPr marR="0" lvl="4" algn="l" rtl="0">
       <a:lnSpc>
         <a:spcPct val="100000"/>
       </a:lnSpc>
@@ -159,7 +158,7 @@
         <a:srgbClr val="000000"/>
       </a:buClr>
       <a:buFont typeface="Arial"/>
-      <a:defRPr b="0" i="0" sz="1400" u="none" cap="none" strike="noStrike">
+      <a:defRPr sz="1400" b="0" i="0" u="none" strike="noStrike" cap="none">
         <a:solidFill>
           <a:srgbClr val="000000"/>
         </a:solidFill>
@@ -169,7 +168,7 @@
         <a:sym typeface="Arial"/>
       </a:defRPr>
     </a:lvl5pPr>
-    <a:lvl6pPr lvl="5" marR="0" rtl="0" algn="l">
+    <a:lvl6pPr marR="0" lvl="5" algn="l" rtl="0">
       <a:lnSpc>
         <a:spcPct val="100000"/>
       </a:lnSpc>
@@ -183,7 +182,7 @@
         <a:srgbClr val="000000"/>
       </a:buClr>
       <a:buFont typeface="Arial"/>
-      <a:defRPr b="0" i="0" sz="1400" u="none" cap="none" strike="noStrike">
+      <a:defRPr sz="1400" b="0" i="0" u="none" strike="noStrike" cap="none">
         <a:solidFill>
           <a:srgbClr val="000000"/>
         </a:solidFill>
@@ -193,7 +192,7 @@
         <a:sym typeface="Arial"/>
       </a:defRPr>
     </a:lvl6pPr>
-    <a:lvl7pPr lvl="6" marR="0" rtl="0" algn="l">
+    <a:lvl7pPr marR="0" lvl="6" algn="l" rtl="0">
       <a:lnSpc>
         <a:spcPct val="100000"/>
       </a:lnSpc>
@@ -207,7 +206,7 @@
         <a:srgbClr val="000000"/>
       </a:buClr>
       <a:buFont typeface="Arial"/>
-      <a:defRPr b="0" i="0" sz="1400" u="none" cap="none" strike="noStrike">
+      <a:defRPr sz="1400" b="0" i="0" u="none" strike="noStrike" cap="none">
         <a:solidFill>
           <a:srgbClr val="000000"/>
         </a:solidFill>
@@ -217,7 +216,7 @@
         <a:sym typeface="Arial"/>
       </a:defRPr>
     </a:lvl7pPr>
-    <a:lvl8pPr lvl="7" marR="0" rtl="0" algn="l">
+    <a:lvl8pPr marR="0" lvl="7" algn="l" rtl="0">
       <a:lnSpc>
         <a:spcPct val="100000"/>
       </a:lnSpc>
@@ -231,7 +230,7 @@
         <a:srgbClr val="000000"/>
       </a:buClr>
       <a:buFont typeface="Arial"/>
-      <a:defRPr b="0" i="0" sz="1400" u="none" cap="none" strike="noStrike">
+      <a:defRPr sz="1400" b="0" i="0" u="none" strike="noStrike" cap="none">
         <a:solidFill>
           <a:srgbClr val="000000"/>
         </a:solidFill>
@@ -241,7 +240,7 @@
         <a:sym typeface="Arial"/>
       </a:defRPr>
     </a:lvl8pPr>
-    <a:lvl9pPr lvl="8" marR="0" rtl="0" algn="l">
+    <a:lvl9pPr marR="0" lvl="8" algn="l" rtl="0">
       <a:lnSpc>
         <a:spcPct val="100000"/>
       </a:lnSpc>
@@ -255,7 +254,7 @@
         <a:srgbClr val="000000"/>
       </a:buClr>
       <a:buFont typeface="Arial"/>
-      <a:defRPr b="0" i="0" sz="1400" u="none" cap="none" strike="noStrike">
+      <a:defRPr sz="1400" b="0" i="0" u="none" strike="noStrike" cap="none">
         <a:solidFill>
           <a:srgbClr val="000000"/>
         </a:solidFill>
@@ -268,7 +267,7 @@
   </p:defaultTextStyle>
   <p:extLst>
     <p:ext uri="{EFAFB233-063F-42B5-8137-9DF3F51BA10A}">
-      <p15:sldGuideLst>
+      <p15:sldGuideLst xmlns:p15="http://schemas.microsoft.com/office/powerpoint/2012/main">
         <p15:guide id="1" orient="horz" pos="1620">
           <p15:clr>
             <a:srgbClr val="747775"/>
@@ -286,11 +285,16 @@
 </file>
 
 <file path=ppt/notesMasters/notesMaster1.xml><?xml version="1.0" encoding="utf-8"?>
-<p:notesMaster xmlns:a="http://schemas.openxmlformats.org/drawingml/2006/main" xmlns:r="http://schemas.openxmlformats.org/officeDocument/2006/relationships" xmlns:mc="http://schemas.openxmlformats.org/markup-compatibility/2006" xmlns:mv="urn:schemas-microsoft-com:mac:vml" xmlns:p="http://schemas.openxmlformats.org/presentationml/2006/main" xmlns:c="http://schemas.openxmlformats.org/drawingml/2006/chart" xmlns:dgm="http://schemas.openxmlformats.org/drawingml/2006/diagram" xmlns:o="urn:schemas-microsoft-com:office:office" xmlns:v="urn:schemas-microsoft-com:vml" xmlns:pvml="urn:schemas-microsoft-com:office:powerpoint" xmlns:com="http://schemas.openxmlformats.org/drawingml/2006/compatibility" xmlns:p14="http://schemas.microsoft.com/office/powerpoint/2010/main" xmlns:p15="http://schemas.microsoft.com/office/powerpoint/2012/main" xmlns:ahyp="http://schemas.microsoft.com/office/drawing/2018/hyperlinkcolor">
+<p:notesMaster xmlns:a="http://schemas.openxmlformats.org/drawingml/2006/main" xmlns:r="http://schemas.openxmlformats.org/officeDocument/2006/relationships" xmlns:p="http://schemas.openxmlformats.org/presentationml/2006/main">
   <p:cSld>
+    <p:bg>
+      <p:bgRef idx="1001">
+        <a:schemeClr val="bg1"/>
+      </p:bgRef>
+    </p:bg>
     <p:spTree>
       <p:nvGrpSpPr>
-        <p:cNvPr id="2" name="Shape 2"/>
+        <p:cNvPr id="1" name="Shape 2"/>
         <p:cNvGrpSpPr/>
         <p:nvPr/>
       </p:nvGrpSpPr>
@@ -305,9 +309,11 @@
       <p:sp>
         <p:nvSpPr>
           <p:cNvPr id="3" name="Google Shape;3;n"/>
-          <p:cNvSpPr/>
+          <p:cNvSpPr>
+            <a:spLocks noGrp="1" noRot="1" noChangeAspect="1"/>
+          </p:cNvSpPr>
           <p:nvPr>
-            <p:ph idx="2" type="sldImg"/>
+            <p:ph type="sldImg" idx="2"/>
           </p:nvPr>
         </p:nvSpPr>
         <p:spPr>
@@ -316,9 +322,13 @@
             <a:ext cx="6096075" cy="3429000"/>
           </a:xfrm>
           <a:custGeom>
-            <a:rect b="b" l="l" r="r" t="t"/>
+            <a:avLst/>
+            <a:gdLst/>
+            <a:ahLst/>
+            <a:cxnLst/>
+            <a:rect l="l" t="t" r="r" b="b"/>
             <a:pathLst>
-              <a:path extrusionOk="0" h="120000" w="120000">
+              <a:path w="120000" h="120000" extrusionOk="0">
                 <a:moveTo>
                   <a:pt x="0" y="0"/>
                 </a:moveTo>
@@ -336,23 +346,25 @@
             </a:pathLst>
           </a:custGeom>
           <a:noFill/>
-          <a:ln cap="flat" cmpd="sng" w="9525">
+          <a:ln w="9525" cap="flat" cmpd="sng">
             <a:solidFill>
               <a:srgbClr val="000000"/>
             </a:solidFill>
             <a:prstDash val="solid"/>
             <a:round/>
-            <a:headEnd len="sm" w="sm" type="none"/>
-            <a:tailEnd len="sm" w="sm" type="none"/>
+            <a:headEnd type="none" w="sm" len="sm"/>
+            <a:tailEnd type="none" w="sm" len="sm"/>
           </a:ln>
         </p:spPr>
       </p:sp>
       <p:sp>
         <p:nvSpPr>
           <p:cNvPr id="4" name="Google Shape;4;n"/>
-          <p:cNvSpPr txBox="1"/>
+          <p:cNvSpPr txBox="1">
+            <a:spLocks noGrp="1"/>
+          </p:cNvSpPr>
           <p:nvPr>
-            <p:ph idx="1" type="body"/>
+            <p:ph type="body" idx="1"/>
           </p:nvPr>
         </p:nvSpPr>
         <p:spPr>
@@ -369,11 +381,11 @@
           </a:ln>
         </p:spPr>
         <p:txBody>
-          <a:bodyPr anchorCtr="0" anchor="t" bIns="91425" lIns="91425" spcFirstLastPara="1" rIns="91425" wrap="square" tIns="91425">
+          <a:bodyPr spcFirstLastPara="1" wrap="square" lIns="91425" tIns="91425" rIns="91425" bIns="91425" anchor="t" anchorCtr="0">
             <a:noAutofit/>
           </a:bodyPr>
           <a:lstStyle>
-            <a:lvl1pPr indent="-298450" lvl="0" marL="457200">
+            <a:lvl1pPr marL="457200" lvl="0" indent="-298450">
               <a:spcBef>
                 <a:spcPts val="0"/>
               </a:spcBef>
@@ -384,7 +396,7 @@
               <a:buChar char="●"/>
               <a:defRPr sz="1100"/>
             </a:lvl1pPr>
-            <a:lvl2pPr indent="-298450" lvl="1" marL="914400">
+            <a:lvl2pPr marL="914400" lvl="1" indent="-298450">
               <a:spcBef>
                 <a:spcPts val="0"/>
               </a:spcBef>
@@ -395,7 +407,7 @@
               <a:buChar char="○"/>
               <a:defRPr sz="1100"/>
             </a:lvl2pPr>
-            <a:lvl3pPr indent="-298450" lvl="2" marL="1371600">
+            <a:lvl3pPr marL="1371600" lvl="2" indent="-298450">
               <a:spcBef>
                 <a:spcPts val="0"/>
               </a:spcBef>
@@ -406,7 +418,7 @@
               <a:buChar char="■"/>
               <a:defRPr sz="1100"/>
             </a:lvl3pPr>
-            <a:lvl4pPr indent="-298450" lvl="3" marL="1828800">
+            <a:lvl4pPr marL="1828800" lvl="3" indent="-298450">
               <a:spcBef>
                 <a:spcPts val="0"/>
               </a:spcBef>
@@ -417,7 +429,7 @@
               <a:buChar char="●"/>
               <a:defRPr sz="1100"/>
             </a:lvl4pPr>
-            <a:lvl5pPr indent="-298450" lvl="4" marL="2286000">
+            <a:lvl5pPr marL="2286000" lvl="4" indent="-298450">
               <a:spcBef>
                 <a:spcPts val="0"/>
               </a:spcBef>
@@ -428,7 +440,7 @@
               <a:buChar char="○"/>
               <a:defRPr sz="1100"/>
             </a:lvl5pPr>
-            <a:lvl6pPr indent="-298450" lvl="5" marL="2743200">
+            <a:lvl6pPr marL="2743200" lvl="5" indent="-298450">
               <a:spcBef>
                 <a:spcPts val="0"/>
               </a:spcBef>
@@ -439,7 +451,7 @@
               <a:buChar char="■"/>
               <a:defRPr sz="1100"/>
             </a:lvl6pPr>
-            <a:lvl7pPr indent="-298450" lvl="6" marL="3200400">
+            <a:lvl7pPr marL="3200400" lvl="6" indent="-298450">
               <a:spcBef>
                 <a:spcPts val="0"/>
               </a:spcBef>
@@ -450,7 +462,7 @@
               <a:buChar char="●"/>
               <a:defRPr sz="1100"/>
             </a:lvl7pPr>
-            <a:lvl8pPr indent="-298450" lvl="7" marL="3657600">
+            <a:lvl8pPr marL="3657600" lvl="7" indent="-298450">
               <a:spcBef>
                 <a:spcPts val="0"/>
               </a:spcBef>
@@ -461,7 +473,7 @@
               <a:buChar char="○"/>
               <a:defRPr sz="1100"/>
             </a:lvl8pPr>
-            <a:lvl9pPr indent="-298450" lvl="8" marL="4114800">
+            <a:lvl9pPr marL="4114800" lvl="8" indent="-298450">
               <a:spcBef>
                 <a:spcPts val="0"/>
               </a:spcBef>
@@ -473,14 +485,16 @@
               <a:defRPr sz="1100"/>
             </a:lvl9pPr>
           </a:lstStyle>
-          <a:p/>
+          <a:p>
+            <a:endParaRPr/>
+          </a:p>
         </p:txBody>
       </p:sp>
     </p:spTree>
   </p:cSld>
-  <p:clrMap accent1="accent1" accent2="accent2" accent3="accent3" accent4="accent4" accent5="accent5" accent6="accent6" bg1="lt1" bg2="dk2" tx1="dk1" tx2="lt2" folHlink="folHlink" hlink="hlink"/>
+  <p:clrMap bg1="lt1" tx1="dk1" bg2="dk2" tx2="lt2" accent1="accent1" accent2="accent2" accent3="accent3" accent4="accent4" accent5="accent5" accent6="accent6" hlink="hlink" folHlink="folHlink"/>
   <p:notesStyle>
-    <a:defPPr lvl="0" marR="0" rtl="0" algn="l">
+    <a:defPPr marR="0" lvl="0" algn="l" rtl="0">
       <a:lnSpc>
         <a:spcPct val="100000"/>
       </a:lnSpc>
@@ -491,7 +505,7 @@
         <a:spcPts val="0"/>
       </a:spcAft>
     </a:defPPr>
-    <a:lvl1pPr lvl="0" marR="0" rtl="0" algn="l">
+    <a:lvl1pPr marR="0" lvl="0" algn="l" rtl="0">
       <a:lnSpc>
         <a:spcPct val="100000"/>
       </a:lnSpc>
@@ -505,7 +519,7 @@
         <a:srgbClr val="000000"/>
       </a:buClr>
       <a:buFont typeface="Arial"/>
-      <a:defRPr b="0" i="0" sz="1400" u="none" cap="none" strike="noStrike">
+      <a:defRPr sz="1400" b="0" i="0" u="none" strike="noStrike" cap="none">
         <a:solidFill>
           <a:srgbClr val="000000"/>
         </a:solidFill>
@@ -515,7 +529,7 @@
         <a:sym typeface="Arial"/>
       </a:defRPr>
     </a:lvl1pPr>
-    <a:lvl2pPr lvl="1" marR="0" rtl="0" algn="l">
+    <a:lvl2pPr marR="0" lvl="1" algn="l" rtl="0">
       <a:lnSpc>
         <a:spcPct val="100000"/>
       </a:lnSpc>
@@ -529,7 +543,7 @@
         <a:srgbClr val="000000"/>
       </a:buClr>
       <a:buFont typeface="Arial"/>
-      <a:defRPr b="0" i="0" sz="1400" u="none" cap="none" strike="noStrike">
+      <a:defRPr sz="1400" b="0" i="0" u="none" strike="noStrike" cap="none">
         <a:solidFill>
           <a:srgbClr val="000000"/>
         </a:solidFill>
@@ -539,7 +553,7 @@
         <a:sym typeface="Arial"/>
       </a:defRPr>
     </a:lvl2pPr>
-    <a:lvl3pPr lvl="2" marR="0" rtl="0" algn="l">
+    <a:lvl3pPr marR="0" lvl="2" algn="l" rtl="0">
       <a:lnSpc>
         <a:spcPct val="100000"/>
       </a:lnSpc>
@@ -553,7 +567,7 @@
         <a:srgbClr val="000000"/>
       </a:buClr>
       <a:buFont typeface="Arial"/>
-      <a:defRPr b="0" i="0" sz="1400" u="none" cap="none" strike="noStrike">
+      <a:defRPr sz="1400" b="0" i="0" u="none" strike="noStrike" cap="none">
         <a:solidFill>
           <a:srgbClr val="000000"/>
         </a:solidFill>
@@ -563,7 +577,7 @@
         <a:sym typeface="Arial"/>
       </a:defRPr>
     </a:lvl3pPr>
-    <a:lvl4pPr lvl="3" marR="0" rtl="0" algn="l">
+    <a:lvl4pPr marR="0" lvl="3" algn="l" rtl="0">
       <a:lnSpc>
         <a:spcPct val="100000"/>
       </a:lnSpc>
@@ -577,7 +591,7 @@
         <a:srgbClr val="000000"/>
       </a:buClr>
       <a:buFont typeface="Arial"/>
-      <a:defRPr b="0" i="0" sz="1400" u="none" cap="none" strike="noStrike">
+      <a:defRPr sz="1400" b="0" i="0" u="none" strike="noStrike" cap="none">
         <a:solidFill>
           <a:srgbClr val="000000"/>
         </a:solidFill>
@@ -587,7 +601,7 @@
         <a:sym typeface="Arial"/>
       </a:defRPr>
     </a:lvl4pPr>
-    <a:lvl5pPr lvl="4" marR="0" rtl="0" algn="l">
+    <a:lvl5pPr marR="0" lvl="4" algn="l" rtl="0">
       <a:lnSpc>
         <a:spcPct val="100000"/>
       </a:lnSpc>
@@ -601,7 +615,7 @@
         <a:srgbClr val="000000"/>
       </a:buClr>
       <a:buFont typeface="Arial"/>
-      <a:defRPr b="0" i="0" sz="1400" u="none" cap="none" strike="noStrike">
+      <a:defRPr sz="1400" b="0" i="0" u="none" strike="noStrike" cap="none">
         <a:solidFill>
           <a:srgbClr val="000000"/>
         </a:solidFill>
@@ -611,7 +625,7 @@
         <a:sym typeface="Arial"/>
       </a:defRPr>
     </a:lvl5pPr>
-    <a:lvl6pPr lvl="5" marR="0" rtl="0" algn="l">
+    <a:lvl6pPr marR="0" lvl="5" algn="l" rtl="0">
       <a:lnSpc>
         <a:spcPct val="100000"/>
       </a:lnSpc>
@@ -625,7 +639,7 @@
         <a:srgbClr val="000000"/>
       </a:buClr>
       <a:buFont typeface="Arial"/>
-      <a:defRPr b="0" i="0" sz="1400" u="none" cap="none" strike="noStrike">
+      <a:defRPr sz="1400" b="0" i="0" u="none" strike="noStrike" cap="none">
         <a:solidFill>
           <a:srgbClr val="000000"/>
         </a:solidFill>
@@ -635,7 +649,7 @@
         <a:sym typeface="Arial"/>
       </a:defRPr>
     </a:lvl6pPr>
-    <a:lvl7pPr lvl="6" marR="0" rtl="0" algn="l">
+    <a:lvl7pPr marR="0" lvl="6" algn="l" rtl="0">
       <a:lnSpc>
         <a:spcPct val="100000"/>
       </a:lnSpc>
@@ -649,7 +663,7 @@
         <a:srgbClr val="000000"/>
       </a:buClr>
       <a:buFont typeface="Arial"/>
-      <a:defRPr b="0" i="0" sz="1400" u="none" cap="none" strike="noStrike">
+      <a:defRPr sz="1400" b="0" i="0" u="none" strike="noStrike" cap="none">
         <a:solidFill>
           <a:srgbClr val="000000"/>
         </a:solidFill>
@@ -659,7 +673,7 @@
         <a:sym typeface="Arial"/>
       </a:defRPr>
     </a:lvl7pPr>
-    <a:lvl8pPr lvl="7" marR="0" rtl="0" algn="l">
+    <a:lvl8pPr marR="0" lvl="7" algn="l" rtl="0">
       <a:lnSpc>
         <a:spcPct val="100000"/>
       </a:lnSpc>
@@ -673,7 +687,7 @@
         <a:srgbClr val="000000"/>
       </a:buClr>
       <a:buFont typeface="Arial"/>
-      <a:defRPr b="0" i="0" sz="1400" u="none" cap="none" strike="noStrike">
+      <a:defRPr sz="1400" b="0" i="0" u="none" strike="noStrike" cap="none">
         <a:solidFill>
           <a:srgbClr val="000000"/>
         </a:solidFill>
@@ -683,7 +697,7 @@
         <a:sym typeface="Arial"/>
       </a:defRPr>
     </a:lvl8pPr>
-    <a:lvl9pPr lvl="8" marR="0" rtl="0" algn="l">
+    <a:lvl9pPr marR="0" lvl="8" algn="l" rtl="0">
       <a:lnSpc>
         <a:spcPct val="100000"/>
       </a:lnSpc>
@@ -697,7 +711,7 @@
         <a:srgbClr val="000000"/>
       </a:buClr>
       <a:buFont typeface="Arial"/>
-      <a:defRPr b="0" i="0" sz="1400" u="none" cap="none" strike="noStrike">
+      <a:defRPr sz="1400" b="0" i="0" u="none" strike="noStrike" cap="none">
         <a:solidFill>
           <a:srgbClr val="000000"/>
         </a:solidFill>
@@ -712,11 +726,11 @@
 </file>
 
 <file path=ppt/notesSlides/notesSlide1.xml><?xml version="1.0" encoding="utf-8"?>
-<p:notes xmlns:a="http://schemas.openxmlformats.org/drawingml/2006/main" xmlns:r="http://schemas.openxmlformats.org/officeDocument/2006/relationships" xmlns:mc="http://schemas.openxmlformats.org/markup-compatibility/2006" xmlns:mv="urn:schemas-microsoft-com:mac:vml" xmlns:p="http://schemas.openxmlformats.org/presentationml/2006/main" xmlns:c="http://schemas.openxmlformats.org/drawingml/2006/chart" xmlns:dgm="http://schemas.openxmlformats.org/drawingml/2006/diagram" xmlns:o="urn:schemas-microsoft-com:office:office" xmlns:v="urn:schemas-microsoft-com:vml" xmlns:pvml="urn:schemas-microsoft-com:office:powerpoint" xmlns:com="http://schemas.openxmlformats.org/drawingml/2006/compatibility" xmlns:p14="http://schemas.microsoft.com/office/powerpoint/2010/main" xmlns:p15="http://schemas.microsoft.com/office/powerpoint/2012/main" xmlns:ahyp="http://schemas.microsoft.com/office/drawing/2018/hyperlinkcolor" showMasterPhAnim="0" showMasterSp="0">
+<p:notes xmlns:a="http://schemas.openxmlformats.org/drawingml/2006/main" xmlns:r="http://schemas.openxmlformats.org/officeDocument/2006/relationships" xmlns:p="http://schemas.openxmlformats.org/presentationml/2006/main" showMasterSp="0" showMasterPhAnim="0">
   <p:cSld>
     <p:spTree>
       <p:nvGrpSpPr>
-        <p:cNvPr id="124" name="Shape 124"/>
+        <p:cNvPr id="1" name="Shape 124"/>
         <p:cNvGrpSpPr/>
         <p:nvPr/>
       </p:nvGrpSpPr>
@@ -731,9 +745,11 @@
       <p:sp>
         <p:nvSpPr>
           <p:cNvPr id="125" name="Google Shape;125;g387f2e334ed_0_0:notes"/>
-          <p:cNvSpPr/>
+          <p:cNvSpPr>
+            <a:spLocks noGrp="1" noRot="1" noChangeAspect="1"/>
+          </p:cNvSpPr>
           <p:nvPr>
-            <p:ph idx="2" type="sldImg"/>
+            <p:ph type="sldImg" idx="2"/>
           </p:nvPr>
         </p:nvSpPr>
         <p:spPr>
@@ -742,9 +758,13 @@
             <a:ext cx="6096000" cy="3429000"/>
           </a:xfrm>
           <a:custGeom>
-            <a:rect b="b" l="l" r="r" t="t"/>
+            <a:avLst/>
+            <a:gdLst/>
+            <a:ahLst/>
+            <a:cxnLst/>
+            <a:rect l="l" t="t" r="r" b="b"/>
             <a:pathLst>
-              <a:path extrusionOk="0" h="120000" w="120000">
+              <a:path w="120000" h="120000" extrusionOk="0">
                 <a:moveTo>
                   <a:pt x="0" y="0"/>
                 </a:moveTo>
@@ -766,9 +786,11 @@
       <p:sp>
         <p:nvSpPr>
           <p:cNvPr id="126" name="Google Shape;126;g387f2e334ed_0_0:notes"/>
-          <p:cNvSpPr txBox="1"/>
+          <p:cNvSpPr txBox="1">
+            <a:spLocks noGrp="1"/>
+          </p:cNvSpPr>
           <p:nvPr>
-            <p:ph idx="1" type="body"/>
+            <p:ph type="body" idx="1"/>
           </p:nvPr>
         </p:nvSpPr>
         <p:spPr>
@@ -781,12 +803,12 @@
           </a:prstGeom>
         </p:spPr>
         <p:txBody>
-          <a:bodyPr anchorCtr="0" anchor="t" bIns="91425" lIns="91425" spcFirstLastPara="1" rIns="91425" wrap="square" tIns="91425">
+          <a:bodyPr spcFirstLastPara="1" wrap="square" lIns="91425" tIns="91425" rIns="91425" bIns="91425" anchor="t" anchorCtr="0">
             <a:noAutofit/>
           </a:bodyPr>
           <a:lstStyle/>
           <a:p>
-            <a:pPr indent="0" lvl="0" marL="0" rtl="0" algn="l">
+            <a:pPr marL="0" lvl="0" indent="0" algn="l" rtl="0">
               <a:spcBef>
                 <a:spcPts val="0"/>
               </a:spcBef>
@@ -795,9 +817,6 @@
               </a:spcAft>
               <a:buNone/>
             </a:pPr>
-            <a:r>
-              <a:t/>
-            </a:r>
             <a:endParaRPr/>
           </a:p>
         </p:txBody>
@@ -811,11 +830,1467 @@
 </file>
 
 <file path=ppt/notesSlides/notesSlide10.xml><?xml version="1.0" encoding="utf-8"?>
-<p:notes xmlns:a="http://schemas.openxmlformats.org/drawingml/2006/main" xmlns:r="http://schemas.openxmlformats.org/officeDocument/2006/relationships" xmlns:mc="http://schemas.openxmlformats.org/markup-compatibility/2006" xmlns:mv="urn:schemas-microsoft-com:mac:vml" xmlns:p="http://schemas.openxmlformats.org/presentationml/2006/main" xmlns:c="http://schemas.openxmlformats.org/drawingml/2006/chart" xmlns:dgm="http://schemas.openxmlformats.org/drawingml/2006/diagram" xmlns:o="urn:schemas-microsoft-com:office:office" xmlns:v="urn:schemas-microsoft-com:vml" xmlns:pvml="urn:schemas-microsoft-com:office:powerpoint" xmlns:com="http://schemas.openxmlformats.org/drawingml/2006/compatibility" xmlns:p14="http://schemas.microsoft.com/office/powerpoint/2010/main" xmlns:p15="http://schemas.microsoft.com/office/powerpoint/2012/main" xmlns:ahyp="http://schemas.microsoft.com/office/drawing/2018/hyperlinkcolor" showMasterPhAnim="0" showMasterSp="0">
+<p:notes xmlns:a="http://schemas.openxmlformats.org/drawingml/2006/main" xmlns:r="http://schemas.openxmlformats.org/officeDocument/2006/relationships" xmlns:p="http://schemas.openxmlformats.org/presentationml/2006/main" showMasterSp="0" showMasterPhAnim="0">
   <p:cSld>
     <p:spTree>
       <p:nvGrpSpPr>
-        <p:cNvPr id="181" name="Shape 181"/>
+        <p:cNvPr id="1" name="Shape 186"/>
+        <p:cNvGrpSpPr/>
+        <p:nvPr/>
+      </p:nvGrpSpPr>
+      <p:grpSpPr>
+        <a:xfrm>
+          <a:off x="0" y="0"/>
+          <a:ext cx="0" cy="0"/>
+          <a:chOff x="0" y="0"/>
+          <a:chExt cx="0" cy="0"/>
+        </a:xfrm>
+      </p:grpSpPr>
+      <p:sp>
+        <p:nvSpPr>
+          <p:cNvPr id="187" name="Google Shape;187;g3892eb97007_0_0:notes"/>
+          <p:cNvSpPr>
+            <a:spLocks noGrp="1" noRot="1" noChangeAspect="1"/>
+          </p:cNvSpPr>
+          <p:nvPr>
+            <p:ph type="sldImg" idx="2"/>
+          </p:nvPr>
+        </p:nvSpPr>
+        <p:spPr>
+          <a:xfrm>
+            <a:off x="381300" y="685800"/>
+            <a:ext cx="6096000" cy="3429000"/>
+          </a:xfrm>
+          <a:custGeom>
+            <a:avLst/>
+            <a:gdLst/>
+            <a:ahLst/>
+            <a:cxnLst/>
+            <a:rect l="l" t="t" r="r" b="b"/>
+            <a:pathLst>
+              <a:path w="120000" h="120000" extrusionOk="0">
+                <a:moveTo>
+                  <a:pt x="0" y="0"/>
+                </a:moveTo>
+                <a:lnTo>
+                  <a:pt x="120000" y="0"/>
+                </a:lnTo>
+                <a:lnTo>
+                  <a:pt x="120000" y="120000"/>
+                </a:lnTo>
+                <a:lnTo>
+                  <a:pt x="0" y="120000"/>
+                </a:lnTo>
+                <a:close/>
+              </a:path>
+            </a:pathLst>
+          </a:custGeom>
+        </p:spPr>
+      </p:sp>
+      <p:sp>
+        <p:nvSpPr>
+          <p:cNvPr id="188" name="Google Shape;188;g3892eb97007_0_0:notes"/>
+          <p:cNvSpPr txBox="1">
+            <a:spLocks noGrp="1"/>
+          </p:cNvSpPr>
+          <p:nvPr>
+            <p:ph type="body" idx="1"/>
+          </p:nvPr>
+        </p:nvSpPr>
+        <p:spPr>
+          <a:xfrm>
+            <a:off x="685800" y="4343400"/>
+            <a:ext cx="5486400" cy="4114800"/>
+          </a:xfrm>
+          <a:prstGeom prst="rect">
+            <a:avLst/>
+          </a:prstGeom>
+        </p:spPr>
+        <p:txBody>
+          <a:bodyPr spcFirstLastPara="1" wrap="square" lIns="91425" tIns="91425" rIns="91425" bIns="91425" anchor="t" anchorCtr="0">
+            <a:noAutofit/>
+          </a:bodyPr>
+          <a:lstStyle/>
+          <a:p>
+            <a:pPr marL="0" lvl="0" indent="0" algn="l" rtl="0">
+              <a:spcBef>
+                <a:spcPts val="0"/>
+              </a:spcBef>
+              <a:spcAft>
+                <a:spcPts val="0"/>
+              </a:spcAft>
+              <a:buNone/>
+            </a:pPr>
+            <a:endParaRPr/>
+          </a:p>
+        </p:txBody>
+      </p:sp>
+    </p:spTree>
+  </p:cSld>
+  <p:clrMapOvr>
+    <a:masterClrMapping/>
+  </p:clrMapOvr>
+</p:notes>
+</file>
+
+<file path=ppt/notesSlides/notesSlide11.xml><?xml version="1.0" encoding="utf-8"?>
+<p:notes xmlns:a="http://schemas.openxmlformats.org/drawingml/2006/main" xmlns:r="http://schemas.openxmlformats.org/officeDocument/2006/relationships" xmlns:p="http://schemas.openxmlformats.org/presentationml/2006/main" showMasterSp="0" showMasterPhAnim="0">
+  <p:cSld>
+    <p:spTree>
+      <p:nvGrpSpPr>
+        <p:cNvPr id="1" name="Shape 191"/>
+        <p:cNvGrpSpPr/>
+        <p:nvPr/>
+      </p:nvGrpSpPr>
+      <p:grpSpPr>
+        <a:xfrm>
+          <a:off x="0" y="0"/>
+          <a:ext cx="0" cy="0"/>
+          <a:chOff x="0" y="0"/>
+          <a:chExt cx="0" cy="0"/>
+        </a:xfrm>
+      </p:grpSpPr>
+      <p:sp>
+        <p:nvSpPr>
+          <p:cNvPr id="192" name="Google Shape;192;g3892eb97007_0_9:notes"/>
+          <p:cNvSpPr>
+            <a:spLocks noGrp="1" noRot="1" noChangeAspect="1"/>
+          </p:cNvSpPr>
+          <p:nvPr>
+            <p:ph type="sldImg" idx="2"/>
+          </p:nvPr>
+        </p:nvSpPr>
+        <p:spPr>
+          <a:xfrm>
+            <a:off x="381300" y="685800"/>
+            <a:ext cx="6096000" cy="3429000"/>
+          </a:xfrm>
+          <a:custGeom>
+            <a:avLst/>
+            <a:gdLst/>
+            <a:ahLst/>
+            <a:cxnLst/>
+            <a:rect l="l" t="t" r="r" b="b"/>
+            <a:pathLst>
+              <a:path w="120000" h="120000" extrusionOk="0">
+                <a:moveTo>
+                  <a:pt x="0" y="0"/>
+                </a:moveTo>
+                <a:lnTo>
+                  <a:pt x="120000" y="0"/>
+                </a:lnTo>
+                <a:lnTo>
+                  <a:pt x="120000" y="120000"/>
+                </a:lnTo>
+                <a:lnTo>
+                  <a:pt x="0" y="120000"/>
+                </a:lnTo>
+                <a:close/>
+              </a:path>
+            </a:pathLst>
+          </a:custGeom>
+        </p:spPr>
+      </p:sp>
+      <p:sp>
+        <p:nvSpPr>
+          <p:cNvPr id="193" name="Google Shape;193;g3892eb97007_0_9:notes"/>
+          <p:cNvSpPr txBox="1">
+            <a:spLocks noGrp="1"/>
+          </p:cNvSpPr>
+          <p:nvPr>
+            <p:ph type="body" idx="1"/>
+          </p:nvPr>
+        </p:nvSpPr>
+        <p:spPr>
+          <a:xfrm>
+            <a:off x="685800" y="4343400"/>
+            <a:ext cx="5486400" cy="4114800"/>
+          </a:xfrm>
+          <a:prstGeom prst="rect">
+            <a:avLst/>
+          </a:prstGeom>
+        </p:spPr>
+        <p:txBody>
+          <a:bodyPr spcFirstLastPara="1" wrap="square" lIns="91425" tIns="91425" rIns="91425" bIns="91425" anchor="t" anchorCtr="0">
+            <a:noAutofit/>
+          </a:bodyPr>
+          <a:lstStyle/>
+          <a:p>
+            <a:pPr marL="0" lvl="0" indent="0" algn="l" rtl="0">
+              <a:spcBef>
+                <a:spcPts val="0"/>
+              </a:spcBef>
+              <a:spcAft>
+                <a:spcPts val="0"/>
+              </a:spcAft>
+              <a:buNone/>
+            </a:pPr>
+            <a:endParaRPr/>
+          </a:p>
+        </p:txBody>
+      </p:sp>
+    </p:spTree>
+  </p:cSld>
+  <p:clrMapOvr>
+    <a:masterClrMapping/>
+  </p:clrMapOvr>
+</p:notes>
+</file>
+
+<file path=ppt/notesSlides/notesSlide12.xml><?xml version="1.0" encoding="utf-8"?>
+<p:notes xmlns:a="http://schemas.openxmlformats.org/drawingml/2006/main" xmlns:r="http://schemas.openxmlformats.org/officeDocument/2006/relationships" xmlns:p="http://schemas.openxmlformats.org/presentationml/2006/main" showMasterSp="0" showMasterPhAnim="0">
+  <p:cSld>
+    <p:spTree>
+      <p:nvGrpSpPr>
+        <p:cNvPr id="1" name="Shape 196"/>
+        <p:cNvGrpSpPr/>
+        <p:nvPr/>
+      </p:nvGrpSpPr>
+      <p:grpSpPr>
+        <a:xfrm>
+          <a:off x="0" y="0"/>
+          <a:ext cx="0" cy="0"/>
+          <a:chOff x="0" y="0"/>
+          <a:chExt cx="0" cy="0"/>
+        </a:xfrm>
+      </p:grpSpPr>
+      <p:sp>
+        <p:nvSpPr>
+          <p:cNvPr id="197" name="Google Shape;197;g3892eb97007_0_14:notes"/>
+          <p:cNvSpPr>
+            <a:spLocks noGrp="1" noRot="1" noChangeAspect="1"/>
+          </p:cNvSpPr>
+          <p:nvPr>
+            <p:ph type="sldImg" idx="2"/>
+          </p:nvPr>
+        </p:nvSpPr>
+        <p:spPr>
+          <a:xfrm>
+            <a:off x="381300" y="685800"/>
+            <a:ext cx="6096000" cy="3429000"/>
+          </a:xfrm>
+          <a:custGeom>
+            <a:avLst/>
+            <a:gdLst/>
+            <a:ahLst/>
+            <a:cxnLst/>
+            <a:rect l="l" t="t" r="r" b="b"/>
+            <a:pathLst>
+              <a:path w="120000" h="120000" extrusionOk="0">
+                <a:moveTo>
+                  <a:pt x="0" y="0"/>
+                </a:moveTo>
+                <a:lnTo>
+                  <a:pt x="120000" y="0"/>
+                </a:lnTo>
+                <a:lnTo>
+                  <a:pt x="120000" y="120000"/>
+                </a:lnTo>
+                <a:lnTo>
+                  <a:pt x="0" y="120000"/>
+                </a:lnTo>
+                <a:close/>
+              </a:path>
+            </a:pathLst>
+          </a:custGeom>
+        </p:spPr>
+      </p:sp>
+      <p:sp>
+        <p:nvSpPr>
+          <p:cNvPr id="198" name="Google Shape;198;g3892eb97007_0_14:notes"/>
+          <p:cNvSpPr txBox="1">
+            <a:spLocks noGrp="1"/>
+          </p:cNvSpPr>
+          <p:nvPr>
+            <p:ph type="body" idx="1"/>
+          </p:nvPr>
+        </p:nvSpPr>
+        <p:spPr>
+          <a:xfrm>
+            <a:off x="685800" y="4343400"/>
+            <a:ext cx="5486400" cy="4114800"/>
+          </a:xfrm>
+          <a:prstGeom prst="rect">
+            <a:avLst/>
+          </a:prstGeom>
+        </p:spPr>
+        <p:txBody>
+          <a:bodyPr spcFirstLastPara="1" wrap="square" lIns="91425" tIns="91425" rIns="91425" bIns="91425" anchor="t" anchorCtr="0">
+            <a:noAutofit/>
+          </a:bodyPr>
+          <a:lstStyle/>
+          <a:p>
+            <a:pPr marL="0" lvl="0" indent="0" algn="l" rtl="0">
+              <a:spcBef>
+                <a:spcPts val="0"/>
+              </a:spcBef>
+              <a:spcAft>
+                <a:spcPts val="0"/>
+              </a:spcAft>
+              <a:buNone/>
+            </a:pPr>
+            <a:endParaRPr/>
+          </a:p>
+        </p:txBody>
+      </p:sp>
+    </p:spTree>
+  </p:cSld>
+  <p:clrMapOvr>
+    <a:masterClrMapping/>
+  </p:clrMapOvr>
+</p:notes>
+</file>
+
+<file path=ppt/notesSlides/notesSlide13.xml><?xml version="1.0" encoding="utf-8"?>
+<p:notes xmlns:a="http://schemas.openxmlformats.org/drawingml/2006/main" xmlns:r="http://schemas.openxmlformats.org/officeDocument/2006/relationships" xmlns:p="http://schemas.openxmlformats.org/presentationml/2006/main" showMasterSp="0" showMasterPhAnim="0">
+  <p:cSld>
+    <p:spTree>
+      <p:nvGrpSpPr>
+        <p:cNvPr id="1" name="Shape 201"/>
+        <p:cNvGrpSpPr/>
+        <p:nvPr/>
+      </p:nvGrpSpPr>
+      <p:grpSpPr>
+        <a:xfrm>
+          <a:off x="0" y="0"/>
+          <a:ext cx="0" cy="0"/>
+          <a:chOff x="0" y="0"/>
+          <a:chExt cx="0" cy="0"/>
+        </a:xfrm>
+      </p:grpSpPr>
+      <p:sp>
+        <p:nvSpPr>
+          <p:cNvPr id="202" name="Google Shape;202;g3892eb97007_0_19:notes"/>
+          <p:cNvSpPr>
+            <a:spLocks noGrp="1" noRot="1" noChangeAspect="1"/>
+          </p:cNvSpPr>
+          <p:nvPr>
+            <p:ph type="sldImg" idx="2"/>
+          </p:nvPr>
+        </p:nvSpPr>
+        <p:spPr>
+          <a:xfrm>
+            <a:off x="381300" y="685800"/>
+            <a:ext cx="6096000" cy="3429000"/>
+          </a:xfrm>
+          <a:custGeom>
+            <a:avLst/>
+            <a:gdLst/>
+            <a:ahLst/>
+            <a:cxnLst/>
+            <a:rect l="l" t="t" r="r" b="b"/>
+            <a:pathLst>
+              <a:path w="120000" h="120000" extrusionOk="0">
+                <a:moveTo>
+                  <a:pt x="0" y="0"/>
+                </a:moveTo>
+                <a:lnTo>
+                  <a:pt x="120000" y="0"/>
+                </a:lnTo>
+                <a:lnTo>
+                  <a:pt x="120000" y="120000"/>
+                </a:lnTo>
+                <a:lnTo>
+                  <a:pt x="0" y="120000"/>
+                </a:lnTo>
+                <a:close/>
+              </a:path>
+            </a:pathLst>
+          </a:custGeom>
+        </p:spPr>
+      </p:sp>
+      <p:sp>
+        <p:nvSpPr>
+          <p:cNvPr id="203" name="Google Shape;203;g3892eb97007_0_19:notes"/>
+          <p:cNvSpPr txBox="1">
+            <a:spLocks noGrp="1"/>
+          </p:cNvSpPr>
+          <p:nvPr>
+            <p:ph type="body" idx="1"/>
+          </p:nvPr>
+        </p:nvSpPr>
+        <p:spPr>
+          <a:xfrm>
+            <a:off x="685800" y="4343400"/>
+            <a:ext cx="5486400" cy="4114800"/>
+          </a:xfrm>
+          <a:prstGeom prst="rect">
+            <a:avLst/>
+          </a:prstGeom>
+        </p:spPr>
+        <p:txBody>
+          <a:bodyPr spcFirstLastPara="1" wrap="square" lIns="91425" tIns="91425" rIns="91425" bIns="91425" anchor="t" anchorCtr="0">
+            <a:noAutofit/>
+          </a:bodyPr>
+          <a:lstStyle/>
+          <a:p>
+            <a:pPr marL="0" lvl="0" indent="0" algn="l" rtl="0">
+              <a:spcBef>
+                <a:spcPts val="0"/>
+              </a:spcBef>
+              <a:spcAft>
+                <a:spcPts val="0"/>
+              </a:spcAft>
+              <a:buNone/>
+            </a:pPr>
+            <a:endParaRPr/>
+          </a:p>
+        </p:txBody>
+      </p:sp>
+    </p:spTree>
+  </p:cSld>
+  <p:clrMapOvr>
+    <a:masterClrMapping/>
+  </p:clrMapOvr>
+</p:notes>
+</file>
+
+<file path=ppt/notesSlides/notesSlide14.xml><?xml version="1.0" encoding="utf-8"?>
+<p:notes xmlns:a="http://schemas.openxmlformats.org/drawingml/2006/main" xmlns:r="http://schemas.openxmlformats.org/officeDocument/2006/relationships" xmlns:p="http://schemas.openxmlformats.org/presentationml/2006/main" showMasterSp="0" showMasterPhAnim="0">
+  <p:cSld>
+    <p:spTree>
+      <p:nvGrpSpPr>
+        <p:cNvPr id="1" name="Shape 206"/>
+        <p:cNvGrpSpPr/>
+        <p:nvPr/>
+      </p:nvGrpSpPr>
+      <p:grpSpPr>
+        <a:xfrm>
+          <a:off x="0" y="0"/>
+          <a:ext cx="0" cy="0"/>
+          <a:chOff x="0" y="0"/>
+          <a:chExt cx="0" cy="0"/>
+        </a:xfrm>
+      </p:grpSpPr>
+      <p:sp>
+        <p:nvSpPr>
+          <p:cNvPr id="207" name="Google Shape;207;g387f2e334ed_0_303:notes"/>
+          <p:cNvSpPr>
+            <a:spLocks noGrp="1" noRot="1" noChangeAspect="1"/>
+          </p:cNvSpPr>
+          <p:nvPr>
+            <p:ph type="sldImg" idx="2"/>
+          </p:nvPr>
+        </p:nvSpPr>
+        <p:spPr>
+          <a:xfrm>
+            <a:off x="381300" y="685800"/>
+            <a:ext cx="6096000" cy="3429000"/>
+          </a:xfrm>
+          <a:custGeom>
+            <a:avLst/>
+            <a:gdLst/>
+            <a:ahLst/>
+            <a:cxnLst/>
+            <a:rect l="l" t="t" r="r" b="b"/>
+            <a:pathLst>
+              <a:path w="120000" h="120000" extrusionOk="0">
+                <a:moveTo>
+                  <a:pt x="0" y="0"/>
+                </a:moveTo>
+                <a:lnTo>
+                  <a:pt x="120000" y="0"/>
+                </a:lnTo>
+                <a:lnTo>
+                  <a:pt x="120000" y="120000"/>
+                </a:lnTo>
+                <a:lnTo>
+                  <a:pt x="0" y="120000"/>
+                </a:lnTo>
+                <a:close/>
+              </a:path>
+            </a:pathLst>
+          </a:custGeom>
+        </p:spPr>
+      </p:sp>
+      <p:sp>
+        <p:nvSpPr>
+          <p:cNvPr id="208" name="Google Shape;208;g387f2e334ed_0_303:notes"/>
+          <p:cNvSpPr txBox="1">
+            <a:spLocks noGrp="1"/>
+          </p:cNvSpPr>
+          <p:nvPr>
+            <p:ph type="body" idx="1"/>
+          </p:nvPr>
+        </p:nvSpPr>
+        <p:spPr>
+          <a:xfrm>
+            <a:off x="685800" y="4343400"/>
+            <a:ext cx="5486400" cy="4114800"/>
+          </a:xfrm>
+          <a:prstGeom prst="rect">
+            <a:avLst/>
+          </a:prstGeom>
+        </p:spPr>
+        <p:txBody>
+          <a:bodyPr spcFirstLastPara="1" wrap="square" lIns="91425" tIns="91425" rIns="91425" bIns="91425" anchor="t" anchorCtr="0">
+            <a:noAutofit/>
+          </a:bodyPr>
+          <a:lstStyle/>
+          <a:p>
+            <a:pPr marL="0" lvl="0" indent="0" algn="l" rtl="0">
+              <a:spcBef>
+                <a:spcPts val="0"/>
+              </a:spcBef>
+              <a:spcAft>
+                <a:spcPts val="0"/>
+              </a:spcAft>
+              <a:buNone/>
+            </a:pPr>
+            <a:endParaRPr/>
+          </a:p>
+        </p:txBody>
+      </p:sp>
+    </p:spTree>
+  </p:cSld>
+  <p:clrMapOvr>
+    <a:masterClrMapping/>
+  </p:clrMapOvr>
+</p:notes>
+</file>
+
+<file path=ppt/notesSlides/notesSlide15.xml><?xml version="1.0" encoding="utf-8"?>
+<p:notes xmlns:a="http://schemas.openxmlformats.org/drawingml/2006/main" xmlns:r="http://schemas.openxmlformats.org/officeDocument/2006/relationships" xmlns:p="http://schemas.openxmlformats.org/presentationml/2006/main" showMasterSp="0" showMasterPhAnim="0">
+  <p:cSld>
+    <p:spTree>
+      <p:nvGrpSpPr>
+        <p:cNvPr id="1" name="Shape 213"/>
+        <p:cNvGrpSpPr/>
+        <p:nvPr/>
+      </p:nvGrpSpPr>
+      <p:grpSpPr>
+        <a:xfrm>
+          <a:off x="0" y="0"/>
+          <a:ext cx="0" cy="0"/>
+          <a:chOff x="0" y="0"/>
+          <a:chExt cx="0" cy="0"/>
+        </a:xfrm>
+      </p:grpSpPr>
+      <p:sp>
+        <p:nvSpPr>
+          <p:cNvPr id="214" name="Google Shape;214;g3892e553a8c_0_124:notes"/>
+          <p:cNvSpPr>
+            <a:spLocks noGrp="1" noRot="1" noChangeAspect="1"/>
+          </p:cNvSpPr>
+          <p:nvPr>
+            <p:ph type="sldImg" idx="2"/>
+          </p:nvPr>
+        </p:nvSpPr>
+        <p:spPr>
+          <a:xfrm>
+            <a:off x="381300" y="685800"/>
+            <a:ext cx="6096000" cy="3429000"/>
+          </a:xfrm>
+          <a:custGeom>
+            <a:avLst/>
+            <a:gdLst/>
+            <a:ahLst/>
+            <a:cxnLst/>
+            <a:rect l="l" t="t" r="r" b="b"/>
+            <a:pathLst>
+              <a:path w="120000" h="120000" extrusionOk="0">
+                <a:moveTo>
+                  <a:pt x="0" y="0"/>
+                </a:moveTo>
+                <a:lnTo>
+                  <a:pt x="120000" y="0"/>
+                </a:lnTo>
+                <a:lnTo>
+                  <a:pt x="120000" y="120000"/>
+                </a:lnTo>
+                <a:lnTo>
+                  <a:pt x="0" y="120000"/>
+                </a:lnTo>
+                <a:close/>
+              </a:path>
+            </a:pathLst>
+          </a:custGeom>
+        </p:spPr>
+      </p:sp>
+      <p:sp>
+        <p:nvSpPr>
+          <p:cNvPr id="215" name="Google Shape;215;g3892e553a8c_0_124:notes"/>
+          <p:cNvSpPr txBox="1">
+            <a:spLocks noGrp="1"/>
+          </p:cNvSpPr>
+          <p:nvPr>
+            <p:ph type="body" idx="1"/>
+          </p:nvPr>
+        </p:nvSpPr>
+        <p:spPr>
+          <a:xfrm>
+            <a:off x="685800" y="4343400"/>
+            <a:ext cx="5486400" cy="4114800"/>
+          </a:xfrm>
+          <a:prstGeom prst="rect">
+            <a:avLst/>
+          </a:prstGeom>
+        </p:spPr>
+        <p:txBody>
+          <a:bodyPr spcFirstLastPara="1" wrap="square" lIns="91425" tIns="91425" rIns="91425" bIns="91425" anchor="t" anchorCtr="0">
+            <a:noAutofit/>
+          </a:bodyPr>
+          <a:lstStyle/>
+          <a:p>
+            <a:pPr marL="0" lvl="0" indent="0" algn="l" rtl="0">
+              <a:spcBef>
+                <a:spcPts val="0"/>
+              </a:spcBef>
+              <a:spcAft>
+                <a:spcPts val="0"/>
+              </a:spcAft>
+              <a:buNone/>
+            </a:pPr>
+            <a:endParaRPr/>
+          </a:p>
+        </p:txBody>
+      </p:sp>
+    </p:spTree>
+  </p:cSld>
+  <p:clrMapOvr>
+    <a:masterClrMapping/>
+  </p:clrMapOvr>
+</p:notes>
+</file>
+
+<file path=ppt/notesSlides/notesSlide16.xml><?xml version="1.0" encoding="utf-8"?>
+<p:notes xmlns:a="http://schemas.openxmlformats.org/drawingml/2006/main" xmlns:r="http://schemas.openxmlformats.org/officeDocument/2006/relationships" xmlns:p="http://schemas.openxmlformats.org/presentationml/2006/main" showMasterSp="0" showMasterPhAnim="0">
+  <p:cSld>
+    <p:spTree>
+      <p:nvGrpSpPr>
+        <p:cNvPr id="1" name="Shape 219"/>
+        <p:cNvGrpSpPr/>
+        <p:nvPr/>
+      </p:nvGrpSpPr>
+      <p:grpSpPr>
+        <a:xfrm>
+          <a:off x="0" y="0"/>
+          <a:ext cx="0" cy="0"/>
+          <a:chOff x="0" y="0"/>
+          <a:chExt cx="0" cy="0"/>
+        </a:xfrm>
+      </p:grpSpPr>
+      <p:sp>
+        <p:nvSpPr>
+          <p:cNvPr id="220" name="Google Shape;220;g3892e553a8c_0_129:notes"/>
+          <p:cNvSpPr>
+            <a:spLocks noGrp="1" noRot="1" noChangeAspect="1"/>
+          </p:cNvSpPr>
+          <p:nvPr>
+            <p:ph type="sldImg" idx="2"/>
+          </p:nvPr>
+        </p:nvSpPr>
+        <p:spPr>
+          <a:xfrm>
+            <a:off x="381300" y="685800"/>
+            <a:ext cx="6096000" cy="3429000"/>
+          </a:xfrm>
+          <a:custGeom>
+            <a:avLst/>
+            <a:gdLst/>
+            <a:ahLst/>
+            <a:cxnLst/>
+            <a:rect l="l" t="t" r="r" b="b"/>
+            <a:pathLst>
+              <a:path w="120000" h="120000" extrusionOk="0">
+                <a:moveTo>
+                  <a:pt x="0" y="0"/>
+                </a:moveTo>
+                <a:lnTo>
+                  <a:pt x="120000" y="0"/>
+                </a:lnTo>
+                <a:lnTo>
+                  <a:pt x="120000" y="120000"/>
+                </a:lnTo>
+                <a:lnTo>
+                  <a:pt x="0" y="120000"/>
+                </a:lnTo>
+                <a:close/>
+              </a:path>
+            </a:pathLst>
+          </a:custGeom>
+        </p:spPr>
+      </p:sp>
+      <p:sp>
+        <p:nvSpPr>
+          <p:cNvPr id="221" name="Google Shape;221;g3892e553a8c_0_129:notes"/>
+          <p:cNvSpPr txBox="1">
+            <a:spLocks noGrp="1"/>
+          </p:cNvSpPr>
+          <p:nvPr>
+            <p:ph type="body" idx="1"/>
+          </p:nvPr>
+        </p:nvSpPr>
+        <p:spPr>
+          <a:xfrm>
+            <a:off x="685800" y="4343400"/>
+            <a:ext cx="5486400" cy="4114800"/>
+          </a:xfrm>
+          <a:prstGeom prst="rect">
+            <a:avLst/>
+          </a:prstGeom>
+        </p:spPr>
+        <p:txBody>
+          <a:bodyPr spcFirstLastPara="1" wrap="square" lIns="91425" tIns="91425" rIns="91425" bIns="91425" anchor="t" anchorCtr="0">
+            <a:noAutofit/>
+          </a:bodyPr>
+          <a:lstStyle/>
+          <a:p>
+            <a:pPr marL="0" lvl="0" indent="0" algn="l" rtl="0">
+              <a:spcBef>
+                <a:spcPts val="0"/>
+              </a:spcBef>
+              <a:spcAft>
+                <a:spcPts val="0"/>
+              </a:spcAft>
+              <a:buNone/>
+            </a:pPr>
+            <a:endParaRPr/>
+          </a:p>
+        </p:txBody>
+      </p:sp>
+    </p:spTree>
+  </p:cSld>
+  <p:clrMapOvr>
+    <a:masterClrMapping/>
+  </p:clrMapOvr>
+</p:notes>
+</file>
+
+<file path=ppt/notesSlides/notesSlide2.xml><?xml version="1.0" encoding="utf-8"?>
+<p:notes xmlns:a="http://schemas.openxmlformats.org/drawingml/2006/main" xmlns:r="http://schemas.openxmlformats.org/officeDocument/2006/relationships" xmlns:p="http://schemas.openxmlformats.org/presentationml/2006/main" showMasterSp="0" showMasterPhAnim="0">
+  <p:cSld>
+    <p:spTree>
+      <p:nvGrpSpPr>
+        <p:cNvPr id="1" name="Shape 135"/>
+        <p:cNvGrpSpPr/>
+        <p:nvPr/>
+      </p:nvGrpSpPr>
+      <p:grpSpPr>
+        <a:xfrm>
+          <a:off x="0" y="0"/>
+          <a:ext cx="0" cy="0"/>
+          <a:chOff x="0" y="0"/>
+          <a:chExt cx="0" cy="0"/>
+        </a:xfrm>
+      </p:grpSpPr>
+      <p:sp>
+        <p:nvSpPr>
+          <p:cNvPr id="136" name="Google Shape;136;g387f2e334ed_0_265:notes"/>
+          <p:cNvSpPr>
+            <a:spLocks noGrp="1" noRot="1" noChangeAspect="1"/>
+          </p:cNvSpPr>
+          <p:nvPr>
+            <p:ph type="sldImg" idx="2"/>
+          </p:nvPr>
+        </p:nvSpPr>
+        <p:spPr>
+          <a:xfrm>
+            <a:off x="381300" y="685800"/>
+            <a:ext cx="6096000" cy="3429000"/>
+          </a:xfrm>
+          <a:custGeom>
+            <a:avLst/>
+            <a:gdLst/>
+            <a:ahLst/>
+            <a:cxnLst/>
+            <a:rect l="l" t="t" r="r" b="b"/>
+            <a:pathLst>
+              <a:path w="120000" h="120000" extrusionOk="0">
+                <a:moveTo>
+                  <a:pt x="0" y="0"/>
+                </a:moveTo>
+                <a:lnTo>
+                  <a:pt x="120000" y="0"/>
+                </a:lnTo>
+                <a:lnTo>
+                  <a:pt x="120000" y="120000"/>
+                </a:lnTo>
+                <a:lnTo>
+                  <a:pt x="0" y="120000"/>
+                </a:lnTo>
+                <a:close/>
+              </a:path>
+            </a:pathLst>
+          </a:custGeom>
+        </p:spPr>
+      </p:sp>
+      <p:sp>
+        <p:nvSpPr>
+          <p:cNvPr id="137" name="Google Shape;137;g387f2e334ed_0_265:notes"/>
+          <p:cNvSpPr txBox="1">
+            <a:spLocks noGrp="1"/>
+          </p:cNvSpPr>
+          <p:nvPr>
+            <p:ph type="body" idx="1"/>
+          </p:nvPr>
+        </p:nvSpPr>
+        <p:spPr>
+          <a:xfrm>
+            <a:off x="685800" y="4343400"/>
+            <a:ext cx="5486400" cy="4114800"/>
+          </a:xfrm>
+          <a:prstGeom prst="rect">
+            <a:avLst/>
+          </a:prstGeom>
+        </p:spPr>
+        <p:txBody>
+          <a:bodyPr spcFirstLastPara="1" wrap="square" lIns="91425" tIns="91425" rIns="91425" bIns="91425" anchor="t" anchorCtr="0">
+            <a:noAutofit/>
+          </a:bodyPr>
+          <a:lstStyle/>
+          <a:p>
+            <a:pPr marL="0" lvl="0" indent="0" algn="l" rtl="0">
+              <a:spcBef>
+                <a:spcPts val="0"/>
+              </a:spcBef>
+              <a:spcAft>
+                <a:spcPts val="0"/>
+              </a:spcAft>
+              <a:buNone/>
+            </a:pPr>
+            <a:endParaRPr/>
+          </a:p>
+        </p:txBody>
+      </p:sp>
+    </p:spTree>
+  </p:cSld>
+  <p:clrMapOvr>
+    <a:masterClrMapping/>
+  </p:clrMapOvr>
+</p:notes>
+</file>
+
+<file path=ppt/notesSlides/notesSlide3.xml><?xml version="1.0" encoding="utf-8"?>
+<p:notes xmlns:a="http://schemas.openxmlformats.org/drawingml/2006/main" xmlns:r="http://schemas.openxmlformats.org/officeDocument/2006/relationships" xmlns:p="http://schemas.openxmlformats.org/presentationml/2006/main" showMasterSp="0" showMasterPhAnim="0">
+  <p:cSld>
+    <p:spTree>
+      <p:nvGrpSpPr>
+        <p:cNvPr id="1" name="Shape 140"/>
+        <p:cNvGrpSpPr/>
+        <p:nvPr/>
+      </p:nvGrpSpPr>
+      <p:grpSpPr>
+        <a:xfrm>
+          <a:off x="0" y="0"/>
+          <a:ext cx="0" cy="0"/>
+          <a:chOff x="0" y="0"/>
+          <a:chExt cx="0" cy="0"/>
+        </a:xfrm>
+      </p:grpSpPr>
+      <p:sp>
+        <p:nvSpPr>
+          <p:cNvPr id="141" name="Google Shape;141;g387f2e334ed_0_269:notes"/>
+          <p:cNvSpPr>
+            <a:spLocks noGrp="1" noRot="1" noChangeAspect="1"/>
+          </p:cNvSpPr>
+          <p:nvPr>
+            <p:ph type="sldImg" idx="2"/>
+          </p:nvPr>
+        </p:nvSpPr>
+        <p:spPr>
+          <a:xfrm>
+            <a:off x="381000" y="685800"/>
+            <a:ext cx="6096000" cy="3429000"/>
+          </a:xfrm>
+          <a:custGeom>
+            <a:avLst/>
+            <a:gdLst/>
+            <a:ahLst/>
+            <a:cxnLst/>
+            <a:rect l="l" t="t" r="r" b="b"/>
+            <a:pathLst>
+              <a:path w="120000" h="120000" extrusionOk="0">
+                <a:moveTo>
+                  <a:pt x="0" y="0"/>
+                </a:moveTo>
+                <a:lnTo>
+                  <a:pt x="120000" y="0"/>
+                </a:lnTo>
+                <a:lnTo>
+                  <a:pt x="120000" y="120000"/>
+                </a:lnTo>
+                <a:lnTo>
+                  <a:pt x="0" y="120000"/>
+                </a:lnTo>
+                <a:close/>
+              </a:path>
+            </a:pathLst>
+          </a:custGeom>
+        </p:spPr>
+      </p:sp>
+      <p:sp>
+        <p:nvSpPr>
+          <p:cNvPr id="142" name="Google Shape;142;g387f2e334ed_0_269:notes"/>
+          <p:cNvSpPr txBox="1">
+            <a:spLocks noGrp="1"/>
+          </p:cNvSpPr>
+          <p:nvPr>
+            <p:ph type="body" idx="1"/>
+          </p:nvPr>
+        </p:nvSpPr>
+        <p:spPr>
+          <a:xfrm>
+            <a:off x="685800" y="4343400"/>
+            <a:ext cx="5486400" cy="4114800"/>
+          </a:xfrm>
+          <a:prstGeom prst="rect">
+            <a:avLst/>
+          </a:prstGeom>
+        </p:spPr>
+        <p:txBody>
+          <a:bodyPr spcFirstLastPara="1" wrap="square" lIns="91425" tIns="91425" rIns="91425" bIns="91425" anchor="t" anchorCtr="0">
+            <a:noAutofit/>
+          </a:bodyPr>
+          <a:lstStyle/>
+          <a:p>
+            <a:pPr marL="0" lvl="0" indent="0" algn="l" rtl="0">
+              <a:spcBef>
+                <a:spcPts val="0"/>
+              </a:spcBef>
+              <a:spcAft>
+                <a:spcPts val="0"/>
+              </a:spcAft>
+              <a:buNone/>
+            </a:pPr>
+            <a:endParaRPr/>
+          </a:p>
+        </p:txBody>
+      </p:sp>
+    </p:spTree>
+  </p:cSld>
+  <p:clrMapOvr>
+    <a:masterClrMapping/>
+  </p:clrMapOvr>
+</p:notes>
+</file>
+
+<file path=ppt/notesSlides/notesSlide4.xml><?xml version="1.0" encoding="utf-8"?>
+<p:notes xmlns:a="http://schemas.openxmlformats.org/drawingml/2006/main" xmlns:r="http://schemas.openxmlformats.org/officeDocument/2006/relationships" xmlns:p="http://schemas.openxmlformats.org/presentationml/2006/main" showMasterSp="0" showMasterPhAnim="0">
+  <p:cSld>
+    <p:spTree>
+      <p:nvGrpSpPr>
+        <p:cNvPr id="1" name="Shape 147"/>
+        <p:cNvGrpSpPr/>
+        <p:nvPr/>
+      </p:nvGrpSpPr>
+      <p:grpSpPr>
+        <a:xfrm>
+          <a:off x="0" y="0"/>
+          <a:ext cx="0" cy="0"/>
+          <a:chOff x="0" y="0"/>
+          <a:chExt cx="0" cy="0"/>
+        </a:xfrm>
+      </p:grpSpPr>
+      <p:sp>
+        <p:nvSpPr>
+          <p:cNvPr id="148" name="Google Shape;148;g387f2e334ed_0_275:notes"/>
+          <p:cNvSpPr>
+            <a:spLocks noGrp="1" noRot="1" noChangeAspect="1"/>
+          </p:cNvSpPr>
+          <p:nvPr>
+            <p:ph type="sldImg" idx="2"/>
+          </p:nvPr>
+        </p:nvSpPr>
+        <p:spPr>
+          <a:xfrm>
+            <a:off x="381000" y="685800"/>
+            <a:ext cx="6096000" cy="3429000"/>
+          </a:xfrm>
+          <a:custGeom>
+            <a:avLst/>
+            <a:gdLst/>
+            <a:ahLst/>
+            <a:cxnLst/>
+            <a:rect l="l" t="t" r="r" b="b"/>
+            <a:pathLst>
+              <a:path w="120000" h="120000" extrusionOk="0">
+                <a:moveTo>
+                  <a:pt x="0" y="0"/>
+                </a:moveTo>
+                <a:lnTo>
+                  <a:pt x="120000" y="0"/>
+                </a:lnTo>
+                <a:lnTo>
+                  <a:pt x="120000" y="120000"/>
+                </a:lnTo>
+                <a:lnTo>
+                  <a:pt x="0" y="120000"/>
+                </a:lnTo>
+                <a:close/>
+              </a:path>
+            </a:pathLst>
+          </a:custGeom>
+        </p:spPr>
+      </p:sp>
+      <p:sp>
+        <p:nvSpPr>
+          <p:cNvPr id="149" name="Google Shape;149;g387f2e334ed_0_275:notes"/>
+          <p:cNvSpPr txBox="1">
+            <a:spLocks noGrp="1"/>
+          </p:cNvSpPr>
+          <p:nvPr>
+            <p:ph type="body" idx="1"/>
+          </p:nvPr>
+        </p:nvSpPr>
+        <p:spPr>
+          <a:xfrm>
+            <a:off x="685800" y="4343400"/>
+            <a:ext cx="5486400" cy="4114800"/>
+          </a:xfrm>
+          <a:prstGeom prst="rect">
+            <a:avLst/>
+          </a:prstGeom>
+        </p:spPr>
+        <p:txBody>
+          <a:bodyPr spcFirstLastPara="1" wrap="square" lIns="91425" tIns="91425" rIns="91425" bIns="91425" anchor="t" anchorCtr="0">
+            <a:noAutofit/>
+          </a:bodyPr>
+          <a:lstStyle/>
+          <a:p>
+            <a:pPr marL="0" lvl="0" indent="0" algn="l" rtl="0">
+              <a:spcBef>
+                <a:spcPts val="0"/>
+              </a:spcBef>
+              <a:spcAft>
+                <a:spcPts val="0"/>
+              </a:spcAft>
+              <a:buNone/>
+            </a:pPr>
+            <a:endParaRPr/>
+          </a:p>
+        </p:txBody>
+      </p:sp>
+    </p:spTree>
+  </p:cSld>
+  <p:clrMapOvr>
+    <a:masterClrMapping/>
+  </p:clrMapOvr>
+</p:notes>
+</file>
+
+<file path=ppt/notesSlides/notesSlide5.xml><?xml version="1.0" encoding="utf-8"?>
+<p:notes xmlns:a="http://schemas.openxmlformats.org/drawingml/2006/main" xmlns:r="http://schemas.openxmlformats.org/officeDocument/2006/relationships" xmlns:p="http://schemas.openxmlformats.org/presentationml/2006/main" showMasterSp="0" showMasterPhAnim="0">
+  <p:cSld>
+    <p:spTree>
+      <p:nvGrpSpPr>
+        <p:cNvPr id="1" name="Shape 154"/>
+        <p:cNvGrpSpPr/>
+        <p:nvPr/>
+      </p:nvGrpSpPr>
+      <p:grpSpPr>
+        <a:xfrm>
+          <a:off x="0" y="0"/>
+          <a:ext cx="0" cy="0"/>
+          <a:chOff x="0" y="0"/>
+          <a:chExt cx="0" cy="0"/>
+        </a:xfrm>
+      </p:grpSpPr>
+      <p:sp>
+        <p:nvSpPr>
+          <p:cNvPr id="155" name="Google Shape;155;g387f2e334ed_0_280:notes"/>
+          <p:cNvSpPr>
+            <a:spLocks noGrp="1" noRot="1" noChangeAspect="1"/>
+          </p:cNvSpPr>
+          <p:nvPr>
+            <p:ph type="sldImg" idx="2"/>
+          </p:nvPr>
+        </p:nvSpPr>
+        <p:spPr>
+          <a:xfrm>
+            <a:off x="381000" y="685800"/>
+            <a:ext cx="6096000" cy="3429000"/>
+          </a:xfrm>
+          <a:custGeom>
+            <a:avLst/>
+            <a:gdLst/>
+            <a:ahLst/>
+            <a:cxnLst/>
+            <a:rect l="l" t="t" r="r" b="b"/>
+            <a:pathLst>
+              <a:path w="120000" h="120000" extrusionOk="0">
+                <a:moveTo>
+                  <a:pt x="0" y="0"/>
+                </a:moveTo>
+                <a:lnTo>
+                  <a:pt x="120000" y="0"/>
+                </a:lnTo>
+                <a:lnTo>
+                  <a:pt x="120000" y="120000"/>
+                </a:lnTo>
+                <a:lnTo>
+                  <a:pt x="0" y="120000"/>
+                </a:lnTo>
+                <a:close/>
+              </a:path>
+            </a:pathLst>
+          </a:custGeom>
+        </p:spPr>
+      </p:sp>
+      <p:sp>
+        <p:nvSpPr>
+          <p:cNvPr id="156" name="Google Shape;156;g387f2e334ed_0_280:notes"/>
+          <p:cNvSpPr txBox="1">
+            <a:spLocks noGrp="1"/>
+          </p:cNvSpPr>
+          <p:nvPr>
+            <p:ph type="body" idx="1"/>
+          </p:nvPr>
+        </p:nvSpPr>
+        <p:spPr>
+          <a:xfrm>
+            <a:off x="685800" y="4343400"/>
+            <a:ext cx="5486400" cy="4114800"/>
+          </a:xfrm>
+          <a:prstGeom prst="rect">
+            <a:avLst/>
+          </a:prstGeom>
+        </p:spPr>
+        <p:txBody>
+          <a:bodyPr spcFirstLastPara="1" wrap="square" lIns="91425" tIns="91425" rIns="91425" bIns="91425" anchor="t" anchorCtr="0">
+            <a:noAutofit/>
+          </a:bodyPr>
+          <a:lstStyle/>
+          <a:p>
+            <a:pPr marL="0" lvl="0" indent="0" algn="l" rtl="0">
+              <a:spcBef>
+                <a:spcPts val="0"/>
+              </a:spcBef>
+              <a:spcAft>
+                <a:spcPts val="0"/>
+              </a:spcAft>
+              <a:buNone/>
+            </a:pPr>
+            <a:endParaRPr/>
+          </a:p>
+        </p:txBody>
+      </p:sp>
+    </p:spTree>
+  </p:cSld>
+  <p:clrMapOvr>
+    <a:masterClrMapping/>
+  </p:clrMapOvr>
+</p:notes>
+</file>
+
+<file path=ppt/notesSlides/notesSlide6.xml><?xml version="1.0" encoding="utf-8"?>
+<p:notes xmlns:a="http://schemas.openxmlformats.org/drawingml/2006/main" xmlns:r="http://schemas.openxmlformats.org/officeDocument/2006/relationships" xmlns:p="http://schemas.openxmlformats.org/presentationml/2006/main" showMasterSp="0" showMasterPhAnim="0">
+  <p:cSld>
+    <p:spTree>
+      <p:nvGrpSpPr>
+        <p:cNvPr id="1" name="Shape 162"/>
+        <p:cNvGrpSpPr/>
+        <p:nvPr/>
+      </p:nvGrpSpPr>
+      <p:grpSpPr>
+        <a:xfrm>
+          <a:off x="0" y="0"/>
+          <a:ext cx="0" cy="0"/>
+          <a:chOff x="0" y="0"/>
+          <a:chExt cx="0" cy="0"/>
+        </a:xfrm>
+      </p:grpSpPr>
+      <p:sp>
+        <p:nvSpPr>
+          <p:cNvPr id="163" name="Google Shape;163;g387f2e334ed_0_286:notes"/>
+          <p:cNvSpPr>
+            <a:spLocks noGrp="1" noRot="1" noChangeAspect="1"/>
+          </p:cNvSpPr>
+          <p:nvPr>
+            <p:ph type="sldImg" idx="2"/>
+          </p:nvPr>
+        </p:nvSpPr>
+        <p:spPr>
+          <a:xfrm>
+            <a:off x="381000" y="685800"/>
+            <a:ext cx="6096000" cy="3429000"/>
+          </a:xfrm>
+          <a:custGeom>
+            <a:avLst/>
+            <a:gdLst/>
+            <a:ahLst/>
+            <a:cxnLst/>
+            <a:rect l="l" t="t" r="r" b="b"/>
+            <a:pathLst>
+              <a:path w="120000" h="120000" extrusionOk="0">
+                <a:moveTo>
+                  <a:pt x="0" y="0"/>
+                </a:moveTo>
+                <a:lnTo>
+                  <a:pt x="120000" y="0"/>
+                </a:lnTo>
+                <a:lnTo>
+                  <a:pt x="120000" y="120000"/>
+                </a:lnTo>
+                <a:lnTo>
+                  <a:pt x="0" y="120000"/>
+                </a:lnTo>
+                <a:close/>
+              </a:path>
+            </a:pathLst>
+          </a:custGeom>
+        </p:spPr>
+      </p:sp>
+      <p:sp>
+        <p:nvSpPr>
+          <p:cNvPr id="164" name="Google Shape;164;g387f2e334ed_0_286:notes"/>
+          <p:cNvSpPr txBox="1">
+            <a:spLocks noGrp="1"/>
+          </p:cNvSpPr>
+          <p:nvPr>
+            <p:ph type="body" idx="1"/>
+          </p:nvPr>
+        </p:nvSpPr>
+        <p:spPr>
+          <a:xfrm>
+            <a:off x="685800" y="4343400"/>
+            <a:ext cx="5486400" cy="4114800"/>
+          </a:xfrm>
+          <a:prstGeom prst="rect">
+            <a:avLst/>
+          </a:prstGeom>
+        </p:spPr>
+        <p:txBody>
+          <a:bodyPr spcFirstLastPara="1" wrap="square" lIns="91425" tIns="91425" rIns="91425" bIns="91425" anchor="t" anchorCtr="0">
+            <a:noAutofit/>
+          </a:bodyPr>
+          <a:lstStyle/>
+          <a:p>
+            <a:pPr marL="0" lvl="0" indent="0" algn="l" rtl="0">
+              <a:spcBef>
+                <a:spcPts val="0"/>
+              </a:spcBef>
+              <a:spcAft>
+                <a:spcPts val="0"/>
+              </a:spcAft>
+              <a:buNone/>
+            </a:pPr>
+            <a:endParaRPr/>
+          </a:p>
+        </p:txBody>
+      </p:sp>
+    </p:spTree>
+  </p:cSld>
+  <p:clrMapOvr>
+    <a:masterClrMapping/>
+  </p:clrMapOvr>
+</p:notes>
+</file>
+
+<file path=ppt/notesSlides/notesSlide7.xml><?xml version="1.0" encoding="utf-8"?>
+<p:notes xmlns:a="http://schemas.openxmlformats.org/drawingml/2006/main" xmlns:r="http://schemas.openxmlformats.org/officeDocument/2006/relationships" xmlns:p="http://schemas.openxmlformats.org/presentationml/2006/main" showMasterSp="0" showMasterPhAnim="0">
+  <p:cSld>
+    <p:spTree>
+      <p:nvGrpSpPr>
+        <p:cNvPr id="1" name="Shape 169"/>
+        <p:cNvGrpSpPr/>
+        <p:nvPr/>
+      </p:nvGrpSpPr>
+      <p:grpSpPr>
+        <a:xfrm>
+          <a:off x="0" y="0"/>
+          <a:ext cx="0" cy="0"/>
+          <a:chOff x="0" y="0"/>
+          <a:chExt cx="0" cy="0"/>
+        </a:xfrm>
+      </p:grpSpPr>
+      <p:sp>
+        <p:nvSpPr>
+          <p:cNvPr id="170" name="Google Shape;170;g387f2e334ed_0_291:notes"/>
+          <p:cNvSpPr>
+            <a:spLocks noGrp="1" noRot="1" noChangeAspect="1"/>
+          </p:cNvSpPr>
+          <p:nvPr>
+            <p:ph type="sldImg" idx="2"/>
+          </p:nvPr>
+        </p:nvSpPr>
+        <p:spPr>
+          <a:xfrm>
+            <a:off x="381300" y="685800"/>
+            <a:ext cx="6096000" cy="3429000"/>
+          </a:xfrm>
+          <a:custGeom>
+            <a:avLst/>
+            <a:gdLst/>
+            <a:ahLst/>
+            <a:cxnLst/>
+            <a:rect l="l" t="t" r="r" b="b"/>
+            <a:pathLst>
+              <a:path w="120000" h="120000" extrusionOk="0">
+                <a:moveTo>
+                  <a:pt x="0" y="0"/>
+                </a:moveTo>
+                <a:lnTo>
+                  <a:pt x="120000" y="0"/>
+                </a:lnTo>
+                <a:lnTo>
+                  <a:pt x="120000" y="120000"/>
+                </a:lnTo>
+                <a:lnTo>
+                  <a:pt x="0" y="120000"/>
+                </a:lnTo>
+                <a:close/>
+              </a:path>
+            </a:pathLst>
+          </a:custGeom>
+        </p:spPr>
+      </p:sp>
+      <p:sp>
+        <p:nvSpPr>
+          <p:cNvPr id="171" name="Google Shape;171;g387f2e334ed_0_291:notes"/>
+          <p:cNvSpPr txBox="1">
+            <a:spLocks noGrp="1"/>
+          </p:cNvSpPr>
+          <p:nvPr>
+            <p:ph type="body" idx="1"/>
+          </p:nvPr>
+        </p:nvSpPr>
+        <p:spPr>
+          <a:xfrm>
+            <a:off x="685800" y="4343400"/>
+            <a:ext cx="5486400" cy="4114800"/>
+          </a:xfrm>
+          <a:prstGeom prst="rect">
+            <a:avLst/>
+          </a:prstGeom>
+        </p:spPr>
+        <p:txBody>
+          <a:bodyPr spcFirstLastPara="1" wrap="square" lIns="91425" tIns="91425" rIns="91425" bIns="91425" anchor="t" anchorCtr="0">
+            <a:noAutofit/>
+          </a:bodyPr>
+          <a:lstStyle/>
+          <a:p>
+            <a:pPr marL="0" lvl="0" indent="0" algn="l" rtl="0">
+              <a:spcBef>
+                <a:spcPts val="0"/>
+              </a:spcBef>
+              <a:spcAft>
+                <a:spcPts val="0"/>
+              </a:spcAft>
+              <a:buNone/>
+            </a:pPr>
+            <a:endParaRPr/>
+          </a:p>
+        </p:txBody>
+      </p:sp>
+    </p:spTree>
+  </p:cSld>
+  <p:clrMapOvr>
+    <a:masterClrMapping/>
+  </p:clrMapOvr>
+</p:notes>
+</file>
+
+<file path=ppt/notesSlides/notesSlide8.xml><?xml version="1.0" encoding="utf-8"?>
+<p:notes xmlns:a="http://schemas.openxmlformats.org/drawingml/2006/main" xmlns:r="http://schemas.openxmlformats.org/officeDocument/2006/relationships" xmlns:p="http://schemas.openxmlformats.org/presentationml/2006/main" showMasterSp="0" showMasterPhAnim="0">
+  <p:cSld>
+    <p:spTree>
+      <p:nvGrpSpPr>
+        <p:cNvPr id="1" name="Shape 174"/>
+        <p:cNvGrpSpPr/>
+        <p:nvPr/>
+      </p:nvGrpSpPr>
+      <p:grpSpPr>
+        <a:xfrm>
+          <a:off x="0" y="0"/>
+          <a:ext cx="0" cy="0"/>
+          <a:chOff x="0" y="0"/>
+          <a:chExt cx="0" cy="0"/>
+        </a:xfrm>
+      </p:grpSpPr>
+      <p:sp>
+        <p:nvSpPr>
+          <p:cNvPr id="175" name="Google Shape;175;g387f2e334ed_0_296:notes"/>
+          <p:cNvSpPr>
+            <a:spLocks noGrp="1" noRot="1" noChangeAspect="1"/>
+          </p:cNvSpPr>
+          <p:nvPr>
+            <p:ph type="sldImg" idx="2"/>
+          </p:nvPr>
+        </p:nvSpPr>
+        <p:spPr>
+          <a:xfrm>
+            <a:off x="381300" y="685800"/>
+            <a:ext cx="6096000" cy="3429000"/>
+          </a:xfrm>
+          <a:custGeom>
+            <a:avLst/>
+            <a:gdLst/>
+            <a:ahLst/>
+            <a:cxnLst/>
+            <a:rect l="l" t="t" r="r" b="b"/>
+            <a:pathLst>
+              <a:path w="120000" h="120000" extrusionOk="0">
+                <a:moveTo>
+                  <a:pt x="0" y="0"/>
+                </a:moveTo>
+                <a:lnTo>
+                  <a:pt x="120000" y="0"/>
+                </a:lnTo>
+                <a:lnTo>
+                  <a:pt x="120000" y="120000"/>
+                </a:lnTo>
+                <a:lnTo>
+                  <a:pt x="0" y="120000"/>
+                </a:lnTo>
+                <a:close/>
+              </a:path>
+            </a:pathLst>
+          </a:custGeom>
+        </p:spPr>
+      </p:sp>
+      <p:sp>
+        <p:nvSpPr>
+          <p:cNvPr id="176" name="Google Shape;176;g387f2e334ed_0_296:notes"/>
+          <p:cNvSpPr txBox="1">
+            <a:spLocks noGrp="1"/>
+          </p:cNvSpPr>
+          <p:nvPr>
+            <p:ph type="body" idx="1"/>
+          </p:nvPr>
+        </p:nvSpPr>
+        <p:spPr>
+          <a:xfrm>
+            <a:off x="685800" y="4343400"/>
+            <a:ext cx="5486400" cy="4114800"/>
+          </a:xfrm>
+          <a:prstGeom prst="rect">
+            <a:avLst/>
+          </a:prstGeom>
+        </p:spPr>
+        <p:txBody>
+          <a:bodyPr spcFirstLastPara="1" wrap="square" lIns="91425" tIns="91425" rIns="91425" bIns="91425" anchor="t" anchorCtr="0">
+            <a:noAutofit/>
+          </a:bodyPr>
+          <a:lstStyle/>
+          <a:p>
+            <a:pPr marL="0" lvl="0" indent="0" algn="l" rtl="0">
+              <a:spcBef>
+                <a:spcPts val="0"/>
+              </a:spcBef>
+              <a:spcAft>
+                <a:spcPts val="0"/>
+              </a:spcAft>
+              <a:buNone/>
+            </a:pPr>
+            <a:endParaRPr/>
+          </a:p>
+        </p:txBody>
+      </p:sp>
+    </p:spTree>
+  </p:cSld>
+  <p:clrMapOvr>
+    <a:masterClrMapping/>
+  </p:clrMapOvr>
+</p:notes>
+</file>
+
+<file path=ppt/notesSlides/notesSlide9.xml><?xml version="1.0" encoding="utf-8"?>
+<p:notes xmlns:a="http://schemas.openxmlformats.org/drawingml/2006/main" xmlns:r="http://schemas.openxmlformats.org/officeDocument/2006/relationships" xmlns:p="http://schemas.openxmlformats.org/presentationml/2006/main" showMasterSp="0" showMasterPhAnim="0">
+  <p:cSld>
+    <p:spTree>
+      <p:nvGrpSpPr>
+        <p:cNvPr id="1" name="Shape 181"/>
         <p:cNvGrpSpPr/>
         <p:nvPr/>
       </p:nvGrpSpPr>
@@ -830,9 +2305,11 @@
       <p:sp>
         <p:nvSpPr>
           <p:cNvPr id="182" name="Google Shape;182;g3892eb97007_0_27:notes"/>
-          <p:cNvSpPr/>
+          <p:cNvSpPr>
+            <a:spLocks noGrp="1" noRot="1" noChangeAspect="1"/>
+          </p:cNvSpPr>
           <p:nvPr>
-            <p:ph idx="2" type="sldImg"/>
+            <p:ph type="sldImg" idx="2"/>
           </p:nvPr>
         </p:nvSpPr>
         <p:spPr>
@@ -841,9 +2318,13 @@
             <a:ext cx="6096000" cy="3429000"/>
           </a:xfrm>
           <a:custGeom>
-            <a:rect b="b" l="l" r="r" t="t"/>
+            <a:avLst/>
+            <a:gdLst/>
+            <a:ahLst/>
+            <a:cxnLst/>
+            <a:rect l="l" t="t" r="r" b="b"/>
             <a:pathLst>
-              <a:path extrusionOk="0" h="120000" w="120000">
+              <a:path w="120000" h="120000" extrusionOk="0">
                 <a:moveTo>
                   <a:pt x="0" y="0"/>
                 </a:moveTo>
@@ -865,9 +2346,11 @@
       <p:sp>
         <p:nvSpPr>
           <p:cNvPr id="183" name="Google Shape;183;g3892eb97007_0_27:notes"/>
-          <p:cNvSpPr txBox="1"/>
+          <p:cNvSpPr txBox="1">
+            <a:spLocks noGrp="1"/>
+          </p:cNvSpPr>
           <p:nvPr>
-            <p:ph idx="1" type="body"/>
+            <p:ph type="body" idx="1"/>
           </p:nvPr>
         </p:nvSpPr>
         <p:spPr>
@@ -880,12 +2363,12 @@
           </a:prstGeom>
         </p:spPr>
         <p:txBody>
-          <a:bodyPr anchorCtr="0" anchor="t" bIns="91425" lIns="91425" spcFirstLastPara="1" rIns="91425" wrap="square" tIns="91425">
+          <a:bodyPr spcFirstLastPara="1" wrap="square" lIns="91425" tIns="91425" rIns="91425" bIns="91425" anchor="t" anchorCtr="0">
             <a:noAutofit/>
           </a:bodyPr>
           <a:lstStyle/>
           <a:p>
-            <a:pPr indent="0" lvl="0" marL="0" rtl="0" algn="l">
+            <a:pPr marL="0" lvl="0" indent="0" algn="l" rtl="0">
               <a:spcBef>
                 <a:spcPts val="0"/>
               </a:spcBef>
@@ -894,1494 +2377,6 @@
               </a:spcAft>
               <a:buNone/>
             </a:pPr>
-            <a:r>
-              <a:t/>
-            </a:r>
-            <a:endParaRPr/>
-          </a:p>
-        </p:txBody>
-      </p:sp>
-    </p:spTree>
-  </p:cSld>
-  <p:clrMapOvr>
-    <a:masterClrMapping/>
-  </p:clrMapOvr>
-</p:notes>
-</file>
-
-<file path=ppt/notesSlides/notesSlide11.xml><?xml version="1.0" encoding="utf-8"?>
-<p:notes xmlns:a="http://schemas.openxmlformats.org/drawingml/2006/main" xmlns:r="http://schemas.openxmlformats.org/officeDocument/2006/relationships" xmlns:mc="http://schemas.openxmlformats.org/markup-compatibility/2006" xmlns:mv="urn:schemas-microsoft-com:mac:vml" xmlns:p="http://schemas.openxmlformats.org/presentationml/2006/main" xmlns:c="http://schemas.openxmlformats.org/drawingml/2006/chart" xmlns:dgm="http://schemas.openxmlformats.org/drawingml/2006/diagram" xmlns:o="urn:schemas-microsoft-com:office:office" xmlns:v="urn:schemas-microsoft-com:vml" xmlns:pvml="urn:schemas-microsoft-com:office:powerpoint" xmlns:com="http://schemas.openxmlformats.org/drawingml/2006/compatibility" xmlns:p14="http://schemas.microsoft.com/office/powerpoint/2010/main" xmlns:p15="http://schemas.microsoft.com/office/powerpoint/2012/main" xmlns:ahyp="http://schemas.microsoft.com/office/drawing/2018/hyperlinkcolor" showMasterPhAnim="0" showMasterSp="0">
-  <p:cSld>
-    <p:spTree>
-      <p:nvGrpSpPr>
-        <p:cNvPr id="186" name="Shape 186"/>
-        <p:cNvGrpSpPr/>
-        <p:nvPr/>
-      </p:nvGrpSpPr>
-      <p:grpSpPr>
-        <a:xfrm>
-          <a:off x="0" y="0"/>
-          <a:ext cx="0" cy="0"/>
-          <a:chOff x="0" y="0"/>
-          <a:chExt cx="0" cy="0"/>
-        </a:xfrm>
-      </p:grpSpPr>
-      <p:sp>
-        <p:nvSpPr>
-          <p:cNvPr id="187" name="Google Shape;187;g3892eb97007_0_0:notes"/>
-          <p:cNvSpPr/>
-          <p:nvPr>
-            <p:ph idx="2" type="sldImg"/>
-          </p:nvPr>
-        </p:nvSpPr>
-        <p:spPr>
-          <a:xfrm>
-            <a:off x="381300" y="685800"/>
-            <a:ext cx="6096000" cy="3429000"/>
-          </a:xfrm>
-          <a:custGeom>
-            <a:rect b="b" l="l" r="r" t="t"/>
-            <a:pathLst>
-              <a:path extrusionOk="0" h="120000" w="120000">
-                <a:moveTo>
-                  <a:pt x="0" y="0"/>
-                </a:moveTo>
-                <a:lnTo>
-                  <a:pt x="120000" y="0"/>
-                </a:lnTo>
-                <a:lnTo>
-                  <a:pt x="120000" y="120000"/>
-                </a:lnTo>
-                <a:lnTo>
-                  <a:pt x="0" y="120000"/>
-                </a:lnTo>
-                <a:close/>
-              </a:path>
-            </a:pathLst>
-          </a:custGeom>
-        </p:spPr>
-      </p:sp>
-      <p:sp>
-        <p:nvSpPr>
-          <p:cNvPr id="188" name="Google Shape;188;g3892eb97007_0_0:notes"/>
-          <p:cNvSpPr txBox="1"/>
-          <p:nvPr>
-            <p:ph idx="1" type="body"/>
-          </p:nvPr>
-        </p:nvSpPr>
-        <p:spPr>
-          <a:xfrm>
-            <a:off x="685800" y="4343400"/>
-            <a:ext cx="5486400" cy="4114800"/>
-          </a:xfrm>
-          <a:prstGeom prst="rect">
-            <a:avLst/>
-          </a:prstGeom>
-        </p:spPr>
-        <p:txBody>
-          <a:bodyPr anchorCtr="0" anchor="t" bIns="91425" lIns="91425" spcFirstLastPara="1" rIns="91425" wrap="square" tIns="91425">
-            <a:noAutofit/>
-          </a:bodyPr>
-          <a:lstStyle/>
-          <a:p>
-            <a:pPr indent="0" lvl="0" marL="0" rtl="0" algn="l">
-              <a:spcBef>
-                <a:spcPts val="0"/>
-              </a:spcBef>
-              <a:spcAft>
-                <a:spcPts val="0"/>
-              </a:spcAft>
-              <a:buNone/>
-            </a:pPr>
-            <a:r>
-              <a:t/>
-            </a:r>
-            <a:endParaRPr/>
-          </a:p>
-        </p:txBody>
-      </p:sp>
-    </p:spTree>
-  </p:cSld>
-  <p:clrMapOvr>
-    <a:masterClrMapping/>
-  </p:clrMapOvr>
-</p:notes>
-</file>
-
-<file path=ppt/notesSlides/notesSlide12.xml><?xml version="1.0" encoding="utf-8"?>
-<p:notes xmlns:a="http://schemas.openxmlformats.org/drawingml/2006/main" xmlns:r="http://schemas.openxmlformats.org/officeDocument/2006/relationships" xmlns:mc="http://schemas.openxmlformats.org/markup-compatibility/2006" xmlns:mv="urn:schemas-microsoft-com:mac:vml" xmlns:p="http://schemas.openxmlformats.org/presentationml/2006/main" xmlns:c="http://schemas.openxmlformats.org/drawingml/2006/chart" xmlns:dgm="http://schemas.openxmlformats.org/drawingml/2006/diagram" xmlns:o="urn:schemas-microsoft-com:office:office" xmlns:v="urn:schemas-microsoft-com:vml" xmlns:pvml="urn:schemas-microsoft-com:office:powerpoint" xmlns:com="http://schemas.openxmlformats.org/drawingml/2006/compatibility" xmlns:p14="http://schemas.microsoft.com/office/powerpoint/2010/main" xmlns:p15="http://schemas.microsoft.com/office/powerpoint/2012/main" xmlns:ahyp="http://schemas.microsoft.com/office/drawing/2018/hyperlinkcolor" showMasterPhAnim="0" showMasterSp="0">
-  <p:cSld>
-    <p:spTree>
-      <p:nvGrpSpPr>
-        <p:cNvPr id="191" name="Shape 191"/>
-        <p:cNvGrpSpPr/>
-        <p:nvPr/>
-      </p:nvGrpSpPr>
-      <p:grpSpPr>
-        <a:xfrm>
-          <a:off x="0" y="0"/>
-          <a:ext cx="0" cy="0"/>
-          <a:chOff x="0" y="0"/>
-          <a:chExt cx="0" cy="0"/>
-        </a:xfrm>
-      </p:grpSpPr>
-      <p:sp>
-        <p:nvSpPr>
-          <p:cNvPr id="192" name="Google Shape;192;g3892eb97007_0_9:notes"/>
-          <p:cNvSpPr/>
-          <p:nvPr>
-            <p:ph idx="2" type="sldImg"/>
-          </p:nvPr>
-        </p:nvSpPr>
-        <p:spPr>
-          <a:xfrm>
-            <a:off x="381300" y="685800"/>
-            <a:ext cx="6096000" cy="3429000"/>
-          </a:xfrm>
-          <a:custGeom>
-            <a:rect b="b" l="l" r="r" t="t"/>
-            <a:pathLst>
-              <a:path extrusionOk="0" h="120000" w="120000">
-                <a:moveTo>
-                  <a:pt x="0" y="0"/>
-                </a:moveTo>
-                <a:lnTo>
-                  <a:pt x="120000" y="0"/>
-                </a:lnTo>
-                <a:lnTo>
-                  <a:pt x="120000" y="120000"/>
-                </a:lnTo>
-                <a:lnTo>
-                  <a:pt x="0" y="120000"/>
-                </a:lnTo>
-                <a:close/>
-              </a:path>
-            </a:pathLst>
-          </a:custGeom>
-        </p:spPr>
-      </p:sp>
-      <p:sp>
-        <p:nvSpPr>
-          <p:cNvPr id="193" name="Google Shape;193;g3892eb97007_0_9:notes"/>
-          <p:cNvSpPr txBox="1"/>
-          <p:nvPr>
-            <p:ph idx="1" type="body"/>
-          </p:nvPr>
-        </p:nvSpPr>
-        <p:spPr>
-          <a:xfrm>
-            <a:off x="685800" y="4343400"/>
-            <a:ext cx="5486400" cy="4114800"/>
-          </a:xfrm>
-          <a:prstGeom prst="rect">
-            <a:avLst/>
-          </a:prstGeom>
-        </p:spPr>
-        <p:txBody>
-          <a:bodyPr anchorCtr="0" anchor="t" bIns="91425" lIns="91425" spcFirstLastPara="1" rIns="91425" wrap="square" tIns="91425">
-            <a:noAutofit/>
-          </a:bodyPr>
-          <a:lstStyle/>
-          <a:p>
-            <a:pPr indent="0" lvl="0" marL="0" rtl="0" algn="l">
-              <a:spcBef>
-                <a:spcPts val="0"/>
-              </a:spcBef>
-              <a:spcAft>
-                <a:spcPts val="0"/>
-              </a:spcAft>
-              <a:buNone/>
-            </a:pPr>
-            <a:r>
-              <a:t/>
-            </a:r>
-            <a:endParaRPr/>
-          </a:p>
-        </p:txBody>
-      </p:sp>
-    </p:spTree>
-  </p:cSld>
-  <p:clrMapOvr>
-    <a:masterClrMapping/>
-  </p:clrMapOvr>
-</p:notes>
-</file>
-
-<file path=ppt/notesSlides/notesSlide13.xml><?xml version="1.0" encoding="utf-8"?>
-<p:notes xmlns:a="http://schemas.openxmlformats.org/drawingml/2006/main" xmlns:r="http://schemas.openxmlformats.org/officeDocument/2006/relationships" xmlns:mc="http://schemas.openxmlformats.org/markup-compatibility/2006" xmlns:mv="urn:schemas-microsoft-com:mac:vml" xmlns:p="http://schemas.openxmlformats.org/presentationml/2006/main" xmlns:c="http://schemas.openxmlformats.org/drawingml/2006/chart" xmlns:dgm="http://schemas.openxmlformats.org/drawingml/2006/diagram" xmlns:o="urn:schemas-microsoft-com:office:office" xmlns:v="urn:schemas-microsoft-com:vml" xmlns:pvml="urn:schemas-microsoft-com:office:powerpoint" xmlns:com="http://schemas.openxmlformats.org/drawingml/2006/compatibility" xmlns:p14="http://schemas.microsoft.com/office/powerpoint/2010/main" xmlns:p15="http://schemas.microsoft.com/office/powerpoint/2012/main" xmlns:ahyp="http://schemas.microsoft.com/office/drawing/2018/hyperlinkcolor" showMasterPhAnim="0" showMasterSp="0">
-  <p:cSld>
-    <p:spTree>
-      <p:nvGrpSpPr>
-        <p:cNvPr id="196" name="Shape 196"/>
-        <p:cNvGrpSpPr/>
-        <p:nvPr/>
-      </p:nvGrpSpPr>
-      <p:grpSpPr>
-        <a:xfrm>
-          <a:off x="0" y="0"/>
-          <a:ext cx="0" cy="0"/>
-          <a:chOff x="0" y="0"/>
-          <a:chExt cx="0" cy="0"/>
-        </a:xfrm>
-      </p:grpSpPr>
-      <p:sp>
-        <p:nvSpPr>
-          <p:cNvPr id="197" name="Google Shape;197;g3892eb97007_0_14:notes"/>
-          <p:cNvSpPr/>
-          <p:nvPr>
-            <p:ph idx="2" type="sldImg"/>
-          </p:nvPr>
-        </p:nvSpPr>
-        <p:spPr>
-          <a:xfrm>
-            <a:off x="381300" y="685800"/>
-            <a:ext cx="6096000" cy="3429000"/>
-          </a:xfrm>
-          <a:custGeom>
-            <a:rect b="b" l="l" r="r" t="t"/>
-            <a:pathLst>
-              <a:path extrusionOk="0" h="120000" w="120000">
-                <a:moveTo>
-                  <a:pt x="0" y="0"/>
-                </a:moveTo>
-                <a:lnTo>
-                  <a:pt x="120000" y="0"/>
-                </a:lnTo>
-                <a:lnTo>
-                  <a:pt x="120000" y="120000"/>
-                </a:lnTo>
-                <a:lnTo>
-                  <a:pt x="0" y="120000"/>
-                </a:lnTo>
-                <a:close/>
-              </a:path>
-            </a:pathLst>
-          </a:custGeom>
-        </p:spPr>
-      </p:sp>
-      <p:sp>
-        <p:nvSpPr>
-          <p:cNvPr id="198" name="Google Shape;198;g3892eb97007_0_14:notes"/>
-          <p:cNvSpPr txBox="1"/>
-          <p:nvPr>
-            <p:ph idx="1" type="body"/>
-          </p:nvPr>
-        </p:nvSpPr>
-        <p:spPr>
-          <a:xfrm>
-            <a:off x="685800" y="4343400"/>
-            <a:ext cx="5486400" cy="4114800"/>
-          </a:xfrm>
-          <a:prstGeom prst="rect">
-            <a:avLst/>
-          </a:prstGeom>
-        </p:spPr>
-        <p:txBody>
-          <a:bodyPr anchorCtr="0" anchor="t" bIns="91425" lIns="91425" spcFirstLastPara="1" rIns="91425" wrap="square" tIns="91425">
-            <a:noAutofit/>
-          </a:bodyPr>
-          <a:lstStyle/>
-          <a:p>
-            <a:pPr indent="0" lvl="0" marL="0" rtl="0" algn="l">
-              <a:spcBef>
-                <a:spcPts val="0"/>
-              </a:spcBef>
-              <a:spcAft>
-                <a:spcPts val="0"/>
-              </a:spcAft>
-              <a:buNone/>
-            </a:pPr>
-            <a:r>
-              <a:t/>
-            </a:r>
-            <a:endParaRPr/>
-          </a:p>
-        </p:txBody>
-      </p:sp>
-    </p:spTree>
-  </p:cSld>
-  <p:clrMapOvr>
-    <a:masterClrMapping/>
-  </p:clrMapOvr>
-</p:notes>
-</file>
-
-<file path=ppt/notesSlides/notesSlide14.xml><?xml version="1.0" encoding="utf-8"?>
-<p:notes xmlns:a="http://schemas.openxmlformats.org/drawingml/2006/main" xmlns:r="http://schemas.openxmlformats.org/officeDocument/2006/relationships" xmlns:mc="http://schemas.openxmlformats.org/markup-compatibility/2006" xmlns:mv="urn:schemas-microsoft-com:mac:vml" xmlns:p="http://schemas.openxmlformats.org/presentationml/2006/main" xmlns:c="http://schemas.openxmlformats.org/drawingml/2006/chart" xmlns:dgm="http://schemas.openxmlformats.org/drawingml/2006/diagram" xmlns:o="urn:schemas-microsoft-com:office:office" xmlns:v="urn:schemas-microsoft-com:vml" xmlns:pvml="urn:schemas-microsoft-com:office:powerpoint" xmlns:com="http://schemas.openxmlformats.org/drawingml/2006/compatibility" xmlns:p14="http://schemas.microsoft.com/office/powerpoint/2010/main" xmlns:p15="http://schemas.microsoft.com/office/powerpoint/2012/main" xmlns:ahyp="http://schemas.microsoft.com/office/drawing/2018/hyperlinkcolor" showMasterPhAnim="0" showMasterSp="0">
-  <p:cSld>
-    <p:spTree>
-      <p:nvGrpSpPr>
-        <p:cNvPr id="201" name="Shape 201"/>
-        <p:cNvGrpSpPr/>
-        <p:nvPr/>
-      </p:nvGrpSpPr>
-      <p:grpSpPr>
-        <a:xfrm>
-          <a:off x="0" y="0"/>
-          <a:ext cx="0" cy="0"/>
-          <a:chOff x="0" y="0"/>
-          <a:chExt cx="0" cy="0"/>
-        </a:xfrm>
-      </p:grpSpPr>
-      <p:sp>
-        <p:nvSpPr>
-          <p:cNvPr id="202" name="Google Shape;202;g3892eb97007_0_19:notes"/>
-          <p:cNvSpPr/>
-          <p:nvPr>
-            <p:ph idx="2" type="sldImg"/>
-          </p:nvPr>
-        </p:nvSpPr>
-        <p:spPr>
-          <a:xfrm>
-            <a:off x="381300" y="685800"/>
-            <a:ext cx="6096000" cy="3429000"/>
-          </a:xfrm>
-          <a:custGeom>
-            <a:rect b="b" l="l" r="r" t="t"/>
-            <a:pathLst>
-              <a:path extrusionOk="0" h="120000" w="120000">
-                <a:moveTo>
-                  <a:pt x="0" y="0"/>
-                </a:moveTo>
-                <a:lnTo>
-                  <a:pt x="120000" y="0"/>
-                </a:lnTo>
-                <a:lnTo>
-                  <a:pt x="120000" y="120000"/>
-                </a:lnTo>
-                <a:lnTo>
-                  <a:pt x="0" y="120000"/>
-                </a:lnTo>
-                <a:close/>
-              </a:path>
-            </a:pathLst>
-          </a:custGeom>
-        </p:spPr>
-      </p:sp>
-      <p:sp>
-        <p:nvSpPr>
-          <p:cNvPr id="203" name="Google Shape;203;g3892eb97007_0_19:notes"/>
-          <p:cNvSpPr txBox="1"/>
-          <p:nvPr>
-            <p:ph idx="1" type="body"/>
-          </p:nvPr>
-        </p:nvSpPr>
-        <p:spPr>
-          <a:xfrm>
-            <a:off x="685800" y="4343400"/>
-            <a:ext cx="5486400" cy="4114800"/>
-          </a:xfrm>
-          <a:prstGeom prst="rect">
-            <a:avLst/>
-          </a:prstGeom>
-        </p:spPr>
-        <p:txBody>
-          <a:bodyPr anchorCtr="0" anchor="t" bIns="91425" lIns="91425" spcFirstLastPara="1" rIns="91425" wrap="square" tIns="91425">
-            <a:noAutofit/>
-          </a:bodyPr>
-          <a:lstStyle/>
-          <a:p>
-            <a:pPr indent="0" lvl="0" marL="0" rtl="0" algn="l">
-              <a:spcBef>
-                <a:spcPts val="0"/>
-              </a:spcBef>
-              <a:spcAft>
-                <a:spcPts val="0"/>
-              </a:spcAft>
-              <a:buNone/>
-            </a:pPr>
-            <a:r>
-              <a:t/>
-            </a:r>
-            <a:endParaRPr/>
-          </a:p>
-        </p:txBody>
-      </p:sp>
-    </p:spTree>
-  </p:cSld>
-  <p:clrMapOvr>
-    <a:masterClrMapping/>
-  </p:clrMapOvr>
-</p:notes>
-</file>
-
-<file path=ppt/notesSlides/notesSlide15.xml><?xml version="1.0" encoding="utf-8"?>
-<p:notes xmlns:a="http://schemas.openxmlformats.org/drawingml/2006/main" xmlns:r="http://schemas.openxmlformats.org/officeDocument/2006/relationships" xmlns:mc="http://schemas.openxmlformats.org/markup-compatibility/2006" xmlns:mv="urn:schemas-microsoft-com:mac:vml" xmlns:p="http://schemas.openxmlformats.org/presentationml/2006/main" xmlns:c="http://schemas.openxmlformats.org/drawingml/2006/chart" xmlns:dgm="http://schemas.openxmlformats.org/drawingml/2006/diagram" xmlns:o="urn:schemas-microsoft-com:office:office" xmlns:v="urn:schemas-microsoft-com:vml" xmlns:pvml="urn:schemas-microsoft-com:office:powerpoint" xmlns:com="http://schemas.openxmlformats.org/drawingml/2006/compatibility" xmlns:p14="http://schemas.microsoft.com/office/powerpoint/2010/main" xmlns:p15="http://schemas.microsoft.com/office/powerpoint/2012/main" xmlns:ahyp="http://schemas.microsoft.com/office/drawing/2018/hyperlinkcolor" showMasterPhAnim="0" showMasterSp="0">
-  <p:cSld>
-    <p:spTree>
-      <p:nvGrpSpPr>
-        <p:cNvPr id="206" name="Shape 206"/>
-        <p:cNvGrpSpPr/>
-        <p:nvPr/>
-      </p:nvGrpSpPr>
-      <p:grpSpPr>
-        <a:xfrm>
-          <a:off x="0" y="0"/>
-          <a:ext cx="0" cy="0"/>
-          <a:chOff x="0" y="0"/>
-          <a:chExt cx="0" cy="0"/>
-        </a:xfrm>
-      </p:grpSpPr>
-      <p:sp>
-        <p:nvSpPr>
-          <p:cNvPr id="207" name="Google Shape;207;g387f2e334ed_0_303:notes"/>
-          <p:cNvSpPr/>
-          <p:nvPr>
-            <p:ph idx="2" type="sldImg"/>
-          </p:nvPr>
-        </p:nvSpPr>
-        <p:spPr>
-          <a:xfrm>
-            <a:off x="381300" y="685800"/>
-            <a:ext cx="6096000" cy="3429000"/>
-          </a:xfrm>
-          <a:custGeom>
-            <a:rect b="b" l="l" r="r" t="t"/>
-            <a:pathLst>
-              <a:path extrusionOk="0" h="120000" w="120000">
-                <a:moveTo>
-                  <a:pt x="0" y="0"/>
-                </a:moveTo>
-                <a:lnTo>
-                  <a:pt x="120000" y="0"/>
-                </a:lnTo>
-                <a:lnTo>
-                  <a:pt x="120000" y="120000"/>
-                </a:lnTo>
-                <a:lnTo>
-                  <a:pt x="0" y="120000"/>
-                </a:lnTo>
-                <a:close/>
-              </a:path>
-            </a:pathLst>
-          </a:custGeom>
-        </p:spPr>
-      </p:sp>
-      <p:sp>
-        <p:nvSpPr>
-          <p:cNvPr id="208" name="Google Shape;208;g387f2e334ed_0_303:notes"/>
-          <p:cNvSpPr txBox="1"/>
-          <p:nvPr>
-            <p:ph idx="1" type="body"/>
-          </p:nvPr>
-        </p:nvSpPr>
-        <p:spPr>
-          <a:xfrm>
-            <a:off x="685800" y="4343400"/>
-            <a:ext cx="5486400" cy="4114800"/>
-          </a:xfrm>
-          <a:prstGeom prst="rect">
-            <a:avLst/>
-          </a:prstGeom>
-        </p:spPr>
-        <p:txBody>
-          <a:bodyPr anchorCtr="0" anchor="t" bIns="91425" lIns="91425" spcFirstLastPara="1" rIns="91425" wrap="square" tIns="91425">
-            <a:noAutofit/>
-          </a:bodyPr>
-          <a:lstStyle/>
-          <a:p>
-            <a:pPr indent="0" lvl="0" marL="0" rtl="0" algn="l">
-              <a:spcBef>
-                <a:spcPts val="0"/>
-              </a:spcBef>
-              <a:spcAft>
-                <a:spcPts val="0"/>
-              </a:spcAft>
-              <a:buNone/>
-            </a:pPr>
-            <a:r>
-              <a:t/>
-            </a:r>
-            <a:endParaRPr/>
-          </a:p>
-        </p:txBody>
-      </p:sp>
-    </p:spTree>
-  </p:cSld>
-  <p:clrMapOvr>
-    <a:masterClrMapping/>
-  </p:clrMapOvr>
-</p:notes>
-</file>
-
-<file path=ppt/notesSlides/notesSlide16.xml><?xml version="1.0" encoding="utf-8"?>
-<p:notes xmlns:a="http://schemas.openxmlformats.org/drawingml/2006/main" xmlns:r="http://schemas.openxmlformats.org/officeDocument/2006/relationships" xmlns:mc="http://schemas.openxmlformats.org/markup-compatibility/2006" xmlns:mv="urn:schemas-microsoft-com:mac:vml" xmlns:p="http://schemas.openxmlformats.org/presentationml/2006/main" xmlns:c="http://schemas.openxmlformats.org/drawingml/2006/chart" xmlns:dgm="http://schemas.openxmlformats.org/drawingml/2006/diagram" xmlns:o="urn:schemas-microsoft-com:office:office" xmlns:v="urn:schemas-microsoft-com:vml" xmlns:pvml="urn:schemas-microsoft-com:office:powerpoint" xmlns:com="http://schemas.openxmlformats.org/drawingml/2006/compatibility" xmlns:p14="http://schemas.microsoft.com/office/powerpoint/2010/main" xmlns:p15="http://schemas.microsoft.com/office/powerpoint/2012/main" xmlns:ahyp="http://schemas.microsoft.com/office/drawing/2018/hyperlinkcolor" showMasterPhAnim="0" showMasterSp="0">
-  <p:cSld>
-    <p:spTree>
-      <p:nvGrpSpPr>
-        <p:cNvPr id="213" name="Shape 213"/>
-        <p:cNvGrpSpPr/>
-        <p:nvPr/>
-      </p:nvGrpSpPr>
-      <p:grpSpPr>
-        <a:xfrm>
-          <a:off x="0" y="0"/>
-          <a:ext cx="0" cy="0"/>
-          <a:chOff x="0" y="0"/>
-          <a:chExt cx="0" cy="0"/>
-        </a:xfrm>
-      </p:grpSpPr>
-      <p:sp>
-        <p:nvSpPr>
-          <p:cNvPr id="214" name="Google Shape;214;g3892e553a8c_0_124:notes"/>
-          <p:cNvSpPr/>
-          <p:nvPr>
-            <p:ph idx="2" type="sldImg"/>
-          </p:nvPr>
-        </p:nvSpPr>
-        <p:spPr>
-          <a:xfrm>
-            <a:off x="381300" y="685800"/>
-            <a:ext cx="6096000" cy="3429000"/>
-          </a:xfrm>
-          <a:custGeom>
-            <a:rect b="b" l="l" r="r" t="t"/>
-            <a:pathLst>
-              <a:path extrusionOk="0" h="120000" w="120000">
-                <a:moveTo>
-                  <a:pt x="0" y="0"/>
-                </a:moveTo>
-                <a:lnTo>
-                  <a:pt x="120000" y="0"/>
-                </a:lnTo>
-                <a:lnTo>
-                  <a:pt x="120000" y="120000"/>
-                </a:lnTo>
-                <a:lnTo>
-                  <a:pt x="0" y="120000"/>
-                </a:lnTo>
-                <a:close/>
-              </a:path>
-            </a:pathLst>
-          </a:custGeom>
-        </p:spPr>
-      </p:sp>
-      <p:sp>
-        <p:nvSpPr>
-          <p:cNvPr id="215" name="Google Shape;215;g3892e553a8c_0_124:notes"/>
-          <p:cNvSpPr txBox="1"/>
-          <p:nvPr>
-            <p:ph idx="1" type="body"/>
-          </p:nvPr>
-        </p:nvSpPr>
-        <p:spPr>
-          <a:xfrm>
-            <a:off x="685800" y="4343400"/>
-            <a:ext cx="5486400" cy="4114800"/>
-          </a:xfrm>
-          <a:prstGeom prst="rect">
-            <a:avLst/>
-          </a:prstGeom>
-        </p:spPr>
-        <p:txBody>
-          <a:bodyPr anchorCtr="0" anchor="t" bIns="91425" lIns="91425" spcFirstLastPara="1" rIns="91425" wrap="square" tIns="91425">
-            <a:noAutofit/>
-          </a:bodyPr>
-          <a:lstStyle/>
-          <a:p>
-            <a:pPr indent="0" lvl="0" marL="0" rtl="0" algn="l">
-              <a:spcBef>
-                <a:spcPts val="0"/>
-              </a:spcBef>
-              <a:spcAft>
-                <a:spcPts val="0"/>
-              </a:spcAft>
-              <a:buNone/>
-            </a:pPr>
-            <a:r>
-              <a:t/>
-            </a:r>
-            <a:endParaRPr/>
-          </a:p>
-        </p:txBody>
-      </p:sp>
-    </p:spTree>
-  </p:cSld>
-  <p:clrMapOvr>
-    <a:masterClrMapping/>
-  </p:clrMapOvr>
-</p:notes>
-</file>
-
-<file path=ppt/notesSlides/notesSlide17.xml><?xml version="1.0" encoding="utf-8"?>
-<p:notes xmlns:a="http://schemas.openxmlformats.org/drawingml/2006/main" xmlns:r="http://schemas.openxmlformats.org/officeDocument/2006/relationships" xmlns:mc="http://schemas.openxmlformats.org/markup-compatibility/2006" xmlns:mv="urn:schemas-microsoft-com:mac:vml" xmlns:p="http://schemas.openxmlformats.org/presentationml/2006/main" xmlns:c="http://schemas.openxmlformats.org/drawingml/2006/chart" xmlns:dgm="http://schemas.openxmlformats.org/drawingml/2006/diagram" xmlns:o="urn:schemas-microsoft-com:office:office" xmlns:v="urn:schemas-microsoft-com:vml" xmlns:pvml="urn:schemas-microsoft-com:office:powerpoint" xmlns:com="http://schemas.openxmlformats.org/drawingml/2006/compatibility" xmlns:p14="http://schemas.microsoft.com/office/powerpoint/2010/main" xmlns:p15="http://schemas.microsoft.com/office/powerpoint/2012/main" xmlns:ahyp="http://schemas.microsoft.com/office/drawing/2018/hyperlinkcolor" showMasterPhAnim="0" showMasterSp="0">
-  <p:cSld>
-    <p:spTree>
-      <p:nvGrpSpPr>
-        <p:cNvPr id="219" name="Shape 219"/>
-        <p:cNvGrpSpPr/>
-        <p:nvPr/>
-      </p:nvGrpSpPr>
-      <p:grpSpPr>
-        <a:xfrm>
-          <a:off x="0" y="0"/>
-          <a:ext cx="0" cy="0"/>
-          <a:chOff x="0" y="0"/>
-          <a:chExt cx="0" cy="0"/>
-        </a:xfrm>
-      </p:grpSpPr>
-      <p:sp>
-        <p:nvSpPr>
-          <p:cNvPr id="220" name="Google Shape;220;g3892e553a8c_0_129:notes"/>
-          <p:cNvSpPr/>
-          <p:nvPr>
-            <p:ph idx="2" type="sldImg"/>
-          </p:nvPr>
-        </p:nvSpPr>
-        <p:spPr>
-          <a:xfrm>
-            <a:off x="381300" y="685800"/>
-            <a:ext cx="6096000" cy="3429000"/>
-          </a:xfrm>
-          <a:custGeom>
-            <a:rect b="b" l="l" r="r" t="t"/>
-            <a:pathLst>
-              <a:path extrusionOk="0" h="120000" w="120000">
-                <a:moveTo>
-                  <a:pt x="0" y="0"/>
-                </a:moveTo>
-                <a:lnTo>
-                  <a:pt x="120000" y="0"/>
-                </a:lnTo>
-                <a:lnTo>
-                  <a:pt x="120000" y="120000"/>
-                </a:lnTo>
-                <a:lnTo>
-                  <a:pt x="0" y="120000"/>
-                </a:lnTo>
-                <a:close/>
-              </a:path>
-            </a:pathLst>
-          </a:custGeom>
-        </p:spPr>
-      </p:sp>
-      <p:sp>
-        <p:nvSpPr>
-          <p:cNvPr id="221" name="Google Shape;221;g3892e553a8c_0_129:notes"/>
-          <p:cNvSpPr txBox="1"/>
-          <p:nvPr>
-            <p:ph idx="1" type="body"/>
-          </p:nvPr>
-        </p:nvSpPr>
-        <p:spPr>
-          <a:xfrm>
-            <a:off x="685800" y="4343400"/>
-            <a:ext cx="5486400" cy="4114800"/>
-          </a:xfrm>
-          <a:prstGeom prst="rect">
-            <a:avLst/>
-          </a:prstGeom>
-        </p:spPr>
-        <p:txBody>
-          <a:bodyPr anchorCtr="0" anchor="t" bIns="91425" lIns="91425" spcFirstLastPara="1" rIns="91425" wrap="square" tIns="91425">
-            <a:noAutofit/>
-          </a:bodyPr>
-          <a:lstStyle/>
-          <a:p>
-            <a:pPr indent="0" lvl="0" marL="0" rtl="0" algn="l">
-              <a:spcBef>
-                <a:spcPts val="0"/>
-              </a:spcBef>
-              <a:spcAft>
-                <a:spcPts val="0"/>
-              </a:spcAft>
-              <a:buNone/>
-            </a:pPr>
-            <a:r>
-              <a:t/>
-            </a:r>
-            <a:endParaRPr/>
-          </a:p>
-        </p:txBody>
-      </p:sp>
-    </p:spTree>
-  </p:cSld>
-  <p:clrMapOvr>
-    <a:masterClrMapping/>
-  </p:clrMapOvr>
-</p:notes>
-</file>
-
-<file path=ppt/notesSlides/notesSlide2.xml><?xml version="1.0" encoding="utf-8"?>
-<p:notes xmlns:a="http://schemas.openxmlformats.org/drawingml/2006/main" xmlns:r="http://schemas.openxmlformats.org/officeDocument/2006/relationships" xmlns:mc="http://schemas.openxmlformats.org/markup-compatibility/2006" xmlns:mv="urn:schemas-microsoft-com:mac:vml" xmlns:p="http://schemas.openxmlformats.org/presentationml/2006/main" xmlns:c="http://schemas.openxmlformats.org/drawingml/2006/chart" xmlns:dgm="http://schemas.openxmlformats.org/drawingml/2006/diagram" xmlns:o="urn:schemas-microsoft-com:office:office" xmlns:v="urn:schemas-microsoft-com:vml" xmlns:pvml="urn:schemas-microsoft-com:office:powerpoint" xmlns:com="http://schemas.openxmlformats.org/drawingml/2006/compatibility" xmlns:p14="http://schemas.microsoft.com/office/powerpoint/2010/main" xmlns:p15="http://schemas.microsoft.com/office/powerpoint/2012/main" xmlns:ahyp="http://schemas.microsoft.com/office/drawing/2018/hyperlinkcolor" showMasterPhAnim="0" showMasterSp="0">
-  <p:cSld>
-    <p:spTree>
-      <p:nvGrpSpPr>
-        <p:cNvPr id="130" name="Shape 130"/>
-        <p:cNvGrpSpPr/>
-        <p:nvPr/>
-      </p:nvGrpSpPr>
-      <p:grpSpPr>
-        <a:xfrm>
-          <a:off x="0" y="0"/>
-          <a:ext cx="0" cy="0"/>
-          <a:chOff x="0" y="0"/>
-          <a:chExt cx="0" cy="0"/>
-        </a:xfrm>
-      </p:grpSpPr>
-      <p:sp>
-        <p:nvSpPr>
-          <p:cNvPr id="131" name="Google Shape;131;g387f2e334ed_0_260:notes"/>
-          <p:cNvSpPr/>
-          <p:nvPr>
-            <p:ph idx="2" type="sldImg"/>
-          </p:nvPr>
-        </p:nvSpPr>
-        <p:spPr>
-          <a:xfrm>
-            <a:off x="381300" y="685800"/>
-            <a:ext cx="6096000" cy="3429000"/>
-          </a:xfrm>
-          <a:custGeom>
-            <a:rect b="b" l="l" r="r" t="t"/>
-            <a:pathLst>
-              <a:path extrusionOk="0" h="120000" w="120000">
-                <a:moveTo>
-                  <a:pt x="0" y="0"/>
-                </a:moveTo>
-                <a:lnTo>
-                  <a:pt x="120000" y="0"/>
-                </a:lnTo>
-                <a:lnTo>
-                  <a:pt x="120000" y="120000"/>
-                </a:lnTo>
-                <a:lnTo>
-                  <a:pt x="0" y="120000"/>
-                </a:lnTo>
-                <a:close/>
-              </a:path>
-            </a:pathLst>
-          </a:custGeom>
-        </p:spPr>
-      </p:sp>
-      <p:sp>
-        <p:nvSpPr>
-          <p:cNvPr id="132" name="Google Shape;132;g387f2e334ed_0_260:notes"/>
-          <p:cNvSpPr txBox="1"/>
-          <p:nvPr>
-            <p:ph idx="1" type="body"/>
-          </p:nvPr>
-        </p:nvSpPr>
-        <p:spPr>
-          <a:xfrm>
-            <a:off x="685800" y="4343400"/>
-            <a:ext cx="5486400" cy="4114800"/>
-          </a:xfrm>
-          <a:prstGeom prst="rect">
-            <a:avLst/>
-          </a:prstGeom>
-        </p:spPr>
-        <p:txBody>
-          <a:bodyPr anchorCtr="0" anchor="t" bIns="91425" lIns="91425" spcFirstLastPara="1" rIns="91425" wrap="square" tIns="91425">
-            <a:noAutofit/>
-          </a:bodyPr>
-          <a:lstStyle/>
-          <a:p>
-            <a:pPr indent="0" lvl="0" marL="0" rtl="0" algn="l">
-              <a:spcBef>
-                <a:spcPts val="0"/>
-              </a:spcBef>
-              <a:spcAft>
-                <a:spcPts val="0"/>
-              </a:spcAft>
-              <a:buNone/>
-            </a:pPr>
-            <a:r>
-              <a:t/>
-            </a:r>
-            <a:endParaRPr/>
-          </a:p>
-        </p:txBody>
-      </p:sp>
-    </p:spTree>
-  </p:cSld>
-  <p:clrMapOvr>
-    <a:masterClrMapping/>
-  </p:clrMapOvr>
-</p:notes>
-</file>
-
-<file path=ppt/notesSlides/notesSlide3.xml><?xml version="1.0" encoding="utf-8"?>
-<p:notes xmlns:a="http://schemas.openxmlformats.org/drawingml/2006/main" xmlns:r="http://schemas.openxmlformats.org/officeDocument/2006/relationships" xmlns:mc="http://schemas.openxmlformats.org/markup-compatibility/2006" xmlns:mv="urn:schemas-microsoft-com:mac:vml" xmlns:p="http://schemas.openxmlformats.org/presentationml/2006/main" xmlns:c="http://schemas.openxmlformats.org/drawingml/2006/chart" xmlns:dgm="http://schemas.openxmlformats.org/drawingml/2006/diagram" xmlns:o="urn:schemas-microsoft-com:office:office" xmlns:v="urn:schemas-microsoft-com:vml" xmlns:pvml="urn:schemas-microsoft-com:office:powerpoint" xmlns:com="http://schemas.openxmlformats.org/drawingml/2006/compatibility" xmlns:p14="http://schemas.microsoft.com/office/powerpoint/2010/main" xmlns:p15="http://schemas.microsoft.com/office/powerpoint/2012/main" xmlns:ahyp="http://schemas.microsoft.com/office/drawing/2018/hyperlinkcolor" showMasterPhAnim="0" showMasterSp="0">
-  <p:cSld>
-    <p:spTree>
-      <p:nvGrpSpPr>
-        <p:cNvPr id="135" name="Shape 135"/>
-        <p:cNvGrpSpPr/>
-        <p:nvPr/>
-      </p:nvGrpSpPr>
-      <p:grpSpPr>
-        <a:xfrm>
-          <a:off x="0" y="0"/>
-          <a:ext cx="0" cy="0"/>
-          <a:chOff x="0" y="0"/>
-          <a:chExt cx="0" cy="0"/>
-        </a:xfrm>
-      </p:grpSpPr>
-      <p:sp>
-        <p:nvSpPr>
-          <p:cNvPr id="136" name="Google Shape;136;g387f2e334ed_0_265:notes"/>
-          <p:cNvSpPr/>
-          <p:nvPr>
-            <p:ph idx="2" type="sldImg"/>
-          </p:nvPr>
-        </p:nvSpPr>
-        <p:spPr>
-          <a:xfrm>
-            <a:off x="381300" y="685800"/>
-            <a:ext cx="6096000" cy="3429000"/>
-          </a:xfrm>
-          <a:custGeom>
-            <a:rect b="b" l="l" r="r" t="t"/>
-            <a:pathLst>
-              <a:path extrusionOk="0" h="120000" w="120000">
-                <a:moveTo>
-                  <a:pt x="0" y="0"/>
-                </a:moveTo>
-                <a:lnTo>
-                  <a:pt x="120000" y="0"/>
-                </a:lnTo>
-                <a:lnTo>
-                  <a:pt x="120000" y="120000"/>
-                </a:lnTo>
-                <a:lnTo>
-                  <a:pt x="0" y="120000"/>
-                </a:lnTo>
-                <a:close/>
-              </a:path>
-            </a:pathLst>
-          </a:custGeom>
-        </p:spPr>
-      </p:sp>
-      <p:sp>
-        <p:nvSpPr>
-          <p:cNvPr id="137" name="Google Shape;137;g387f2e334ed_0_265:notes"/>
-          <p:cNvSpPr txBox="1"/>
-          <p:nvPr>
-            <p:ph idx="1" type="body"/>
-          </p:nvPr>
-        </p:nvSpPr>
-        <p:spPr>
-          <a:xfrm>
-            <a:off x="685800" y="4343400"/>
-            <a:ext cx="5486400" cy="4114800"/>
-          </a:xfrm>
-          <a:prstGeom prst="rect">
-            <a:avLst/>
-          </a:prstGeom>
-        </p:spPr>
-        <p:txBody>
-          <a:bodyPr anchorCtr="0" anchor="t" bIns="91425" lIns="91425" spcFirstLastPara="1" rIns="91425" wrap="square" tIns="91425">
-            <a:noAutofit/>
-          </a:bodyPr>
-          <a:lstStyle/>
-          <a:p>
-            <a:pPr indent="0" lvl="0" marL="0" rtl="0" algn="l">
-              <a:spcBef>
-                <a:spcPts val="0"/>
-              </a:spcBef>
-              <a:spcAft>
-                <a:spcPts val="0"/>
-              </a:spcAft>
-              <a:buNone/>
-            </a:pPr>
-            <a:r>
-              <a:t/>
-            </a:r>
-            <a:endParaRPr/>
-          </a:p>
-        </p:txBody>
-      </p:sp>
-    </p:spTree>
-  </p:cSld>
-  <p:clrMapOvr>
-    <a:masterClrMapping/>
-  </p:clrMapOvr>
-</p:notes>
-</file>
-
-<file path=ppt/notesSlides/notesSlide4.xml><?xml version="1.0" encoding="utf-8"?>
-<p:notes xmlns:a="http://schemas.openxmlformats.org/drawingml/2006/main" xmlns:r="http://schemas.openxmlformats.org/officeDocument/2006/relationships" xmlns:mc="http://schemas.openxmlformats.org/markup-compatibility/2006" xmlns:mv="urn:schemas-microsoft-com:mac:vml" xmlns:p="http://schemas.openxmlformats.org/presentationml/2006/main" xmlns:c="http://schemas.openxmlformats.org/drawingml/2006/chart" xmlns:dgm="http://schemas.openxmlformats.org/drawingml/2006/diagram" xmlns:o="urn:schemas-microsoft-com:office:office" xmlns:v="urn:schemas-microsoft-com:vml" xmlns:pvml="urn:schemas-microsoft-com:office:powerpoint" xmlns:com="http://schemas.openxmlformats.org/drawingml/2006/compatibility" xmlns:p14="http://schemas.microsoft.com/office/powerpoint/2010/main" xmlns:p15="http://schemas.microsoft.com/office/powerpoint/2012/main" xmlns:ahyp="http://schemas.microsoft.com/office/drawing/2018/hyperlinkcolor" showMasterPhAnim="0" showMasterSp="0">
-  <p:cSld>
-    <p:spTree>
-      <p:nvGrpSpPr>
-        <p:cNvPr id="140" name="Shape 140"/>
-        <p:cNvGrpSpPr/>
-        <p:nvPr/>
-      </p:nvGrpSpPr>
-      <p:grpSpPr>
-        <a:xfrm>
-          <a:off x="0" y="0"/>
-          <a:ext cx="0" cy="0"/>
-          <a:chOff x="0" y="0"/>
-          <a:chExt cx="0" cy="0"/>
-        </a:xfrm>
-      </p:grpSpPr>
-      <p:sp>
-        <p:nvSpPr>
-          <p:cNvPr id="141" name="Google Shape;141;g387f2e334ed_0_269:notes"/>
-          <p:cNvSpPr/>
-          <p:nvPr>
-            <p:ph idx="2" type="sldImg"/>
-          </p:nvPr>
-        </p:nvSpPr>
-        <p:spPr>
-          <a:xfrm>
-            <a:off x="381300" y="685800"/>
-            <a:ext cx="6096000" cy="3429000"/>
-          </a:xfrm>
-          <a:custGeom>
-            <a:rect b="b" l="l" r="r" t="t"/>
-            <a:pathLst>
-              <a:path extrusionOk="0" h="120000" w="120000">
-                <a:moveTo>
-                  <a:pt x="0" y="0"/>
-                </a:moveTo>
-                <a:lnTo>
-                  <a:pt x="120000" y="0"/>
-                </a:lnTo>
-                <a:lnTo>
-                  <a:pt x="120000" y="120000"/>
-                </a:lnTo>
-                <a:lnTo>
-                  <a:pt x="0" y="120000"/>
-                </a:lnTo>
-                <a:close/>
-              </a:path>
-            </a:pathLst>
-          </a:custGeom>
-        </p:spPr>
-      </p:sp>
-      <p:sp>
-        <p:nvSpPr>
-          <p:cNvPr id="142" name="Google Shape;142;g387f2e334ed_0_269:notes"/>
-          <p:cNvSpPr txBox="1"/>
-          <p:nvPr>
-            <p:ph idx="1" type="body"/>
-          </p:nvPr>
-        </p:nvSpPr>
-        <p:spPr>
-          <a:xfrm>
-            <a:off x="685800" y="4343400"/>
-            <a:ext cx="5486400" cy="4114800"/>
-          </a:xfrm>
-          <a:prstGeom prst="rect">
-            <a:avLst/>
-          </a:prstGeom>
-        </p:spPr>
-        <p:txBody>
-          <a:bodyPr anchorCtr="0" anchor="t" bIns="91425" lIns="91425" spcFirstLastPara="1" rIns="91425" wrap="square" tIns="91425">
-            <a:noAutofit/>
-          </a:bodyPr>
-          <a:lstStyle/>
-          <a:p>
-            <a:pPr indent="0" lvl="0" marL="0" rtl="0" algn="l">
-              <a:spcBef>
-                <a:spcPts val="0"/>
-              </a:spcBef>
-              <a:spcAft>
-                <a:spcPts val="0"/>
-              </a:spcAft>
-              <a:buNone/>
-            </a:pPr>
-            <a:r>
-              <a:t/>
-            </a:r>
-            <a:endParaRPr/>
-          </a:p>
-        </p:txBody>
-      </p:sp>
-    </p:spTree>
-  </p:cSld>
-  <p:clrMapOvr>
-    <a:masterClrMapping/>
-  </p:clrMapOvr>
-</p:notes>
-</file>
-
-<file path=ppt/notesSlides/notesSlide5.xml><?xml version="1.0" encoding="utf-8"?>
-<p:notes xmlns:a="http://schemas.openxmlformats.org/drawingml/2006/main" xmlns:r="http://schemas.openxmlformats.org/officeDocument/2006/relationships" xmlns:mc="http://schemas.openxmlformats.org/markup-compatibility/2006" xmlns:mv="urn:schemas-microsoft-com:mac:vml" xmlns:p="http://schemas.openxmlformats.org/presentationml/2006/main" xmlns:c="http://schemas.openxmlformats.org/drawingml/2006/chart" xmlns:dgm="http://schemas.openxmlformats.org/drawingml/2006/diagram" xmlns:o="urn:schemas-microsoft-com:office:office" xmlns:v="urn:schemas-microsoft-com:vml" xmlns:pvml="urn:schemas-microsoft-com:office:powerpoint" xmlns:com="http://schemas.openxmlformats.org/drawingml/2006/compatibility" xmlns:p14="http://schemas.microsoft.com/office/powerpoint/2010/main" xmlns:p15="http://schemas.microsoft.com/office/powerpoint/2012/main" xmlns:ahyp="http://schemas.microsoft.com/office/drawing/2018/hyperlinkcolor" showMasterPhAnim="0" showMasterSp="0">
-  <p:cSld>
-    <p:spTree>
-      <p:nvGrpSpPr>
-        <p:cNvPr id="147" name="Shape 147"/>
-        <p:cNvGrpSpPr/>
-        <p:nvPr/>
-      </p:nvGrpSpPr>
-      <p:grpSpPr>
-        <a:xfrm>
-          <a:off x="0" y="0"/>
-          <a:ext cx="0" cy="0"/>
-          <a:chOff x="0" y="0"/>
-          <a:chExt cx="0" cy="0"/>
-        </a:xfrm>
-      </p:grpSpPr>
-      <p:sp>
-        <p:nvSpPr>
-          <p:cNvPr id="148" name="Google Shape;148;g387f2e334ed_0_275:notes"/>
-          <p:cNvSpPr/>
-          <p:nvPr>
-            <p:ph idx="2" type="sldImg"/>
-          </p:nvPr>
-        </p:nvSpPr>
-        <p:spPr>
-          <a:xfrm>
-            <a:off x="381300" y="685800"/>
-            <a:ext cx="6096000" cy="3429000"/>
-          </a:xfrm>
-          <a:custGeom>
-            <a:rect b="b" l="l" r="r" t="t"/>
-            <a:pathLst>
-              <a:path extrusionOk="0" h="120000" w="120000">
-                <a:moveTo>
-                  <a:pt x="0" y="0"/>
-                </a:moveTo>
-                <a:lnTo>
-                  <a:pt x="120000" y="0"/>
-                </a:lnTo>
-                <a:lnTo>
-                  <a:pt x="120000" y="120000"/>
-                </a:lnTo>
-                <a:lnTo>
-                  <a:pt x="0" y="120000"/>
-                </a:lnTo>
-                <a:close/>
-              </a:path>
-            </a:pathLst>
-          </a:custGeom>
-        </p:spPr>
-      </p:sp>
-      <p:sp>
-        <p:nvSpPr>
-          <p:cNvPr id="149" name="Google Shape;149;g387f2e334ed_0_275:notes"/>
-          <p:cNvSpPr txBox="1"/>
-          <p:nvPr>
-            <p:ph idx="1" type="body"/>
-          </p:nvPr>
-        </p:nvSpPr>
-        <p:spPr>
-          <a:xfrm>
-            <a:off x="685800" y="4343400"/>
-            <a:ext cx="5486400" cy="4114800"/>
-          </a:xfrm>
-          <a:prstGeom prst="rect">
-            <a:avLst/>
-          </a:prstGeom>
-        </p:spPr>
-        <p:txBody>
-          <a:bodyPr anchorCtr="0" anchor="t" bIns="91425" lIns="91425" spcFirstLastPara="1" rIns="91425" wrap="square" tIns="91425">
-            <a:noAutofit/>
-          </a:bodyPr>
-          <a:lstStyle/>
-          <a:p>
-            <a:pPr indent="0" lvl="0" marL="0" rtl="0" algn="l">
-              <a:spcBef>
-                <a:spcPts val="0"/>
-              </a:spcBef>
-              <a:spcAft>
-                <a:spcPts val="0"/>
-              </a:spcAft>
-              <a:buNone/>
-            </a:pPr>
-            <a:r>
-              <a:t/>
-            </a:r>
-            <a:endParaRPr/>
-          </a:p>
-        </p:txBody>
-      </p:sp>
-    </p:spTree>
-  </p:cSld>
-  <p:clrMapOvr>
-    <a:masterClrMapping/>
-  </p:clrMapOvr>
-</p:notes>
-</file>
-
-<file path=ppt/notesSlides/notesSlide6.xml><?xml version="1.0" encoding="utf-8"?>
-<p:notes xmlns:a="http://schemas.openxmlformats.org/drawingml/2006/main" xmlns:r="http://schemas.openxmlformats.org/officeDocument/2006/relationships" xmlns:mc="http://schemas.openxmlformats.org/markup-compatibility/2006" xmlns:mv="urn:schemas-microsoft-com:mac:vml" xmlns:p="http://schemas.openxmlformats.org/presentationml/2006/main" xmlns:c="http://schemas.openxmlformats.org/drawingml/2006/chart" xmlns:dgm="http://schemas.openxmlformats.org/drawingml/2006/diagram" xmlns:o="urn:schemas-microsoft-com:office:office" xmlns:v="urn:schemas-microsoft-com:vml" xmlns:pvml="urn:schemas-microsoft-com:office:powerpoint" xmlns:com="http://schemas.openxmlformats.org/drawingml/2006/compatibility" xmlns:p14="http://schemas.microsoft.com/office/powerpoint/2010/main" xmlns:p15="http://schemas.microsoft.com/office/powerpoint/2012/main" xmlns:ahyp="http://schemas.microsoft.com/office/drawing/2018/hyperlinkcolor" showMasterPhAnim="0" showMasterSp="0">
-  <p:cSld>
-    <p:spTree>
-      <p:nvGrpSpPr>
-        <p:cNvPr id="154" name="Shape 154"/>
-        <p:cNvGrpSpPr/>
-        <p:nvPr/>
-      </p:nvGrpSpPr>
-      <p:grpSpPr>
-        <a:xfrm>
-          <a:off x="0" y="0"/>
-          <a:ext cx="0" cy="0"/>
-          <a:chOff x="0" y="0"/>
-          <a:chExt cx="0" cy="0"/>
-        </a:xfrm>
-      </p:grpSpPr>
-      <p:sp>
-        <p:nvSpPr>
-          <p:cNvPr id="155" name="Google Shape;155;g387f2e334ed_0_280:notes"/>
-          <p:cNvSpPr/>
-          <p:nvPr>
-            <p:ph idx="2" type="sldImg"/>
-          </p:nvPr>
-        </p:nvSpPr>
-        <p:spPr>
-          <a:xfrm>
-            <a:off x="381300" y="685800"/>
-            <a:ext cx="6096000" cy="3429000"/>
-          </a:xfrm>
-          <a:custGeom>
-            <a:rect b="b" l="l" r="r" t="t"/>
-            <a:pathLst>
-              <a:path extrusionOk="0" h="120000" w="120000">
-                <a:moveTo>
-                  <a:pt x="0" y="0"/>
-                </a:moveTo>
-                <a:lnTo>
-                  <a:pt x="120000" y="0"/>
-                </a:lnTo>
-                <a:lnTo>
-                  <a:pt x="120000" y="120000"/>
-                </a:lnTo>
-                <a:lnTo>
-                  <a:pt x="0" y="120000"/>
-                </a:lnTo>
-                <a:close/>
-              </a:path>
-            </a:pathLst>
-          </a:custGeom>
-        </p:spPr>
-      </p:sp>
-      <p:sp>
-        <p:nvSpPr>
-          <p:cNvPr id="156" name="Google Shape;156;g387f2e334ed_0_280:notes"/>
-          <p:cNvSpPr txBox="1"/>
-          <p:nvPr>
-            <p:ph idx="1" type="body"/>
-          </p:nvPr>
-        </p:nvSpPr>
-        <p:spPr>
-          <a:xfrm>
-            <a:off x="685800" y="4343400"/>
-            <a:ext cx="5486400" cy="4114800"/>
-          </a:xfrm>
-          <a:prstGeom prst="rect">
-            <a:avLst/>
-          </a:prstGeom>
-        </p:spPr>
-        <p:txBody>
-          <a:bodyPr anchorCtr="0" anchor="t" bIns="91425" lIns="91425" spcFirstLastPara="1" rIns="91425" wrap="square" tIns="91425">
-            <a:noAutofit/>
-          </a:bodyPr>
-          <a:lstStyle/>
-          <a:p>
-            <a:pPr indent="0" lvl="0" marL="0" rtl="0" algn="l">
-              <a:spcBef>
-                <a:spcPts val="0"/>
-              </a:spcBef>
-              <a:spcAft>
-                <a:spcPts val="0"/>
-              </a:spcAft>
-              <a:buNone/>
-            </a:pPr>
-            <a:r>
-              <a:t/>
-            </a:r>
-            <a:endParaRPr/>
-          </a:p>
-        </p:txBody>
-      </p:sp>
-    </p:spTree>
-  </p:cSld>
-  <p:clrMapOvr>
-    <a:masterClrMapping/>
-  </p:clrMapOvr>
-</p:notes>
-</file>
-
-<file path=ppt/notesSlides/notesSlide7.xml><?xml version="1.0" encoding="utf-8"?>
-<p:notes xmlns:a="http://schemas.openxmlformats.org/drawingml/2006/main" xmlns:r="http://schemas.openxmlformats.org/officeDocument/2006/relationships" xmlns:mc="http://schemas.openxmlformats.org/markup-compatibility/2006" xmlns:mv="urn:schemas-microsoft-com:mac:vml" xmlns:p="http://schemas.openxmlformats.org/presentationml/2006/main" xmlns:c="http://schemas.openxmlformats.org/drawingml/2006/chart" xmlns:dgm="http://schemas.openxmlformats.org/drawingml/2006/diagram" xmlns:o="urn:schemas-microsoft-com:office:office" xmlns:v="urn:schemas-microsoft-com:vml" xmlns:pvml="urn:schemas-microsoft-com:office:powerpoint" xmlns:com="http://schemas.openxmlformats.org/drawingml/2006/compatibility" xmlns:p14="http://schemas.microsoft.com/office/powerpoint/2010/main" xmlns:p15="http://schemas.microsoft.com/office/powerpoint/2012/main" xmlns:ahyp="http://schemas.microsoft.com/office/drawing/2018/hyperlinkcolor" showMasterPhAnim="0" showMasterSp="0">
-  <p:cSld>
-    <p:spTree>
-      <p:nvGrpSpPr>
-        <p:cNvPr id="162" name="Shape 162"/>
-        <p:cNvGrpSpPr/>
-        <p:nvPr/>
-      </p:nvGrpSpPr>
-      <p:grpSpPr>
-        <a:xfrm>
-          <a:off x="0" y="0"/>
-          <a:ext cx="0" cy="0"/>
-          <a:chOff x="0" y="0"/>
-          <a:chExt cx="0" cy="0"/>
-        </a:xfrm>
-      </p:grpSpPr>
-      <p:sp>
-        <p:nvSpPr>
-          <p:cNvPr id="163" name="Google Shape;163;g387f2e334ed_0_286:notes"/>
-          <p:cNvSpPr/>
-          <p:nvPr>
-            <p:ph idx="2" type="sldImg"/>
-          </p:nvPr>
-        </p:nvSpPr>
-        <p:spPr>
-          <a:xfrm>
-            <a:off x="381300" y="685800"/>
-            <a:ext cx="6096000" cy="3429000"/>
-          </a:xfrm>
-          <a:custGeom>
-            <a:rect b="b" l="l" r="r" t="t"/>
-            <a:pathLst>
-              <a:path extrusionOk="0" h="120000" w="120000">
-                <a:moveTo>
-                  <a:pt x="0" y="0"/>
-                </a:moveTo>
-                <a:lnTo>
-                  <a:pt x="120000" y="0"/>
-                </a:lnTo>
-                <a:lnTo>
-                  <a:pt x="120000" y="120000"/>
-                </a:lnTo>
-                <a:lnTo>
-                  <a:pt x="0" y="120000"/>
-                </a:lnTo>
-                <a:close/>
-              </a:path>
-            </a:pathLst>
-          </a:custGeom>
-        </p:spPr>
-      </p:sp>
-      <p:sp>
-        <p:nvSpPr>
-          <p:cNvPr id="164" name="Google Shape;164;g387f2e334ed_0_286:notes"/>
-          <p:cNvSpPr txBox="1"/>
-          <p:nvPr>
-            <p:ph idx="1" type="body"/>
-          </p:nvPr>
-        </p:nvSpPr>
-        <p:spPr>
-          <a:xfrm>
-            <a:off x="685800" y="4343400"/>
-            <a:ext cx="5486400" cy="4114800"/>
-          </a:xfrm>
-          <a:prstGeom prst="rect">
-            <a:avLst/>
-          </a:prstGeom>
-        </p:spPr>
-        <p:txBody>
-          <a:bodyPr anchorCtr="0" anchor="t" bIns="91425" lIns="91425" spcFirstLastPara="1" rIns="91425" wrap="square" tIns="91425">
-            <a:noAutofit/>
-          </a:bodyPr>
-          <a:lstStyle/>
-          <a:p>
-            <a:pPr indent="0" lvl="0" marL="0" rtl="0" algn="l">
-              <a:spcBef>
-                <a:spcPts val="0"/>
-              </a:spcBef>
-              <a:spcAft>
-                <a:spcPts val="0"/>
-              </a:spcAft>
-              <a:buNone/>
-            </a:pPr>
-            <a:r>
-              <a:t/>
-            </a:r>
-            <a:endParaRPr/>
-          </a:p>
-        </p:txBody>
-      </p:sp>
-    </p:spTree>
-  </p:cSld>
-  <p:clrMapOvr>
-    <a:masterClrMapping/>
-  </p:clrMapOvr>
-</p:notes>
-</file>
-
-<file path=ppt/notesSlides/notesSlide8.xml><?xml version="1.0" encoding="utf-8"?>
-<p:notes xmlns:a="http://schemas.openxmlformats.org/drawingml/2006/main" xmlns:r="http://schemas.openxmlformats.org/officeDocument/2006/relationships" xmlns:mc="http://schemas.openxmlformats.org/markup-compatibility/2006" xmlns:mv="urn:schemas-microsoft-com:mac:vml" xmlns:p="http://schemas.openxmlformats.org/presentationml/2006/main" xmlns:c="http://schemas.openxmlformats.org/drawingml/2006/chart" xmlns:dgm="http://schemas.openxmlformats.org/drawingml/2006/diagram" xmlns:o="urn:schemas-microsoft-com:office:office" xmlns:v="urn:schemas-microsoft-com:vml" xmlns:pvml="urn:schemas-microsoft-com:office:powerpoint" xmlns:com="http://schemas.openxmlformats.org/drawingml/2006/compatibility" xmlns:p14="http://schemas.microsoft.com/office/powerpoint/2010/main" xmlns:p15="http://schemas.microsoft.com/office/powerpoint/2012/main" xmlns:ahyp="http://schemas.microsoft.com/office/drawing/2018/hyperlinkcolor" showMasterPhAnim="0" showMasterSp="0">
-  <p:cSld>
-    <p:spTree>
-      <p:nvGrpSpPr>
-        <p:cNvPr id="169" name="Shape 169"/>
-        <p:cNvGrpSpPr/>
-        <p:nvPr/>
-      </p:nvGrpSpPr>
-      <p:grpSpPr>
-        <a:xfrm>
-          <a:off x="0" y="0"/>
-          <a:ext cx="0" cy="0"/>
-          <a:chOff x="0" y="0"/>
-          <a:chExt cx="0" cy="0"/>
-        </a:xfrm>
-      </p:grpSpPr>
-      <p:sp>
-        <p:nvSpPr>
-          <p:cNvPr id="170" name="Google Shape;170;g387f2e334ed_0_291:notes"/>
-          <p:cNvSpPr/>
-          <p:nvPr>
-            <p:ph idx="2" type="sldImg"/>
-          </p:nvPr>
-        </p:nvSpPr>
-        <p:spPr>
-          <a:xfrm>
-            <a:off x="381300" y="685800"/>
-            <a:ext cx="6096000" cy="3429000"/>
-          </a:xfrm>
-          <a:custGeom>
-            <a:rect b="b" l="l" r="r" t="t"/>
-            <a:pathLst>
-              <a:path extrusionOk="0" h="120000" w="120000">
-                <a:moveTo>
-                  <a:pt x="0" y="0"/>
-                </a:moveTo>
-                <a:lnTo>
-                  <a:pt x="120000" y="0"/>
-                </a:lnTo>
-                <a:lnTo>
-                  <a:pt x="120000" y="120000"/>
-                </a:lnTo>
-                <a:lnTo>
-                  <a:pt x="0" y="120000"/>
-                </a:lnTo>
-                <a:close/>
-              </a:path>
-            </a:pathLst>
-          </a:custGeom>
-        </p:spPr>
-      </p:sp>
-      <p:sp>
-        <p:nvSpPr>
-          <p:cNvPr id="171" name="Google Shape;171;g387f2e334ed_0_291:notes"/>
-          <p:cNvSpPr txBox="1"/>
-          <p:nvPr>
-            <p:ph idx="1" type="body"/>
-          </p:nvPr>
-        </p:nvSpPr>
-        <p:spPr>
-          <a:xfrm>
-            <a:off x="685800" y="4343400"/>
-            <a:ext cx="5486400" cy="4114800"/>
-          </a:xfrm>
-          <a:prstGeom prst="rect">
-            <a:avLst/>
-          </a:prstGeom>
-        </p:spPr>
-        <p:txBody>
-          <a:bodyPr anchorCtr="0" anchor="t" bIns="91425" lIns="91425" spcFirstLastPara="1" rIns="91425" wrap="square" tIns="91425">
-            <a:noAutofit/>
-          </a:bodyPr>
-          <a:lstStyle/>
-          <a:p>
-            <a:pPr indent="0" lvl="0" marL="0" rtl="0" algn="l">
-              <a:spcBef>
-                <a:spcPts val="0"/>
-              </a:spcBef>
-              <a:spcAft>
-                <a:spcPts val="0"/>
-              </a:spcAft>
-              <a:buNone/>
-            </a:pPr>
-            <a:r>
-              <a:t/>
-            </a:r>
-            <a:endParaRPr/>
-          </a:p>
-        </p:txBody>
-      </p:sp>
-    </p:spTree>
-  </p:cSld>
-  <p:clrMapOvr>
-    <a:masterClrMapping/>
-  </p:clrMapOvr>
-</p:notes>
-</file>
-
-<file path=ppt/notesSlides/notesSlide9.xml><?xml version="1.0" encoding="utf-8"?>
-<p:notes xmlns:a="http://schemas.openxmlformats.org/drawingml/2006/main" xmlns:r="http://schemas.openxmlformats.org/officeDocument/2006/relationships" xmlns:mc="http://schemas.openxmlformats.org/markup-compatibility/2006" xmlns:mv="urn:schemas-microsoft-com:mac:vml" xmlns:p="http://schemas.openxmlformats.org/presentationml/2006/main" xmlns:c="http://schemas.openxmlformats.org/drawingml/2006/chart" xmlns:dgm="http://schemas.openxmlformats.org/drawingml/2006/diagram" xmlns:o="urn:schemas-microsoft-com:office:office" xmlns:v="urn:schemas-microsoft-com:vml" xmlns:pvml="urn:schemas-microsoft-com:office:powerpoint" xmlns:com="http://schemas.openxmlformats.org/drawingml/2006/compatibility" xmlns:p14="http://schemas.microsoft.com/office/powerpoint/2010/main" xmlns:p15="http://schemas.microsoft.com/office/powerpoint/2012/main" xmlns:ahyp="http://schemas.microsoft.com/office/drawing/2018/hyperlinkcolor" showMasterPhAnim="0" showMasterSp="0">
-  <p:cSld>
-    <p:spTree>
-      <p:nvGrpSpPr>
-        <p:cNvPr id="174" name="Shape 174"/>
-        <p:cNvGrpSpPr/>
-        <p:nvPr/>
-      </p:nvGrpSpPr>
-      <p:grpSpPr>
-        <a:xfrm>
-          <a:off x="0" y="0"/>
-          <a:ext cx="0" cy="0"/>
-          <a:chOff x="0" y="0"/>
-          <a:chExt cx="0" cy="0"/>
-        </a:xfrm>
-      </p:grpSpPr>
-      <p:sp>
-        <p:nvSpPr>
-          <p:cNvPr id="175" name="Google Shape;175;g387f2e334ed_0_296:notes"/>
-          <p:cNvSpPr/>
-          <p:nvPr>
-            <p:ph idx="2" type="sldImg"/>
-          </p:nvPr>
-        </p:nvSpPr>
-        <p:spPr>
-          <a:xfrm>
-            <a:off x="381300" y="685800"/>
-            <a:ext cx="6096000" cy="3429000"/>
-          </a:xfrm>
-          <a:custGeom>
-            <a:rect b="b" l="l" r="r" t="t"/>
-            <a:pathLst>
-              <a:path extrusionOk="0" h="120000" w="120000">
-                <a:moveTo>
-                  <a:pt x="0" y="0"/>
-                </a:moveTo>
-                <a:lnTo>
-                  <a:pt x="120000" y="0"/>
-                </a:lnTo>
-                <a:lnTo>
-                  <a:pt x="120000" y="120000"/>
-                </a:lnTo>
-                <a:lnTo>
-                  <a:pt x="0" y="120000"/>
-                </a:lnTo>
-                <a:close/>
-              </a:path>
-            </a:pathLst>
-          </a:custGeom>
-        </p:spPr>
-      </p:sp>
-      <p:sp>
-        <p:nvSpPr>
-          <p:cNvPr id="176" name="Google Shape;176;g387f2e334ed_0_296:notes"/>
-          <p:cNvSpPr txBox="1"/>
-          <p:nvPr>
-            <p:ph idx="1" type="body"/>
-          </p:nvPr>
-        </p:nvSpPr>
-        <p:spPr>
-          <a:xfrm>
-            <a:off x="685800" y="4343400"/>
-            <a:ext cx="5486400" cy="4114800"/>
-          </a:xfrm>
-          <a:prstGeom prst="rect">
-            <a:avLst/>
-          </a:prstGeom>
-        </p:spPr>
-        <p:txBody>
-          <a:bodyPr anchorCtr="0" anchor="t" bIns="91425" lIns="91425" spcFirstLastPara="1" rIns="91425" wrap="square" tIns="91425">
-            <a:noAutofit/>
-          </a:bodyPr>
-          <a:lstStyle/>
-          <a:p>
-            <a:pPr indent="0" lvl="0" marL="0" rtl="0" algn="l">
-              <a:spcBef>
-                <a:spcPts val="0"/>
-              </a:spcBef>
-              <a:spcAft>
-                <a:spcPts val="0"/>
-              </a:spcAft>
-              <a:buNone/>
-            </a:pPr>
-            <a:r>
-              <a:t/>
-            </a:r>
             <a:endParaRPr/>
           </a:p>
         </p:txBody>
@@ -2395,18 +2390,19 @@
 </file>
 
 <file path=ppt/slideLayouts/slideLayout1.xml><?xml version="1.0" encoding="utf-8"?>
-<p:sldLayout xmlns:a="http://schemas.openxmlformats.org/drawingml/2006/main" xmlns:r="http://schemas.openxmlformats.org/officeDocument/2006/relationships" xmlns:mc="http://schemas.openxmlformats.org/markup-compatibility/2006" xmlns:mv="urn:schemas-microsoft-com:mac:vml" xmlns:p="http://schemas.openxmlformats.org/presentationml/2006/main" xmlns:c="http://schemas.openxmlformats.org/drawingml/2006/chart" xmlns:dgm="http://schemas.openxmlformats.org/drawingml/2006/diagram" xmlns:o="urn:schemas-microsoft-com:office:office" xmlns:v="urn:schemas-microsoft-com:vml" xmlns:pvml="urn:schemas-microsoft-com:office:powerpoint" xmlns:com="http://schemas.openxmlformats.org/drawingml/2006/compatibility" xmlns:p14="http://schemas.microsoft.com/office/powerpoint/2010/main" xmlns:p15="http://schemas.microsoft.com/office/powerpoint/2012/main" xmlns:ahyp="http://schemas.microsoft.com/office/drawing/2018/hyperlinkcolor" matchingName="Title slide" type="title">
+<p:sldLayout xmlns:a="http://schemas.openxmlformats.org/drawingml/2006/main" xmlns:r="http://schemas.openxmlformats.org/officeDocument/2006/relationships" xmlns:p="http://schemas.openxmlformats.org/presentationml/2006/main" matchingName="Title slide" type="title">
   <p:cSld name="TITLE">
     <p:bg>
       <p:bgPr>
         <a:solidFill>
           <a:schemeClr val="accent6"/>
         </a:solidFill>
+        <a:effectLst/>
       </p:bgPr>
     </p:bg>
     <p:spTree>
       <p:nvGrpSpPr>
-        <p:cNvPr id="9" name="Shape 9"/>
+        <p:cNvPr id="1" name="Shape 9"/>
         <p:cNvGrpSpPr/>
         <p:nvPr/>
       </p:nvGrpSpPr>
@@ -2440,12 +2436,12 @@
           </a:ln>
         </p:spPr>
         <p:txBody>
-          <a:bodyPr anchorCtr="0" anchor="ctr" bIns="91425" lIns="91425" spcFirstLastPara="1" rIns="91425" wrap="square" tIns="91425">
+          <a:bodyPr spcFirstLastPara="1" wrap="square" lIns="91425" tIns="91425" rIns="91425" bIns="91425" anchor="ctr" anchorCtr="0">
             <a:noAutofit/>
           </a:bodyPr>
           <a:lstStyle/>
           <a:p>
-            <a:pPr indent="0" lvl="0" marL="0" rtl="0" algn="l">
+            <a:pPr marL="0" lvl="0" indent="0" algn="l" rtl="0">
               <a:spcBef>
                 <a:spcPts val="0"/>
               </a:spcBef>
@@ -2454,9 +2450,6 @@
               </a:spcAft>
               <a:buNone/>
             </a:pPr>
-            <a:r>
-              <a:t/>
-            </a:r>
             <a:endParaRPr/>
           </a:p>
         </p:txBody>
@@ -2483,12 +2476,12 @@
           </a:ln>
         </p:spPr>
         <p:txBody>
-          <a:bodyPr anchorCtr="0" anchor="ctr" bIns="91425" lIns="91425" spcFirstLastPara="1" rIns="91425" wrap="square" tIns="91425">
+          <a:bodyPr spcFirstLastPara="1" wrap="square" lIns="91425" tIns="91425" rIns="91425" bIns="91425" anchor="ctr" anchorCtr="0">
             <a:noAutofit/>
           </a:bodyPr>
           <a:lstStyle/>
           <a:p>
-            <a:pPr indent="0" lvl="0" marL="0" rtl="0" algn="l">
+            <a:pPr marL="0" lvl="0" indent="0" algn="l" rtl="0">
               <a:spcBef>
                 <a:spcPts val="0"/>
               </a:spcBef>
@@ -2497,9 +2490,6 @@
               </a:spcAft>
               <a:buNone/>
             </a:pPr>
-            <a:r>
-              <a:t/>
-            </a:r>
             <a:endParaRPr/>
           </a:p>
         </p:txBody>
@@ -2526,12 +2516,12 @@
           </a:ln>
         </p:spPr>
         <p:txBody>
-          <a:bodyPr anchorCtr="0" anchor="ctr" bIns="91425" lIns="91425" spcFirstLastPara="1" rIns="91425" wrap="square" tIns="91425">
+          <a:bodyPr spcFirstLastPara="1" wrap="square" lIns="91425" tIns="91425" rIns="91425" bIns="91425" anchor="ctr" anchorCtr="0">
             <a:noAutofit/>
           </a:bodyPr>
           <a:lstStyle/>
           <a:p>
-            <a:pPr indent="0" lvl="0" marL="0" rtl="0" algn="l">
+            <a:pPr marL="0" lvl="0" indent="0" algn="l" rtl="0">
               <a:spcBef>
                 <a:spcPts val="0"/>
               </a:spcBef>
@@ -2540,9 +2530,6 @@
               </a:spcAft>
               <a:buNone/>
             </a:pPr>
-            <a:r>
-              <a:t/>
-            </a:r>
             <a:endParaRPr/>
           </a:p>
         </p:txBody>
@@ -2568,7 +2555,7 @@
             <a:noFill/>
           </a:ln>
           <a:effectLst>
-            <a:outerShdw blurRad="228600" sx="101000" rotWithShape="0" algn="ctr" sy="101000">
+            <a:outerShdw blurRad="228600" sx="101000" sy="101000" algn="ctr" rotWithShape="0">
               <a:srgbClr val="000000">
                 <a:alpha val="40000"/>
               </a:srgbClr>
@@ -2576,12 +2563,12 @@
           </a:effectLst>
         </p:spPr>
         <p:txBody>
-          <a:bodyPr anchorCtr="0" anchor="ctr" bIns="91425" lIns="91425" spcFirstLastPara="1" rIns="91425" wrap="square" tIns="91425">
+          <a:bodyPr spcFirstLastPara="1" wrap="square" lIns="91425" tIns="91425" rIns="91425" bIns="91425" anchor="ctr" anchorCtr="0">
             <a:noAutofit/>
           </a:bodyPr>
           <a:lstStyle/>
           <a:p>
-            <a:pPr indent="0" lvl="0" marL="0" rtl="0" algn="l">
+            <a:pPr marL="0" lvl="0" indent="0" algn="l" rtl="0">
               <a:spcBef>
                 <a:spcPts val="0"/>
               </a:spcBef>
@@ -2590,9 +2577,6 @@
               </a:spcAft>
               <a:buNone/>
             </a:pPr>
-            <a:r>
-              <a:t/>
-            </a:r>
             <a:endParaRPr/>
           </a:p>
         </p:txBody>
@@ -2624,7 +2608,7 @@
             </a:xfrm>
             <a:prstGeom prst="parallelogram">
               <a:avLst>
-                <a:gd fmla="val 153193" name="adj"/>
+                <a:gd name="adj" fmla="val 153193"/>
               </a:avLst>
             </a:prstGeom>
             <a:solidFill>
@@ -2635,12 +2619,12 @@
             </a:ln>
           </p:spPr>
           <p:txBody>
-            <a:bodyPr anchorCtr="0" anchor="ctr" bIns="91425" lIns="91425" spcFirstLastPara="1" rIns="91425" wrap="square" tIns="91425">
+            <a:bodyPr spcFirstLastPara="1" wrap="square" lIns="91425" tIns="91425" rIns="91425" bIns="91425" anchor="ctr" anchorCtr="0">
               <a:noAutofit/>
             </a:bodyPr>
             <a:lstStyle/>
             <a:p>
-              <a:pPr indent="0" lvl="0" marL="0" rtl="0" algn="l">
+              <a:pPr marL="0" lvl="0" indent="0" algn="l" rtl="0">
                 <a:spcBef>
                   <a:spcPts val="0"/>
                 </a:spcBef>
@@ -2649,9 +2633,6 @@
                 </a:spcAft>
                 <a:buNone/>
               </a:pPr>
-              <a:r>
-                <a:t/>
-              </a:r>
               <a:endParaRPr/>
             </a:p>
           </p:txBody>
@@ -2669,7 +2650,7 @@
             </a:xfrm>
             <a:prstGeom prst="parallelogram">
               <a:avLst>
-                <a:gd fmla="val 153193" name="adj"/>
+                <a:gd name="adj" fmla="val 153193"/>
               </a:avLst>
             </a:prstGeom>
             <a:solidFill>
@@ -2680,12 +2661,12 @@
             </a:ln>
           </p:spPr>
           <p:txBody>
-            <a:bodyPr anchorCtr="0" anchor="ctr" bIns="91425" lIns="91425" spcFirstLastPara="1" rIns="91425" wrap="square" tIns="91425">
+            <a:bodyPr spcFirstLastPara="1" wrap="square" lIns="91425" tIns="91425" rIns="91425" bIns="91425" anchor="ctr" anchorCtr="0">
               <a:noAutofit/>
             </a:bodyPr>
             <a:lstStyle/>
             <a:p>
-              <a:pPr indent="0" lvl="0" marL="0" rtl="0" algn="l">
+              <a:pPr marL="0" lvl="0" indent="0" algn="l" rtl="0">
                 <a:spcBef>
                   <a:spcPts val="0"/>
                 </a:spcBef>
@@ -2694,9 +2675,6 @@
                 </a:spcAft>
                 <a:buNone/>
               </a:pPr>
-              <a:r>
-                <a:t/>
-              </a:r>
               <a:endParaRPr/>
             </a:p>
           </p:txBody>
@@ -2714,7 +2692,7 @@
             </a:xfrm>
             <a:prstGeom prst="parallelogram">
               <a:avLst>
-                <a:gd fmla="val 153193" name="adj"/>
+                <a:gd name="adj" fmla="val 153193"/>
               </a:avLst>
             </a:prstGeom>
             <a:solidFill>
@@ -2725,12 +2703,12 @@
             </a:ln>
           </p:spPr>
           <p:txBody>
-            <a:bodyPr anchorCtr="0" anchor="ctr" bIns="91425" lIns="91425" spcFirstLastPara="1" rIns="91425" wrap="square" tIns="91425">
+            <a:bodyPr spcFirstLastPara="1" wrap="square" lIns="91425" tIns="91425" rIns="91425" bIns="91425" anchor="ctr" anchorCtr="0">
               <a:noAutofit/>
             </a:bodyPr>
             <a:lstStyle/>
             <a:p>
-              <a:pPr indent="0" lvl="0" marL="0" rtl="0" algn="l">
+              <a:pPr marL="0" lvl="0" indent="0" algn="l" rtl="0">
                 <a:spcBef>
                   <a:spcPts val="0"/>
                 </a:spcBef>
@@ -2739,9 +2717,6 @@
                 </a:spcAft>
                 <a:buNone/>
               </a:pPr>
-              <a:r>
-                <a:t/>
-              </a:r>
               <a:endParaRPr/>
             </a:p>
           </p:txBody>
@@ -2774,7 +2749,7 @@
             </a:xfrm>
             <a:prstGeom prst="parallelogram">
               <a:avLst>
-                <a:gd fmla="val 153193" name="adj"/>
+                <a:gd name="adj" fmla="val 153193"/>
               </a:avLst>
             </a:prstGeom>
             <a:solidFill>
@@ -2785,12 +2760,12 @@
             </a:ln>
           </p:spPr>
           <p:txBody>
-            <a:bodyPr anchorCtr="0" anchor="ctr" bIns="91425" lIns="91425" spcFirstLastPara="1" rIns="91425" wrap="square" tIns="91425">
+            <a:bodyPr spcFirstLastPara="1" wrap="square" lIns="91425" tIns="91425" rIns="91425" bIns="91425" anchor="ctr" anchorCtr="0">
               <a:noAutofit/>
             </a:bodyPr>
             <a:lstStyle/>
             <a:p>
-              <a:pPr indent="0" lvl="0" marL="0" rtl="0" algn="l">
+              <a:pPr marL="0" lvl="0" indent="0" algn="l" rtl="0">
                 <a:spcBef>
                   <a:spcPts val="0"/>
                 </a:spcBef>
@@ -2799,9 +2774,6 @@
                 </a:spcAft>
                 <a:buNone/>
               </a:pPr>
-              <a:r>
-                <a:t/>
-              </a:r>
               <a:endParaRPr/>
             </a:p>
           </p:txBody>
@@ -2819,7 +2791,7 @@
             </a:xfrm>
             <a:prstGeom prst="parallelogram">
               <a:avLst>
-                <a:gd fmla="val 153193" name="adj"/>
+                <a:gd name="adj" fmla="val 153193"/>
               </a:avLst>
             </a:prstGeom>
             <a:solidFill>
@@ -2830,12 +2802,12 @@
             </a:ln>
           </p:spPr>
           <p:txBody>
-            <a:bodyPr anchorCtr="0" anchor="ctr" bIns="91425" lIns="91425" spcFirstLastPara="1" rIns="91425" wrap="square" tIns="91425">
+            <a:bodyPr spcFirstLastPara="1" wrap="square" lIns="91425" tIns="91425" rIns="91425" bIns="91425" anchor="ctr" anchorCtr="0">
               <a:noAutofit/>
             </a:bodyPr>
             <a:lstStyle/>
             <a:p>
-              <a:pPr indent="0" lvl="0" marL="0" rtl="0" algn="l">
+              <a:pPr marL="0" lvl="0" indent="0" algn="l" rtl="0">
                 <a:spcBef>
                   <a:spcPts val="0"/>
                 </a:spcBef>
@@ -2844,9 +2816,6 @@
                 </a:spcAft>
                 <a:buNone/>
               </a:pPr>
-              <a:r>
-                <a:t/>
-              </a:r>
               <a:endParaRPr/>
             </a:p>
           </p:txBody>
@@ -2864,7 +2833,7 @@
             </a:xfrm>
             <a:prstGeom prst="parallelogram">
               <a:avLst>
-                <a:gd fmla="val 153193" name="adj"/>
+                <a:gd name="adj" fmla="val 153193"/>
               </a:avLst>
             </a:prstGeom>
             <a:solidFill>
@@ -2875,12 +2844,12 @@
             </a:ln>
           </p:spPr>
           <p:txBody>
-            <a:bodyPr anchorCtr="0" anchor="ctr" bIns="91425" lIns="91425" spcFirstLastPara="1" rIns="91425" wrap="square" tIns="91425">
+            <a:bodyPr spcFirstLastPara="1" wrap="square" lIns="91425" tIns="91425" rIns="91425" bIns="91425" anchor="ctr" anchorCtr="0">
               <a:noAutofit/>
             </a:bodyPr>
             <a:lstStyle/>
             <a:p>
-              <a:pPr indent="0" lvl="0" marL="0" rtl="0" algn="l">
+              <a:pPr marL="0" lvl="0" indent="0" algn="l" rtl="0">
                 <a:spcBef>
                   <a:spcPts val="0"/>
                 </a:spcBef>
@@ -2889,9 +2858,6 @@
                 </a:spcAft>
                 <a:buNone/>
               </a:pPr>
-              <a:r>
-                <a:t/>
-              </a:r>
               <a:endParaRPr/>
             </a:p>
           </p:txBody>
@@ -2924,7 +2890,7 @@
             </a:xfrm>
             <a:prstGeom prst="parallelogram">
               <a:avLst>
-                <a:gd fmla="val 158024" name="adj"/>
+                <a:gd name="adj" fmla="val 158024"/>
               </a:avLst>
             </a:prstGeom>
             <a:solidFill>
@@ -2935,12 +2901,12 @@
             </a:ln>
           </p:spPr>
           <p:txBody>
-            <a:bodyPr anchorCtr="0" anchor="ctr" bIns="91425" lIns="91425" spcFirstLastPara="1" rIns="91425" wrap="square" tIns="91425">
+            <a:bodyPr spcFirstLastPara="1" wrap="square" lIns="91425" tIns="91425" rIns="91425" bIns="91425" anchor="ctr" anchorCtr="0">
               <a:noAutofit/>
             </a:bodyPr>
             <a:lstStyle/>
             <a:p>
-              <a:pPr indent="0" lvl="0" marL="0" rtl="0" algn="l">
+              <a:pPr marL="0" lvl="0" indent="0" algn="l" rtl="0">
                 <a:spcBef>
                   <a:spcPts val="0"/>
                 </a:spcBef>
@@ -2949,9 +2915,6 @@
                 </a:spcAft>
                 <a:buNone/>
               </a:pPr>
-              <a:r>
-                <a:t/>
-              </a:r>
               <a:endParaRPr/>
             </a:p>
           </p:txBody>
@@ -2969,7 +2932,7 @@
             </a:xfrm>
             <a:prstGeom prst="parallelogram">
               <a:avLst>
-                <a:gd fmla="val 158024" name="adj"/>
+                <a:gd name="adj" fmla="val 158024"/>
               </a:avLst>
             </a:prstGeom>
             <a:solidFill>
@@ -2980,12 +2943,12 @@
             </a:ln>
           </p:spPr>
           <p:txBody>
-            <a:bodyPr anchorCtr="0" anchor="ctr" bIns="91425" lIns="91425" spcFirstLastPara="1" rIns="91425" wrap="square" tIns="91425">
+            <a:bodyPr spcFirstLastPara="1" wrap="square" lIns="91425" tIns="91425" rIns="91425" bIns="91425" anchor="ctr" anchorCtr="0">
               <a:noAutofit/>
             </a:bodyPr>
             <a:lstStyle/>
             <a:p>
-              <a:pPr indent="0" lvl="0" marL="0" rtl="0" algn="l">
+              <a:pPr marL="0" lvl="0" indent="0" algn="l" rtl="0">
                 <a:spcBef>
                   <a:spcPts val="0"/>
                 </a:spcBef>
@@ -2994,9 +2957,6 @@
                 </a:spcAft>
                 <a:buNone/>
               </a:pPr>
-              <a:r>
-                <a:t/>
-              </a:r>
               <a:endParaRPr/>
             </a:p>
           </p:txBody>
@@ -3014,7 +2974,7 @@
             </a:xfrm>
             <a:prstGeom prst="parallelogram">
               <a:avLst>
-                <a:gd fmla="val 158024" name="adj"/>
+                <a:gd name="adj" fmla="val 158024"/>
               </a:avLst>
             </a:prstGeom>
             <a:solidFill>
@@ -3025,12 +2985,12 @@
             </a:ln>
           </p:spPr>
           <p:txBody>
-            <a:bodyPr anchorCtr="0" anchor="ctr" bIns="91425" lIns="91425" spcFirstLastPara="1" rIns="91425" wrap="square" tIns="91425">
+            <a:bodyPr spcFirstLastPara="1" wrap="square" lIns="91425" tIns="91425" rIns="91425" bIns="91425" anchor="ctr" anchorCtr="0">
               <a:noAutofit/>
             </a:bodyPr>
             <a:lstStyle/>
             <a:p>
-              <a:pPr indent="0" lvl="0" marL="0" rtl="0" algn="l">
+              <a:pPr marL="0" lvl="0" indent="0" algn="l" rtl="0">
                 <a:spcBef>
                   <a:spcPts val="0"/>
                 </a:spcBef>
@@ -3039,9 +2999,6 @@
                 </a:spcAft>
                 <a:buNone/>
               </a:pPr>
-              <a:r>
-                <a:t/>
-              </a:r>
               <a:endParaRPr/>
             </a:p>
           </p:txBody>
@@ -3074,7 +3031,7 @@
             </a:xfrm>
             <a:prstGeom prst="parallelogram">
               <a:avLst>
-                <a:gd fmla="val 158024" name="adj"/>
+                <a:gd name="adj" fmla="val 158024"/>
               </a:avLst>
             </a:prstGeom>
             <a:solidFill>
@@ -3085,12 +3042,12 @@
             </a:ln>
           </p:spPr>
           <p:txBody>
-            <a:bodyPr anchorCtr="0" anchor="ctr" bIns="91425" lIns="91425" spcFirstLastPara="1" rIns="91425" wrap="square" tIns="91425">
+            <a:bodyPr spcFirstLastPara="1" wrap="square" lIns="91425" tIns="91425" rIns="91425" bIns="91425" anchor="ctr" anchorCtr="0">
               <a:noAutofit/>
             </a:bodyPr>
             <a:lstStyle/>
             <a:p>
-              <a:pPr indent="0" lvl="0" marL="0" rtl="0" algn="l">
+              <a:pPr marL="0" lvl="0" indent="0" algn="l" rtl="0">
                 <a:spcBef>
                   <a:spcPts val="0"/>
                 </a:spcBef>
@@ -3099,9 +3056,6 @@
                 </a:spcAft>
                 <a:buNone/>
               </a:pPr>
-              <a:r>
-                <a:t/>
-              </a:r>
               <a:endParaRPr/>
             </a:p>
           </p:txBody>
@@ -3119,7 +3073,7 @@
             </a:xfrm>
             <a:prstGeom prst="parallelogram">
               <a:avLst>
-                <a:gd fmla="val 158024" name="adj"/>
+                <a:gd name="adj" fmla="val 158024"/>
               </a:avLst>
             </a:prstGeom>
             <a:solidFill>
@@ -3130,12 +3084,12 @@
             </a:ln>
           </p:spPr>
           <p:txBody>
-            <a:bodyPr anchorCtr="0" anchor="ctr" bIns="91425" lIns="91425" spcFirstLastPara="1" rIns="91425" wrap="square" tIns="91425">
+            <a:bodyPr spcFirstLastPara="1" wrap="square" lIns="91425" tIns="91425" rIns="91425" bIns="91425" anchor="ctr" anchorCtr="0">
               <a:noAutofit/>
             </a:bodyPr>
             <a:lstStyle/>
             <a:p>
-              <a:pPr indent="0" lvl="0" marL="0" rtl="0" algn="l">
+              <a:pPr marL="0" lvl="0" indent="0" algn="l" rtl="0">
                 <a:spcBef>
                   <a:spcPts val="0"/>
                 </a:spcBef>
@@ -3144,9 +3098,6 @@
                 </a:spcAft>
                 <a:buNone/>
               </a:pPr>
-              <a:r>
-                <a:t/>
-              </a:r>
               <a:endParaRPr/>
             </a:p>
           </p:txBody>
@@ -3164,7 +3115,7 @@
             </a:xfrm>
             <a:prstGeom prst="parallelogram">
               <a:avLst>
-                <a:gd fmla="val 158024" name="adj"/>
+                <a:gd name="adj" fmla="val 158024"/>
               </a:avLst>
             </a:prstGeom>
             <a:solidFill>
@@ -3175,12 +3126,12 @@
             </a:ln>
           </p:spPr>
           <p:txBody>
-            <a:bodyPr anchorCtr="0" anchor="ctr" bIns="91425" lIns="91425" spcFirstLastPara="1" rIns="91425" wrap="square" tIns="91425">
+            <a:bodyPr spcFirstLastPara="1" wrap="square" lIns="91425" tIns="91425" rIns="91425" bIns="91425" anchor="ctr" anchorCtr="0">
               <a:noAutofit/>
             </a:bodyPr>
             <a:lstStyle/>
             <a:p>
-              <a:pPr indent="0" lvl="0" marL="0" rtl="0" algn="l">
+              <a:pPr marL="0" lvl="0" indent="0" algn="l" rtl="0">
                 <a:spcBef>
                   <a:spcPts val="0"/>
                 </a:spcBef>
@@ -3189,9 +3140,6 @@
                 </a:spcAft>
                 <a:buNone/>
               </a:pPr>
-              <a:r>
-                <a:t/>
-              </a:r>
               <a:endParaRPr/>
             </a:p>
           </p:txBody>
@@ -3224,7 +3172,7 @@
             </a:xfrm>
             <a:prstGeom prst="parallelogram">
               <a:avLst>
-                <a:gd fmla="val 158024" name="adj"/>
+                <a:gd name="adj" fmla="val 158024"/>
               </a:avLst>
             </a:prstGeom>
             <a:solidFill>
@@ -3235,12 +3183,12 @@
             </a:ln>
           </p:spPr>
           <p:txBody>
-            <a:bodyPr anchorCtr="0" anchor="ctr" bIns="91425" lIns="91425" spcFirstLastPara="1" rIns="91425" wrap="square" tIns="91425">
+            <a:bodyPr spcFirstLastPara="1" wrap="square" lIns="91425" tIns="91425" rIns="91425" bIns="91425" anchor="ctr" anchorCtr="0">
               <a:noAutofit/>
             </a:bodyPr>
             <a:lstStyle/>
             <a:p>
-              <a:pPr indent="0" lvl="0" marL="0" rtl="0" algn="l">
+              <a:pPr marL="0" lvl="0" indent="0" algn="l" rtl="0">
                 <a:spcBef>
                   <a:spcPts val="0"/>
                 </a:spcBef>
@@ -3249,9 +3197,6 @@
                 </a:spcAft>
                 <a:buNone/>
               </a:pPr>
-              <a:r>
-                <a:t/>
-              </a:r>
               <a:endParaRPr/>
             </a:p>
           </p:txBody>
@@ -3269,7 +3214,7 @@
             </a:xfrm>
             <a:prstGeom prst="parallelogram">
               <a:avLst>
-                <a:gd fmla="val 158024" name="adj"/>
+                <a:gd name="adj" fmla="val 158024"/>
               </a:avLst>
             </a:prstGeom>
             <a:solidFill>
@@ -3280,12 +3225,12 @@
             </a:ln>
           </p:spPr>
           <p:txBody>
-            <a:bodyPr anchorCtr="0" anchor="ctr" bIns="91425" lIns="91425" spcFirstLastPara="1" rIns="91425" wrap="square" tIns="91425">
+            <a:bodyPr spcFirstLastPara="1" wrap="square" lIns="91425" tIns="91425" rIns="91425" bIns="91425" anchor="ctr" anchorCtr="0">
               <a:noAutofit/>
             </a:bodyPr>
             <a:lstStyle/>
             <a:p>
-              <a:pPr indent="0" lvl="0" marL="0" rtl="0" algn="l">
+              <a:pPr marL="0" lvl="0" indent="0" algn="l" rtl="0">
                 <a:spcBef>
                   <a:spcPts val="0"/>
                 </a:spcBef>
@@ -3294,9 +3239,6 @@
                 </a:spcAft>
                 <a:buNone/>
               </a:pPr>
-              <a:r>
-                <a:t/>
-              </a:r>
               <a:endParaRPr/>
             </a:p>
           </p:txBody>
@@ -3314,7 +3256,7 @@
             </a:xfrm>
             <a:prstGeom prst="parallelogram">
               <a:avLst>
-                <a:gd fmla="val 158024" name="adj"/>
+                <a:gd name="adj" fmla="val 158024"/>
               </a:avLst>
             </a:prstGeom>
             <a:solidFill>
@@ -3325,12 +3267,12 @@
             </a:ln>
           </p:spPr>
           <p:txBody>
-            <a:bodyPr anchorCtr="0" anchor="ctr" bIns="91425" lIns="91425" spcFirstLastPara="1" rIns="91425" wrap="square" tIns="91425">
+            <a:bodyPr spcFirstLastPara="1" wrap="square" lIns="91425" tIns="91425" rIns="91425" bIns="91425" anchor="ctr" anchorCtr="0">
               <a:noAutofit/>
             </a:bodyPr>
             <a:lstStyle/>
             <a:p>
-              <a:pPr indent="0" lvl="0" marL="0" rtl="0" algn="l">
+              <a:pPr marL="0" lvl="0" indent="0" algn="l" rtl="0">
                 <a:spcBef>
                   <a:spcPts val="0"/>
                 </a:spcBef>
@@ -3339,9 +3281,6 @@
                 </a:spcAft>
                 <a:buNone/>
               </a:pPr>
-              <a:r>
-                <a:t/>
-              </a:r>
               <a:endParaRPr/>
             </a:p>
           </p:txBody>
@@ -3350,7 +3289,9 @@
       <p:sp>
         <p:nvSpPr>
           <p:cNvPr id="34" name="Google Shape;34;p2"/>
-          <p:cNvSpPr txBox="1"/>
+          <p:cNvSpPr txBox="1">
+            <a:spLocks noGrp="1"/>
+          </p:cNvSpPr>
           <p:nvPr>
             <p:ph type="ctrTitle"/>
           </p:nvPr>
@@ -3365,7 +3306,7 @@
           </a:prstGeom>
         </p:spPr>
         <p:txBody>
-          <a:bodyPr anchorCtr="0" anchor="ctr" bIns="91425" lIns="91425" spcFirstLastPara="1" rIns="91425" wrap="square" tIns="91425">
+          <a:bodyPr spcFirstLastPara="1" wrap="square" lIns="91425" tIns="91425" rIns="91425" bIns="91425" anchor="ctr" anchorCtr="0">
             <a:normAutofit/>
           </a:bodyPr>
           <a:lstStyle>
@@ -3469,15 +3410,19 @@
               <a:defRPr sz="3800"/>
             </a:lvl9pPr>
           </a:lstStyle>
-          <a:p/>
+          <a:p>
+            <a:endParaRPr/>
+          </a:p>
         </p:txBody>
       </p:sp>
       <p:sp>
         <p:nvSpPr>
           <p:cNvPr id="35" name="Google Shape;35;p2"/>
-          <p:cNvSpPr txBox="1"/>
+          <p:cNvSpPr txBox="1">
+            <a:spLocks noGrp="1"/>
+          </p:cNvSpPr>
           <p:nvPr>
-            <p:ph idx="1" type="subTitle"/>
+            <p:ph type="subTitle" idx="1"/>
           </p:nvPr>
         </p:nvSpPr>
         <p:spPr>
@@ -3490,7 +3435,7 @@
           </a:prstGeom>
         </p:spPr>
         <p:txBody>
-          <a:bodyPr anchorCtr="0" anchor="t" bIns="91425" lIns="91425" spcFirstLastPara="1" rIns="91425" wrap="square" tIns="91425">
+          <a:bodyPr spcFirstLastPara="1" wrap="square" lIns="91425" tIns="91425" rIns="91425" bIns="91425" anchor="t" anchorCtr="0">
             <a:normAutofit/>
           </a:bodyPr>
           <a:lstStyle>
@@ -3684,15 +3629,19 @@
               </a:defRPr>
             </a:lvl9pPr>
           </a:lstStyle>
-          <a:p/>
+          <a:p>
+            <a:endParaRPr/>
+          </a:p>
         </p:txBody>
       </p:sp>
       <p:sp>
         <p:nvSpPr>
           <p:cNvPr id="36" name="Google Shape;36;p2"/>
-          <p:cNvSpPr txBox="1"/>
+          <p:cNvSpPr txBox="1">
+            <a:spLocks noGrp="1"/>
+          </p:cNvSpPr>
           <p:nvPr>
-            <p:ph idx="12" type="sldNum"/>
+            <p:ph type="sldNum" idx="12"/>
           </p:nvPr>
         </p:nvSpPr>
         <p:spPr>
@@ -3705,7 +3654,7 @@
           </a:prstGeom>
         </p:spPr>
         <p:txBody>
-          <a:bodyPr anchorCtr="0" anchor="ctr" bIns="91425" lIns="91425" spcFirstLastPara="1" rIns="91425" wrap="square" tIns="91425">
+          <a:bodyPr spcFirstLastPara="1" wrap="square" lIns="91425" tIns="91425" rIns="91425" bIns="91425" anchor="ctr" anchorCtr="0">
             <a:normAutofit/>
           </a:bodyPr>
           <a:lstStyle>
@@ -3747,7 +3696,7 @@
             </a:lvl9pPr>
           </a:lstStyle>
           <a:p>
-            <a:pPr indent="0" lvl="0" marL="0" rtl="0" algn="r">
+            <a:pPr marL="0" lvl="0" indent="0" algn="r" rtl="0">
               <a:spcBef>
                 <a:spcPts val="0"/>
               </a:spcBef>
@@ -3773,18 +3722,19 @@
 </file>
 
 <file path=ppt/slideLayouts/slideLayout10.xml><?xml version="1.0" encoding="utf-8"?>
-<p:sldLayout xmlns:a="http://schemas.openxmlformats.org/drawingml/2006/main" xmlns:r="http://schemas.openxmlformats.org/officeDocument/2006/relationships" xmlns:mc="http://schemas.openxmlformats.org/markup-compatibility/2006" xmlns:mv="urn:schemas-microsoft-com:mac:vml" xmlns:p="http://schemas.openxmlformats.org/presentationml/2006/main" xmlns:c="http://schemas.openxmlformats.org/drawingml/2006/chart" xmlns:dgm="http://schemas.openxmlformats.org/drawingml/2006/diagram" xmlns:o="urn:schemas-microsoft-com:office:office" xmlns:v="urn:schemas-microsoft-com:vml" xmlns:pvml="urn:schemas-microsoft-com:office:powerpoint" xmlns:com="http://schemas.openxmlformats.org/drawingml/2006/compatibility" xmlns:p14="http://schemas.microsoft.com/office/powerpoint/2010/main" xmlns:p15="http://schemas.microsoft.com/office/powerpoint/2012/main" xmlns:ahyp="http://schemas.microsoft.com/office/drawing/2018/hyperlinkcolor" matchingName="Big number">
+<p:sldLayout xmlns:a="http://schemas.openxmlformats.org/drawingml/2006/main" xmlns:r="http://schemas.openxmlformats.org/officeDocument/2006/relationships" xmlns:p="http://schemas.openxmlformats.org/presentationml/2006/main" matchingName="Big number">
   <p:cSld name="BIG_NUMBER">
     <p:bg>
       <p:bgPr>
         <a:solidFill>
           <a:schemeClr val="accent3"/>
         </a:solidFill>
+        <a:effectLst/>
       </p:bgPr>
     </p:bg>
     <p:spTree>
       <p:nvGrpSpPr>
-        <p:cNvPr id="109" name="Shape 109"/>
+        <p:cNvPr id="1" name="Shape 109"/>
         <p:cNvGrpSpPr/>
         <p:nvPr/>
       </p:nvGrpSpPr>
@@ -3818,12 +3768,12 @@
           </a:ln>
         </p:spPr>
         <p:txBody>
-          <a:bodyPr anchorCtr="0" anchor="ctr" bIns="91425" lIns="91425" spcFirstLastPara="1" rIns="91425" wrap="square" tIns="91425">
+          <a:bodyPr spcFirstLastPara="1" wrap="square" lIns="91425" tIns="91425" rIns="91425" bIns="91425" anchor="ctr" anchorCtr="0">
             <a:noAutofit/>
           </a:bodyPr>
           <a:lstStyle/>
           <a:p>
-            <a:pPr indent="0" lvl="0" marL="0" rtl="0" algn="l">
+            <a:pPr marL="0" lvl="0" indent="0" algn="l" rtl="0">
               <a:spcBef>
                 <a:spcPts val="0"/>
               </a:spcBef>
@@ -3832,9 +3782,6 @@
               </a:spcAft>
               <a:buNone/>
             </a:pPr>
-            <a:r>
-              <a:t/>
-            </a:r>
             <a:endParaRPr/>
           </a:p>
         </p:txBody>
@@ -3866,7 +3813,7 @@
             </a:xfrm>
             <a:prstGeom prst="parallelogram">
               <a:avLst>
-                <a:gd fmla="val 158024" name="adj"/>
+                <a:gd name="adj" fmla="val 158024"/>
               </a:avLst>
             </a:prstGeom>
             <a:solidFill>
@@ -3877,12 +3824,12 @@
             </a:ln>
           </p:spPr>
           <p:txBody>
-            <a:bodyPr anchorCtr="0" anchor="ctr" bIns="91425" lIns="91425" spcFirstLastPara="1" rIns="91425" wrap="square" tIns="91425">
+            <a:bodyPr spcFirstLastPara="1" wrap="square" lIns="91425" tIns="91425" rIns="91425" bIns="91425" anchor="ctr" anchorCtr="0">
               <a:noAutofit/>
             </a:bodyPr>
             <a:lstStyle/>
             <a:p>
-              <a:pPr indent="0" lvl="0" marL="0" rtl="0" algn="l">
+              <a:pPr marL="0" lvl="0" indent="0" algn="l" rtl="0">
                 <a:spcBef>
                   <a:spcPts val="0"/>
                 </a:spcBef>
@@ -3891,9 +3838,6 @@
                 </a:spcAft>
                 <a:buNone/>
               </a:pPr>
-              <a:r>
-                <a:t/>
-              </a:r>
               <a:endParaRPr/>
             </a:p>
           </p:txBody>
@@ -3911,7 +3855,7 @@
             </a:xfrm>
             <a:prstGeom prst="parallelogram">
               <a:avLst>
-                <a:gd fmla="val 158024" name="adj"/>
+                <a:gd name="adj" fmla="val 158024"/>
               </a:avLst>
             </a:prstGeom>
             <a:solidFill>
@@ -3922,12 +3866,12 @@
             </a:ln>
           </p:spPr>
           <p:txBody>
-            <a:bodyPr anchorCtr="0" anchor="ctr" bIns="91425" lIns="91425" spcFirstLastPara="1" rIns="91425" wrap="square" tIns="91425">
+            <a:bodyPr spcFirstLastPara="1" wrap="square" lIns="91425" tIns="91425" rIns="91425" bIns="91425" anchor="ctr" anchorCtr="0">
               <a:noAutofit/>
             </a:bodyPr>
             <a:lstStyle/>
             <a:p>
-              <a:pPr indent="0" lvl="0" marL="0" rtl="0" algn="l">
+              <a:pPr marL="0" lvl="0" indent="0" algn="l" rtl="0">
                 <a:spcBef>
                   <a:spcPts val="0"/>
                 </a:spcBef>
@@ -3936,9 +3880,6 @@
                 </a:spcAft>
                 <a:buNone/>
               </a:pPr>
-              <a:r>
-                <a:t/>
-              </a:r>
               <a:endParaRPr/>
             </a:p>
           </p:txBody>
@@ -3956,7 +3897,7 @@
             </a:xfrm>
             <a:prstGeom prst="parallelogram">
               <a:avLst>
-                <a:gd fmla="val 158024" name="adj"/>
+                <a:gd name="adj" fmla="val 158024"/>
               </a:avLst>
             </a:prstGeom>
             <a:solidFill>
@@ -3967,12 +3908,12 @@
             </a:ln>
           </p:spPr>
           <p:txBody>
-            <a:bodyPr anchorCtr="0" anchor="ctr" bIns="91425" lIns="91425" spcFirstLastPara="1" rIns="91425" wrap="square" tIns="91425">
+            <a:bodyPr spcFirstLastPara="1" wrap="square" lIns="91425" tIns="91425" rIns="91425" bIns="91425" anchor="ctr" anchorCtr="0">
               <a:noAutofit/>
             </a:bodyPr>
             <a:lstStyle/>
             <a:p>
-              <a:pPr indent="0" lvl="0" marL="0" rtl="0" algn="l">
+              <a:pPr marL="0" lvl="0" indent="0" algn="l" rtl="0">
                 <a:spcBef>
                   <a:spcPts val="0"/>
                 </a:spcBef>
@@ -3981,9 +3922,6 @@
                 </a:spcAft>
                 <a:buNone/>
               </a:pPr>
-              <a:r>
-                <a:t/>
-              </a:r>
               <a:endParaRPr/>
             </a:p>
           </p:txBody>
@@ -4016,7 +3954,7 @@
             </a:xfrm>
             <a:prstGeom prst="parallelogram">
               <a:avLst>
-                <a:gd fmla="val 158024" name="adj"/>
+                <a:gd name="adj" fmla="val 158024"/>
               </a:avLst>
             </a:prstGeom>
             <a:solidFill>
@@ -4027,12 +3965,12 @@
             </a:ln>
           </p:spPr>
           <p:txBody>
-            <a:bodyPr anchorCtr="0" anchor="ctr" bIns="91425" lIns="91425" spcFirstLastPara="1" rIns="91425" wrap="square" tIns="91425">
+            <a:bodyPr spcFirstLastPara="1" wrap="square" lIns="91425" tIns="91425" rIns="91425" bIns="91425" anchor="ctr" anchorCtr="0">
               <a:noAutofit/>
             </a:bodyPr>
             <a:lstStyle/>
             <a:p>
-              <a:pPr indent="0" lvl="0" marL="0" rtl="0" algn="l">
+              <a:pPr marL="0" lvl="0" indent="0" algn="l" rtl="0">
                 <a:spcBef>
                   <a:spcPts val="0"/>
                 </a:spcBef>
@@ -4041,9 +3979,6 @@
                 </a:spcAft>
                 <a:buNone/>
               </a:pPr>
-              <a:r>
-                <a:t/>
-              </a:r>
               <a:endParaRPr/>
             </a:p>
           </p:txBody>
@@ -4061,7 +3996,7 @@
             </a:xfrm>
             <a:prstGeom prst="parallelogram">
               <a:avLst>
-                <a:gd fmla="val 158024" name="adj"/>
+                <a:gd name="adj" fmla="val 158024"/>
               </a:avLst>
             </a:prstGeom>
             <a:solidFill>
@@ -4072,12 +4007,12 @@
             </a:ln>
           </p:spPr>
           <p:txBody>
-            <a:bodyPr anchorCtr="0" anchor="ctr" bIns="91425" lIns="91425" spcFirstLastPara="1" rIns="91425" wrap="square" tIns="91425">
+            <a:bodyPr spcFirstLastPara="1" wrap="square" lIns="91425" tIns="91425" rIns="91425" bIns="91425" anchor="ctr" anchorCtr="0">
               <a:noAutofit/>
             </a:bodyPr>
             <a:lstStyle/>
             <a:p>
-              <a:pPr indent="0" lvl="0" marL="0" rtl="0" algn="l">
+              <a:pPr marL="0" lvl="0" indent="0" algn="l" rtl="0">
                 <a:spcBef>
                   <a:spcPts val="0"/>
                 </a:spcBef>
@@ -4086,9 +4021,6 @@
                 </a:spcAft>
                 <a:buNone/>
               </a:pPr>
-              <a:r>
-                <a:t/>
-              </a:r>
               <a:endParaRPr/>
             </a:p>
           </p:txBody>
@@ -4106,7 +4038,7 @@
             </a:xfrm>
             <a:prstGeom prst="parallelogram">
               <a:avLst>
-                <a:gd fmla="val 158024" name="adj"/>
+                <a:gd name="adj" fmla="val 158024"/>
               </a:avLst>
             </a:prstGeom>
             <a:solidFill>
@@ -4117,12 +4049,12 @@
             </a:ln>
           </p:spPr>
           <p:txBody>
-            <a:bodyPr anchorCtr="0" anchor="ctr" bIns="91425" lIns="91425" spcFirstLastPara="1" rIns="91425" wrap="square" tIns="91425">
+            <a:bodyPr spcFirstLastPara="1" wrap="square" lIns="91425" tIns="91425" rIns="91425" bIns="91425" anchor="ctr" anchorCtr="0">
               <a:noAutofit/>
             </a:bodyPr>
             <a:lstStyle/>
             <a:p>
-              <a:pPr indent="0" lvl="0" marL="0" rtl="0" algn="l">
+              <a:pPr marL="0" lvl="0" indent="0" algn="l" rtl="0">
                 <a:spcBef>
                   <a:spcPts val="0"/>
                 </a:spcBef>
@@ -4131,9 +4063,6 @@
                 </a:spcAft>
                 <a:buNone/>
               </a:pPr>
-              <a:r>
-                <a:t/>
-              </a:r>
               <a:endParaRPr/>
             </a:p>
           </p:txBody>
@@ -4142,9 +4071,11 @@
       <p:sp>
         <p:nvSpPr>
           <p:cNvPr id="119" name="Google Shape;119;p11"/>
-          <p:cNvSpPr txBox="1"/>
+          <p:cNvSpPr txBox="1">
+            <a:spLocks noGrp="1"/>
+          </p:cNvSpPr>
           <p:nvPr>
-            <p:ph hasCustomPrompt="1" type="title"/>
+            <p:ph type="title" hasCustomPrompt="1"/>
           </p:nvPr>
         </p:nvSpPr>
         <p:spPr>
@@ -4157,7 +4088,7 @@
           </a:prstGeom>
         </p:spPr>
         <p:txBody>
-          <a:bodyPr anchorCtr="0" anchor="ctr" bIns="91425" lIns="91425" spcFirstLastPara="1" rIns="91425" wrap="square" tIns="91425">
+          <a:bodyPr spcFirstLastPara="1" wrap="square" lIns="91425" tIns="91425" rIns="91425" bIns="91425" anchor="ctr" anchorCtr="0">
             <a:normAutofit/>
           </a:bodyPr>
           <a:lstStyle>
@@ -4334,9 +4265,11 @@
       <p:sp>
         <p:nvSpPr>
           <p:cNvPr id="120" name="Google Shape;120;p11"/>
-          <p:cNvSpPr txBox="1"/>
+          <p:cNvSpPr txBox="1">
+            <a:spLocks noGrp="1"/>
+          </p:cNvSpPr>
           <p:nvPr>
-            <p:ph idx="1" type="body"/>
+            <p:ph type="body" idx="1"/>
           </p:nvPr>
         </p:nvSpPr>
         <p:spPr>
@@ -4349,11 +4282,11 @@
           </a:prstGeom>
         </p:spPr>
         <p:txBody>
-          <a:bodyPr anchorCtr="0" anchor="t" bIns="91425" lIns="91425" spcFirstLastPara="1" rIns="91425" wrap="square" tIns="91425">
+          <a:bodyPr spcFirstLastPara="1" wrap="square" lIns="91425" tIns="91425" rIns="91425" bIns="91425" anchor="t" anchorCtr="0">
             <a:normAutofit/>
           </a:bodyPr>
           <a:lstStyle>
-            <a:lvl1pPr indent="-311150" lvl="0" marL="457200" algn="ctr">
+            <a:lvl1pPr marL="457200" lvl="0" indent="-311150" algn="ctr">
               <a:spcBef>
                 <a:spcPts val="0"/>
               </a:spcBef>
@@ -4364,7 +4297,7 @@
               <a:buChar char="●"/>
               <a:defRPr/>
             </a:lvl1pPr>
-            <a:lvl2pPr indent="-298450" lvl="1" marL="914400" algn="ctr">
+            <a:lvl2pPr marL="914400" lvl="1" indent="-298450" algn="ctr">
               <a:spcBef>
                 <a:spcPts val="0"/>
               </a:spcBef>
@@ -4375,7 +4308,7 @@
               <a:buChar char="○"/>
               <a:defRPr/>
             </a:lvl2pPr>
-            <a:lvl3pPr indent="-298450" lvl="2" marL="1371600" algn="ctr">
+            <a:lvl3pPr marL="1371600" lvl="2" indent="-298450" algn="ctr">
               <a:spcBef>
                 <a:spcPts val="0"/>
               </a:spcBef>
@@ -4386,7 +4319,7 @@
               <a:buChar char="■"/>
               <a:defRPr/>
             </a:lvl3pPr>
-            <a:lvl4pPr indent="-298450" lvl="3" marL="1828800" algn="ctr">
+            <a:lvl4pPr marL="1828800" lvl="3" indent="-298450" algn="ctr">
               <a:spcBef>
                 <a:spcPts val="0"/>
               </a:spcBef>
@@ -4397,7 +4330,7 @@
               <a:buChar char="●"/>
               <a:defRPr/>
             </a:lvl4pPr>
-            <a:lvl5pPr indent="-298450" lvl="4" marL="2286000" algn="ctr">
+            <a:lvl5pPr marL="2286000" lvl="4" indent="-298450" algn="ctr">
               <a:spcBef>
                 <a:spcPts val="0"/>
               </a:spcBef>
@@ -4408,7 +4341,7 @@
               <a:buChar char="○"/>
               <a:defRPr/>
             </a:lvl5pPr>
-            <a:lvl6pPr indent="-298450" lvl="5" marL="2743200" algn="ctr">
+            <a:lvl6pPr marL="2743200" lvl="5" indent="-298450" algn="ctr">
               <a:spcBef>
                 <a:spcPts val="0"/>
               </a:spcBef>
@@ -4419,7 +4352,7 @@
               <a:buChar char="■"/>
               <a:defRPr/>
             </a:lvl6pPr>
-            <a:lvl7pPr indent="-298450" lvl="6" marL="3200400" algn="ctr">
+            <a:lvl7pPr marL="3200400" lvl="6" indent="-298450" algn="ctr">
               <a:spcBef>
                 <a:spcPts val="0"/>
               </a:spcBef>
@@ -4430,7 +4363,7 @@
               <a:buChar char="●"/>
               <a:defRPr/>
             </a:lvl7pPr>
-            <a:lvl8pPr indent="-298450" lvl="7" marL="3657600" algn="ctr">
+            <a:lvl8pPr marL="3657600" lvl="7" indent="-298450" algn="ctr">
               <a:spcBef>
                 <a:spcPts val="0"/>
               </a:spcBef>
@@ -4441,7 +4374,7 @@
               <a:buChar char="○"/>
               <a:defRPr/>
             </a:lvl8pPr>
-            <a:lvl9pPr indent="-298450" lvl="8" marL="4114800" algn="ctr">
+            <a:lvl9pPr marL="4114800" lvl="8" indent="-298450" algn="ctr">
               <a:spcBef>
                 <a:spcPts val="0"/>
               </a:spcBef>
@@ -4453,15 +4386,19 @@
               <a:defRPr/>
             </a:lvl9pPr>
           </a:lstStyle>
-          <a:p/>
+          <a:p>
+            <a:endParaRPr/>
+          </a:p>
         </p:txBody>
       </p:sp>
       <p:sp>
         <p:nvSpPr>
           <p:cNvPr id="121" name="Google Shape;121;p11"/>
-          <p:cNvSpPr txBox="1"/>
+          <p:cNvSpPr txBox="1">
+            <a:spLocks noGrp="1"/>
+          </p:cNvSpPr>
           <p:nvPr>
-            <p:ph idx="12" type="sldNum"/>
+            <p:ph type="sldNum" idx="12"/>
           </p:nvPr>
         </p:nvSpPr>
         <p:spPr>
@@ -4474,7 +4411,7 @@
           </a:prstGeom>
         </p:spPr>
         <p:txBody>
-          <a:bodyPr anchorCtr="0" anchor="ctr" bIns="91425" lIns="91425" spcFirstLastPara="1" rIns="91425" wrap="square" tIns="91425">
+          <a:bodyPr spcFirstLastPara="1" wrap="square" lIns="91425" tIns="91425" rIns="91425" bIns="91425" anchor="ctr" anchorCtr="0">
             <a:normAutofit/>
           </a:bodyPr>
           <a:lstStyle>
@@ -4516,7 +4453,7 @@
             </a:lvl9pPr>
           </a:lstStyle>
           <a:p>
-            <a:pPr indent="0" lvl="0" marL="0" rtl="0" algn="r">
+            <a:pPr marL="0" lvl="0" indent="0" algn="r" rtl="0">
               <a:spcBef>
                 <a:spcPts val="0"/>
               </a:spcBef>
@@ -4542,11 +4479,11 @@
 </file>
 
 <file path=ppt/slideLayouts/slideLayout11.xml><?xml version="1.0" encoding="utf-8"?>
-<p:sldLayout xmlns:a="http://schemas.openxmlformats.org/drawingml/2006/main" xmlns:r="http://schemas.openxmlformats.org/officeDocument/2006/relationships" xmlns:mc="http://schemas.openxmlformats.org/markup-compatibility/2006" xmlns:mv="urn:schemas-microsoft-com:mac:vml" xmlns:p="http://schemas.openxmlformats.org/presentationml/2006/main" xmlns:c="http://schemas.openxmlformats.org/drawingml/2006/chart" xmlns:dgm="http://schemas.openxmlformats.org/drawingml/2006/diagram" xmlns:o="urn:schemas-microsoft-com:office:office" xmlns:v="urn:schemas-microsoft-com:vml" xmlns:pvml="urn:schemas-microsoft-com:office:powerpoint" xmlns:com="http://schemas.openxmlformats.org/drawingml/2006/compatibility" xmlns:p14="http://schemas.microsoft.com/office/powerpoint/2010/main" xmlns:p15="http://schemas.microsoft.com/office/powerpoint/2012/main" xmlns:ahyp="http://schemas.microsoft.com/office/drawing/2018/hyperlinkcolor" matchingName="Blank" type="blank">
+<p:sldLayout xmlns:a="http://schemas.openxmlformats.org/drawingml/2006/main" xmlns:r="http://schemas.openxmlformats.org/officeDocument/2006/relationships" xmlns:p="http://schemas.openxmlformats.org/presentationml/2006/main" matchingName="Blank" type="blank">
   <p:cSld name="BLANK">
     <p:spTree>
       <p:nvGrpSpPr>
-        <p:cNvPr id="122" name="Shape 122"/>
+        <p:cNvPr id="1" name="Shape 122"/>
         <p:cNvGrpSpPr/>
         <p:nvPr/>
       </p:nvGrpSpPr>
@@ -4561,9 +4498,11 @@
       <p:sp>
         <p:nvSpPr>
           <p:cNvPr id="123" name="Google Shape;123;p12"/>
-          <p:cNvSpPr txBox="1"/>
+          <p:cNvSpPr txBox="1">
+            <a:spLocks noGrp="1"/>
+          </p:cNvSpPr>
           <p:nvPr>
-            <p:ph idx="12" type="sldNum"/>
+            <p:ph type="sldNum" idx="12"/>
           </p:nvPr>
         </p:nvSpPr>
         <p:spPr>
@@ -4576,7 +4515,7 @@
           </a:prstGeom>
         </p:spPr>
         <p:txBody>
-          <a:bodyPr anchorCtr="0" anchor="ctr" bIns="91425" lIns="91425" spcFirstLastPara="1" rIns="91425" wrap="square" tIns="91425">
+          <a:bodyPr spcFirstLastPara="1" wrap="square" lIns="91425" tIns="91425" rIns="91425" bIns="91425" anchor="ctr" anchorCtr="0">
             <a:normAutofit/>
           </a:bodyPr>
           <a:lstStyle>
@@ -4618,7 +4557,7 @@
             </a:lvl9pPr>
           </a:lstStyle>
           <a:p>
-            <a:pPr indent="0" lvl="0" marL="0" rtl="0" algn="r">
+            <a:pPr marL="0" lvl="0" indent="0" algn="r" rtl="0">
               <a:spcBef>
                 <a:spcPts val="0"/>
               </a:spcBef>
@@ -4644,18 +4583,19 @@
 </file>
 
 <file path=ppt/slideLayouts/slideLayout2.xml><?xml version="1.0" encoding="utf-8"?>
-<p:sldLayout xmlns:a="http://schemas.openxmlformats.org/drawingml/2006/main" xmlns:r="http://schemas.openxmlformats.org/officeDocument/2006/relationships" xmlns:mc="http://schemas.openxmlformats.org/markup-compatibility/2006" xmlns:mv="urn:schemas-microsoft-com:mac:vml" xmlns:p="http://schemas.openxmlformats.org/presentationml/2006/main" xmlns:c="http://schemas.openxmlformats.org/drawingml/2006/chart" xmlns:dgm="http://schemas.openxmlformats.org/drawingml/2006/diagram" xmlns:o="urn:schemas-microsoft-com:office:office" xmlns:v="urn:schemas-microsoft-com:vml" xmlns:pvml="urn:schemas-microsoft-com:office:powerpoint" xmlns:com="http://schemas.openxmlformats.org/drawingml/2006/compatibility" xmlns:p14="http://schemas.microsoft.com/office/powerpoint/2010/main" xmlns:p15="http://schemas.microsoft.com/office/powerpoint/2012/main" xmlns:ahyp="http://schemas.microsoft.com/office/drawing/2018/hyperlinkcolor" matchingName="Section header" type="secHead">
+<p:sldLayout xmlns:a="http://schemas.openxmlformats.org/drawingml/2006/main" xmlns:r="http://schemas.openxmlformats.org/officeDocument/2006/relationships" xmlns:p="http://schemas.openxmlformats.org/presentationml/2006/main" matchingName="Section header" type="secHead">
   <p:cSld name="SECTION_HEADER">
     <p:bg>
       <p:bgPr>
         <a:solidFill>
           <a:schemeClr val="accent3"/>
         </a:solidFill>
+        <a:effectLst/>
       </p:bgPr>
     </p:bg>
     <p:spTree>
       <p:nvGrpSpPr>
-        <p:cNvPr id="37" name="Shape 37"/>
+        <p:cNvPr id="1" name="Shape 37"/>
         <p:cNvGrpSpPr/>
         <p:nvPr/>
       </p:nvGrpSpPr>
@@ -4689,12 +4629,12 @@
           </a:ln>
         </p:spPr>
         <p:txBody>
-          <a:bodyPr anchorCtr="0" anchor="ctr" bIns="91425" lIns="91425" spcFirstLastPara="1" rIns="91425" wrap="square" tIns="91425">
+          <a:bodyPr spcFirstLastPara="1" wrap="square" lIns="91425" tIns="91425" rIns="91425" bIns="91425" anchor="ctr" anchorCtr="0">
             <a:noAutofit/>
           </a:bodyPr>
           <a:lstStyle/>
           <a:p>
-            <a:pPr indent="0" lvl="0" marL="0" rtl="0" algn="l">
+            <a:pPr marL="0" lvl="0" indent="0" algn="l" rtl="0">
               <a:spcBef>
                 <a:spcPts val="0"/>
               </a:spcBef>
@@ -4703,9 +4643,6 @@
               </a:spcAft>
               <a:buNone/>
             </a:pPr>
-            <a:r>
-              <a:t/>
-            </a:r>
             <a:endParaRPr/>
           </a:p>
         </p:txBody>
@@ -4737,7 +4674,7 @@
             </a:xfrm>
             <a:prstGeom prst="parallelogram">
               <a:avLst>
-                <a:gd fmla="val 158024" name="adj"/>
+                <a:gd name="adj" fmla="val 158024"/>
               </a:avLst>
             </a:prstGeom>
             <a:solidFill>
@@ -4748,12 +4685,12 @@
             </a:ln>
           </p:spPr>
           <p:txBody>
-            <a:bodyPr anchorCtr="0" anchor="ctr" bIns="91425" lIns="91425" spcFirstLastPara="1" rIns="91425" wrap="square" tIns="91425">
+            <a:bodyPr spcFirstLastPara="1" wrap="square" lIns="91425" tIns="91425" rIns="91425" bIns="91425" anchor="ctr" anchorCtr="0">
               <a:noAutofit/>
             </a:bodyPr>
             <a:lstStyle/>
             <a:p>
-              <a:pPr indent="0" lvl="0" marL="0" rtl="0" algn="l">
+              <a:pPr marL="0" lvl="0" indent="0" algn="l" rtl="0">
                 <a:spcBef>
                   <a:spcPts val="0"/>
                 </a:spcBef>
@@ -4762,9 +4699,6 @@
                 </a:spcAft>
                 <a:buNone/>
               </a:pPr>
-              <a:r>
-                <a:t/>
-              </a:r>
               <a:endParaRPr/>
             </a:p>
           </p:txBody>
@@ -4782,7 +4716,7 @@
             </a:xfrm>
             <a:prstGeom prst="parallelogram">
               <a:avLst>
-                <a:gd fmla="val 158024" name="adj"/>
+                <a:gd name="adj" fmla="val 158024"/>
               </a:avLst>
             </a:prstGeom>
             <a:solidFill>
@@ -4793,12 +4727,12 @@
             </a:ln>
           </p:spPr>
           <p:txBody>
-            <a:bodyPr anchorCtr="0" anchor="ctr" bIns="91425" lIns="91425" spcFirstLastPara="1" rIns="91425" wrap="square" tIns="91425">
+            <a:bodyPr spcFirstLastPara="1" wrap="square" lIns="91425" tIns="91425" rIns="91425" bIns="91425" anchor="ctr" anchorCtr="0">
               <a:noAutofit/>
             </a:bodyPr>
             <a:lstStyle/>
             <a:p>
-              <a:pPr indent="0" lvl="0" marL="0" rtl="0" algn="l">
+              <a:pPr marL="0" lvl="0" indent="0" algn="l" rtl="0">
                 <a:spcBef>
                   <a:spcPts val="0"/>
                 </a:spcBef>
@@ -4807,9 +4741,6 @@
                 </a:spcAft>
                 <a:buNone/>
               </a:pPr>
-              <a:r>
-                <a:t/>
-              </a:r>
               <a:endParaRPr/>
             </a:p>
           </p:txBody>
@@ -4827,7 +4758,7 @@
             </a:xfrm>
             <a:prstGeom prst="parallelogram">
               <a:avLst>
-                <a:gd fmla="val 158024" name="adj"/>
+                <a:gd name="adj" fmla="val 158024"/>
               </a:avLst>
             </a:prstGeom>
             <a:solidFill>
@@ -4838,12 +4769,12 @@
             </a:ln>
           </p:spPr>
           <p:txBody>
-            <a:bodyPr anchorCtr="0" anchor="ctr" bIns="91425" lIns="91425" spcFirstLastPara="1" rIns="91425" wrap="square" tIns="91425">
+            <a:bodyPr spcFirstLastPara="1" wrap="square" lIns="91425" tIns="91425" rIns="91425" bIns="91425" anchor="ctr" anchorCtr="0">
               <a:noAutofit/>
             </a:bodyPr>
             <a:lstStyle/>
             <a:p>
-              <a:pPr indent="0" lvl="0" marL="0" rtl="0" algn="l">
+              <a:pPr marL="0" lvl="0" indent="0" algn="l" rtl="0">
                 <a:spcBef>
                   <a:spcPts val="0"/>
                 </a:spcBef>
@@ -4852,9 +4783,6 @@
                 </a:spcAft>
                 <a:buNone/>
               </a:pPr>
-              <a:r>
-                <a:t/>
-              </a:r>
               <a:endParaRPr/>
             </a:p>
           </p:txBody>
@@ -4887,7 +4815,7 @@
             </a:xfrm>
             <a:prstGeom prst="parallelogram">
               <a:avLst>
-                <a:gd fmla="val 158024" name="adj"/>
+                <a:gd name="adj" fmla="val 158024"/>
               </a:avLst>
             </a:prstGeom>
             <a:solidFill>
@@ -4898,12 +4826,12 @@
             </a:ln>
           </p:spPr>
           <p:txBody>
-            <a:bodyPr anchorCtr="0" anchor="ctr" bIns="91425" lIns="91425" spcFirstLastPara="1" rIns="91425" wrap="square" tIns="91425">
+            <a:bodyPr spcFirstLastPara="1" wrap="square" lIns="91425" tIns="91425" rIns="91425" bIns="91425" anchor="ctr" anchorCtr="0">
               <a:noAutofit/>
             </a:bodyPr>
             <a:lstStyle/>
             <a:p>
-              <a:pPr indent="0" lvl="0" marL="0" rtl="0" algn="l">
+              <a:pPr marL="0" lvl="0" indent="0" algn="l" rtl="0">
                 <a:spcBef>
                   <a:spcPts val="0"/>
                 </a:spcBef>
@@ -4912,9 +4840,6 @@
                 </a:spcAft>
                 <a:buNone/>
               </a:pPr>
-              <a:r>
-                <a:t/>
-              </a:r>
               <a:endParaRPr/>
             </a:p>
           </p:txBody>
@@ -4932,7 +4857,7 @@
             </a:xfrm>
             <a:prstGeom prst="parallelogram">
               <a:avLst>
-                <a:gd fmla="val 158024" name="adj"/>
+                <a:gd name="adj" fmla="val 158024"/>
               </a:avLst>
             </a:prstGeom>
             <a:solidFill>
@@ -4943,12 +4868,12 @@
             </a:ln>
           </p:spPr>
           <p:txBody>
-            <a:bodyPr anchorCtr="0" anchor="ctr" bIns="91425" lIns="91425" spcFirstLastPara="1" rIns="91425" wrap="square" tIns="91425">
+            <a:bodyPr spcFirstLastPara="1" wrap="square" lIns="91425" tIns="91425" rIns="91425" bIns="91425" anchor="ctr" anchorCtr="0">
               <a:noAutofit/>
             </a:bodyPr>
             <a:lstStyle/>
             <a:p>
-              <a:pPr indent="0" lvl="0" marL="0" rtl="0" algn="l">
+              <a:pPr marL="0" lvl="0" indent="0" algn="l" rtl="0">
                 <a:spcBef>
                   <a:spcPts val="0"/>
                 </a:spcBef>
@@ -4957,9 +4882,6 @@
                 </a:spcAft>
                 <a:buNone/>
               </a:pPr>
-              <a:r>
-                <a:t/>
-              </a:r>
               <a:endParaRPr/>
             </a:p>
           </p:txBody>
@@ -4977,7 +4899,7 @@
             </a:xfrm>
             <a:prstGeom prst="parallelogram">
               <a:avLst>
-                <a:gd fmla="val 158024" name="adj"/>
+                <a:gd name="adj" fmla="val 158024"/>
               </a:avLst>
             </a:prstGeom>
             <a:solidFill>
@@ -4988,12 +4910,12 @@
             </a:ln>
           </p:spPr>
           <p:txBody>
-            <a:bodyPr anchorCtr="0" anchor="ctr" bIns="91425" lIns="91425" spcFirstLastPara="1" rIns="91425" wrap="square" tIns="91425">
+            <a:bodyPr spcFirstLastPara="1" wrap="square" lIns="91425" tIns="91425" rIns="91425" bIns="91425" anchor="ctr" anchorCtr="0">
               <a:noAutofit/>
             </a:bodyPr>
             <a:lstStyle/>
             <a:p>
-              <a:pPr indent="0" lvl="0" marL="0" rtl="0" algn="l">
+              <a:pPr marL="0" lvl="0" indent="0" algn="l" rtl="0">
                 <a:spcBef>
                   <a:spcPts val="0"/>
                 </a:spcBef>
@@ -5002,9 +4924,6 @@
                 </a:spcAft>
                 <a:buNone/>
               </a:pPr>
-              <a:r>
-                <a:t/>
-              </a:r>
               <a:endParaRPr/>
             </a:p>
           </p:txBody>
@@ -5013,7 +4932,9 @@
       <p:sp>
         <p:nvSpPr>
           <p:cNvPr id="47" name="Google Shape;47;p3"/>
-          <p:cNvSpPr txBox="1"/>
+          <p:cNvSpPr txBox="1">
+            <a:spLocks noGrp="1"/>
+          </p:cNvSpPr>
           <p:nvPr>
             <p:ph type="title"/>
           </p:nvPr>
@@ -5028,7 +4949,7 @@
           </a:prstGeom>
         </p:spPr>
         <p:txBody>
-          <a:bodyPr anchorCtr="0" anchor="ctr" bIns="91425" lIns="91425" spcFirstLastPara="1" rIns="91425" wrap="square" tIns="91425">
+          <a:bodyPr spcFirstLastPara="1" wrap="square" lIns="91425" tIns="91425" rIns="91425" bIns="91425" anchor="ctr" anchorCtr="0">
             <a:normAutofit/>
           </a:bodyPr>
           <a:lstStyle>
@@ -5195,15 +5116,19 @@
               </a:defRPr>
             </a:lvl9pPr>
           </a:lstStyle>
-          <a:p/>
+          <a:p>
+            <a:endParaRPr/>
+          </a:p>
         </p:txBody>
       </p:sp>
       <p:sp>
         <p:nvSpPr>
           <p:cNvPr id="48" name="Google Shape;48;p3"/>
-          <p:cNvSpPr txBox="1"/>
+          <p:cNvSpPr txBox="1">
+            <a:spLocks noGrp="1"/>
+          </p:cNvSpPr>
           <p:nvPr>
-            <p:ph idx="12" type="sldNum"/>
+            <p:ph type="sldNum" idx="12"/>
           </p:nvPr>
         </p:nvSpPr>
         <p:spPr>
@@ -5216,7 +5141,7 @@
           </a:prstGeom>
         </p:spPr>
         <p:txBody>
-          <a:bodyPr anchorCtr="0" anchor="ctr" bIns="91425" lIns="91425" spcFirstLastPara="1" rIns="91425" wrap="square" tIns="91425">
+          <a:bodyPr spcFirstLastPara="1" wrap="square" lIns="91425" tIns="91425" rIns="91425" bIns="91425" anchor="ctr" anchorCtr="0">
             <a:normAutofit/>
           </a:bodyPr>
           <a:lstStyle>
@@ -5258,7 +5183,7 @@
             </a:lvl9pPr>
           </a:lstStyle>
           <a:p>
-            <a:pPr indent="0" lvl="0" marL="0" rtl="0" algn="r">
+            <a:pPr marL="0" lvl="0" indent="0" algn="r" rtl="0">
               <a:spcBef>
                 <a:spcPts val="0"/>
               </a:spcBef>
@@ -5284,18 +5209,19 @@
 </file>
 
 <file path=ppt/slideLayouts/slideLayout3.xml><?xml version="1.0" encoding="utf-8"?>
-<p:sldLayout xmlns:a="http://schemas.openxmlformats.org/drawingml/2006/main" xmlns:r="http://schemas.openxmlformats.org/officeDocument/2006/relationships" xmlns:mc="http://schemas.openxmlformats.org/markup-compatibility/2006" xmlns:mv="urn:schemas-microsoft-com:mac:vml" xmlns:p="http://schemas.openxmlformats.org/presentationml/2006/main" xmlns:c="http://schemas.openxmlformats.org/drawingml/2006/chart" xmlns:dgm="http://schemas.openxmlformats.org/drawingml/2006/diagram" xmlns:o="urn:schemas-microsoft-com:office:office" xmlns:v="urn:schemas-microsoft-com:vml" xmlns:pvml="urn:schemas-microsoft-com:office:powerpoint" xmlns:com="http://schemas.openxmlformats.org/drawingml/2006/compatibility" xmlns:p14="http://schemas.microsoft.com/office/powerpoint/2010/main" xmlns:p15="http://schemas.microsoft.com/office/powerpoint/2012/main" xmlns:ahyp="http://schemas.microsoft.com/office/drawing/2018/hyperlinkcolor" matchingName="Title and body" type="tx">
+<p:sldLayout xmlns:a="http://schemas.openxmlformats.org/drawingml/2006/main" xmlns:r="http://schemas.openxmlformats.org/officeDocument/2006/relationships" xmlns:p="http://schemas.openxmlformats.org/presentationml/2006/main" matchingName="Title and body" type="tx">
   <p:cSld name="TITLE_AND_BODY">
     <p:bg>
       <p:bgPr>
         <a:solidFill>
           <a:schemeClr val="dk2"/>
         </a:solidFill>
+        <a:effectLst/>
       </p:bgPr>
     </p:bg>
     <p:spTree>
       <p:nvGrpSpPr>
-        <p:cNvPr id="49" name="Shape 49"/>
+        <p:cNvPr id="1" name="Shape 49"/>
         <p:cNvGrpSpPr/>
         <p:nvPr/>
       </p:nvGrpSpPr>
@@ -5329,12 +5255,12 @@
           </a:ln>
         </p:spPr>
         <p:txBody>
-          <a:bodyPr anchorCtr="0" anchor="ctr" bIns="91425" lIns="91425" spcFirstLastPara="1" rIns="91425" wrap="square" tIns="91425">
+          <a:bodyPr spcFirstLastPara="1" wrap="square" lIns="91425" tIns="91425" rIns="91425" bIns="91425" anchor="ctr" anchorCtr="0">
             <a:noAutofit/>
           </a:bodyPr>
           <a:lstStyle/>
           <a:p>
-            <a:pPr indent="0" lvl="0" marL="0" rtl="0" algn="l">
+            <a:pPr marL="0" lvl="0" indent="0" algn="l" rtl="0">
               <a:spcBef>
                 <a:spcPts val="0"/>
               </a:spcBef>
@@ -5343,9 +5269,6 @@
               </a:spcAft>
               <a:buNone/>
             </a:pPr>
-            <a:r>
-              <a:t/>
-            </a:r>
             <a:endParaRPr/>
           </a:p>
         </p:txBody>
@@ -5372,12 +5295,12 @@
           </a:ln>
         </p:spPr>
         <p:txBody>
-          <a:bodyPr anchorCtr="0" anchor="ctr" bIns="91425" lIns="91425" spcFirstLastPara="1" rIns="91425" wrap="square" tIns="91425">
+          <a:bodyPr spcFirstLastPara="1" wrap="square" lIns="91425" tIns="91425" rIns="91425" bIns="91425" anchor="ctr" anchorCtr="0">
             <a:noAutofit/>
           </a:bodyPr>
           <a:lstStyle/>
           <a:p>
-            <a:pPr indent="0" lvl="0" marL="0" rtl="0" algn="l">
+            <a:pPr marL="0" lvl="0" indent="0" algn="l" rtl="0">
               <a:spcBef>
                 <a:spcPts val="0"/>
               </a:spcBef>
@@ -5386,9 +5309,6 @@
               </a:spcAft>
               <a:buNone/>
             </a:pPr>
-            <a:r>
-              <a:t/>
-            </a:r>
             <a:endParaRPr/>
           </a:p>
         </p:txBody>
@@ -5414,7 +5334,7 @@
             <a:noFill/>
           </a:ln>
           <a:effectLst>
-            <a:outerShdw blurRad="228600" sx="101000" rotWithShape="0" algn="ctr" sy="101000">
+            <a:outerShdw blurRad="228600" sx="101000" sy="101000" algn="ctr" rotWithShape="0">
               <a:srgbClr val="000000">
                 <a:alpha val="40000"/>
               </a:srgbClr>
@@ -5422,12 +5342,12 @@
           </a:effectLst>
         </p:spPr>
         <p:txBody>
-          <a:bodyPr anchorCtr="0" anchor="ctr" bIns="91425" lIns="91425" spcFirstLastPara="1" rIns="91425" wrap="square" tIns="91425">
+          <a:bodyPr spcFirstLastPara="1" wrap="square" lIns="91425" tIns="91425" rIns="91425" bIns="91425" anchor="ctr" anchorCtr="0">
             <a:noAutofit/>
           </a:bodyPr>
           <a:lstStyle/>
           <a:p>
-            <a:pPr indent="0" lvl="0" marL="0" rtl="0" algn="l">
+            <a:pPr marL="0" lvl="0" indent="0" algn="l" rtl="0">
               <a:spcBef>
                 <a:spcPts val="0"/>
               </a:spcBef>
@@ -5436,9 +5356,6 @@
               </a:spcAft>
               <a:buNone/>
             </a:pPr>
-            <a:r>
-              <a:t/>
-            </a:r>
             <a:endParaRPr/>
           </a:p>
         </p:txBody>
@@ -5446,7 +5363,9 @@
       <p:sp>
         <p:nvSpPr>
           <p:cNvPr id="53" name="Google Shape;53;p4"/>
-          <p:cNvSpPr txBox="1"/>
+          <p:cNvSpPr txBox="1">
+            <a:spLocks noGrp="1"/>
+          </p:cNvSpPr>
           <p:nvPr>
             <p:ph type="title"/>
           </p:nvPr>
@@ -5461,7 +5380,7 @@
           </a:prstGeom>
         </p:spPr>
         <p:txBody>
-          <a:bodyPr anchorCtr="0" anchor="t" bIns="91425" lIns="91425" spcFirstLastPara="1" rIns="91425" wrap="square" tIns="91425">
+          <a:bodyPr spcFirstLastPara="1" wrap="square" lIns="91425" tIns="91425" rIns="91425" bIns="91425" anchor="t" anchorCtr="0">
             <a:normAutofit/>
           </a:bodyPr>
           <a:lstStyle>
@@ -5565,15 +5484,19 @@
               <a:defRPr sz="3000"/>
             </a:lvl9pPr>
           </a:lstStyle>
-          <a:p/>
+          <a:p>
+            <a:endParaRPr/>
+          </a:p>
         </p:txBody>
       </p:sp>
       <p:sp>
         <p:nvSpPr>
           <p:cNvPr id="54" name="Google Shape;54;p4"/>
-          <p:cNvSpPr txBox="1"/>
+          <p:cNvSpPr txBox="1">
+            <a:spLocks noGrp="1"/>
+          </p:cNvSpPr>
           <p:nvPr>
-            <p:ph idx="1" type="body"/>
+            <p:ph type="body" idx="1"/>
           </p:nvPr>
         </p:nvSpPr>
         <p:spPr>
@@ -5586,11 +5509,11 @@
           </a:prstGeom>
         </p:spPr>
         <p:txBody>
-          <a:bodyPr anchorCtr="0" anchor="t" bIns="91425" lIns="91425" spcFirstLastPara="1" rIns="91425" wrap="square" tIns="91425">
+          <a:bodyPr spcFirstLastPara="1" wrap="square" lIns="91425" tIns="91425" rIns="91425" bIns="91425" anchor="t" anchorCtr="0">
             <a:normAutofit/>
           </a:bodyPr>
           <a:lstStyle>
-            <a:lvl1pPr indent="-311150" lvl="0" marL="457200">
+            <a:lvl1pPr marL="457200" lvl="0" indent="-311150">
               <a:spcBef>
                 <a:spcPts val="0"/>
               </a:spcBef>
@@ -5601,7 +5524,7 @@
               <a:buChar char="●"/>
               <a:defRPr/>
             </a:lvl1pPr>
-            <a:lvl2pPr indent="-298450" lvl="1" marL="914400">
+            <a:lvl2pPr marL="914400" lvl="1" indent="-298450">
               <a:spcBef>
                 <a:spcPts val="0"/>
               </a:spcBef>
@@ -5612,7 +5535,7 @@
               <a:buChar char="○"/>
               <a:defRPr/>
             </a:lvl2pPr>
-            <a:lvl3pPr indent="-298450" lvl="2" marL="1371600">
+            <a:lvl3pPr marL="1371600" lvl="2" indent="-298450">
               <a:spcBef>
                 <a:spcPts val="0"/>
               </a:spcBef>
@@ -5623,7 +5546,7 @@
               <a:buChar char="■"/>
               <a:defRPr/>
             </a:lvl3pPr>
-            <a:lvl4pPr indent="-298450" lvl="3" marL="1828800">
+            <a:lvl4pPr marL="1828800" lvl="3" indent="-298450">
               <a:spcBef>
                 <a:spcPts val="0"/>
               </a:spcBef>
@@ -5634,7 +5557,7 @@
               <a:buChar char="●"/>
               <a:defRPr/>
             </a:lvl4pPr>
-            <a:lvl5pPr indent="-298450" lvl="4" marL="2286000">
+            <a:lvl5pPr marL="2286000" lvl="4" indent="-298450">
               <a:spcBef>
                 <a:spcPts val="0"/>
               </a:spcBef>
@@ -5645,7 +5568,7 @@
               <a:buChar char="○"/>
               <a:defRPr/>
             </a:lvl5pPr>
-            <a:lvl6pPr indent="-298450" lvl="5" marL="2743200">
+            <a:lvl6pPr marL="2743200" lvl="5" indent="-298450">
               <a:spcBef>
                 <a:spcPts val="0"/>
               </a:spcBef>
@@ -5656,7 +5579,7 @@
               <a:buChar char="■"/>
               <a:defRPr/>
             </a:lvl6pPr>
-            <a:lvl7pPr indent="-298450" lvl="6" marL="3200400">
+            <a:lvl7pPr marL="3200400" lvl="6" indent="-298450">
               <a:spcBef>
                 <a:spcPts val="0"/>
               </a:spcBef>
@@ -5667,7 +5590,7 @@
               <a:buChar char="●"/>
               <a:defRPr/>
             </a:lvl7pPr>
-            <a:lvl8pPr indent="-298450" lvl="7" marL="3657600">
+            <a:lvl8pPr marL="3657600" lvl="7" indent="-298450">
               <a:spcBef>
                 <a:spcPts val="0"/>
               </a:spcBef>
@@ -5678,7 +5601,7 @@
               <a:buChar char="○"/>
               <a:defRPr/>
             </a:lvl8pPr>
-            <a:lvl9pPr indent="-298450" lvl="8" marL="4114800">
+            <a:lvl9pPr marL="4114800" lvl="8" indent="-298450">
               <a:spcBef>
                 <a:spcPts val="0"/>
               </a:spcBef>
@@ -5690,15 +5613,19 @@
               <a:defRPr/>
             </a:lvl9pPr>
           </a:lstStyle>
-          <a:p/>
+          <a:p>
+            <a:endParaRPr/>
+          </a:p>
         </p:txBody>
       </p:sp>
       <p:sp>
         <p:nvSpPr>
           <p:cNvPr id="55" name="Google Shape;55;p4"/>
-          <p:cNvSpPr txBox="1"/>
+          <p:cNvSpPr txBox="1">
+            <a:spLocks noGrp="1"/>
+          </p:cNvSpPr>
           <p:nvPr>
-            <p:ph idx="12" type="sldNum"/>
+            <p:ph type="sldNum" idx="12"/>
           </p:nvPr>
         </p:nvSpPr>
         <p:spPr>
@@ -5711,7 +5638,7 @@
           </a:prstGeom>
         </p:spPr>
         <p:txBody>
-          <a:bodyPr anchorCtr="0" anchor="ctr" bIns="91425" lIns="91425" spcFirstLastPara="1" rIns="91425" wrap="square" tIns="91425">
+          <a:bodyPr spcFirstLastPara="1" wrap="square" lIns="91425" tIns="91425" rIns="91425" bIns="91425" anchor="ctr" anchorCtr="0">
             <a:normAutofit/>
           </a:bodyPr>
           <a:lstStyle>
@@ -5753,7 +5680,7 @@
             </a:lvl9pPr>
           </a:lstStyle>
           <a:p>
-            <a:pPr indent="0" lvl="0" marL="0" rtl="0" algn="r">
+            <a:pPr marL="0" lvl="0" indent="0" algn="r" rtl="0">
               <a:spcBef>
                 <a:spcPts val="0"/>
               </a:spcBef>
@@ -5779,18 +5706,19 @@
 </file>
 
 <file path=ppt/slideLayouts/slideLayout4.xml><?xml version="1.0" encoding="utf-8"?>
-<p:sldLayout xmlns:a="http://schemas.openxmlformats.org/drawingml/2006/main" xmlns:r="http://schemas.openxmlformats.org/officeDocument/2006/relationships" xmlns:mc="http://schemas.openxmlformats.org/markup-compatibility/2006" xmlns:mv="urn:schemas-microsoft-com:mac:vml" xmlns:p="http://schemas.openxmlformats.org/presentationml/2006/main" xmlns:c="http://schemas.openxmlformats.org/drawingml/2006/chart" xmlns:dgm="http://schemas.openxmlformats.org/drawingml/2006/diagram" xmlns:o="urn:schemas-microsoft-com:office:office" xmlns:v="urn:schemas-microsoft-com:vml" xmlns:pvml="urn:schemas-microsoft-com:office:powerpoint" xmlns:com="http://schemas.openxmlformats.org/drawingml/2006/compatibility" xmlns:p14="http://schemas.microsoft.com/office/powerpoint/2010/main" xmlns:p15="http://schemas.microsoft.com/office/powerpoint/2012/main" xmlns:ahyp="http://schemas.microsoft.com/office/drawing/2018/hyperlinkcolor" matchingName="Title and two columns" type="twoColTx">
+<p:sldLayout xmlns:a="http://schemas.openxmlformats.org/drawingml/2006/main" xmlns:r="http://schemas.openxmlformats.org/officeDocument/2006/relationships" xmlns:p="http://schemas.openxmlformats.org/presentationml/2006/main" matchingName="Title and two columns" type="twoColTx">
   <p:cSld name="TITLE_AND_TWO_COLUMNS">
     <p:bg>
       <p:bgPr>
         <a:solidFill>
           <a:schemeClr val="dk2"/>
         </a:solidFill>
+        <a:effectLst/>
       </p:bgPr>
     </p:bg>
     <p:spTree>
       <p:nvGrpSpPr>
-        <p:cNvPr id="56" name="Shape 56"/>
+        <p:cNvPr id="1" name="Shape 56"/>
         <p:cNvGrpSpPr/>
         <p:nvPr/>
       </p:nvGrpSpPr>
@@ -5824,12 +5752,12 @@
           </a:ln>
         </p:spPr>
         <p:txBody>
-          <a:bodyPr anchorCtr="0" anchor="ctr" bIns="91425" lIns="91425" spcFirstLastPara="1" rIns="91425" wrap="square" tIns="91425">
+          <a:bodyPr spcFirstLastPara="1" wrap="square" lIns="91425" tIns="91425" rIns="91425" bIns="91425" anchor="ctr" anchorCtr="0">
             <a:noAutofit/>
           </a:bodyPr>
           <a:lstStyle/>
           <a:p>
-            <a:pPr indent="0" lvl="0" marL="0" rtl="0" algn="l">
+            <a:pPr marL="0" lvl="0" indent="0" algn="l" rtl="0">
               <a:spcBef>
                 <a:spcPts val="0"/>
               </a:spcBef>
@@ -5838,9 +5766,6 @@
               </a:spcAft>
               <a:buNone/>
             </a:pPr>
-            <a:r>
-              <a:t/>
-            </a:r>
             <a:endParaRPr/>
           </a:p>
         </p:txBody>
@@ -5867,12 +5792,12 @@
           </a:ln>
         </p:spPr>
         <p:txBody>
-          <a:bodyPr anchorCtr="0" anchor="ctr" bIns="91425" lIns="91425" spcFirstLastPara="1" rIns="91425" wrap="square" tIns="91425">
+          <a:bodyPr spcFirstLastPara="1" wrap="square" lIns="91425" tIns="91425" rIns="91425" bIns="91425" anchor="ctr" anchorCtr="0">
             <a:noAutofit/>
           </a:bodyPr>
           <a:lstStyle/>
           <a:p>
-            <a:pPr indent="0" lvl="0" marL="0" rtl="0" algn="l">
+            <a:pPr marL="0" lvl="0" indent="0" algn="l" rtl="0">
               <a:spcBef>
                 <a:spcPts val="0"/>
               </a:spcBef>
@@ -5881,9 +5806,6 @@
               </a:spcAft>
               <a:buNone/>
             </a:pPr>
-            <a:r>
-              <a:t/>
-            </a:r>
             <a:endParaRPr/>
           </a:p>
         </p:txBody>
@@ -5909,7 +5831,7 @@
             <a:noFill/>
           </a:ln>
           <a:effectLst>
-            <a:outerShdw blurRad="228600" sx="101000" rotWithShape="0" algn="ctr" sy="101000">
+            <a:outerShdw blurRad="228600" sx="101000" sy="101000" algn="ctr" rotWithShape="0">
               <a:srgbClr val="000000">
                 <a:alpha val="40000"/>
               </a:srgbClr>
@@ -5917,12 +5839,12 @@
           </a:effectLst>
         </p:spPr>
         <p:txBody>
-          <a:bodyPr anchorCtr="0" anchor="ctr" bIns="91425" lIns="91425" spcFirstLastPara="1" rIns="91425" wrap="square" tIns="91425">
+          <a:bodyPr spcFirstLastPara="1" wrap="square" lIns="91425" tIns="91425" rIns="91425" bIns="91425" anchor="ctr" anchorCtr="0">
             <a:noAutofit/>
           </a:bodyPr>
           <a:lstStyle/>
           <a:p>
-            <a:pPr indent="0" lvl="0" marL="0" rtl="0" algn="l">
+            <a:pPr marL="0" lvl="0" indent="0" algn="l" rtl="0">
               <a:spcBef>
                 <a:spcPts val="0"/>
               </a:spcBef>
@@ -5931,9 +5853,6 @@
               </a:spcAft>
               <a:buNone/>
             </a:pPr>
-            <a:r>
-              <a:t/>
-            </a:r>
             <a:endParaRPr/>
           </a:p>
         </p:txBody>
@@ -5941,7 +5860,9 @@
       <p:sp>
         <p:nvSpPr>
           <p:cNvPr id="60" name="Google Shape;60;p5"/>
-          <p:cNvSpPr txBox="1"/>
+          <p:cNvSpPr txBox="1">
+            <a:spLocks noGrp="1"/>
+          </p:cNvSpPr>
           <p:nvPr>
             <p:ph type="title"/>
           </p:nvPr>
@@ -5956,7 +5877,7 @@
           </a:prstGeom>
         </p:spPr>
         <p:txBody>
-          <a:bodyPr anchorCtr="0" anchor="t" bIns="91425" lIns="91425" spcFirstLastPara="1" rIns="91425" wrap="square" tIns="91425">
+          <a:bodyPr spcFirstLastPara="1" wrap="square" lIns="91425" tIns="91425" rIns="91425" bIns="91425" anchor="t" anchorCtr="0">
             <a:normAutofit/>
           </a:bodyPr>
           <a:lstStyle>
@@ -6060,15 +5981,19 @@
               <a:defRPr sz="3000"/>
             </a:lvl9pPr>
           </a:lstStyle>
-          <a:p/>
+          <a:p>
+            <a:endParaRPr/>
+          </a:p>
         </p:txBody>
       </p:sp>
       <p:sp>
         <p:nvSpPr>
           <p:cNvPr id="61" name="Google Shape;61;p5"/>
-          <p:cNvSpPr txBox="1"/>
+          <p:cNvSpPr txBox="1">
+            <a:spLocks noGrp="1"/>
+          </p:cNvSpPr>
           <p:nvPr>
-            <p:ph idx="1" type="body"/>
+            <p:ph type="body" idx="1"/>
           </p:nvPr>
         </p:nvSpPr>
         <p:spPr>
@@ -6081,11 +6006,11 @@
           </a:prstGeom>
         </p:spPr>
         <p:txBody>
-          <a:bodyPr anchorCtr="0" anchor="t" bIns="91425" lIns="91425" spcFirstLastPara="1" rIns="91425" wrap="square" tIns="91425">
+          <a:bodyPr spcFirstLastPara="1" wrap="square" lIns="91425" tIns="91425" rIns="91425" bIns="91425" anchor="t" anchorCtr="0">
             <a:normAutofit/>
           </a:bodyPr>
           <a:lstStyle>
-            <a:lvl1pPr indent="-311150" lvl="0" marL="457200">
+            <a:lvl1pPr marL="457200" lvl="0" indent="-311150">
               <a:spcBef>
                 <a:spcPts val="0"/>
               </a:spcBef>
@@ -6096,7 +6021,7 @@
               <a:buChar char="●"/>
               <a:defRPr/>
             </a:lvl1pPr>
-            <a:lvl2pPr indent="-298450" lvl="1" marL="914400">
+            <a:lvl2pPr marL="914400" lvl="1" indent="-298450">
               <a:spcBef>
                 <a:spcPts val="0"/>
               </a:spcBef>
@@ -6107,7 +6032,7 @@
               <a:buChar char="○"/>
               <a:defRPr/>
             </a:lvl2pPr>
-            <a:lvl3pPr indent="-298450" lvl="2" marL="1371600">
+            <a:lvl3pPr marL="1371600" lvl="2" indent="-298450">
               <a:spcBef>
                 <a:spcPts val="0"/>
               </a:spcBef>
@@ -6118,7 +6043,7 @@
               <a:buChar char="■"/>
               <a:defRPr/>
             </a:lvl3pPr>
-            <a:lvl4pPr indent="-298450" lvl="3" marL="1828800">
+            <a:lvl4pPr marL="1828800" lvl="3" indent="-298450">
               <a:spcBef>
                 <a:spcPts val="0"/>
               </a:spcBef>
@@ -6129,7 +6054,7 @@
               <a:buChar char="●"/>
               <a:defRPr/>
             </a:lvl4pPr>
-            <a:lvl5pPr indent="-298450" lvl="4" marL="2286000">
+            <a:lvl5pPr marL="2286000" lvl="4" indent="-298450">
               <a:spcBef>
                 <a:spcPts val="0"/>
               </a:spcBef>
@@ -6140,7 +6065,7 @@
               <a:buChar char="○"/>
               <a:defRPr/>
             </a:lvl5pPr>
-            <a:lvl6pPr indent="-298450" lvl="5" marL="2743200">
+            <a:lvl6pPr marL="2743200" lvl="5" indent="-298450">
               <a:spcBef>
                 <a:spcPts val="0"/>
               </a:spcBef>
@@ -6151,7 +6076,7 @@
               <a:buChar char="■"/>
               <a:defRPr/>
             </a:lvl6pPr>
-            <a:lvl7pPr indent="-298450" lvl="6" marL="3200400">
+            <a:lvl7pPr marL="3200400" lvl="6" indent="-298450">
               <a:spcBef>
                 <a:spcPts val="0"/>
               </a:spcBef>
@@ -6162,7 +6087,7 @@
               <a:buChar char="●"/>
               <a:defRPr/>
             </a:lvl7pPr>
-            <a:lvl8pPr indent="-298450" lvl="7" marL="3657600">
+            <a:lvl8pPr marL="3657600" lvl="7" indent="-298450">
               <a:spcBef>
                 <a:spcPts val="0"/>
               </a:spcBef>
@@ -6173,7 +6098,7 @@
               <a:buChar char="○"/>
               <a:defRPr/>
             </a:lvl8pPr>
-            <a:lvl9pPr indent="-298450" lvl="8" marL="4114800">
+            <a:lvl9pPr marL="4114800" lvl="8" indent="-298450">
               <a:spcBef>
                 <a:spcPts val="0"/>
               </a:spcBef>
@@ -6185,15 +6110,19 @@
               <a:defRPr/>
             </a:lvl9pPr>
           </a:lstStyle>
-          <a:p/>
+          <a:p>
+            <a:endParaRPr/>
+          </a:p>
         </p:txBody>
       </p:sp>
       <p:sp>
         <p:nvSpPr>
           <p:cNvPr id="62" name="Google Shape;62;p5"/>
-          <p:cNvSpPr txBox="1"/>
+          <p:cNvSpPr txBox="1">
+            <a:spLocks noGrp="1"/>
+          </p:cNvSpPr>
           <p:nvPr>
-            <p:ph idx="2" type="body"/>
+            <p:ph type="body" idx="2"/>
           </p:nvPr>
         </p:nvSpPr>
         <p:spPr>
@@ -6206,11 +6135,11 @@
           </a:prstGeom>
         </p:spPr>
         <p:txBody>
-          <a:bodyPr anchorCtr="0" anchor="t" bIns="91425" lIns="91425" spcFirstLastPara="1" rIns="91425" wrap="square" tIns="91425">
+          <a:bodyPr spcFirstLastPara="1" wrap="square" lIns="91425" tIns="91425" rIns="91425" bIns="91425" anchor="t" anchorCtr="0">
             <a:normAutofit/>
           </a:bodyPr>
           <a:lstStyle>
-            <a:lvl1pPr indent="-311150" lvl="0" marL="457200">
+            <a:lvl1pPr marL="457200" lvl="0" indent="-311150">
               <a:spcBef>
                 <a:spcPts val="0"/>
               </a:spcBef>
@@ -6221,7 +6150,7 @@
               <a:buChar char="●"/>
               <a:defRPr/>
             </a:lvl1pPr>
-            <a:lvl2pPr indent="-298450" lvl="1" marL="914400">
+            <a:lvl2pPr marL="914400" lvl="1" indent="-298450">
               <a:spcBef>
                 <a:spcPts val="0"/>
               </a:spcBef>
@@ -6232,7 +6161,7 @@
               <a:buChar char="○"/>
               <a:defRPr/>
             </a:lvl2pPr>
-            <a:lvl3pPr indent="-298450" lvl="2" marL="1371600">
+            <a:lvl3pPr marL="1371600" lvl="2" indent="-298450">
               <a:spcBef>
                 <a:spcPts val="0"/>
               </a:spcBef>
@@ -6243,7 +6172,7 @@
               <a:buChar char="■"/>
               <a:defRPr/>
             </a:lvl3pPr>
-            <a:lvl4pPr indent="-298450" lvl="3" marL="1828800">
+            <a:lvl4pPr marL="1828800" lvl="3" indent="-298450">
               <a:spcBef>
                 <a:spcPts val="0"/>
               </a:spcBef>
@@ -6254,7 +6183,7 @@
               <a:buChar char="●"/>
               <a:defRPr/>
             </a:lvl4pPr>
-            <a:lvl5pPr indent="-298450" lvl="4" marL="2286000">
+            <a:lvl5pPr marL="2286000" lvl="4" indent="-298450">
               <a:spcBef>
                 <a:spcPts val="0"/>
               </a:spcBef>
@@ -6265,7 +6194,7 @@
               <a:buChar char="○"/>
               <a:defRPr/>
             </a:lvl5pPr>
-            <a:lvl6pPr indent="-298450" lvl="5" marL="2743200">
+            <a:lvl6pPr marL="2743200" lvl="5" indent="-298450">
               <a:spcBef>
                 <a:spcPts val="0"/>
               </a:spcBef>
@@ -6276,7 +6205,7 @@
               <a:buChar char="■"/>
               <a:defRPr/>
             </a:lvl6pPr>
-            <a:lvl7pPr indent="-298450" lvl="6" marL="3200400">
+            <a:lvl7pPr marL="3200400" lvl="6" indent="-298450">
               <a:spcBef>
                 <a:spcPts val="0"/>
               </a:spcBef>
@@ -6287,7 +6216,7 @@
               <a:buChar char="●"/>
               <a:defRPr/>
             </a:lvl7pPr>
-            <a:lvl8pPr indent="-298450" lvl="7" marL="3657600">
+            <a:lvl8pPr marL="3657600" lvl="7" indent="-298450">
               <a:spcBef>
                 <a:spcPts val="0"/>
               </a:spcBef>
@@ -6298,7 +6227,7 @@
               <a:buChar char="○"/>
               <a:defRPr/>
             </a:lvl8pPr>
-            <a:lvl9pPr indent="-298450" lvl="8" marL="4114800">
+            <a:lvl9pPr marL="4114800" lvl="8" indent="-298450">
               <a:spcBef>
                 <a:spcPts val="0"/>
               </a:spcBef>
@@ -6310,15 +6239,19 @@
               <a:defRPr/>
             </a:lvl9pPr>
           </a:lstStyle>
-          <a:p/>
+          <a:p>
+            <a:endParaRPr/>
+          </a:p>
         </p:txBody>
       </p:sp>
       <p:sp>
         <p:nvSpPr>
           <p:cNvPr id="63" name="Google Shape;63;p5"/>
-          <p:cNvSpPr txBox="1"/>
+          <p:cNvSpPr txBox="1">
+            <a:spLocks noGrp="1"/>
+          </p:cNvSpPr>
           <p:nvPr>
-            <p:ph idx="12" type="sldNum"/>
+            <p:ph type="sldNum" idx="12"/>
           </p:nvPr>
         </p:nvSpPr>
         <p:spPr>
@@ -6331,7 +6264,7 @@
           </a:prstGeom>
         </p:spPr>
         <p:txBody>
-          <a:bodyPr anchorCtr="0" anchor="ctr" bIns="91425" lIns="91425" spcFirstLastPara="1" rIns="91425" wrap="square" tIns="91425">
+          <a:bodyPr spcFirstLastPara="1" wrap="square" lIns="91425" tIns="91425" rIns="91425" bIns="91425" anchor="ctr" anchorCtr="0">
             <a:normAutofit/>
           </a:bodyPr>
           <a:lstStyle>
@@ -6373,7 +6306,7 @@
             </a:lvl9pPr>
           </a:lstStyle>
           <a:p>
-            <a:pPr indent="0" lvl="0" marL="0" rtl="0" algn="r">
+            <a:pPr marL="0" lvl="0" indent="0" algn="r" rtl="0">
               <a:spcBef>
                 <a:spcPts val="0"/>
               </a:spcBef>
@@ -6399,18 +6332,19 @@
 </file>
 
 <file path=ppt/slideLayouts/slideLayout5.xml><?xml version="1.0" encoding="utf-8"?>
-<p:sldLayout xmlns:a="http://schemas.openxmlformats.org/drawingml/2006/main" xmlns:r="http://schemas.openxmlformats.org/officeDocument/2006/relationships" xmlns:mc="http://schemas.openxmlformats.org/markup-compatibility/2006" xmlns:mv="urn:schemas-microsoft-com:mac:vml" xmlns:p="http://schemas.openxmlformats.org/presentationml/2006/main" xmlns:c="http://schemas.openxmlformats.org/drawingml/2006/chart" xmlns:dgm="http://schemas.openxmlformats.org/drawingml/2006/diagram" xmlns:o="urn:schemas-microsoft-com:office:office" xmlns:v="urn:schemas-microsoft-com:vml" xmlns:pvml="urn:schemas-microsoft-com:office:powerpoint" xmlns:com="http://schemas.openxmlformats.org/drawingml/2006/compatibility" xmlns:p14="http://schemas.microsoft.com/office/powerpoint/2010/main" xmlns:p15="http://schemas.microsoft.com/office/powerpoint/2012/main" xmlns:ahyp="http://schemas.microsoft.com/office/drawing/2018/hyperlinkcolor" matchingName="Title only" type="titleOnly">
+<p:sldLayout xmlns:a="http://schemas.openxmlformats.org/drawingml/2006/main" xmlns:r="http://schemas.openxmlformats.org/officeDocument/2006/relationships" xmlns:p="http://schemas.openxmlformats.org/presentationml/2006/main" matchingName="Title only" type="titleOnly">
   <p:cSld name="TITLE_ONLY">
     <p:bg>
       <p:bgPr>
         <a:solidFill>
           <a:schemeClr val="dk2"/>
         </a:solidFill>
+        <a:effectLst/>
       </p:bgPr>
     </p:bg>
     <p:spTree>
       <p:nvGrpSpPr>
-        <p:cNvPr id="64" name="Shape 64"/>
+        <p:cNvPr id="1" name="Shape 64"/>
         <p:cNvGrpSpPr/>
         <p:nvPr/>
       </p:nvGrpSpPr>
@@ -6444,12 +6378,12 @@
           </a:ln>
         </p:spPr>
         <p:txBody>
-          <a:bodyPr anchorCtr="0" anchor="ctr" bIns="91425" lIns="91425" spcFirstLastPara="1" rIns="91425" wrap="square" tIns="91425">
+          <a:bodyPr spcFirstLastPara="1" wrap="square" lIns="91425" tIns="91425" rIns="91425" bIns="91425" anchor="ctr" anchorCtr="0">
             <a:noAutofit/>
           </a:bodyPr>
           <a:lstStyle/>
           <a:p>
-            <a:pPr indent="0" lvl="0" marL="0" rtl="0" algn="l">
+            <a:pPr marL="0" lvl="0" indent="0" algn="l" rtl="0">
               <a:spcBef>
                 <a:spcPts val="0"/>
               </a:spcBef>
@@ -6458,9 +6392,6 @@
               </a:spcAft>
               <a:buNone/>
             </a:pPr>
-            <a:r>
-              <a:t/>
-            </a:r>
             <a:endParaRPr/>
           </a:p>
         </p:txBody>
@@ -6487,12 +6418,12 @@
           </a:ln>
         </p:spPr>
         <p:txBody>
-          <a:bodyPr anchorCtr="0" anchor="ctr" bIns="91425" lIns="91425" spcFirstLastPara="1" rIns="91425" wrap="square" tIns="91425">
+          <a:bodyPr spcFirstLastPara="1" wrap="square" lIns="91425" tIns="91425" rIns="91425" bIns="91425" anchor="ctr" anchorCtr="0">
             <a:noAutofit/>
           </a:bodyPr>
           <a:lstStyle/>
           <a:p>
-            <a:pPr indent="0" lvl="0" marL="0" rtl="0" algn="l">
+            <a:pPr marL="0" lvl="0" indent="0" algn="l" rtl="0">
               <a:spcBef>
                 <a:spcPts val="0"/>
               </a:spcBef>
@@ -6501,9 +6432,6 @@
               </a:spcAft>
               <a:buNone/>
             </a:pPr>
-            <a:r>
-              <a:t/>
-            </a:r>
             <a:endParaRPr/>
           </a:p>
         </p:txBody>
@@ -6529,7 +6457,7 @@
             <a:noFill/>
           </a:ln>
           <a:effectLst>
-            <a:outerShdw blurRad="228600" sx="101000" rotWithShape="0" algn="ctr" sy="101000">
+            <a:outerShdw blurRad="228600" sx="101000" sy="101000" algn="ctr" rotWithShape="0">
               <a:srgbClr val="000000">
                 <a:alpha val="40000"/>
               </a:srgbClr>
@@ -6537,12 +6465,12 @@
           </a:effectLst>
         </p:spPr>
         <p:txBody>
-          <a:bodyPr anchorCtr="0" anchor="ctr" bIns="91425" lIns="91425" spcFirstLastPara="1" rIns="91425" wrap="square" tIns="91425">
+          <a:bodyPr spcFirstLastPara="1" wrap="square" lIns="91425" tIns="91425" rIns="91425" bIns="91425" anchor="ctr" anchorCtr="0">
             <a:noAutofit/>
           </a:bodyPr>
           <a:lstStyle/>
           <a:p>
-            <a:pPr indent="0" lvl="0" marL="0" rtl="0" algn="l">
+            <a:pPr marL="0" lvl="0" indent="0" algn="l" rtl="0">
               <a:spcBef>
                 <a:spcPts val="0"/>
               </a:spcBef>
@@ -6551,9 +6479,6 @@
               </a:spcAft>
               <a:buNone/>
             </a:pPr>
-            <a:r>
-              <a:t/>
-            </a:r>
             <a:endParaRPr/>
           </a:p>
         </p:txBody>
@@ -6561,7 +6486,9 @@
       <p:sp>
         <p:nvSpPr>
           <p:cNvPr id="68" name="Google Shape;68;p6"/>
-          <p:cNvSpPr txBox="1"/>
+          <p:cNvSpPr txBox="1">
+            <a:spLocks noGrp="1"/>
+          </p:cNvSpPr>
           <p:nvPr>
             <p:ph type="title"/>
           </p:nvPr>
@@ -6576,7 +6503,7 @@
           </a:prstGeom>
         </p:spPr>
         <p:txBody>
-          <a:bodyPr anchorCtr="0" anchor="t" bIns="91425" lIns="91425" spcFirstLastPara="1" rIns="91425" wrap="square" tIns="91425">
+          <a:bodyPr spcFirstLastPara="1" wrap="square" lIns="91425" tIns="91425" rIns="91425" bIns="91425" anchor="t" anchorCtr="0">
             <a:normAutofit/>
           </a:bodyPr>
           <a:lstStyle>
@@ -6680,15 +6607,19 @@
               <a:defRPr sz="3000"/>
             </a:lvl9pPr>
           </a:lstStyle>
-          <a:p/>
+          <a:p>
+            <a:endParaRPr/>
+          </a:p>
         </p:txBody>
       </p:sp>
       <p:sp>
         <p:nvSpPr>
           <p:cNvPr id="69" name="Google Shape;69;p6"/>
-          <p:cNvSpPr txBox="1"/>
+          <p:cNvSpPr txBox="1">
+            <a:spLocks noGrp="1"/>
+          </p:cNvSpPr>
           <p:nvPr>
-            <p:ph idx="12" type="sldNum"/>
+            <p:ph type="sldNum" idx="12"/>
           </p:nvPr>
         </p:nvSpPr>
         <p:spPr>
@@ -6701,7 +6632,7 @@
           </a:prstGeom>
         </p:spPr>
         <p:txBody>
-          <a:bodyPr anchorCtr="0" anchor="ctr" bIns="91425" lIns="91425" spcFirstLastPara="1" rIns="91425" wrap="square" tIns="91425">
+          <a:bodyPr spcFirstLastPara="1" wrap="square" lIns="91425" tIns="91425" rIns="91425" bIns="91425" anchor="ctr" anchorCtr="0">
             <a:normAutofit/>
           </a:bodyPr>
           <a:lstStyle>
@@ -6743,7 +6674,7 @@
             </a:lvl9pPr>
           </a:lstStyle>
           <a:p>
-            <a:pPr indent="0" lvl="0" marL="0" rtl="0" algn="r">
+            <a:pPr marL="0" lvl="0" indent="0" algn="r" rtl="0">
               <a:spcBef>
                 <a:spcPts val="0"/>
               </a:spcBef>
@@ -6769,18 +6700,19 @@
 </file>
 
 <file path=ppt/slideLayouts/slideLayout6.xml><?xml version="1.0" encoding="utf-8"?>
-<p:sldLayout xmlns:a="http://schemas.openxmlformats.org/drawingml/2006/main" xmlns:r="http://schemas.openxmlformats.org/officeDocument/2006/relationships" xmlns:mc="http://schemas.openxmlformats.org/markup-compatibility/2006" xmlns:mv="urn:schemas-microsoft-com:mac:vml" xmlns:p="http://schemas.openxmlformats.org/presentationml/2006/main" xmlns:c="http://schemas.openxmlformats.org/drawingml/2006/chart" xmlns:dgm="http://schemas.openxmlformats.org/drawingml/2006/diagram" xmlns:o="urn:schemas-microsoft-com:office:office" xmlns:v="urn:schemas-microsoft-com:vml" xmlns:pvml="urn:schemas-microsoft-com:office:powerpoint" xmlns:com="http://schemas.openxmlformats.org/drawingml/2006/compatibility" xmlns:p14="http://schemas.microsoft.com/office/powerpoint/2010/main" xmlns:p15="http://schemas.microsoft.com/office/powerpoint/2012/main" xmlns:ahyp="http://schemas.microsoft.com/office/drawing/2018/hyperlinkcolor" matchingName="One column text">
+<p:sldLayout xmlns:a="http://schemas.openxmlformats.org/drawingml/2006/main" xmlns:r="http://schemas.openxmlformats.org/officeDocument/2006/relationships" xmlns:p="http://schemas.openxmlformats.org/presentationml/2006/main" matchingName="One column text">
   <p:cSld name="ONE_COLUMN_TEXT">
     <p:bg>
       <p:bgPr>
         <a:solidFill>
           <a:schemeClr val="accent3"/>
         </a:solidFill>
+        <a:effectLst/>
       </p:bgPr>
     </p:bg>
     <p:spTree>
       <p:nvGrpSpPr>
-        <p:cNvPr id="70" name="Shape 70"/>
+        <p:cNvPr id="1" name="Shape 70"/>
         <p:cNvGrpSpPr/>
         <p:nvPr/>
       </p:nvGrpSpPr>
@@ -6814,12 +6746,12 @@
           </a:ln>
         </p:spPr>
         <p:txBody>
-          <a:bodyPr anchorCtr="0" anchor="ctr" bIns="91425" lIns="91425" spcFirstLastPara="1" rIns="91425" wrap="square" tIns="91425">
+          <a:bodyPr spcFirstLastPara="1" wrap="square" lIns="91425" tIns="91425" rIns="91425" bIns="91425" anchor="ctr" anchorCtr="0">
             <a:noAutofit/>
           </a:bodyPr>
           <a:lstStyle/>
           <a:p>
-            <a:pPr indent="0" lvl="0" marL="0" rtl="0" algn="l">
+            <a:pPr marL="0" lvl="0" indent="0" algn="l" rtl="0">
               <a:spcBef>
                 <a:spcPts val="0"/>
               </a:spcBef>
@@ -6828,9 +6760,6 @@
               </a:spcAft>
               <a:buNone/>
             </a:pPr>
-            <a:r>
-              <a:t/>
-            </a:r>
             <a:endParaRPr/>
           </a:p>
         </p:txBody>
@@ -6857,12 +6786,12 @@
           </a:ln>
         </p:spPr>
         <p:txBody>
-          <a:bodyPr anchorCtr="0" anchor="ctr" bIns="91425" lIns="91425" spcFirstLastPara="1" rIns="91425" wrap="square" tIns="91425">
+          <a:bodyPr spcFirstLastPara="1" wrap="square" lIns="91425" tIns="91425" rIns="91425" bIns="91425" anchor="ctr" anchorCtr="0">
             <a:noAutofit/>
           </a:bodyPr>
           <a:lstStyle/>
           <a:p>
-            <a:pPr indent="0" lvl="0" marL="0" rtl="0" algn="l">
+            <a:pPr marL="0" lvl="0" indent="0" algn="l" rtl="0">
               <a:spcBef>
                 <a:spcPts val="0"/>
               </a:spcBef>
@@ -6871,9 +6800,6 @@
               </a:spcAft>
               <a:buNone/>
             </a:pPr>
-            <a:r>
-              <a:t/>
-            </a:r>
             <a:endParaRPr/>
           </a:p>
         </p:txBody>
@@ -6899,7 +6825,7 @@
             <a:noFill/>
           </a:ln>
           <a:effectLst>
-            <a:outerShdw blurRad="228600" sx="101000" rotWithShape="0" algn="ctr" sy="101000">
+            <a:outerShdw blurRad="228600" sx="101000" sy="101000" algn="ctr" rotWithShape="0">
               <a:srgbClr val="000000">
                 <a:alpha val="40000"/>
               </a:srgbClr>
@@ -6907,12 +6833,12 @@
           </a:effectLst>
         </p:spPr>
         <p:txBody>
-          <a:bodyPr anchorCtr="0" anchor="ctr" bIns="91425" lIns="91425" spcFirstLastPara="1" rIns="91425" wrap="square" tIns="91425">
+          <a:bodyPr spcFirstLastPara="1" wrap="square" lIns="91425" tIns="91425" rIns="91425" bIns="91425" anchor="ctr" anchorCtr="0">
             <a:noAutofit/>
           </a:bodyPr>
           <a:lstStyle/>
           <a:p>
-            <a:pPr indent="0" lvl="0" marL="0" rtl="0" algn="l">
+            <a:pPr marL="0" lvl="0" indent="0" algn="l" rtl="0">
               <a:spcBef>
                 <a:spcPts val="0"/>
               </a:spcBef>
@@ -6921,9 +6847,6 @@
               </a:spcAft>
               <a:buNone/>
             </a:pPr>
-            <a:r>
-              <a:t/>
-            </a:r>
             <a:endParaRPr/>
           </a:p>
         </p:txBody>
@@ -6931,7 +6854,9 @@
       <p:sp>
         <p:nvSpPr>
           <p:cNvPr id="74" name="Google Shape;74;p7"/>
-          <p:cNvSpPr txBox="1"/>
+          <p:cNvSpPr txBox="1">
+            <a:spLocks noGrp="1"/>
+          </p:cNvSpPr>
           <p:nvPr>
             <p:ph type="title"/>
           </p:nvPr>
@@ -6946,7 +6871,7 @@
           </a:prstGeom>
         </p:spPr>
         <p:txBody>
-          <a:bodyPr anchorCtr="0" anchor="t" bIns="91425" lIns="91425" spcFirstLastPara="1" rIns="91425" wrap="square" tIns="91425">
+          <a:bodyPr spcFirstLastPara="1" wrap="square" lIns="91425" tIns="91425" rIns="91425" bIns="91425" anchor="t" anchorCtr="0">
             <a:normAutofit/>
           </a:bodyPr>
           <a:lstStyle>
@@ -7050,15 +6975,19 @@
               <a:defRPr sz="3000"/>
             </a:lvl9pPr>
           </a:lstStyle>
-          <a:p/>
+          <a:p>
+            <a:endParaRPr/>
+          </a:p>
         </p:txBody>
       </p:sp>
       <p:sp>
         <p:nvSpPr>
           <p:cNvPr id="75" name="Google Shape;75;p7"/>
-          <p:cNvSpPr txBox="1"/>
+          <p:cNvSpPr txBox="1">
+            <a:spLocks noGrp="1"/>
+          </p:cNvSpPr>
           <p:nvPr>
-            <p:ph idx="1" type="body"/>
+            <p:ph type="body" idx="1"/>
           </p:nvPr>
         </p:nvSpPr>
         <p:spPr>
@@ -7071,11 +7000,11 @@
           </a:prstGeom>
         </p:spPr>
         <p:txBody>
-          <a:bodyPr anchorCtr="0" anchor="t" bIns="91425" lIns="91425" spcFirstLastPara="1" rIns="91425" wrap="square" tIns="91425">
+          <a:bodyPr spcFirstLastPara="1" wrap="square" lIns="91425" tIns="91425" rIns="91425" bIns="91425" anchor="t" anchorCtr="0">
             <a:normAutofit/>
           </a:bodyPr>
           <a:lstStyle>
-            <a:lvl1pPr indent="-311150" lvl="0" marL="457200">
+            <a:lvl1pPr marL="457200" lvl="0" indent="-311150">
               <a:spcBef>
                 <a:spcPts val="0"/>
               </a:spcBef>
@@ -7086,7 +7015,7 @@
               <a:buChar char="●"/>
               <a:defRPr/>
             </a:lvl1pPr>
-            <a:lvl2pPr indent="-298450" lvl="1" marL="914400">
+            <a:lvl2pPr marL="914400" lvl="1" indent="-298450">
               <a:spcBef>
                 <a:spcPts val="0"/>
               </a:spcBef>
@@ -7097,7 +7026,7 @@
               <a:buChar char="○"/>
               <a:defRPr/>
             </a:lvl2pPr>
-            <a:lvl3pPr indent="-298450" lvl="2" marL="1371600">
+            <a:lvl3pPr marL="1371600" lvl="2" indent="-298450">
               <a:spcBef>
                 <a:spcPts val="0"/>
               </a:spcBef>
@@ -7108,7 +7037,7 @@
               <a:buChar char="■"/>
               <a:defRPr/>
             </a:lvl3pPr>
-            <a:lvl4pPr indent="-298450" lvl="3" marL="1828800">
+            <a:lvl4pPr marL="1828800" lvl="3" indent="-298450">
               <a:spcBef>
                 <a:spcPts val="0"/>
               </a:spcBef>
@@ -7119,7 +7048,7 @@
               <a:buChar char="●"/>
               <a:defRPr/>
             </a:lvl4pPr>
-            <a:lvl5pPr indent="-298450" lvl="4" marL="2286000">
+            <a:lvl5pPr marL="2286000" lvl="4" indent="-298450">
               <a:spcBef>
                 <a:spcPts val="0"/>
               </a:spcBef>
@@ -7130,7 +7059,7 @@
               <a:buChar char="○"/>
               <a:defRPr/>
             </a:lvl5pPr>
-            <a:lvl6pPr indent="-298450" lvl="5" marL="2743200">
+            <a:lvl6pPr marL="2743200" lvl="5" indent="-298450">
               <a:spcBef>
                 <a:spcPts val="0"/>
               </a:spcBef>
@@ -7141,7 +7070,7 @@
               <a:buChar char="■"/>
               <a:defRPr/>
             </a:lvl6pPr>
-            <a:lvl7pPr indent="-298450" lvl="6" marL="3200400">
+            <a:lvl7pPr marL="3200400" lvl="6" indent="-298450">
               <a:spcBef>
                 <a:spcPts val="0"/>
               </a:spcBef>
@@ -7152,7 +7081,7 @@
               <a:buChar char="●"/>
               <a:defRPr/>
             </a:lvl7pPr>
-            <a:lvl8pPr indent="-298450" lvl="7" marL="3657600">
+            <a:lvl8pPr marL="3657600" lvl="7" indent="-298450">
               <a:spcBef>
                 <a:spcPts val="0"/>
               </a:spcBef>
@@ -7163,7 +7092,7 @@
               <a:buChar char="○"/>
               <a:defRPr/>
             </a:lvl8pPr>
-            <a:lvl9pPr indent="-298450" lvl="8" marL="4114800">
+            <a:lvl9pPr marL="4114800" lvl="8" indent="-298450">
               <a:spcBef>
                 <a:spcPts val="0"/>
               </a:spcBef>
@@ -7175,15 +7104,19 @@
               <a:defRPr/>
             </a:lvl9pPr>
           </a:lstStyle>
-          <a:p/>
+          <a:p>
+            <a:endParaRPr/>
+          </a:p>
         </p:txBody>
       </p:sp>
       <p:sp>
         <p:nvSpPr>
           <p:cNvPr id="76" name="Google Shape;76;p7"/>
-          <p:cNvSpPr txBox="1"/>
+          <p:cNvSpPr txBox="1">
+            <a:spLocks noGrp="1"/>
+          </p:cNvSpPr>
           <p:nvPr>
-            <p:ph idx="12" type="sldNum"/>
+            <p:ph type="sldNum" idx="12"/>
           </p:nvPr>
         </p:nvSpPr>
         <p:spPr>
@@ -7196,7 +7129,7 @@
           </a:prstGeom>
         </p:spPr>
         <p:txBody>
-          <a:bodyPr anchorCtr="0" anchor="ctr" bIns="91425" lIns="91425" spcFirstLastPara="1" rIns="91425" wrap="square" tIns="91425">
+          <a:bodyPr spcFirstLastPara="1" wrap="square" lIns="91425" tIns="91425" rIns="91425" bIns="91425" anchor="ctr" anchorCtr="0">
             <a:normAutofit/>
           </a:bodyPr>
           <a:lstStyle>
@@ -7238,7 +7171,7 @@
             </a:lvl9pPr>
           </a:lstStyle>
           <a:p>
-            <a:pPr indent="0" lvl="0" marL="0" rtl="0" algn="r">
+            <a:pPr marL="0" lvl="0" indent="0" algn="r" rtl="0">
               <a:spcBef>
                 <a:spcPts val="0"/>
               </a:spcBef>
@@ -7264,18 +7197,19 @@
 </file>
 
 <file path=ppt/slideLayouts/slideLayout7.xml><?xml version="1.0" encoding="utf-8"?>
-<p:sldLayout xmlns:a="http://schemas.openxmlformats.org/drawingml/2006/main" xmlns:r="http://schemas.openxmlformats.org/officeDocument/2006/relationships" xmlns:mc="http://schemas.openxmlformats.org/markup-compatibility/2006" xmlns:mv="urn:schemas-microsoft-com:mac:vml" xmlns:p="http://schemas.openxmlformats.org/presentationml/2006/main" xmlns:c="http://schemas.openxmlformats.org/drawingml/2006/chart" xmlns:dgm="http://schemas.openxmlformats.org/drawingml/2006/diagram" xmlns:o="urn:schemas-microsoft-com:office:office" xmlns:v="urn:schemas-microsoft-com:vml" xmlns:pvml="urn:schemas-microsoft-com:office:powerpoint" xmlns:com="http://schemas.openxmlformats.org/drawingml/2006/compatibility" xmlns:p14="http://schemas.microsoft.com/office/powerpoint/2010/main" xmlns:p15="http://schemas.microsoft.com/office/powerpoint/2012/main" xmlns:ahyp="http://schemas.microsoft.com/office/drawing/2018/hyperlinkcolor" matchingName="Main point">
+<p:sldLayout xmlns:a="http://schemas.openxmlformats.org/drawingml/2006/main" xmlns:r="http://schemas.openxmlformats.org/officeDocument/2006/relationships" xmlns:p="http://schemas.openxmlformats.org/presentationml/2006/main" matchingName="Main point">
   <p:cSld name="MAIN_POINT">
     <p:bg>
       <p:bgPr>
         <a:solidFill>
           <a:schemeClr val="accent1"/>
         </a:solidFill>
+        <a:effectLst/>
       </p:bgPr>
     </p:bg>
     <p:spTree>
       <p:nvGrpSpPr>
-        <p:cNvPr id="77" name="Shape 77"/>
+        <p:cNvPr id="1" name="Shape 77"/>
         <p:cNvGrpSpPr/>
         <p:nvPr/>
       </p:nvGrpSpPr>
@@ -7309,12 +7243,12 @@
           </a:ln>
         </p:spPr>
         <p:txBody>
-          <a:bodyPr anchorCtr="0" anchor="ctr" bIns="91425" lIns="91425" spcFirstLastPara="1" rIns="91425" wrap="square" tIns="91425">
+          <a:bodyPr spcFirstLastPara="1" wrap="square" lIns="91425" tIns="91425" rIns="91425" bIns="91425" anchor="ctr" anchorCtr="0">
             <a:noAutofit/>
           </a:bodyPr>
           <a:lstStyle/>
           <a:p>
-            <a:pPr indent="0" lvl="0" marL="0" rtl="0" algn="l">
+            <a:pPr marL="0" lvl="0" indent="0" algn="l" rtl="0">
               <a:spcBef>
                 <a:spcPts val="0"/>
               </a:spcBef>
@@ -7323,9 +7257,6 @@
               </a:spcAft>
               <a:buNone/>
             </a:pPr>
-            <a:r>
-              <a:t/>
-            </a:r>
             <a:endParaRPr/>
           </a:p>
         </p:txBody>
@@ -7352,12 +7283,12 @@
           </a:ln>
         </p:spPr>
         <p:txBody>
-          <a:bodyPr anchorCtr="0" anchor="ctr" bIns="91425" lIns="91425" spcFirstLastPara="1" rIns="91425" wrap="square" tIns="91425">
+          <a:bodyPr spcFirstLastPara="1" wrap="square" lIns="91425" tIns="91425" rIns="91425" bIns="91425" anchor="ctr" anchorCtr="0">
             <a:noAutofit/>
           </a:bodyPr>
           <a:lstStyle/>
           <a:p>
-            <a:pPr indent="0" lvl="0" marL="0" rtl="0" algn="l">
+            <a:pPr marL="0" lvl="0" indent="0" algn="l" rtl="0">
               <a:spcBef>
                 <a:spcPts val="0"/>
               </a:spcBef>
@@ -7366,9 +7297,6 @@
               </a:spcAft>
               <a:buNone/>
             </a:pPr>
-            <a:r>
-              <a:t/>
-            </a:r>
             <a:endParaRPr/>
           </a:p>
         </p:txBody>
@@ -7400,7 +7328,7 @@
             </a:xfrm>
             <a:prstGeom prst="parallelogram">
               <a:avLst>
-                <a:gd fmla="val 153193" name="adj"/>
+                <a:gd name="adj" fmla="val 153193"/>
               </a:avLst>
             </a:prstGeom>
             <a:solidFill>
@@ -7411,12 +7339,12 @@
             </a:ln>
           </p:spPr>
           <p:txBody>
-            <a:bodyPr anchorCtr="0" anchor="ctr" bIns="91425" lIns="91425" spcFirstLastPara="1" rIns="91425" wrap="square" tIns="91425">
+            <a:bodyPr spcFirstLastPara="1" wrap="square" lIns="91425" tIns="91425" rIns="91425" bIns="91425" anchor="ctr" anchorCtr="0">
               <a:noAutofit/>
             </a:bodyPr>
             <a:lstStyle/>
             <a:p>
-              <a:pPr indent="0" lvl="0" marL="0" rtl="0" algn="l">
+              <a:pPr marL="0" lvl="0" indent="0" algn="l" rtl="0">
                 <a:spcBef>
                   <a:spcPts val="0"/>
                 </a:spcBef>
@@ -7425,9 +7353,6 @@
                 </a:spcAft>
                 <a:buNone/>
               </a:pPr>
-              <a:r>
-                <a:t/>
-              </a:r>
               <a:endParaRPr/>
             </a:p>
           </p:txBody>
@@ -7445,7 +7370,7 @@
             </a:xfrm>
             <a:prstGeom prst="parallelogram">
               <a:avLst>
-                <a:gd fmla="val 153193" name="adj"/>
+                <a:gd name="adj" fmla="val 153193"/>
               </a:avLst>
             </a:prstGeom>
             <a:solidFill>
@@ -7456,12 +7381,12 @@
             </a:ln>
           </p:spPr>
           <p:txBody>
-            <a:bodyPr anchorCtr="0" anchor="ctr" bIns="91425" lIns="91425" spcFirstLastPara="1" rIns="91425" wrap="square" tIns="91425">
+            <a:bodyPr spcFirstLastPara="1" wrap="square" lIns="91425" tIns="91425" rIns="91425" bIns="91425" anchor="ctr" anchorCtr="0">
               <a:noAutofit/>
             </a:bodyPr>
             <a:lstStyle/>
             <a:p>
-              <a:pPr indent="0" lvl="0" marL="0" rtl="0" algn="l">
+              <a:pPr marL="0" lvl="0" indent="0" algn="l" rtl="0">
                 <a:spcBef>
                   <a:spcPts val="0"/>
                 </a:spcBef>
@@ -7470,9 +7395,6 @@
                 </a:spcAft>
                 <a:buNone/>
               </a:pPr>
-              <a:r>
-                <a:t/>
-              </a:r>
               <a:endParaRPr/>
             </a:p>
           </p:txBody>
@@ -7490,7 +7412,7 @@
             </a:xfrm>
             <a:prstGeom prst="parallelogram">
               <a:avLst>
-                <a:gd fmla="val 153193" name="adj"/>
+                <a:gd name="adj" fmla="val 153193"/>
               </a:avLst>
             </a:prstGeom>
             <a:solidFill>
@@ -7501,12 +7423,12 @@
             </a:ln>
           </p:spPr>
           <p:txBody>
-            <a:bodyPr anchorCtr="0" anchor="ctr" bIns="91425" lIns="91425" spcFirstLastPara="1" rIns="91425" wrap="square" tIns="91425">
+            <a:bodyPr spcFirstLastPara="1" wrap="square" lIns="91425" tIns="91425" rIns="91425" bIns="91425" anchor="ctr" anchorCtr="0">
               <a:noAutofit/>
             </a:bodyPr>
             <a:lstStyle/>
             <a:p>
-              <a:pPr indent="0" lvl="0" marL="0" rtl="0" algn="l">
+              <a:pPr marL="0" lvl="0" indent="0" algn="l" rtl="0">
                 <a:spcBef>
                   <a:spcPts val="0"/>
                 </a:spcBef>
@@ -7515,9 +7437,6 @@
                 </a:spcAft>
                 <a:buNone/>
               </a:pPr>
-              <a:r>
-                <a:t/>
-              </a:r>
               <a:endParaRPr/>
             </a:p>
           </p:txBody>
@@ -7544,7 +7463,7 @@
             <a:noFill/>
           </a:ln>
           <a:effectLst>
-            <a:outerShdw blurRad="228600" sx="101000" rotWithShape="0" algn="ctr" sy="101000">
+            <a:outerShdw blurRad="228600" sx="101000" sy="101000" algn="ctr" rotWithShape="0">
               <a:srgbClr val="000000">
                 <a:alpha val="40000"/>
               </a:srgbClr>
@@ -7552,12 +7471,12 @@
           </a:effectLst>
         </p:spPr>
         <p:txBody>
-          <a:bodyPr anchorCtr="0" anchor="ctr" bIns="91425" lIns="91425" spcFirstLastPara="1" rIns="91425" wrap="square" tIns="91425">
+          <a:bodyPr spcFirstLastPara="1" wrap="square" lIns="91425" tIns="91425" rIns="91425" bIns="91425" anchor="ctr" anchorCtr="0">
             <a:noAutofit/>
           </a:bodyPr>
           <a:lstStyle/>
           <a:p>
-            <a:pPr indent="0" lvl="0" marL="0" rtl="0" algn="l">
+            <a:pPr marL="0" lvl="0" indent="0" algn="l" rtl="0">
               <a:spcBef>
                 <a:spcPts val="0"/>
               </a:spcBef>
@@ -7566,9 +7485,6 @@
               </a:spcAft>
               <a:buNone/>
             </a:pPr>
-            <a:r>
-              <a:t/>
-            </a:r>
             <a:endParaRPr/>
           </a:p>
         </p:txBody>
@@ -7600,7 +7516,7 @@
             </a:xfrm>
             <a:prstGeom prst="parallelogram">
               <a:avLst>
-                <a:gd fmla="val 158024" name="adj"/>
+                <a:gd name="adj" fmla="val 158024"/>
               </a:avLst>
             </a:prstGeom>
             <a:solidFill>
@@ -7611,12 +7527,12 @@
             </a:ln>
           </p:spPr>
           <p:txBody>
-            <a:bodyPr anchorCtr="0" anchor="ctr" bIns="91425" lIns="91425" spcFirstLastPara="1" rIns="91425" wrap="square" tIns="91425">
+            <a:bodyPr spcFirstLastPara="1" wrap="square" lIns="91425" tIns="91425" rIns="91425" bIns="91425" anchor="ctr" anchorCtr="0">
               <a:noAutofit/>
             </a:bodyPr>
             <a:lstStyle/>
             <a:p>
-              <a:pPr indent="0" lvl="0" marL="0" rtl="0" algn="l">
+              <a:pPr marL="0" lvl="0" indent="0" algn="l" rtl="0">
                 <a:spcBef>
                   <a:spcPts val="0"/>
                 </a:spcBef>
@@ -7625,9 +7541,6 @@
                 </a:spcAft>
                 <a:buNone/>
               </a:pPr>
-              <a:r>
-                <a:t/>
-              </a:r>
               <a:endParaRPr/>
             </a:p>
           </p:txBody>
@@ -7645,7 +7558,7 @@
             </a:xfrm>
             <a:prstGeom prst="parallelogram">
               <a:avLst>
-                <a:gd fmla="val 158024" name="adj"/>
+                <a:gd name="adj" fmla="val 158024"/>
               </a:avLst>
             </a:prstGeom>
             <a:solidFill>
@@ -7656,12 +7569,12 @@
             </a:ln>
           </p:spPr>
           <p:txBody>
-            <a:bodyPr anchorCtr="0" anchor="ctr" bIns="91425" lIns="91425" spcFirstLastPara="1" rIns="91425" wrap="square" tIns="91425">
+            <a:bodyPr spcFirstLastPara="1" wrap="square" lIns="91425" tIns="91425" rIns="91425" bIns="91425" anchor="ctr" anchorCtr="0">
               <a:noAutofit/>
             </a:bodyPr>
             <a:lstStyle/>
             <a:p>
-              <a:pPr indent="0" lvl="0" marL="0" rtl="0" algn="l">
+              <a:pPr marL="0" lvl="0" indent="0" algn="l" rtl="0">
                 <a:spcBef>
                   <a:spcPts val="0"/>
                 </a:spcBef>
@@ -7670,9 +7583,6 @@
                 </a:spcAft>
                 <a:buNone/>
               </a:pPr>
-              <a:r>
-                <a:t/>
-              </a:r>
               <a:endParaRPr/>
             </a:p>
           </p:txBody>
@@ -7690,7 +7600,7 @@
             </a:xfrm>
             <a:prstGeom prst="parallelogram">
               <a:avLst>
-                <a:gd fmla="val 158024" name="adj"/>
+                <a:gd name="adj" fmla="val 158024"/>
               </a:avLst>
             </a:prstGeom>
             <a:solidFill>
@@ -7701,12 +7611,12 @@
             </a:ln>
           </p:spPr>
           <p:txBody>
-            <a:bodyPr anchorCtr="0" anchor="ctr" bIns="91425" lIns="91425" spcFirstLastPara="1" rIns="91425" wrap="square" tIns="91425">
+            <a:bodyPr spcFirstLastPara="1" wrap="square" lIns="91425" tIns="91425" rIns="91425" bIns="91425" anchor="ctr" anchorCtr="0">
               <a:noAutofit/>
             </a:bodyPr>
             <a:lstStyle/>
             <a:p>
-              <a:pPr indent="0" lvl="0" marL="0" rtl="0" algn="l">
+              <a:pPr marL="0" lvl="0" indent="0" algn="l" rtl="0">
                 <a:spcBef>
                   <a:spcPts val="0"/>
                 </a:spcBef>
@@ -7715,9 +7625,6 @@
                 </a:spcAft>
                 <a:buNone/>
               </a:pPr>
-              <a:r>
-                <a:t/>
-              </a:r>
               <a:endParaRPr/>
             </a:p>
           </p:txBody>
@@ -7750,7 +7657,7 @@
             </a:xfrm>
             <a:prstGeom prst="parallelogram">
               <a:avLst>
-                <a:gd fmla="val 158024" name="adj"/>
+                <a:gd name="adj" fmla="val 158024"/>
               </a:avLst>
             </a:prstGeom>
             <a:solidFill>
@@ -7761,12 +7668,12 @@
             </a:ln>
           </p:spPr>
           <p:txBody>
-            <a:bodyPr anchorCtr="0" anchor="ctr" bIns="91425" lIns="91425" spcFirstLastPara="1" rIns="91425" wrap="square" tIns="91425">
+            <a:bodyPr spcFirstLastPara="1" wrap="square" lIns="91425" tIns="91425" rIns="91425" bIns="91425" anchor="ctr" anchorCtr="0">
               <a:noAutofit/>
             </a:bodyPr>
             <a:lstStyle/>
             <a:p>
-              <a:pPr indent="0" lvl="0" marL="0" rtl="0" algn="l">
+              <a:pPr marL="0" lvl="0" indent="0" algn="l" rtl="0">
                 <a:spcBef>
                   <a:spcPts val="0"/>
                 </a:spcBef>
@@ -7775,9 +7682,6 @@
                 </a:spcAft>
                 <a:buNone/>
               </a:pPr>
-              <a:r>
-                <a:t/>
-              </a:r>
               <a:endParaRPr/>
             </a:p>
           </p:txBody>
@@ -7795,7 +7699,7 @@
             </a:xfrm>
             <a:prstGeom prst="parallelogram">
               <a:avLst>
-                <a:gd fmla="val 158024" name="adj"/>
+                <a:gd name="adj" fmla="val 158024"/>
               </a:avLst>
             </a:prstGeom>
             <a:solidFill>
@@ -7806,12 +7710,12 @@
             </a:ln>
           </p:spPr>
           <p:txBody>
-            <a:bodyPr anchorCtr="0" anchor="ctr" bIns="91425" lIns="91425" spcFirstLastPara="1" rIns="91425" wrap="square" tIns="91425">
+            <a:bodyPr spcFirstLastPara="1" wrap="square" lIns="91425" tIns="91425" rIns="91425" bIns="91425" anchor="ctr" anchorCtr="0">
               <a:noAutofit/>
             </a:bodyPr>
             <a:lstStyle/>
             <a:p>
-              <a:pPr indent="0" lvl="0" marL="0" rtl="0" algn="l">
+              <a:pPr marL="0" lvl="0" indent="0" algn="l" rtl="0">
                 <a:spcBef>
                   <a:spcPts val="0"/>
                 </a:spcBef>
@@ -7820,9 +7724,6 @@
                 </a:spcAft>
                 <a:buNone/>
               </a:pPr>
-              <a:r>
-                <a:t/>
-              </a:r>
               <a:endParaRPr/>
             </a:p>
           </p:txBody>
@@ -7840,7 +7741,7 @@
             </a:xfrm>
             <a:prstGeom prst="parallelogram">
               <a:avLst>
-                <a:gd fmla="val 158024" name="adj"/>
+                <a:gd name="adj" fmla="val 158024"/>
               </a:avLst>
             </a:prstGeom>
             <a:solidFill>
@@ -7851,12 +7752,12 @@
             </a:ln>
           </p:spPr>
           <p:txBody>
-            <a:bodyPr anchorCtr="0" anchor="ctr" bIns="91425" lIns="91425" spcFirstLastPara="1" rIns="91425" wrap="square" tIns="91425">
+            <a:bodyPr spcFirstLastPara="1" wrap="square" lIns="91425" tIns="91425" rIns="91425" bIns="91425" anchor="ctr" anchorCtr="0">
               <a:noAutofit/>
             </a:bodyPr>
             <a:lstStyle/>
             <a:p>
-              <a:pPr indent="0" lvl="0" marL="0" rtl="0" algn="l">
+              <a:pPr marL="0" lvl="0" indent="0" algn="l" rtl="0">
                 <a:spcBef>
                   <a:spcPts val="0"/>
                 </a:spcBef>
@@ -7865,9 +7766,6 @@
                 </a:spcAft>
                 <a:buNone/>
               </a:pPr>
-              <a:r>
-                <a:t/>
-              </a:r>
               <a:endParaRPr/>
             </a:p>
           </p:txBody>
@@ -7876,7 +7774,9 @@
       <p:sp>
         <p:nvSpPr>
           <p:cNvPr id="93" name="Google Shape;93;p8"/>
-          <p:cNvSpPr txBox="1"/>
+          <p:cNvSpPr txBox="1">
+            <a:spLocks noGrp="1"/>
+          </p:cNvSpPr>
           <p:nvPr>
             <p:ph type="title"/>
           </p:nvPr>
@@ -7891,7 +7791,7 @@
           </a:prstGeom>
         </p:spPr>
         <p:txBody>
-          <a:bodyPr anchorCtr="0" anchor="ctr" bIns="91425" lIns="91425" spcFirstLastPara="1" rIns="91425" wrap="square" tIns="91425">
+          <a:bodyPr spcFirstLastPara="1" wrap="square" lIns="91425" tIns="91425" rIns="91425" bIns="91425" anchor="ctr" anchorCtr="0">
             <a:normAutofit/>
           </a:bodyPr>
           <a:lstStyle>
@@ -7995,15 +7895,19 @@
               <a:defRPr sz="3200"/>
             </a:lvl9pPr>
           </a:lstStyle>
-          <a:p/>
+          <a:p>
+            <a:endParaRPr/>
+          </a:p>
         </p:txBody>
       </p:sp>
       <p:sp>
         <p:nvSpPr>
           <p:cNvPr id="94" name="Google Shape;94;p8"/>
-          <p:cNvSpPr txBox="1"/>
+          <p:cNvSpPr txBox="1">
+            <a:spLocks noGrp="1"/>
+          </p:cNvSpPr>
           <p:nvPr>
-            <p:ph idx="12" type="sldNum"/>
+            <p:ph type="sldNum" idx="12"/>
           </p:nvPr>
         </p:nvSpPr>
         <p:spPr>
@@ -8016,7 +7920,7 @@
           </a:prstGeom>
         </p:spPr>
         <p:txBody>
-          <a:bodyPr anchorCtr="0" anchor="ctr" bIns="91425" lIns="91425" spcFirstLastPara="1" rIns="91425" wrap="square" tIns="91425">
+          <a:bodyPr spcFirstLastPara="1" wrap="square" lIns="91425" tIns="91425" rIns="91425" bIns="91425" anchor="ctr" anchorCtr="0">
             <a:normAutofit/>
           </a:bodyPr>
           <a:lstStyle>
@@ -8058,7 +7962,7 @@
             </a:lvl9pPr>
           </a:lstStyle>
           <a:p>
-            <a:pPr indent="0" lvl="0" marL="0" rtl="0" algn="r">
+            <a:pPr marL="0" lvl="0" indent="0" algn="r" rtl="0">
               <a:spcBef>
                 <a:spcPts val="0"/>
               </a:spcBef>
@@ -8084,18 +7988,19 @@
 </file>
 
 <file path=ppt/slideLayouts/slideLayout8.xml><?xml version="1.0" encoding="utf-8"?>
-<p:sldLayout xmlns:a="http://schemas.openxmlformats.org/drawingml/2006/main" xmlns:r="http://schemas.openxmlformats.org/officeDocument/2006/relationships" xmlns:mc="http://schemas.openxmlformats.org/markup-compatibility/2006" xmlns:mv="urn:schemas-microsoft-com:mac:vml" xmlns:p="http://schemas.openxmlformats.org/presentationml/2006/main" xmlns:c="http://schemas.openxmlformats.org/drawingml/2006/chart" xmlns:dgm="http://schemas.openxmlformats.org/drawingml/2006/diagram" xmlns:o="urn:schemas-microsoft-com:office:office" xmlns:v="urn:schemas-microsoft-com:vml" xmlns:pvml="urn:schemas-microsoft-com:office:powerpoint" xmlns:com="http://schemas.openxmlformats.org/drawingml/2006/compatibility" xmlns:p14="http://schemas.microsoft.com/office/powerpoint/2010/main" xmlns:p15="http://schemas.microsoft.com/office/powerpoint/2012/main" xmlns:ahyp="http://schemas.microsoft.com/office/drawing/2018/hyperlinkcolor" matchingName="Section title and description">
+<p:sldLayout xmlns:a="http://schemas.openxmlformats.org/drawingml/2006/main" xmlns:r="http://schemas.openxmlformats.org/officeDocument/2006/relationships" xmlns:p="http://schemas.openxmlformats.org/presentationml/2006/main" matchingName="Section title and description">
   <p:cSld name="SECTION_TITLE_AND_DESCRIPTION">
     <p:bg>
       <p:bgPr>
         <a:solidFill>
           <a:schemeClr val="dk2"/>
         </a:solidFill>
+        <a:effectLst/>
       </p:bgPr>
     </p:bg>
     <p:spTree>
       <p:nvGrpSpPr>
-        <p:cNvPr id="95" name="Shape 95"/>
+        <p:cNvPr id="1" name="Shape 95"/>
         <p:cNvGrpSpPr/>
         <p:nvPr/>
       </p:nvGrpSpPr>
@@ -8129,12 +8034,12 @@
           </a:ln>
         </p:spPr>
         <p:txBody>
-          <a:bodyPr anchorCtr="0" anchor="ctr" bIns="91425" lIns="91425" spcFirstLastPara="1" rIns="91425" wrap="square" tIns="91425">
+          <a:bodyPr spcFirstLastPara="1" wrap="square" lIns="91425" tIns="91425" rIns="91425" bIns="91425" anchor="ctr" anchorCtr="0">
             <a:noAutofit/>
           </a:bodyPr>
           <a:lstStyle/>
           <a:p>
-            <a:pPr indent="0" lvl="0" marL="0" rtl="0" algn="l">
+            <a:pPr marL="0" lvl="0" indent="0" algn="l" rtl="0">
               <a:spcBef>
                 <a:spcPts val="0"/>
               </a:spcBef>
@@ -8143,9 +8048,6 @@
               </a:spcAft>
               <a:buNone/>
             </a:pPr>
-            <a:r>
-              <a:t/>
-            </a:r>
             <a:endParaRPr/>
           </a:p>
         </p:txBody>
@@ -8172,12 +8074,12 @@
           </a:ln>
         </p:spPr>
         <p:txBody>
-          <a:bodyPr anchorCtr="0" anchor="ctr" bIns="91425" lIns="91425" spcFirstLastPara="1" rIns="91425" wrap="square" tIns="91425">
+          <a:bodyPr spcFirstLastPara="1" wrap="square" lIns="91425" tIns="91425" rIns="91425" bIns="91425" anchor="ctr" anchorCtr="0">
             <a:noAutofit/>
           </a:bodyPr>
           <a:lstStyle/>
           <a:p>
-            <a:pPr indent="0" lvl="0" marL="0" rtl="0" algn="l">
+            <a:pPr marL="0" lvl="0" indent="0" algn="l" rtl="0">
               <a:spcBef>
                 <a:spcPts val="0"/>
               </a:spcBef>
@@ -8186,9 +8088,6 @@
               </a:spcAft>
               <a:buNone/>
             </a:pPr>
-            <a:r>
-              <a:t/>
-            </a:r>
             <a:endParaRPr/>
           </a:p>
         </p:txBody>
@@ -8214,7 +8113,7 @@
             <a:noFill/>
           </a:ln>
           <a:effectLst>
-            <a:outerShdw blurRad="228600" sx="101000" rotWithShape="0" algn="ctr" sy="101000">
+            <a:outerShdw blurRad="228600" sx="101000" sy="101000" algn="ctr" rotWithShape="0">
               <a:srgbClr val="000000">
                 <a:alpha val="40000"/>
               </a:srgbClr>
@@ -8222,12 +8121,12 @@
           </a:effectLst>
         </p:spPr>
         <p:txBody>
-          <a:bodyPr anchorCtr="0" anchor="ctr" bIns="91425" lIns="91425" spcFirstLastPara="1" rIns="91425" wrap="square" tIns="91425">
+          <a:bodyPr spcFirstLastPara="1" wrap="square" lIns="91425" tIns="91425" rIns="91425" bIns="91425" anchor="ctr" anchorCtr="0">
             <a:noAutofit/>
           </a:bodyPr>
           <a:lstStyle/>
           <a:p>
-            <a:pPr indent="0" lvl="0" marL="0" rtl="0" algn="l">
+            <a:pPr marL="0" lvl="0" indent="0" algn="l" rtl="0">
               <a:spcBef>
                 <a:spcPts val="0"/>
               </a:spcBef>
@@ -8236,9 +8135,6 @@
               </a:spcAft>
               <a:buNone/>
             </a:pPr>
-            <a:r>
-              <a:t/>
-            </a:r>
             <a:endParaRPr/>
           </a:p>
         </p:txBody>
@@ -8246,7 +8142,9 @@
       <p:sp>
         <p:nvSpPr>
           <p:cNvPr id="99" name="Google Shape;99;p9"/>
-          <p:cNvSpPr txBox="1"/>
+          <p:cNvSpPr txBox="1">
+            <a:spLocks noGrp="1"/>
+          </p:cNvSpPr>
           <p:nvPr>
             <p:ph type="title"/>
           </p:nvPr>
@@ -8261,7 +8159,7 @@
           </a:prstGeom>
         </p:spPr>
         <p:txBody>
-          <a:bodyPr anchorCtr="0" anchor="t" bIns="91425" lIns="91425" spcFirstLastPara="1" rIns="91425" wrap="square" tIns="91425">
+          <a:bodyPr spcFirstLastPara="1" wrap="square" lIns="91425" tIns="91425" rIns="91425" bIns="91425" anchor="t" anchorCtr="0">
             <a:normAutofit/>
           </a:bodyPr>
           <a:lstStyle>
@@ -8365,15 +8263,19 @@
               <a:defRPr sz="3000"/>
             </a:lvl9pPr>
           </a:lstStyle>
-          <a:p/>
+          <a:p>
+            <a:endParaRPr/>
+          </a:p>
         </p:txBody>
       </p:sp>
       <p:sp>
         <p:nvSpPr>
           <p:cNvPr id="100" name="Google Shape;100;p9"/>
-          <p:cNvSpPr txBox="1"/>
+          <p:cNvSpPr txBox="1">
+            <a:spLocks noGrp="1"/>
+          </p:cNvSpPr>
           <p:nvPr>
-            <p:ph idx="1" type="subTitle"/>
+            <p:ph type="subTitle" idx="1"/>
           </p:nvPr>
         </p:nvSpPr>
         <p:spPr>
@@ -8386,7 +8288,7 @@
           </a:prstGeom>
         </p:spPr>
         <p:txBody>
-          <a:bodyPr anchorCtr="0" anchor="t" bIns="91425" lIns="91425" spcFirstLastPara="1" rIns="91425" wrap="square" tIns="91425">
+          <a:bodyPr spcFirstLastPara="1" wrap="square" lIns="91425" tIns="91425" rIns="91425" bIns="91425" anchor="t" anchorCtr="0">
             <a:normAutofit/>
           </a:bodyPr>
           <a:lstStyle>
@@ -8580,15 +8482,19 @@
               </a:defRPr>
             </a:lvl9pPr>
           </a:lstStyle>
-          <a:p/>
+          <a:p>
+            <a:endParaRPr/>
+          </a:p>
         </p:txBody>
       </p:sp>
       <p:sp>
         <p:nvSpPr>
           <p:cNvPr id="101" name="Google Shape;101;p9"/>
-          <p:cNvSpPr txBox="1"/>
+          <p:cNvSpPr txBox="1">
+            <a:spLocks noGrp="1"/>
+          </p:cNvSpPr>
           <p:nvPr>
-            <p:ph idx="2" type="body"/>
+            <p:ph type="body" idx="2"/>
           </p:nvPr>
         </p:nvSpPr>
         <p:spPr>
@@ -8601,11 +8507,11 @@
           </a:prstGeom>
         </p:spPr>
         <p:txBody>
-          <a:bodyPr anchorCtr="0" anchor="t" bIns="91425" lIns="91425" spcFirstLastPara="1" rIns="91425" wrap="square" tIns="91425">
+          <a:bodyPr spcFirstLastPara="1" wrap="square" lIns="91425" tIns="91425" rIns="91425" bIns="91425" anchor="t" anchorCtr="0">
             <a:normAutofit/>
           </a:bodyPr>
           <a:lstStyle>
-            <a:lvl1pPr indent="-311150" lvl="0" marL="457200">
+            <a:lvl1pPr marL="457200" lvl="0" indent="-311150">
               <a:spcBef>
                 <a:spcPts val="0"/>
               </a:spcBef>
@@ -8616,7 +8522,7 @@
               <a:buChar char="●"/>
               <a:defRPr/>
             </a:lvl1pPr>
-            <a:lvl2pPr indent="-298450" lvl="1" marL="914400">
+            <a:lvl2pPr marL="914400" lvl="1" indent="-298450">
               <a:spcBef>
                 <a:spcPts val="0"/>
               </a:spcBef>
@@ -8627,7 +8533,7 @@
               <a:buChar char="○"/>
               <a:defRPr/>
             </a:lvl2pPr>
-            <a:lvl3pPr indent="-298450" lvl="2" marL="1371600">
+            <a:lvl3pPr marL="1371600" lvl="2" indent="-298450">
               <a:spcBef>
                 <a:spcPts val="0"/>
               </a:spcBef>
@@ -8638,7 +8544,7 @@
               <a:buChar char="■"/>
               <a:defRPr/>
             </a:lvl3pPr>
-            <a:lvl4pPr indent="-298450" lvl="3" marL="1828800">
+            <a:lvl4pPr marL="1828800" lvl="3" indent="-298450">
               <a:spcBef>
                 <a:spcPts val="0"/>
               </a:spcBef>
@@ -8649,7 +8555,7 @@
               <a:buChar char="●"/>
               <a:defRPr/>
             </a:lvl4pPr>
-            <a:lvl5pPr indent="-298450" lvl="4" marL="2286000">
+            <a:lvl5pPr marL="2286000" lvl="4" indent="-298450">
               <a:spcBef>
                 <a:spcPts val="0"/>
               </a:spcBef>
@@ -8660,7 +8566,7 @@
               <a:buChar char="○"/>
               <a:defRPr/>
             </a:lvl5pPr>
-            <a:lvl6pPr indent="-298450" lvl="5" marL="2743200">
+            <a:lvl6pPr marL="2743200" lvl="5" indent="-298450">
               <a:spcBef>
                 <a:spcPts val="0"/>
               </a:spcBef>
@@ -8671,7 +8577,7 @@
               <a:buChar char="■"/>
               <a:defRPr/>
             </a:lvl6pPr>
-            <a:lvl7pPr indent="-298450" lvl="6" marL="3200400">
+            <a:lvl7pPr marL="3200400" lvl="6" indent="-298450">
               <a:spcBef>
                 <a:spcPts val="0"/>
               </a:spcBef>
@@ -8682,7 +8588,7 @@
               <a:buChar char="●"/>
               <a:defRPr/>
             </a:lvl7pPr>
-            <a:lvl8pPr indent="-298450" lvl="7" marL="3657600">
+            <a:lvl8pPr marL="3657600" lvl="7" indent="-298450">
               <a:spcBef>
                 <a:spcPts val="0"/>
               </a:spcBef>
@@ -8693,7 +8599,7 @@
               <a:buChar char="○"/>
               <a:defRPr/>
             </a:lvl8pPr>
-            <a:lvl9pPr indent="-298450" lvl="8" marL="4114800">
+            <a:lvl9pPr marL="4114800" lvl="8" indent="-298450">
               <a:spcBef>
                 <a:spcPts val="0"/>
               </a:spcBef>
@@ -8705,15 +8611,19 @@
               <a:defRPr/>
             </a:lvl9pPr>
           </a:lstStyle>
-          <a:p/>
+          <a:p>
+            <a:endParaRPr/>
+          </a:p>
         </p:txBody>
       </p:sp>
       <p:sp>
         <p:nvSpPr>
           <p:cNvPr id="102" name="Google Shape;102;p9"/>
-          <p:cNvSpPr txBox="1"/>
+          <p:cNvSpPr txBox="1">
+            <a:spLocks noGrp="1"/>
+          </p:cNvSpPr>
           <p:nvPr>
-            <p:ph idx="12" type="sldNum"/>
+            <p:ph type="sldNum" idx="12"/>
           </p:nvPr>
         </p:nvSpPr>
         <p:spPr>
@@ -8726,7 +8636,7 @@
           </a:prstGeom>
         </p:spPr>
         <p:txBody>
-          <a:bodyPr anchorCtr="0" anchor="ctr" bIns="91425" lIns="91425" spcFirstLastPara="1" rIns="91425" wrap="square" tIns="91425">
+          <a:bodyPr spcFirstLastPara="1" wrap="square" lIns="91425" tIns="91425" rIns="91425" bIns="91425" anchor="ctr" anchorCtr="0">
             <a:normAutofit/>
           </a:bodyPr>
           <a:lstStyle>
@@ -8768,7 +8678,7 @@
             </a:lvl9pPr>
           </a:lstStyle>
           <a:p>
-            <a:pPr indent="0" lvl="0" marL="0" rtl="0" algn="r">
+            <a:pPr marL="0" lvl="0" indent="0" algn="r" rtl="0">
               <a:spcBef>
                 <a:spcPts val="0"/>
               </a:spcBef>
@@ -8794,18 +8704,19 @@
 </file>
 
 <file path=ppt/slideLayouts/slideLayout9.xml><?xml version="1.0" encoding="utf-8"?>
-<p:sldLayout xmlns:a="http://schemas.openxmlformats.org/drawingml/2006/main" xmlns:r="http://schemas.openxmlformats.org/officeDocument/2006/relationships" xmlns:mc="http://schemas.openxmlformats.org/markup-compatibility/2006" xmlns:mv="urn:schemas-microsoft-com:mac:vml" xmlns:p="http://schemas.openxmlformats.org/presentationml/2006/main" xmlns:c="http://schemas.openxmlformats.org/drawingml/2006/chart" xmlns:dgm="http://schemas.openxmlformats.org/drawingml/2006/diagram" xmlns:o="urn:schemas-microsoft-com:office:office" xmlns:v="urn:schemas-microsoft-com:vml" xmlns:pvml="urn:schemas-microsoft-com:office:powerpoint" xmlns:com="http://schemas.openxmlformats.org/drawingml/2006/compatibility" xmlns:p14="http://schemas.microsoft.com/office/powerpoint/2010/main" xmlns:p15="http://schemas.microsoft.com/office/powerpoint/2012/main" xmlns:ahyp="http://schemas.microsoft.com/office/drawing/2018/hyperlinkcolor" matchingName="Caption">
+<p:sldLayout xmlns:a="http://schemas.openxmlformats.org/drawingml/2006/main" xmlns:r="http://schemas.openxmlformats.org/officeDocument/2006/relationships" xmlns:p="http://schemas.openxmlformats.org/presentationml/2006/main" matchingName="Caption">
   <p:cSld name="CAPTION_ONLY">
     <p:bg>
       <p:bgPr>
         <a:solidFill>
           <a:schemeClr val="accent1"/>
         </a:solidFill>
+        <a:effectLst/>
       </p:bgPr>
     </p:bg>
     <p:spTree>
       <p:nvGrpSpPr>
-        <p:cNvPr id="103" name="Shape 103"/>
+        <p:cNvPr id="1" name="Shape 103"/>
         <p:cNvGrpSpPr/>
         <p:nvPr/>
       </p:nvGrpSpPr>
@@ -8839,12 +8750,12 @@
           </a:ln>
         </p:spPr>
         <p:txBody>
-          <a:bodyPr anchorCtr="0" anchor="ctr" bIns="91425" lIns="91425" spcFirstLastPara="1" rIns="91425" wrap="square" tIns="91425">
+          <a:bodyPr spcFirstLastPara="1" wrap="square" lIns="91425" tIns="91425" rIns="91425" bIns="91425" anchor="ctr" anchorCtr="0">
             <a:noAutofit/>
           </a:bodyPr>
           <a:lstStyle/>
           <a:p>
-            <a:pPr indent="0" lvl="0" marL="0" rtl="0" algn="l">
+            <a:pPr marL="0" lvl="0" indent="0" algn="l" rtl="0">
               <a:spcBef>
                 <a:spcPts val="0"/>
               </a:spcBef>
@@ -8853,9 +8764,6 @@
               </a:spcAft>
               <a:buNone/>
             </a:pPr>
-            <a:r>
-              <a:t/>
-            </a:r>
             <a:endParaRPr/>
           </a:p>
         </p:txBody>
@@ -8882,12 +8790,12 @@
           </a:ln>
         </p:spPr>
         <p:txBody>
-          <a:bodyPr anchorCtr="0" anchor="ctr" bIns="91425" lIns="91425" spcFirstLastPara="1" rIns="91425" wrap="square" tIns="91425">
+          <a:bodyPr spcFirstLastPara="1" wrap="square" lIns="91425" tIns="91425" rIns="91425" bIns="91425" anchor="ctr" anchorCtr="0">
             <a:noAutofit/>
           </a:bodyPr>
           <a:lstStyle/>
           <a:p>
-            <a:pPr indent="0" lvl="0" marL="0" rtl="0" algn="l">
+            <a:pPr marL="0" lvl="0" indent="0" algn="l" rtl="0">
               <a:spcBef>
                 <a:spcPts val="0"/>
               </a:spcBef>
@@ -8896,9 +8804,6 @@
               </a:spcAft>
               <a:buNone/>
             </a:pPr>
-            <a:r>
-              <a:t/>
-            </a:r>
             <a:endParaRPr/>
           </a:p>
         </p:txBody>
@@ -8924,7 +8829,7 @@
             <a:noFill/>
           </a:ln>
           <a:effectLst>
-            <a:outerShdw blurRad="228600" sx="101000" rotWithShape="0" algn="ctr" sy="101000">
+            <a:outerShdw blurRad="228600" sx="101000" sy="101000" algn="ctr" rotWithShape="0">
               <a:srgbClr val="000000">
                 <a:alpha val="40000"/>
               </a:srgbClr>
@@ -8932,12 +8837,12 @@
           </a:effectLst>
         </p:spPr>
         <p:txBody>
-          <a:bodyPr anchorCtr="0" anchor="ctr" bIns="91425" lIns="91425" spcFirstLastPara="1" rIns="91425" wrap="square" tIns="91425">
+          <a:bodyPr spcFirstLastPara="1" wrap="square" lIns="91425" tIns="91425" rIns="91425" bIns="91425" anchor="ctr" anchorCtr="0">
             <a:noAutofit/>
           </a:bodyPr>
           <a:lstStyle/>
           <a:p>
-            <a:pPr indent="0" lvl="0" marL="0" rtl="0" algn="l">
+            <a:pPr marL="0" lvl="0" indent="0" algn="l" rtl="0">
               <a:spcBef>
                 <a:spcPts val="0"/>
               </a:spcBef>
@@ -8946,9 +8851,6 @@
               </a:spcAft>
               <a:buNone/>
             </a:pPr>
-            <a:r>
-              <a:t/>
-            </a:r>
             <a:endParaRPr/>
           </a:p>
         </p:txBody>
@@ -8956,9 +8858,11 @@
       <p:sp>
         <p:nvSpPr>
           <p:cNvPr id="107" name="Google Shape;107;p10"/>
-          <p:cNvSpPr txBox="1"/>
+          <p:cNvSpPr txBox="1">
+            <a:spLocks noGrp="1"/>
+          </p:cNvSpPr>
           <p:nvPr>
-            <p:ph idx="1" type="body"/>
+            <p:ph type="body" idx="1"/>
           </p:nvPr>
         </p:nvSpPr>
         <p:spPr>
@@ -8971,11 +8875,11 @@
           </a:prstGeom>
         </p:spPr>
         <p:txBody>
-          <a:bodyPr anchorCtr="0" anchor="b" bIns="91425" lIns="91425" spcFirstLastPara="1" rIns="91425" wrap="square" tIns="91425">
+          <a:bodyPr spcFirstLastPara="1" wrap="square" lIns="91425" tIns="91425" rIns="91425" bIns="91425" anchor="b" anchorCtr="0">
             <a:normAutofit/>
           </a:bodyPr>
           <a:lstStyle>
-            <a:lvl1pPr indent="-228600" lvl="0" marL="457200">
+            <a:lvl1pPr marL="457200" lvl="0" indent="-228600">
               <a:lnSpc>
                 <a:spcPct val="100000"/>
               </a:lnSpc>
@@ -8990,15 +8894,19 @@
               <a:defRPr/>
             </a:lvl1pPr>
           </a:lstStyle>
-          <a:p/>
+          <a:p>
+            <a:endParaRPr/>
+          </a:p>
         </p:txBody>
       </p:sp>
       <p:sp>
         <p:nvSpPr>
           <p:cNvPr id="108" name="Google Shape;108;p10"/>
-          <p:cNvSpPr txBox="1"/>
+          <p:cNvSpPr txBox="1">
+            <a:spLocks noGrp="1"/>
+          </p:cNvSpPr>
           <p:nvPr>
-            <p:ph idx="12" type="sldNum"/>
+            <p:ph type="sldNum" idx="12"/>
           </p:nvPr>
         </p:nvSpPr>
         <p:spPr>
@@ -9011,7 +8919,7 @@
           </a:prstGeom>
         </p:spPr>
         <p:txBody>
-          <a:bodyPr anchorCtr="0" anchor="ctr" bIns="91425" lIns="91425" spcFirstLastPara="1" rIns="91425" wrap="square" tIns="91425">
+          <a:bodyPr spcFirstLastPara="1" wrap="square" lIns="91425" tIns="91425" rIns="91425" bIns="91425" anchor="ctr" anchorCtr="0">
             <a:normAutofit/>
           </a:bodyPr>
           <a:lstStyle>
@@ -9053,7 +8961,7 @@
             </a:lvl9pPr>
           </a:lstStyle>
           <a:p>
-            <a:pPr indent="0" lvl="0" marL="0" rtl="0" algn="r">
+            <a:pPr marL="0" lvl="0" indent="0" algn="r" rtl="0">
               <a:spcBef>
                 <a:spcPts val="0"/>
               </a:spcBef>
@@ -9079,18 +8987,19 @@
 </file>
 
 <file path=ppt/slideMasters/slideMaster1.xml><?xml version="1.0" encoding="utf-8"?>
-<p:sldMaster xmlns:a="http://schemas.openxmlformats.org/drawingml/2006/main" xmlns:r="http://schemas.openxmlformats.org/officeDocument/2006/relationships" xmlns:mc="http://schemas.openxmlformats.org/markup-compatibility/2006" xmlns:mv="urn:schemas-microsoft-com:mac:vml" xmlns:p="http://schemas.openxmlformats.org/presentationml/2006/main" xmlns:c="http://schemas.openxmlformats.org/drawingml/2006/chart" xmlns:dgm="http://schemas.openxmlformats.org/drawingml/2006/diagram" xmlns:o="urn:schemas-microsoft-com:office:office" xmlns:v="urn:schemas-microsoft-com:vml" xmlns:pvml="urn:schemas-microsoft-com:office:powerpoint" xmlns:com="http://schemas.openxmlformats.org/drawingml/2006/compatibility" xmlns:p14="http://schemas.microsoft.com/office/powerpoint/2010/main" xmlns:p15="http://schemas.microsoft.com/office/powerpoint/2012/main" xmlns:ahyp="http://schemas.microsoft.com/office/drawing/2018/hyperlinkcolor">
+<p:sldMaster xmlns:a="http://schemas.openxmlformats.org/drawingml/2006/main" xmlns:r="http://schemas.openxmlformats.org/officeDocument/2006/relationships" xmlns:p="http://schemas.openxmlformats.org/presentationml/2006/main">
   <p:cSld name="shift">
     <p:bg>
       <p:bgPr>
         <a:solidFill>
           <a:schemeClr val="dk1"/>
         </a:solidFill>
+        <a:effectLst/>
       </p:bgPr>
     </p:bg>
     <p:spTree>
       <p:nvGrpSpPr>
-        <p:cNvPr id="5" name="Shape 5"/>
+        <p:cNvPr id="1" name="Shape 5"/>
         <p:cNvGrpSpPr/>
         <p:nvPr/>
       </p:nvGrpSpPr>
@@ -9105,7 +9014,9 @@
       <p:sp>
         <p:nvSpPr>
           <p:cNvPr id="6" name="Google Shape;6;p1"/>
-          <p:cNvSpPr txBox="1"/>
+          <p:cNvSpPr txBox="1">
+            <a:spLocks noGrp="1"/>
+          </p:cNvSpPr>
           <p:nvPr>
             <p:ph type="title"/>
           </p:nvPr>
@@ -9124,7 +9035,7 @@
           </a:ln>
         </p:spPr>
         <p:txBody>
-          <a:bodyPr anchorCtr="0" anchor="t" bIns="91425" lIns="91425" spcFirstLastPara="1" rIns="91425" wrap="square" tIns="91425">
+          <a:bodyPr spcFirstLastPara="1" wrap="square" lIns="91425" tIns="91425" rIns="91425" bIns="91425" anchor="t" anchorCtr="0">
             <a:normAutofit/>
           </a:bodyPr>
           <a:lstStyle>
@@ -9336,15 +9247,19 @@
               </a:defRPr>
             </a:lvl9pPr>
           </a:lstStyle>
-          <a:p/>
+          <a:p>
+            <a:endParaRPr/>
+          </a:p>
         </p:txBody>
       </p:sp>
       <p:sp>
         <p:nvSpPr>
           <p:cNvPr id="7" name="Google Shape;7;p1"/>
-          <p:cNvSpPr txBox="1"/>
+          <p:cNvSpPr txBox="1">
+            <a:spLocks noGrp="1"/>
+          </p:cNvSpPr>
           <p:nvPr>
-            <p:ph idx="1" type="body"/>
+            <p:ph type="body" idx="1"/>
           </p:nvPr>
         </p:nvSpPr>
         <p:spPr>
@@ -9361,11 +9276,11 @@
           </a:ln>
         </p:spPr>
         <p:txBody>
-          <a:bodyPr anchorCtr="0" anchor="t" bIns="91425" lIns="91425" spcFirstLastPara="1" rIns="91425" wrap="square" tIns="91425">
+          <a:bodyPr spcFirstLastPara="1" wrap="square" lIns="91425" tIns="91425" rIns="91425" bIns="91425" anchor="t" anchorCtr="0">
             <a:normAutofit/>
           </a:bodyPr>
           <a:lstStyle>
-            <a:lvl1pPr indent="-311150" lvl="0" marL="457200">
+            <a:lvl1pPr marL="457200" lvl="0" indent="-311150">
               <a:lnSpc>
                 <a:spcPct val="115000"/>
               </a:lnSpc>
@@ -9391,7 +9306,7 @@
                 <a:sym typeface="Calibri"/>
               </a:defRPr>
             </a:lvl1pPr>
-            <a:lvl2pPr indent="-298450" lvl="1" marL="914400">
+            <a:lvl2pPr marL="914400" lvl="1" indent="-298450">
               <a:lnSpc>
                 <a:spcPct val="115000"/>
               </a:lnSpc>
@@ -9417,7 +9332,7 @@
                 <a:sym typeface="Calibri"/>
               </a:defRPr>
             </a:lvl2pPr>
-            <a:lvl3pPr indent="-298450" lvl="2" marL="1371600">
+            <a:lvl3pPr marL="1371600" lvl="2" indent="-298450">
               <a:lnSpc>
                 <a:spcPct val="115000"/>
               </a:lnSpc>
@@ -9443,7 +9358,7 @@
                 <a:sym typeface="Calibri"/>
               </a:defRPr>
             </a:lvl3pPr>
-            <a:lvl4pPr indent="-298450" lvl="3" marL="1828800">
+            <a:lvl4pPr marL="1828800" lvl="3" indent="-298450">
               <a:lnSpc>
                 <a:spcPct val="115000"/>
               </a:lnSpc>
@@ -9469,7 +9384,7 @@
                 <a:sym typeface="Calibri"/>
               </a:defRPr>
             </a:lvl4pPr>
-            <a:lvl5pPr indent="-298450" lvl="4" marL="2286000">
+            <a:lvl5pPr marL="2286000" lvl="4" indent="-298450">
               <a:lnSpc>
                 <a:spcPct val="115000"/>
               </a:lnSpc>
@@ -9495,7 +9410,7 @@
                 <a:sym typeface="Calibri"/>
               </a:defRPr>
             </a:lvl5pPr>
-            <a:lvl6pPr indent="-298450" lvl="5" marL="2743200">
+            <a:lvl6pPr marL="2743200" lvl="5" indent="-298450">
               <a:lnSpc>
                 <a:spcPct val="115000"/>
               </a:lnSpc>
@@ -9521,7 +9436,7 @@
                 <a:sym typeface="Calibri"/>
               </a:defRPr>
             </a:lvl6pPr>
-            <a:lvl7pPr indent="-298450" lvl="6" marL="3200400">
+            <a:lvl7pPr marL="3200400" lvl="6" indent="-298450">
               <a:lnSpc>
                 <a:spcPct val="115000"/>
               </a:lnSpc>
@@ -9547,7 +9462,7 @@
                 <a:sym typeface="Calibri"/>
               </a:defRPr>
             </a:lvl7pPr>
-            <a:lvl8pPr indent="-298450" lvl="7" marL="3657600">
+            <a:lvl8pPr marL="3657600" lvl="7" indent="-298450">
               <a:lnSpc>
                 <a:spcPct val="115000"/>
               </a:lnSpc>
@@ -9573,7 +9488,7 @@
                 <a:sym typeface="Calibri"/>
               </a:defRPr>
             </a:lvl8pPr>
-            <a:lvl9pPr indent="-298450" lvl="8" marL="4114800">
+            <a:lvl9pPr marL="4114800" lvl="8" indent="-298450">
               <a:lnSpc>
                 <a:spcPct val="115000"/>
               </a:lnSpc>
@@ -9600,15 +9515,19 @@
               </a:defRPr>
             </a:lvl9pPr>
           </a:lstStyle>
-          <a:p/>
+          <a:p>
+            <a:endParaRPr/>
+          </a:p>
         </p:txBody>
       </p:sp>
       <p:sp>
         <p:nvSpPr>
           <p:cNvPr id="8" name="Google Shape;8;p1"/>
-          <p:cNvSpPr txBox="1"/>
+          <p:cNvSpPr txBox="1">
+            <a:spLocks noGrp="1"/>
+          </p:cNvSpPr>
           <p:nvPr>
-            <p:ph idx="12" type="sldNum"/>
+            <p:ph type="sldNum" idx="12"/>
           </p:nvPr>
         </p:nvSpPr>
         <p:spPr>
@@ -9625,7 +9544,7 @@
           </a:ln>
         </p:spPr>
         <p:txBody>
-          <a:bodyPr anchorCtr="0" anchor="ctr" bIns="91425" lIns="91425" spcFirstLastPara="1" rIns="91425" wrap="square" tIns="91425">
+          <a:bodyPr spcFirstLastPara="1" wrap="square" lIns="91425" tIns="91425" rIns="91425" bIns="91425" anchor="ctr" anchorCtr="0">
             <a:normAutofit/>
           </a:bodyPr>
           <a:lstStyle>
@@ -9739,7 +9658,7 @@
             </a:lvl9pPr>
           </a:lstStyle>
           <a:p>
-            <a:pPr indent="0" lvl="0" marL="0" rtl="0" algn="r">
+            <a:pPr marL="0" lvl="0" indent="0" algn="r" rtl="0">
               <a:spcBef>
                 <a:spcPts val="0"/>
               </a:spcBef>
@@ -9758,7 +9677,7 @@
       </p:sp>
     </p:spTree>
   </p:cSld>
-  <p:clrMap accent1="accent1" accent2="accent2" accent3="accent3" accent4="accent4" accent5="accent5" accent6="accent6" bg1="lt1" bg2="dk2" tx1="dk1" tx2="lt2" folHlink="folHlink" hlink="hlink"/>
+  <p:clrMap bg1="lt1" tx1="dk1" bg2="dk2" tx2="lt2" accent1="accent1" accent2="accent2" accent3="accent3" accent4="accent4" accent5="accent5" accent6="accent6" hlink="hlink" folHlink="folHlink"/>
   <p:sldLayoutIdLst>
     <p:sldLayoutId id="2147483648" r:id="rId1"/>
     <p:sldLayoutId id="2147483649" r:id="rId2"/>
@@ -9772,10 +9691,10 @@
     <p:sldLayoutId id="2147483657" r:id="rId10"/>
     <p:sldLayoutId id="2147483658" r:id="rId11"/>
   </p:sldLayoutIdLst>
-  <p:hf dt="0" ftr="0" hdr="0" sldNum="0"/>
+  <p:hf sldNum="0" hdr="0" ftr="0" dt="0"/>
   <p:txStyles>
     <p:titleStyle>
-      <a:defPPr lvl="0" marR="0" rtl="0" algn="l">
+      <a:defPPr marR="0" lvl="0" algn="l" rtl="0">
         <a:lnSpc>
           <a:spcPct val="100000"/>
         </a:lnSpc>
@@ -9786,7 +9705,7 @@
           <a:spcPts val="0"/>
         </a:spcAft>
       </a:defPPr>
-      <a:lvl1pPr lvl="0" marR="0" rtl="0" algn="l">
+      <a:lvl1pPr marR="0" lvl="0" algn="l" rtl="0">
         <a:lnSpc>
           <a:spcPct val="100000"/>
         </a:lnSpc>
@@ -9800,7 +9719,7 @@
           <a:srgbClr val="000000"/>
         </a:buClr>
         <a:buFont typeface="Arial"/>
-        <a:defRPr b="0" i="0" sz="1400" u="none" cap="none" strike="noStrike">
+        <a:defRPr sz="1400" b="0" i="0" u="none" strike="noStrike" cap="none">
           <a:solidFill>
             <a:srgbClr val="000000"/>
           </a:solidFill>
@@ -9810,7 +9729,7 @@
           <a:sym typeface="Arial"/>
         </a:defRPr>
       </a:lvl1pPr>
-      <a:lvl2pPr lvl="1" marR="0" rtl="0" algn="l">
+      <a:lvl2pPr marR="0" lvl="1" algn="l" rtl="0">
         <a:lnSpc>
           <a:spcPct val="100000"/>
         </a:lnSpc>
@@ -9824,7 +9743,7 @@
           <a:srgbClr val="000000"/>
         </a:buClr>
         <a:buFont typeface="Arial"/>
-        <a:defRPr b="0" i="0" sz="1400" u="none" cap="none" strike="noStrike">
+        <a:defRPr sz="1400" b="0" i="0" u="none" strike="noStrike" cap="none">
           <a:solidFill>
             <a:srgbClr val="000000"/>
           </a:solidFill>
@@ -9834,7 +9753,7 @@
           <a:sym typeface="Arial"/>
         </a:defRPr>
       </a:lvl2pPr>
-      <a:lvl3pPr lvl="2" marR="0" rtl="0" algn="l">
+      <a:lvl3pPr marR="0" lvl="2" algn="l" rtl="0">
         <a:lnSpc>
           <a:spcPct val="100000"/>
         </a:lnSpc>
@@ -9848,7 +9767,7 @@
           <a:srgbClr val="000000"/>
         </a:buClr>
         <a:buFont typeface="Arial"/>
-        <a:defRPr b="0" i="0" sz="1400" u="none" cap="none" strike="noStrike">
+        <a:defRPr sz="1400" b="0" i="0" u="none" strike="noStrike" cap="none">
           <a:solidFill>
             <a:srgbClr val="000000"/>
           </a:solidFill>
@@ -9858,7 +9777,7 @@
           <a:sym typeface="Arial"/>
         </a:defRPr>
       </a:lvl3pPr>
-      <a:lvl4pPr lvl="3" marR="0" rtl="0" algn="l">
+      <a:lvl4pPr marR="0" lvl="3" algn="l" rtl="0">
         <a:lnSpc>
           <a:spcPct val="100000"/>
         </a:lnSpc>
@@ -9872,7 +9791,7 @@
           <a:srgbClr val="000000"/>
         </a:buClr>
         <a:buFont typeface="Arial"/>
-        <a:defRPr b="0" i="0" sz="1400" u="none" cap="none" strike="noStrike">
+        <a:defRPr sz="1400" b="0" i="0" u="none" strike="noStrike" cap="none">
           <a:solidFill>
             <a:srgbClr val="000000"/>
           </a:solidFill>
@@ -9882,7 +9801,7 @@
           <a:sym typeface="Arial"/>
         </a:defRPr>
       </a:lvl4pPr>
-      <a:lvl5pPr lvl="4" marR="0" rtl="0" algn="l">
+      <a:lvl5pPr marR="0" lvl="4" algn="l" rtl="0">
         <a:lnSpc>
           <a:spcPct val="100000"/>
         </a:lnSpc>
@@ -9896,7 +9815,7 @@
           <a:srgbClr val="000000"/>
         </a:buClr>
         <a:buFont typeface="Arial"/>
-        <a:defRPr b="0" i="0" sz="1400" u="none" cap="none" strike="noStrike">
+        <a:defRPr sz="1400" b="0" i="0" u="none" strike="noStrike" cap="none">
           <a:solidFill>
             <a:srgbClr val="000000"/>
           </a:solidFill>
@@ -9906,7 +9825,7 @@
           <a:sym typeface="Arial"/>
         </a:defRPr>
       </a:lvl5pPr>
-      <a:lvl6pPr lvl="5" marR="0" rtl="0" algn="l">
+      <a:lvl6pPr marR="0" lvl="5" algn="l" rtl="0">
         <a:lnSpc>
           <a:spcPct val="100000"/>
         </a:lnSpc>
@@ -9920,7 +9839,7 @@
           <a:srgbClr val="000000"/>
         </a:buClr>
         <a:buFont typeface="Arial"/>
-        <a:defRPr b="0" i="0" sz="1400" u="none" cap="none" strike="noStrike">
+        <a:defRPr sz="1400" b="0" i="0" u="none" strike="noStrike" cap="none">
           <a:solidFill>
             <a:srgbClr val="000000"/>
           </a:solidFill>
@@ -9930,7 +9849,7 @@
           <a:sym typeface="Arial"/>
         </a:defRPr>
       </a:lvl6pPr>
-      <a:lvl7pPr lvl="6" marR="0" rtl="0" algn="l">
+      <a:lvl7pPr marR="0" lvl="6" algn="l" rtl="0">
         <a:lnSpc>
           <a:spcPct val="100000"/>
         </a:lnSpc>
@@ -9944,7 +9863,7 @@
           <a:srgbClr val="000000"/>
         </a:buClr>
         <a:buFont typeface="Arial"/>
-        <a:defRPr b="0" i="0" sz="1400" u="none" cap="none" strike="noStrike">
+        <a:defRPr sz="1400" b="0" i="0" u="none" strike="noStrike" cap="none">
           <a:solidFill>
             <a:srgbClr val="000000"/>
           </a:solidFill>
@@ -9954,7 +9873,7 @@
           <a:sym typeface="Arial"/>
         </a:defRPr>
       </a:lvl7pPr>
-      <a:lvl8pPr lvl="7" marR="0" rtl="0" algn="l">
+      <a:lvl8pPr marR="0" lvl="7" algn="l" rtl="0">
         <a:lnSpc>
           <a:spcPct val="100000"/>
         </a:lnSpc>
@@ -9968,7 +9887,7 @@
           <a:srgbClr val="000000"/>
         </a:buClr>
         <a:buFont typeface="Arial"/>
-        <a:defRPr b="0" i="0" sz="1400" u="none" cap="none" strike="noStrike">
+        <a:defRPr sz="1400" b="0" i="0" u="none" strike="noStrike" cap="none">
           <a:solidFill>
             <a:srgbClr val="000000"/>
           </a:solidFill>
@@ -9978,7 +9897,7 @@
           <a:sym typeface="Arial"/>
         </a:defRPr>
       </a:lvl8pPr>
-      <a:lvl9pPr lvl="8" marR="0" rtl="0" algn="l">
+      <a:lvl9pPr marR="0" lvl="8" algn="l" rtl="0">
         <a:lnSpc>
           <a:spcPct val="100000"/>
         </a:lnSpc>
@@ -9992,7 +9911,7 @@
           <a:srgbClr val="000000"/>
         </a:buClr>
         <a:buFont typeface="Arial"/>
-        <a:defRPr b="0" i="0" sz="1400" u="none" cap="none" strike="noStrike">
+        <a:defRPr sz="1400" b="0" i="0" u="none" strike="noStrike" cap="none">
           <a:solidFill>
             <a:srgbClr val="000000"/>
           </a:solidFill>
@@ -10004,7 +9923,7 @@
       </a:lvl9pPr>
     </p:titleStyle>
     <p:bodyStyle>
-      <a:defPPr lvl="0" marR="0" rtl="0" algn="l">
+      <a:defPPr marR="0" lvl="0" algn="l" rtl="0">
         <a:lnSpc>
           <a:spcPct val="100000"/>
         </a:lnSpc>
@@ -10015,7 +9934,7 @@
           <a:spcPts val="0"/>
         </a:spcAft>
       </a:defPPr>
-      <a:lvl1pPr lvl="0" marR="0" rtl="0" algn="l">
+      <a:lvl1pPr marR="0" lvl="0" algn="l" rtl="0">
         <a:lnSpc>
           <a:spcPct val="100000"/>
         </a:lnSpc>
@@ -10029,7 +9948,7 @@
           <a:srgbClr val="000000"/>
         </a:buClr>
         <a:buFont typeface="Arial"/>
-        <a:defRPr b="0" i="0" sz="1400" u="none" cap="none" strike="noStrike">
+        <a:defRPr sz="1400" b="0" i="0" u="none" strike="noStrike" cap="none">
           <a:solidFill>
             <a:srgbClr val="000000"/>
           </a:solidFill>
@@ -10039,7 +9958,7 @@
           <a:sym typeface="Arial"/>
         </a:defRPr>
       </a:lvl1pPr>
-      <a:lvl2pPr lvl="1" marR="0" rtl="0" algn="l">
+      <a:lvl2pPr marR="0" lvl="1" algn="l" rtl="0">
         <a:lnSpc>
           <a:spcPct val="100000"/>
         </a:lnSpc>
@@ -10053,7 +9972,7 @@
           <a:srgbClr val="000000"/>
         </a:buClr>
         <a:buFont typeface="Arial"/>
-        <a:defRPr b="0" i="0" sz="1400" u="none" cap="none" strike="noStrike">
+        <a:defRPr sz="1400" b="0" i="0" u="none" strike="noStrike" cap="none">
           <a:solidFill>
             <a:srgbClr val="000000"/>
           </a:solidFill>
@@ -10063,7 +9982,7 @@
           <a:sym typeface="Arial"/>
         </a:defRPr>
       </a:lvl2pPr>
-      <a:lvl3pPr lvl="2" marR="0" rtl="0" algn="l">
+      <a:lvl3pPr marR="0" lvl="2" algn="l" rtl="0">
         <a:lnSpc>
           <a:spcPct val="100000"/>
         </a:lnSpc>
@@ -10077,7 +9996,7 @@
           <a:srgbClr val="000000"/>
         </a:buClr>
         <a:buFont typeface="Arial"/>
-        <a:defRPr b="0" i="0" sz="1400" u="none" cap="none" strike="noStrike">
+        <a:defRPr sz="1400" b="0" i="0" u="none" strike="noStrike" cap="none">
           <a:solidFill>
             <a:srgbClr val="000000"/>
           </a:solidFill>
@@ -10087,7 +10006,7 @@
           <a:sym typeface="Arial"/>
         </a:defRPr>
       </a:lvl3pPr>
-      <a:lvl4pPr lvl="3" marR="0" rtl="0" algn="l">
+      <a:lvl4pPr marR="0" lvl="3" algn="l" rtl="0">
         <a:lnSpc>
           <a:spcPct val="100000"/>
         </a:lnSpc>
@@ -10101,7 +10020,7 @@
           <a:srgbClr val="000000"/>
         </a:buClr>
         <a:buFont typeface="Arial"/>
-        <a:defRPr b="0" i="0" sz="1400" u="none" cap="none" strike="noStrike">
+        <a:defRPr sz="1400" b="0" i="0" u="none" strike="noStrike" cap="none">
           <a:solidFill>
             <a:srgbClr val="000000"/>
           </a:solidFill>
@@ -10111,7 +10030,7 @@
           <a:sym typeface="Arial"/>
         </a:defRPr>
       </a:lvl4pPr>
-      <a:lvl5pPr lvl="4" marR="0" rtl="0" algn="l">
+      <a:lvl5pPr marR="0" lvl="4" algn="l" rtl="0">
         <a:lnSpc>
           <a:spcPct val="100000"/>
         </a:lnSpc>
@@ -10125,7 +10044,7 @@
           <a:srgbClr val="000000"/>
         </a:buClr>
         <a:buFont typeface="Arial"/>
-        <a:defRPr b="0" i="0" sz="1400" u="none" cap="none" strike="noStrike">
+        <a:defRPr sz="1400" b="0" i="0" u="none" strike="noStrike" cap="none">
           <a:solidFill>
             <a:srgbClr val="000000"/>
           </a:solidFill>
@@ -10135,7 +10054,7 @@
           <a:sym typeface="Arial"/>
         </a:defRPr>
       </a:lvl5pPr>
-      <a:lvl6pPr lvl="5" marR="0" rtl="0" algn="l">
+      <a:lvl6pPr marR="0" lvl="5" algn="l" rtl="0">
         <a:lnSpc>
           <a:spcPct val="100000"/>
         </a:lnSpc>
@@ -10149,7 +10068,7 @@
           <a:srgbClr val="000000"/>
         </a:buClr>
         <a:buFont typeface="Arial"/>
-        <a:defRPr b="0" i="0" sz="1400" u="none" cap="none" strike="noStrike">
+        <a:defRPr sz="1400" b="0" i="0" u="none" strike="noStrike" cap="none">
           <a:solidFill>
             <a:srgbClr val="000000"/>
           </a:solidFill>
@@ -10159,7 +10078,7 @@
           <a:sym typeface="Arial"/>
         </a:defRPr>
       </a:lvl6pPr>
-      <a:lvl7pPr lvl="6" marR="0" rtl="0" algn="l">
+      <a:lvl7pPr marR="0" lvl="6" algn="l" rtl="0">
         <a:lnSpc>
           <a:spcPct val="100000"/>
         </a:lnSpc>
@@ -10173,7 +10092,7 @@
           <a:srgbClr val="000000"/>
         </a:buClr>
         <a:buFont typeface="Arial"/>
-        <a:defRPr b="0" i="0" sz="1400" u="none" cap="none" strike="noStrike">
+        <a:defRPr sz="1400" b="0" i="0" u="none" strike="noStrike" cap="none">
           <a:solidFill>
             <a:srgbClr val="000000"/>
           </a:solidFill>
@@ -10183,7 +10102,7 @@
           <a:sym typeface="Arial"/>
         </a:defRPr>
       </a:lvl7pPr>
-      <a:lvl8pPr lvl="7" marR="0" rtl="0" algn="l">
+      <a:lvl8pPr marR="0" lvl="7" algn="l" rtl="0">
         <a:lnSpc>
           <a:spcPct val="100000"/>
         </a:lnSpc>
@@ -10197,7 +10116,7 @@
           <a:srgbClr val="000000"/>
         </a:buClr>
         <a:buFont typeface="Arial"/>
-        <a:defRPr b="0" i="0" sz="1400" u="none" cap="none" strike="noStrike">
+        <a:defRPr sz="1400" b="0" i="0" u="none" strike="noStrike" cap="none">
           <a:solidFill>
             <a:srgbClr val="000000"/>
           </a:solidFill>
@@ -10207,7 +10126,7 @@
           <a:sym typeface="Arial"/>
         </a:defRPr>
       </a:lvl8pPr>
-      <a:lvl9pPr lvl="8" marR="0" rtl="0" algn="l">
+      <a:lvl9pPr marR="0" lvl="8" algn="l" rtl="0">
         <a:lnSpc>
           <a:spcPct val="100000"/>
         </a:lnSpc>
@@ -10221,7 +10140,7 @@
           <a:srgbClr val="000000"/>
         </a:buClr>
         <a:buFont typeface="Arial"/>
-        <a:defRPr b="0" i="0" sz="1400" u="none" cap="none" strike="noStrike">
+        <a:defRPr sz="1400" b="0" i="0" u="none" strike="noStrike" cap="none">
           <a:solidFill>
             <a:srgbClr val="000000"/>
           </a:solidFill>
@@ -10233,7 +10152,7 @@
       </a:lvl9pPr>
     </p:bodyStyle>
     <p:otherStyle>
-      <a:defPPr lvl="0" marR="0" rtl="0" algn="l">
+      <a:defPPr marR="0" lvl="0" algn="l" rtl="0">
         <a:lnSpc>
           <a:spcPct val="100000"/>
         </a:lnSpc>
@@ -10244,7 +10163,7 @@
           <a:spcPts val="0"/>
         </a:spcAft>
       </a:defPPr>
-      <a:lvl1pPr lvl="0" marR="0" rtl="0" algn="l">
+      <a:lvl1pPr marR="0" lvl="0" algn="l" rtl="0">
         <a:lnSpc>
           <a:spcPct val="100000"/>
         </a:lnSpc>
@@ -10258,7 +10177,7 @@
           <a:srgbClr val="000000"/>
         </a:buClr>
         <a:buFont typeface="Arial"/>
-        <a:defRPr b="0" i="0" sz="1400" u="none" cap="none" strike="noStrike">
+        <a:defRPr sz="1400" b="0" i="0" u="none" strike="noStrike" cap="none">
           <a:solidFill>
             <a:srgbClr val="000000"/>
           </a:solidFill>
@@ -10268,7 +10187,7 @@
           <a:sym typeface="Arial"/>
         </a:defRPr>
       </a:lvl1pPr>
-      <a:lvl2pPr lvl="1" marR="0" rtl="0" algn="l">
+      <a:lvl2pPr marR="0" lvl="1" algn="l" rtl="0">
         <a:lnSpc>
           <a:spcPct val="100000"/>
         </a:lnSpc>
@@ -10282,7 +10201,7 @@
           <a:srgbClr val="000000"/>
         </a:buClr>
         <a:buFont typeface="Arial"/>
-        <a:defRPr b="0" i="0" sz="1400" u="none" cap="none" strike="noStrike">
+        <a:defRPr sz="1400" b="0" i="0" u="none" strike="noStrike" cap="none">
           <a:solidFill>
             <a:srgbClr val="000000"/>
           </a:solidFill>
@@ -10292,7 +10211,7 @@
           <a:sym typeface="Arial"/>
         </a:defRPr>
       </a:lvl2pPr>
-      <a:lvl3pPr lvl="2" marR="0" rtl="0" algn="l">
+      <a:lvl3pPr marR="0" lvl="2" algn="l" rtl="0">
         <a:lnSpc>
           <a:spcPct val="100000"/>
         </a:lnSpc>
@@ -10306,7 +10225,7 @@
           <a:srgbClr val="000000"/>
         </a:buClr>
         <a:buFont typeface="Arial"/>
-        <a:defRPr b="0" i="0" sz="1400" u="none" cap="none" strike="noStrike">
+        <a:defRPr sz="1400" b="0" i="0" u="none" strike="noStrike" cap="none">
           <a:solidFill>
             <a:srgbClr val="000000"/>
           </a:solidFill>
@@ -10316,7 +10235,7 @@
           <a:sym typeface="Arial"/>
         </a:defRPr>
       </a:lvl3pPr>
-      <a:lvl4pPr lvl="3" marR="0" rtl="0" algn="l">
+      <a:lvl4pPr marR="0" lvl="3" algn="l" rtl="0">
         <a:lnSpc>
           <a:spcPct val="100000"/>
         </a:lnSpc>
@@ -10330,7 +10249,7 @@
           <a:srgbClr val="000000"/>
         </a:buClr>
         <a:buFont typeface="Arial"/>
-        <a:defRPr b="0" i="0" sz="1400" u="none" cap="none" strike="noStrike">
+        <a:defRPr sz="1400" b="0" i="0" u="none" strike="noStrike" cap="none">
           <a:solidFill>
             <a:srgbClr val="000000"/>
           </a:solidFill>
@@ -10340,7 +10259,7 @@
           <a:sym typeface="Arial"/>
         </a:defRPr>
       </a:lvl4pPr>
-      <a:lvl5pPr lvl="4" marR="0" rtl="0" algn="l">
+      <a:lvl5pPr marR="0" lvl="4" algn="l" rtl="0">
         <a:lnSpc>
           <a:spcPct val="100000"/>
         </a:lnSpc>
@@ -10354,7 +10273,7 @@
           <a:srgbClr val="000000"/>
         </a:buClr>
         <a:buFont typeface="Arial"/>
-        <a:defRPr b="0" i="0" sz="1400" u="none" cap="none" strike="noStrike">
+        <a:defRPr sz="1400" b="0" i="0" u="none" strike="noStrike" cap="none">
           <a:solidFill>
             <a:srgbClr val="000000"/>
           </a:solidFill>
@@ -10364,7 +10283,7 @@
           <a:sym typeface="Arial"/>
         </a:defRPr>
       </a:lvl5pPr>
-      <a:lvl6pPr lvl="5" marR="0" rtl="0" algn="l">
+      <a:lvl6pPr marR="0" lvl="5" algn="l" rtl="0">
         <a:lnSpc>
           <a:spcPct val="100000"/>
         </a:lnSpc>
@@ -10378,7 +10297,7 @@
           <a:srgbClr val="000000"/>
         </a:buClr>
         <a:buFont typeface="Arial"/>
-        <a:defRPr b="0" i="0" sz="1400" u="none" cap="none" strike="noStrike">
+        <a:defRPr sz="1400" b="0" i="0" u="none" strike="noStrike" cap="none">
           <a:solidFill>
             <a:srgbClr val="000000"/>
           </a:solidFill>
@@ -10388,7 +10307,7 @@
           <a:sym typeface="Arial"/>
         </a:defRPr>
       </a:lvl6pPr>
-      <a:lvl7pPr lvl="6" marR="0" rtl="0" algn="l">
+      <a:lvl7pPr marR="0" lvl="6" algn="l" rtl="0">
         <a:lnSpc>
           <a:spcPct val="100000"/>
         </a:lnSpc>
@@ -10402,7 +10321,7 @@
           <a:srgbClr val="000000"/>
         </a:buClr>
         <a:buFont typeface="Arial"/>
-        <a:defRPr b="0" i="0" sz="1400" u="none" cap="none" strike="noStrike">
+        <a:defRPr sz="1400" b="0" i="0" u="none" strike="noStrike" cap="none">
           <a:solidFill>
             <a:srgbClr val="000000"/>
           </a:solidFill>
@@ -10412,7 +10331,7 @@
           <a:sym typeface="Arial"/>
         </a:defRPr>
       </a:lvl7pPr>
-      <a:lvl8pPr lvl="7" marR="0" rtl="0" algn="l">
+      <a:lvl8pPr marR="0" lvl="7" algn="l" rtl="0">
         <a:lnSpc>
           <a:spcPct val="100000"/>
         </a:lnSpc>
@@ -10426,7 +10345,7 @@
           <a:srgbClr val="000000"/>
         </a:buClr>
         <a:buFont typeface="Arial"/>
-        <a:defRPr b="0" i="0" sz="1400" u="none" cap="none" strike="noStrike">
+        <a:defRPr sz="1400" b="0" i="0" u="none" strike="noStrike" cap="none">
           <a:solidFill>
             <a:srgbClr val="000000"/>
           </a:solidFill>
@@ -10436,7 +10355,7 @@
           <a:sym typeface="Arial"/>
         </a:defRPr>
       </a:lvl8pPr>
-      <a:lvl9pPr lvl="8" marR="0" rtl="0" algn="l">
+      <a:lvl9pPr marR="0" lvl="8" algn="l" rtl="0">
         <a:lnSpc>
           <a:spcPct val="100000"/>
         </a:lnSpc>
@@ -10450,7 +10369,7 @@
           <a:srgbClr val="000000"/>
         </a:buClr>
         <a:buFont typeface="Arial"/>
-        <a:defRPr b="0" i="0" sz="1400" u="none" cap="none" strike="noStrike">
+        <a:defRPr sz="1400" b="0" i="0" u="none" strike="noStrike" cap="none">
           <a:solidFill>
             <a:srgbClr val="000000"/>
           </a:solidFill>
@@ -10466,16 +10385,17 @@
 </file>
 
 <file path=ppt/slides/slide1.xml><?xml version="1.0" encoding="utf-8"?>
-<p:sld xmlns:a="http://schemas.openxmlformats.org/drawingml/2006/main" xmlns:r="http://schemas.openxmlformats.org/officeDocument/2006/relationships" xmlns:mc="http://schemas.openxmlformats.org/markup-compatibility/2006" xmlns:mv="urn:schemas-microsoft-com:mac:vml" xmlns:p="http://schemas.openxmlformats.org/presentationml/2006/main" xmlns:c="http://schemas.openxmlformats.org/drawingml/2006/chart" xmlns:dgm="http://schemas.openxmlformats.org/drawingml/2006/diagram" xmlns:o="urn:schemas-microsoft-com:office:office" xmlns:v="urn:schemas-microsoft-com:vml" xmlns:pvml="urn:schemas-microsoft-com:office:powerpoint" xmlns:com="http://schemas.openxmlformats.org/drawingml/2006/compatibility" xmlns:p14="http://schemas.microsoft.com/office/powerpoint/2010/main" xmlns:p15="http://schemas.microsoft.com/office/powerpoint/2012/main" xmlns:ahyp="http://schemas.microsoft.com/office/drawing/2018/hyperlinkcolor">
+<p:sld xmlns:a="http://schemas.openxmlformats.org/drawingml/2006/main" xmlns:r="http://schemas.openxmlformats.org/officeDocument/2006/relationships" xmlns:p="http://schemas.openxmlformats.org/presentationml/2006/main">
   <p:cSld>
     <p:bg>
       <p:bgPr>
         <a:noFill/>
+        <a:effectLst/>
       </p:bgPr>
     </p:bg>
     <p:spTree>
       <p:nvGrpSpPr>
-        <p:cNvPr id="127" name="Shape 127"/>
+        <p:cNvPr id="1" name="Shape 127"/>
         <p:cNvGrpSpPr/>
         <p:nvPr/>
       </p:nvGrpSpPr>
@@ -10490,7 +10410,9 @@
       <p:sp>
         <p:nvSpPr>
           <p:cNvPr id="128" name="Google Shape;128;p13"/>
-          <p:cNvSpPr txBox="1"/>
+          <p:cNvSpPr txBox="1">
+            <a:spLocks noGrp="1"/>
+          </p:cNvSpPr>
           <p:nvPr>
             <p:ph type="ctrTitle"/>
           </p:nvPr>
@@ -10505,12 +10427,12 @@
           </a:prstGeom>
         </p:spPr>
         <p:txBody>
-          <a:bodyPr anchorCtr="0" anchor="ctr" bIns="91425" lIns="91425" spcFirstLastPara="1" rIns="91425" wrap="square" tIns="91425">
+          <a:bodyPr spcFirstLastPara="1" wrap="square" lIns="91425" tIns="91425" rIns="91425" bIns="91425" anchor="ctr" anchorCtr="0">
             <a:normAutofit/>
           </a:bodyPr>
           <a:lstStyle/>
           <a:p>
-            <a:pPr indent="0" lvl="0" marL="0" rtl="0" algn="ctr">
+            <a:pPr marL="0" lvl="0" indent="0" algn="ctr" rtl="0">
               <a:spcBef>
                 <a:spcPts val="0"/>
               </a:spcBef>
@@ -10538,9 +10460,11 @@
       <p:sp>
         <p:nvSpPr>
           <p:cNvPr id="129" name="Google Shape;129;p13"/>
-          <p:cNvSpPr txBox="1"/>
+          <p:cNvSpPr txBox="1">
+            <a:spLocks noGrp="1"/>
+          </p:cNvSpPr>
           <p:nvPr>
-            <p:ph idx="1" type="subTitle"/>
+            <p:ph type="subTitle" idx="1"/>
           </p:nvPr>
         </p:nvSpPr>
         <p:spPr>
@@ -10553,12 +10477,12 @@
           </a:prstGeom>
         </p:spPr>
         <p:txBody>
-          <a:bodyPr anchorCtr="0" anchor="t" bIns="91425" lIns="91425" spcFirstLastPara="1" rIns="91425" wrap="square" tIns="91425">
+          <a:bodyPr spcFirstLastPara="1" wrap="square" lIns="91425" tIns="91425" rIns="91425" bIns="91425" anchor="t" anchorCtr="0">
             <a:noAutofit/>
           </a:bodyPr>
           <a:lstStyle/>
           <a:p>
-            <a:pPr indent="0" lvl="0" marL="0" rtl="0" algn="l">
+            <a:pPr marL="0" lvl="0" indent="0" algn="l" rtl="0">
               <a:spcBef>
                 <a:spcPts val="0"/>
               </a:spcBef>
@@ -10593,7 +10517,7 @@
             </a:endParaRPr>
           </a:p>
           <a:p>
-            <a:pPr indent="0" lvl="0" marL="0" rtl="0" algn="ctr">
+            <a:pPr marL="0" lvl="0" indent="0" algn="ctr" rtl="0">
               <a:spcBef>
                 <a:spcPts val="0"/>
               </a:spcBef>
@@ -10602,9 +10526,6 @@
               </a:spcAft>
               <a:buNone/>
             </a:pPr>
-            <a:r>
-              <a:t/>
-            </a:r>
             <a:endParaRPr/>
           </a:p>
         </p:txBody>
@@ -10618,107 +10539,11 @@
 </file>
 
 <file path=ppt/slides/slide10.xml><?xml version="1.0" encoding="utf-8"?>
-<p:sld xmlns:a="http://schemas.openxmlformats.org/drawingml/2006/main" xmlns:r="http://schemas.openxmlformats.org/officeDocument/2006/relationships" xmlns:mc="http://schemas.openxmlformats.org/markup-compatibility/2006" xmlns:mv="urn:schemas-microsoft-com:mac:vml" xmlns:p="http://schemas.openxmlformats.org/presentationml/2006/main" xmlns:c="http://schemas.openxmlformats.org/drawingml/2006/chart" xmlns:dgm="http://schemas.openxmlformats.org/drawingml/2006/diagram" xmlns:o="urn:schemas-microsoft-com:office:office" xmlns:v="urn:schemas-microsoft-com:vml" xmlns:pvml="urn:schemas-microsoft-com:office:powerpoint" xmlns:com="http://schemas.openxmlformats.org/drawingml/2006/compatibility" xmlns:p14="http://schemas.microsoft.com/office/powerpoint/2010/main" xmlns:p15="http://schemas.microsoft.com/office/powerpoint/2012/main" xmlns:ahyp="http://schemas.microsoft.com/office/drawing/2018/hyperlinkcolor">
+<p:sld xmlns:a="http://schemas.openxmlformats.org/drawingml/2006/main" xmlns:r="http://schemas.openxmlformats.org/officeDocument/2006/relationships" xmlns:p="http://schemas.openxmlformats.org/presentationml/2006/main">
   <p:cSld>
     <p:spTree>
       <p:nvGrpSpPr>
-        <p:cNvPr id="184" name="Shape 184"/>
-        <p:cNvGrpSpPr/>
-        <p:nvPr/>
-      </p:nvGrpSpPr>
-      <p:grpSpPr>
-        <a:xfrm>
-          <a:off x="0" y="0"/>
-          <a:ext cx="0" cy="0"/>
-          <a:chOff x="0" y="0"/>
-          <a:chExt cx="0" cy="0"/>
-        </a:xfrm>
-      </p:grpSpPr>
-      <p:sp>
-        <p:nvSpPr>
-          <p:cNvPr id="185" name="Google Shape;185;p22"/>
-          <p:cNvSpPr txBox="1"/>
-          <p:nvPr>
-            <p:ph type="title"/>
-          </p:nvPr>
-        </p:nvSpPr>
-        <p:spPr>
-          <a:xfrm>
-            <a:off x="1888684" y="1746100"/>
-            <a:ext cx="5377500" cy="1646100"/>
-          </a:xfrm>
-          <a:prstGeom prst="rect">
-            <a:avLst/>
-          </a:prstGeom>
-        </p:spPr>
-        <p:txBody>
-          <a:bodyPr anchorCtr="0" anchor="ctr" bIns="91425" lIns="91425" spcFirstLastPara="1" rIns="91425" wrap="square" tIns="91425">
-            <a:normAutofit/>
-          </a:bodyPr>
-          <a:lstStyle/>
-          <a:p>
-            <a:pPr indent="0" lvl="0" marL="0" rtl="0" algn="l">
-              <a:lnSpc>
-                <a:spcPct val="115000"/>
-              </a:lnSpc>
-              <a:spcBef>
-                <a:spcPts val="0"/>
-              </a:spcBef>
-              <a:spcAft>
-                <a:spcPts val="0"/>
-              </a:spcAft>
-              <a:buNone/>
-            </a:pPr>
-            <a:r>
-              <a:rPr lang="en" sz="2200">
-                <a:latin typeface="Calibri"/>
-                <a:ea typeface="Calibri"/>
-                <a:cs typeface="Calibri"/>
-                <a:sym typeface="Calibri"/>
-              </a:rPr>
-              <a:t>All of the many components of React</a:t>
-            </a:r>
-            <a:endParaRPr sz="1400">
-              <a:solidFill>
-                <a:srgbClr val="000000"/>
-              </a:solidFill>
-              <a:latin typeface="Arial"/>
-              <a:ea typeface="Arial"/>
-              <a:cs typeface="Arial"/>
-              <a:sym typeface="Arial"/>
-            </a:endParaRPr>
-          </a:p>
-          <a:p>
-            <a:pPr indent="0" lvl="0" marL="0" rtl="0" algn="ctr">
-              <a:spcBef>
-                <a:spcPts val="1200"/>
-              </a:spcBef>
-              <a:spcAft>
-                <a:spcPts val="0"/>
-              </a:spcAft>
-              <a:buNone/>
-            </a:pPr>
-            <a:r>
-              <a:t/>
-            </a:r>
-            <a:endParaRPr/>
-          </a:p>
-        </p:txBody>
-      </p:sp>
-    </p:spTree>
-  </p:cSld>
-  <p:clrMapOvr>
-    <a:masterClrMapping/>
-  </p:clrMapOvr>
-</p:sld>
-</file>
-
-<file path=ppt/slides/slide11.xml><?xml version="1.0" encoding="utf-8"?>
-<p:sld xmlns:a="http://schemas.openxmlformats.org/drawingml/2006/main" xmlns:r="http://schemas.openxmlformats.org/officeDocument/2006/relationships" xmlns:mc="http://schemas.openxmlformats.org/markup-compatibility/2006" xmlns:mv="urn:schemas-microsoft-com:mac:vml" xmlns:p="http://schemas.openxmlformats.org/presentationml/2006/main" xmlns:c="http://schemas.openxmlformats.org/drawingml/2006/chart" xmlns:dgm="http://schemas.openxmlformats.org/drawingml/2006/diagram" xmlns:o="urn:schemas-microsoft-com:office:office" xmlns:v="urn:schemas-microsoft-com:vml" xmlns:pvml="urn:schemas-microsoft-com:office:powerpoint" xmlns:com="http://schemas.openxmlformats.org/drawingml/2006/compatibility" xmlns:p14="http://schemas.microsoft.com/office/powerpoint/2010/main" xmlns:p15="http://schemas.microsoft.com/office/powerpoint/2012/main" xmlns:ahyp="http://schemas.microsoft.com/office/drawing/2018/hyperlinkcolor">
-  <p:cSld>
-    <p:spTree>
-      <p:nvGrpSpPr>
-        <p:cNvPr id="189" name="Shape 189"/>
+        <p:cNvPr id="1" name="Shape 189"/>
         <p:cNvGrpSpPr/>
         <p:nvPr/>
       </p:nvGrpSpPr>
@@ -10766,12 +10591,12 @@
 </p:sld>
 </file>
 
-<file path=ppt/slides/slide12.xml><?xml version="1.0" encoding="utf-8"?>
-<p:sld xmlns:a="http://schemas.openxmlformats.org/drawingml/2006/main" xmlns:r="http://schemas.openxmlformats.org/officeDocument/2006/relationships" xmlns:mc="http://schemas.openxmlformats.org/markup-compatibility/2006" xmlns:mv="urn:schemas-microsoft-com:mac:vml" xmlns:p="http://schemas.openxmlformats.org/presentationml/2006/main" xmlns:c="http://schemas.openxmlformats.org/drawingml/2006/chart" xmlns:dgm="http://schemas.openxmlformats.org/drawingml/2006/diagram" xmlns:o="urn:schemas-microsoft-com:office:office" xmlns:v="urn:schemas-microsoft-com:vml" xmlns:pvml="urn:schemas-microsoft-com:office:powerpoint" xmlns:com="http://schemas.openxmlformats.org/drawingml/2006/compatibility" xmlns:p14="http://schemas.microsoft.com/office/powerpoint/2010/main" xmlns:p15="http://schemas.microsoft.com/office/powerpoint/2012/main" xmlns:ahyp="http://schemas.microsoft.com/office/drawing/2018/hyperlinkcolor">
+<file path=ppt/slides/slide11.xml><?xml version="1.0" encoding="utf-8"?>
+<p:sld xmlns:a="http://schemas.openxmlformats.org/drawingml/2006/main" xmlns:r="http://schemas.openxmlformats.org/officeDocument/2006/relationships" xmlns:p="http://schemas.openxmlformats.org/presentationml/2006/main">
   <p:cSld>
     <p:spTree>
       <p:nvGrpSpPr>
-        <p:cNvPr id="194" name="Shape 194"/>
+        <p:cNvPr id="1" name="Shape 194"/>
         <p:cNvGrpSpPr/>
         <p:nvPr/>
       </p:nvGrpSpPr>
@@ -10819,12 +10644,12 @@
 </p:sld>
 </file>
 
-<file path=ppt/slides/slide13.xml><?xml version="1.0" encoding="utf-8"?>
-<p:sld xmlns:a="http://schemas.openxmlformats.org/drawingml/2006/main" xmlns:r="http://schemas.openxmlformats.org/officeDocument/2006/relationships" xmlns:mc="http://schemas.openxmlformats.org/markup-compatibility/2006" xmlns:mv="urn:schemas-microsoft-com:mac:vml" xmlns:p="http://schemas.openxmlformats.org/presentationml/2006/main" xmlns:c="http://schemas.openxmlformats.org/drawingml/2006/chart" xmlns:dgm="http://schemas.openxmlformats.org/drawingml/2006/diagram" xmlns:o="urn:schemas-microsoft-com:office:office" xmlns:v="urn:schemas-microsoft-com:vml" xmlns:pvml="urn:schemas-microsoft-com:office:powerpoint" xmlns:com="http://schemas.openxmlformats.org/drawingml/2006/compatibility" xmlns:p14="http://schemas.microsoft.com/office/powerpoint/2010/main" xmlns:p15="http://schemas.microsoft.com/office/powerpoint/2012/main" xmlns:ahyp="http://schemas.microsoft.com/office/drawing/2018/hyperlinkcolor">
+<file path=ppt/slides/slide12.xml><?xml version="1.0" encoding="utf-8"?>
+<p:sld xmlns:a="http://schemas.openxmlformats.org/drawingml/2006/main" xmlns:r="http://schemas.openxmlformats.org/officeDocument/2006/relationships" xmlns:p="http://schemas.openxmlformats.org/presentationml/2006/main">
   <p:cSld>
     <p:spTree>
       <p:nvGrpSpPr>
-        <p:cNvPr id="199" name="Shape 199"/>
+        <p:cNvPr id="1" name="Shape 199"/>
         <p:cNvGrpSpPr/>
         <p:nvPr/>
       </p:nvGrpSpPr>
@@ -10872,12 +10697,12 @@
 </p:sld>
 </file>
 
-<file path=ppt/slides/slide14.xml><?xml version="1.0" encoding="utf-8"?>
-<p:sld xmlns:a="http://schemas.openxmlformats.org/drawingml/2006/main" xmlns:r="http://schemas.openxmlformats.org/officeDocument/2006/relationships" xmlns:mc="http://schemas.openxmlformats.org/markup-compatibility/2006" xmlns:mv="urn:schemas-microsoft-com:mac:vml" xmlns:p="http://schemas.openxmlformats.org/presentationml/2006/main" xmlns:c="http://schemas.openxmlformats.org/drawingml/2006/chart" xmlns:dgm="http://schemas.openxmlformats.org/drawingml/2006/diagram" xmlns:o="urn:schemas-microsoft-com:office:office" xmlns:v="urn:schemas-microsoft-com:vml" xmlns:pvml="urn:schemas-microsoft-com:office:powerpoint" xmlns:com="http://schemas.openxmlformats.org/drawingml/2006/compatibility" xmlns:p14="http://schemas.microsoft.com/office/powerpoint/2010/main" xmlns:p15="http://schemas.microsoft.com/office/powerpoint/2012/main" xmlns:ahyp="http://schemas.microsoft.com/office/drawing/2018/hyperlinkcolor">
+<file path=ppt/slides/slide13.xml><?xml version="1.0" encoding="utf-8"?>
+<p:sld xmlns:a="http://schemas.openxmlformats.org/drawingml/2006/main" xmlns:r="http://schemas.openxmlformats.org/officeDocument/2006/relationships" xmlns:p="http://schemas.openxmlformats.org/presentationml/2006/main">
   <p:cSld>
     <p:spTree>
       <p:nvGrpSpPr>
-        <p:cNvPr id="204" name="Shape 204"/>
+        <p:cNvPr id="1" name="Shape 204"/>
         <p:cNvGrpSpPr/>
         <p:nvPr/>
       </p:nvGrpSpPr>
@@ -10925,12 +10750,12 @@
 </p:sld>
 </file>
 
-<file path=ppt/slides/slide15.xml><?xml version="1.0" encoding="utf-8"?>
-<p:sld xmlns:a="http://schemas.openxmlformats.org/drawingml/2006/main" xmlns:r="http://schemas.openxmlformats.org/officeDocument/2006/relationships" xmlns:mc="http://schemas.openxmlformats.org/markup-compatibility/2006" xmlns:mv="urn:schemas-microsoft-com:mac:vml" xmlns:p="http://schemas.openxmlformats.org/presentationml/2006/main" xmlns:c="http://schemas.openxmlformats.org/drawingml/2006/chart" xmlns:dgm="http://schemas.openxmlformats.org/drawingml/2006/diagram" xmlns:o="urn:schemas-microsoft-com:office:office" xmlns:v="urn:schemas-microsoft-com:vml" xmlns:pvml="urn:schemas-microsoft-com:office:powerpoint" xmlns:com="http://schemas.openxmlformats.org/drawingml/2006/compatibility" xmlns:p14="http://schemas.microsoft.com/office/powerpoint/2010/main" xmlns:p15="http://schemas.microsoft.com/office/powerpoint/2012/main" xmlns:ahyp="http://schemas.microsoft.com/office/drawing/2018/hyperlinkcolor">
+<file path=ppt/slides/slide14.xml><?xml version="1.0" encoding="utf-8"?>
+<p:sld xmlns:a="http://schemas.openxmlformats.org/drawingml/2006/main" xmlns:r="http://schemas.openxmlformats.org/officeDocument/2006/relationships" xmlns:p="http://schemas.openxmlformats.org/presentationml/2006/main">
   <p:cSld>
     <p:spTree>
       <p:nvGrpSpPr>
-        <p:cNvPr id="209" name="Shape 209"/>
+        <p:cNvPr id="1" name="Shape 209"/>
         <p:cNvGrpSpPr/>
         <p:nvPr/>
       </p:nvGrpSpPr>
@@ -10945,7 +10770,9 @@
       <p:sp>
         <p:nvSpPr>
           <p:cNvPr id="210" name="Google Shape;210;p27"/>
-          <p:cNvSpPr txBox="1"/>
+          <p:cNvSpPr txBox="1">
+            <a:spLocks noGrp="1"/>
+          </p:cNvSpPr>
           <p:nvPr>
             <p:ph type="title"/>
           </p:nvPr>
@@ -10960,12 +10787,12 @@
           </a:prstGeom>
         </p:spPr>
         <p:txBody>
-          <a:bodyPr anchorCtr="0" anchor="t" bIns="91425" lIns="91425" spcFirstLastPara="1" rIns="91425" wrap="square" tIns="91425">
+          <a:bodyPr spcFirstLastPara="1" wrap="square" lIns="91425" tIns="91425" rIns="91425" bIns="91425" anchor="t" anchorCtr="0">
             <a:normAutofit/>
           </a:bodyPr>
           <a:lstStyle/>
           <a:p>
-            <a:pPr indent="0" lvl="0" marL="0" rtl="0" algn="l">
+            <a:pPr marL="0" lvl="0" indent="0" algn="l" rtl="0">
               <a:spcBef>
                 <a:spcPts val="0"/>
               </a:spcBef>
@@ -10985,9 +10812,11 @@
       <p:sp>
         <p:nvSpPr>
           <p:cNvPr id="211" name="Google Shape;211;p27"/>
-          <p:cNvSpPr txBox="1"/>
+          <p:cNvSpPr txBox="1">
+            <a:spLocks noGrp="1"/>
+          </p:cNvSpPr>
           <p:nvPr>
-            <p:ph idx="1" type="body"/>
+            <p:ph type="body" idx="1"/>
           </p:nvPr>
         </p:nvSpPr>
         <p:spPr>
@@ -11000,12 +10829,12 @@
           </a:prstGeom>
         </p:spPr>
         <p:txBody>
-          <a:bodyPr anchorCtr="0" anchor="t" bIns="91425" lIns="91425" spcFirstLastPara="1" rIns="91425" wrap="square" tIns="91425">
+          <a:bodyPr spcFirstLastPara="1" wrap="square" lIns="91425" tIns="91425" rIns="91425" bIns="91425" anchor="t" anchorCtr="0">
             <a:normAutofit/>
           </a:bodyPr>
           <a:lstStyle/>
           <a:p>
-            <a:pPr indent="-368300" lvl="0" marL="457200" rtl="0" algn="l">
+            <a:pPr marL="457200" lvl="0" indent="-368300" algn="l" rtl="0">
               <a:spcBef>
                 <a:spcPts val="0"/>
               </a:spcBef>
@@ -11022,7 +10851,7 @@
             <a:endParaRPr sz="2200"/>
           </a:p>
           <a:p>
-            <a:pPr indent="-368300" lvl="0" marL="457200" rtl="0" algn="l">
+            <a:pPr marL="457200" lvl="0" indent="-368300" algn="l" rtl="0">
               <a:spcBef>
                 <a:spcPts val="0"/>
               </a:spcBef>
@@ -11076,12 +10905,12 @@
 </p:sld>
 </file>
 
-<file path=ppt/slides/slide16.xml><?xml version="1.0" encoding="utf-8"?>
-<p:sld xmlns:a="http://schemas.openxmlformats.org/drawingml/2006/main" xmlns:r="http://schemas.openxmlformats.org/officeDocument/2006/relationships" xmlns:mc="http://schemas.openxmlformats.org/markup-compatibility/2006" xmlns:mv="urn:schemas-microsoft-com:mac:vml" xmlns:p="http://schemas.openxmlformats.org/presentationml/2006/main" xmlns:c="http://schemas.openxmlformats.org/drawingml/2006/chart" xmlns:dgm="http://schemas.openxmlformats.org/drawingml/2006/diagram" xmlns:o="urn:schemas-microsoft-com:office:office" xmlns:v="urn:schemas-microsoft-com:vml" xmlns:pvml="urn:schemas-microsoft-com:office:powerpoint" xmlns:com="http://schemas.openxmlformats.org/drawingml/2006/compatibility" xmlns:p14="http://schemas.microsoft.com/office/powerpoint/2010/main" xmlns:p15="http://schemas.microsoft.com/office/powerpoint/2012/main" xmlns:ahyp="http://schemas.microsoft.com/office/drawing/2018/hyperlinkcolor">
+<file path=ppt/slides/slide15.xml><?xml version="1.0" encoding="utf-8"?>
+<p:sld xmlns:a="http://schemas.openxmlformats.org/drawingml/2006/main" xmlns:r="http://schemas.openxmlformats.org/officeDocument/2006/relationships" xmlns:p="http://schemas.openxmlformats.org/presentationml/2006/main">
   <p:cSld>
     <p:spTree>
       <p:nvGrpSpPr>
-        <p:cNvPr id="216" name="Shape 216"/>
+        <p:cNvPr id="1" name="Shape 216"/>
         <p:cNvGrpSpPr/>
         <p:nvPr/>
       </p:nvGrpSpPr>
@@ -11096,7 +10925,9 @@
       <p:sp>
         <p:nvSpPr>
           <p:cNvPr id="217" name="Google Shape;217;p28"/>
-          <p:cNvSpPr txBox="1"/>
+          <p:cNvSpPr txBox="1">
+            <a:spLocks noGrp="1"/>
+          </p:cNvSpPr>
           <p:nvPr>
             <p:ph type="title"/>
           </p:nvPr>
@@ -11111,12 +10942,12 @@
           </a:prstGeom>
         </p:spPr>
         <p:txBody>
-          <a:bodyPr anchorCtr="0" anchor="t" bIns="91425" lIns="91425" spcFirstLastPara="1" rIns="91425" wrap="square" tIns="91425">
+          <a:bodyPr spcFirstLastPara="1" wrap="square" lIns="91425" tIns="91425" rIns="91425" bIns="91425" anchor="t" anchorCtr="0">
             <a:normAutofit/>
           </a:bodyPr>
           <a:lstStyle/>
           <a:p>
-            <a:pPr indent="0" lvl="0" marL="0" rtl="0" algn="l">
+            <a:pPr marL="0" lvl="0" indent="0" algn="l" rtl="0">
               <a:spcBef>
                 <a:spcPts val="0"/>
               </a:spcBef>
@@ -11136,9 +10967,11 @@
       <p:sp>
         <p:nvSpPr>
           <p:cNvPr id="218" name="Google Shape;218;p28"/>
-          <p:cNvSpPr txBox="1"/>
+          <p:cNvSpPr txBox="1">
+            <a:spLocks noGrp="1"/>
+          </p:cNvSpPr>
           <p:nvPr>
-            <p:ph idx="1" type="body"/>
+            <p:ph type="body" idx="1"/>
           </p:nvPr>
         </p:nvSpPr>
         <p:spPr>
@@ -11151,12 +10984,12 @@
           </a:prstGeom>
         </p:spPr>
         <p:txBody>
-          <a:bodyPr anchorCtr="0" anchor="t" bIns="91425" lIns="91425" spcFirstLastPara="1" rIns="91425" wrap="square" tIns="91425">
+          <a:bodyPr spcFirstLastPara="1" wrap="square" lIns="91425" tIns="91425" rIns="91425" bIns="91425" anchor="t" anchorCtr="0">
             <a:normAutofit/>
           </a:bodyPr>
           <a:lstStyle/>
           <a:p>
-            <a:pPr indent="-368300" lvl="0" marL="457200" rtl="0" algn="l">
+            <a:pPr marL="457200" lvl="0" indent="-368300" algn="l" rtl="0">
               <a:spcBef>
                 <a:spcPts val="0"/>
               </a:spcBef>
@@ -11173,7 +11006,7 @@
             <a:endParaRPr sz="2200"/>
           </a:p>
           <a:p>
-            <a:pPr indent="-368300" lvl="0" marL="457200" rtl="0" algn="l">
+            <a:pPr marL="457200" lvl="0" indent="-368300" algn="l" rtl="0">
               <a:spcBef>
                 <a:spcPts val="0"/>
               </a:spcBef>
@@ -11190,7 +11023,7 @@
             <a:endParaRPr sz="2200"/>
           </a:p>
           <a:p>
-            <a:pPr indent="-368300" lvl="0" marL="457200" rtl="0" algn="l">
+            <a:pPr marL="457200" lvl="0" indent="-368300" algn="l" rtl="0">
               <a:spcBef>
                 <a:spcPts val="0"/>
               </a:spcBef>
@@ -11216,12 +11049,12 @@
 </p:sld>
 </file>
 
-<file path=ppt/slides/slide17.xml><?xml version="1.0" encoding="utf-8"?>
-<p:sld xmlns:a="http://schemas.openxmlformats.org/drawingml/2006/main" xmlns:r="http://schemas.openxmlformats.org/officeDocument/2006/relationships" xmlns:mc="http://schemas.openxmlformats.org/markup-compatibility/2006" xmlns:mv="urn:schemas-microsoft-com:mac:vml" xmlns:p="http://schemas.openxmlformats.org/presentationml/2006/main" xmlns:c="http://schemas.openxmlformats.org/drawingml/2006/chart" xmlns:dgm="http://schemas.openxmlformats.org/drawingml/2006/diagram" xmlns:o="urn:schemas-microsoft-com:office:office" xmlns:v="urn:schemas-microsoft-com:vml" xmlns:pvml="urn:schemas-microsoft-com:office:powerpoint" xmlns:com="http://schemas.openxmlformats.org/drawingml/2006/compatibility" xmlns:p14="http://schemas.microsoft.com/office/powerpoint/2010/main" xmlns:p15="http://schemas.microsoft.com/office/powerpoint/2012/main" xmlns:ahyp="http://schemas.microsoft.com/office/drawing/2018/hyperlinkcolor">
+<file path=ppt/slides/slide16.xml><?xml version="1.0" encoding="utf-8"?>
+<p:sld xmlns:a="http://schemas.openxmlformats.org/drawingml/2006/main" xmlns:r="http://schemas.openxmlformats.org/officeDocument/2006/relationships" xmlns:p="http://schemas.openxmlformats.org/presentationml/2006/main">
   <p:cSld>
     <p:spTree>
       <p:nvGrpSpPr>
-        <p:cNvPr id="222" name="Shape 222"/>
+        <p:cNvPr id="1" name="Shape 222"/>
         <p:cNvGrpSpPr/>
         <p:nvPr/>
       </p:nvGrpSpPr>
@@ -11236,7 +11069,9 @@
       <p:sp>
         <p:nvSpPr>
           <p:cNvPr id="223" name="Google Shape;223;p29"/>
-          <p:cNvSpPr txBox="1"/>
+          <p:cNvSpPr txBox="1">
+            <a:spLocks noGrp="1"/>
+          </p:cNvSpPr>
           <p:nvPr>
             <p:ph type="title"/>
           </p:nvPr>
@@ -11251,12 +11086,12 @@
           </a:prstGeom>
         </p:spPr>
         <p:txBody>
-          <a:bodyPr anchorCtr="0" anchor="t" bIns="91425" lIns="91425" spcFirstLastPara="1" rIns="91425" wrap="square" tIns="91425">
+          <a:bodyPr spcFirstLastPara="1" wrap="square" lIns="91425" tIns="91425" rIns="91425" bIns="91425" anchor="t" anchorCtr="0">
             <a:normAutofit/>
           </a:bodyPr>
           <a:lstStyle/>
           <a:p>
-            <a:pPr indent="0" lvl="0" marL="0" rtl="0" algn="l">
+            <a:pPr marL="0" lvl="0" indent="0" algn="l" rtl="0">
               <a:spcBef>
                 <a:spcPts val="0"/>
               </a:spcBef>
@@ -11276,9 +11111,11 @@
       <p:sp>
         <p:nvSpPr>
           <p:cNvPr id="224" name="Google Shape;224;p29"/>
-          <p:cNvSpPr txBox="1"/>
+          <p:cNvSpPr txBox="1">
+            <a:spLocks noGrp="1"/>
+          </p:cNvSpPr>
           <p:nvPr>
-            <p:ph idx="1" type="body"/>
+            <p:ph type="body" idx="1"/>
           </p:nvPr>
         </p:nvSpPr>
         <p:spPr>
@@ -11291,12 +11128,12 @@
           </a:prstGeom>
         </p:spPr>
         <p:txBody>
-          <a:bodyPr anchorCtr="0" anchor="t" bIns="91425" lIns="91425" spcFirstLastPara="1" rIns="91425" wrap="square" tIns="91425">
+          <a:bodyPr spcFirstLastPara="1" wrap="square" lIns="91425" tIns="91425" rIns="91425" bIns="91425" anchor="t" anchorCtr="0">
             <a:normAutofit/>
           </a:bodyPr>
           <a:lstStyle/>
           <a:p>
-            <a:pPr indent="-368300" lvl="0" marL="457200" rtl="0" algn="l">
+            <a:pPr marL="457200" lvl="0" indent="-368300" algn="l" rtl="0">
               <a:spcBef>
                 <a:spcPts val="0"/>
               </a:spcBef>
@@ -11313,7 +11150,7 @@
             <a:endParaRPr sz="2200"/>
           </a:p>
           <a:p>
-            <a:pPr indent="-368300" lvl="0" marL="457200" rtl="0" algn="l">
+            <a:pPr marL="457200" lvl="0" indent="-368300" algn="l" rtl="0">
               <a:spcBef>
                 <a:spcPts val="0"/>
               </a:spcBef>
@@ -11330,7 +11167,7 @@
             <a:endParaRPr sz="2200"/>
           </a:p>
           <a:p>
-            <a:pPr indent="-368300" lvl="0" marL="457200" rtl="0" algn="l">
+            <a:pPr marL="457200" lvl="0" indent="-368300" algn="l" rtl="0">
               <a:spcBef>
                 <a:spcPts val="0"/>
               </a:spcBef>
@@ -11357,76 +11194,11 @@
 </file>
 
 <file path=ppt/slides/slide2.xml><?xml version="1.0" encoding="utf-8"?>
-<p:sld xmlns:a="http://schemas.openxmlformats.org/drawingml/2006/main" xmlns:r="http://schemas.openxmlformats.org/officeDocument/2006/relationships" xmlns:mc="http://schemas.openxmlformats.org/markup-compatibility/2006" xmlns:mv="urn:schemas-microsoft-com:mac:vml" xmlns:p="http://schemas.openxmlformats.org/presentationml/2006/main" xmlns:c="http://schemas.openxmlformats.org/drawingml/2006/chart" xmlns:dgm="http://schemas.openxmlformats.org/drawingml/2006/diagram" xmlns:o="urn:schemas-microsoft-com:office:office" xmlns:v="urn:schemas-microsoft-com:vml" xmlns:pvml="urn:schemas-microsoft-com:office:powerpoint" xmlns:com="http://schemas.openxmlformats.org/drawingml/2006/compatibility" xmlns:p14="http://schemas.microsoft.com/office/powerpoint/2010/main" xmlns:p15="http://schemas.microsoft.com/office/powerpoint/2012/main" xmlns:ahyp="http://schemas.microsoft.com/office/drawing/2018/hyperlinkcolor">
+<p:sld xmlns:a="http://schemas.openxmlformats.org/drawingml/2006/main" xmlns:r="http://schemas.openxmlformats.org/officeDocument/2006/relationships" xmlns:p="http://schemas.openxmlformats.org/presentationml/2006/main">
   <p:cSld>
     <p:spTree>
       <p:nvGrpSpPr>
-        <p:cNvPr id="133" name="Shape 133"/>
-        <p:cNvGrpSpPr/>
-        <p:nvPr/>
-      </p:nvGrpSpPr>
-      <p:grpSpPr>
-        <a:xfrm>
-          <a:off x="0" y="0"/>
-          <a:ext cx="0" cy="0"/>
-          <a:chOff x="0" y="0"/>
-          <a:chExt cx="0" cy="0"/>
-        </a:xfrm>
-      </p:grpSpPr>
-      <p:sp>
-        <p:nvSpPr>
-          <p:cNvPr id="134" name="Google Shape;134;p14"/>
-          <p:cNvSpPr txBox="1"/>
-          <p:nvPr>
-            <p:ph type="title"/>
-          </p:nvPr>
-        </p:nvSpPr>
-        <p:spPr>
-          <a:xfrm>
-            <a:off x="1888684" y="1746100"/>
-            <a:ext cx="5377500" cy="1646100"/>
-          </a:xfrm>
-          <a:prstGeom prst="rect">
-            <a:avLst/>
-          </a:prstGeom>
-        </p:spPr>
-        <p:txBody>
-          <a:bodyPr anchorCtr="0" anchor="ctr" bIns="91425" lIns="91425" spcFirstLastPara="1" rIns="91425" wrap="square" tIns="91425">
-            <a:normAutofit/>
-          </a:bodyPr>
-          <a:lstStyle/>
-          <a:p>
-            <a:pPr indent="0" lvl="0" marL="0" rtl="0" algn="ctr">
-              <a:spcBef>
-                <a:spcPts val="0"/>
-              </a:spcBef>
-              <a:spcAft>
-                <a:spcPts val="0"/>
-              </a:spcAft>
-              <a:buNone/>
-            </a:pPr>
-            <a:r>
-              <a:rPr lang="en"/>
-              <a:t>The Front End</a:t>
-            </a:r>
-            <a:endParaRPr/>
-          </a:p>
-        </p:txBody>
-      </p:sp>
-    </p:spTree>
-  </p:cSld>
-  <p:clrMapOvr>
-    <a:masterClrMapping/>
-  </p:clrMapOvr>
-</p:sld>
-</file>
-
-<file path=ppt/slides/slide3.xml><?xml version="1.0" encoding="utf-8"?>
-<p:sld xmlns:a="http://schemas.openxmlformats.org/drawingml/2006/main" xmlns:r="http://schemas.openxmlformats.org/officeDocument/2006/relationships" xmlns:mc="http://schemas.openxmlformats.org/markup-compatibility/2006" xmlns:mv="urn:schemas-microsoft-com:mac:vml" xmlns:p="http://schemas.openxmlformats.org/presentationml/2006/main" xmlns:c="http://schemas.openxmlformats.org/drawingml/2006/chart" xmlns:dgm="http://schemas.openxmlformats.org/drawingml/2006/diagram" xmlns:o="urn:schemas-microsoft-com:office:office" xmlns:v="urn:schemas-microsoft-com:vml" xmlns:pvml="urn:schemas-microsoft-com:office:powerpoint" xmlns:com="http://schemas.openxmlformats.org/drawingml/2006/compatibility" xmlns:p14="http://schemas.microsoft.com/office/powerpoint/2010/main" xmlns:p15="http://schemas.microsoft.com/office/powerpoint/2012/main" xmlns:ahyp="http://schemas.microsoft.com/office/drawing/2018/hyperlinkcolor">
-  <p:cSld>
-    <p:spTree>
-      <p:nvGrpSpPr>
-        <p:cNvPr id="138" name="Shape 138"/>
+        <p:cNvPr id="1" name="Shape 138"/>
         <p:cNvGrpSpPr/>
         <p:nvPr/>
       </p:nvGrpSpPr>
@@ -11474,12 +11246,12 @@
 </p:sld>
 </file>
 
-<file path=ppt/slides/slide4.xml><?xml version="1.0" encoding="utf-8"?>
-<p:sld xmlns:a="http://schemas.openxmlformats.org/drawingml/2006/main" xmlns:r="http://schemas.openxmlformats.org/officeDocument/2006/relationships" xmlns:mc="http://schemas.openxmlformats.org/markup-compatibility/2006" xmlns:mv="urn:schemas-microsoft-com:mac:vml" xmlns:p="http://schemas.openxmlformats.org/presentationml/2006/main" xmlns:c="http://schemas.openxmlformats.org/drawingml/2006/chart" xmlns:dgm="http://schemas.openxmlformats.org/drawingml/2006/diagram" xmlns:o="urn:schemas-microsoft-com:office:office" xmlns:v="urn:schemas-microsoft-com:vml" xmlns:pvml="urn:schemas-microsoft-com:office:powerpoint" xmlns:com="http://schemas.openxmlformats.org/drawingml/2006/compatibility" xmlns:p14="http://schemas.microsoft.com/office/powerpoint/2010/main" xmlns:p15="http://schemas.microsoft.com/office/powerpoint/2012/main" xmlns:ahyp="http://schemas.microsoft.com/office/drawing/2018/hyperlinkcolor">
+<file path=ppt/slides/slide3.xml><?xml version="1.0" encoding="utf-8"?>
+<p:sld xmlns:a="http://schemas.openxmlformats.org/drawingml/2006/main" xmlns:r="http://schemas.openxmlformats.org/officeDocument/2006/relationships" xmlns:p="http://schemas.openxmlformats.org/presentationml/2006/main">
   <p:cSld>
     <p:spTree>
       <p:nvGrpSpPr>
-        <p:cNvPr id="143" name="Shape 143"/>
+        <p:cNvPr id="1" name="Shape 143"/>
         <p:cNvGrpSpPr/>
         <p:nvPr/>
       </p:nvGrpSpPr>
@@ -11494,7 +11266,9 @@
       <p:sp>
         <p:nvSpPr>
           <p:cNvPr id="144" name="Google Shape;144;p16"/>
-          <p:cNvSpPr txBox="1"/>
+          <p:cNvSpPr txBox="1">
+            <a:spLocks noGrp="1"/>
+          </p:cNvSpPr>
           <p:nvPr>
             <p:ph type="title"/>
           </p:nvPr>
@@ -11509,12 +11283,12 @@
           </a:prstGeom>
         </p:spPr>
         <p:txBody>
-          <a:bodyPr anchorCtr="0" anchor="t" bIns="91425" lIns="91425" spcFirstLastPara="1" rIns="91425" wrap="square" tIns="91425">
+          <a:bodyPr spcFirstLastPara="1" wrap="square" lIns="91425" tIns="91425" rIns="91425" bIns="91425" anchor="t" anchorCtr="0">
             <a:normAutofit/>
           </a:bodyPr>
           <a:lstStyle/>
           <a:p>
-            <a:pPr indent="0" lvl="0" marL="0" rtl="0" algn="l">
+            <a:pPr marL="0" lvl="0" indent="0" algn="l" rtl="0">
               <a:spcBef>
                 <a:spcPts val="0"/>
               </a:spcBef>
@@ -11534,9 +11308,11 @@
       <p:sp>
         <p:nvSpPr>
           <p:cNvPr id="145" name="Google Shape;145;p16"/>
-          <p:cNvSpPr txBox="1"/>
+          <p:cNvSpPr txBox="1">
+            <a:spLocks noGrp="1"/>
+          </p:cNvSpPr>
           <p:nvPr>
-            <p:ph idx="1" type="body"/>
+            <p:ph type="body" idx="1"/>
           </p:nvPr>
         </p:nvSpPr>
         <p:spPr>
@@ -11549,12 +11325,12 @@
           </a:prstGeom>
         </p:spPr>
         <p:txBody>
-          <a:bodyPr anchorCtr="0" anchor="t" bIns="91425" lIns="91425" spcFirstLastPara="1" rIns="91425" wrap="square" tIns="91425">
+          <a:bodyPr spcFirstLastPara="1" wrap="square" lIns="91425" tIns="91425" rIns="91425" bIns="91425" anchor="t" anchorCtr="0">
             <a:normAutofit/>
           </a:bodyPr>
           <a:lstStyle/>
           <a:p>
-            <a:pPr indent="-368300" lvl="0" marL="457200" rtl="0" algn="l">
+            <a:pPr marL="457200" lvl="0" indent="-368300" algn="l" rtl="0">
               <a:spcBef>
                 <a:spcPts val="0"/>
               </a:spcBef>
@@ -11566,16 +11342,12 @@
             </a:pPr>
             <a:r>
               <a:rPr lang="en" sz="2200"/>
-              <a:t>Google API </a:t>
-            </a:r>
-            <a:r>
-              <a:rPr lang="en" sz="2200"/>
-              <a:t>backbone</a:t>
+              <a:t>Google API backbone</a:t>
             </a:r>
             <a:endParaRPr sz="2200"/>
           </a:p>
           <a:p>
-            <a:pPr indent="-368300" lvl="0" marL="457200" rtl="0" algn="l">
+            <a:pPr marL="457200" lvl="0" indent="-368300" algn="l" rtl="0">
               <a:spcBef>
                 <a:spcPts val="0"/>
               </a:spcBef>
@@ -11609,7 +11381,7 @@
         </p:blipFill>
         <p:spPr>
           <a:xfrm>
-            <a:off x="5284995" y="2354945"/>
+            <a:off x="5091707" y="2169091"/>
             <a:ext cx="3858999" cy="2788550"/>
           </a:xfrm>
           <a:prstGeom prst="rect">
@@ -11629,12 +11401,12 @@
 </p:sld>
 </file>
 
-<file path=ppt/slides/slide5.xml><?xml version="1.0" encoding="utf-8"?>
-<p:sld xmlns:a="http://schemas.openxmlformats.org/drawingml/2006/main" xmlns:r="http://schemas.openxmlformats.org/officeDocument/2006/relationships" xmlns:mc="http://schemas.openxmlformats.org/markup-compatibility/2006" xmlns:mv="urn:schemas-microsoft-com:mac:vml" xmlns:p="http://schemas.openxmlformats.org/presentationml/2006/main" xmlns:c="http://schemas.openxmlformats.org/drawingml/2006/chart" xmlns:dgm="http://schemas.openxmlformats.org/drawingml/2006/diagram" xmlns:o="urn:schemas-microsoft-com:office:office" xmlns:v="urn:schemas-microsoft-com:vml" xmlns:pvml="urn:schemas-microsoft-com:office:powerpoint" xmlns:com="http://schemas.openxmlformats.org/drawingml/2006/compatibility" xmlns:p14="http://schemas.microsoft.com/office/powerpoint/2010/main" xmlns:p15="http://schemas.microsoft.com/office/powerpoint/2012/main" xmlns:ahyp="http://schemas.microsoft.com/office/drawing/2018/hyperlinkcolor">
+<file path=ppt/slides/slide4.xml><?xml version="1.0" encoding="utf-8"?>
+<p:sld xmlns:a="http://schemas.openxmlformats.org/drawingml/2006/main" xmlns:r="http://schemas.openxmlformats.org/officeDocument/2006/relationships" xmlns:p="http://schemas.openxmlformats.org/presentationml/2006/main">
   <p:cSld>
     <p:spTree>
       <p:nvGrpSpPr>
-        <p:cNvPr id="150" name="Shape 150"/>
+        <p:cNvPr id="1" name="Shape 150"/>
         <p:cNvGrpSpPr/>
         <p:nvPr/>
       </p:nvGrpSpPr>
@@ -11649,7 +11421,9 @@
       <p:sp>
         <p:nvSpPr>
           <p:cNvPr id="151" name="Google Shape;151;p17"/>
-          <p:cNvSpPr txBox="1"/>
+          <p:cNvSpPr txBox="1">
+            <a:spLocks noGrp="1"/>
+          </p:cNvSpPr>
           <p:nvPr>
             <p:ph type="title"/>
           </p:nvPr>
@@ -11664,12 +11438,12 @@
           </a:prstGeom>
         </p:spPr>
         <p:txBody>
-          <a:bodyPr anchorCtr="0" anchor="t" bIns="91425" lIns="91425" spcFirstLastPara="1" rIns="91425" wrap="square" tIns="91425">
+          <a:bodyPr spcFirstLastPara="1" wrap="square" lIns="91425" tIns="91425" rIns="91425" bIns="91425" anchor="t" anchorCtr="0">
             <a:normAutofit/>
           </a:bodyPr>
           <a:lstStyle/>
           <a:p>
-            <a:pPr indent="0" lvl="0" marL="0" rtl="0" algn="l">
+            <a:pPr marL="0" lvl="0" indent="0" algn="l" rtl="0">
               <a:spcBef>
                 <a:spcPts val="0"/>
               </a:spcBef>
@@ -11689,9 +11463,11 @@
       <p:sp>
         <p:nvSpPr>
           <p:cNvPr id="152" name="Google Shape;152;p17"/>
-          <p:cNvSpPr txBox="1"/>
+          <p:cNvSpPr txBox="1">
+            <a:spLocks noGrp="1"/>
+          </p:cNvSpPr>
           <p:nvPr>
-            <p:ph idx="1" type="body"/>
+            <p:ph type="body" idx="1"/>
           </p:nvPr>
         </p:nvSpPr>
         <p:spPr>
@@ -11704,12 +11480,12 @@
           </a:prstGeom>
         </p:spPr>
         <p:txBody>
-          <a:bodyPr anchorCtr="0" anchor="t" bIns="91425" lIns="91425" spcFirstLastPara="1" rIns="91425" wrap="square" tIns="91425">
+          <a:bodyPr spcFirstLastPara="1" wrap="square" lIns="91425" tIns="91425" rIns="91425" bIns="91425" anchor="t" anchorCtr="0">
             <a:normAutofit/>
           </a:bodyPr>
           <a:lstStyle/>
           <a:p>
-            <a:pPr indent="-368300" lvl="0" marL="457200" rtl="0" algn="l">
+            <a:pPr marL="457200" lvl="0" indent="-368300" algn="l" rtl="0">
               <a:spcBef>
                 <a:spcPts val="0"/>
               </a:spcBef>
@@ -11726,7 +11502,7 @@
             <a:endParaRPr sz="2200"/>
           </a:p>
           <a:p>
-            <a:pPr indent="-368300" lvl="0" marL="457200" rtl="0" algn="l">
+            <a:pPr marL="457200" lvl="0" indent="-368300" algn="l" rtl="0">
               <a:spcBef>
                 <a:spcPts val="0"/>
               </a:spcBef>
@@ -11743,7 +11519,7 @@
             <a:endParaRPr sz="2200"/>
           </a:p>
           <a:p>
-            <a:pPr indent="-368300" lvl="0" marL="457200" rtl="0" algn="l">
+            <a:pPr marL="457200" lvl="0" indent="-368300" algn="l" rtl="0">
               <a:spcBef>
                 <a:spcPts val="0"/>
               </a:spcBef>
@@ -11760,7 +11536,7 @@
             <a:endParaRPr sz="2200"/>
           </a:p>
           <a:p>
-            <a:pPr indent="-368300" lvl="0" marL="457200" rtl="0" algn="l">
+            <a:pPr marL="457200" lvl="0" indent="-368300" algn="l" rtl="0">
               <a:spcBef>
                 <a:spcPts val="0"/>
               </a:spcBef>
@@ -11794,7 +11570,7 @@
         </p:blipFill>
         <p:spPr>
           <a:xfrm>
-            <a:off x="4752963" y="2085963"/>
+            <a:off x="4485333" y="1885241"/>
             <a:ext cx="4391025" cy="3057525"/>
           </a:xfrm>
           <a:prstGeom prst="rect">
@@ -11814,12 +11590,12 @@
 </p:sld>
 </file>
 
-<file path=ppt/slides/slide6.xml><?xml version="1.0" encoding="utf-8"?>
-<p:sld xmlns:a="http://schemas.openxmlformats.org/drawingml/2006/main" xmlns:r="http://schemas.openxmlformats.org/officeDocument/2006/relationships" xmlns:mc="http://schemas.openxmlformats.org/markup-compatibility/2006" xmlns:mv="urn:schemas-microsoft-com:mac:vml" xmlns:p="http://schemas.openxmlformats.org/presentationml/2006/main" xmlns:c="http://schemas.openxmlformats.org/drawingml/2006/chart" xmlns:dgm="http://schemas.openxmlformats.org/drawingml/2006/diagram" xmlns:o="urn:schemas-microsoft-com:office:office" xmlns:v="urn:schemas-microsoft-com:vml" xmlns:pvml="urn:schemas-microsoft-com:office:powerpoint" xmlns:com="http://schemas.openxmlformats.org/drawingml/2006/compatibility" xmlns:p14="http://schemas.microsoft.com/office/powerpoint/2010/main" xmlns:p15="http://schemas.microsoft.com/office/powerpoint/2012/main" xmlns:ahyp="http://schemas.microsoft.com/office/drawing/2018/hyperlinkcolor">
+<file path=ppt/slides/slide5.xml><?xml version="1.0" encoding="utf-8"?>
+<p:sld xmlns:a="http://schemas.openxmlformats.org/drawingml/2006/main" xmlns:r="http://schemas.openxmlformats.org/officeDocument/2006/relationships" xmlns:p="http://schemas.openxmlformats.org/presentationml/2006/main">
   <p:cSld>
     <p:spTree>
       <p:nvGrpSpPr>
-        <p:cNvPr id="157" name="Shape 157"/>
+        <p:cNvPr id="1" name="Shape 157"/>
         <p:cNvGrpSpPr/>
         <p:nvPr/>
       </p:nvGrpSpPr>
@@ -11834,7 +11610,9 @@
       <p:sp>
         <p:nvSpPr>
           <p:cNvPr id="158" name="Google Shape;158;p18"/>
-          <p:cNvSpPr txBox="1"/>
+          <p:cNvSpPr txBox="1">
+            <a:spLocks noGrp="1"/>
+          </p:cNvSpPr>
           <p:nvPr>
             <p:ph type="title"/>
           </p:nvPr>
@@ -11849,12 +11627,12 @@
           </a:prstGeom>
         </p:spPr>
         <p:txBody>
-          <a:bodyPr anchorCtr="0" anchor="t" bIns="91425" lIns="91425" spcFirstLastPara="1" rIns="91425" wrap="square" tIns="91425">
+          <a:bodyPr spcFirstLastPara="1" wrap="square" lIns="91425" tIns="91425" rIns="91425" bIns="91425" anchor="t" anchorCtr="0">
             <a:normAutofit/>
           </a:bodyPr>
           <a:lstStyle/>
           <a:p>
-            <a:pPr indent="0" lvl="0" marL="0" rtl="0" algn="l">
+            <a:pPr marL="0" lvl="0" indent="0" algn="l" rtl="0">
               <a:spcBef>
                 <a:spcPts val="0"/>
               </a:spcBef>
@@ -11874,9 +11652,11 @@
       <p:sp>
         <p:nvSpPr>
           <p:cNvPr id="159" name="Google Shape;159;p18"/>
-          <p:cNvSpPr txBox="1"/>
+          <p:cNvSpPr txBox="1">
+            <a:spLocks noGrp="1"/>
+          </p:cNvSpPr>
           <p:nvPr>
-            <p:ph idx="1" type="body"/>
+            <p:ph type="body" idx="1"/>
           </p:nvPr>
         </p:nvSpPr>
         <p:spPr>
@@ -11889,12 +11669,12 @@
           </a:prstGeom>
         </p:spPr>
         <p:txBody>
-          <a:bodyPr anchorCtr="0" anchor="t" bIns="91425" lIns="91425" spcFirstLastPara="1" rIns="91425" wrap="square" tIns="91425">
+          <a:bodyPr spcFirstLastPara="1" wrap="square" lIns="91425" tIns="91425" rIns="91425" bIns="91425" anchor="t" anchorCtr="0">
             <a:normAutofit/>
           </a:bodyPr>
           <a:lstStyle/>
           <a:p>
-            <a:pPr indent="-368300" lvl="0" marL="457200" rtl="0" algn="l">
+            <a:pPr marL="457200" lvl="0" indent="-368300" algn="l" rtl="0">
               <a:spcBef>
                 <a:spcPts val="0"/>
               </a:spcBef>
@@ -11911,7 +11691,7 @@
             <a:endParaRPr sz="2200"/>
           </a:p>
           <a:p>
-            <a:pPr indent="-368300" lvl="0" marL="457200" rtl="0" algn="l">
+            <a:pPr marL="457200" lvl="0" indent="-368300" algn="l" rtl="0">
               <a:spcBef>
                 <a:spcPts val="0"/>
               </a:spcBef>
@@ -11928,7 +11708,7 @@
             <a:endParaRPr sz="2200"/>
           </a:p>
           <a:p>
-            <a:pPr indent="-368300" lvl="0" marL="457200" rtl="0" algn="l">
+            <a:pPr marL="457200" lvl="0" indent="-368300" algn="l" rtl="0">
               <a:spcBef>
                 <a:spcPts val="0"/>
               </a:spcBef>
@@ -11940,16 +11720,12 @@
             </a:pPr>
             <a:r>
               <a:rPr lang="en" sz="2200"/>
-              <a:t>Location </a:t>
-            </a:r>
-            <a:r>
-              <a:rPr lang="en" sz="2200"/>
-              <a:t>categories</a:t>
+              <a:t>Location categories</a:t>
             </a:r>
             <a:endParaRPr sz="2200"/>
           </a:p>
           <a:p>
-            <a:pPr indent="-368300" lvl="0" marL="457200" rtl="0" algn="l">
+            <a:pPr marL="457200" lvl="0" indent="-368300" algn="l" rtl="0">
               <a:spcBef>
                 <a:spcPts val="0"/>
               </a:spcBef>
@@ -11961,16 +11737,12 @@
             </a:pPr>
             <a:r>
               <a:rPr lang="en" sz="2200"/>
-              <a:t>Subcategories</a:t>
-            </a:r>
-            <a:r>
-              <a:rPr lang="en" sz="2200"/>
-              <a:t> in the filter</a:t>
+              <a:t>Subcategories in the filter</a:t>
             </a:r>
             <a:endParaRPr sz="2200"/>
           </a:p>
           <a:p>
-            <a:pPr indent="-368300" lvl="0" marL="457200" rtl="0" algn="l">
+            <a:pPr marL="457200" lvl="0" indent="-368300" algn="l" rtl="0">
               <a:spcBef>
                 <a:spcPts val="0"/>
               </a:spcBef>
@@ -12004,7 +11776,7 @@
         </p:blipFill>
         <p:spPr>
           <a:xfrm>
-            <a:off x="4733850" y="0"/>
+            <a:off x="4429050" y="51937"/>
             <a:ext cx="4410150" cy="3496525"/>
           </a:xfrm>
           <a:prstGeom prst="rect">
@@ -12032,7 +11804,7 @@
         </p:blipFill>
         <p:spPr>
           <a:xfrm>
-            <a:off x="6702679" y="3496525"/>
+            <a:off x="4429050" y="3548462"/>
             <a:ext cx="2441321" cy="1646975"/>
           </a:xfrm>
           <a:prstGeom prst="rect">
@@ -12042,6 +11814,36 @@
           <a:ln>
             <a:noFill/>
           </a:ln>
+        </p:spPr>
+      </p:pic>
+      <p:pic>
+        <p:nvPicPr>
+          <p:cNvPr id="3" name="Picture 2">
+            <a:extLst>
+              <a:ext uri="{FF2B5EF4-FFF2-40B4-BE49-F238E27FC236}">
+                <a16:creationId xmlns:a16="http://schemas.microsoft.com/office/drawing/2014/main" id="{827B40B1-9DDF-3A2C-C741-89BF4F96782B}"/>
+              </a:ext>
+            </a:extLst>
+          </p:cNvPr>
+          <p:cNvPicPr>
+            <a:picLocks noChangeAspect="1"/>
+          </p:cNvPicPr>
+          <p:nvPr/>
+        </p:nvPicPr>
+        <p:blipFill>
+          <a:blip r:embed="rId5"/>
+          <a:stretch>
+            <a:fillRect/>
+          </a:stretch>
+        </p:blipFill>
+        <p:spPr>
+          <a:xfrm>
+            <a:off x="6929845" y="3548462"/>
+            <a:ext cx="2340536" cy="1628150"/>
+          </a:xfrm>
+          <a:prstGeom prst="rect">
+            <a:avLst/>
+          </a:prstGeom>
         </p:spPr>
       </p:pic>
     </p:spTree>
@@ -12052,12 +11854,12 @@
 </p:sld>
 </file>
 
-<file path=ppt/slides/slide7.xml><?xml version="1.0" encoding="utf-8"?>
-<p:sld xmlns:a="http://schemas.openxmlformats.org/drawingml/2006/main" xmlns:r="http://schemas.openxmlformats.org/officeDocument/2006/relationships" xmlns:mc="http://schemas.openxmlformats.org/markup-compatibility/2006" xmlns:mv="urn:schemas-microsoft-com:mac:vml" xmlns:p="http://schemas.openxmlformats.org/presentationml/2006/main" xmlns:c="http://schemas.openxmlformats.org/drawingml/2006/chart" xmlns:dgm="http://schemas.openxmlformats.org/drawingml/2006/diagram" xmlns:o="urn:schemas-microsoft-com:office:office" xmlns:v="urn:schemas-microsoft-com:vml" xmlns:pvml="urn:schemas-microsoft-com:office:powerpoint" xmlns:com="http://schemas.openxmlformats.org/drawingml/2006/compatibility" xmlns:p14="http://schemas.microsoft.com/office/powerpoint/2010/main" xmlns:p15="http://schemas.microsoft.com/office/powerpoint/2012/main" xmlns:ahyp="http://schemas.microsoft.com/office/drawing/2018/hyperlinkcolor">
+<file path=ppt/slides/slide6.xml><?xml version="1.0" encoding="utf-8"?>
+<p:sld xmlns:a="http://schemas.openxmlformats.org/drawingml/2006/main" xmlns:r="http://schemas.openxmlformats.org/officeDocument/2006/relationships" xmlns:p="http://schemas.openxmlformats.org/presentationml/2006/main">
   <p:cSld>
     <p:spTree>
       <p:nvGrpSpPr>
-        <p:cNvPr id="165" name="Shape 165"/>
+        <p:cNvPr id="1" name="Shape 165"/>
         <p:cNvGrpSpPr/>
         <p:nvPr/>
       </p:nvGrpSpPr>
@@ -12072,7 +11874,9 @@
       <p:sp>
         <p:nvSpPr>
           <p:cNvPr id="166" name="Google Shape;166;p19"/>
-          <p:cNvSpPr txBox="1"/>
+          <p:cNvSpPr txBox="1">
+            <a:spLocks noGrp="1"/>
+          </p:cNvSpPr>
           <p:nvPr>
             <p:ph type="title"/>
           </p:nvPr>
@@ -12087,12 +11891,12 @@
           </a:prstGeom>
         </p:spPr>
         <p:txBody>
-          <a:bodyPr anchorCtr="0" anchor="t" bIns="91425" lIns="91425" spcFirstLastPara="1" rIns="91425" wrap="square" tIns="91425">
+          <a:bodyPr spcFirstLastPara="1" wrap="square" lIns="91425" tIns="91425" rIns="91425" bIns="91425" anchor="t" anchorCtr="0">
             <a:normAutofit/>
           </a:bodyPr>
           <a:lstStyle/>
           <a:p>
-            <a:pPr indent="0" lvl="0" marL="0" rtl="0" algn="l">
+            <a:pPr marL="0" lvl="0" indent="0" algn="l" rtl="0">
               <a:spcBef>
                 <a:spcPts val="0"/>
               </a:spcBef>
@@ -12112,9 +11916,11 @@
       <p:sp>
         <p:nvSpPr>
           <p:cNvPr id="167" name="Google Shape;167;p19"/>
-          <p:cNvSpPr txBox="1"/>
+          <p:cNvSpPr txBox="1">
+            <a:spLocks noGrp="1"/>
+          </p:cNvSpPr>
           <p:nvPr>
-            <p:ph idx="1" type="body"/>
+            <p:ph type="body" idx="1"/>
           </p:nvPr>
         </p:nvSpPr>
         <p:spPr>
@@ -12127,12 +11933,12 @@
           </a:prstGeom>
         </p:spPr>
         <p:txBody>
-          <a:bodyPr anchorCtr="0" anchor="t" bIns="91425" lIns="91425" spcFirstLastPara="1" rIns="91425" wrap="square" tIns="91425">
+          <a:bodyPr spcFirstLastPara="1" wrap="square" lIns="91425" tIns="91425" rIns="91425" bIns="91425" anchor="t" anchorCtr="0">
             <a:normAutofit/>
           </a:bodyPr>
           <a:lstStyle/>
           <a:p>
-            <a:pPr indent="-368300" lvl="0" marL="457200" rtl="0" algn="l">
+            <a:pPr marL="457200" lvl="0" indent="-368300" algn="l" rtl="0">
               <a:spcBef>
                 <a:spcPts val="0"/>
               </a:spcBef>
@@ -12149,7 +11955,7 @@
             <a:endParaRPr sz="2200"/>
           </a:p>
           <a:p>
-            <a:pPr indent="-368300" lvl="0" marL="457200" rtl="0" algn="l">
+            <a:pPr marL="457200" lvl="0" indent="-368300" algn="l" rtl="0">
               <a:spcBef>
                 <a:spcPts val="0"/>
               </a:spcBef>
@@ -12166,7 +11972,7 @@
             <a:endParaRPr sz="2200"/>
           </a:p>
           <a:p>
-            <a:pPr indent="-368300" lvl="0" marL="457200" rtl="0" algn="l">
+            <a:pPr marL="457200" lvl="0" indent="-368300" algn="l" rtl="0">
               <a:spcBef>
                 <a:spcPts val="0"/>
               </a:spcBef>
@@ -12183,7 +11989,7 @@
             <a:endParaRPr sz="2200"/>
           </a:p>
           <a:p>
-            <a:pPr indent="-368300" lvl="0" marL="457200" rtl="0" algn="l">
+            <a:pPr marL="457200" lvl="0" indent="-368300" algn="l" rtl="0">
               <a:spcBef>
                 <a:spcPts val="0"/>
               </a:spcBef>
@@ -12200,7 +12006,7 @@
             <a:endParaRPr sz="2200"/>
           </a:p>
           <a:p>
-            <a:pPr indent="-368300" lvl="0" marL="457200" rtl="0" algn="l">
+            <a:pPr marL="457200" lvl="0" indent="-368300" algn="l" rtl="0">
               <a:spcBef>
                 <a:spcPts val="0"/>
               </a:spcBef>
@@ -12220,30 +12026,32 @@
       </p:sp>
       <p:pic>
         <p:nvPicPr>
-          <p:cNvPr id="168" name="Google Shape;168;p19" title="View_Itinerary.png"/>
-          <p:cNvPicPr preferRelativeResize="0"/>
+          <p:cNvPr id="3" name="Picture 2">
+            <a:extLst>
+              <a:ext uri="{FF2B5EF4-FFF2-40B4-BE49-F238E27FC236}">
+                <a16:creationId xmlns:a16="http://schemas.microsoft.com/office/drawing/2014/main" id="{7B4844C9-51BC-40F3-4E5A-E5C2375B122A}"/>
+              </a:ext>
+            </a:extLst>
+          </p:cNvPr>
+          <p:cNvPicPr>
+            <a:picLocks noChangeAspect="1"/>
+          </p:cNvPicPr>
           <p:nvPr/>
         </p:nvPicPr>
         <p:blipFill>
-          <a:blip r:embed="rId3">
-            <a:alphaModFix/>
-          </a:blip>
+          <a:blip r:embed="rId3"/>
           <a:stretch>
             <a:fillRect/>
           </a:stretch>
         </p:blipFill>
         <p:spPr>
           <a:xfrm>
-            <a:off x="5971888" y="0"/>
-            <a:ext cx="3172124" cy="5143500"/>
+            <a:off x="5174167" y="89210"/>
+            <a:ext cx="3836018" cy="5143500"/>
           </a:xfrm>
           <a:prstGeom prst="rect">
             <a:avLst/>
           </a:prstGeom>
-          <a:noFill/>
-          <a:ln>
-            <a:noFill/>
-          </a:ln>
         </p:spPr>
       </p:pic>
     </p:spTree>
@@ -12254,12 +12062,12 @@
 </p:sld>
 </file>
 
-<file path=ppt/slides/slide8.xml><?xml version="1.0" encoding="utf-8"?>
-<p:sld xmlns:a="http://schemas.openxmlformats.org/drawingml/2006/main" xmlns:r="http://schemas.openxmlformats.org/officeDocument/2006/relationships" xmlns:mc="http://schemas.openxmlformats.org/markup-compatibility/2006" xmlns:mv="urn:schemas-microsoft-com:mac:vml" xmlns:p="http://schemas.openxmlformats.org/presentationml/2006/main" xmlns:c="http://schemas.openxmlformats.org/drawingml/2006/chart" xmlns:dgm="http://schemas.openxmlformats.org/drawingml/2006/diagram" xmlns:o="urn:schemas-microsoft-com:office:office" xmlns:v="urn:schemas-microsoft-com:vml" xmlns:pvml="urn:schemas-microsoft-com:office:powerpoint" xmlns:com="http://schemas.openxmlformats.org/drawingml/2006/compatibility" xmlns:p14="http://schemas.microsoft.com/office/powerpoint/2010/main" xmlns:p15="http://schemas.microsoft.com/office/powerpoint/2012/main" xmlns:ahyp="http://schemas.microsoft.com/office/drawing/2018/hyperlinkcolor">
+<file path=ppt/slides/slide7.xml><?xml version="1.0" encoding="utf-8"?>
+<p:sld xmlns:a="http://schemas.openxmlformats.org/drawingml/2006/main" xmlns:r="http://schemas.openxmlformats.org/officeDocument/2006/relationships" xmlns:p="http://schemas.openxmlformats.org/presentationml/2006/main">
   <p:cSld>
     <p:spTree>
       <p:nvGrpSpPr>
-        <p:cNvPr id="172" name="Shape 172"/>
+        <p:cNvPr id="1" name="Shape 172"/>
         <p:cNvGrpSpPr/>
         <p:nvPr/>
       </p:nvGrpSpPr>
@@ -12274,7 +12082,9 @@
       <p:sp>
         <p:nvSpPr>
           <p:cNvPr id="173" name="Google Shape;173;p20"/>
-          <p:cNvSpPr txBox="1"/>
+          <p:cNvSpPr txBox="1">
+            <a:spLocks noGrp="1"/>
+          </p:cNvSpPr>
           <p:nvPr>
             <p:ph type="title"/>
           </p:nvPr>
@@ -12289,12 +12099,12 @@
           </a:prstGeom>
         </p:spPr>
         <p:txBody>
-          <a:bodyPr anchorCtr="0" anchor="ctr" bIns="91425" lIns="91425" spcFirstLastPara="1" rIns="91425" wrap="square" tIns="91425">
+          <a:bodyPr spcFirstLastPara="1" wrap="square" lIns="91425" tIns="91425" rIns="91425" bIns="91425" anchor="ctr" anchorCtr="0">
             <a:normAutofit/>
           </a:bodyPr>
           <a:lstStyle/>
           <a:p>
-            <a:pPr indent="0" lvl="0" marL="0" rtl="0" algn="ctr">
+            <a:pPr marL="0" lvl="0" indent="0" algn="ctr" rtl="0">
               <a:spcBef>
                 <a:spcPts val="0"/>
               </a:spcBef>
@@ -12319,12 +12129,12 @@
 </p:sld>
 </file>
 
-<file path=ppt/slides/slide9.xml><?xml version="1.0" encoding="utf-8"?>
-<p:sld xmlns:a="http://schemas.openxmlformats.org/drawingml/2006/main" xmlns:r="http://schemas.openxmlformats.org/officeDocument/2006/relationships" xmlns:mc="http://schemas.openxmlformats.org/markup-compatibility/2006" xmlns:mv="urn:schemas-microsoft-com:mac:vml" xmlns:p="http://schemas.openxmlformats.org/presentationml/2006/main" xmlns:c="http://schemas.openxmlformats.org/drawingml/2006/chart" xmlns:dgm="http://schemas.openxmlformats.org/drawingml/2006/diagram" xmlns:o="urn:schemas-microsoft-com:office:office" xmlns:v="urn:schemas-microsoft-com:vml" xmlns:pvml="urn:schemas-microsoft-com:office:powerpoint" xmlns:com="http://schemas.openxmlformats.org/drawingml/2006/compatibility" xmlns:p14="http://schemas.microsoft.com/office/powerpoint/2010/main" xmlns:p15="http://schemas.microsoft.com/office/powerpoint/2012/main" xmlns:ahyp="http://schemas.microsoft.com/office/drawing/2018/hyperlinkcolor">
+<file path=ppt/slides/slide8.xml><?xml version="1.0" encoding="utf-8"?>
+<p:sld xmlns:a="http://schemas.openxmlformats.org/drawingml/2006/main" xmlns:r="http://schemas.openxmlformats.org/officeDocument/2006/relationships" xmlns:p="http://schemas.openxmlformats.org/presentationml/2006/main">
   <p:cSld>
     <p:spTree>
       <p:nvGrpSpPr>
-        <p:cNvPr id="177" name="Shape 177"/>
+        <p:cNvPr id="1" name="Shape 177"/>
         <p:cNvGrpSpPr/>
         <p:nvPr/>
       </p:nvGrpSpPr>
@@ -12339,7 +12149,9 @@
       <p:sp>
         <p:nvSpPr>
           <p:cNvPr id="178" name="Google Shape;178;p21"/>
-          <p:cNvSpPr txBox="1"/>
+          <p:cNvSpPr txBox="1">
+            <a:spLocks noGrp="1"/>
+          </p:cNvSpPr>
           <p:nvPr>
             <p:ph type="title"/>
           </p:nvPr>
@@ -12354,12 +12166,12 @@
           </a:prstGeom>
         </p:spPr>
         <p:txBody>
-          <a:bodyPr anchorCtr="0" anchor="t" bIns="91425" lIns="91425" spcFirstLastPara="1" rIns="91425" wrap="square" tIns="91425">
+          <a:bodyPr spcFirstLastPara="1" wrap="square" lIns="91425" tIns="91425" rIns="91425" bIns="91425" anchor="t" anchorCtr="0">
             <a:normAutofit/>
           </a:bodyPr>
           <a:lstStyle/>
           <a:p>
-            <a:pPr indent="0" lvl="0" marL="0" rtl="0" algn="l">
+            <a:pPr marL="0" lvl="0" indent="0" algn="l" rtl="0">
               <a:spcBef>
                 <a:spcPts val="0"/>
               </a:spcBef>
@@ -12379,9 +12191,11 @@
       <p:sp>
         <p:nvSpPr>
           <p:cNvPr id="179" name="Google Shape;179;p21"/>
-          <p:cNvSpPr txBox="1"/>
+          <p:cNvSpPr txBox="1">
+            <a:spLocks noGrp="1"/>
+          </p:cNvSpPr>
           <p:nvPr>
-            <p:ph idx="1" type="body"/>
+            <p:ph type="body" idx="1"/>
           </p:nvPr>
         </p:nvSpPr>
         <p:spPr>
@@ -12394,12 +12208,12 @@
           </a:prstGeom>
         </p:spPr>
         <p:txBody>
-          <a:bodyPr anchorCtr="0" anchor="t" bIns="91425" lIns="91425" spcFirstLastPara="1" rIns="91425" wrap="square" tIns="91425">
+          <a:bodyPr spcFirstLastPara="1" wrap="square" lIns="91425" tIns="91425" rIns="91425" bIns="91425" anchor="t" anchorCtr="0">
             <a:normAutofit/>
           </a:bodyPr>
           <a:lstStyle/>
           <a:p>
-            <a:pPr indent="-368300" lvl="0" marL="457200" rtl="0" algn="l">
+            <a:pPr marL="457200" lvl="0" indent="-368300" algn="l" rtl="0">
               <a:spcBef>
                 <a:spcPts val="0"/>
               </a:spcBef>
@@ -12416,7 +12230,7 @@
             <a:endParaRPr sz="2200"/>
           </a:p>
           <a:p>
-            <a:pPr indent="-368300" lvl="0" marL="457200" rtl="0" algn="l">
+            <a:pPr marL="457200" lvl="0" indent="-368300" algn="l" rtl="0">
               <a:spcBef>
                 <a:spcPts val="0"/>
               </a:spcBef>
@@ -12433,7 +12247,7 @@
             <a:endParaRPr sz="2200"/>
           </a:p>
           <a:p>
-            <a:pPr indent="-368300" lvl="0" marL="457200" rtl="0" algn="l">
+            <a:pPr marL="457200" lvl="0" indent="-368300" algn="l" rtl="0">
               <a:spcBef>
                 <a:spcPts val="0"/>
               </a:spcBef>
@@ -12450,7 +12264,7 @@
             <a:endParaRPr sz="2200"/>
           </a:p>
           <a:p>
-            <a:pPr indent="-368300" lvl="0" marL="457200" rtl="0" algn="l">
+            <a:pPr marL="457200" lvl="0" indent="-368300" algn="l" rtl="0">
               <a:spcBef>
                 <a:spcPts val="0"/>
               </a:spcBef>
@@ -12504,8 +12318,103 @@
 </p:sld>
 </file>
 
+<file path=ppt/slides/slide9.xml><?xml version="1.0" encoding="utf-8"?>
+<p:sld xmlns:a="http://schemas.openxmlformats.org/drawingml/2006/main" xmlns:r="http://schemas.openxmlformats.org/officeDocument/2006/relationships" xmlns:p="http://schemas.openxmlformats.org/presentationml/2006/main">
+  <p:cSld>
+    <p:spTree>
+      <p:nvGrpSpPr>
+        <p:cNvPr id="1" name="Shape 184"/>
+        <p:cNvGrpSpPr/>
+        <p:nvPr/>
+      </p:nvGrpSpPr>
+      <p:grpSpPr>
+        <a:xfrm>
+          <a:off x="0" y="0"/>
+          <a:ext cx="0" cy="0"/>
+          <a:chOff x="0" y="0"/>
+          <a:chExt cx="0" cy="0"/>
+        </a:xfrm>
+      </p:grpSpPr>
+      <p:sp>
+        <p:nvSpPr>
+          <p:cNvPr id="185" name="Google Shape;185;p22"/>
+          <p:cNvSpPr txBox="1">
+            <a:spLocks noGrp="1"/>
+          </p:cNvSpPr>
+          <p:nvPr>
+            <p:ph type="title"/>
+          </p:nvPr>
+        </p:nvSpPr>
+        <p:spPr>
+          <a:xfrm>
+            <a:off x="1888684" y="1746100"/>
+            <a:ext cx="5377500" cy="1646100"/>
+          </a:xfrm>
+          <a:prstGeom prst="rect">
+            <a:avLst/>
+          </a:prstGeom>
+        </p:spPr>
+        <p:txBody>
+          <a:bodyPr spcFirstLastPara="1" wrap="square" lIns="91425" tIns="91425" rIns="91425" bIns="91425" anchor="ctr" anchorCtr="0">
+            <a:normAutofit/>
+          </a:bodyPr>
+          <a:lstStyle/>
+          <a:p>
+            <a:pPr marL="0" lvl="0" indent="0" algn="l" rtl="0">
+              <a:lnSpc>
+                <a:spcPct val="115000"/>
+              </a:lnSpc>
+              <a:spcBef>
+                <a:spcPts val="0"/>
+              </a:spcBef>
+              <a:spcAft>
+                <a:spcPts val="0"/>
+              </a:spcAft>
+              <a:buNone/>
+            </a:pPr>
+            <a:r>
+              <a:rPr lang="en" sz="2200">
+                <a:latin typeface="Calibri"/>
+                <a:ea typeface="Calibri"/>
+                <a:cs typeface="Calibri"/>
+                <a:sym typeface="Calibri"/>
+              </a:rPr>
+              <a:t>All of the many components of React</a:t>
+            </a:r>
+            <a:endParaRPr sz="1400">
+              <a:solidFill>
+                <a:srgbClr val="000000"/>
+              </a:solidFill>
+              <a:latin typeface="Arial"/>
+              <a:ea typeface="Arial"/>
+              <a:cs typeface="Arial"/>
+              <a:sym typeface="Arial"/>
+            </a:endParaRPr>
+          </a:p>
+          <a:p>
+            <a:pPr marL="0" lvl="0" indent="0" algn="ctr" rtl="0">
+              <a:spcBef>
+                <a:spcPts val="1200"/>
+              </a:spcBef>
+              <a:spcAft>
+                <a:spcPts val="0"/>
+              </a:spcAft>
+              <a:buNone/>
+            </a:pPr>
+            <a:endParaRPr/>
+          </a:p>
+        </p:txBody>
+      </p:sp>
+    </p:spTree>
+  </p:cSld>
+  <p:clrMapOvr>
+    <a:masterClrMapping/>
+  </p:clrMapOvr>
+</p:sld>
+</file>
+
 <file path=ppt/theme/theme1.xml><?xml version="1.0" encoding="utf-8"?>
-<a:theme xmlns:a="http://schemas.openxmlformats.org/drawingml/2006/main" xmlns:r="http://schemas.openxmlformats.org/officeDocument/2006/relationships" name="Shift">
+<a:theme xmlns:a="http://schemas.openxmlformats.org/drawingml/2006/main" name="Shift">
   <a:themeElements>
     <a:clrScheme name="Shift">
       <a:dk1>
@@ -12780,11 +12689,13 @@
       </a:bgFillStyleLst>
     </a:fmtScheme>
   </a:themeElements>
+  <a:objectDefaults/>
+  <a:extraClrSchemeLst/>
 </a:theme>
 </file>
 
 <file path=ppt/theme/theme2.xml><?xml version="1.0" encoding="utf-8"?>
-<a:theme xmlns:a="http://schemas.openxmlformats.org/drawingml/2006/main" xmlns:r="http://schemas.openxmlformats.org/officeDocument/2006/relationships">
+<a:theme xmlns:a="http://schemas.openxmlformats.org/drawingml/2006/main">
   <a:themeElements>
     <a:clrScheme name="Default">
       <a:dk1>
@@ -13059,5 +12970,7 @@
       </a:bgFillStyleLst>
     </a:fmtScheme>
   </a:themeElements>
+  <a:objectDefaults/>
+  <a:extraClrSchemeLst/>
 </a:theme>
 </file>
--- a/Documents/Project Design/Project Design.pptx
+++ b/Documents/Project Design/Project Design.pptx
@@ -1,43 +1,44 @@
 
 <file path=ppt/presentation.xml><?xml version="1.0" encoding="utf-8"?>
-<p:presentation xmlns:a="http://schemas.openxmlformats.org/drawingml/2006/main" xmlns:r="http://schemas.openxmlformats.org/officeDocument/2006/relationships" xmlns:p="http://schemas.openxmlformats.org/presentationml/2006/main" strictFirstAndLastChars="0" embedTrueTypeFonts="1" saveSubsetFonts="1" autoCompressPictures="0">
+<p:presentation xmlns:a="http://schemas.openxmlformats.org/drawingml/2006/main" xmlns:r="http://schemas.openxmlformats.org/officeDocument/2006/relationships" xmlns:mc="http://schemas.openxmlformats.org/markup-compatibility/2006" xmlns:mv="urn:schemas-microsoft-com:mac:vml" xmlns:p="http://schemas.openxmlformats.org/presentationml/2006/main" xmlns:c="http://schemas.openxmlformats.org/drawingml/2006/chart" xmlns:dgm="http://schemas.openxmlformats.org/drawingml/2006/diagram" xmlns:o="urn:schemas-microsoft-com:office:office" xmlns:v="urn:schemas-microsoft-com:vml" xmlns:pvml="urn:schemas-microsoft-com:office:powerpoint" xmlns:com="http://schemas.openxmlformats.org/drawingml/2006/compatibility" xmlns:p14="http://schemas.microsoft.com/office/powerpoint/2010/main" xmlns:p15="http://schemas.microsoft.com/office/powerpoint/2012/main" xmlns:ahyp="http://schemas.microsoft.com/office/drawing/2018/hyperlinkcolor" autoCompressPictures="0" embedTrueTypeFonts="1" strictFirstAndLastChars="0" saveSubsetFonts="1">
   <p:sldMasterIdLst>
-    <p:sldMasterId id="2147483659" r:id="rId1"/>
+    <p:sldMasterId id="2147483659" r:id="rId4"/>
   </p:sldMasterIdLst>
   <p:notesMasterIdLst>
-    <p:notesMasterId r:id="rId18"/>
+    <p:notesMasterId r:id="rId5"/>
   </p:notesMasterIdLst>
   <p:sldIdLst>
-    <p:sldId id="256" r:id="rId2"/>
-    <p:sldId id="258" r:id="rId3"/>
-    <p:sldId id="259" r:id="rId4"/>
-    <p:sldId id="260" r:id="rId5"/>
-    <p:sldId id="261" r:id="rId6"/>
-    <p:sldId id="262" r:id="rId7"/>
-    <p:sldId id="263" r:id="rId8"/>
-    <p:sldId id="264" r:id="rId9"/>
-    <p:sldId id="265" r:id="rId10"/>
-    <p:sldId id="266" r:id="rId11"/>
-    <p:sldId id="267" r:id="rId12"/>
-    <p:sldId id="268" r:id="rId13"/>
-    <p:sldId id="269" r:id="rId14"/>
-    <p:sldId id="270" r:id="rId15"/>
-    <p:sldId id="271" r:id="rId16"/>
-    <p:sldId id="272" r:id="rId17"/>
+    <p:sldId id="256" r:id="rId6"/>
+    <p:sldId id="257" r:id="rId7"/>
+    <p:sldId id="258" r:id="rId8"/>
+    <p:sldId id="259" r:id="rId9"/>
+    <p:sldId id="260" r:id="rId10"/>
+    <p:sldId id="261" r:id="rId11"/>
+    <p:sldId id="262" r:id="rId12"/>
+    <p:sldId id="263" r:id="rId13"/>
+    <p:sldId id="264" r:id="rId14"/>
+    <p:sldId id="265" r:id="rId15"/>
+    <p:sldId id="266" r:id="rId16"/>
+    <p:sldId id="267" r:id="rId17"/>
+    <p:sldId id="268" r:id="rId18"/>
+    <p:sldId id="269" r:id="rId19"/>
+    <p:sldId id="270" r:id="rId20"/>
+    <p:sldId id="271" r:id="rId21"/>
+    <p:sldId id="272" r:id="rId22"/>
   </p:sldIdLst>
-  <p:sldSz cx="9144000" cy="5143500" type="screen16x9"/>
+  <p:sldSz cy="5143500" cx="9144000"/>
   <p:notesSz cx="6858000" cy="9144000"/>
   <p:embeddedFontLst>
     <p:embeddedFont>
-      <p:font typeface="Nunito" panose="020F0502020204030204" pitchFamily="2" charset="0"/>
-      <p:regular r:id="rId19"/>
-      <p:bold r:id="rId20"/>
-      <p:italic r:id="rId21"/>
-      <p:boldItalic r:id="rId22"/>
+      <p:font typeface="Nunito"/>
+      <p:regular r:id="rId23"/>
+      <p:bold r:id="rId24"/>
+      <p:italic r:id="rId25"/>
+      <p:boldItalic r:id="rId26"/>
     </p:embeddedFont>
   </p:embeddedFontLst>
   <p:defaultTextStyle>
-    <a:defPPr marR="0" lvl="0" algn="l" rtl="0">
+    <a:defPPr lvl="0" marR="0" rtl="0" algn="l">
       <a:lnSpc>
         <a:spcPct val="100000"/>
       </a:lnSpc>
@@ -48,7 +49,7 @@
         <a:spcPts val="0"/>
       </a:spcAft>
     </a:defPPr>
-    <a:lvl1pPr marR="0" lvl="0" algn="l" rtl="0">
+    <a:lvl1pPr lvl="0" marR="0" rtl="0" algn="l">
       <a:lnSpc>
         <a:spcPct val="100000"/>
       </a:lnSpc>
@@ -62,7 +63,7 @@
         <a:srgbClr val="000000"/>
       </a:buClr>
       <a:buFont typeface="Arial"/>
-      <a:defRPr sz="1400" b="0" i="0" u="none" strike="noStrike" cap="none">
+      <a:defRPr b="0" i="0" sz="1400" u="none" cap="none" strike="noStrike">
         <a:solidFill>
           <a:srgbClr val="000000"/>
         </a:solidFill>
@@ -72,7 +73,7 @@
         <a:sym typeface="Arial"/>
       </a:defRPr>
     </a:lvl1pPr>
-    <a:lvl2pPr marR="0" lvl="1" algn="l" rtl="0">
+    <a:lvl2pPr lvl="1" marR="0" rtl="0" algn="l">
       <a:lnSpc>
         <a:spcPct val="100000"/>
       </a:lnSpc>
@@ -86,7 +87,7 @@
         <a:srgbClr val="000000"/>
       </a:buClr>
       <a:buFont typeface="Arial"/>
-      <a:defRPr sz="1400" b="0" i="0" u="none" strike="noStrike" cap="none">
+      <a:defRPr b="0" i="0" sz="1400" u="none" cap="none" strike="noStrike">
         <a:solidFill>
           <a:srgbClr val="000000"/>
         </a:solidFill>
@@ -96,7 +97,7 @@
         <a:sym typeface="Arial"/>
       </a:defRPr>
     </a:lvl2pPr>
-    <a:lvl3pPr marR="0" lvl="2" algn="l" rtl="0">
+    <a:lvl3pPr lvl="2" marR="0" rtl="0" algn="l">
       <a:lnSpc>
         <a:spcPct val="100000"/>
       </a:lnSpc>
@@ -110,7 +111,7 @@
         <a:srgbClr val="000000"/>
       </a:buClr>
       <a:buFont typeface="Arial"/>
-      <a:defRPr sz="1400" b="0" i="0" u="none" strike="noStrike" cap="none">
+      <a:defRPr b="0" i="0" sz="1400" u="none" cap="none" strike="noStrike">
         <a:solidFill>
           <a:srgbClr val="000000"/>
         </a:solidFill>
@@ -120,7 +121,7 @@
         <a:sym typeface="Arial"/>
       </a:defRPr>
     </a:lvl3pPr>
-    <a:lvl4pPr marR="0" lvl="3" algn="l" rtl="0">
+    <a:lvl4pPr lvl="3" marR="0" rtl="0" algn="l">
       <a:lnSpc>
         <a:spcPct val="100000"/>
       </a:lnSpc>
@@ -134,7 +135,7 @@
         <a:srgbClr val="000000"/>
       </a:buClr>
       <a:buFont typeface="Arial"/>
-      <a:defRPr sz="1400" b="0" i="0" u="none" strike="noStrike" cap="none">
+      <a:defRPr b="0" i="0" sz="1400" u="none" cap="none" strike="noStrike">
         <a:solidFill>
           <a:srgbClr val="000000"/>
         </a:solidFill>
@@ -144,7 +145,7 @@
         <a:sym typeface="Arial"/>
       </a:defRPr>
     </a:lvl4pPr>
-    <a:lvl5pPr marR="0" lvl="4" algn="l" rtl="0">
+    <a:lvl5pPr lvl="4" marR="0" rtl="0" algn="l">
       <a:lnSpc>
         <a:spcPct val="100000"/>
       </a:lnSpc>
@@ -158,7 +159,7 @@
         <a:srgbClr val="000000"/>
       </a:buClr>
       <a:buFont typeface="Arial"/>
-      <a:defRPr sz="1400" b="0" i="0" u="none" strike="noStrike" cap="none">
+      <a:defRPr b="0" i="0" sz="1400" u="none" cap="none" strike="noStrike">
         <a:solidFill>
           <a:srgbClr val="000000"/>
         </a:solidFill>
@@ -168,7 +169,7 @@
         <a:sym typeface="Arial"/>
       </a:defRPr>
     </a:lvl5pPr>
-    <a:lvl6pPr marR="0" lvl="5" algn="l" rtl="0">
+    <a:lvl6pPr lvl="5" marR="0" rtl="0" algn="l">
       <a:lnSpc>
         <a:spcPct val="100000"/>
       </a:lnSpc>
@@ -182,7 +183,7 @@
         <a:srgbClr val="000000"/>
       </a:buClr>
       <a:buFont typeface="Arial"/>
-      <a:defRPr sz="1400" b="0" i="0" u="none" strike="noStrike" cap="none">
+      <a:defRPr b="0" i="0" sz="1400" u="none" cap="none" strike="noStrike">
         <a:solidFill>
           <a:srgbClr val="000000"/>
         </a:solidFill>
@@ -192,7 +193,7 @@
         <a:sym typeface="Arial"/>
       </a:defRPr>
     </a:lvl6pPr>
-    <a:lvl7pPr marR="0" lvl="6" algn="l" rtl="0">
+    <a:lvl7pPr lvl="6" marR="0" rtl="0" algn="l">
       <a:lnSpc>
         <a:spcPct val="100000"/>
       </a:lnSpc>
@@ -206,7 +207,7 @@
         <a:srgbClr val="000000"/>
       </a:buClr>
       <a:buFont typeface="Arial"/>
-      <a:defRPr sz="1400" b="0" i="0" u="none" strike="noStrike" cap="none">
+      <a:defRPr b="0" i="0" sz="1400" u="none" cap="none" strike="noStrike">
         <a:solidFill>
           <a:srgbClr val="000000"/>
         </a:solidFill>
@@ -216,7 +217,7 @@
         <a:sym typeface="Arial"/>
       </a:defRPr>
     </a:lvl7pPr>
-    <a:lvl8pPr marR="0" lvl="7" algn="l" rtl="0">
+    <a:lvl8pPr lvl="7" marR="0" rtl="0" algn="l">
       <a:lnSpc>
         <a:spcPct val="100000"/>
       </a:lnSpc>
@@ -230,7 +231,7 @@
         <a:srgbClr val="000000"/>
       </a:buClr>
       <a:buFont typeface="Arial"/>
-      <a:defRPr sz="1400" b="0" i="0" u="none" strike="noStrike" cap="none">
+      <a:defRPr b="0" i="0" sz="1400" u="none" cap="none" strike="noStrike">
         <a:solidFill>
           <a:srgbClr val="000000"/>
         </a:solidFill>
@@ -240,7 +241,7 @@
         <a:sym typeface="Arial"/>
       </a:defRPr>
     </a:lvl8pPr>
-    <a:lvl9pPr marR="0" lvl="8" algn="l" rtl="0">
+    <a:lvl9pPr lvl="8" marR="0" rtl="0" algn="l">
       <a:lnSpc>
         <a:spcPct val="100000"/>
       </a:lnSpc>
@@ -254,7 +255,7 @@
         <a:srgbClr val="000000"/>
       </a:buClr>
       <a:buFont typeface="Arial"/>
-      <a:defRPr sz="1400" b="0" i="0" u="none" strike="noStrike" cap="none">
+      <a:defRPr b="0" i="0" sz="1400" u="none" cap="none" strike="noStrike">
         <a:solidFill>
           <a:srgbClr val="000000"/>
         </a:solidFill>
@@ -267,7 +268,7 @@
   </p:defaultTextStyle>
   <p:extLst>
     <p:ext uri="{EFAFB233-063F-42B5-8137-9DF3F51BA10A}">
-      <p15:sldGuideLst xmlns:p15="http://schemas.microsoft.com/office/powerpoint/2012/main">
+      <p15:sldGuideLst>
         <p15:guide id="1" orient="horz" pos="1620">
           <p15:clr>
             <a:srgbClr val="747775"/>
@@ -285,16 +286,11 @@
 </file>
 
 <file path=ppt/notesMasters/notesMaster1.xml><?xml version="1.0" encoding="utf-8"?>
-<p:notesMaster xmlns:a="http://schemas.openxmlformats.org/drawingml/2006/main" xmlns:r="http://schemas.openxmlformats.org/officeDocument/2006/relationships" xmlns:p="http://schemas.openxmlformats.org/presentationml/2006/main">
+<p:notesMaster xmlns:a="http://schemas.openxmlformats.org/drawingml/2006/main" xmlns:r="http://schemas.openxmlformats.org/officeDocument/2006/relationships" xmlns:mc="http://schemas.openxmlformats.org/markup-compatibility/2006" xmlns:mv="urn:schemas-microsoft-com:mac:vml" xmlns:p="http://schemas.openxmlformats.org/presentationml/2006/main" xmlns:c="http://schemas.openxmlformats.org/drawingml/2006/chart" xmlns:dgm="http://schemas.openxmlformats.org/drawingml/2006/diagram" xmlns:o="urn:schemas-microsoft-com:office:office" xmlns:v="urn:schemas-microsoft-com:vml" xmlns:pvml="urn:schemas-microsoft-com:office:powerpoint" xmlns:com="http://schemas.openxmlformats.org/drawingml/2006/compatibility" xmlns:p14="http://schemas.microsoft.com/office/powerpoint/2010/main" xmlns:p15="http://schemas.microsoft.com/office/powerpoint/2012/main" xmlns:ahyp="http://schemas.microsoft.com/office/drawing/2018/hyperlinkcolor">
   <p:cSld>
-    <p:bg>
-      <p:bgRef idx="1001">
-        <a:schemeClr val="bg1"/>
-      </p:bgRef>
-    </p:bg>
     <p:spTree>
       <p:nvGrpSpPr>
-        <p:cNvPr id="1" name="Shape 2"/>
+        <p:cNvPr id="2" name="Shape 2"/>
         <p:cNvGrpSpPr/>
         <p:nvPr/>
       </p:nvGrpSpPr>
@@ -309,11 +305,9 @@
       <p:sp>
         <p:nvSpPr>
           <p:cNvPr id="3" name="Google Shape;3;n"/>
-          <p:cNvSpPr>
-            <a:spLocks noGrp="1" noRot="1" noChangeAspect="1"/>
-          </p:cNvSpPr>
+          <p:cNvSpPr/>
           <p:nvPr>
-            <p:ph type="sldImg" idx="2"/>
+            <p:ph idx="2" type="sldImg"/>
           </p:nvPr>
         </p:nvSpPr>
         <p:spPr>
@@ -322,13 +316,9 @@
             <a:ext cx="6096075" cy="3429000"/>
           </a:xfrm>
           <a:custGeom>
-            <a:avLst/>
-            <a:gdLst/>
-            <a:ahLst/>
-            <a:cxnLst/>
-            <a:rect l="l" t="t" r="r" b="b"/>
+            <a:rect b="b" l="l" r="r" t="t"/>
             <a:pathLst>
-              <a:path w="120000" h="120000" extrusionOk="0">
+              <a:path extrusionOk="0" h="120000" w="120000">
                 <a:moveTo>
                   <a:pt x="0" y="0"/>
                 </a:moveTo>
@@ -346,25 +336,23 @@
             </a:pathLst>
           </a:custGeom>
           <a:noFill/>
-          <a:ln w="9525" cap="flat" cmpd="sng">
+          <a:ln cap="flat" cmpd="sng" w="9525">
             <a:solidFill>
               <a:srgbClr val="000000"/>
             </a:solidFill>
             <a:prstDash val="solid"/>
             <a:round/>
-            <a:headEnd type="none" w="sm" len="sm"/>
-            <a:tailEnd type="none" w="sm" len="sm"/>
+            <a:headEnd len="sm" w="sm" type="none"/>
+            <a:tailEnd len="sm" w="sm" type="none"/>
           </a:ln>
         </p:spPr>
       </p:sp>
       <p:sp>
         <p:nvSpPr>
           <p:cNvPr id="4" name="Google Shape;4;n"/>
-          <p:cNvSpPr txBox="1">
-            <a:spLocks noGrp="1"/>
-          </p:cNvSpPr>
+          <p:cNvSpPr txBox="1"/>
           <p:nvPr>
-            <p:ph type="body" idx="1"/>
+            <p:ph idx="1" type="body"/>
           </p:nvPr>
         </p:nvSpPr>
         <p:spPr>
@@ -381,11 +369,11 @@
           </a:ln>
         </p:spPr>
         <p:txBody>
-          <a:bodyPr spcFirstLastPara="1" wrap="square" lIns="91425" tIns="91425" rIns="91425" bIns="91425" anchor="t" anchorCtr="0">
+          <a:bodyPr anchorCtr="0" anchor="t" bIns="91425" lIns="91425" spcFirstLastPara="1" rIns="91425" wrap="square" tIns="91425">
             <a:noAutofit/>
           </a:bodyPr>
           <a:lstStyle>
-            <a:lvl1pPr marL="457200" lvl="0" indent="-298450">
+            <a:lvl1pPr indent="-298450" lvl="0" marL="457200">
               <a:spcBef>
                 <a:spcPts val="0"/>
               </a:spcBef>
@@ -396,7 +384,7 @@
               <a:buChar char="●"/>
               <a:defRPr sz="1100"/>
             </a:lvl1pPr>
-            <a:lvl2pPr marL="914400" lvl="1" indent="-298450">
+            <a:lvl2pPr indent="-298450" lvl="1" marL="914400">
               <a:spcBef>
                 <a:spcPts val="0"/>
               </a:spcBef>
@@ -407,7 +395,7 @@
               <a:buChar char="○"/>
               <a:defRPr sz="1100"/>
             </a:lvl2pPr>
-            <a:lvl3pPr marL="1371600" lvl="2" indent="-298450">
+            <a:lvl3pPr indent="-298450" lvl="2" marL="1371600">
               <a:spcBef>
                 <a:spcPts val="0"/>
               </a:spcBef>
@@ -418,7 +406,7 @@
               <a:buChar char="■"/>
               <a:defRPr sz="1100"/>
             </a:lvl3pPr>
-            <a:lvl4pPr marL="1828800" lvl="3" indent="-298450">
+            <a:lvl4pPr indent="-298450" lvl="3" marL="1828800">
               <a:spcBef>
                 <a:spcPts val="0"/>
               </a:spcBef>
@@ -429,7 +417,7 @@
               <a:buChar char="●"/>
               <a:defRPr sz="1100"/>
             </a:lvl4pPr>
-            <a:lvl5pPr marL="2286000" lvl="4" indent="-298450">
+            <a:lvl5pPr indent="-298450" lvl="4" marL="2286000">
               <a:spcBef>
                 <a:spcPts val="0"/>
               </a:spcBef>
@@ -440,7 +428,7 @@
               <a:buChar char="○"/>
               <a:defRPr sz="1100"/>
             </a:lvl5pPr>
-            <a:lvl6pPr marL="2743200" lvl="5" indent="-298450">
+            <a:lvl6pPr indent="-298450" lvl="5" marL="2743200">
               <a:spcBef>
                 <a:spcPts val="0"/>
               </a:spcBef>
@@ -451,7 +439,7 @@
               <a:buChar char="■"/>
               <a:defRPr sz="1100"/>
             </a:lvl6pPr>
-            <a:lvl7pPr marL="3200400" lvl="6" indent="-298450">
+            <a:lvl7pPr indent="-298450" lvl="6" marL="3200400">
               <a:spcBef>
                 <a:spcPts val="0"/>
               </a:spcBef>
@@ -462,7 +450,7 @@
               <a:buChar char="●"/>
               <a:defRPr sz="1100"/>
             </a:lvl7pPr>
-            <a:lvl8pPr marL="3657600" lvl="7" indent="-298450">
+            <a:lvl8pPr indent="-298450" lvl="7" marL="3657600">
               <a:spcBef>
                 <a:spcPts val="0"/>
               </a:spcBef>
@@ -473,7 +461,7 @@
               <a:buChar char="○"/>
               <a:defRPr sz="1100"/>
             </a:lvl8pPr>
-            <a:lvl9pPr marL="4114800" lvl="8" indent="-298450">
+            <a:lvl9pPr indent="-298450" lvl="8" marL="4114800">
               <a:spcBef>
                 <a:spcPts val="0"/>
               </a:spcBef>
@@ -485,16 +473,14 @@
               <a:defRPr sz="1100"/>
             </a:lvl9pPr>
           </a:lstStyle>
-          <a:p>
-            <a:endParaRPr/>
-          </a:p>
+          <a:p/>
         </p:txBody>
       </p:sp>
     </p:spTree>
   </p:cSld>
-  <p:clrMap bg1="lt1" tx1="dk1" bg2="dk2" tx2="lt2" accent1="accent1" accent2="accent2" accent3="accent3" accent4="accent4" accent5="accent5" accent6="accent6" hlink="hlink" folHlink="folHlink"/>
+  <p:clrMap accent1="accent1" accent2="accent2" accent3="accent3" accent4="accent4" accent5="accent5" accent6="accent6" bg1="lt1" bg2="dk2" tx1="dk1" tx2="lt2" folHlink="folHlink" hlink="hlink"/>
   <p:notesStyle>
-    <a:defPPr marR="0" lvl="0" algn="l" rtl="0">
+    <a:defPPr lvl="0" marR="0" rtl="0" algn="l">
       <a:lnSpc>
         <a:spcPct val="100000"/>
       </a:lnSpc>
@@ -505,7 +491,7 @@
         <a:spcPts val="0"/>
       </a:spcAft>
     </a:defPPr>
-    <a:lvl1pPr marR="0" lvl="0" algn="l" rtl="0">
+    <a:lvl1pPr lvl="0" marR="0" rtl="0" algn="l">
       <a:lnSpc>
         <a:spcPct val="100000"/>
       </a:lnSpc>
@@ -519,7 +505,7 @@
         <a:srgbClr val="000000"/>
       </a:buClr>
       <a:buFont typeface="Arial"/>
-      <a:defRPr sz="1400" b="0" i="0" u="none" strike="noStrike" cap="none">
+      <a:defRPr b="0" i="0" sz="1400" u="none" cap="none" strike="noStrike">
         <a:solidFill>
           <a:srgbClr val="000000"/>
         </a:solidFill>
@@ -529,7 +515,7 @@
         <a:sym typeface="Arial"/>
       </a:defRPr>
     </a:lvl1pPr>
-    <a:lvl2pPr marR="0" lvl="1" algn="l" rtl="0">
+    <a:lvl2pPr lvl="1" marR="0" rtl="0" algn="l">
       <a:lnSpc>
         <a:spcPct val="100000"/>
       </a:lnSpc>
@@ -543,7 +529,7 @@
         <a:srgbClr val="000000"/>
       </a:buClr>
       <a:buFont typeface="Arial"/>
-      <a:defRPr sz="1400" b="0" i="0" u="none" strike="noStrike" cap="none">
+      <a:defRPr b="0" i="0" sz="1400" u="none" cap="none" strike="noStrike">
         <a:solidFill>
           <a:srgbClr val="000000"/>
         </a:solidFill>
@@ -553,7 +539,7 @@
         <a:sym typeface="Arial"/>
       </a:defRPr>
     </a:lvl2pPr>
-    <a:lvl3pPr marR="0" lvl="2" algn="l" rtl="0">
+    <a:lvl3pPr lvl="2" marR="0" rtl="0" algn="l">
       <a:lnSpc>
         <a:spcPct val="100000"/>
       </a:lnSpc>
@@ -567,7 +553,7 @@
         <a:srgbClr val="000000"/>
       </a:buClr>
       <a:buFont typeface="Arial"/>
-      <a:defRPr sz="1400" b="0" i="0" u="none" strike="noStrike" cap="none">
+      <a:defRPr b="0" i="0" sz="1400" u="none" cap="none" strike="noStrike">
         <a:solidFill>
           <a:srgbClr val="000000"/>
         </a:solidFill>
@@ -577,7 +563,7 @@
         <a:sym typeface="Arial"/>
       </a:defRPr>
     </a:lvl3pPr>
-    <a:lvl4pPr marR="0" lvl="3" algn="l" rtl="0">
+    <a:lvl4pPr lvl="3" marR="0" rtl="0" algn="l">
       <a:lnSpc>
         <a:spcPct val="100000"/>
       </a:lnSpc>
@@ -591,7 +577,7 @@
         <a:srgbClr val="000000"/>
       </a:buClr>
       <a:buFont typeface="Arial"/>
-      <a:defRPr sz="1400" b="0" i="0" u="none" strike="noStrike" cap="none">
+      <a:defRPr b="0" i="0" sz="1400" u="none" cap="none" strike="noStrike">
         <a:solidFill>
           <a:srgbClr val="000000"/>
         </a:solidFill>
@@ -601,7 +587,7 @@
         <a:sym typeface="Arial"/>
       </a:defRPr>
     </a:lvl4pPr>
-    <a:lvl5pPr marR="0" lvl="4" algn="l" rtl="0">
+    <a:lvl5pPr lvl="4" marR="0" rtl="0" algn="l">
       <a:lnSpc>
         <a:spcPct val="100000"/>
       </a:lnSpc>
@@ -615,7 +601,7 @@
         <a:srgbClr val="000000"/>
       </a:buClr>
       <a:buFont typeface="Arial"/>
-      <a:defRPr sz="1400" b="0" i="0" u="none" strike="noStrike" cap="none">
+      <a:defRPr b="0" i="0" sz="1400" u="none" cap="none" strike="noStrike">
         <a:solidFill>
           <a:srgbClr val="000000"/>
         </a:solidFill>
@@ -625,7 +611,7 @@
         <a:sym typeface="Arial"/>
       </a:defRPr>
     </a:lvl5pPr>
-    <a:lvl6pPr marR="0" lvl="5" algn="l" rtl="0">
+    <a:lvl6pPr lvl="5" marR="0" rtl="0" algn="l">
       <a:lnSpc>
         <a:spcPct val="100000"/>
       </a:lnSpc>
@@ -639,7 +625,7 @@
         <a:srgbClr val="000000"/>
       </a:buClr>
       <a:buFont typeface="Arial"/>
-      <a:defRPr sz="1400" b="0" i="0" u="none" strike="noStrike" cap="none">
+      <a:defRPr b="0" i="0" sz="1400" u="none" cap="none" strike="noStrike">
         <a:solidFill>
           <a:srgbClr val="000000"/>
         </a:solidFill>
@@ -649,7 +635,7 @@
         <a:sym typeface="Arial"/>
       </a:defRPr>
     </a:lvl6pPr>
-    <a:lvl7pPr marR="0" lvl="6" algn="l" rtl="0">
+    <a:lvl7pPr lvl="6" marR="0" rtl="0" algn="l">
       <a:lnSpc>
         <a:spcPct val="100000"/>
       </a:lnSpc>
@@ -663,7 +649,7 @@
         <a:srgbClr val="000000"/>
       </a:buClr>
       <a:buFont typeface="Arial"/>
-      <a:defRPr sz="1400" b="0" i="0" u="none" strike="noStrike" cap="none">
+      <a:defRPr b="0" i="0" sz="1400" u="none" cap="none" strike="noStrike">
         <a:solidFill>
           <a:srgbClr val="000000"/>
         </a:solidFill>
@@ -673,7 +659,7 @@
         <a:sym typeface="Arial"/>
       </a:defRPr>
     </a:lvl7pPr>
-    <a:lvl8pPr marR="0" lvl="7" algn="l" rtl="0">
+    <a:lvl8pPr lvl="7" marR="0" rtl="0" algn="l">
       <a:lnSpc>
         <a:spcPct val="100000"/>
       </a:lnSpc>
@@ -687,7 +673,7 @@
         <a:srgbClr val="000000"/>
       </a:buClr>
       <a:buFont typeface="Arial"/>
-      <a:defRPr sz="1400" b="0" i="0" u="none" strike="noStrike" cap="none">
+      <a:defRPr b="0" i="0" sz="1400" u="none" cap="none" strike="noStrike">
         <a:solidFill>
           <a:srgbClr val="000000"/>
         </a:solidFill>
@@ -697,7 +683,7 @@
         <a:sym typeface="Arial"/>
       </a:defRPr>
     </a:lvl8pPr>
-    <a:lvl9pPr marR="0" lvl="8" algn="l" rtl="0">
+    <a:lvl9pPr lvl="8" marR="0" rtl="0" algn="l">
       <a:lnSpc>
         <a:spcPct val="100000"/>
       </a:lnSpc>
@@ -711,7 +697,7 @@
         <a:srgbClr val="000000"/>
       </a:buClr>
       <a:buFont typeface="Arial"/>
-      <a:defRPr sz="1400" b="0" i="0" u="none" strike="noStrike" cap="none">
+      <a:defRPr b="0" i="0" sz="1400" u="none" cap="none" strike="noStrike">
         <a:solidFill>
           <a:srgbClr val="000000"/>
         </a:solidFill>
@@ -726,11 +712,11 @@
 </file>
 
 <file path=ppt/notesSlides/notesSlide1.xml><?xml version="1.0" encoding="utf-8"?>
-<p:notes xmlns:a="http://schemas.openxmlformats.org/drawingml/2006/main" xmlns:r="http://schemas.openxmlformats.org/officeDocument/2006/relationships" xmlns:p="http://schemas.openxmlformats.org/presentationml/2006/main" showMasterSp="0" showMasterPhAnim="0">
+<p:notes xmlns:a="http://schemas.openxmlformats.org/drawingml/2006/main" xmlns:r="http://schemas.openxmlformats.org/officeDocument/2006/relationships" xmlns:mc="http://schemas.openxmlformats.org/markup-compatibility/2006" xmlns:mv="urn:schemas-microsoft-com:mac:vml" xmlns:p="http://schemas.openxmlformats.org/presentationml/2006/main" xmlns:c="http://schemas.openxmlformats.org/drawingml/2006/chart" xmlns:dgm="http://schemas.openxmlformats.org/drawingml/2006/diagram" xmlns:o="urn:schemas-microsoft-com:office:office" xmlns:v="urn:schemas-microsoft-com:vml" xmlns:pvml="urn:schemas-microsoft-com:office:powerpoint" xmlns:com="http://schemas.openxmlformats.org/drawingml/2006/compatibility" xmlns:p14="http://schemas.microsoft.com/office/powerpoint/2010/main" xmlns:p15="http://schemas.microsoft.com/office/powerpoint/2012/main" xmlns:ahyp="http://schemas.microsoft.com/office/drawing/2018/hyperlinkcolor" showMasterPhAnim="0" showMasterSp="0">
   <p:cSld>
     <p:spTree>
       <p:nvGrpSpPr>
-        <p:cNvPr id="1" name="Shape 124"/>
+        <p:cNvPr id="124" name="Shape 124"/>
         <p:cNvGrpSpPr/>
         <p:nvPr/>
       </p:nvGrpSpPr>
@@ -745,11 +731,9 @@
       <p:sp>
         <p:nvSpPr>
           <p:cNvPr id="125" name="Google Shape;125;g387f2e334ed_0_0:notes"/>
-          <p:cNvSpPr>
-            <a:spLocks noGrp="1" noRot="1" noChangeAspect="1"/>
-          </p:cNvSpPr>
+          <p:cNvSpPr/>
           <p:nvPr>
-            <p:ph type="sldImg" idx="2"/>
+            <p:ph idx="2" type="sldImg"/>
           </p:nvPr>
         </p:nvSpPr>
         <p:spPr>
@@ -758,13 +742,9 @@
             <a:ext cx="6096000" cy="3429000"/>
           </a:xfrm>
           <a:custGeom>
-            <a:avLst/>
-            <a:gdLst/>
-            <a:ahLst/>
-            <a:cxnLst/>
-            <a:rect l="l" t="t" r="r" b="b"/>
+            <a:rect b="b" l="l" r="r" t="t"/>
             <a:pathLst>
-              <a:path w="120000" h="120000" extrusionOk="0">
+              <a:path extrusionOk="0" h="120000" w="120000">
                 <a:moveTo>
                   <a:pt x="0" y="0"/>
                 </a:moveTo>
@@ -786,11 +766,9 @@
       <p:sp>
         <p:nvSpPr>
           <p:cNvPr id="126" name="Google Shape;126;g387f2e334ed_0_0:notes"/>
-          <p:cNvSpPr txBox="1">
-            <a:spLocks noGrp="1"/>
-          </p:cNvSpPr>
+          <p:cNvSpPr txBox="1"/>
           <p:nvPr>
-            <p:ph type="body" idx="1"/>
+            <p:ph idx="1" type="body"/>
           </p:nvPr>
         </p:nvSpPr>
         <p:spPr>
@@ -803,12 +781,12 @@
           </a:prstGeom>
         </p:spPr>
         <p:txBody>
-          <a:bodyPr spcFirstLastPara="1" wrap="square" lIns="91425" tIns="91425" rIns="91425" bIns="91425" anchor="t" anchorCtr="0">
+          <a:bodyPr anchorCtr="0" anchor="t" bIns="91425" lIns="91425" spcFirstLastPara="1" rIns="91425" wrap="square" tIns="91425">
             <a:noAutofit/>
           </a:bodyPr>
           <a:lstStyle/>
           <a:p>
-            <a:pPr marL="0" lvl="0" indent="0" algn="l" rtl="0">
+            <a:pPr indent="0" lvl="0" marL="0" rtl="0" algn="l">
               <a:spcBef>
                 <a:spcPts val="0"/>
               </a:spcBef>
@@ -817,6 +795,9 @@
               </a:spcAft>
               <a:buNone/>
             </a:pPr>
+            <a:r>
+              <a:t/>
+            </a:r>
             <a:endParaRPr/>
           </a:p>
         </p:txBody>
@@ -830,11 +811,11 @@
 </file>
 
 <file path=ppt/notesSlides/notesSlide10.xml><?xml version="1.0" encoding="utf-8"?>
-<p:notes xmlns:a="http://schemas.openxmlformats.org/drawingml/2006/main" xmlns:r="http://schemas.openxmlformats.org/officeDocument/2006/relationships" xmlns:p="http://schemas.openxmlformats.org/presentationml/2006/main" showMasterSp="0" showMasterPhAnim="0">
+<p:notes xmlns:a="http://schemas.openxmlformats.org/drawingml/2006/main" xmlns:r="http://schemas.openxmlformats.org/officeDocument/2006/relationships" xmlns:mc="http://schemas.openxmlformats.org/markup-compatibility/2006" xmlns:mv="urn:schemas-microsoft-com:mac:vml" xmlns:p="http://schemas.openxmlformats.org/presentationml/2006/main" xmlns:c="http://schemas.openxmlformats.org/drawingml/2006/chart" xmlns:dgm="http://schemas.openxmlformats.org/drawingml/2006/diagram" xmlns:o="urn:schemas-microsoft-com:office:office" xmlns:v="urn:schemas-microsoft-com:vml" xmlns:pvml="urn:schemas-microsoft-com:office:powerpoint" xmlns:com="http://schemas.openxmlformats.org/drawingml/2006/compatibility" xmlns:p14="http://schemas.microsoft.com/office/powerpoint/2010/main" xmlns:p15="http://schemas.microsoft.com/office/powerpoint/2012/main" xmlns:ahyp="http://schemas.microsoft.com/office/drawing/2018/hyperlinkcolor" showMasterPhAnim="0" showMasterSp="0">
   <p:cSld>
     <p:spTree>
       <p:nvGrpSpPr>
-        <p:cNvPr id="1" name="Shape 186"/>
+        <p:cNvPr id="180" name="Shape 180"/>
         <p:cNvGrpSpPr/>
         <p:nvPr/>
       </p:nvGrpSpPr>
@@ -848,12 +829,10 @@
       </p:grpSpPr>
       <p:sp>
         <p:nvSpPr>
-          <p:cNvPr id="187" name="Google Shape;187;g3892eb97007_0_0:notes"/>
-          <p:cNvSpPr>
-            <a:spLocks noGrp="1" noRot="1" noChangeAspect="1"/>
-          </p:cNvSpPr>
+          <p:cNvPr id="181" name="Google Shape;181;g3892eb97007_0_27:notes"/>
+          <p:cNvSpPr/>
           <p:nvPr>
-            <p:ph type="sldImg" idx="2"/>
+            <p:ph idx="2" type="sldImg"/>
           </p:nvPr>
         </p:nvSpPr>
         <p:spPr>
@@ -862,13 +841,9 @@
             <a:ext cx="6096000" cy="3429000"/>
           </a:xfrm>
           <a:custGeom>
-            <a:avLst/>
-            <a:gdLst/>
-            <a:ahLst/>
-            <a:cxnLst/>
-            <a:rect l="l" t="t" r="r" b="b"/>
+            <a:rect b="b" l="l" r="r" t="t"/>
             <a:pathLst>
-              <a:path w="120000" h="120000" extrusionOk="0">
+              <a:path extrusionOk="0" h="120000" w="120000">
                 <a:moveTo>
                   <a:pt x="0" y="0"/>
                 </a:moveTo>
@@ -889,12 +864,10 @@
       </p:sp>
       <p:sp>
         <p:nvSpPr>
-          <p:cNvPr id="188" name="Google Shape;188;g3892eb97007_0_0:notes"/>
-          <p:cNvSpPr txBox="1">
-            <a:spLocks noGrp="1"/>
-          </p:cNvSpPr>
+          <p:cNvPr id="182" name="Google Shape;182;g3892eb97007_0_27:notes"/>
+          <p:cNvSpPr txBox="1"/>
           <p:nvPr>
-            <p:ph type="body" idx="1"/>
+            <p:ph idx="1" type="body"/>
           </p:nvPr>
         </p:nvSpPr>
         <p:spPr>
@@ -907,12 +880,12 @@
           </a:prstGeom>
         </p:spPr>
         <p:txBody>
-          <a:bodyPr spcFirstLastPara="1" wrap="square" lIns="91425" tIns="91425" rIns="91425" bIns="91425" anchor="t" anchorCtr="0">
+          <a:bodyPr anchorCtr="0" anchor="t" bIns="91425" lIns="91425" spcFirstLastPara="1" rIns="91425" wrap="square" tIns="91425">
             <a:noAutofit/>
           </a:bodyPr>
           <a:lstStyle/>
           <a:p>
-            <a:pPr marL="0" lvl="0" indent="0" algn="l" rtl="0">
+            <a:pPr indent="0" lvl="0" marL="0" rtl="0" algn="l">
               <a:spcBef>
                 <a:spcPts val="0"/>
               </a:spcBef>
@@ -921,6 +894,9 @@
               </a:spcAft>
               <a:buNone/>
             </a:pPr>
+            <a:r>
+              <a:t/>
+            </a:r>
             <a:endParaRPr/>
           </a:p>
         </p:txBody>
@@ -934,11 +910,11 @@
 </file>
 
 <file path=ppt/notesSlides/notesSlide11.xml><?xml version="1.0" encoding="utf-8"?>
-<p:notes xmlns:a="http://schemas.openxmlformats.org/drawingml/2006/main" xmlns:r="http://schemas.openxmlformats.org/officeDocument/2006/relationships" xmlns:p="http://schemas.openxmlformats.org/presentationml/2006/main" showMasterSp="0" showMasterPhAnim="0">
+<p:notes xmlns:a="http://schemas.openxmlformats.org/drawingml/2006/main" xmlns:r="http://schemas.openxmlformats.org/officeDocument/2006/relationships" xmlns:mc="http://schemas.openxmlformats.org/markup-compatibility/2006" xmlns:mv="urn:schemas-microsoft-com:mac:vml" xmlns:p="http://schemas.openxmlformats.org/presentationml/2006/main" xmlns:c="http://schemas.openxmlformats.org/drawingml/2006/chart" xmlns:dgm="http://schemas.openxmlformats.org/drawingml/2006/diagram" xmlns:o="urn:schemas-microsoft-com:office:office" xmlns:v="urn:schemas-microsoft-com:vml" xmlns:pvml="urn:schemas-microsoft-com:office:powerpoint" xmlns:com="http://schemas.openxmlformats.org/drawingml/2006/compatibility" xmlns:p14="http://schemas.microsoft.com/office/powerpoint/2010/main" xmlns:p15="http://schemas.microsoft.com/office/powerpoint/2012/main" xmlns:ahyp="http://schemas.microsoft.com/office/drawing/2018/hyperlinkcolor" showMasterPhAnim="0" showMasterSp="0">
   <p:cSld>
     <p:spTree>
       <p:nvGrpSpPr>
-        <p:cNvPr id="1" name="Shape 191"/>
+        <p:cNvPr id="185" name="Shape 185"/>
         <p:cNvGrpSpPr/>
         <p:nvPr/>
       </p:nvGrpSpPr>
@@ -952,12 +928,10 @@
       </p:grpSpPr>
       <p:sp>
         <p:nvSpPr>
-          <p:cNvPr id="192" name="Google Shape;192;g3892eb97007_0_9:notes"/>
-          <p:cNvSpPr>
-            <a:spLocks noGrp="1" noRot="1" noChangeAspect="1"/>
-          </p:cNvSpPr>
+          <p:cNvPr id="186" name="Google Shape;186;g3892eb97007_0_0:notes"/>
+          <p:cNvSpPr/>
           <p:nvPr>
-            <p:ph type="sldImg" idx="2"/>
+            <p:ph idx="2" type="sldImg"/>
           </p:nvPr>
         </p:nvSpPr>
         <p:spPr>
@@ -966,13 +940,9 @@
             <a:ext cx="6096000" cy="3429000"/>
           </a:xfrm>
           <a:custGeom>
-            <a:avLst/>
-            <a:gdLst/>
-            <a:ahLst/>
-            <a:cxnLst/>
-            <a:rect l="l" t="t" r="r" b="b"/>
+            <a:rect b="b" l="l" r="r" t="t"/>
             <a:pathLst>
-              <a:path w="120000" h="120000" extrusionOk="0">
+              <a:path extrusionOk="0" h="120000" w="120000">
                 <a:moveTo>
                   <a:pt x="0" y="0"/>
                 </a:moveTo>
@@ -993,12 +963,10 @@
       </p:sp>
       <p:sp>
         <p:nvSpPr>
-          <p:cNvPr id="193" name="Google Shape;193;g3892eb97007_0_9:notes"/>
-          <p:cNvSpPr txBox="1">
-            <a:spLocks noGrp="1"/>
-          </p:cNvSpPr>
+          <p:cNvPr id="187" name="Google Shape;187;g3892eb97007_0_0:notes"/>
+          <p:cNvSpPr txBox="1"/>
           <p:nvPr>
-            <p:ph type="body" idx="1"/>
+            <p:ph idx="1" type="body"/>
           </p:nvPr>
         </p:nvSpPr>
         <p:spPr>
@@ -1011,12 +979,12 @@
           </a:prstGeom>
         </p:spPr>
         <p:txBody>
-          <a:bodyPr spcFirstLastPara="1" wrap="square" lIns="91425" tIns="91425" rIns="91425" bIns="91425" anchor="t" anchorCtr="0">
+          <a:bodyPr anchorCtr="0" anchor="t" bIns="91425" lIns="91425" spcFirstLastPara="1" rIns="91425" wrap="square" tIns="91425">
             <a:noAutofit/>
           </a:bodyPr>
           <a:lstStyle/>
           <a:p>
-            <a:pPr marL="0" lvl="0" indent="0" algn="l" rtl="0">
+            <a:pPr indent="0" lvl="0" marL="0" rtl="0" algn="l">
               <a:spcBef>
                 <a:spcPts val="0"/>
               </a:spcBef>
@@ -1025,6 +993,9 @@
               </a:spcAft>
               <a:buNone/>
             </a:pPr>
+            <a:r>
+              <a:t/>
+            </a:r>
             <a:endParaRPr/>
           </a:p>
         </p:txBody>
@@ -1038,11 +1009,11 @@
 </file>
 
 <file path=ppt/notesSlides/notesSlide12.xml><?xml version="1.0" encoding="utf-8"?>
-<p:notes xmlns:a="http://schemas.openxmlformats.org/drawingml/2006/main" xmlns:r="http://schemas.openxmlformats.org/officeDocument/2006/relationships" xmlns:p="http://schemas.openxmlformats.org/presentationml/2006/main" showMasterSp="0" showMasterPhAnim="0">
+<p:notes xmlns:a="http://schemas.openxmlformats.org/drawingml/2006/main" xmlns:r="http://schemas.openxmlformats.org/officeDocument/2006/relationships" xmlns:mc="http://schemas.openxmlformats.org/markup-compatibility/2006" xmlns:mv="urn:schemas-microsoft-com:mac:vml" xmlns:p="http://schemas.openxmlformats.org/presentationml/2006/main" xmlns:c="http://schemas.openxmlformats.org/drawingml/2006/chart" xmlns:dgm="http://schemas.openxmlformats.org/drawingml/2006/diagram" xmlns:o="urn:schemas-microsoft-com:office:office" xmlns:v="urn:schemas-microsoft-com:vml" xmlns:pvml="urn:schemas-microsoft-com:office:powerpoint" xmlns:com="http://schemas.openxmlformats.org/drawingml/2006/compatibility" xmlns:p14="http://schemas.microsoft.com/office/powerpoint/2010/main" xmlns:p15="http://schemas.microsoft.com/office/powerpoint/2012/main" xmlns:ahyp="http://schemas.microsoft.com/office/drawing/2018/hyperlinkcolor" showMasterPhAnim="0" showMasterSp="0">
   <p:cSld>
     <p:spTree>
       <p:nvGrpSpPr>
-        <p:cNvPr id="1" name="Shape 196"/>
+        <p:cNvPr id="190" name="Shape 190"/>
         <p:cNvGrpSpPr/>
         <p:nvPr/>
       </p:nvGrpSpPr>
@@ -1056,12 +1027,10 @@
       </p:grpSpPr>
       <p:sp>
         <p:nvSpPr>
-          <p:cNvPr id="197" name="Google Shape;197;g3892eb97007_0_14:notes"/>
-          <p:cNvSpPr>
-            <a:spLocks noGrp="1" noRot="1" noChangeAspect="1"/>
-          </p:cNvSpPr>
+          <p:cNvPr id="191" name="Google Shape;191;g3892eb97007_0_9:notes"/>
+          <p:cNvSpPr/>
           <p:nvPr>
-            <p:ph type="sldImg" idx="2"/>
+            <p:ph idx="2" type="sldImg"/>
           </p:nvPr>
         </p:nvSpPr>
         <p:spPr>
@@ -1070,13 +1039,9 @@
             <a:ext cx="6096000" cy="3429000"/>
           </a:xfrm>
           <a:custGeom>
-            <a:avLst/>
-            <a:gdLst/>
-            <a:ahLst/>
-            <a:cxnLst/>
-            <a:rect l="l" t="t" r="r" b="b"/>
+            <a:rect b="b" l="l" r="r" t="t"/>
             <a:pathLst>
-              <a:path w="120000" h="120000" extrusionOk="0">
+              <a:path extrusionOk="0" h="120000" w="120000">
                 <a:moveTo>
                   <a:pt x="0" y="0"/>
                 </a:moveTo>
@@ -1097,12 +1062,10 @@
       </p:sp>
       <p:sp>
         <p:nvSpPr>
-          <p:cNvPr id="198" name="Google Shape;198;g3892eb97007_0_14:notes"/>
-          <p:cNvSpPr txBox="1">
-            <a:spLocks noGrp="1"/>
-          </p:cNvSpPr>
+          <p:cNvPr id="192" name="Google Shape;192;g3892eb97007_0_9:notes"/>
+          <p:cNvSpPr txBox="1"/>
           <p:nvPr>
-            <p:ph type="body" idx="1"/>
+            <p:ph idx="1" type="body"/>
           </p:nvPr>
         </p:nvSpPr>
         <p:spPr>
@@ -1115,12 +1078,12 @@
           </a:prstGeom>
         </p:spPr>
         <p:txBody>
-          <a:bodyPr spcFirstLastPara="1" wrap="square" lIns="91425" tIns="91425" rIns="91425" bIns="91425" anchor="t" anchorCtr="0">
+          <a:bodyPr anchorCtr="0" anchor="t" bIns="91425" lIns="91425" spcFirstLastPara="1" rIns="91425" wrap="square" tIns="91425">
             <a:noAutofit/>
           </a:bodyPr>
           <a:lstStyle/>
           <a:p>
-            <a:pPr marL="0" lvl="0" indent="0" algn="l" rtl="0">
+            <a:pPr indent="0" lvl="0" marL="0" rtl="0" algn="l">
               <a:spcBef>
                 <a:spcPts val="0"/>
               </a:spcBef>
@@ -1129,6 +1092,9 @@
               </a:spcAft>
               <a:buNone/>
             </a:pPr>
+            <a:r>
+              <a:t/>
+            </a:r>
             <a:endParaRPr/>
           </a:p>
         </p:txBody>
@@ -1142,11 +1108,110 @@
 </file>
 
 <file path=ppt/notesSlides/notesSlide13.xml><?xml version="1.0" encoding="utf-8"?>
-<p:notes xmlns:a="http://schemas.openxmlformats.org/drawingml/2006/main" xmlns:r="http://schemas.openxmlformats.org/officeDocument/2006/relationships" xmlns:p="http://schemas.openxmlformats.org/presentationml/2006/main" showMasterSp="0" showMasterPhAnim="0">
+<p:notes xmlns:a="http://schemas.openxmlformats.org/drawingml/2006/main" xmlns:r="http://schemas.openxmlformats.org/officeDocument/2006/relationships" xmlns:mc="http://schemas.openxmlformats.org/markup-compatibility/2006" xmlns:mv="urn:schemas-microsoft-com:mac:vml" xmlns:p="http://schemas.openxmlformats.org/presentationml/2006/main" xmlns:c="http://schemas.openxmlformats.org/drawingml/2006/chart" xmlns:dgm="http://schemas.openxmlformats.org/drawingml/2006/diagram" xmlns:o="urn:schemas-microsoft-com:office:office" xmlns:v="urn:schemas-microsoft-com:vml" xmlns:pvml="urn:schemas-microsoft-com:office:powerpoint" xmlns:com="http://schemas.openxmlformats.org/drawingml/2006/compatibility" xmlns:p14="http://schemas.microsoft.com/office/powerpoint/2010/main" xmlns:p15="http://schemas.microsoft.com/office/powerpoint/2012/main" xmlns:ahyp="http://schemas.microsoft.com/office/drawing/2018/hyperlinkcolor" showMasterPhAnim="0" showMasterSp="0">
   <p:cSld>
     <p:spTree>
       <p:nvGrpSpPr>
-        <p:cNvPr id="1" name="Shape 201"/>
+        <p:cNvPr id="195" name="Shape 195"/>
+        <p:cNvGrpSpPr/>
+        <p:nvPr/>
+      </p:nvGrpSpPr>
+      <p:grpSpPr>
+        <a:xfrm>
+          <a:off x="0" y="0"/>
+          <a:ext cx="0" cy="0"/>
+          <a:chOff x="0" y="0"/>
+          <a:chExt cx="0" cy="0"/>
+        </a:xfrm>
+      </p:grpSpPr>
+      <p:sp>
+        <p:nvSpPr>
+          <p:cNvPr id="196" name="Google Shape;196;g3892eb97007_0_14:notes"/>
+          <p:cNvSpPr/>
+          <p:nvPr>
+            <p:ph idx="2" type="sldImg"/>
+          </p:nvPr>
+        </p:nvSpPr>
+        <p:spPr>
+          <a:xfrm>
+            <a:off x="381300" y="685800"/>
+            <a:ext cx="6096000" cy="3429000"/>
+          </a:xfrm>
+          <a:custGeom>
+            <a:rect b="b" l="l" r="r" t="t"/>
+            <a:pathLst>
+              <a:path extrusionOk="0" h="120000" w="120000">
+                <a:moveTo>
+                  <a:pt x="0" y="0"/>
+                </a:moveTo>
+                <a:lnTo>
+                  <a:pt x="120000" y="0"/>
+                </a:lnTo>
+                <a:lnTo>
+                  <a:pt x="120000" y="120000"/>
+                </a:lnTo>
+                <a:lnTo>
+                  <a:pt x="0" y="120000"/>
+                </a:lnTo>
+                <a:close/>
+              </a:path>
+            </a:pathLst>
+          </a:custGeom>
+        </p:spPr>
+      </p:sp>
+      <p:sp>
+        <p:nvSpPr>
+          <p:cNvPr id="197" name="Google Shape;197;g3892eb97007_0_14:notes"/>
+          <p:cNvSpPr txBox="1"/>
+          <p:nvPr>
+            <p:ph idx="1" type="body"/>
+          </p:nvPr>
+        </p:nvSpPr>
+        <p:spPr>
+          <a:xfrm>
+            <a:off x="685800" y="4343400"/>
+            <a:ext cx="5486400" cy="4114800"/>
+          </a:xfrm>
+          <a:prstGeom prst="rect">
+            <a:avLst/>
+          </a:prstGeom>
+        </p:spPr>
+        <p:txBody>
+          <a:bodyPr anchorCtr="0" anchor="t" bIns="91425" lIns="91425" spcFirstLastPara="1" rIns="91425" wrap="square" tIns="91425">
+            <a:noAutofit/>
+          </a:bodyPr>
+          <a:lstStyle/>
+          <a:p>
+            <a:pPr indent="0" lvl="0" marL="0" rtl="0" algn="l">
+              <a:spcBef>
+                <a:spcPts val="0"/>
+              </a:spcBef>
+              <a:spcAft>
+                <a:spcPts val="0"/>
+              </a:spcAft>
+              <a:buNone/>
+            </a:pPr>
+            <a:r>
+              <a:t/>
+            </a:r>
+            <a:endParaRPr/>
+          </a:p>
+        </p:txBody>
+      </p:sp>
+    </p:spTree>
+  </p:cSld>
+  <p:clrMapOvr>
+    <a:masterClrMapping/>
+  </p:clrMapOvr>
+</p:notes>
+</file>
+
+<file path=ppt/notesSlides/notesSlide14.xml><?xml version="1.0" encoding="utf-8"?>
+<p:notes xmlns:a="http://schemas.openxmlformats.org/drawingml/2006/main" xmlns:r="http://schemas.openxmlformats.org/officeDocument/2006/relationships" xmlns:mc="http://schemas.openxmlformats.org/markup-compatibility/2006" xmlns:mv="urn:schemas-microsoft-com:mac:vml" xmlns:p="http://schemas.openxmlformats.org/presentationml/2006/main" xmlns:c="http://schemas.openxmlformats.org/drawingml/2006/chart" xmlns:dgm="http://schemas.openxmlformats.org/drawingml/2006/diagram" xmlns:o="urn:schemas-microsoft-com:office:office" xmlns:v="urn:schemas-microsoft-com:vml" xmlns:pvml="urn:schemas-microsoft-com:office:powerpoint" xmlns:com="http://schemas.openxmlformats.org/drawingml/2006/compatibility" xmlns:p14="http://schemas.microsoft.com/office/powerpoint/2010/main" xmlns:p15="http://schemas.microsoft.com/office/powerpoint/2012/main" xmlns:ahyp="http://schemas.microsoft.com/office/drawing/2018/hyperlinkcolor" showMasterPhAnim="0" showMasterSp="0">
+  <p:cSld>
+    <p:spTree>
+      <p:nvGrpSpPr>
+        <p:cNvPr id="201" name="Shape 201"/>
         <p:cNvGrpSpPr/>
         <p:nvPr/>
       </p:nvGrpSpPr>
@@ -1161,11 +1226,9 @@
       <p:sp>
         <p:nvSpPr>
           <p:cNvPr id="202" name="Google Shape;202;g3892eb97007_0_19:notes"/>
-          <p:cNvSpPr>
-            <a:spLocks noGrp="1" noRot="1" noChangeAspect="1"/>
-          </p:cNvSpPr>
+          <p:cNvSpPr/>
           <p:nvPr>
-            <p:ph type="sldImg" idx="2"/>
+            <p:ph idx="2" type="sldImg"/>
           </p:nvPr>
         </p:nvSpPr>
         <p:spPr>
@@ -1174,13 +1237,9 @@
             <a:ext cx="6096000" cy="3429000"/>
           </a:xfrm>
           <a:custGeom>
-            <a:avLst/>
-            <a:gdLst/>
-            <a:ahLst/>
-            <a:cxnLst/>
-            <a:rect l="l" t="t" r="r" b="b"/>
+            <a:rect b="b" l="l" r="r" t="t"/>
             <a:pathLst>
-              <a:path w="120000" h="120000" extrusionOk="0">
+              <a:path extrusionOk="0" h="120000" w="120000">
                 <a:moveTo>
                   <a:pt x="0" y="0"/>
                 </a:moveTo>
@@ -1202,11 +1261,9 @@
       <p:sp>
         <p:nvSpPr>
           <p:cNvPr id="203" name="Google Shape;203;g3892eb97007_0_19:notes"/>
-          <p:cNvSpPr txBox="1">
-            <a:spLocks noGrp="1"/>
-          </p:cNvSpPr>
+          <p:cNvSpPr txBox="1"/>
           <p:nvPr>
-            <p:ph type="body" idx="1"/>
+            <p:ph idx="1" type="body"/>
           </p:nvPr>
         </p:nvSpPr>
         <p:spPr>
@@ -1219,12 +1276,12 @@
           </a:prstGeom>
         </p:spPr>
         <p:txBody>
-          <a:bodyPr spcFirstLastPara="1" wrap="square" lIns="91425" tIns="91425" rIns="91425" bIns="91425" anchor="t" anchorCtr="0">
+          <a:bodyPr anchorCtr="0" anchor="t" bIns="91425" lIns="91425" spcFirstLastPara="1" rIns="91425" wrap="square" tIns="91425">
             <a:noAutofit/>
           </a:bodyPr>
           <a:lstStyle/>
           <a:p>
-            <a:pPr marL="0" lvl="0" indent="0" algn="l" rtl="0">
+            <a:pPr indent="0" lvl="0" marL="0" rtl="0" algn="l">
               <a:spcBef>
                 <a:spcPts val="0"/>
               </a:spcBef>
@@ -1233,6 +1290,9 @@
               </a:spcAft>
               <a:buNone/>
             </a:pPr>
+            <a:r>
+              <a:t/>
+            </a:r>
             <a:endParaRPr/>
           </a:p>
         </p:txBody>
@@ -1245,12 +1305,12 @@
 </p:notes>
 </file>
 
-<file path=ppt/notesSlides/notesSlide14.xml><?xml version="1.0" encoding="utf-8"?>
-<p:notes xmlns:a="http://schemas.openxmlformats.org/drawingml/2006/main" xmlns:r="http://schemas.openxmlformats.org/officeDocument/2006/relationships" xmlns:p="http://schemas.openxmlformats.org/presentationml/2006/main" showMasterSp="0" showMasterPhAnim="0">
+<file path=ppt/notesSlides/notesSlide15.xml><?xml version="1.0" encoding="utf-8"?>
+<p:notes xmlns:a="http://schemas.openxmlformats.org/drawingml/2006/main" xmlns:r="http://schemas.openxmlformats.org/officeDocument/2006/relationships" xmlns:mc="http://schemas.openxmlformats.org/markup-compatibility/2006" xmlns:mv="urn:schemas-microsoft-com:mac:vml" xmlns:p="http://schemas.openxmlformats.org/presentationml/2006/main" xmlns:c="http://schemas.openxmlformats.org/drawingml/2006/chart" xmlns:dgm="http://schemas.openxmlformats.org/drawingml/2006/diagram" xmlns:o="urn:schemas-microsoft-com:office:office" xmlns:v="urn:schemas-microsoft-com:vml" xmlns:pvml="urn:schemas-microsoft-com:office:powerpoint" xmlns:com="http://schemas.openxmlformats.org/drawingml/2006/compatibility" xmlns:p14="http://schemas.microsoft.com/office/powerpoint/2010/main" xmlns:p15="http://schemas.microsoft.com/office/powerpoint/2012/main" xmlns:ahyp="http://schemas.microsoft.com/office/drawing/2018/hyperlinkcolor" showMasterPhAnim="0" showMasterSp="0">
   <p:cSld>
     <p:spTree>
       <p:nvGrpSpPr>
-        <p:cNvPr id="1" name="Shape 206"/>
+        <p:cNvPr id="206" name="Shape 206"/>
         <p:cNvGrpSpPr/>
         <p:nvPr/>
       </p:nvGrpSpPr>
@@ -1265,11 +1325,9 @@
       <p:sp>
         <p:nvSpPr>
           <p:cNvPr id="207" name="Google Shape;207;g387f2e334ed_0_303:notes"/>
-          <p:cNvSpPr>
-            <a:spLocks noGrp="1" noRot="1" noChangeAspect="1"/>
-          </p:cNvSpPr>
+          <p:cNvSpPr/>
           <p:nvPr>
-            <p:ph type="sldImg" idx="2"/>
+            <p:ph idx="2" type="sldImg"/>
           </p:nvPr>
         </p:nvSpPr>
         <p:spPr>
@@ -1278,13 +1336,9 @@
             <a:ext cx="6096000" cy="3429000"/>
           </a:xfrm>
           <a:custGeom>
-            <a:avLst/>
-            <a:gdLst/>
-            <a:ahLst/>
-            <a:cxnLst/>
-            <a:rect l="l" t="t" r="r" b="b"/>
+            <a:rect b="b" l="l" r="r" t="t"/>
             <a:pathLst>
-              <a:path w="120000" h="120000" extrusionOk="0">
+              <a:path extrusionOk="0" h="120000" w="120000">
                 <a:moveTo>
                   <a:pt x="0" y="0"/>
                 </a:moveTo>
@@ -1306,11 +1360,9 @@
       <p:sp>
         <p:nvSpPr>
           <p:cNvPr id="208" name="Google Shape;208;g387f2e334ed_0_303:notes"/>
-          <p:cNvSpPr txBox="1">
-            <a:spLocks noGrp="1"/>
-          </p:cNvSpPr>
+          <p:cNvSpPr txBox="1"/>
           <p:nvPr>
-            <p:ph type="body" idx="1"/>
+            <p:ph idx="1" type="body"/>
           </p:nvPr>
         </p:nvSpPr>
         <p:spPr>
@@ -1323,12 +1375,12 @@
           </a:prstGeom>
         </p:spPr>
         <p:txBody>
-          <a:bodyPr spcFirstLastPara="1" wrap="square" lIns="91425" tIns="91425" rIns="91425" bIns="91425" anchor="t" anchorCtr="0">
+          <a:bodyPr anchorCtr="0" anchor="t" bIns="91425" lIns="91425" spcFirstLastPara="1" rIns="91425" wrap="square" tIns="91425">
             <a:noAutofit/>
           </a:bodyPr>
           <a:lstStyle/>
           <a:p>
-            <a:pPr marL="0" lvl="0" indent="0" algn="l" rtl="0">
+            <a:pPr indent="0" lvl="0" marL="0" rtl="0" algn="l">
               <a:spcBef>
                 <a:spcPts val="0"/>
               </a:spcBef>
@@ -1337,6 +1389,9 @@
               </a:spcAft>
               <a:buNone/>
             </a:pPr>
+            <a:r>
+              <a:t/>
+            </a:r>
             <a:endParaRPr/>
           </a:p>
         </p:txBody>
@@ -1349,12 +1404,12 @@
 </p:notes>
 </file>
 
-<file path=ppt/notesSlides/notesSlide15.xml><?xml version="1.0" encoding="utf-8"?>
-<p:notes xmlns:a="http://schemas.openxmlformats.org/drawingml/2006/main" xmlns:r="http://schemas.openxmlformats.org/officeDocument/2006/relationships" xmlns:p="http://schemas.openxmlformats.org/presentationml/2006/main" showMasterSp="0" showMasterPhAnim="0">
+<file path=ppt/notesSlides/notesSlide16.xml><?xml version="1.0" encoding="utf-8"?>
+<p:notes xmlns:a="http://schemas.openxmlformats.org/drawingml/2006/main" xmlns:r="http://schemas.openxmlformats.org/officeDocument/2006/relationships" xmlns:mc="http://schemas.openxmlformats.org/markup-compatibility/2006" xmlns:mv="urn:schemas-microsoft-com:mac:vml" xmlns:p="http://schemas.openxmlformats.org/presentationml/2006/main" xmlns:c="http://schemas.openxmlformats.org/drawingml/2006/chart" xmlns:dgm="http://schemas.openxmlformats.org/drawingml/2006/diagram" xmlns:o="urn:schemas-microsoft-com:office:office" xmlns:v="urn:schemas-microsoft-com:vml" xmlns:pvml="urn:schemas-microsoft-com:office:powerpoint" xmlns:com="http://schemas.openxmlformats.org/drawingml/2006/compatibility" xmlns:p14="http://schemas.microsoft.com/office/powerpoint/2010/main" xmlns:p15="http://schemas.microsoft.com/office/powerpoint/2012/main" xmlns:ahyp="http://schemas.microsoft.com/office/drawing/2018/hyperlinkcolor" showMasterPhAnim="0" showMasterSp="0">
   <p:cSld>
     <p:spTree>
       <p:nvGrpSpPr>
-        <p:cNvPr id="1" name="Shape 213"/>
+        <p:cNvPr id="213" name="Shape 213"/>
         <p:cNvGrpSpPr/>
         <p:nvPr/>
       </p:nvGrpSpPr>
@@ -1369,11 +1424,9 @@
       <p:sp>
         <p:nvSpPr>
           <p:cNvPr id="214" name="Google Shape;214;g3892e553a8c_0_124:notes"/>
-          <p:cNvSpPr>
-            <a:spLocks noGrp="1" noRot="1" noChangeAspect="1"/>
-          </p:cNvSpPr>
+          <p:cNvSpPr/>
           <p:nvPr>
-            <p:ph type="sldImg" idx="2"/>
+            <p:ph idx="2" type="sldImg"/>
           </p:nvPr>
         </p:nvSpPr>
         <p:spPr>
@@ -1382,13 +1435,9 @@
             <a:ext cx="6096000" cy="3429000"/>
           </a:xfrm>
           <a:custGeom>
-            <a:avLst/>
-            <a:gdLst/>
-            <a:ahLst/>
-            <a:cxnLst/>
-            <a:rect l="l" t="t" r="r" b="b"/>
+            <a:rect b="b" l="l" r="r" t="t"/>
             <a:pathLst>
-              <a:path w="120000" h="120000" extrusionOk="0">
+              <a:path extrusionOk="0" h="120000" w="120000">
                 <a:moveTo>
                   <a:pt x="0" y="0"/>
                 </a:moveTo>
@@ -1410,11 +1459,9 @@
       <p:sp>
         <p:nvSpPr>
           <p:cNvPr id="215" name="Google Shape;215;g3892e553a8c_0_124:notes"/>
-          <p:cNvSpPr txBox="1">
-            <a:spLocks noGrp="1"/>
-          </p:cNvSpPr>
+          <p:cNvSpPr txBox="1"/>
           <p:nvPr>
-            <p:ph type="body" idx="1"/>
+            <p:ph idx="1" type="body"/>
           </p:nvPr>
         </p:nvSpPr>
         <p:spPr>
@@ -1427,12 +1474,12 @@
           </a:prstGeom>
         </p:spPr>
         <p:txBody>
-          <a:bodyPr spcFirstLastPara="1" wrap="square" lIns="91425" tIns="91425" rIns="91425" bIns="91425" anchor="t" anchorCtr="0">
+          <a:bodyPr anchorCtr="0" anchor="t" bIns="91425" lIns="91425" spcFirstLastPara="1" rIns="91425" wrap="square" tIns="91425">
             <a:noAutofit/>
           </a:bodyPr>
           <a:lstStyle/>
           <a:p>
-            <a:pPr marL="0" lvl="0" indent="0" algn="l" rtl="0">
+            <a:pPr indent="0" lvl="0" marL="0" rtl="0" algn="l">
               <a:spcBef>
                 <a:spcPts val="0"/>
               </a:spcBef>
@@ -1441,6 +1488,9 @@
               </a:spcAft>
               <a:buNone/>
             </a:pPr>
+            <a:r>
+              <a:t/>
+            </a:r>
             <a:endParaRPr/>
           </a:p>
         </p:txBody>
@@ -1453,12 +1503,12 @@
 </p:notes>
 </file>
 
-<file path=ppt/notesSlides/notesSlide16.xml><?xml version="1.0" encoding="utf-8"?>
-<p:notes xmlns:a="http://schemas.openxmlformats.org/drawingml/2006/main" xmlns:r="http://schemas.openxmlformats.org/officeDocument/2006/relationships" xmlns:p="http://schemas.openxmlformats.org/presentationml/2006/main" showMasterSp="0" showMasterPhAnim="0">
+<file path=ppt/notesSlides/notesSlide17.xml><?xml version="1.0" encoding="utf-8"?>
+<p:notes xmlns:a="http://schemas.openxmlformats.org/drawingml/2006/main" xmlns:r="http://schemas.openxmlformats.org/officeDocument/2006/relationships" xmlns:mc="http://schemas.openxmlformats.org/markup-compatibility/2006" xmlns:mv="urn:schemas-microsoft-com:mac:vml" xmlns:p="http://schemas.openxmlformats.org/presentationml/2006/main" xmlns:c="http://schemas.openxmlformats.org/drawingml/2006/chart" xmlns:dgm="http://schemas.openxmlformats.org/drawingml/2006/diagram" xmlns:o="urn:schemas-microsoft-com:office:office" xmlns:v="urn:schemas-microsoft-com:vml" xmlns:pvml="urn:schemas-microsoft-com:office:powerpoint" xmlns:com="http://schemas.openxmlformats.org/drawingml/2006/compatibility" xmlns:p14="http://schemas.microsoft.com/office/powerpoint/2010/main" xmlns:p15="http://schemas.microsoft.com/office/powerpoint/2012/main" xmlns:ahyp="http://schemas.microsoft.com/office/drawing/2018/hyperlinkcolor" showMasterPhAnim="0" showMasterSp="0">
   <p:cSld>
     <p:spTree>
       <p:nvGrpSpPr>
-        <p:cNvPr id="1" name="Shape 219"/>
+        <p:cNvPr id="219" name="Shape 219"/>
         <p:cNvGrpSpPr/>
         <p:nvPr/>
       </p:nvGrpSpPr>
@@ -1473,11 +1523,9 @@
       <p:sp>
         <p:nvSpPr>
           <p:cNvPr id="220" name="Google Shape;220;g3892e553a8c_0_129:notes"/>
-          <p:cNvSpPr>
-            <a:spLocks noGrp="1" noRot="1" noChangeAspect="1"/>
-          </p:cNvSpPr>
+          <p:cNvSpPr/>
           <p:nvPr>
-            <p:ph type="sldImg" idx="2"/>
+            <p:ph idx="2" type="sldImg"/>
           </p:nvPr>
         </p:nvSpPr>
         <p:spPr>
@@ -1486,13 +1534,9 @@
             <a:ext cx="6096000" cy="3429000"/>
           </a:xfrm>
           <a:custGeom>
-            <a:avLst/>
-            <a:gdLst/>
-            <a:ahLst/>
-            <a:cxnLst/>
-            <a:rect l="l" t="t" r="r" b="b"/>
+            <a:rect b="b" l="l" r="r" t="t"/>
             <a:pathLst>
-              <a:path w="120000" h="120000" extrusionOk="0">
+              <a:path extrusionOk="0" h="120000" w="120000">
                 <a:moveTo>
                   <a:pt x="0" y="0"/>
                 </a:moveTo>
@@ -1514,11 +1558,9 @@
       <p:sp>
         <p:nvSpPr>
           <p:cNvPr id="221" name="Google Shape;221;g3892e553a8c_0_129:notes"/>
-          <p:cNvSpPr txBox="1">
-            <a:spLocks noGrp="1"/>
-          </p:cNvSpPr>
+          <p:cNvSpPr txBox="1"/>
           <p:nvPr>
-            <p:ph type="body" idx="1"/>
+            <p:ph idx="1" type="body"/>
           </p:nvPr>
         </p:nvSpPr>
         <p:spPr>
@@ -1531,12 +1573,12 @@
           </a:prstGeom>
         </p:spPr>
         <p:txBody>
-          <a:bodyPr spcFirstLastPara="1" wrap="square" lIns="91425" tIns="91425" rIns="91425" bIns="91425" anchor="t" anchorCtr="0">
+          <a:bodyPr anchorCtr="0" anchor="t" bIns="91425" lIns="91425" spcFirstLastPara="1" rIns="91425" wrap="square" tIns="91425">
             <a:noAutofit/>
           </a:bodyPr>
           <a:lstStyle/>
           <a:p>
-            <a:pPr marL="0" lvl="0" indent="0" algn="l" rtl="0">
+            <a:pPr indent="0" lvl="0" marL="0" rtl="0" algn="l">
               <a:spcBef>
                 <a:spcPts val="0"/>
               </a:spcBef>
@@ -1545,6 +1587,9 @@
               </a:spcAft>
               <a:buNone/>
             </a:pPr>
+            <a:r>
+              <a:t/>
+            </a:r>
             <a:endParaRPr/>
           </a:p>
         </p:txBody>
@@ -1558,11 +1603,110 @@
 </file>
 
 <file path=ppt/notesSlides/notesSlide2.xml><?xml version="1.0" encoding="utf-8"?>
-<p:notes xmlns:a="http://schemas.openxmlformats.org/drawingml/2006/main" xmlns:r="http://schemas.openxmlformats.org/officeDocument/2006/relationships" xmlns:p="http://schemas.openxmlformats.org/presentationml/2006/main" showMasterSp="0" showMasterPhAnim="0">
+<p:notes xmlns:a="http://schemas.openxmlformats.org/drawingml/2006/main" xmlns:r="http://schemas.openxmlformats.org/officeDocument/2006/relationships" xmlns:mc="http://schemas.openxmlformats.org/markup-compatibility/2006" xmlns:mv="urn:schemas-microsoft-com:mac:vml" xmlns:p="http://schemas.openxmlformats.org/presentationml/2006/main" xmlns:c="http://schemas.openxmlformats.org/drawingml/2006/chart" xmlns:dgm="http://schemas.openxmlformats.org/drawingml/2006/diagram" xmlns:o="urn:schemas-microsoft-com:office:office" xmlns:v="urn:schemas-microsoft-com:vml" xmlns:pvml="urn:schemas-microsoft-com:office:powerpoint" xmlns:com="http://schemas.openxmlformats.org/drawingml/2006/compatibility" xmlns:p14="http://schemas.microsoft.com/office/powerpoint/2010/main" xmlns:p15="http://schemas.microsoft.com/office/powerpoint/2012/main" xmlns:ahyp="http://schemas.microsoft.com/office/drawing/2018/hyperlinkcolor" showMasterPhAnim="0" showMasterSp="0">
   <p:cSld>
     <p:spTree>
       <p:nvGrpSpPr>
-        <p:cNvPr id="1" name="Shape 135"/>
+        <p:cNvPr id="130" name="Shape 130"/>
+        <p:cNvGrpSpPr/>
+        <p:nvPr/>
+      </p:nvGrpSpPr>
+      <p:grpSpPr>
+        <a:xfrm>
+          <a:off x="0" y="0"/>
+          <a:ext cx="0" cy="0"/>
+          <a:chOff x="0" y="0"/>
+          <a:chExt cx="0" cy="0"/>
+        </a:xfrm>
+      </p:grpSpPr>
+      <p:sp>
+        <p:nvSpPr>
+          <p:cNvPr id="131" name="Google Shape;131;g387f2e334ed_0_260:notes"/>
+          <p:cNvSpPr/>
+          <p:nvPr>
+            <p:ph idx="2" type="sldImg"/>
+          </p:nvPr>
+        </p:nvSpPr>
+        <p:spPr>
+          <a:xfrm>
+            <a:off x="381300" y="685800"/>
+            <a:ext cx="6096000" cy="3429000"/>
+          </a:xfrm>
+          <a:custGeom>
+            <a:rect b="b" l="l" r="r" t="t"/>
+            <a:pathLst>
+              <a:path extrusionOk="0" h="120000" w="120000">
+                <a:moveTo>
+                  <a:pt x="0" y="0"/>
+                </a:moveTo>
+                <a:lnTo>
+                  <a:pt x="120000" y="0"/>
+                </a:lnTo>
+                <a:lnTo>
+                  <a:pt x="120000" y="120000"/>
+                </a:lnTo>
+                <a:lnTo>
+                  <a:pt x="0" y="120000"/>
+                </a:lnTo>
+                <a:close/>
+              </a:path>
+            </a:pathLst>
+          </a:custGeom>
+        </p:spPr>
+      </p:sp>
+      <p:sp>
+        <p:nvSpPr>
+          <p:cNvPr id="132" name="Google Shape;132;g387f2e334ed_0_260:notes"/>
+          <p:cNvSpPr txBox="1"/>
+          <p:nvPr>
+            <p:ph idx="1" type="body"/>
+          </p:nvPr>
+        </p:nvSpPr>
+        <p:spPr>
+          <a:xfrm>
+            <a:off x="685800" y="4343400"/>
+            <a:ext cx="5486400" cy="4114800"/>
+          </a:xfrm>
+          <a:prstGeom prst="rect">
+            <a:avLst/>
+          </a:prstGeom>
+        </p:spPr>
+        <p:txBody>
+          <a:bodyPr anchorCtr="0" anchor="t" bIns="91425" lIns="91425" spcFirstLastPara="1" rIns="91425" wrap="square" tIns="91425">
+            <a:noAutofit/>
+          </a:bodyPr>
+          <a:lstStyle/>
+          <a:p>
+            <a:pPr indent="0" lvl="0" marL="0" rtl="0" algn="l">
+              <a:spcBef>
+                <a:spcPts val="0"/>
+              </a:spcBef>
+              <a:spcAft>
+                <a:spcPts val="0"/>
+              </a:spcAft>
+              <a:buNone/>
+            </a:pPr>
+            <a:r>
+              <a:t/>
+            </a:r>
+            <a:endParaRPr/>
+          </a:p>
+        </p:txBody>
+      </p:sp>
+    </p:spTree>
+  </p:cSld>
+  <p:clrMapOvr>
+    <a:masterClrMapping/>
+  </p:clrMapOvr>
+</p:notes>
+</file>
+
+<file path=ppt/notesSlides/notesSlide3.xml><?xml version="1.0" encoding="utf-8"?>
+<p:notes xmlns:a="http://schemas.openxmlformats.org/drawingml/2006/main" xmlns:r="http://schemas.openxmlformats.org/officeDocument/2006/relationships" xmlns:mc="http://schemas.openxmlformats.org/markup-compatibility/2006" xmlns:mv="urn:schemas-microsoft-com:mac:vml" xmlns:p="http://schemas.openxmlformats.org/presentationml/2006/main" xmlns:c="http://schemas.openxmlformats.org/drawingml/2006/chart" xmlns:dgm="http://schemas.openxmlformats.org/drawingml/2006/diagram" xmlns:o="urn:schemas-microsoft-com:office:office" xmlns:v="urn:schemas-microsoft-com:vml" xmlns:pvml="urn:schemas-microsoft-com:office:powerpoint" xmlns:com="http://schemas.openxmlformats.org/drawingml/2006/compatibility" xmlns:p14="http://schemas.microsoft.com/office/powerpoint/2010/main" xmlns:p15="http://schemas.microsoft.com/office/powerpoint/2012/main" xmlns:ahyp="http://schemas.microsoft.com/office/drawing/2018/hyperlinkcolor" showMasterPhAnim="0" showMasterSp="0">
+  <p:cSld>
+    <p:spTree>
+      <p:nvGrpSpPr>
+        <p:cNvPr id="135" name="Shape 135"/>
         <p:cNvGrpSpPr/>
         <p:nvPr/>
       </p:nvGrpSpPr>
@@ -1577,11 +1721,9 @@
       <p:sp>
         <p:nvSpPr>
           <p:cNvPr id="136" name="Google Shape;136;g387f2e334ed_0_265:notes"/>
-          <p:cNvSpPr>
-            <a:spLocks noGrp="1" noRot="1" noChangeAspect="1"/>
-          </p:cNvSpPr>
+          <p:cNvSpPr/>
           <p:nvPr>
-            <p:ph type="sldImg" idx="2"/>
+            <p:ph idx="2" type="sldImg"/>
           </p:nvPr>
         </p:nvSpPr>
         <p:spPr>
@@ -1590,13 +1732,9 @@
             <a:ext cx="6096000" cy="3429000"/>
           </a:xfrm>
           <a:custGeom>
-            <a:avLst/>
-            <a:gdLst/>
-            <a:ahLst/>
-            <a:cxnLst/>
-            <a:rect l="l" t="t" r="r" b="b"/>
+            <a:rect b="b" l="l" r="r" t="t"/>
             <a:pathLst>
-              <a:path w="120000" h="120000" extrusionOk="0">
+              <a:path extrusionOk="0" h="120000" w="120000">
                 <a:moveTo>
                   <a:pt x="0" y="0"/>
                 </a:moveTo>
@@ -1618,11 +1756,9 @@
       <p:sp>
         <p:nvSpPr>
           <p:cNvPr id="137" name="Google Shape;137;g387f2e334ed_0_265:notes"/>
-          <p:cNvSpPr txBox="1">
-            <a:spLocks noGrp="1"/>
-          </p:cNvSpPr>
+          <p:cNvSpPr txBox="1"/>
           <p:nvPr>
-            <p:ph type="body" idx="1"/>
+            <p:ph idx="1" type="body"/>
           </p:nvPr>
         </p:nvSpPr>
         <p:spPr>
@@ -1635,12 +1771,12 @@
           </a:prstGeom>
         </p:spPr>
         <p:txBody>
-          <a:bodyPr spcFirstLastPara="1" wrap="square" lIns="91425" tIns="91425" rIns="91425" bIns="91425" anchor="t" anchorCtr="0">
+          <a:bodyPr anchorCtr="0" anchor="t" bIns="91425" lIns="91425" spcFirstLastPara="1" rIns="91425" wrap="square" tIns="91425">
             <a:noAutofit/>
           </a:bodyPr>
           <a:lstStyle/>
           <a:p>
-            <a:pPr marL="0" lvl="0" indent="0" algn="l" rtl="0">
+            <a:pPr indent="0" lvl="0" marL="0" rtl="0" algn="l">
               <a:spcBef>
                 <a:spcPts val="0"/>
               </a:spcBef>
@@ -1649,6 +1785,9 @@
               </a:spcAft>
               <a:buNone/>
             </a:pPr>
+            <a:r>
+              <a:t/>
+            </a:r>
             <a:endParaRPr/>
           </a:p>
         </p:txBody>
@@ -1661,12 +1800,12 @@
 </p:notes>
 </file>
 
-<file path=ppt/notesSlides/notesSlide3.xml><?xml version="1.0" encoding="utf-8"?>
-<p:notes xmlns:a="http://schemas.openxmlformats.org/drawingml/2006/main" xmlns:r="http://schemas.openxmlformats.org/officeDocument/2006/relationships" xmlns:p="http://schemas.openxmlformats.org/presentationml/2006/main" showMasterSp="0" showMasterPhAnim="0">
+<file path=ppt/notesSlides/notesSlide4.xml><?xml version="1.0" encoding="utf-8"?>
+<p:notes xmlns:a="http://schemas.openxmlformats.org/drawingml/2006/main" xmlns:r="http://schemas.openxmlformats.org/officeDocument/2006/relationships" xmlns:mc="http://schemas.openxmlformats.org/markup-compatibility/2006" xmlns:mv="urn:schemas-microsoft-com:mac:vml" xmlns:p="http://schemas.openxmlformats.org/presentationml/2006/main" xmlns:c="http://schemas.openxmlformats.org/drawingml/2006/chart" xmlns:dgm="http://schemas.openxmlformats.org/drawingml/2006/diagram" xmlns:o="urn:schemas-microsoft-com:office:office" xmlns:v="urn:schemas-microsoft-com:vml" xmlns:pvml="urn:schemas-microsoft-com:office:powerpoint" xmlns:com="http://schemas.openxmlformats.org/drawingml/2006/compatibility" xmlns:p14="http://schemas.microsoft.com/office/powerpoint/2010/main" xmlns:p15="http://schemas.microsoft.com/office/powerpoint/2012/main" xmlns:ahyp="http://schemas.microsoft.com/office/drawing/2018/hyperlinkcolor" showMasterPhAnim="0" showMasterSp="0">
   <p:cSld>
     <p:spTree>
       <p:nvGrpSpPr>
-        <p:cNvPr id="1" name="Shape 140"/>
+        <p:cNvPr id="140" name="Shape 140"/>
         <p:cNvGrpSpPr/>
         <p:nvPr/>
       </p:nvGrpSpPr>
@@ -1681,26 +1820,20 @@
       <p:sp>
         <p:nvSpPr>
           <p:cNvPr id="141" name="Google Shape;141;g387f2e334ed_0_269:notes"/>
-          <p:cNvSpPr>
-            <a:spLocks noGrp="1" noRot="1" noChangeAspect="1"/>
-          </p:cNvSpPr>
+          <p:cNvSpPr/>
           <p:nvPr>
-            <p:ph type="sldImg" idx="2"/>
+            <p:ph idx="2" type="sldImg"/>
           </p:nvPr>
         </p:nvSpPr>
         <p:spPr>
           <a:xfrm>
-            <a:off x="381000" y="685800"/>
+            <a:off x="381300" y="685800"/>
             <a:ext cx="6096000" cy="3429000"/>
           </a:xfrm>
           <a:custGeom>
-            <a:avLst/>
-            <a:gdLst/>
-            <a:ahLst/>
-            <a:cxnLst/>
-            <a:rect l="l" t="t" r="r" b="b"/>
+            <a:rect b="b" l="l" r="r" t="t"/>
             <a:pathLst>
-              <a:path w="120000" h="120000" extrusionOk="0">
+              <a:path extrusionOk="0" h="120000" w="120000">
                 <a:moveTo>
                   <a:pt x="0" y="0"/>
                 </a:moveTo>
@@ -1722,11 +1855,9 @@
       <p:sp>
         <p:nvSpPr>
           <p:cNvPr id="142" name="Google Shape;142;g387f2e334ed_0_269:notes"/>
-          <p:cNvSpPr txBox="1">
-            <a:spLocks noGrp="1"/>
-          </p:cNvSpPr>
+          <p:cNvSpPr txBox="1"/>
           <p:nvPr>
-            <p:ph type="body" idx="1"/>
+            <p:ph idx="1" type="body"/>
           </p:nvPr>
         </p:nvSpPr>
         <p:spPr>
@@ -1739,12 +1870,12 @@
           </a:prstGeom>
         </p:spPr>
         <p:txBody>
-          <a:bodyPr spcFirstLastPara="1" wrap="square" lIns="91425" tIns="91425" rIns="91425" bIns="91425" anchor="t" anchorCtr="0">
+          <a:bodyPr anchorCtr="0" anchor="t" bIns="91425" lIns="91425" spcFirstLastPara="1" rIns="91425" wrap="square" tIns="91425">
             <a:noAutofit/>
           </a:bodyPr>
           <a:lstStyle/>
           <a:p>
-            <a:pPr marL="0" lvl="0" indent="0" algn="l" rtl="0">
+            <a:pPr indent="0" lvl="0" marL="0" rtl="0" algn="l">
               <a:spcBef>
                 <a:spcPts val="0"/>
               </a:spcBef>
@@ -1753,6 +1884,9 @@
               </a:spcAft>
               <a:buNone/>
             </a:pPr>
+            <a:r>
+              <a:t/>
+            </a:r>
             <a:endParaRPr/>
           </a:p>
         </p:txBody>
@@ -1765,12 +1899,12 @@
 </p:notes>
 </file>
 
-<file path=ppt/notesSlides/notesSlide4.xml><?xml version="1.0" encoding="utf-8"?>
-<p:notes xmlns:a="http://schemas.openxmlformats.org/drawingml/2006/main" xmlns:r="http://schemas.openxmlformats.org/officeDocument/2006/relationships" xmlns:p="http://schemas.openxmlformats.org/presentationml/2006/main" showMasterSp="0" showMasterPhAnim="0">
+<file path=ppt/notesSlides/notesSlide5.xml><?xml version="1.0" encoding="utf-8"?>
+<p:notes xmlns:a="http://schemas.openxmlformats.org/drawingml/2006/main" xmlns:r="http://schemas.openxmlformats.org/officeDocument/2006/relationships" xmlns:mc="http://schemas.openxmlformats.org/markup-compatibility/2006" xmlns:mv="urn:schemas-microsoft-com:mac:vml" xmlns:p="http://schemas.openxmlformats.org/presentationml/2006/main" xmlns:c="http://schemas.openxmlformats.org/drawingml/2006/chart" xmlns:dgm="http://schemas.openxmlformats.org/drawingml/2006/diagram" xmlns:o="urn:schemas-microsoft-com:office:office" xmlns:v="urn:schemas-microsoft-com:vml" xmlns:pvml="urn:schemas-microsoft-com:office:powerpoint" xmlns:com="http://schemas.openxmlformats.org/drawingml/2006/compatibility" xmlns:p14="http://schemas.microsoft.com/office/powerpoint/2010/main" xmlns:p15="http://schemas.microsoft.com/office/powerpoint/2012/main" xmlns:ahyp="http://schemas.microsoft.com/office/drawing/2018/hyperlinkcolor" showMasterPhAnim="0" showMasterSp="0">
   <p:cSld>
     <p:spTree>
       <p:nvGrpSpPr>
-        <p:cNvPr id="1" name="Shape 147"/>
+        <p:cNvPr id="147" name="Shape 147"/>
         <p:cNvGrpSpPr/>
         <p:nvPr/>
       </p:nvGrpSpPr>
@@ -1785,26 +1919,20 @@
       <p:sp>
         <p:nvSpPr>
           <p:cNvPr id="148" name="Google Shape;148;g387f2e334ed_0_275:notes"/>
-          <p:cNvSpPr>
-            <a:spLocks noGrp="1" noRot="1" noChangeAspect="1"/>
-          </p:cNvSpPr>
+          <p:cNvSpPr/>
           <p:nvPr>
-            <p:ph type="sldImg" idx="2"/>
+            <p:ph idx="2" type="sldImg"/>
           </p:nvPr>
         </p:nvSpPr>
         <p:spPr>
           <a:xfrm>
-            <a:off x="381000" y="685800"/>
+            <a:off x="381300" y="685800"/>
             <a:ext cx="6096000" cy="3429000"/>
           </a:xfrm>
           <a:custGeom>
-            <a:avLst/>
-            <a:gdLst/>
-            <a:ahLst/>
-            <a:cxnLst/>
-            <a:rect l="l" t="t" r="r" b="b"/>
+            <a:rect b="b" l="l" r="r" t="t"/>
             <a:pathLst>
-              <a:path w="120000" h="120000" extrusionOk="0">
+              <a:path extrusionOk="0" h="120000" w="120000">
                 <a:moveTo>
                   <a:pt x="0" y="0"/>
                 </a:moveTo>
@@ -1826,11 +1954,9 @@
       <p:sp>
         <p:nvSpPr>
           <p:cNvPr id="149" name="Google Shape;149;g387f2e334ed_0_275:notes"/>
-          <p:cNvSpPr txBox="1">
-            <a:spLocks noGrp="1"/>
-          </p:cNvSpPr>
+          <p:cNvSpPr txBox="1"/>
           <p:nvPr>
-            <p:ph type="body" idx="1"/>
+            <p:ph idx="1" type="body"/>
           </p:nvPr>
         </p:nvSpPr>
         <p:spPr>
@@ -1843,12 +1969,12 @@
           </a:prstGeom>
         </p:spPr>
         <p:txBody>
-          <a:bodyPr spcFirstLastPara="1" wrap="square" lIns="91425" tIns="91425" rIns="91425" bIns="91425" anchor="t" anchorCtr="0">
+          <a:bodyPr anchorCtr="0" anchor="t" bIns="91425" lIns="91425" spcFirstLastPara="1" rIns="91425" wrap="square" tIns="91425">
             <a:noAutofit/>
           </a:bodyPr>
           <a:lstStyle/>
           <a:p>
-            <a:pPr marL="0" lvl="0" indent="0" algn="l" rtl="0">
+            <a:pPr indent="0" lvl="0" marL="0" rtl="0" algn="l">
               <a:spcBef>
                 <a:spcPts val="0"/>
               </a:spcBef>
@@ -1857,6 +1983,9 @@
               </a:spcAft>
               <a:buNone/>
             </a:pPr>
+            <a:r>
+              <a:t/>
+            </a:r>
             <a:endParaRPr/>
           </a:p>
         </p:txBody>
@@ -1869,12 +1998,12 @@
 </p:notes>
 </file>
 
-<file path=ppt/notesSlides/notesSlide5.xml><?xml version="1.0" encoding="utf-8"?>
-<p:notes xmlns:a="http://schemas.openxmlformats.org/drawingml/2006/main" xmlns:r="http://schemas.openxmlformats.org/officeDocument/2006/relationships" xmlns:p="http://schemas.openxmlformats.org/presentationml/2006/main" showMasterSp="0" showMasterPhAnim="0">
+<file path=ppt/notesSlides/notesSlide6.xml><?xml version="1.0" encoding="utf-8"?>
+<p:notes xmlns:a="http://schemas.openxmlformats.org/drawingml/2006/main" xmlns:r="http://schemas.openxmlformats.org/officeDocument/2006/relationships" xmlns:mc="http://schemas.openxmlformats.org/markup-compatibility/2006" xmlns:mv="urn:schemas-microsoft-com:mac:vml" xmlns:p="http://schemas.openxmlformats.org/presentationml/2006/main" xmlns:c="http://schemas.openxmlformats.org/drawingml/2006/chart" xmlns:dgm="http://schemas.openxmlformats.org/drawingml/2006/diagram" xmlns:o="urn:schemas-microsoft-com:office:office" xmlns:v="urn:schemas-microsoft-com:vml" xmlns:pvml="urn:schemas-microsoft-com:office:powerpoint" xmlns:com="http://schemas.openxmlformats.org/drawingml/2006/compatibility" xmlns:p14="http://schemas.microsoft.com/office/powerpoint/2010/main" xmlns:p15="http://schemas.microsoft.com/office/powerpoint/2012/main" xmlns:ahyp="http://schemas.microsoft.com/office/drawing/2018/hyperlinkcolor" showMasterPhAnim="0" showMasterSp="0">
   <p:cSld>
     <p:spTree>
       <p:nvGrpSpPr>
-        <p:cNvPr id="1" name="Shape 154"/>
+        <p:cNvPr id="154" name="Shape 154"/>
         <p:cNvGrpSpPr/>
         <p:nvPr/>
       </p:nvGrpSpPr>
@@ -1889,26 +2018,20 @@
       <p:sp>
         <p:nvSpPr>
           <p:cNvPr id="155" name="Google Shape;155;g387f2e334ed_0_280:notes"/>
-          <p:cNvSpPr>
-            <a:spLocks noGrp="1" noRot="1" noChangeAspect="1"/>
-          </p:cNvSpPr>
+          <p:cNvSpPr/>
           <p:nvPr>
-            <p:ph type="sldImg" idx="2"/>
+            <p:ph idx="2" type="sldImg"/>
           </p:nvPr>
         </p:nvSpPr>
         <p:spPr>
           <a:xfrm>
-            <a:off x="381000" y="685800"/>
+            <a:off x="381300" y="685800"/>
             <a:ext cx="6096000" cy="3429000"/>
           </a:xfrm>
           <a:custGeom>
-            <a:avLst/>
-            <a:gdLst/>
-            <a:ahLst/>
-            <a:cxnLst/>
-            <a:rect l="l" t="t" r="r" b="b"/>
+            <a:rect b="b" l="l" r="r" t="t"/>
             <a:pathLst>
-              <a:path w="120000" h="120000" extrusionOk="0">
+              <a:path extrusionOk="0" h="120000" w="120000">
                 <a:moveTo>
                   <a:pt x="0" y="0"/>
                 </a:moveTo>
@@ -1930,11 +2053,9 @@
       <p:sp>
         <p:nvSpPr>
           <p:cNvPr id="156" name="Google Shape;156;g387f2e334ed_0_280:notes"/>
-          <p:cNvSpPr txBox="1">
-            <a:spLocks noGrp="1"/>
-          </p:cNvSpPr>
+          <p:cNvSpPr txBox="1"/>
           <p:nvPr>
-            <p:ph type="body" idx="1"/>
+            <p:ph idx="1" type="body"/>
           </p:nvPr>
         </p:nvSpPr>
         <p:spPr>
@@ -1947,12 +2068,12 @@
           </a:prstGeom>
         </p:spPr>
         <p:txBody>
-          <a:bodyPr spcFirstLastPara="1" wrap="square" lIns="91425" tIns="91425" rIns="91425" bIns="91425" anchor="t" anchorCtr="0">
+          <a:bodyPr anchorCtr="0" anchor="t" bIns="91425" lIns="91425" spcFirstLastPara="1" rIns="91425" wrap="square" tIns="91425">
             <a:noAutofit/>
           </a:bodyPr>
           <a:lstStyle/>
           <a:p>
-            <a:pPr marL="0" lvl="0" indent="0" algn="l" rtl="0">
+            <a:pPr indent="0" lvl="0" marL="0" rtl="0" algn="l">
               <a:spcBef>
                 <a:spcPts val="0"/>
               </a:spcBef>
@@ -1961,6 +2082,9 @@
               </a:spcAft>
               <a:buNone/>
             </a:pPr>
+            <a:r>
+              <a:t/>
+            </a:r>
             <a:endParaRPr/>
           </a:p>
         </p:txBody>
@@ -1973,12 +2097,12 @@
 </p:notes>
 </file>
 
-<file path=ppt/notesSlides/notesSlide6.xml><?xml version="1.0" encoding="utf-8"?>
-<p:notes xmlns:a="http://schemas.openxmlformats.org/drawingml/2006/main" xmlns:r="http://schemas.openxmlformats.org/officeDocument/2006/relationships" xmlns:p="http://schemas.openxmlformats.org/presentationml/2006/main" showMasterSp="0" showMasterPhAnim="0">
+<file path=ppt/notesSlides/notesSlide7.xml><?xml version="1.0" encoding="utf-8"?>
+<p:notes xmlns:a="http://schemas.openxmlformats.org/drawingml/2006/main" xmlns:r="http://schemas.openxmlformats.org/officeDocument/2006/relationships" xmlns:mc="http://schemas.openxmlformats.org/markup-compatibility/2006" xmlns:mv="urn:schemas-microsoft-com:mac:vml" xmlns:p="http://schemas.openxmlformats.org/presentationml/2006/main" xmlns:c="http://schemas.openxmlformats.org/drawingml/2006/chart" xmlns:dgm="http://schemas.openxmlformats.org/drawingml/2006/diagram" xmlns:o="urn:schemas-microsoft-com:office:office" xmlns:v="urn:schemas-microsoft-com:vml" xmlns:pvml="urn:schemas-microsoft-com:office:powerpoint" xmlns:com="http://schemas.openxmlformats.org/drawingml/2006/compatibility" xmlns:p14="http://schemas.microsoft.com/office/powerpoint/2010/main" xmlns:p15="http://schemas.microsoft.com/office/powerpoint/2012/main" xmlns:ahyp="http://schemas.microsoft.com/office/drawing/2018/hyperlinkcolor" showMasterPhAnim="0" showMasterSp="0">
   <p:cSld>
     <p:spTree>
       <p:nvGrpSpPr>
-        <p:cNvPr id="1" name="Shape 162"/>
+        <p:cNvPr id="162" name="Shape 162"/>
         <p:cNvGrpSpPr/>
         <p:nvPr/>
       </p:nvGrpSpPr>
@@ -1993,26 +2117,20 @@
       <p:sp>
         <p:nvSpPr>
           <p:cNvPr id="163" name="Google Shape;163;g387f2e334ed_0_286:notes"/>
-          <p:cNvSpPr>
-            <a:spLocks noGrp="1" noRot="1" noChangeAspect="1"/>
-          </p:cNvSpPr>
+          <p:cNvSpPr/>
           <p:nvPr>
-            <p:ph type="sldImg" idx="2"/>
+            <p:ph idx="2" type="sldImg"/>
           </p:nvPr>
         </p:nvSpPr>
         <p:spPr>
           <a:xfrm>
-            <a:off x="381000" y="685800"/>
+            <a:off x="381300" y="685800"/>
             <a:ext cx="6096000" cy="3429000"/>
           </a:xfrm>
           <a:custGeom>
-            <a:avLst/>
-            <a:gdLst/>
-            <a:ahLst/>
-            <a:cxnLst/>
-            <a:rect l="l" t="t" r="r" b="b"/>
+            <a:rect b="b" l="l" r="r" t="t"/>
             <a:pathLst>
-              <a:path w="120000" h="120000" extrusionOk="0">
+              <a:path extrusionOk="0" h="120000" w="120000">
                 <a:moveTo>
                   <a:pt x="0" y="0"/>
                 </a:moveTo>
@@ -2034,11 +2152,9 @@
       <p:sp>
         <p:nvSpPr>
           <p:cNvPr id="164" name="Google Shape;164;g387f2e334ed_0_286:notes"/>
-          <p:cNvSpPr txBox="1">
-            <a:spLocks noGrp="1"/>
-          </p:cNvSpPr>
+          <p:cNvSpPr txBox="1"/>
           <p:nvPr>
-            <p:ph type="body" idx="1"/>
+            <p:ph idx="1" type="body"/>
           </p:nvPr>
         </p:nvSpPr>
         <p:spPr>
@@ -2051,12 +2167,12 @@
           </a:prstGeom>
         </p:spPr>
         <p:txBody>
-          <a:bodyPr spcFirstLastPara="1" wrap="square" lIns="91425" tIns="91425" rIns="91425" bIns="91425" anchor="t" anchorCtr="0">
+          <a:bodyPr anchorCtr="0" anchor="t" bIns="91425" lIns="91425" spcFirstLastPara="1" rIns="91425" wrap="square" tIns="91425">
             <a:noAutofit/>
           </a:bodyPr>
           <a:lstStyle/>
           <a:p>
-            <a:pPr marL="0" lvl="0" indent="0" algn="l" rtl="0">
+            <a:pPr indent="0" lvl="0" marL="0" rtl="0" algn="l">
               <a:spcBef>
                 <a:spcPts val="0"/>
               </a:spcBef>
@@ -2065,6 +2181,9 @@
               </a:spcAft>
               <a:buNone/>
             </a:pPr>
+            <a:r>
+              <a:t/>
+            </a:r>
             <a:endParaRPr/>
           </a:p>
         </p:txBody>
@@ -2077,12 +2196,12 @@
 </p:notes>
 </file>
 
-<file path=ppt/notesSlides/notesSlide7.xml><?xml version="1.0" encoding="utf-8"?>
-<p:notes xmlns:a="http://schemas.openxmlformats.org/drawingml/2006/main" xmlns:r="http://schemas.openxmlformats.org/officeDocument/2006/relationships" xmlns:p="http://schemas.openxmlformats.org/presentationml/2006/main" showMasterSp="0" showMasterPhAnim="0">
+<file path=ppt/notesSlides/notesSlide8.xml><?xml version="1.0" encoding="utf-8"?>
+<p:notes xmlns:a="http://schemas.openxmlformats.org/drawingml/2006/main" xmlns:r="http://schemas.openxmlformats.org/officeDocument/2006/relationships" xmlns:mc="http://schemas.openxmlformats.org/markup-compatibility/2006" xmlns:mv="urn:schemas-microsoft-com:mac:vml" xmlns:p="http://schemas.openxmlformats.org/presentationml/2006/main" xmlns:c="http://schemas.openxmlformats.org/drawingml/2006/chart" xmlns:dgm="http://schemas.openxmlformats.org/drawingml/2006/diagram" xmlns:o="urn:schemas-microsoft-com:office:office" xmlns:v="urn:schemas-microsoft-com:vml" xmlns:pvml="urn:schemas-microsoft-com:office:powerpoint" xmlns:com="http://schemas.openxmlformats.org/drawingml/2006/compatibility" xmlns:p14="http://schemas.microsoft.com/office/powerpoint/2010/main" xmlns:p15="http://schemas.microsoft.com/office/powerpoint/2012/main" xmlns:ahyp="http://schemas.microsoft.com/office/drawing/2018/hyperlinkcolor" showMasterPhAnim="0" showMasterSp="0">
   <p:cSld>
     <p:spTree>
       <p:nvGrpSpPr>
-        <p:cNvPr id="1" name="Shape 169"/>
+        <p:cNvPr id="169" name="Shape 169"/>
         <p:cNvGrpSpPr/>
         <p:nvPr/>
       </p:nvGrpSpPr>
@@ -2097,11 +2216,9 @@
       <p:sp>
         <p:nvSpPr>
           <p:cNvPr id="170" name="Google Shape;170;g387f2e334ed_0_291:notes"/>
-          <p:cNvSpPr>
-            <a:spLocks noGrp="1" noRot="1" noChangeAspect="1"/>
-          </p:cNvSpPr>
+          <p:cNvSpPr/>
           <p:nvPr>
-            <p:ph type="sldImg" idx="2"/>
+            <p:ph idx="2" type="sldImg"/>
           </p:nvPr>
         </p:nvSpPr>
         <p:spPr>
@@ -2110,13 +2227,9 @@
             <a:ext cx="6096000" cy="3429000"/>
           </a:xfrm>
           <a:custGeom>
-            <a:avLst/>
-            <a:gdLst/>
-            <a:ahLst/>
-            <a:cxnLst/>
-            <a:rect l="l" t="t" r="r" b="b"/>
+            <a:rect b="b" l="l" r="r" t="t"/>
             <a:pathLst>
-              <a:path w="120000" h="120000" extrusionOk="0">
+              <a:path extrusionOk="0" h="120000" w="120000">
                 <a:moveTo>
                   <a:pt x="0" y="0"/>
                 </a:moveTo>
@@ -2138,11 +2251,9 @@
       <p:sp>
         <p:nvSpPr>
           <p:cNvPr id="171" name="Google Shape;171;g387f2e334ed_0_291:notes"/>
-          <p:cNvSpPr txBox="1">
-            <a:spLocks noGrp="1"/>
-          </p:cNvSpPr>
+          <p:cNvSpPr txBox="1"/>
           <p:nvPr>
-            <p:ph type="body" idx="1"/>
+            <p:ph idx="1" type="body"/>
           </p:nvPr>
         </p:nvSpPr>
         <p:spPr>
@@ -2155,12 +2266,12 @@
           </a:prstGeom>
         </p:spPr>
         <p:txBody>
-          <a:bodyPr spcFirstLastPara="1" wrap="square" lIns="91425" tIns="91425" rIns="91425" bIns="91425" anchor="t" anchorCtr="0">
+          <a:bodyPr anchorCtr="0" anchor="t" bIns="91425" lIns="91425" spcFirstLastPara="1" rIns="91425" wrap="square" tIns="91425">
             <a:noAutofit/>
           </a:bodyPr>
           <a:lstStyle/>
           <a:p>
-            <a:pPr marL="0" lvl="0" indent="0" algn="l" rtl="0">
+            <a:pPr indent="0" lvl="0" marL="0" rtl="0" algn="l">
               <a:spcBef>
                 <a:spcPts val="0"/>
               </a:spcBef>
@@ -2169,6 +2280,9 @@
               </a:spcAft>
               <a:buNone/>
             </a:pPr>
+            <a:r>
+              <a:t/>
+            </a:r>
             <a:endParaRPr/>
           </a:p>
         </p:txBody>
@@ -2181,12 +2295,12 @@
 </p:notes>
 </file>
 
-<file path=ppt/notesSlides/notesSlide8.xml><?xml version="1.0" encoding="utf-8"?>
-<p:notes xmlns:a="http://schemas.openxmlformats.org/drawingml/2006/main" xmlns:r="http://schemas.openxmlformats.org/officeDocument/2006/relationships" xmlns:p="http://schemas.openxmlformats.org/presentationml/2006/main" showMasterSp="0" showMasterPhAnim="0">
+<file path=ppt/notesSlides/notesSlide9.xml><?xml version="1.0" encoding="utf-8"?>
+<p:notes xmlns:a="http://schemas.openxmlformats.org/drawingml/2006/main" xmlns:r="http://schemas.openxmlformats.org/officeDocument/2006/relationships" xmlns:mc="http://schemas.openxmlformats.org/markup-compatibility/2006" xmlns:mv="urn:schemas-microsoft-com:mac:vml" xmlns:p="http://schemas.openxmlformats.org/presentationml/2006/main" xmlns:c="http://schemas.openxmlformats.org/drawingml/2006/chart" xmlns:dgm="http://schemas.openxmlformats.org/drawingml/2006/diagram" xmlns:o="urn:schemas-microsoft-com:office:office" xmlns:v="urn:schemas-microsoft-com:vml" xmlns:pvml="urn:schemas-microsoft-com:office:powerpoint" xmlns:com="http://schemas.openxmlformats.org/drawingml/2006/compatibility" xmlns:p14="http://schemas.microsoft.com/office/powerpoint/2010/main" xmlns:p15="http://schemas.microsoft.com/office/powerpoint/2012/main" xmlns:ahyp="http://schemas.microsoft.com/office/drawing/2018/hyperlinkcolor" showMasterPhAnim="0" showMasterSp="0">
   <p:cSld>
     <p:spTree>
       <p:nvGrpSpPr>
-        <p:cNvPr id="1" name="Shape 174"/>
+        <p:cNvPr id="174" name="Shape 174"/>
         <p:cNvGrpSpPr/>
         <p:nvPr/>
       </p:nvGrpSpPr>
@@ -2201,11 +2315,9 @@
       <p:sp>
         <p:nvSpPr>
           <p:cNvPr id="175" name="Google Shape;175;g387f2e334ed_0_296:notes"/>
-          <p:cNvSpPr>
-            <a:spLocks noGrp="1" noRot="1" noChangeAspect="1"/>
-          </p:cNvSpPr>
+          <p:cNvSpPr/>
           <p:nvPr>
-            <p:ph type="sldImg" idx="2"/>
+            <p:ph idx="2" type="sldImg"/>
           </p:nvPr>
         </p:nvSpPr>
         <p:spPr>
@@ -2214,13 +2326,9 @@
             <a:ext cx="6096000" cy="3429000"/>
           </a:xfrm>
           <a:custGeom>
-            <a:avLst/>
-            <a:gdLst/>
-            <a:ahLst/>
-            <a:cxnLst/>
-            <a:rect l="l" t="t" r="r" b="b"/>
+            <a:rect b="b" l="l" r="r" t="t"/>
             <a:pathLst>
-              <a:path w="120000" h="120000" extrusionOk="0">
+              <a:path extrusionOk="0" h="120000" w="120000">
                 <a:moveTo>
                   <a:pt x="0" y="0"/>
                 </a:moveTo>
@@ -2242,11 +2350,9 @@
       <p:sp>
         <p:nvSpPr>
           <p:cNvPr id="176" name="Google Shape;176;g387f2e334ed_0_296:notes"/>
-          <p:cNvSpPr txBox="1">
-            <a:spLocks noGrp="1"/>
-          </p:cNvSpPr>
+          <p:cNvSpPr txBox="1"/>
           <p:nvPr>
-            <p:ph type="body" idx="1"/>
+            <p:ph idx="1" type="body"/>
           </p:nvPr>
         </p:nvSpPr>
         <p:spPr>
@@ -2259,12 +2365,12 @@
           </a:prstGeom>
         </p:spPr>
         <p:txBody>
-          <a:bodyPr spcFirstLastPara="1" wrap="square" lIns="91425" tIns="91425" rIns="91425" bIns="91425" anchor="t" anchorCtr="0">
+          <a:bodyPr anchorCtr="0" anchor="t" bIns="91425" lIns="91425" spcFirstLastPara="1" rIns="91425" wrap="square" tIns="91425">
             <a:noAutofit/>
           </a:bodyPr>
           <a:lstStyle/>
           <a:p>
-            <a:pPr marL="0" lvl="0" indent="0" algn="l" rtl="0">
+            <a:pPr indent="0" lvl="0" marL="0" rtl="0" algn="l">
               <a:spcBef>
                 <a:spcPts val="0"/>
               </a:spcBef>
@@ -2273,110 +2379,9 @@
               </a:spcAft>
               <a:buNone/>
             </a:pPr>
-            <a:endParaRPr/>
-          </a:p>
-        </p:txBody>
-      </p:sp>
-    </p:spTree>
-  </p:cSld>
-  <p:clrMapOvr>
-    <a:masterClrMapping/>
-  </p:clrMapOvr>
-</p:notes>
-</file>
-
-<file path=ppt/notesSlides/notesSlide9.xml><?xml version="1.0" encoding="utf-8"?>
-<p:notes xmlns:a="http://schemas.openxmlformats.org/drawingml/2006/main" xmlns:r="http://schemas.openxmlformats.org/officeDocument/2006/relationships" xmlns:p="http://schemas.openxmlformats.org/presentationml/2006/main" showMasterSp="0" showMasterPhAnim="0">
-  <p:cSld>
-    <p:spTree>
-      <p:nvGrpSpPr>
-        <p:cNvPr id="1" name="Shape 181"/>
-        <p:cNvGrpSpPr/>
-        <p:nvPr/>
-      </p:nvGrpSpPr>
-      <p:grpSpPr>
-        <a:xfrm>
-          <a:off x="0" y="0"/>
-          <a:ext cx="0" cy="0"/>
-          <a:chOff x="0" y="0"/>
-          <a:chExt cx="0" cy="0"/>
-        </a:xfrm>
-      </p:grpSpPr>
-      <p:sp>
-        <p:nvSpPr>
-          <p:cNvPr id="182" name="Google Shape;182;g3892eb97007_0_27:notes"/>
-          <p:cNvSpPr>
-            <a:spLocks noGrp="1" noRot="1" noChangeAspect="1"/>
-          </p:cNvSpPr>
-          <p:nvPr>
-            <p:ph type="sldImg" idx="2"/>
-          </p:nvPr>
-        </p:nvSpPr>
-        <p:spPr>
-          <a:xfrm>
-            <a:off x="381300" y="685800"/>
-            <a:ext cx="6096000" cy="3429000"/>
-          </a:xfrm>
-          <a:custGeom>
-            <a:avLst/>
-            <a:gdLst/>
-            <a:ahLst/>
-            <a:cxnLst/>
-            <a:rect l="l" t="t" r="r" b="b"/>
-            <a:pathLst>
-              <a:path w="120000" h="120000" extrusionOk="0">
-                <a:moveTo>
-                  <a:pt x="0" y="0"/>
-                </a:moveTo>
-                <a:lnTo>
-                  <a:pt x="120000" y="0"/>
-                </a:lnTo>
-                <a:lnTo>
-                  <a:pt x="120000" y="120000"/>
-                </a:lnTo>
-                <a:lnTo>
-                  <a:pt x="0" y="120000"/>
-                </a:lnTo>
-                <a:close/>
-              </a:path>
-            </a:pathLst>
-          </a:custGeom>
-        </p:spPr>
-      </p:sp>
-      <p:sp>
-        <p:nvSpPr>
-          <p:cNvPr id="183" name="Google Shape;183;g3892eb97007_0_27:notes"/>
-          <p:cNvSpPr txBox="1">
-            <a:spLocks noGrp="1"/>
-          </p:cNvSpPr>
-          <p:nvPr>
-            <p:ph type="body" idx="1"/>
-          </p:nvPr>
-        </p:nvSpPr>
-        <p:spPr>
-          <a:xfrm>
-            <a:off x="685800" y="4343400"/>
-            <a:ext cx="5486400" cy="4114800"/>
-          </a:xfrm>
-          <a:prstGeom prst="rect">
-            <a:avLst/>
-          </a:prstGeom>
-        </p:spPr>
-        <p:txBody>
-          <a:bodyPr spcFirstLastPara="1" wrap="square" lIns="91425" tIns="91425" rIns="91425" bIns="91425" anchor="t" anchorCtr="0">
-            <a:noAutofit/>
-          </a:bodyPr>
-          <a:lstStyle/>
-          <a:p>
-            <a:pPr marL="0" lvl="0" indent="0" algn="l" rtl="0">
-              <a:spcBef>
-                <a:spcPts val="0"/>
-              </a:spcBef>
-              <a:spcAft>
-                <a:spcPts val="0"/>
-              </a:spcAft>
-              <a:buNone/>
-            </a:pPr>
+            <a:r>
+              <a:t/>
+            </a:r>
             <a:endParaRPr/>
           </a:p>
         </p:txBody>
@@ -2390,19 +2395,18 @@
 </file>
 
 <file path=ppt/slideLayouts/slideLayout1.xml><?xml version="1.0" encoding="utf-8"?>
-<p:sldLayout xmlns:a="http://schemas.openxmlformats.org/drawingml/2006/main" xmlns:r="http://schemas.openxmlformats.org/officeDocument/2006/relationships" xmlns:p="http://schemas.openxmlformats.org/presentationml/2006/main" matchingName="Title slide" type="title">
+<p:sldLayout xmlns:a="http://schemas.openxmlformats.org/drawingml/2006/main" xmlns:r="http://schemas.openxmlformats.org/officeDocument/2006/relationships" xmlns:mc="http://schemas.openxmlformats.org/markup-compatibility/2006" xmlns:mv="urn:schemas-microsoft-com:mac:vml" xmlns:p="http://schemas.openxmlformats.org/presentationml/2006/main" xmlns:c="http://schemas.openxmlformats.org/drawingml/2006/chart" xmlns:dgm="http://schemas.openxmlformats.org/drawingml/2006/diagram" xmlns:o="urn:schemas-microsoft-com:office:office" xmlns:v="urn:schemas-microsoft-com:vml" xmlns:pvml="urn:schemas-microsoft-com:office:powerpoint" xmlns:com="http://schemas.openxmlformats.org/drawingml/2006/compatibility" xmlns:p14="http://schemas.microsoft.com/office/powerpoint/2010/main" xmlns:p15="http://schemas.microsoft.com/office/powerpoint/2012/main" xmlns:ahyp="http://schemas.microsoft.com/office/drawing/2018/hyperlinkcolor" matchingName="Title slide" type="title">
   <p:cSld name="TITLE">
     <p:bg>
       <p:bgPr>
         <a:solidFill>
           <a:schemeClr val="accent6"/>
         </a:solidFill>
-        <a:effectLst/>
       </p:bgPr>
     </p:bg>
     <p:spTree>
       <p:nvGrpSpPr>
-        <p:cNvPr id="1" name="Shape 9"/>
+        <p:cNvPr id="9" name="Shape 9"/>
         <p:cNvGrpSpPr/>
         <p:nvPr/>
       </p:nvGrpSpPr>
@@ -2436,12 +2440,12 @@
           </a:ln>
         </p:spPr>
         <p:txBody>
-          <a:bodyPr spcFirstLastPara="1" wrap="square" lIns="91425" tIns="91425" rIns="91425" bIns="91425" anchor="ctr" anchorCtr="0">
+          <a:bodyPr anchorCtr="0" anchor="ctr" bIns="91425" lIns="91425" spcFirstLastPara="1" rIns="91425" wrap="square" tIns="91425">
             <a:noAutofit/>
           </a:bodyPr>
           <a:lstStyle/>
           <a:p>
-            <a:pPr marL="0" lvl="0" indent="0" algn="l" rtl="0">
+            <a:pPr indent="0" lvl="0" marL="0" rtl="0" algn="l">
               <a:spcBef>
                 <a:spcPts val="0"/>
               </a:spcBef>
@@ -2450,6 +2454,9 @@
               </a:spcAft>
               <a:buNone/>
             </a:pPr>
+            <a:r>
+              <a:t/>
+            </a:r>
             <a:endParaRPr/>
           </a:p>
         </p:txBody>
@@ -2476,12 +2483,12 @@
           </a:ln>
         </p:spPr>
         <p:txBody>
-          <a:bodyPr spcFirstLastPara="1" wrap="square" lIns="91425" tIns="91425" rIns="91425" bIns="91425" anchor="ctr" anchorCtr="0">
+          <a:bodyPr anchorCtr="0" anchor="ctr" bIns="91425" lIns="91425" spcFirstLastPara="1" rIns="91425" wrap="square" tIns="91425">
             <a:noAutofit/>
           </a:bodyPr>
           <a:lstStyle/>
           <a:p>
-            <a:pPr marL="0" lvl="0" indent="0" algn="l" rtl="0">
+            <a:pPr indent="0" lvl="0" marL="0" rtl="0" algn="l">
               <a:spcBef>
                 <a:spcPts val="0"/>
               </a:spcBef>
@@ -2490,6 +2497,9 @@
               </a:spcAft>
               <a:buNone/>
             </a:pPr>
+            <a:r>
+              <a:t/>
+            </a:r>
             <a:endParaRPr/>
           </a:p>
         </p:txBody>
@@ -2516,12 +2526,12 @@
           </a:ln>
         </p:spPr>
         <p:txBody>
-          <a:bodyPr spcFirstLastPara="1" wrap="square" lIns="91425" tIns="91425" rIns="91425" bIns="91425" anchor="ctr" anchorCtr="0">
+          <a:bodyPr anchorCtr="0" anchor="ctr" bIns="91425" lIns="91425" spcFirstLastPara="1" rIns="91425" wrap="square" tIns="91425">
             <a:noAutofit/>
           </a:bodyPr>
           <a:lstStyle/>
           <a:p>
-            <a:pPr marL="0" lvl="0" indent="0" algn="l" rtl="0">
+            <a:pPr indent="0" lvl="0" marL="0" rtl="0" algn="l">
               <a:spcBef>
                 <a:spcPts val="0"/>
               </a:spcBef>
@@ -2530,6 +2540,9 @@
               </a:spcAft>
               <a:buNone/>
             </a:pPr>
+            <a:r>
+              <a:t/>
+            </a:r>
             <a:endParaRPr/>
           </a:p>
         </p:txBody>
@@ -2555,7 +2568,7 @@
             <a:noFill/>
           </a:ln>
           <a:effectLst>
-            <a:outerShdw blurRad="228600" sx="101000" sy="101000" algn="ctr" rotWithShape="0">
+            <a:outerShdw blurRad="228600" sx="101000" rotWithShape="0" algn="ctr" sy="101000">
               <a:srgbClr val="000000">
                 <a:alpha val="40000"/>
               </a:srgbClr>
@@ -2563,12 +2576,12 @@
           </a:effectLst>
         </p:spPr>
         <p:txBody>
-          <a:bodyPr spcFirstLastPara="1" wrap="square" lIns="91425" tIns="91425" rIns="91425" bIns="91425" anchor="ctr" anchorCtr="0">
+          <a:bodyPr anchorCtr="0" anchor="ctr" bIns="91425" lIns="91425" spcFirstLastPara="1" rIns="91425" wrap="square" tIns="91425">
             <a:noAutofit/>
           </a:bodyPr>
           <a:lstStyle/>
           <a:p>
-            <a:pPr marL="0" lvl="0" indent="0" algn="l" rtl="0">
+            <a:pPr indent="0" lvl="0" marL="0" rtl="0" algn="l">
               <a:spcBef>
                 <a:spcPts val="0"/>
               </a:spcBef>
@@ -2577,6 +2590,9 @@
               </a:spcAft>
               <a:buNone/>
             </a:pPr>
+            <a:r>
+              <a:t/>
+            </a:r>
             <a:endParaRPr/>
           </a:p>
         </p:txBody>
@@ -2608,7 +2624,7 @@
             </a:xfrm>
             <a:prstGeom prst="parallelogram">
               <a:avLst>
-                <a:gd name="adj" fmla="val 153193"/>
+                <a:gd fmla="val 153193" name="adj"/>
               </a:avLst>
             </a:prstGeom>
             <a:solidFill>
@@ -2619,12 +2635,12 @@
             </a:ln>
           </p:spPr>
           <p:txBody>
-            <a:bodyPr spcFirstLastPara="1" wrap="square" lIns="91425" tIns="91425" rIns="91425" bIns="91425" anchor="ctr" anchorCtr="0">
+            <a:bodyPr anchorCtr="0" anchor="ctr" bIns="91425" lIns="91425" spcFirstLastPara="1" rIns="91425" wrap="square" tIns="91425">
               <a:noAutofit/>
             </a:bodyPr>
             <a:lstStyle/>
             <a:p>
-              <a:pPr marL="0" lvl="0" indent="0" algn="l" rtl="0">
+              <a:pPr indent="0" lvl="0" marL="0" rtl="0" algn="l">
                 <a:spcBef>
                   <a:spcPts val="0"/>
                 </a:spcBef>
@@ -2633,6 +2649,9 @@
                 </a:spcAft>
                 <a:buNone/>
               </a:pPr>
+              <a:r>
+                <a:t/>
+              </a:r>
               <a:endParaRPr/>
             </a:p>
           </p:txBody>
@@ -2650,7 +2669,7 @@
             </a:xfrm>
             <a:prstGeom prst="parallelogram">
               <a:avLst>
-                <a:gd name="adj" fmla="val 153193"/>
+                <a:gd fmla="val 153193" name="adj"/>
               </a:avLst>
             </a:prstGeom>
             <a:solidFill>
@@ -2661,12 +2680,12 @@
             </a:ln>
           </p:spPr>
           <p:txBody>
-            <a:bodyPr spcFirstLastPara="1" wrap="square" lIns="91425" tIns="91425" rIns="91425" bIns="91425" anchor="ctr" anchorCtr="0">
+            <a:bodyPr anchorCtr="0" anchor="ctr" bIns="91425" lIns="91425" spcFirstLastPara="1" rIns="91425" wrap="square" tIns="91425">
               <a:noAutofit/>
             </a:bodyPr>
             <a:lstStyle/>
             <a:p>
-              <a:pPr marL="0" lvl="0" indent="0" algn="l" rtl="0">
+              <a:pPr indent="0" lvl="0" marL="0" rtl="0" algn="l">
                 <a:spcBef>
                   <a:spcPts val="0"/>
                 </a:spcBef>
@@ -2675,6 +2694,9 @@
                 </a:spcAft>
                 <a:buNone/>
               </a:pPr>
+              <a:r>
+                <a:t/>
+              </a:r>
               <a:endParaRPr/>
             </a:p>
           </p:txBody>
@@ -2692,7 +2714,7 @@
             </a:xfrm>
             <a:prstGeom prst="parallelogram">
               <a:avLst>
-                <a:gd name="adj" fmla="val 153193"/>
+                <a:gd fmla="val 153193" name="adj"/>
               </a:avLst>
             </a:prstGeom>
             <a:solidFill>
@@ -2703,12 +2725,12 @@
             </a:ln>
           </p:spPr>
           <p:txBody>
-            <a:bodyPr spcFirstLastPara="1" wrap="square" lIns="91425" tIns="91425" rIns="91425" bIns="91425" anchor="ctr" anchorCtr="0">
+            <a:bodyPr anchorCtr="0" anchor="ctr" bIns="91425" lIns="91425" spcFirstLastPara="1" rIns="91425" wrap="square" tIns="91425">
               <a:noAutofit/>
             </a:bodyPr>
             <a:lstStyle/>
             <a:p>
-              <a:pPr marL="0" lvl="0" indent="0" algn="l" rtl="0">
+              <a:pPr indent="0" lvl="0" marL="0" rtl="0" algn="l">
                 <a:spcBef>
                   <a:spcPts val="0"/>
                 </a:spcBef>
@@ -2717,6 +2739,9 @@
                 </a:spcAft>
                 <a:buNone/>
               </a:pPr>
+              <a:r>
+                <a:t/>
+              </a:r>
               <a:endParaRPr/>
             </a:p>
           </p:txBody>
@@ -2749,7 +2774,7 @@
             </a:xfrm>
             <a:prstGeom prst="parallelogram">
               <a:avLst>
-                <a:gd name="adj" fmla="val 153193"/>
+                <a:gd fmla="val 153193" name="adj"/>
               </a:avLst>
             </a:prstGeom>
             <a:solidFill>
@@ -2760,12 +2785,12 @@
             </a:ln>
           </p:spPr>
           <p:txBody>
-            <a:bodyPr spcFirstLastPara="1" wrap="square" lIns="91425" tIns="91425" rIns="91425" bIns="91425" anchor="ctr" anchorCtr="0">
+            <a:bodyPr anchorCtr="0" anchor="ctr" bIns="91425" lIns="91425" spcFirstLastPara="1" rIns="91425" wrap="square" tIns="91425">
               <a:noAutofit/>
             </a:bodyPr>
             <a:lstStyle/>
             <a:p>
-              <a:pPr marL="0" lvl="0" indent="0" algn="l" rtl="0">
+              <a:pPr indent="0" lvl="0" marL="0" rtl="0" algn="l">
                 <a:spcBef>
                   <a:spcPts val="0"/>
                 </a:spcBef>
@@ -2774,6 +2799,9 @@
                 </a:spcAft>
                 <a:buNone/>
               </a:pPr>
+              <a:r>
+                <a:t/>
+              </a:r>
               <a:endParaRPr/>
             </a:p>
           </p:txBody>
@@ -2791,7 +2819,7 @@
             </a:xfrm>
             <a:prstGeom prst="parallelogram">
               <a:avLst>
-                <a:gd name="adj" fmla="val 153193"/>
+                <a:gd fmla="val 153193" name="adj"/>
               </a:avLst>
             </a:prstGeom>
             <a:solidFill>
@@ -2802,12 +2830,12 @@
             </a:ln>
           </p:spPr>
           <p:txBody>
-            <a:bodyPr spcFirstLastPara="1" wrap="square" lIns="91425" tIns="91425" rIns="91425" bIns="91425" anchor="ctr" anchorCtr="0">
+            <a:bodyPr anchorCtr="0" anchor="ctr" bIns="91425" lIns="91425" spcFirstLastPara="1" rIns="91425" wrap="square" tIns="91425">
               <a:noAutofit/>
             </a:bodyPr>
             <a:lstStyle/>
             <a:p>
-              <a:pPr marL="0" lvl="0" indent="0" algn="l" rtl="0">
+              <a:pPr indent="0" lvl="0" marL="0" rtl="0" algn="l">
                 <a:spcBef>
                   <a:spcPts val="0"/>
                 </a:spcBef>
@@ -2816,6 +2844,9 @@
                 </a:spcAft>
                 <a:buNone/>
               </a:pPr>
+              <a:r>
+                <a:t/>
+              </a:r>
               <a:endParaRPr/>
             </a:p>
           </p:txBody>
@@ -2833,7 +2864,7 @@
             </a:xfrm>
             <a:prstGeom prst="parallelogram">
               <a:avLst>
-                <a:gd name="adj" fmla="val 153193"/>
+                <a:gd fmla="val 153193" name="adj"/>
               </a:avLst>
             </a:prstGeom>
             <a:solidFill>
@@ -2844,12 +2875,12 @@
             </a:ln>
           </p:spPr>
           <p:txBody>
-            <a:bodyPr spcFirstLastPara="1" wrap="square" lIns="91425" tIns="91425" rIns="91425" bIns="91425" anchor="ctr" anchorCtr="0">
+            <a:bodyPr anchorCtr="0" anchor="ctr" bIns="91425" lIns="91425" spcFirstLastPara="1" rIns="91425" wrap="square" tIns="91425">
               <a:noAutofit/>
             </a:bodyPr>
             <a:lstStyle/>
             <a:p>
-              <a:pPr marL="0" lvl="0" indent="0" algn="l" rtl="0">
+              <a:pPr indent="0" lvl="0" marL="0" rtl="0" algn="l">
                 <a:spcBef>
                   <a:spcPts val="0"/>
                 </a:spcBef>
@@ -2858,6 +2889,9 @@
                 </a:spcAft>
                 <a:buNone/>
               </a:pPr>
+              <a:r>
+                <a:t/>
+              </a:r>
               <a:endParaRPr/>
             </a:p>
           </p:txBody>
@@ -2890,7 +2924,7 @@
             </a:xfrm>
             <a:prstGeom prst="parallelogram">
               <a:avLst>
-                <a:gd name="adj" fmla="val 158024"/>
+                <a:gd fmla="val 158024" name="adj"/>
               </a:avLst>
             </a:prstGeom>
             <a:solidFill>
@@ -2901,12 +2935,12 @@
             </a:ln>
           </p:spPr>
           <p:txBody>
-            <a:bodyPr spcFirstLastPara="1" wrap="square" lIns="91425" tIns="91425" rIns="91425" bIns="91425" anchor="ctr" anchorCtr="0">
+            <a:bodyPr anchorCtr="0" anchor="ctr" bIns="91425" lIns="91425" spcFirstLastPara="1" rIns="91425" wrap="square" tIns="91425">
               <a:noAutofit/>
             </a:bodyPr>
             <a:lstStyle/>
             <a:p>
-              <a:pPr marL="0" lvl="0" indent="0" algn="l" rtl="0">
+              <a:pPr indent="0" lvl="0" marL="0" rtl="0" algn="l">
                 <a:spcBef>
                   <a:spcPts val="0"/>
                 </a:spcBef>
@@ -2915,6 +2949,9 @@
                 </a:spcAft>
                 <a:buNone/>
               </a:pPr>
+              <a:r>
+                <a:t/>
+              </a:r>
               <a:endParaRPr/>
             </a:p>
           </p:txBody>
@@ -2932,7 +2969,7 @@
             </a:xfrm>
             <a:prstGeom prst="parallelogram">
               <a:avLst>
-                <a:gd name="adj" fmla="val 158024"/>
+                <a:gd fmla="val 158024" name="adj"/>
               </a:avLst>
             </a:prstGeom>
             <a:solidFill>
@@ -2943,12 +2980,12 @@
             </a:ln>
           </p:spPr>
           <p:txBody>
-            <a:bodyPr spcFirstLastPara="1" wrap="square" lIns="91425" tIns="91425" rIns="91425" bIns="91425" anchor="ctr" anchorCtr="0">
+            <a:bodyPr anchorCtr="0" anchor="ctr" bIns="91425" lIns="91425" spcFirstLastPara="1" rIns="91425" wrap="square" tIns="91425">
               <a:noAutofit/>
             </a:bodyPr>
             <a:lstStyle/>
             <a:p>
-              <a:pPr marL="0" lvl="0" indent="0" algn="l" rtl="0">
+              <a:pPr indent="0" lvl="0" marL="0" rtl="0" algn="l">
                 <a:spcBef>
                   <a:spcPts val="0"/>
                 </a:spcBef>
@@ -2957,6 +2994,9 @@
                 </a:spcAft>
                 <a:buNone/>
               </a:pPr>
+              <a:r>
+                <a:t/>
+              </a:r>
               <a:endParaRPr/>
             </a:p>
           </p:txBody>
@@ -2974,7 +3014,7 @@
             </a:xfrm>
             <a:prstGeom prst="parallelogram">
               <a:avLst>
-                <a:gd name="adj" fmla="val 158024"/>
+                <a:gd fmla="val 158024" name="adj"/>
               </a:avLst>
             </a:prstGeom>
             <a:solidFill>
@@ -2985,12 +3025,12 @@
             </a:ln>
           </p:spPr>
           <p:txBody>
-            <a:bodyPr spcFirstLastPara="1" wrap="square" lIns="91425" tIns="91425" rIns="91425" bIns="91425" anchor="ctr" anchorCtr="0">
+            <a:bodyPr anchorCtr="0" anchor="ctr" bIns="91425" lIns="91425" spcFirstLastPara="1" rIns="91425" wrap="square" tIns="91425">
               <a:noAutofit/>
             </a:bodyPr>
             <a:lstStyle/>
             <a:p>
-              <a:pPr marL="0" lvl="0" indent="0" algn="l" rtl="0">
+              <a:pPr indent="0" lvl="0" marL="0" rtl="0" algn="l">
                 <a:spcBef>
                   <a:spcPts val="0"/>
                 </a:spcBef>
@@ -2999,6 +3039,9 @@
                 </a:spcAft>
                 <a:buNone/>
               </a:pPr>
+              <a:r>
+                <a:t/>
+              </a:r>
               <a:endParaRPr/>
             </a:p>
           </p:txBody>
@@ -3031,7 +3074,7 @@
             </a:xfrm>
             <a:prstGeom prst="parallelogram">
               <a:avLst>
-                <a:gd name="adj" fmla="val 158024"/>
+                <a:gd fmla="val 158024" name="adj"/>
               </a:avLst>
             </a:prstGeom>
             <a:solidFill>
@@ -3042,12 +3085,12 @@
             </a:ln>
           </p:spPr>
           <p:txBody>
-            <a:bodyPr spcFirstLastPara="1" wrap="square" lIns="91425" tIns="91425" rIns="91425" bIns="91425" anchor="ctr" anchorCtr="0">
+            <a:bodyPr anchorCtr="0" anchor="ctr" bIns="91425" lIns="91425" spcFirstLastPara="1" rIns="91425" wrap="square" tIns="91425">
               <a:noAutofit/>
             </a:bodyPr>
             <a:lstStyle/>
             <a:p>
-              <a:pPr marL="0" lvl="0" indent="0" algn="l" rtl="0">
+              <a:pPr indent="0" lvl="0" marL="0" rtl="0" algn="l">
                 <a:spcBef>
                   <a:spcPts val="0"/>
                 </a:spcBef>
@@ -3056,6 +3099,9 @@
                 </a:spcAft>
                 <a:buNone/>
               </a:pPr>
+              <a:r>
+                <a:t/>
+              </a:r>
               <a:endParaRPr/>
             </a:p>
           </p:txBody>
@@ -3073,7 +3119,7 @@
             </a:xfrm>
             <a:prstGeom prst="parallelogram">
               <a:avLst>
-                <a:gd name="adj" fmla="val 158024"/>
+                <a:gd fmla="val 158024" name="adj"/>
               </a:avLst>
             </a:prstGeom>
             <a:solidFill>
@@ -3084,12 +3130,12 @@
             </a:ln>
           </p:spPr>
           <p:txBody>
-            <a:bodyPr spcFirstLastPara="1" wrap="square" lIns="91425" tIns="91425" rIns="91425" bIns="91425" anchor="ctr" anchorCtr="0">
+            <a:bodyPr anchorCtr="0" anchor="ctr" bIns="91425" lIns="91425" spcFirstLastPara="1" rIns="91425" wrap="square" tIns="91425">
               <a:noAutofit/>
             </a:bodyPr>
             <a:lstStyle/>
             <a:p>
-              <a:pPr marL="0" lvl="0" indent="0" algn="l" rtl="0">
+              <a:pPr indent="0" lvl="0" marL="0" rtl="0" algn="l">
                 <a:spcBef>
                   <a:spcPts val="0"/>
                 </a:spcBef>
@@ -3098,6 +3144,9 @@
                 </a:spcAft>
                 <a:buNone/>
               </a:pPr>
+              <a:r>
+                <a:t/>
+              </a:r>
               <a:endParaRPr/>
             </a:p>
           </p:txBody>
@@ -3115,7 +3164,7 @@
             </a:xfrm>
             <a:prstGeom prst="parallelogram">
               <a:avLst>
-                <a:gd name="adj" fmla="val 158024"/>
+                <a:gd fmla="val 158024" name="adj"/>
               </a:avLst>
             </a:prstGeom>
             <a:solidFill>
@@ -3126,12 +3175,12 @@
             </a:ln>
           </p:spPr>
           <p:txBody>
-            <a:bodyPr spcFirstLastPara="1" wrap="square" lIns="91425" tIns="91425" rIns="91425" bIns="91425" anchor="ctr" anchorCtr="0">
+            <a:bodyPr anchorCtr="0" anchor="ctr" bIns="91425" lIns="91425" spcFirstLastPara="1" rIns="91425" wrap="square" tIns="91425">
               <a:noAutofit/>
             </a:bodyPr>
             <a:lstStyle/>
             <a:p>
-              <a:pPr marL="0" lvl="0" indent="0" algn="l" rtl="0">
+              <a:pPr indent="0" lvl="0" marL="0" rtl="0" algn="l">
                 <a:spcBef>
                   <a:spcPts val="0"/>
                 </a:spcBef>
@@ -3140,6 +3189,9 @@
                 </a:spcAft>
                 <a:buNone/>
               </a:pPr>
+              <a:r>
+                <a:t/>
+              </a:r>
               <a:endParaRPr/>
             </a:p>
           </p:txBody>
@@ -3172,7 +3224,7 @@
             </a:xfrm>
             <a:prstGeom prst="parallelogram">
               <a:avLst>
-                <a:gd name="adj" fmla="val 158024"/>
+                <a:gd fmla="val 158024" name="adj"/>
               </a:avLst>
             </a:prstGeom>
             <a:solidFill>
@@ -3183,12 +3235,12 @@
             </a:ln>
           </p:spPr>
           <p:txBody>
-            <a:bodyPr spcFirstLastPara="1" wrap="square" lIns="91425" tIns="91425" rIns="91425" bIns="91425" anchor="ctr" anchorCtr="0">
+            <a:bodyPr anchorCtr="0" anchor="ctr" bIns="91425" lIns="91425" spcFirstLastPara="1" rIns="91425" wrap="square" tIns="91425">
               <a:noAutofit/>
             </a:bodyPr>
             <a:lstStyle/>
             <a:p>
-              <a:pPr marL="0" lvl="0" indent="0" algn="l" rtl="0">
+              <a:pPr indent="0" lvl="0" marL="0" rtl="0" algn="l">
                 <a:spcBef>
                   <a:spcPts val="0"/>
                 </a:spcBef>
@@ -3197,6 +3249,9 @@
                 </a:spcAft>
                 <a:buNone/>
               </a:pPr>
+              <a:r>
+                <a:t/>
+              </a:r>
               <a:endParaRPr/>
             </a:p>
           </p:txBody>
@@ -3214,7 +3269,7 @@
             </a:xfrm>
             <a:prstGeom prst="parallelogram">
               <a:avLst>
-                <a:gd name="adj" fmla="val 158024"/>
+                <a:gd fmla="val 158024" name="adj"/>
               </a:avLst>
             </a:prstGeom>
             <a:solidFill>
@@ -3225,12 +3280,12 @@
             </a:ln>
           </p:spPr>
           <p:txBody>
-            <a:bodyPr spcFirstLastPara="1" wrap="square" lIns="91425" tIns="91425" rIns="91425" bIns="91425" anchor="ctr" anchorCtr="0">
+            <a:bodyPr anchorCtr="0" anchor="ctr" bIns="91425" lIns="91425" spcFirstLastPara="1" rIns="91425" wrap="square" tIns="91425">
               <a:noAutofit/>
             </a:bodyPr>
             <a:lstStyle/>
             <a:p>
-              <a:pPr marL="0" lvl="0" indent="0" algn="l" rtl="0">
+              <a:pPr indent="0" lvl="0" marL="0" rtl="0" algn="l">
                 <a:spcBef>
                   <a:spcPts val="0"/>
                 </a:spcBef>
@@ -3239,6 +3294,9 @@
                 </a:spcAft>
                 <a:buNone/>
               </a:pPr>
+              <a:r>
+                <a:t/>
+              </a:r>
               <a:endParaRPr/>
             </a:p>
           </p:txBody>
@@ -3256,7 +3314,7 @@
             </a:xfrm>
             <a:prstGeom prst="parallelogram">
               <a:avLst>
-                <a:gd name="adj" fmla="val 158024"/>
+                <a:gd fmla="val 158024" name="adj"/>
               </a:avLst>
             </a:prstGeom>
             <a:solidFill>
@@ -3267,12 +3325,12 @@
             </a:ln>
           </p:spPr>
           <p:txBody>
-            <a:bodyPr spcFirstLastPara="1" wrap="square" lIns="91425" tIns="91425" rIns="91425" bIns="91425" anchor="ctr" anchorCtr="0">
+            <a:bodyPr anchorCtr="0" anchor="ctr" bIns="91425" lIns="91425" spcFirstLastPara="1" rIns="91425" wrap="square" tIns="91425">
               <a:noAutofit/>
             </a:bodyPr>
             <a:lstStyle/>
             <a:p>
-              <a:pPr marL="0" lvl="0" indent="0" algn="l" rtl="0">
+              <a:pPr indent="0" lvl="0" marL="0" rtl="0" algn="l">
                 <a:spcBef>
                   <a:spcPts val="0"/>
                 </a:spcBef>
@@ -3281,6 +3339,9 @@
                 </a:spcAft>
                 <a:buNone/>
               </a:pPr>
+              <a:r>
+                <a:t/>
+              </a:r>
               <a:endParaRPr/>
             </a:p>
           </p:txBody>
@@ -3289,9 +3350,7 @@
       <p:sp>
         <p:nvSpPr>
           <p:cNvPr id="34" name="Google Shape;34;p2"/>
-          <p:cNvSpPr txBox="1">
-            <a:spLocks noGrp="1"/>
-          </p:cNvSpPr>
+          <p:cNvSpPr txBox="1"/>
           <p:nvPr>
             <p:ph type="ctrTitle"/>
           </p:nvPr>
@@ -3306,7 +3365,7 @@
           </a:prstGeom>
         </p:spPr>
         <p:txBody>
-          <a:bodyPr spcFirstLastPara="1" wrap="square" lIns="91425" tIns="91425" rIns="91425" bIns="91425" anchor="ctr" anchorCtr="0">
+          <a:bodyPr anchorCtr="0" anchor="ctr" bIns="91425" lIns="91425" spcFirstLastPara="1" rIns="91425" wrap="square" tIns="91425">
             <a:normAutofit/>
           </a:bodyPr>
           <a:lstStyle>
@@ -3410,19 +3469,15 @@
               <a:defRPr sz="3800"/>
             </a:lvl9pPr>
           </a:lstStyle>
-          <a:p>
-            <a:endParaRPr/>
-          </a:p>
+          <a:p/>
         </p:txBody>
       </p:sp>
       <p:sp>
         <p:nvSpPr>
           <p:cNvPr id="35" name="Google Shape;35;p2"/>
-          <p:cNvSpPr txBox="1">
-            <a:spLocks noGrp="1"/>
-          </p:cNvSpPr>
+          <p:cNvSpPr txBox="1"/>
           <p:nvPr>
-            <p:ph type="subTitle" idx="1"/>
+            <p:ph idx="1" type="subTitle"/>
           </p:nvPr>
         </p:nvSpPr>
         <p:spPr>
@@ -3435,7 +3490,7 @@
           </a:prstGeom>
         </p:spPr>
         <p:txBody>
-          <a:bodyPr spcFirstLastPara="1" wrap="square" lIns="91425" tIns="91425" rIns="91425" bIns="91425" anchor="t" anchorCtr="0">
+          <a:bodyPr anchorCtr="0" anchor="t" bIns="91425" lIns="91425" spcFirstLastPara="1" rIns="91425" wrap="square" tIns="91425">
             <a:normAutofit/>
           </a:bodyPr>
           <a:lstStyle>
@@ -3629,19 +3684,15 @@
               </a:defRPr>
             </a:lvl9pPr>
           </a:lstStyle>
-          <a:p>
-            <a:endParaRPr/>
-          </a:p>
+          <a:p/>
         </p:txBody>
       </p:sp>
       <p:sp>
         <p:nvSpPr>
           <p:cNvPr id="36" name="Google Shape;36;p2"/>
-          <p:cNvSpPr txBox="1">
-            <a:spLocks noGrp="1"/>
-          </p:cNvSpPr>
+          <p:cNvSpPr txBox="1"/>
           <p:nvPr>
-            <p:ph type="sldNum" idx="12"/>
+            <p:ph idx="12" type="sldNum"/>
           </p:nvPr>
         </p:nvSpPr>
         <p:spPr>
@@ -3654,7 +3705,7 @@
           </a:prstGeom>
         </p:spPr>
         <p:txBody>
-          <a:bodyPr spcFirstLastPara="1" wrap="square" lIns="91425" tIns="91425" rIns="91425" bIns="91425" anchor="ctr" anchorCtr="0">
+          <a:bodyPr anchorCtr="0" anchor="ctr" bIns="91425" lIns="91425" spcFirstLastPara="1" rIns="91425" wrap="square" tIns="91425">
             <a:normAutofit/>
           </a:bodyPr>
           <a:lstStyle>
@@ -3696,7 +3747,7 @@
             </a:lvl9pPr>
           </a:lstStyle>
           <a:p>
-            <a:pPr marL="0" lvl="0" indent="0" algn="r" rtl="0">
+            <a:pPr indent="0" lvl="0" marL="0" rtl="0" algn="r">
               <a:spcBef>
                 <a:spcPts val="0"/>
               </a:spcBef>
@@ -3722,19 +3773,18 @@
 </file>
 
 <file path=ppt/slideLayouts/slideLayout10.xml><?xml version="1.0" encoding="utf-8"?>
-<p:sldLayout xmlns:a="http://schemas.openxmlformats.org/drawingml/2006/main" xmlns:r="http://schemas.openxmlformats.org/officeDocument/2006/relationships" xmlns:p="http://schemas.openxmlformats.org/presentationml/2006/main" matchingName="Big number">
+<p:sldLayout xmlns:a="http://schemas.openxmlformats.org/drawingml/2006/main" xmlns:r="http://schemas.openxmlformats.org/officeDocument/2006/relationships" xmlns:mc="http://schemas.openxmlformats.org/markup-compatibility/2006" xmlns:mv="urn:schemas-microsoft-com:mac:vml" xmlns:p="http://schemas.openxmlformats.org/presentationml/2006/main" xmlns:c="http://schemas.openxmlformats.org/drawingml/2006/chart" xmlns:dgm="http://schemas.openxmlformats.org/drawingml/2006/diagram" xmlns:o="urn:schemas-microsoft-com:office:office" xmlns:v="urn:schemas-microsoft-com:vml" xmlns:pvml="urn:schemas-microsoft-com:office:powerpoint" xmlns:com="http://schemas.openxmlformats.org/drawingml/2006/compatibility" xmlns:p14="http://schemas.microsoft.com/office/powerpoint/2010/main" xmlns:p15="http://schemas.microsoft.com/office/powerpoint/2012/main" xmlns:ahyp="http://schemas.microsoft.com/office/drawing/2018/hyperlinkcolor" matchingName="Big number">
   <p:cSld name="BIG_NUMBER">
     <p:bg>
       <p:bgPr>
         <a:solidFill>
           <a:schemeClr val="accent3"/>
         </a:solidFill>
-        <a:effectLst/>
       </p:bgPr>
     </p:bg>
     <p:spTree>
       <p:nvGrpSpPr>
-        <p:cNvPr id="1" name="Shape 109"/>
+        <p:cNvPr id="109" name="Shape 109"/>
         <p:cNvGrpSpPr/>
         <p:nvPr/>
       </p:nvGrpSpPr>
@@ -3768,12 +3818,12 @@
           </a:ln>
         </p:spPr>
         <p:txBody>
-          <a:bodyPr spcFirstLastPara="1" wrap="square" lIns="91425" tIns="91425" rIns="91425" bIns="91425" anchor="ctr" anchorCtr="0">
+          <a:bodyPr anchorCtr="0" anchor="ctr" bIns="91425" lIns="91425" spcFirstLastPara="1" rIns="91425" wrap="square" tIns="91425">
             <a:noAutofit/>
           </a:bodyPr>
           <a:lstStyle/>
           <a:p>
-            <a:pPr marL="0" lvl="0" indent="0" algn="l" rtl="0">
+            <a:pPr indent="0" lvl="0" marL="0" rtl="0" algn="l">
               <a:spcBef>
                 <a:spcPts val="0"/>
               </a:spcBef>
@@ -3782,6 +3832,9 @@
               </a:spcAft>
               <a:buNone/>
             </a:pPr>
+            <a:r>
+              <a:t/>
+            </a:r>
             <a:endParaRPr/>
           </a:p>
         </p:txBody>
@@ -3813,7 +3866,7 @@
             </a:xfrm>
             <a:prstGeom prst="parallelogram">
               <a:avLst>
-                <a:gd name="adj" fmla="val 158024"/>
+                <a:gd fmla="val 158024" name="adj"/>
               </a:avLst>
             </a:prstGeom>
             <a:solidFill>
@@ -3824,12 +3877,12 @@
             </a:ln>
           </p:spPr>
           <p:txBody>
-            <a:bodyPr spcFirstLastPara="1" wrap="square" lIns="91425" tIns="91425" rIns="91425" bIns="91425" anchor="ctr" anchorCtr="0">
+            <a:bodyPr anchorCtr="0" anchor="ctr" bIns="91425" lIns="91425" spcFirstLastPara="1" rIns="91425" wrap="square" tIns="91425">
               <a:noAutofit/>
             </a:bodyPr>
             <a:lstStyle/>
             <a:p>
-              <a:pPr marL="0" lvl="0" indent="0" algn="l" rtl="0">
+              <a:pPr indent="0" lvl="0" marL="0" rtl="0" algn="l">
                 <a:spcBef>
                   <a:spcPts val="0"/>
                 </a:spcBef>
@@ -3838,6 +3891,9 @@
                 </a:spcAft>
                 <a:buNone/>
               </a:pPr>
+              <a:r>
+                <a:t/>
+              </a:r>
               <a:endParaRPr/>
             </a:p>
           </p:txBody>
@@ -3855,7 +3911,7 @@
             </a:xfrm>
             <a:prstGeom prst="parallelogram">
               <a:avLst>
-                <a:gd name="adj" fmla="val 158024"/>
+                <a:gd fmla="val 158024" name="adj"/>
               </a:avLst>
             </a:prstGeom>
             <a:solidFill>
@@ -3866,12 +3922,12 @@
             </a:ln>
           </p:spPr>
           <p:txBody>
-            <a:bodyPr spcFirstLastPara="1" wrap="square" lIns="91425" tIns="91425" rIns="91425" bIns="91425" anchor="ctr" anchorCtr="0">
+            <a:bodyPr anchorCtr="0" anchor="ctr" bIns="91425" lIns="91425" spcFirstLastPara="1" rIns="91425" wrap="square" tIns="91425">
               <a:noAutofit/>
             </a:bodyPr>
             <a:lstStyle/>
             <a:p>
-              <a:pPr marL="0" lvl="0" indent="0" algn="l" rtl="0">
+              <a:pPr indent="0" lvl="0" marL="0" rtl="0" algn="l">
                 <a:spcBef>
                   <a:spcPts val="0"/>
                 </a:spcBef>
@@ -3880,6 +3936,9 @@
                 </a:spcAft>
                 <a:buNone/>
               </a:pPr>
+              <a:r>
+                <a:t/>
+              </a:r>
               <a:endParaRPr/>
             </a:p>
           </p:txBody>
@@ -3897,7 +3956,7 @@
             </a:xfrm>
             <a:prstGeom prst="parallelogram">
               <a:avLst>
-                <a:gd name="adj" fmla="val 158024"/>
+                <a:gd fmla="val 158024" name="adj"/>
               </a:avLst>
             </a:prstGeom>
             <a:solidFill>
@@ -3908,12 +3967,12 @@
             </a:ln>
           </p:spPr>
           <p:txBody>
-            <a:bodyPr spcFirstLastPara="1" wrap="square" lIns="91425" tIns="91425" rIns="91425" bIns="91425" anchor="ctr" anchorCtr="0">
+            <a:bodyPr anchorCtr="0" anchor="ctr" bIns="91425" lIns="91425" spcFirstLastPara="1" rIns="91425" wrap="square" tIns="91425">
               <a:noAutofit/>
             </a:bodyPr>
             <a:lstStyle/>
             <a:p>
-              <a:pPr marL="0" lvl="0" indent="0" algn="l" rtl="0">
+              <a:pPr indent="0" lvl="0" marL="0" rtl="0" algn="l">
                 <a:spcBef>
                   <a:spcPts val="0"/>
                 </a:spcBef>
@@ -3922,6 +3981,9 @@
                 </a:spcAft>
                 <a:buNone/>
               </a:pPr>
+              <a:r>
+                <a:t/>
+              </a:r>
               <a:endParaRPr/>
             </a:p>
           </p:txBody>
@@ -3954,7 +4016,7 @@
             </a:xfrm>
             <a:prstGeom prst="parallelogram">
               <a:avLst>
-                <a:gd name="adj" fmla="val 158024"/>
+                <a:gd fmla="val 158024" name="adj"/>
               </a:avLst>
             </a:prstGeom>
             <a:solidFill>
@@ -3965,12 +4027,12 @@
             </a:ln>
           </p:spPr>
           <p:txBody>
-            <a:bodyPr spcFirstLastPara="1" wrap="square" lIns="91425" tIns="91425" rIns="91425" bIns="91425" anchor="ctr" anchorCtr="0">
+            <a:bodyPr anchorCtr="0" anchor="ctr" bIns="91425" lIns="91425" spcFirstLastPara="1" rIns="91425" wrap="square" tIns="91425">
               <a:noAutofit/>
             </a:bodyPr>
             <a:lstStyle/>
             <a:p>
-              <a:pPr marL="0" lvl="0" indent="0" algn="l" rtl="0">
+              <a:pPr indent="0" lvl="0" marL="0" rtl="0" algn="l">
                 <a:spcBef>
                   <a:spcPts val="0"/>
                 </a:spcBef>
@@ -3979,6 +4041,9 @@
                 </a:spcAft>
                 <a:buNone/>
               </a:pPr>
+              <a:r>
+                <a:t/>
+              </a:r>
               <a:endParaRPr/>
             </a:p>
           </p:txBody>
@@ -3996,7 +4061,7 @@
             </a:xfrm>
             <a:prstGeom prst="parallelogram">
               <a:avLst>
-                <a:gd name="adj" fmla="val 158024"/>
+                <a:gd fmla="val 158024" name="adj"/>
               </a:avLst>
             </a:prstGeom>
             <a:solidFill>
@@ -4007,12 +4072,12 @@
             </a:ln>
           </p:spPr>
           <p:txBody>
-            <a:bodyPr spcFirstLastPara="1" wrap="square" lIns="91425" tIns="91425" rIns="91425" bIns="91425" anchor="ctr" anchorCtr="0">
+            <a:bodyPr anchorCtr="0" anchor="ctr" bIns="91425" lIns="91425" spcFirstLastPara="1" rIns="91425" wrap="square" tIns="91425">
               <a:noAutofit/>
             </a:bodyPr>
             <a:lstStyle/>
             <a:p>
-              <a:pPr marL="0" lvl="0" indent="0" algn="l" rtl="0">
+              <a:pPr indent="0" lvl="0" marL="0" rtl="0" algn="l">
                 <a:spcBef>
                   <a:spcPts val="0"/>
                 </a:spcBef>
@@ -4021,6 +4086,9 @@
                 </a:spcAft>
                 <a:buNone/>
               </a:pPr>
+              <a:r>
+                <a:t/>
+              </a:r>
               <a:endParaRPr/>
             </a:p>
           </p:txBody>
@@ -4038,7 +4106,7 @@
             </a:xfrm>
             <a:prstGeom prst="parallelogram">
               <a:avLst>
-                <a:gd name="adj" fmla="val 158024"/>
+                <a:gd fmla="val 158024" name="adj"/>
               </a:avLst>
             </a:prstGeom>
             <a:solidFill>
@@ -4049,12 +4117,12 @@
             </a:ln>
           </p:spPr>
           <p:txBody>
-            <a:bodyPr spcFirstLastPara="1" wrap="square" lIns="91425" tIns="91425" rIns="91425" bIns="91425" anchor="ctr" anchorCtr="0">
+            <a:bodyPr anchorCtr="0" anchor="ctr" bIns="91425" lIns="91425" spcFirstLastPara="1" rIns="91425" wrap="square" tIns="91425">
               <a:noAutofit/>
             </a:bodyPr>
             <a:lstStyle/>
             <a:p>
-              <a:pPr marL="0" lvl="0" indent="0" algn="l" rtl="0">
+              <a:pPr indent="0" lvl="0" marL="0" rtl="0" algn="l">
                 <a:spcBef>
                   <a:spcPts val="0"/>
                 </a:spcBef>
@@ -4063,6 +4131,9 @@
                 </a:spcAft>
                 <a:buNone/>
               </a:pPr>
+              <a:r>
+                <a:t/>
+              </a:r>
               <a:endParaRPr/>
             </a:p>
           </p:txBody>
@@ -4071,11 +4142,9 @@
       <p:sp>
         <p:nvSpPr>
           <p:cNvPr id="119" name="Google Shape;119;p11"/>
-          <p:cNvSpPr txBox="1">
-            <a:spLocks noGrp="1"/>
-          </p:cNvSpPr>
+          <p:cNvSpPr txBox="1"/>
           <p:nvPr>
-            <p:ph type="title" hasCustomPrompt="1"/>
+            <p:ph hasCustomPrompt="1" type="title"/>
           </p:nvPr>
         </p:nvSpPr>
         <p:spPr>
@@ -4088,7 +4157,7 @@
           </a:prstGeom>
         </p:spPr>
         <p:txBody>
-          <a:bodyPr spcFirstLastPara="1" wrap="square" lIns="91425" tIns="91425" rIns="91425" bIns="91425" anchor="ctr" anchorCtr="0">
+          <a:bodyPr anchorCtr="0" anchor="ctr" bIns="91425" lIns="91425" spcFirstLastPara="1" rIns="91425" wrap="square" tIns="91425">
             <a:normAutofit/>
           </a:bodyPr>
           <a:lstStyle>
@@ -4265,11 +4334,9 @@
       <p:sp>
         <p:nvSpPr>
           <p:cNvPr id="120" name="Google Shape;120;p11"/>
-          <p:cNvSpPr txBox="1">
-            <a:spLocks noGrp="1"/>
-          </p:cNvSpPr>
+          <p:cNvSpPr txBox="1"/>
           <p:nvPr>
-            <p:ph type="body" idx="1"/>
+            <p:ph idx="1" type="body"/>
           </p:nvPr>
         </p:nvSpPr>
         <p:spPr>
@@ -4282,11 +4349,11 @@
           </a:prstGeom>
         </p:spPr>
         <p:txBody>
-          <a:bodyPr spcFirstLastPara="1" wrap="square" lIns="91425" tIns="91425" rIns="91425" bIns="91425" anchor="t" anchorCtr="0">
+          <a:bodyPr anchorCtr="0" anchor="t" bIns="91425" lIns="91425" spcFirstLastPara="1" rIns="91425" wrap="square" tIns="91425">
             <a:normAutofit/>
           </a:bodyPr>
           <a:lstStyle>
-            <a:lvl1pPr marL="457200" lvl="0" indent="-311150" algn="ctr">
+            <a:lvl1pPr indent="-311150" lvl="0" marL="457200" algn="ctr">
               <a:spcBef>
                 <a:spcPts val="0"/>
               </a:spcBef>
@@ -4297,7 +4364,7 @@
               <a:buChar char="●"/>
               <a:defRPr/>
             </a:lvl1pPr>
-            <a:lvl2pPr marL="914400" lvl="1" indent="-298450" algn="ctr">
+            <a:lvl2pPr indent="-298450" lvl="1" marL="914400" algn="ctr">
               <a:spcBef>
                 <a:spcPts val="0"/>
               </a:spcBef>
@@ -4308,7 +4375,7 @@
               <a:buChar char="○"/>
               <a:defRPr/>
             </a:lvl2pPr>
-            <a:lvl3pPr marL="1371600" lvl="2" indent="-298450" algn="ctr">
+            <a:lvl3pPr indent="-298450" lvl="2" marL="1371600" algn="ctr">
               <a:spcBef>
                 <a:spcPts val="0"/>
               </a:spcBef>
@@ -4319,7 +4386,7 @@
               <a:buChar char="■"/>
               <a:defRPr/>
             </a:lvl3pPr>
-            <a:lvl4pPr marL="1828800" lvl="3" indent="-298450" algn="ctr">
+            <a:lvl4pPr indent="-298450" lvl="3" marL="1828800" algn="ctr">
               <a:spcBef>
                 <a:spcPts val="0"/>
               </a:spcBef>
@@ -4330,7 +4397,7 @@
               <a:buChar char="●"/>
               <a:defRPr/>
             </a:lvl4pPr>
-            <a:lvl5pPr marL="2286000" lvl="4" indent="-298450" algn="ctr">
+            <a:lvl5pPr indent="-298450" lvl="4" marL="2286000" algn="ctr">
               <a:spcBef>
                 <a:spcPts val="0"/>
               </a:spcBef>
@@ -4341,7 +4408,7 @@
               <a:buChar char="○"/>
               <a:defRPr/>
             </a:lvl5pPr>
-            <a:lvl6pPr marL="2743200" lvl="5" indent="-298450" algn="ctr">
+            <a:lvl6pPr indent="-298450" lvl="5" marL="2743200" algn="ctr">
               <a:spcBef>
                 <a:spcPts val="0"/>
               </a:spcBef>
@@ -4352,7 +4419,7 @@
               <a:buChar char="■"/>
               <a:defRPr/>
             </a:lvl6pPr>
-            <a:lvl7pPr marL="3200400" lvl="6" indent="-298450" algn="ctr">
+            <a:lvl7pPr indent="-298450" lvl="6" marL="3200400" algn="ctr">
               <a:spcBef>
                 <a:spcPts val="0"/>
               </a:spcBef>
@@ -4363,7 +4430,7 @@
               <a:buChar char="●"/>
               <a:defRPr/>
             </a:lvl7pPr>
-            <a:lvl8pPr marL="3657600" lvl="7" indent="-298450" algn="ctr">
+            <a:lvl8pPr indent="-298450" lvl="7" marL="3657600" algn="ctr">
               <a:spcBef>
                 <a:spcPts val="0"/>
               </a:spcBef>
@@ -4374,7 +4441,7 @@
               <a:buChar char="○"/>
               <a:defRPr/>
             </a:lvl8pPr>
-            <a:lvl9pPr marL="4114800" lvl="8" indent="-298450" algn="ctr">
+            <a:lvl9pPr indent="-298450" lvl="8" marL="4114800" algn="ctr">
               <a:spcBef>
                 <a:spcPts val="0"/>
               </a:spcBef>
@@ -4386,19 +4453,15 @@
               <a:defRPr/>
             </a:lvl9pPr>
           </a:lstStyle>
-          <a:p>
-            <a:endParaRPr/>
-          </a:p>
+          <a:p/>
         </p:txBody>
       </p:sp>
       <p:sp>
         <p:nvSpPr>
           <p:cNvPr id="121" name="Google Shape;121;p11"/>
-          <p:cNvSpPr txBox="1">
-            <a:spLocks noGrp="1"/>
-          </p:cNvSpPr>
+          <p:cNvSpPr txBox="1"/>
           <p:nvPr>
-            <p:ph type="sldNum" idx="12"/>
+            <p:ph idx="12" type="sldNum"/>
           </p:nvPr>
         </p:nvSpPr>
         <p:spPr>
@@ -4411,7 +4474,7 @@
           </a:prstGeom>
         </p:spPr>
         <p:txBody>
-          <a:bodyPr spcFirstLastPara="1" wrap="square" lIns="91425" tIns="91425" rIns="91425" bIns="91425" anchor="ctr" anchorCtr="0">
+          <a:bodyPr anchorCtr="0" anchor="ctr" bIns="91425" lIns="91425" spcFirstLastPara="1" rIns="91425" wrap="square" tIns="91425">
             <a:normAutofit/>
           </a:bodyPr>
           <a:lstStyle>
@@ -4453,7 +4516,7 @@
             </a:lvl9pPr>
           </a:lstStyle>
           <a:p>
-            <a:pPr marL="0" lvl="0" indent="0" algn="r" rtl="0">
+            <a:pPr indent="0" lvl="0" marL="0" rtl="0" algn="r">
               <a:spcBef>
                 <a:spcPts val="0"/>
               </a:spcBef>
@@ -4479,11 +4542,11 @@
 </file>
 
 <file path=ppt/slideLayouts/slideLayout11.xml><?xml version="1.0" encoding="utf-8"?>
-<p:sldLayout xmlns:a="http://schemas.openxmlformats.org/drawingml/2006/main" xmlns:r="http://schemas.openxmlformats.org/officeDocument/2006/relationships" xmlns:p="http://schemas.openxmlformats.org/presentationml/2006/main" matchingName="Blank" type="blank">
+<p:sldLayout xmlns:a="http://schemas.openxmlformats.org/drawingml/2006/main" xmlns:r="http://schemas.openxmlformats.org/officeDocument/2006/relationships" xmlns:mc="http://schemas.openxmlformats.org/markup-compatibility/2006" xmlns:mv="urn:schemas-microsoft-com:mac:vml" xmlns:p="http://schemas.openxmlformats.org/presentationml/2006/main" xmlns:c="http://schemas.openxmlformats.org/drawingml/2006/chart" xmlns:dgm="http://schemas.openxmlformats.org/drawingml/2006/diagram" xmlns:o="urn:schemas-microsoft-com:office:office" xmlns:v="urn:schemas-microsoft-com:vml" xmlns:pvml="urn:schemas-microsoft-com:office:powerpoint" xmlns:com="http://schemas.openxmlformats.org/drawingml/2006/compatibility" xmlns:p14="http://schemas.microsoft.com/office/powerpoint/2010/main" xmlns:p15="http://schemas.microsoft.com/office/powerpoint/2012/main" xmlns:ahyp="http://schemas.microsoft.com/office/drawing/2018/hyperlinkcolor" matchingName="Blank" type="blank">
   <p:cSld name="BLANK">
     <p:spTree>
       <p:nvGrpSpPr>
-        <p:cNvPr id="1" name="Shape 122"/>
+        <p:cNvPr id="122" name="Shape 122"/>
         <p:cNvGrpSpPr/>
         <p:nvPr/>
       </p:nvGrpSpPr>
@@ -4498,11 +4561,9 @@
       <p:sp>
         <p:nvSpPr>
           <p:cNvPr id="123" name="Google Shape;123;p12"/>
-          <p:cNvSpPr txBox="1">
-            <a:spLocks noGrp="1"/>
-          </p:cNvSpPr>
+          <p:cNvSpPr txBox="1"/>
           <p:nvPr>
-            <p:ph type="sldNum" idx="12"/>
+            <p:ph idx="12" type="sldNum"/>
           </p:nvPr>
         </p:nvSpPr>
         <p:spPr>
@@ -4515,7 +4576,7 @@
           </a:prstGeom>
         </p:spPr>
         <p:txBody>
-          <a:bodyPr spcFirstLastPara="1" wrap="square" lIns="91425" tIns="91425" rIns="91425" bIns="91425" anchor="ctr" anchorCtr="0">
+          <a:bodyPr anchorCtr="0" anchor="ctr" bIns="91425" lIns="91425" spcFirstLastPara="1" rIns="91425" wrap="square" tIns="91425">
             <a:normAutofit/>
           </a:bodyPr>
           <a:lstStyle>
@@ -4557,7 +4618,7 @@
             </a:lvl9pPr>
           </a:lstStyle>
           <a:p>
-            <a:pPr marL="0" lvl="0" indent="0" algn="r" rtl="0">
+            <a:pPr indent="0" lvl="0" marL="0" rtl="0" algn="r">
               <a:spcBef>
                 <a:spcPts val="0"/>
               </a:spcBef>
@@ -4583,19 +4644,18 @@
 </file>
 
 <file path=ppt/slideLayouts/slideLayout2.xml><?xml version="1.0" encoding="utf-8"?>
-<p:sldLayout xmlns:a="http://schemas.openxmlformats.org/drawingml/2006/main" xmlns:r="http://schemas.openxmlformats.org/officeDocument/2006/relationships" xmlns:p="http://schemas.openxmlformats.org/presentationml/2006/main" matchingName="Section header" type="secHead">
+<p:sldLayout xmlns:a="http://schemas.openxmlformats.org/drawingml/2006/main" xmlns:r="http://schemas.openxmlformats.org/officeDocument/2006/relationships" xmlns:mc="http://schemas.openxmlformats.org/markup-compatibility/2006" xmlns:mv="urn:schemas-microsoft-com:mac:vml" xmlns:p="http://schemas.openxmlformats.org/presentationml/2006/main" xmlns:c="http://schemas.openxmlformats.org/drawingml/2006/chart" xmlns:dgm="http://schemas.openxmlformats.org/drawingml/2006/diagram" xmlns:o="urn:schemas-microsoft-com:office:office" xmlns:v="urn:schemas-microsoft-com:vml" xmlns:pvml="urn:schemas-microsoft-com:office:powerpoint" xmlns:com="http://schemas.openxmlformats.org/drawingml/2006/compatibility" xmlns:p14="http://schemas.microsoft.com/office/powerpoint/2010/main" xmlns:p15="http://schemas.microsoft.com/office/powerpoint/2012/main" xmlns:ahyp="http://schemas.microsoft.com/office/drawing/2018/hyperlinkcolor" matchingName="Section header" type="secHead">
   <p:cSld name="SECTION_HEADER">
     <p:bg>
       <p:bgPr>
         <a:solidFill>
           <a:schemeClr val="accent3"/>
         </a:solidFill>
-        <a:effectLst/>
       </p:bgPr>
     </p:bg>
     <p:spTree>
       <p:nvGrpSpPr>
-        <p:cNvPr id="1" name="Shape 37"/>
+        <p:cNvPr id="37" name="Shape 37"/>
         <p:cNvGrpSpPr/>
         <p:nvPr/>
       </p:nvGrpSpPr>
@@ -4629,12 +4689,12 @@
           </a:ln>
         </p:spPr>
         <p:txBody>
-          <a:bodyPr spcFirstLastPara="1" wrap="square" lIns="91425" tIns="91425" rIns="91425" bIns="91425" anchor="ctr" anchorCtr="0">
+          <a:bodyPr anchorCtr="0" anchor="ctr" bIns="91425" lIns="91425" spcFirstLastPara="1" rIns="91425" wrap="square" tIns="91425">
             <a:noAutofit/>
           </a:bodyPr>
           <a:lstStyle/>
           <a:p>
-            <a:pPr marL="0" lvl="0" indent="0" algn="l" rtl="0">
+            <a:pPr indent="0" lvl="0" marL="0" rtl="0" algn="l">
               <a:spcBef>
                 <a:spcPts val="0"/>
               </a:spcBef>
@@ -4643,6 +4703,9 @@
               </a:spcAft>
               <a:buNone/>
             </a:pPr>
+            <a:r>
+              <a:t/>
+            </a:r>
             <a:endParaRPr/>
           </a:p>
         </p:txBody>
@@ -4674,7 +4737,7 @@
             </a:xfrm>
             <a:prstGeom prst="parallelogram">
               <a:avLst>
-                <a:gd name="adj" fmla="val 158024"/>
+                <a:gd fmla="val 158024" name="adj"/>
               </a:avLst>
             </a:prstGeom>
             <a:solidFill>
@@ -4685,12 +4748,12 @@
             </a:ln>
           </p:spPr>
           <p:txBody>
-            <a:bodyPr spcFirstLastPara="1" wrap="square" lIns="91425" tIns="91425" rIns="91425" bIns="91425" anchor="ctr" anchorCtr="0">
+            <a:bodyPr anchorCtr="0" anchor="ctr" bIns="91425" lIns="91425" spcFirstLastPara="1" rIns="91425" wrap="square" tIns="91425">
               <a:noAutofit/>
             </a:bodyPr>
             <a:lstStyle/>
             <a:p>
-              <a:pPr marL="0" lvl="0" indent="0" algn="l" rtl="0">
+              <a:pPr indent="0" lvl="0" marL="0" rtl="0" algn="l">
                 <a:spcBef>
                   <a:spcPts val="0"/>
                 </a:spcBef>
@@ -4699,6 +4762,9 @@
                 </a:spcAft>
                 <a:buNone/>
               </a:pPr>
+              <a:r>
+                <a:t/>
+              </a:r>
               <a:endParaRPr/>
             </a:p>
           </p:txBody>
@@ -4716,7 +4782,7 @@
             </a:xfrm>
             <a:prstGeom prst="parallelogram">
               <a:avLst>
-                <a:gd name="adj" fmla="val 158024"/>
+                <a:gd fmla="val 158024" name="adj"/>
               </a:avLst>
             </a:prstGeom>
             <a:solidFill>
@@ -4727,12 +4793,12 @@
             </a:ln>
           </p:spPr>
           <p:txBody>
-            <a:bodyPr spcFirstLastPara="1" wrap="square" lIns="91425" tIns="91425" rIns="91425" bIns="91425" anchor="ctr" anchorCtr="0">
+            <a:bodyPr anchorCtr="0" anchor="ctr" bIns="91425" lIns="91425" spcFirstLastPara="1" rIns="91425" wrap="square" tIns="91425">
               <a:noAutofit/>
             </a:bodyPr>
             <a:lstStyle/>
             <a:p>
-              <a:pPr marL="0" lvl="0" indent="0" algn="l" rtl="0">
+              <a:pPr indent="0" lvl="0" marL="0" rtl="0" algn="l">
                 <a:spcBef>
                   <a:spcPts val="0"/>
                 </a:spcBef>
@@ -4741,6 +4807,9 @@
                 </a:spcAft>
                 <a:buNone/>
               </a:pPr>
+              <a:r>
+                <a:t/>
+              </a:r>
               <a:endParaRPr/>
             </a:p>
           </p:txBody>
@@ -4758,7 +4827,7 @@
             </a:xfrm>
             <a:prstGeom prst="parallelogram">
               <a:avLst>
-                <a:gd name="adj" fmla="val 158024"/>
+                <a:gd fmla="val 158024" name="adj"/>
               </a:avLst>
             </a:prstGeom>
             <a:solidFill>
@@ -4769,12 +4838,12 @@
             </a:ln>
           </p:spPr>
           <p:txBody>
-            <a:bodyPr spcFirstLastPara="1" wrap="square" lIns="91425" tIns="91425" rIns="91425" bIns="91425" anchor="ctr" anchorCtr="0">
+            <a:bodyPr anchorCtr="0" anchor="ctr" bIns="91425" lIns="91425" spcFirstLastPara="1" rIns="91425" wrap="square" tIns="91425">
               <a:noAutofit/>
             </a:bodyPr>
             <a:lstStyle/>
             <a:p>
-              <a:pPr marL="0" lvl="0" indent="0" algn="l" rtl="0">
+              <a:pPr indent="0" lvl="0" marL="0" rtl="0" algn="l">
                 <a:spcBef>
                   <a:spcPts val="0"/>
                 </a:spcBef>
@@ -4783,6 +4852,9 @@
                 </a:spcAft>
                 <a:buNone/>
               </a:pPr>
+              <a:r>
+                <a:t/>
+              </a:r>
               <a:endParaRPr/>
             </a:p>
           </p:txBody>
@@ -4815,7 +4887,7 @@
             </a:xfrm>
             <a:prstGeom prst="parallelogram">
               <a:avLst>
-                <a:gd name="adj" fmla="val 158024"/>
+                <a:gd fmla="val 158024" name="adj"/>
               </a:avLst>
             </a:prstGeom>
             <a:solidFill>
@@ -4826,12 +4898,12 @@
             </a:ln>
           </p:spPr>
           <p:txBody>
-            <a:bodyPr spcFirstLastPara="1" wrap="square" lIns="91425" tIns="91425" rIns="91425" bIns="91425" anchor="ctr" anchorCtr="0">
+            <a:bodyPr anchorCtr="0" anchor="ctr" bIns="91425" lIns="91425" spcFirstLastPara="1" rIns="91425" wrap="square" tIns="91425">
               <a:noAutofit/>
             </a:bodyPr>
             <a:lstStyle/>
             <a:p>
-              <a:pPr marL="0" lvl="0" indent="0" algn="l" rtl="0">
+              <a:pPr indent="0" lvl="0" marL="0" rtl="0" algn="l">
                 <a:spcBef>
                   <a:spcPts val="0"/>
                 </a:spcBef>
@@ -4840,6 +4912,9 @@
                 </a:spcAft>
                 <a:buNone/>
               </a:pPr>
+              <a:r>
+                <a:t/>
+              </a:r>
               <a:endParaRPr/>
             </a:p>
           </p:txBody>
@@ -4857,7 +4932,7 @@
             </a:xfrm>
             <a:prstGeom prst="parallelogram">
               <a:avLst>
-                <a:gd name="adj" fmla="val 158024"/>
+                <a:gd fmla="val 158024" name="adj"/>
               </a:avLst>
             </a:prstGeom>
             <a:solidFill>
@@ -4868,12 +4943,12 @@
             </a:ln>
           </p:spPr>
           <p:txBody>
-            <a:bodyPr spcFirstLastPara="1" wrap="square" lIns="91425" tIns="91425" rIns="91425" bIns="91425" anchor="ctr" anchorCtr="0">
+            <a:bodyPr anchorCtr="0" anchor="ctr" bIns="91425" lIns="91425" spcFirstLastPara="1" rIns="91425" wrap="square" tIns="91425">
               <a:noAutofit/>
             </a:bodyPr>
             <a:lstStyle/>
             <a:p>
-              <a:pPr marL="0" lvl="0" indent="0" algn="l" rtl="0">
+              <a:pPr indent="0" lvl="0" marL="0" rtl="0" algn="l">
                 <a:spcBef>
                   <a:spcPts val="0"/>
                 </a:spcBef>
@@ -4882,6 +4957,9 @@
                 </a:spcAft>
                 <a:buNone/>
               </a:pPr>
+              <a:r>
+                <a:t/>
+              </a:r>
               <a:endParaRPr/>
             </a:p>
           </p:txBody>
@@ -4899,7 +4977,7 @@
             </a:xfrm>
             <a:prstGeom prst="parallelogram">
               <a:avLst>
-                <a:gd name="adj" fmla="val 158024"/>
+                <a:gd fmla="val 158024" name="adj"/>
               </a:avLst>
             </a:prstGeom>
             <a:solidFill>
@@ -4910,12 +4988,12 @@
             </a:ln>
           </p:spPr>
           <p:txBody>
-            <a:bodyPr spcFirstLastPara="1" wrap="square" lIns="91425" tIns="91425" rIns="91425" bIns="91425" anchor="ctr" anchorCtr="0">
+            <a:bodyPr anchorCtr="0" anchor="ctr" bIns="91425" lIns="91425" spcFirstLastPara="1" rIns="91425" wrap="square" tIns="91425">
               <a:noAutofit/>
             </a:bodyPr>
             <a:lstStyle/>
             <a:p>
-              <a:pPr marL="0" lvl="0" indent="0" algn="l" rtl="0">
+              <a:pPr indent="0" lvl="0" marL="0" rtl="0" algn="l">
                 <a:spcBef>
                   <a:spcPts val="0"/>
                 </a:spcBef>
@@ -4924,6 +5002,9 @@
                 </a:spcAft>
                 <a:buNone/>
               </a:pPr>
+              <a:r>
+                <a:t/>
+              </a:r>
               <a:endParaRPr/>
             </a:p>
           </p:txBody>
@@ -4932,9 +5013,7 @@
       <p:sp>
         <p:nvSpPr>
           <p:cNvPr id="47" name="Google Shape;47;p3"/>
-          <p:cNvSpPr txBox="1">
-            <a:spLocks noGrp="1"/>
-          </p:cNvSpPr>
+          <p:cNvSpPr txBox="1"/>
           <p:nvPr>
             <p:ph type="title"/>
           </p:nvPr>
@@ -4949,7 +5028,7 @@
           </a:prstGeom>
         </p:spPr>
         <p:txBody>
-          <a:bodyPr spcFirstLastPara="1" wrap="square" lIns="91425" tIns="91425" rIns="91425" bIns="91425" anchor="ctr" anchorCtr="0">
+          <a:bodyPr anchorCtr="0" anchor="ctr" bIns="91425" lIns="91425" spcFirstLastPara="1" rIns="91425" wrap="square" tIns="91425">
             <a:normAutofit/>
           </a:bodyPr>
           <a:lstStyle>
@@ -5116,19 +5195,15 @@
               </a:defRPr>
             </a:lvl9pPr>
           </a:lstStyle>
-          <a:p>
-            <a:endParaRPr/>
-          </a:p>
+          <a:p/>
         </p:txBody>
       </p:sp>
       <p:sp>
         <p:nvSpPr>
           <p:cNvPr id="48" name="Google Shape;48;p3"/>
-          <p:cNvSpPr txBox="1">
-            <a:spLocks noGrp="1"/>
-          </p:cNvSpPr>
+          <p:cNvSpPr txBox="1"/>
           <p:nvPr>
-            <p:ph type="sldNum" idx="12"/>
+            <p:ph idx="12" type="sldNum"/>
           </p:nvPr>
         </p:nvSpPr>
         <p:spPr>
@@ -5141,7 +5216,7 @@
           </a:prstGeom>
         </p:spPr>
         <p:txBody>
-          <a:bodyPr spcFirstLastPara="1" wrap="square" lIns="91425" tIns="91425" rIns="91425" bIns="91425" anchor="ctr" anchorCtr="0">
+          <a:bodyPr anchorCtr="0" anchor="ctr" bIns="91425" lIns="91425" spcFirstLastPara="1" rIns="91425" wrap="square" tIns="91425">
             <a:normAutofit/>
           </a:bodyPr>
           <a:lstStyle>
@@ -5183,7 +5258,7 @@
             </a:lvl9pPr>
           </a:lstStyle>
           <a:p>
-            <a:pPr marL="0" lvl="0" indent="0" algn="r" rtl="0">
+            <a:pPr indent="0" lvl="0" marL="0" rtl="0" algn="r">
               <a:spcBef>
                 <a:spcPts val="0"/>
               </a:spcBef>
@@ -5209,19 +5284,18 @@
 </file>
 
 <file path=ppt/slideLayouts/slideLayout3.xml><?xml version="1.0" encoding="utf-8"?>
-<p:sldLayout xmlns:a="http://schemas.openxmlformats.org/drawingml/2006/main" xmlns:r="http://schemas.openxmlformats.org/officeDocument/2006/relationships" xmlns:p="http://schemas.openxmlformats.org/presentationml/2006/main" matchingName="Title and body" type="tx">
+<p:sldLayout xmlns:a="http://schemas.openxmlformats.org/drawingml/2006/main" xmlns:r="http://schemas.openxmlformats.org/officeDocument/2006/relationships" xmlns:mc="http://schemas.openxmlformats.org/markup-compatibility/2006" xmlns:mv="urn:schemas-microsoft-com:mac:vml" xmlns:p="http://schemas.openxmlformats.org/presentationml/2006/main" xmlns:c="http://schemas.openxmlformats.org/drawingml/2006/chart" xmlns:dgm="http://schemas.openxmlformats.org/drawingml/2006/diagram" xmlns:o="urn:schemas-microsoft-com:office:office" xmlns:v="urn:schemas-microsoft-com:vml" xmlns:pvml="urn:schemas-microsoft-com:office:powerpoint" xmlns:com="http://schemas.openxmlformats.org/drawingml/2006/compatibility" xmlns:p14="http://schemas.microsoft.com/office/powerpoint/2010/main" xmlns:p15="http://schemas.microsoft.com/office/powerpoint/2012/main" xmlns:ahyp="http://schemas.microsoft.com/office/drawing/2018/hyperlinkcolor" matchingName="Title and body" type="tx">
   <p:cSld name="TITLE_AND_BODY">
     <p:bg>
       <p:bgPr>
         <a:solidFill>
           <a:schemeClr val="dk2"/>
         </a:solidFill>
-        <a:effectLst/>
       </p:bgPr>
     </p:bg>
     <p:spTree>
       <p:nvGrpSpPr>
-        <p:cNvPr id="1" name="Shape 49"/>
+        <p:cNvPr id="49" name="Shape 49"/>
         <p:cNvGrpSpPr/>
         <p:nvPr/>
       </p:nvGrpSpPr>
@@ -5255,12 +5329,12 @@
           </a:ln>
         </p:spPr>
         <p:txBody>
-          <a:bodyPr spcFirstLastPara="1" wrap="square" lIns="91425" tIns="91425" rIns="91425" bIns="91425" anchor="ctr" anchorCtr="0">
+          <a:bodyPr anchorCtr="0" anchor="ctr" bIns="91425" lIns="91425" spcFirstLastPara="1" rIns="91425" wrap="square" tIns="91425">
             <a:noAutofit/>
           </a:bodyPr>
           <a:lstStyle/>
           <a:p>
-            <a:pPr marL="0" lvl="0" indent="0" algn="l" rtl="0">
+            <a:pPr indent="0" lvl="0" marL="0" rtl="0" algn="l">
               <a:spcBef>
                 <a:spcPts val="0"/>
               </a:spcBef>
@@ -5269,6 +5343,9 @@
               </a:spcAft>
               <a:buNone/>
             </a:pPr>
+            <a:r>
+              <a:t/>
+            </a:r>
             <a:endParaRPr/>
           </a:p>
         </p:txBody>
@@ -5295,12 +5372,12 @@
           </a:ln>
         </p:spPr>
         <p:txBody>
-          <a:bodyPr spcFirstLastPara="1" wrap="square" lIns="91425" tIns="91425" rIns="91425" bIns="91425" anchor="ctr" anchorCtr="0">
+          <a:bodyPr anchorCtr="0" anchor="ctr" bIns="91425" lIns="91425" spcFirstLastPara="1" rIns="91425" wrap="square" tIns="91425">
             <a:noAutofit/>
           </a:bodyPr>
           <a:lstStyle/>
           <a:p>
-            <a:pPr marL="0" lvl="0" indent="0" algn="l" rtl="0">
+            <a:pPr indent="0" lvl="0" marL="0" rtl="0" algn="l">
               <a:spcBef>
                 <a:spcPts val="0"/>
               </a:spcBef>
@@ -5309,6 +5386,9 @@
               </a:spcAft>
               <a:buNone/>
             </a:pPr>
+            <a:r>
+              <a:t/>
+            </a:r>
             <a:endParaRPr/>
           </a:p>
         </p:txBody>
@@ -5334,7 +5414,7 @@
             <a:noFill/>
           </a:ln>
           <a:effectLst>
-            <a:outerShdw blurRad="228600" sx="101000" sy="101000" algn="ctr" rotWithShape="0">
+            <a:outerShdw blurRad="228600" sx="101000" rotWithShape="0" algn="ctr" sy="101000">
               <a:srgbClr val="000000">
                 <a:alpha val="40000"/>
               </a:srgbClr>
@@ -5342,12 +5422,12 @@
           </a:effectLst>
         </p:spPr>
         <p:txBody>
-          <a:bodyPr spcFirstLastPara="1" wrap="square" lIns="91425" tIns="91425" rIns="91425" bIns="91425" anchor="ctr" anchorCtr="0">
+          <a:bodyPr anchorCtr="0" anchor="ctr" bIns="91425" lIns="91425" spcFirstLastPara="1" rIns="91425" wrap="square" tIns="91425">
             <a:noAutofit/>
           </a:bodyPr>
           <a:lstStyle/>
           <a:p>
-            <a:pPr marL="0" lvl="0" indent="0" algn="l" rtl="0">
+            <a:pPr indent="0" lvl="0" marL="0" rtl="0" algn="l">
               <a:spcBef>
                 <a:spcPts val="0"/>
               </a:spcBef>
@@ -5356,6 +5436,9 @@
               </a:spcAft>
               <a:buNone/>
             </a:pPr>
+            <a:r>
+              <a:t/>
+            </a:r>
             <a:endParaRPr/>
           </a:p>
         </p:txBody>
@@ -5363,9 +5446,7 @@
       <p:sp>
         <p:nvSpPr>
           <p:cNvPr id="53" name="Google Shape;53;p4"/>
-          <p:cNvSpPr txBox="1">
-            <a:spLocks noGrp="1"/>
-          </p:cNvSpPr>
+          <p:cNvSpPr txBox="1"/>
           <p:nvPr>
             <p:ph type="title"/>
           </p:nvPr>
@@ -5380,7 +5461,7 @@
           </a:prstGeom>
         </p:spPr>
         <p:txBody>
-          <a:bodyPr spcFirstLastPara="1" wrap="square" lIns="91425" tIns="91425" rIns="91425" bIns="91425" anchor="t" anchorCtr="0">
+          <a:bodyPr anchorCtr="0" anchor="t" bIns="91425" lIns="91425" spcFirstLastPara="1" rIns="91425" wrap="square" tIns="91425">
             <a:normAutofit/>
           </a:bodyPr>
           <a:lstStyle>
@@ -5484,19 +5565,15 @@
               <a:defRPr sz="3000"/>
             </a:lvl9pPr>
           </a:lstStyle>
-          <a:p>
-            <a:endParaRPr/>
-          </a:p>
+          <a:p/>
         </p:txBody>
       </p:sp>
       <p:sp>
         <p:nvSpPr>
           <p:cNvPr id="54" name="Google Shape;54;p4"/>
-          <p:cNvSpPr txBox="1">
-            <a:spLocks noGrp="1"/>
-          </p:cNvSpPr>
+          <p:cNvSpPr txBox="1"/>
           <p:nvPr>
-            <p:ph type="body" idx="1"/>
+            <p:ph idx="1" type="body"/>
           </p:nvPr>
         </p:nvSpPr>
         <p:spPr>
@@ -5509,11 +5586,11 @@
           </a:prstGeom>
         </p:spPr>
         <p:txBody>
-          <a:bodyPr spcFirstLastPara="1" wrap="square" lIns="91425" tIns="91425" rIns="91425" bIns="91425" anchor="t" anchorCtr="0">
+          <a:bodyPr anchorCtr="0" anchor="t" bIns="91425" lIns="91425" spcFirstLastPara="1" rIns="91425" wrap="square" tIns="91425">
             <a:normAutofit/>
           </a:bodyPr>
           <a:lstStyle>
-            <a:lvl1pPr marL="457200" lvl="0" indent="-311150">
+            <a:lvl1pPr indent="-311150" lvl="0" marL="457200">
               <a:spcBef>
                 <a:spcPts val="0"/>
               </a:spcBef>
@@ -5524,7 +5601,7 @@
               <a:buChar char="●"/>
               <a:defRPr/>
             </a:lvl1pPr>
-            <a:lvl2pPr marL="914400" lvl="1" indent="-298450">
+            <a:lvl2pPr indent="-298450" lvl="1" marL="914400">
               <a:spcBef>
                 <a:spcPts val="0"/>
               </a:spcBef>
@@ -5535,7 +5612,7 @@
               <a:buChar char="○"/>
               <a:defRPr/>
             </a:lvl2pPr>
-            <a:lvl3pPr marL="1371600" lvl="2" indent="-298450">
+            <a:lvl3pPr indent="-298450" lvl="2" marL="1371600">
               <a:spcBef>
                 <a:spcPts val="0"/>
               </a:spcBef>
@@ -5546,7 +5623,7 @@
               <a:buChar char="■"/>
               <a:defRPr/>
             </a:lvl3pPr>
-            <a:lvl4pPr marL="1828800" lvl="3" indent="-298450">
+            <a:lvl4pPr indent="-298450" lvl="3" marL="1828800">
               <a:spcBef>
                 <a:spcPts val="0"/>
               </a:spcBef>
@@ -5557,7 +5634,7 @@
               <a:buChar char="●"/>
               <a:defRPr/>
             </a:lvl4pPr>
-            <a:lvl5pPr marL="2286000" lvl="4" indent="-298450">
+            <a:lvl5pPr indent="-298450" lvl="4" marL="2286000">
               <a:spcBef>
                 <a:spcPts val="0"/>
               </a:spcBef>
@@ -5568,7 +5645,7 @@
               <a:buChar char="○"/>
               <a:defRPr/>
             </a:lvl5pPr>
-            <a:lvl6pPr marL="2743200" lvl="5" indent="-298450">
+            <a:lvl6pPr indent="-298450" lvl="5" marL="2743200">
               <a:spcBef>
                 <a:spcPts val="0"/>
               </a:spcBef>
@@ -5579,7 +5656,7 @@
               <a:buChar char="■"/>
               <a:defRPr/>
             </a:lvl6pPr>
-            <a:lvl7pPr marL="3200400" lvl="6" indent="-298450">
+            <a:lvl7pPr indent="-298450" lvl="6" marL="3200400">
               <a:spcBef>
                 <a:spcPts val="0"/>
               </a:spcBef>
@@ -5590,7 +5667,7 @@
               <a:buChar char="●"/>
               <a:defRPr/>
             </a:lvl7pPr>
-            <a:lvl8pPr marL="3657600" lvl="7" indent="-298450">
+            <a:lvl8pPr indent="-298450" lvl="7" marL="3657600">
               <a:spcBef>
                 <a:spcPts val="0"/>
               </a:spcBef>
@@ -5601,7 +5678,7 @@
               <a:buChar char="○"/>
               <a:defRPr/>
             </a:lvl8pPr>
-            <a:lvl9pPr marL="4114800" lvl="8" indent="-298450">
+            <a:lvl9pPr indent="-298450" lvl="8" marL="4114800">
               <a:spcBef>
                 <a:spcPts val="0"/>
               </a:spcBef>
@@ -5613,19 +5690,15 @@
               <a:defRPr/>
             </a:lvl9pPr>
           </a:lstStyle>
-          <a:p>
-            <a:endParaRPr/>
-          </a:p>
+          <a:p/>
         </p:txBody>
       </p:sp>
       <p:sp>
         <p:nvSpPr>
           <p:cNvPr id="55" name="Google Shape;55;p4"/>
-          <p:cNvSpPr txBox="1">
-            <a:spLocks noGrp="1"/>
-          </p:cNvSpPr>
+          <p:cNvSpPr txBox="1"/>
           <p:nvPr>
-            <p:ph type="sldNum" idx="12"/>
+            <p:ph idx="12" type="sldNum"/>
           </p:nvPr>
         </p:nvSpPr>
         <p:spPr>
@@ -5638,7 +5711,7 @@
           </a:prstGeom>
         </p:spPr>
         <p:txBody>
-          <a:bodyPr spcFirstLastPara="1" wrap="square" lIns="91425" tIns="91425" rIns="91425" bIns="91425" anchor="ctr" anchorCtr="0">
+          <a:bodyPr anchorCtr="0" anchor="ctr" bIns="91425" lIns="91425" spcFirstLastPara="1" rIns="91425" wrap="square" tIns="91425">
             <a:normAutofit/>
           </a:bodyPr>
           <a:lstStyle>
@@ -5680,7 +5753,7 @@
             </a:lvl9pPr>
           </a:lstStyle>
           <a:p>
-            <a:pPr marL="0" lvl="0" indent="0" algn="r" rtl="0">
+            <a:pPr indent="0" lvl="0" marL="0" rtl="0" algn="r">
               <a:spcBef>
                 <a:spcPts val="0"/>
               </a:spcBef>
@@ -5706,19 +5779,18 @@
 </file>
 
 <file path=ppt/slideLayouts/slideLayout4.xml><?xml version="1.0" encoding="utf-8"?>
-<p:sldLayout xmlns:a="http://schemas.openxmlformats.org/drawingml/2006/main" xmlns:r="http://schemas.openxmlformats.org/officeDocument/2006/relationships" xmlns:p="http://schemas.openxmlformats.org/presentationml/2006/main" matchingName="Title and two columns" type="twoColTx">
+<p:sldLayout xmlns:a="http://schemas.openxmlformats.org/drawingml/2006/main" xmlns:r="http://schemas.openxmlformats.org/officeDocument/2006/relationships" xmlns:mc="http://schemas.openxmlformats.org/markup-compatibility/2006" xmlns:mv="urn:schemas-microsoft-com:mac:vml" xmlns:p="http://schemas.openxmlformats.org/presentationml/2006/main" xmlns:c="http://schemas.openxmlformats.org/drawingml/2006/chart" xmlns:dgm="http://schemas.openxmlformats.org/drawingml/2006/diagram" xmlns:o="urn:schemas-microsoft-com:office:office" xmlns:v="urn:schemas-microsoft-com:vml" xmlns:pvml="urn:schemas-microsoft-com:office:powerpoint" xmlns:com="http://schemas.openxmlformats.org/drawingml/2006/compatibility" xmlns:p14="http://schemas.microsoft.com/office/powerpoint/2010/main" xmlns:p15="http://schemas.microsoft.com/office/powerpoint/2012/main" xmlns:ahyp="http://schemas.microsoft.com/office/drawing/2018/hyperlinkcolor" matchingName="Title and two columns" type="twoColTx">
   <p:cSld name="TITLE_AND_TWO_COLUMNS">
     <p:bg>
       <p:bgPr>
         <a:solidFill>
           <a:schemeClr val="dk2"/>
         </a:solidFill>
-        <a:effectLst/>
       </p:bgPr>
     </p:bg>
     <p:spTree>
       <p:nvGrpSpPr>
-        <p:cNvPr id="1" name="Shape 56"/>
+        <p:cNvPr id="56" name="Shape 56"/>
         <p:cNvGrpSpPr/>
         <p:nvPr/>
       </p:nvGrpSpPr>
@@ -5752,12 +5824,12 @@
           </a:ln>
         </p:spPr>
         <p:txBody>
-          <a:bodyPr spcFirstLastPara="1" wrap="square" lIns="91425" tIns="91425" rIns="91425" bIns="91425" anchor="ctr" anchorCtr="0">
+          <a:bodyPr anchorCtr="0" anchor="ctr" bIns="91425" lIns="91425" spcFirstLastPara="1" rIns="91425" wrap="square" tIns="91425">
             <a:noAutofit/>
           </a:bodyPr>
           <a:lstStyle/>
           <a:p>
-            <a:pPr marL="0" lvl="0" indent="0" algn="l" rtl="0">
+            <a:pPr indent="0" lvl="0" marL="0" rtl="0" algn="l">
               <a:spcBef>
                 <a:spcPts val="0"/>
               </a:spcBef>
@@ -5766,6 +5838,9 @@
               </a:spcAft>
               <a:buNone/>
             </a:pPr>
+            <a:r>
+              <a:t/>
+            </a:r>
             <a:endParaRPr/>
           </a:p>
         </p:txBody>
@@ -5792,12 +5867,12 @@
           </a:ln>
         </p:spPr>
         <p:txBody>
-          <a:bodyPr spcFirstLastPara="1" wrap="square" lIns="91425" tIns="91425" rIns="91425" bIns="91425" anchor="ctr" anchorCtr="0">
+          <a:bodyPr anchorCtr="0" anchor="ctr" bIns="91425" lIns="91425" spcFirstLastPara="1" rIns="91425" wrap="square" tIns="91425">
             <a:noAutofit/>
           </a:bodyPr>
           <a:lstStyle/>
           <a:p>
-            <a:pPr marL="0" lvl="0" indent="0" algn="l" rtl="0">
+            <a:pPr indent="0" lvl="0" marL="0" rtl="0" algn="l">
               <a:spcBef>
                 <a:spcPts val="0"/>
               </a:spcBef>
@@ -5806,6 +5881,9 @@
               </a:spcAft>
               <a:buNone/>
             </a:pPr>
+            <a:r>
+              <a:t/>
+            </a:r>
             <a:endParaRPr/>
           </a:p>
         </p:txBody>
@@ -5831,7 +5909,7 @@
             <a:noFill/>
           </a:ln>
           <a:effectLst>
-            <a:outerShdw blurRad="228600" sx="101000" sy="101000" algn="ctr" rotWithShape="0">
+            <a:outerShdw blurRad="228600" sx="101000" rotWithShape="0" algn="ctr" sy="101000">
               <a:srgbClr val="000000">
                 <a:alpha val="40000"/>
               </a:srgbClr>
@@ -5839,12 +5917,12 @@
           </a:effectLst>
         </p:spPr>
         <p:txBody>
-          <a:bodyPr spcFirstLastPara="1" wrap="square" lIns="91425" tIns="91425" rIns="91425" bIns="91425" anchor="ctr" anchorCtr="0">
+          <a:bodyPr anchorCtr="0" anchor="ctr" bIns="91425" lIns="91425" spcFirstLastPara="1" rIns="91425" wrap="square" tIns="91425">
             <a:noAutofit/>
           </a:bodyPr>
           <a:lstStyle/>
           <a:p>
-            <a:pPr marL="0" lvl="0" indent="0" algn="l" rtl="0">
+            <a:pPr indent="0" lvl="0" marL="0" rtl="0" algn="l">
               <a:spcBef>
                 <a:spcPts val="0"/>
               </a:spcBef>
@@ -5853,6 +5931,9 @@
               </a:spcAft>
               <a:buNone/>
             </a:pPr>
+            <a:r>
+              <a:t/>
+            </a:r>
             <a:endParaRPr/>
           </a:p>
         </p:txBody>
@@ -5860,9 +5941,7 @@
       <p:sp>
         <p:nvSpPr>
           <p:cNvPr id="60" name="Google Shape;60;p5"/>
-          <p:cNvSpPr txBox="1">
-            <a:spLocks noGrp="1"/>
-          </p:cNvSpPr>
+          <p:cNvSpPr txBox="1"/>
           <p:nvPr>
             <p:ph type="title"/>
           </p:nvPr>
@@ -5877,7 +5956,7 @@
           </a:prstGeom>
         </p:spPr>
         <p:txBody>
-          <a:bodyPr spcFirstLastPara="1" wrap="square" lIns="91425" tIns="91425" rIns="91425" bIns="91425" anchor="t" anchorCtr="0">
+          <a:bodyPr anchorCtr="0" anchor="t" bIns="91425" lIns="91425" spcFirstLastPara="1" rIns="91425" wrap="square" tIns="91425">
             <a:normAutofit/>
           </a:bodyPr>
           <a:lstStyle>
@@ -5981,19 +6060,15 @@
               <a:defRPr sz="3000"/>
             </a:lvl9pPr>
           </a:lstStyle>
-          <a:p>
-            <a:endParaRPr/>
-          </a:p>
+          <a:p/>
         </p:txBody>
       </p:sp>
       <p:sp>
         <p:nvSpPr>
           <p:cNvPr id="61" name="Google Shape;61;p5"/>
-          <p:cNvSpPr txBox="1">
-            <a:spLocks noGrp="1"/>
-          </p:cNvSpPr>
+          <p:cNvSpPr txBox="1"/>
           <p:nvPr>
-            <p:ph type="body" idx="1"/>
+            <p:ph idx="1" type="body"/>
           </p:nvPr>
         </p:nvSpPr>
         <p:spPr>
@@ -6006,11 +6081,11 @@
           </a:prstGeom>
         </p:spPr>
         <p:txBody>
-          <a:bodyPr spcFirstLastPara="1" wrap="square" lIns="91425" tIns="91425" rIns="91425" bIns="91425" anchor="t" anchorCtr="0">
+          <a:bodyPr anchorCtr="0" anchor="t" bIns="91425" lIns="91425" spcFirstLastPara="1" rIns="91425" wrap="square" tIns="91425">
             <a:normAutofit/>
           </a:bodyPr>
           <a:lstStyle>
-            <a:lvl1pPr marL="457200" lvl="0" indent="-311150">
+            <a:lvl1pPr indent="-311150" lvl="0" marL="457200">
               <a:spcBef>
                 <a:spcPts val="0"/>
               </a:spcBef>
@@ -6021,7 +6096,7 @@
               <a:buChar char="●"/>
               <a:defRPr/>
             </a:lvl1pPr>
-            <a:lvl2pPr marL="914400" lvl="1" indent="-298450">
+            <a:lvl2pPr indent="-298450" lvl="1" marL="914400">
               <a:spcBef>
                 <a:spcPts val="0"/>
               </a:spcBef>
@@ -6032,7 +6107,7 @@
               <a:buChar char="○"/>
               <a:defRPr/>
             </a:lvl2pPr>
-            <a:lvl3pPr marL="1371600" lvl="2" indent="-298450">
+            <a:lvl3pPr indent="-298450" lvl="2" marL="1371600">
               <a:spcBef>
                 <a:spcPts val="0"/>
               </a:spcBef>
@@ -6043,7 +6118,7 @@
               <a:buChar char="■"/>
               <a:defRPr/>
             </a:lvl3pPr>
-            <a:lvl4pPr marL="1828800" lvl="3" indent="-298450">
+            <a:lvl4pPr indent="-298450" lvl="3" marL="1828800">
               <a:spcBef>
                 <a:spcPts val="0"/>
               </a:spcBef>
@@ -6054,7 +6129,7 @@
               <a:buChar char="●"/>
               <a:defRPr/>
             </a:lvl4pPr>
-            <a:lvl5pPr marL="2286000" lvl="4" indent="-298450">
+            <a:lvl5pPr indent="-298450" lvl="4" marL="2286000">
               <a:spcBef>
                 <a:spcPts val="0"/>
               </a:spcBef>
@@ -6065,7 +6140,7 @@
               <a:buChar char="○"/>
               <a:defRPr/>
             </a:lvl5pPr>
-            <a:lvl6pPr marL="2743200" lvl="5" indent="-298450">
+            <a:lvl6pPr indent="-298450" lvl="5" marL="2743200">
               <a:spcBef>
                 <a:spcPts val="0"/>
               </a:spcBef>
@@ -6076,7 +6151,7 @@
               <a:buChar char="■"/>
               <a:defRPr/>
             </a:lvl6pPr>
-            <a:lvl7pPr marL="3200400" lvl="6" indent="-298450">
+            <a:lvl7pPr indent="-298450" lvl="6" marL="3200400">
               <a:spcBef>
                 <a:spcPts val="0"/>
               </a:spcBef>
@@ -6087,7 +6162,7 @@
               <a:buChar char="●"/>
               <a:defRPr/>
             </a:lvl7pPr>
-            <a:lvl8pPr marL="3657600" lvl="7" indent="-298450">
+            <a:lvl8pPr indent="-298450" lvl="7" marL="3657600">
               <a:spcBef>
                 <a:spcPts val="0"/>
               </a:spcBef>
@@ -6098,7 +6173,7 @@
               <a:buChar char="○"/>
               <a:defRPr/>
             </a:lvl8pPr>
-            <a:lvl9pPr marL="4114800" lvl="8" indent="-298450">
+            <a:lvl9pPr indent="-298450" lvl="8" marL="4114800">
               <a:spcBef>
                 <a:spcPts val="0"/>
               </a:spcBef>
@@ -6110,19 +6185,15 @@
               <a:defRPr/>
             </a:lvl9pPr>
           </a:lstStyle>
-          <a:p>
-            <a:endParaRPr/>
-          </a:p>
+          <a:p/>
         </p:txBody>
       </p:sp>
       <p:sp>
         <p:nvSpPr>
           <p:cNvPr id="62" name="Google Shape;62;p5"/>
-          <p:cNvSpPr txBox="1">
-            <a:spLocks noGrp="1"/>
-          </p:cNvSpPr>
+          <p:cNvSpPr txBox="1"/>
           <p:nvPr>
-            <p:ph type="body" idx="2"/>
+            <p:ph idx="2" type="body"/>
           </p:nvPr>
         </p:nvSpPr>
         <p:spPr>
@@ -6135,11 +6206,11 @@
           </a:prstGeom>
         </p:spPr>
         <p:txBody>
-          <a:bodyPr spcFirstLastPara="1" wrap="square" lIns="91425" tIns="91425" rIns="91425" bIns="91425" anchor="t" anchorCtr="0">
+          <a:bodyPr anchorCtr="0" anchor="t" bIns="91425" lIns="91425" spcFirstLastPara="1" rIns="91425" wrap="square" tIns="91425">
             <a:normAutofit/>
           </a:bodyPr>
           <a:lstStyle>
-            <a:lvl1pPr marL="457200" lvl="0" indent="-311150">
+            <a:lvl1pPr indent="-311150" lvl="0" marL="457200">
               <a:spcBef>
                 <a:spcPts val="0"/>
               </a:spcBef>
@@ -6150,7 +6221,7 @@
               <a:buChar char="●"/>
               <a:defRPr/>
             </a:lvl1pPr>
-            <a:lvl2pPr marL="914400" lvl="1" indent="-298450">
+            <a:lvl2pPr indent="-298450" lvl="1" marL="914400">
               <a:spcBef>
                 <a:spcPts val="0"/>
               </a:spcBef>
@@ -6161,7 +6232,7 @@
               <a:buChar char="○"/>
               <a:defRPr/>
             </a:lvl2pPr>
-            <a:lvl3pPr marL="1371600" lvl="2" indent="-298450">
+            <a:lvl3pPr indent="-298450" lvl="2" marL="1371600">
               <a:spcBef>
                 <a:spcPts val="0"/>
               </a:spcBef>
@@ -6172,7 +6243,7 @@
               <a:buChar char="■"/>
               <a:defRPr/>
             </a:lvl3pPr>
-            <a:lvl4pPr marL="1828800" lvl="3" indent="-298450">
+            <a:lvl4pPr indent="-298450" lvl="3" marL="1828800">
               <a:spcBef>
                 <a:spcPts val="0"/>
               </a:spcBef>
@@ -6183,7 +6254,7 @@
               <a:buChar char="●"/>
               <a:defRPr/>
             </a:lvl4pPr>
-            <a:lvl5pPr marL="2286000" lvl="4" indent="-298450">
+            <a:lvl5pPr indent="-298450" lvl="4" marL="2286000">
               <a:spcBef>
                 <a:spcPts val="0"/>
               </a:spcBef>
@@ -6194,7 +6265,7 @@
               <a:buChar char="○"/>
               <a:defRPr/>
             </a:lvl5pPr>
-            <a:lvl6pPr marL="2743200" lvl="5" indent="-298450">
+            <a:lvl6pPr indent="-298450" lvl="5" marL="2743200">
               <a:spcBef>
                 <a:spcPts val="0"/>
               </a:spcBef>
@@ -6205,7 +6276,7 @@
               <a:buChar char="■"/>
               <a:defRPr/>
             </a:lvl6pPr>
-            <a:lvl7pPr marL="3200400" lvl="6" indent="-298450">
+            <a:lvl7pPr indent="-298450" lvl="6" marL="3200400">
               <a:spcBef>
                 <a:spcPts val="0"/>
               </a:spcBef>
@@ -6216,7 +6287,7 @@
               <a:buChar char="●"/>
               <a:defRPr/>
             </a:lvl7pPr>
-            <a:lvl8pPr marL="3657600" lvl="7" indent="-298450">
+            <a:lvl8pPr indent="-298450" lvl="7" marL="3657600">
               <a:spcBef>
                 <a:spcPts val="0"/>
               </a:spcBef>
@@ -6227,7 +6298,7 @@
               <a:buChar char="○"/>
               <a:defRPr/>
             </a:lvl8pPr>
-            <a:lvl9pPr marL="4114800" lvl="8" indent="-298450">
+            <a:lvl9pPr indent="-298450" lvl="8" marL="4114800">
               <a:spcBef>
                 <a:spcPts val="0"/>
               </a:spcBef>
@@ -6239,19 +6310,15 @@
               <a:defRPr/>
             </a:lvl9pPr>
           </a:lstStyle>
-          <a:p>
-            <a:endParaRPr/>
-          </a:p>
+          <a:p/>
         </p:txBody>
       </p:sp>
       <p:sp>
         <p:nvSpPr>
           <p:cNvPr id="63" name="Google Shape;63;p5"/>
-          <p:cNvSpPr txBox="1">
-            <a:spLocks noGrp="1"/>
-          </p:cNvSpPr>
+          <p:cNvSpPr txBox="1"/>
           <p:nvPr>
-            <p:ph type="sldNum" idx="12"/>
+            <p:ph idx="12" type="sldNum"/>
           </p:nvPr>
         </p:nvSpPr>
         <p:spPr>
@@ -6264,7 +6331,7 @@
           </a:prstGeom>
         </p:spPr>
         <p:txBody>
-          <a:bodyPr spcFirstLastPara="1" wrap="square" lIns="91425" tIns="91425" rIns="91425" bIns="91425" anchor="ctr" anchorCtr="0">
+          <a:bodyPr anchorCtr="0" anchor="ctr" bIns="91425" lIns="91425" spcFirstLastPara="1" rIns="91425" wrap="square" tIns="91425">
             <a:normAutofit/>
           </a:bodyPr>
           <a:lstStyle>
@@ -6306,7 +6373,7 @@
             </a:lvl9pPr>
           </a:lstStyle>
           <a:p>
-            <a:pPr marL="0" lvl="0" indent="0" algn="r" rtl="0">
+            <a:pPr indent="0" lvl="0" marL="0" rtl="0" algn="r">
               <a:spcBef>
                 <a:spcPts val="0"/>
               </a:spcBef>
@@ -6332,19 +6399,18 @@
 </file>
 
 <file path=ppt/slideLayouts/slideLayout5.xml><?xml version="1.0" encoding="utf-8"?>
-<p:sldLayout xmlns:a="http://schemas.openxmlformats.org/drawingml/2006/main" xmlns:r="http://schemas.openxmlformats.org/officeDocument/2006/relationships" xmlns:p="http://schemas.openxmlformats.org/presentationml/2006/main" matchingName="Title only" type="titleOnly">
+<p:sldLayout xmlns:a="http://schemas.openxmlformats.org/drawingml/2006/main" xmlns:r="http://schemas.openxmlformats.org/officeDocument/2006/relationships" xmlns:mc="http://schemas.openxmlformats.org/markup-compatibility/2006" xmlns:mv="urn:schemas-microsoft-com:mac:vml" xmlns:p="http://schemas.openxmlformats.org/presentationml/2006/main" xmlns:c="http://schemas.openxmlformats.org/drawingml/2006/chart" xmlns:dgm="http://schemas.openxmlformats.org/drawingml/2006/diagram" xmlns:o="urn:schemas-microsoft-com:office:office" xmlns:v="urn:schemas-microsoft-com:vml" xmlns:pvml="urn:schemas-microsoft-com:office:powerpoint" xmlns:com="http://schemas.openxmlformats.org/drawingml/2006/compatibility" xmlns:p14="http://schemas.microsoft.com/office/powerpoint/2010/main" xmlns:p15="http://schemas.microsoft.com/office/powerpoint/2012/main" xmlns:ahyp="http://schemas.microsoft.com/office/drawing/2018/hyperlinkcolor" matchingName="Title only" type="titleOnly">
   <p:cSld name="TITLE_ONLY">
     <p:bg>
       <p:bgPr>
         <a:solidFill>
           <a:schemeClr val="dk2"/>
         </a:solidFill>
-        <a:effectLst/>
       </p:bgPr>
     </p:bg>
     <p:spTree>
       <p:nvGrpSpPr>
-        <p:cNvPr id="1" name="Shape 64"/>
+        <p:cNvPr id="64" name="Shape 64"/>
         <p:cNvGrpSpPr/>
         <p:nvPr/>
       </p:nvGrpSpPr>
@@ -6378,12 +6444,12 @@
           </a:ln>
         </p:spPr>
         <p:txBody>
-          <a:bodyPr spcFirstLastPara="1" wrap="square" lIns="91425" tIns="91425" rIns="91425" bIns="91425" anchor="ctr" anchorCtr="0">
+          <a:bodyPr anchorCtr="0" anchor="ctr" bIns="91425" lIns="91425" spcFirstLastPara="1" rIns="91425" wrap="square" tIns="91425">
             <a:noAutofit/>
           </a:bodyPr>
           <a:lstStyle/>
           <a:p>
-            <a:pPr marL="0" lvl="0" indent="0" algn="l" rtl="0">
+            <a:pPr indent="0" lvl="0" marL="0" rtl="0" algn="l">
               <a:spcBef>
                 <a:spcPts val="0"/>
               </a:spcBef>
@@ -6392,6 +6458,9 @@
               </a:spcAft>
               <a:buNone/>
             </a:pPr>
+            <a:r>
+              <a:t/>
+            </a:r>
             <a:endParaRPr/>
           </a:p>
         </p:txBody>
@@ -6418,12 +6487,12 @@
           </a:ln>
         </p:spPr>
         <p:txBody>
-          <a:bodyPr spcFirstLastPara="1" wrap="square" lIns="91425" tIns="91425" rIns="91425" bIns="91425" anchor="ctr" anchorCtr="0">
+          <a:bodyPr anchorCtr="0" anchor="ctr" bIns="91425" lIns="91425" spcFirstLastPara="1" rIns="91425" wrap="square" tIns="91425">
             <a:noAutofit/>
           </a:bodyPr>
           <a:lstStyle/>
           <a:p>
-            <a:pPr marL="0" lvl="0" indent="0" algn="l" rtl="0">
+            <a:pPr indent="0" lvl="0" marL="0" rtl="0" algn="l">
               <a:spcBef>
                 <a:spcPts val="0"/>
               </a:spcBef>
@@ -6432,6 +6501,9 @@
               </a:spcAft>
               <a:buNone/>
             </a:pPr>
+            <a:r>
+              <a:t/>
+            </a:r>
             <a:endParaRPr/>
           </a:p>
         </p:txBody>
@@ -6457,7 +6529,7 @@
             <a:noFill/>
           </a:ln>
           <a:effectLst>
-            <a:outerShdw blurRad="228600" sx="101000" sy="101000" algn="ctr" rotWithShape="0">
+            <a:outerShdw blurRad="228600" sx="101000" rotWithShape="0" algn="ctr" sy="101000">
               <a:srgbClr val="000000">
                 <a:alpha val="40000"/>
               </a:srgbClr>
@@ -6465,12 +6537,12 @@
           </a:effectLst>
         </p:spPr>
         <p:txBody>
-          <a:bodyPr spcFirstLastPara="1" wrap="square" lIns="91425" tIns="91425" rIns="91425" bIns="91425" anchor="ctr" anchorCtr="0">
+          <a:bodyPr anchorCtr="0" anchor="ctr" bIns="91425" lIns="91425" spcFirstLastPara="1" rIns="91425" wrap="square" tIns="91425">
             <a:noAutofit/>
           </a:bodyPr>
           <a:lstStyle/>
           <a:p>
-            <a:pPr marL="0" lvl="0" indent="0" algn="l" rtl="0">
+            <a:pPr indent="0" lvl="0" marL="0" rtl="0" algn="l">
               <a:spcBef>
                 <a:spcPts val="0"/>
               </a:spcBef>
@@ -6479,6 +6551,9 @@
               </a:spcAft>
               <a:buNone/>
             </a:pPr>
+            <a:r>
+              <a:t/>
+            </a:r>
             <a:endParaRPr/>
           </a:p>
         </p:txBody>
@@ -6486,9 +6561,7 @@
       <p:sp>
         <p:nvSpPr>
           <p:cNvPr id="68" name="Google Shape;68;p6"/>
-          <p:cNvSpPr txBox="1">
-            <a:spLocks noGrp="1"/>
-          </p:cNvSpPr>
+          <p:cNvSpPr txBox="1"/>
           <p:nvPr>
             <p:ph type="title"/>
           </p:nvPr>
@@ -6503,7 +6576,7 @@
           </a:prstGeom>
         </p:spPr>
         <p:txBody>
-          <a:bodyPr spcFirstLastPara="1" wrap="square" lIns="91425" tIns="91425" rIns="91425" bIns="91425" anchor="t" anchorCtr="0">
+          <a:bodyPr anchorCtr="0" anchor="t" bIns="91425" lIns="91425" spcFirstLastPara="1" rIns="91425" wrap="square" tIns="91425">
             <a:normAutofit/>
           </a:bodyPr>
           <a:lstStyle>
@@ -6607,19 +6680,15 @@
               <a:defRPr sz="3000"/>
             </a:lvl9pPr>
           </a:lstStyle>
-          <a:p>
-            <a:endParaRPr/>
-          </a:p>
+          <a:p/>
         </p:txBody>
       </p:sp>
       <p:sp>
         <p:nvSpPr>
           <p:cNvPr id="69" name="Google Shape;69;p6"/>
-          <p:cNvSpPr txBox="1">
-            <a:spLocks noGrp="1"/>
-          </p:cNvSpPr>
+          <p:cNvSpPr txBox="1"/>
           <p:nvPr>
-            <p:ph type="sldNum" idx="12"/>
+            <p:ph idx="12" type="sldNum"/>
           </p:nvPr>
         </p:nvSpPr>
         <p:spPr>
@@ -6632,7 +6701,7 @@
           </a:prstGeom>
         </p:spPr>
         <p:txBody>
-          <a:bodyPr spcFirstLastPara="1" wrap="square" lIns="91425" tIns="91425" rIns="91425" bIns="91425" anchor="ctr" anchorCtr="0">
+          <a:bodyPr anchorCtr="0" anchor="ctr" bIns="91425" lIns="91425" spcFirstLastPara="1" rIns="91425" wrap="square" tIns="91425">
             <a:normAutofit/>
           </a:bodyPr>
           <a:lstStyle>
@@ -6674,7 +6743,7 @@
             </a:lvl9pPr>
           </a:lstStyle>
           <a:p>
-            <a:pPr marL="0" lvl="0" indent="0" algn="r" rtl="0">
+            <a:pPr indent="0" lvl="0" marL="0" rtl="0" algn="r">
               <a:spcBef>
                 <a:spcPts val="0"/>
               </a:spcBef>
@@ -6700,19 +6769,18 @@
 </file>
 
 <file path=ppt/slideLayouts/slideLayout6.xml><?xml version="1.0" encoding="utf-8"?>
-<p:sldLayout xmlns:a="http://schemas.openxmlformats.org/drawingml/2006/main" xmlns:r="http://schemas.openxmlformats.org/officeDocument/2006/relationships" xmlns:p="http://schemas.openxmlformats.org/presentationml/2006/main" matchingName="One column text">
+<p:sldLayout xmlns:a="http://schemas.openxmlformats.org/drawingml/2006/main" xmlns:r="http://schemas.openxmlformats.org/officeDocument/2006/relationships" xmlns:mc="http://schemas.openxmlformats.org/markup-compatibility/2006" xmlns:mv="urn:schemas-microsoft-com:mac:vml" xmlns:p="http://schemas.openxmlformats.org/presentationml/2006/main" xmlns:c="http://schemas.openxmlformats.org/drawingml/2006/chart" xmlns:dgm="http://schemas.openxmlformats.org/drawingml/2006/diagram" xmlns:o="urn:schemas-microsoft-com:office:office" xmlns:v="urn:schemas-microsoft-com:vml" xmlns:pvml="urn:schemas-microsoft-com:office:powerpoint" xmlns:com="http://schemas.openxmlformats.org/drawingml/2006/compatibility" xmlns:p14="http://schemas.microsoft.com/office/powerpoint/2010/main" xmlns:p15="http://schemas.microsoft.com/office/powerpoint/2012/main" xmlns:ahyp="http://schemas.microsoft.com/office/drawing/2018/hyperlinkcolor" matchingName="One column text">
   <p:cSld name="ONE_COLUMN_TEXT">
     <p:bg>
       <p:bgPr>
         <a:solidFill>
           <a:schemeClr val="accent3"/>
         </a:solidFill>
-        <a:effectLst/>
       </p:bgPr>
     </p:bg>
     <p:spTree>
       <p:nvGrpSpPr>
-        <p:cNvPr id="1" name="Shape 70"/>
+        <p:cNvPr id="70" name="Shape 70"/>
         <p:cNvGrpSpPr/>
         <p:nvPr/>
       </p:nvGrpSpPr>
@@ -6746,12 +6814,12 @@
           </a:ln>
         </p:spPr>
         <p:txBody>
-          <a:bodyPr spcFirstLastPara="1" wrap="square" lIns="91425" tIns="91425" rIns="91425" bIns="91425" anchor="ctr" anchorCtr="0">
+          <a:bodyPr anchorCtr="0" anchor="ctr" bIns="91425" lIns="91425" spcFirstLastPara="1" rIns="91425" wrap="square" tIns="91425">
             <a:noAutofit/>
           </a:bodyPr>
           <a:lstStyle/>
           <a:p>
-            <a:pPr marL="0" lvl="0" indent="0" algn="l" rtl="0">
+            <a:pPr indent="0" lvl="0" marL="0" rtl="0" algn="l">
               <a:spcBef>
                 <a:spcPts val="0"/>
               </a:spcBef>
@@ -6760,6 +6828,9 @@
               </a:spcAft>
               <a:buNone/>
             </a:pPr>
+            <a:r>
+              <a:t/>
+            </a:r>
             <a:endParaRPr/>
           </a:p>
         </p:txBody>
@@ -6786,12 +6857,12 @@
           </a:ln>
         </p:spPr>
         <p:txBody>
-          <a:bodyPr spcFirstLastPara="1" wrap="square" lIns="91425" tIns="91425" rIns="91425" bIns="91425" anchor="ctr" anchorCtr="0">
+          <a:bodyPr anchorCtr="0" anchor="ctr" bIns="91425" lIns="91425" spcFirstLastPara="1" rIns="91425" wrap="square" tIns="91425">
             <a:noAutofit/>
           </a:bodyPr>
           <a:lstStyle/>
           <a:p>
-            <a:pPr marL="0" lvl="0" indent="0" algn="l" rtl="0">
+            <a:pPr indent="0" lvl="0" marL="0" rtl="0" algn="l">
               <a:spcBef>
                 <a:spcPts val="0"/>
               </a:spcBef>
@@ -6800,6 +6871,9 @@
               </a:spcAft>
               <a:buNone/>
             </a:pPr>
+            <a:r>
+              <a:t/>
+            </a:r>
             <a:endParaRPr/>
           </a:p>
         </p:txBody>
@@ -6825,7 +6899,7 @@
             <a:noFill/>
           </a:ln>
           <a:effectLst>
-            <a:outerShdw blurRad="228600" sx="101000" sy="101000" algn="ctr" rotWithShape="0">
+            <a:outerShdw blurRad="228600" sx="101000" rotWithShape="0" algn="ctr" sy="101000">
               <a:srgbClr val="000000">
                 <a:alpha val="40000"/>
               </a:srgbClr>
@@ -6833,12 +6907,12 @@
           </a:effectLst>
         </p:spPr>
         <p:txBody>
-          <a:bodyPr spcFirstLastPara="1" wrap="square" lIns="91425" tIns="91425" rIns="91425" bIns="91425" anchor="ctr" anchorCtr="0">
+          <a:bodyPr anchorCtr="0" anchor="ctr" bIns="91425" lIns="91425" spcFirstLastPara="1" rIns="91425" wrap="square" tIns="91425">
             <a:noAutofit/>
           </a:bodyPr>
           <a:lstStyle/>
           <a:p>
-            <a:pPr marL="0" lvl="0" indent="0" algn="l" rtl="0">
+            <a:pPr indent="0" lvl="0" marL="0" rtl="0" algn="l">
               <a:spcBef>
                 <a:spcPts val="0"/>
               </a:spcBef>
@@ -6847,6 +6921,9 @@
               </a:spcAft>
               <a:buNone/>
             </a:pPr>
+            <a:r>
+              <a:t/>
+            </a:r>
             <a:endParaRPr/>
           </a:p>
         </p:txBody>
@@ -6854,9 +6931,7 @@
       <p:sp>
         <p:nvSpPr>
           <p:cNvPr id="74" name="Google Shape;74;p7"/>
-          <p:cNvSpPr txBox="1">
-            <a:spLocks noGrp="1"/>
-          </p:cNvSpPr>
+          <p:cNvSpPr txBox="1"/>
           <p:nvPr>
             <p:ph type="title"/>
           </p:nvPr>
@@ -6871,7 +6946,7 @@
           </a:prstGeom>
         </p:spPr>
         <p:txBody>
-          <a:bodyPr spcFirstLastPara="1" wrap="square" lIns="91425" tIns="91425" rIns="91425" bIns="91425" anchor="t" anchorCtr="0">
+          <a:bodyPr anchorCtr="0" anchor="t" bIns="91425" lIns="91425" spcFirstLastPara="1" rIns="91425" wrap="square" tIns="91425">
             <a:normAutofit/>
           </a:bodyPr>
           <a:lstStyle>
@@ -6975,19 +7050,15 @@
               <a:defRPr sz="3000"/>
             </a:lvl9pPr>
           </a:lstStyle>
-          <a:p>
-            <a:endParaRPr/>
-          </a:p>
+          <a:p/>
         </p:txBody>
       </p:sp>
       <p:sp>
         <p:nvSpPr>
           <p:cNvPr id="75" name="Google Shape;75;p7"/>
-          <p:cNvSpPr txBox="1">
-            <a:spLocks noGrp="1"/>
-          </p:cNvSpPr>
+          <p:cNvSpPr txBox="1"/>
           <p:nvPr>
-            <p:ph type="body" idx="1"/>
+            <p:ph idx="1" type="body"/>
           </p:nvPr>
         </p:nvSpPr>
         <p:spPr>
@@ -7000,11 +7071,11 @@
           </a:prstGeom>
         </p:spPr>
         <p:txBody>
-          <a:bodyPr spcFirstLastPara="1" wrap="square" lIns="91425" tIns="91425" rIns="91425" bIns="91425" anchor="t" anchorCtr="0">
+          <a:bodyPr anchorCtr="0" anchor="t" bIns="91425" lIns="91425" spcFirstLastPara="1" rIns="91425" wrap="square" tIns="91425">
             <a:normAutofit/>
           </a:bodyPr>
           <a:lstStyle>
-            <a:lvl1pPr marL="457200" lvl="0" indent="-311150">
+            <a:lvl1pPr indent="-311150" lvl="0" marL="457200">
               <a:spcBef>
                 <a:spcPts val="0"/>
               </a:spcBef>
@@ -7015,7 +7086,7 @@
               <a:buChar char="●"/>
               <a:defRPr/>
             </a:lvl1pPr>
-            <a:lvl2pPr marL="914400" lvl="1" indent="-298450">
+            <a:lvl2pPr indent="-298450" lvl="1" marL="914400">
               <a:spcBef>
                 <a:spcPts val="0"/>
               </a:spcBef>
@@ -7026,7 +7097,7 @@
               <a:buChar char="○"/>
               <a:defRPr/>
             </a:lvl2pPr>
-            <a:lvl3pPr marL="1371600" lvl="2" indent="-298450">
+            <a:lvl3pPr indent="-298450" lvl="2" marL="1371600">
               <a:spcBef>
                 <a:spcPts val="0"/>
               </a:spcBef>
@@ -7037,7 +7108,7 @@
               <a:buChar char="■"/>
               <a:defRPr/>
             </a:lvl3pPr>
-            <a:lvl4pPr marL="1828800" lvl="3" indent="-298450">
+            <a:lvl4pPr indent="-298450" lvl="3" marL="1828800">
               <a:spcBef>
                 <a:spcPts val="0"/>
               </a:spcBef>
@@ -7048,7 +7119,7 @@
               <a:buChar char="●"/>
               <a:defRPr/>
             </a:lvl4pPr>
-            <a:lvl5pPr marL="2286000" lvl="4" indent="-298450">
+            <a:lvl5pPr indent="-298450" lvl="4" marL="2286000">
               <a:spcBef>
                 <a:spcPts val="0"/>
               </a:spcBef>
@@ -7059,7 +7130,7 @@
               <a:buChar char="○"/>
               <a:defRPr/>
             </a:lvl5pPr>
-            <a:lvl6pPr marL="2743200" lvl="5" indent="-298450">
+            <a:lvl6pPr indent="-298450" lvl="5" marL="2743200">
               <a:spcBef>
                 <a:spcPts val="0"/>
               </a:spcBef>
@@ -7070,7 +7141,7 @@
               <a:buChar char="■"/>
               <a:defRPr/>
             </a:lvl6pPr>
-            <a:lvl7pPr marL="3200400" lvl="6" indent="-298450">
+            <a:lvl7pPr indent="-298450" lvl="6" marL="3200400">
               <a:spcBef>
                 <a:spcPts val="0"/>
               </a:spcBef>
@@ -7081,7 +7152,7 @@
               <a:buChar char="●"/>
               <a:defRPr/>
             </a:lvl7pPr>
-            <a:lvl8pPr marL="3657600" lvl="7" indent="-298450">
+            <a:lvl8pPr indent="-298450" lvl="7" marL="3657600">
               <a:spcBef>
                 <a:spcPts val="0"/>
               </a:spcBef>
@@ -7092,7 +7163,7 @@
               <a:buChar char="○"/>
               <a:defRPr/>
             </a:lvl8pPr>
-            <a:lvl9pPr marL="4114800" lvl="8" indent="-298450">
+            <a:lvl9pPr indent="-298450" lvl="8" marL="4114800">
               <a:spcBef>
                 <a:spcPts val="0"/>
               </a:spcBef>
@@ -7104,19 +7175,15 @@
               <a:defRPr/>
             </a:lvl9pPr>
           </a:lstStyle>
-          <a:p>
-            <a:endParaRPr/>
-          </a:p>
+          <a:p/>
         </p:txBody>
       </p:sp>
       <p:sp>
         <p:nvSpPr>
           <p:cNvPr id="76" name="Google Shape;76;p7"/>
-          <p:cNvSpPr txBox="1">
-            <a:spLocks noGrp="1"/>
-          </p:cNvSpPr>
+          <p:cNvSpPr txBox="1"/>
           <p:nvPr>
-            <p:ph type="sldNum" idx="12"/>
+            <p:ph idx="12" type="sldNum"/>
           </p:nvPr>
         </p:nvSpPr>
         <p:spPr>
@@ -7129,7 +7196,7 @@
           </a:prstGeom>
         </p:spPr>
         <p:txBody>
-          <a:bodyPr spcFirstLastPara="1" wrap="square" lIns="91425" tIns="91425" rIns="91425" bIns="91425" anchor="ctr" anchorCtr="0">
+          <a:bodyPr anchorCtr="0" anchor="ctr" bIns="91425" lIns="91425" spcFirstLastPara="1" rIns="91425" wrap="square" tIns="91425">
             <a:normAutofit/>
           </a:bodyPr>
           <a:lstStyle>
@@ -7171,7 +7238,7 @@
             </a:lvl9pPr>
           </a:lstStyle>
           <a:p>
-            <a:pPr marL="0" lvl="0" indent="0" algn="r" rtl="0">
+            <a:pPr indent="0" lvl="0" marL="0" rtl="0" algn="r">
               <a:spcBef>
                 <a:spcPts val="0"/>
               </a:spcBef>
@@ -7197,19 +7264,18 @@
 </file>
 
 <file path=ppt/slideLayouts/slideLayout7.xml><?xml version="1.0" encoding="utf-8"?>
-<p:sldLayout xmlns:a="http://schemas.openxmlformats.org/drawingml/2006/main" xmlns:r="http://schemas.openxmlformats.org/officeDocument/2006/relationships" xmlns:p="http://schemas.openxmlformats.org/presentationml/2006/main" matchingName="Main point">
+<p:sldLayout xmlns:a="http://schemas.openxmlformats.org/drawingml/2006/main" xmlns:r="http://schemas.openxmlformats.org/officeDocument/2006/relationships" xmlns:mc="http://schemas.openxmlformats.org/markup-compatibility/2006" xmlns:mv="urn:schemas-microsoft-com:mac:vml" xmlns:p="http://schemas.openxmlformats.org/presentationml/2006/main" xmlns:c="http://schemas.openxmlformats.org/drawingml/2006/chart" xmlns:dgm="http://schemas.openxmlformats.org/drawingml/2006/diagram" xmlns:o="urn:schemas-microsoft-com:office:office" xmlns:v="urn:schemas-microsoft-com:vml" xmlns:pvml="urn:schemas-microsoft-com:office:powerpoint" xmlns:com="http://schemas.openxmlformats.org/drawingml/2006/compatibility" xmlns:p14="http://schemas.microsoft.com/office/powerpoint/2010/main" xmlns:p15="http://schemas.microsoft.com/office/powerpoint/2012/main" xmlns:ahyp="http://schemas.microsoft.com/office/drawing/2018/hyperlinkcolor" matchingName="Main point">
   <p:cSld name="MAIN_POINT">
     <p:bg>
       <p:bgPr>
         <a:solidFill>
           <a:schemeClr val="accent1"/>
         </a:solidFill>
-        <a:effectLst/>
       </p:bgPr>
     </p:bg>
     <p:spTree>
       <p:nvGrpSpPr>
-        <p:cNvPr id="1" name="Shape 77"/>
+        <p:cNvPr id="77" name="Shape 77"/>
         <p:cNvGrpSpPr/>
         <p:nvPr/>
       </p:nvGrpSpPr>
@@ -7243,12 +7309,12 @@
           </a:ln>
         </p:spPr>
         <p:txBody>
-          <a:bodyPr spcFirstLastPara="1" wrap="square" lIns="91425" tIns="91425" rIns="91425" bIns="91425" anchor="ctr" anchorCtr="0">
+          <a:bodyPr anchorCtr="0" anchor="ctr" bIns="91425" lIns="91425" spcFirstLastPara="1" rIns="91425" wrap="square" tIns="91425">
             <a:noAutofit/>
           </a:bodyPr>
           <a:lstStyle/>
           <a:p>
-            <a:pPr marL="0" lvl="0" indent="0" algn="l" rtl="0">
+            <a:pPr indent="0" lvl="0" marL="0" rtl="0" algn="l">
               <a:spcBef>
                 <a:spcPts val="0"/>
               </a:spcBef>
@@ -7257,6 +7323,9 @@
               </a:spcAft>
               <a:buNone/>
             </a:pPr>
+            <a:r>
+              <a:t/>
+            </a:r>
             <a:endParaRPr/>
           </a:p>
         </p:txBody>
@@ -7283,12 +7352,12 @@
           </a:ln>
         </p:spPr>
         <p:txBody>
-          <a:bodyPr spcFirstLastPara="1" wrap="square" lIns="91425" tIns="91425" rIns="91425" bIns="91425" anchor="ctr" anchorCtr="0">
+          <a:bodyPr anchorCtr="0" anchor="ctr" bIns="91425" lIns="91425" spcFirstLastPara="1" rIns="91425" wrap="square" tIns="91425">
             <a:noAutofit/>
           </a:bodyPr>
           <a:lstStyle/>
           <a:p>
-            <a:pPr marL="0" lvl="0" indent="0" algn="l" rtl="0">
+            <a:pPr indent="0" lvl="0" marL="0" rtl="0" algn="l">
               <a:spcBef>
                 <a:spcPts val="0"/>
               </a:spcBef>
@@ -7297,6 +7366,9 @@
               </a:spcAft>
               <a:buNone/>
             </a:pPr>
+            <a:r>
+              <a:t/>
+            </a:r>
             <a:endParaRPr/>
           </a:p>
         </p:txBody>
@@ -7328,7 +7400,7 @@
             </a:xfrm>
             <a:prstGeom prst="parallelogram">
               <a:avLst>
-                <a:gd name="adj" fmla="val 153193"/>
+                <a:gd fmla="val 153193" name="adj"/>
               </a:avLst>
             </a:prstGeom>
             <a:solidFill>
@@ -7339,12 +7411,12 @@
             </a:ln>
           </p:spPr>
           <p:txBody>
-            <a:bodyPr spcFirstLastPara="1" wrap="square" lIns="91425" tIns="91425" rIns="91425" bIns="91425" anchor="ctr" anchorCtr="0">
+            <a:bodyPr anchorCtr="0" anchor="ctr" bIns="91425" lIns="91425" spcFirstLastPara="1" rIns="91425" wrap="square" tIns="91425">
               <a:noAutofit/>
             </a:bodyPr>
             <a:lstStyle/>
             <a:p>
-              <a:pPr marL="0" lvl="0" indent="0" algn="l" rtl="0">
+              <a:pPr indent="0" lvl="0" marL="0" rtl="0" algn="l">
                 <a:spcBef>
                   <a:spcPts val="0"/>
                 </a:spcBef>
@@ -7353,6 +7425,9 @@
                 </a:spcAft>
                 <a:buNone/>
               </a:pPr>
+              <a:r>
+                <a:t/>
+              </a:r>
               <a:endParaRPr/>
             </a:p>
           </p:txBody>
@@ -7370,7 +7445,7 @@
             </a:xfrm>
             <a:prstGeom prst="parallelogram">
               <a:avLst>
-                <a:gd name="adj" fmla="val 153193"/>
+                <a:gd fmla="val 153193" name="adj"/>
               </a:avLst>
             </a:prstGeom>
             <a:solidFill>
@@ -7381,12 +7456,12 @@
             </a:ln>
           </p:spPr>
           <p:txBody>
-            <a:bodyPr spcFirstLastPara="1" wrap="square" lIns="91425" tIns="91425" rIns="91425" bIns="91425" anchor="ctr" anchorCtr="0">
+            <a:bodyPr anchorCtr="0" anchor="ctr" bIns="91425" lIns="91425" spcFirstLastPara="1" rIns="91425" wrap="square" tIns="91425">
               <a:noAutofit/>
             </a:bodyPr>
             <a:lstStyle/>
             <a:p>
-              <a:pPr marL="0" lvl="0" indent="0" algn="l" rtl="0">
+              <a:pPr indent="0" lvl="0" marL="0" rtl="0" algn="l">
                 <a:spcBef>
                   <a:spcPts val="0"/>
                 </a:spcBef>
@@ -7395,6 +7470,9 @@
                 </a:spcAft>
                 <a:buNone/>
               </a:pPr>
+              <a:r>
+                <a:t/>
+              </a:r>
               <a:endParaRPr/>
             </a:p>
           </p:txBody>
@@ -7412,7 +7490,7 @@
             </a:xfrm>
             <a:prstGeom prst="parallelogram">
               <a:avLst>
-                <a:gd name="adj" fmla="val 153193"/>
+                <a:gd fmla="val 153193" name="adj"/>
               </a:avLst>
             </a:prstGeom>
             <a:solidFill>
@@ -7423,12 +7501,12 @@
             </a:ln>
           </p:spPr>
           <p:txBody>
-            <a:bodyPr spcFirstLastPara="1" wrap="square" lIns="91425" tIns="91425" rIns="91425" bIns="91425" anchor="ctr" anchorCtr="0">
+            <a:bodyPr anchorCtr="0" anchor="ctr" bIns="91425" lIns="91425" spcFirstLastPara="1" rIns="91425" wrap="square" tIns="91425">
               <a:noAutofit/>
             </a:bodyPr>
             <a:lstStyle/>
             <a:p>
-              <a:pPr marL="0" lvl="0" indent="0" algn="l" rtl="0">
+              <a:pPr indent="0" lvl="0" marL="0" rtl="0" algn="l">
                 <a:spcBef>
                   <a:spcPts val="0"/>
                 </a:spcBef>
@@ -7437,6 +7515,9 @@
                 </a:spcAft>
                 <a:buNone/>
               </a:pPr>
+              <a:r>
+                <a:t/>
+              </a:r>
               <a:endParaRPr/>
             </a:p>
           </p:txBody>
@@ -7463,7 +7544,7 @@
             <a:noFill/>
           </a:ln>
           <a:effectLst>
-            <a:outerShdw blurRad="228600" sx="101000" sy="101000" algn="ctr" rotWithShape="0">
+            <a:outerShdw blurRad="228600" sx="101000" rotWithShape="0" algn="ctr" sy="101000">
               <a:srgbClr val="000000">
                 <a:alpha val="40000"/>
               </a:srgbClr>
@@ -7471,12 +7552,12 @@
           </a:effectLst>
         </p:spPr>
         <p:txBody>
-          <a:bodyPr spcFirstLastPara="1" wrap="square" lIns="91425" tIns="91425" rIns="91425" bIns="91425" anchor="ctr" anchorCtr="0">
+          <a:bodyPr anchorCtr="0" anchor="ctr" bIns="91425" lIns="91425" spcFirstLastPara="1" rIns="91425" wrap="square" tIns="91425">
             <a:noAutofit/>
           </a:bodyPr>
           <a:lstStyle/>
           <a:p>
-            <a:pPr marL="0" lvl="0" indent="0" algn="l" rtl="0">
+            <a:pPr indent="0" lvl="0" marL="0" rtl="0" algn="l">
               <a:spcBef>
                 <a:spcPts val="0"/>
               </a:spcBef>
@@ -7485,6 +7566,9 @@
               </a:spcAft>
               <a:buNone/>
             </a:pPr>
+            <a:r>
+              <a:t/>
+            </a:r>
             <a:endParaRPr/>
           </a:p>
         </p:txBody>
@@ -7516,7 +7600,7 @@
             </a:xfrm>
             <a:prstGeom prst="parallelogram">
               <a:avLst>
-                <a:gd name="adj" fmla="val 158024"/>
+                <a:gd fmla="val 158024" name="adj"/>
               </a:avLst>
             </a:prstGeom>
             <a:solidFill>
@@ -7527,12 +7611,12 @@
             </a:ln>
           </p:spPr>
           <p:txBody>
-            <a:bodyPr spcFirstLastPara="1" wrap="square" lIns="91425" tIns="91425" rIns="91425" bIns="91425" anchor="ctr" anchorCtr="0">
+            <a:bodyPr anchorCtr="0" anchor="ctr" bIns="91425" lIns="91425" spcFirstLastPara="1" rIns="91425" wrap="square" tIns="91425">
               <a:noAutofit/>
             </a:bodyPr>
             <a:lstStyle/>
             <a:p>
-              <a:pPr marL="0" lvl="0" indent="0" algn="l" rtl="0">
+              <a:pPr indent="0" lvl="0" marL="0" rtl="0" algn="l">
                 <a:spcBef>
                   <a:spcPts val="0"/>
                 </a:spcBef>
@@ -7541,6 +7625,9 @@
                 </a:spcAft>
                 <a:buNone/>
               </a:pPr>
+              <a:r>
+                <a:t/>
+              </a:r>
               <a:endParaRPr/>
             </a:p>
           </p:txBody>
@@ -7558,7 +7645,7 @@
             </a:xfrm>
             <a:prstGeom prst="parallelogram">
               <a:avLst>
-                <a:gd name="adj" fmla="val 158024"/>
+                <a:gd fmla="val 158024" name="adj"/>
               </a:avLst>
             </a:prstGeom>
             <a:solidFill>
@@ -7569,12 +7656,12 @@
             </a:ln>
           </p:spPr>
           <p:txBody>
-            <a:bodyPr spcFirstLastPara="1" wrap="square" lIns="91425" tIns="91425" rIns="91425" bIns="91425" anchor="ctr" anchorCtr="0">
+            <a:bodyPr anchorCtr="0" anchor="ctr" bIns="91425" lIns="91425" spcFirstLastPara="1" rIns="91425" wrap="square" tIns="91425">
               <a:noAutofit/>
             </a:bodyPr>
             <a:lstStyle/>
             <a:p>
-              <a:pPr marL="0" lvl="0" indent="0" algn="l" rtl="0">
+              <a:pPr indent="0" lvl="0" marL="0" rtl="0" algn="l">
                 <a:spcBef>
                   <a:spcPts val="0"/>
                 </a:spcBef>
@@ -7583,6 +7670,9 @@
                 </a:spcAft>
                 <a:buNone/>
               </a:pPr>
+              <a:r>
+                <a:t/>
+              </a:r>
               <a:endParaRPr/>
             </a:p>
           </p:txBody>
@@ -7600,7 +7690,7 @@
             </a:xfrm>
             <a:prstGeom prst="parallelogram">
               <a:avLst>
-                <a:gd name="adj" fmla="val 158024"/>
+                <a:gd fmla="val 158024" name="adj"/>
               </a:avLst>
             </a:prstGeom>
             <a:solidFill>
@@ -7611,12 +7701,12 @@
             </a:ln>
           </p:spPr>
           <p:txBody>
-            <a:bodyPr spcFirstLastPara="1" wrap="square" lIns="91425" tIns="91425" rIns="91425" bIns="91425" anchor="ctr" anchorCtr="0">
+            <a:bodyPr anchorCtr="0" anchor="ctr" bIns="91425" lIns="91425" spcFirstLastPara="1" rIns="91425" wrap="square" tIns="91425">
               <a:noAutofit/>
             </a:bodyPr>
             <a:lstStyle/>
             <a:p>
-              <a:pPr marL="0" lvl="0" indent="0" algn="l" rtl="0">
+              <a:pPr indent="0" lvl="0" marL="0" rtl="0" algn="l">
                 <a:spcBef>
                   <a:spcPts val="0"/>
                 </a:spcBef>
@@ -7625,6 +7715,9 @@
                 </a:spcAft>
                 <a:buNone/>
               </a:pPr>
+              <a:r>
+                <a:t/>
+              </a:r>
               <a:endParaRPr/>
             </a:p>
           </p:txBody>
@@ -7657,7 +7750,7 @@
             </a:xfrm>
             <a:prstGeom prst="parallelogram">
               <a:avLst>
-                <a:gd name="adj" fmla="val 158024"/>
+                <a:gd fmla="val 158024" name="adj"/>
               </a:avLst>
             </a:prstGeom>
             <a:solidFill>
@@ -7668,12 +7761,12 @@
             </a:ln>
           </p:spPr>
           <p:txBody>
-            <a:bodyPr spcFirstLastPara="1" wrap="square" lIns="91425" tIns="91425" rIns="91425" bIns="91425" anchor="ctr" anchorCtr="0">
+            <a:bodyPr anchorCtr="0" anchor="ctr" bIns="91425" lIns="91425" spcFirstLastPara="1" rIns="91425" wrap="square" tIns="91425">
               <a:noAutofit/>
             </a:bodyPr>
             <a:lstStyle/>
             <a:p>
-              <a:pPr marL="0" lvl="0" indent="0" algn="l" rtl="0">
+              <a:pPr indent="0" lvl="0" marL="0" rtl="0" algn="l">
                 <a:spcBef>
                   <a:spcPts val="0"/>
                 </a:spcBef>
@@ -7682,6 +7775,9 @@
                 </a:spcAft>
                 <a:buNone/>
               </a:pPr>
+              <a:r>
+                <a:t/>
+              </a:r>
               <a:endParaRPr/>
             </a:p>
           </p:txBody>
@@ -7699,7 +7795,7 @@
             </a:xfrm>
             <a:prstGeom prst="parallelogram">
               <a:avLst>
-                <a:gd name="adj" fmla="val 158024"/>
+                <a:gd fmla="val 158024" name="adj"/>
               </a:avLst>
             </a:prstGeom>
             <a:solidFill>
@@ -7710,12 +7806,12 @@
             </a:ln>
           </p:spPr>
           <p:txBody>
-            <a:bodyPr spcFirstLastPara="1" wrap="square" lIns="91425" tIns="91425" rIns="91425" bIns="91425" anchor="ctr" anchorCtr="0">
+            <a:bodyPr anchorCtr="0" anchor="ctr" bIns="91425" lIns="91425" spcFirstLastPara="1" rIns="91425" wrap="square" tIns="91425">
               <a:noAutofit/>
             </a:bodyPr>
             <a:lstStyle/>
             <a:p>
-              <a:pPr marL="0" lvl="0" indent="0" algn="l" rtl="0">
+              <a:pPr indent="0" lvl="0" marL="0" rtl="0" algn="l">
                 <a:spcBef>
                   <a:spcPts val="0"/>
                 </a:spcBef>
@@ -7724,6 +7820,9 @@
                 </a:spcAft>
                 <a:buNone/>
               </a:pPr>
+              <a:r>
+                <a:t/>
+              </a:r>
               <a:endParaRPr/>
             </a:p>
           </p:txBody>
@@ -7741,7 +7840,7 @@
             </a:xfrm>
             <a:prstGeom prst="parallelogram">
               <a:avLst>
-                <a:gd name="adj" fmla="val 158024"/>
+                <a:gd fmla="val 158024" name="adj"/>
               </a:avLst>
             </a:prstGeom>
             <a:solidFill>
@@ -7752,12 +7851,12 @@
             </a:ln>
           </p:spPr>
           <p:txBody>
-            <a:bodyPr spcFirstLastPara="1" wrap="square" lIns="91425" tIns="91425" rIns="91425" bIns="91425" anchor="ctr" anchorCtr="0">
+            <a:bodyPr anchorCtr="0" anchor="ctr" bIns="91425" lIns="91425" spcFirstLastPara="1" rIns="91425" wrap="square" tIns="91425">
               <a:noAutofit/>
             </a:bodyPr>
             <a:lstStyle/>
             <a:p>
-              <a:pPr marL="0" lvl="0" indent="0" algn="l" rtl="0">
+              <a:pPr indent="0" lvl="0" marL="0" rtl="0" algn="l">
                 <a:spcBef>
                   <a:spcPts val="0"/>
                 </a:spcBef>
@@ -7766,6 +7865,9 @@
                 </a:spcAft>
                 <a:buNone/>
               </a:pPr>
+              <a:r>
+                <a:t/>
+              </a:r>
               <a:endParaRPr/>
             </a:p>
           </p:txBody>
@@ -7774,9 +7876,7 @@
       <p:sp>
         <p:nvSpPr>
           <p:cNvPr id="93" name="Google Shape;93;p8"/>
-          <p:cNvSpPr txBox="1">
-            <a:spLocks noGrp="1"/>
-          </p:cNvSpPr>
+          <p:cNvSpPr txBox="1"/>
           <p:nvPr>
             <p:ph type="title"/>
           </p:nvPr>
@@ -7791,7 +7891,7 @@
           </a:prstGeom>
         </p:spPr>
         <p:txBody>
-          <a:bodyPr spcFirstLastPara="1" wrap="square" lIns="91425" tIns="91425" rIns="91425" bIns="91425" anchor="ctr" anchorCtr="0">
+          <a:bodyPr anchorCtr="0" anchor="ctr" bIns="91425" lIns="91425" spcFirstLastPara="1" rIns="91425" wrap="square" tIns="91425">
             <a:normAutofit/>
           </a:bodyPr>
           <a:lstStyle>
@@ -7895,19 +7995,15 @@
               <a:defRPr sz="3200"/>
             </a:lvl9pPr>
           </a:lstStyle>
-          <a:p>
-            <a:endParaRPr/>
-          </a:p>
+          <a:p/>
         </p:txBody>
       </p:sp>
       <p:sp>
         <p:nvSpPr>
           <p:cNvPr id="94" name="Google Shape;94;p8"/>
-          <p:cNvSpPr txBox="1">
-            <a:spLocks noGrp="1"/>
-          </p:cNvSpPr>
+          <p:cNvSpPr txBox="1"/>
           <p:nvPr>
-            <p:ph type="sldNum" idx="12"/>
+            <p:ph idx="12" type="sldNum"/>
           </p:nvPr>
         </p:nvSpPr>
         <p:spPr>
@@ -7920,7 +8016,7 @@
           </a:prstGeom>
         </p:spPr>
         <p:txBody>
-          <a:bodyPr spcFirstLastPara="1" wrap="square" lIns="91425" tIns="91425" rIns="91425" bIns="91425" anchor="ctr" anchorCtr="0">
+          <a:bodyPr anchorCtr="0" anchor="ctr" bIns="91425" lIns="91425" spcFirstLastPara="1" rIns="91425" wrap="square" tIns="91425">
             <a:normAutofit/>
           </a:bodyPr>
           <a:lstStyle>
@@ -7962,7 +8058,7 @@
             </a:lvl9pPr>
           </a:lstStyle>
           <a:p>
-            <a:pPr marL="0" lvl="0" indent="0" algn="r" rtl="0">
+            <a:pPr indent="0" lvl="0" marL="0" rtl="0" algn="r">
               <a:spcBef>
                 <a:spcPts val="0"/>
               </a:spcBef>
@@ -7988,19 +8084,18 @@
 </file>
 
 <file path=ppt/slideLayouts/slideLayout8.xml><?xml version="1.0" encoding="utf-8"?>
-<p:sldLayout xmlns:a="http://schemas.openxmlformats.org/drawingml/2006/main" xmlns:r="http://schemas.openxmlformats.org/officeDocument/2006/relationships" xmlns:p="http://schemas.openxmlformats.org/presentationml/2006/main" matchingName="Section title and description">
+<p:sldLayout xmlns:a="http://schemas.openxmlformats.org/drawingml/2006/main" xmlns:r="http://schemas.openxmlformats.org/officeDocument/2006/relationships" xmlns:mc="http://schemas.openxmlformats.org/markup-compatibility/2006" xmlns:mv="urn:schemas-microsoft-com:mac:vml" xmlns:p="http://schemas.openxmlformats.org/presentationml/2006/main" xmlns:c="http://schemas.openxmlformats.org/drawingml/2006/chart" xmlns:dgm="http://schemas.openxmlformats.org/drawingml/2006/diagram" xmlns:o="urn:schemas-microsoft-com:office:office" xmlns:v="urn:schemas-microsoft-com:vml" xmlns:pvml="urn:schemas-microsoft-com:office:powerpoint" xmlns:com="http://schemas.openxmlformats.org/drawingml/2006/compatibility" xmlns:p14="http://schemas.microsoft.com/office/powerpoint/2010/main" xmlns:p15="http://schemas.microsoft.com/office/powerpoint/2012/main" xmlns:ahyp="http://schemas.microsoft.com/office/drawing/2018/hyperlinkcolor" matchingName="Section title and description">
   <p:cSld name="SECTION_TITLE_AND_DESCRIPTION">
     <p:bg>
       <p:bgPr>
         <a:solidFill>
           <a:schemeClr val="dk2"/>
         </a:solidFill>
-        <a:effectLst/>
       </p:bgPr>
     </p:bg>
     <p:spTree>
       <p:nvGrpSpPr>
-        <p:cNvPr id="1" name="Shape 95"/>
+        <p:cNvPr id="95" name="Shape 95"/>
         <p:cNvGrpSpPr/>
         <p:nvPr/>
       </p:nvGrpSpPr>
@@ -8034,12 +8129,12 @@
           </a:ln>
         </p:spPr>
         <p:txBody>
-          <a:bodyPr spcFirstLastPara="1" wrap="square" lIns="91425" tIns="91425" rIns="91425" bIns="91425" anchor="ctr" anchorCtr="0">
+          <a:bodyPr anchorCtr="0" anchor="ctr" bIns="91425" lIns="91425" spcFirstLastPara="1" rIns="91425" wrap="square" tIns="91425">
             <a:noAutofit/>
           </a:bodyPr>
           <a:lstStyle/>
           <a:p>
-            <a:pPr marL="0" lvl="0" indent="0" algn="l" rtl="0">
+            <a:pPr indent="0" lvl="0" marL="0" rtl="0" algn="l">
               <a:spcBef>
                 <a:spcPts val="0"/>
               </a:spcBef>
@@ -8048,6 +8143,9 @@
               </a:spcAft>
               <a:buNone/>
             </a:pPr>
+            <a:r>
+              <a:t/>
+            </a:r>
             <a:endParaRPr/>
           </a:p>
         </p:txBody>
@@ -8074,12 +8172,12 @@
           </a:ln>
         </p:spPr>
         <p:txBody>
-          <a:bodyPr spcFirstLastPara="1" wrap="square" lIns="91425" tIns="91425" rIns="91425" bIns="91425" anchor="ctr" anchorCtr="0">
+          <a:bodyPr anchorCtr="0" anchor="ctr" bIns="91425" lIns="91425" spcFirstLastPara="1" rIns="91425" wrap="square" tIns="91425">
             <a:noAutofit/>
           </a:bodyPr>
           <a:lstStyle/>
           <a:p>
-            <a:pPr marL="0" lvl="0" indent="0" algn="l" rtl="0">
+            <a:pPr indent="0" lvl="0" marL="0" rtl="0" algn="l">
               <a:spcBef>
                 <a:spcPts val="0"/>
               </a:spcBef>
@@ -8088,6 +8186,9 @@
               </a:spcAft>
               <a:buNone/>
             </a:pPr>
+            <a:r>
+              <a:t/>
+            </a:r>
             <a:endParaRPr/>
           </a:p>
         </p:txBody>
@@ -8113,7 +8214,7 @@
             <a:noFill/>
           </a:ln>
           <a:effectLst>
-            <a:outerShdw blurRad="228600" sx="101000" sy="101000" algn="ctr" rotWithShape="0">
+            <a:outerShdw blurRad="228600" sx="101000" rotWithShape="0" algn="ctr" sy="101000">
               <a:srgbClr val="000000">
                 <a:alpha val="40000"/>
               </a:srgbClr>
@@ -8121,12 +8222,12 @@
           </a:effectLst>
         </p:spPr>
         <p:txBody>
-          <a:bodyPr spcFirstLastPara="1" wrap="square" lIns="91425" tIns="91425" rIns="91425" bIns="91425" anchor="ctr" anchorCtr="0">
+          <a:bodyPr anchorCtr="0" anchor="ctr" bIns="91425" lIns="91425" spcFirstLastPara="1" rIns="91425" wrap="square" tIns="91425">
             <a:noAutofit/>
           </a:bodyPr>
           <a:lstStyle/>
           <a:p>
-            <a:pPr marL="0" lvl="0" indent="0" algn="l" rtl="0">
+            <a:pPr indent="0" lvl="0" marL="0" rtl="0" algn="l">
               <a:spcBef>
                 <a:spcPts val="0"/>
               </a:spcBef>
@@ -8135,6 +8236,9 @@
               </a:spcAft>
               <a:buNone/>
             </a:pPr>
+            <a:r>
+              <a:t/>
+            </a:r>
             <a:endParaRPr/>
           </a:p>
         </p:txBody>
@@ -8142,9 +8246,7 @@
       <p:sp>
         <p:nvSpPr>
           <p:cNvPr id="99" name="Google Shape;99;p9"/>
-          <p:cNvSpPr txBox="1">
-            <a:spLocks noGrp="1"/>
-          </p:cNvSpPr>
+          <p:cNvSpPr txBox="1"/>
           <p:nvPr>
             <p:ph type="title"/>
           </p:nvPr>
@@ -8159,7 +8261,7 @@
           </a:prstGeom>
         </p:spPr>
         <p:txBody>
-          <a:bodyPr spcFirstLastPara="1" wrap="square" lIns="91425" tIns="91425" rIns="91425" bIns="91425" anchor="t" anchorCtr="0">
+          <a:bodyPr anchorCtr="0" anchor="t" bIns="91425" lIns="91425" spcFirstLastPara="1" rIns="91425" wrap="square" tIns="91425">
             <a:normAutofit/>
           </a:bodyPr>
           <a:lstStyle>
@@ -8263,19 +8365,15 @@
               <a:defRPr sz="3000"/>
             </a:lvl9pPr>
           </a:lstStyle>
-          <a:p>
-            <a:endParaRPr/>
-          </a:p>
+          <a:p/>
         </p:txBody>
       </p:sp>
       <p:sp>
         <p:nvSpPr>
           <p:cNvPr id="100" name="Google Shape;100;p9"/>
-          <p:cNvSpPr txBox="1">
-            <a:spLocks noGrp="1"/>
-          </p:cNvSpPr>
+          <p:cNvSpPr txBox="1"/>
           <p:nvPr>
-            <p:ph type="subTitle" idx="1"/>
+            <p:ph idx="1" type="subTitle"/>
           </p:nvPr>
         </p:nvSpPr>
         <p:spPr>
@@ -8288,7 +8386,7 @@
           </a:prstGeom>
         </p:spPr>
         <p:txBody>
-          <a:bodyPr spcFirstLastPara="1" wrap="square" lIns="91425" tIns="91425" rIns="91425" bIns="91425" anchor="t" anchorCtr="0">
+          <a:bodyPr anchorCtr="0" anchor="t" bIns="91425" lIns="91425" spcFirstLastPara="1" rIns="91425" wrap="square" tIns="91425">
             <a:normAutofit/>
           </a:bodyPr>
           <a:lstStyle>
@@ -8482,19 +8580,15 @@
               </a:defRPr>
             </a:lvl9pPr>
           </a:lstStyle>
-          <a:p>
-            <a:endParaRPr/>
-          </a:p>
+          <a:p/>
         </p:txBody>
       </p:sp>
       <p:sp>
         <p:nvSpPr>
           <p:cNvPr id="101" name="Google Shape;101;p9"/>
-          <p:cNvSpPr txBox="1">
-            <a:spLocks noGrp="1"/>
-          </p:cNvSpPr>
+          <p:cNvSpPr txBox="1"/>
           <p:nvPr>
-            <p:ph type="body" idx="2"/>
+            <p:ph idx="2" type="body"/>
           </p:nvPr>
         </p:nvSpPr>
         <p:spPr>
@@ -8507,11 +8601,11 @@
           </a:prstGeom>
         </p:spPr>
         <p:txBody>
-          <a:bodyPr spcFirstLastPara="1" wrap="square" lIns="91425" tIns="91425" rIns="91425" bIns="91425" anchor="t" anchorCtr="0">
+          <a:bodyPr anchorCtr="0" anchor="t" bIns="91425" lIns="91425" spcFirstLastPara="1" rIns="91425" wrap="square" tIns="91425">
             <a:normAutofit/>
           </a:bodyPr>
           <a:lstStyle>
-            <a:lvl1pPr marL="457200" lvl="0" indent="-311150">
+            <a:lvl1pPr indent="-311150" lvl="0" marL="457200">
               <a:spcBef>
                 <a:spcPts val="0"/>
               </a:spcBef>
@@ -8522,7 +8616,7 @@
               <a:buChar char="●"/>
               <a:defRPr/>
             </a:lvl1pPr>
-            <a:lvl2pPr marL="914400" lvl="1" indent="-298450">
+            <a:lvl2pPr indent="-298450" lvl="1" marL="914400">
               <a:spcBef>
                 <a:spcPts val="0"/>
               </a:spcBef>
@@ -8533,7 +8627,7 @@
               <a:buChar char="○"/>
               <a:defRPr/>
             </a:lvl2pPr>
-            <a:lvl3pPr marL="1371600" lvl="2" indent="-298450">
+            <a:lvl3pPr indent="-298450" lvl="2" marL="1371600">
               <a:spcBef>
                 <a:spcPts val="0"/>
               </a:spcBef>
@@ -8544,7 +8638,7 @@
               <a:buChar char="■"/>
               <a:defRPr/>
             </a:lvl3pPr>
-            <a:lvl4pPr marL="1828800" lvl="3" indent="-298450">
+            <a:lvl4pPr indent="-298450" lvl="3" marL="1828800">
               <a:spcBef>
                 <a:spcPts val="0"/>
               </a:spcBef>
@@ -8555,7 +8649,7 @@
               <a:buChar char="●"/>
               <a:defRPr/>
             </a:lvl4pPr>
-            <a:lvl5pPr marL="2286000" lvl="4" indent="-298450">
+            <a:lvl5pPr indent="-298450" lvl="4" marL="2286000">
               <a:spcBef>
                 <a:spcPts val="0"/>
               </a:spcBef>
@@ -8566,7 +8660,7 @@
               <a:buChar char="○"/>
               <a:defRPr/>
             </a:lvl5pPr>
-            <a:lvl6pPr marL="2743200" lvl="5" indent="-298450">
+            <a:lvl6pPr indent="-298450" lvl="5" marL="2743200">
               <a:spcBef>
                 <a:spcPts val="0"/>
               </a:spcBef>
@@ -8577,7 +8671,7 @@
               <a:buChar char="■"/>
               <a:defRPr/>
             </a:lvl6pPr>
-            <a:lvl7pPr marL="3200400" lvl="6" indent="-298450">
+            <a:lvl7pPr indent="-298450" lvl="6" marL="3200400">
               <a:spcBef>
                 <a:spcPts val="0"/>
               </a:spcBef>
@@ -8588,7 +8682,7 @@
               <a:buChar char="●"/>
               <a:defRPr/>
             </a:lvl7pPr>
-            <a:lvl8pPr marL="3657600" lvl="7" indent="-298450">
+            <a:lvl8pPr indent="-298450" lvl="7" marL="3657600">
               <a:spcBef>
                 <a:spcPts val="0"/>
               </a:spcBef>
@@ -8599,7 +8693,7 @@
               <a:buChar char="○"/>
               <a:defRPr/>
             </a:lvl8pPr>
-            <a:lvl9pPr marL="4114800" lvl="8" indent="-298450">
+            <a:lvl9pPr indent="-298450" lvl="8" marL="4114800">
               <a:spcBef>
                 <a:spcPts val="0"/>
               </a:spcBef>
@@ -8611,19 +8705,15 @@
               <a:defRPr/>
             </a:lvl9pPr>
           </a:lstStyle>
-          <a:p>
-            <a:endParaRPr/>
-          </a:p>
+          <a:p/>
         </p:txBody>
       </p:sp>
       <p:sp>
         <p:nvSpPr>
           <p:cNvPr id="102" name="Google Shape;102;p9"/>
-          <p:cNvSpPr txBox="1">
-            <a:spLocks noGrp="1"/>
-          </p:cNvSpPr>
+          <p:cNvSpPr txBox="1"/>
           <p:nvPr>
-            <p:ph type="sldNum" idx="12"/>
+            <p:ph idx="12" type="sldNum"/>
           </p:nvPr>
         </p:nvSpPr>
         <p:spPr>
@@ -8636,7 +8726,7 @@
           </a:prstGeom>
         </p:spPr>
         <p:txBody>
-          <a:bodyPr spcFirstLastPara="1" wrap="square" lIns="91425" tIns="91425" rIns="91425" bIns="91425" anchor="ctr" anchorCtr="0">
+          <a:bodyPr anchorCtr="0" anchor="ctr" bIns="91425" lIns="91425" spcFirstLastPara="1" rIns="91425" wrap="square" tIns="91425">
             <a:normAutofit/>
           </a:bodyPr>
           <a:lstStyle>
@@ -8678,7 +8768,7 @@
             </a:lvl9pPr>
           </a:lstStyle>
           <a:p>
-            <a:pPr marL="0" lvl="0" indent="0" algn="r" rtl="0">
+            <a:pPr indent="0" lvl="0" marL="0" rtl="0" algn="r">
               <a:spcBef>
                 <a:spcPts val="0"/>
               </a:spcBef>
@@ -8704,19 +8794,18 @@
 </file>
 
 <file path=ppt/slideLayouts/slideLayout9.xml><?xml version="1.0" encoding="utf-8"?>
-<p:sldLayout xmlns:a="http://schemas.openxmlformats.org/drawingml/2006/main" xmlns:r="http://schemas.openxmlformats.org/officeDocument/2006/relationships" xmlns:p="http://schemas.openxmlformats.org/presentationml/2006/main" matchingName="Caption">
+<p:sldLayout xmlns:a="http://schemas.openxmlformats.org/drawingml/2006/main" xmlns:r="http://schemas.openxmlformats.org/officeDocument/2006/relationships" xmlns:mc="http://schemas.openxmlformats.org/markup-compatibility/2006" xmlns:mv="urn:schemas-microsoft-com:mac:vml" xmlns:p="http://schemas.openxmlformats.org/presentationml/2006/main" xmlns:c="http://schemas.openxmlformats.org/drawingml/2006/chart" xmlns:dgm="http://schemas.openxmlformats.org/drawingml/2006/diagram" xmlns:o="urn:schemas-microsoft-com:office:office" xmlns:v="urn:schemas-microsoft-com:vml" xmlns:pvml="urn:schemas-microsoft-com:office:powerpoint" xmlns:com="http://schemas.openxmlformats.org/drawingml/2006/compatibility" xmlns:p14="http://schemas.microsoft.com/office/powerpoint/2010/main" xmlns:p15="http://schemas.microsoft.com/office/powerpoint/2012/main" xmlns:ahyp="http://schemas.microsoft.com/office/drawing/2018/hyperlinkcolor" matchingName="Caption">
   <p:cSld name="CAPTION_ONLY">
     <p:bg>
       <p:bgPr>
         <a:solidFill>
           <a:schemeClr val="accent1"/>
         </a:solidFill>
-        <a:effectLst/>
       </p:bgPr>
     </p:bg>
     <p:spTree>
       <p:nvGrpSpPr>
-        <p:cNvPr id="1" name="Shape 103"/>
+        <p:cNvPr id="103" name="Shape 103"/>
         <p:cNvGrpSpPr/>
         <p:nvPr/>
       </p:nvGrpSpPr>
@@ -8750,12 +8839,12 @@
           </a:ln>
         </p:spPr>
         <p:txBody>
-          <a:bodyPr spcFirstLastPara="1" wrap="square" lIns="91425" tIns="91425" rIns="91425" bIns="91425" anchor="ctr" anchorCtr="0">
+          <a:bodyPr anchorCtr="0" anchor="ctr" bIns="91425" lIns="91425" spcFirstLastPara="1" rIns="91425" wrap="square" tIns="91425">
             <a:noAutofit/>
           </a:bodyPr>
           <a:lstStyle/>
           <a:p>
-            <a:pPr marL="0" lvl="0" indent="0" algn="l" rtl="0">
+            <a:pPr indent="0" lvl="0" marL="0" rtl="0" algn="l">
               <a:spcBef>
                 <a:spcPts val="0"/>
               </a:spcBef>
@@ -8764,6 +8853,9 @@
               </a:spcAft>
               <a:buNone/>
             </a:pPr>
+            <a:r>
+              <a:t/>
+            </a:r>
             <a:endParaRPr/>
           </a:p>
         </p:txBody>
@@ -8790,12 +8882,12 @@
           </a:ln>
         </p:spPr>
         <p:txBody>
-          <a:bodyPr spcFirstLastPara="1" wrap="square" lIns="91425" tIns="91425" rIns="91425" bIns="91425" anchor="ctr" anchorCtr="0">
+          <a:bodyPr anchorCtr="0" anchor="ctr" bIns="91425" lIns="91425" spcFirstLastPara="1" rIns="91425" wrap="square" tIns="91425">
             <a:noAutofit/>
           </a:bodyPr>
           <a:lstStyle/>
           <a:p>
-            <a:pPr marL="0" lvl="0" indent="0" algn="l" rtl="0">
+            <a:pPr indent="0" lvl="0" marL="0" rtl="0" algn="l">
               <a:spcBef>
                 <a:spcPts val="0"/>
               </a:spcBef>
@@ -8804,6 +8896,9 @@
               </a:spcAft>
               <a:buNone/>
             </a:pPr>
+            <a:r>
+              <a:t/>
+            </a:r>
             <a:endParaRPr/>
           </a:p>
         </p:txBody>
@@ -8829,7 +8924,7 @@
             <a:noFill/>
           </a:ln>
           <a:effectLst>
-            <a:outerShdw blurRad="228600" sx="101000" sy="101000" algn="ctr" rotWithShape="0">
+            <a:outerShdw blurRad="228600" sx="101000" rotWithShape="0" algn="ctr" sy="101000">
               <a:srgbClr val="000000">
                 <a:alpha val="40000"/>
               </a:srgbClr>
@@ -8837,12 +8932,12 @@
           </a:effectLst>
         </p:spPr>
         <p:txBody>
-          <a:bodyPr spcFirstLastPara="1" wrap="square" lIns="91425" tIns="91425" rIns="91425" bIns="91425" anchor="ctr" anchorCtr="0">
+          <a:bodyPr anchorCtr="0" anchor="ctr" bIns="91425" lIns="91425" spcFirstLastPara="1" rIns="91425" wrap="square" tIns="91425">
             <a:noAutofit/>
           </a:bodyPr>
           <a:lstStyle/>
           <a:p>
-            <a:pPr marL="0" lvl="0" indent="0" algn="l" rtl="0">
+            <a:pPr indent="0" lvl="0" marL="0" rtl="0" algn="l">
               <a:spcBef>
                 <a:spcPts val="0"/>
               </a:spcBef>
@@ -8851,6 +8946,9 @@
               </a:spcAft>
               <a:buNone/>
             </a:pPr>
+            <a:r>
+              <a:t/>
+            </a:r>
             <a:endParaRPr/>
           </a:p>
         </p:txBody>
@@ -8858,11 +8956,9 @@
       <p:sp>
         <p:nvSpPr>
           <p:cNvPr id="107" name="Google Shape;107;p10"/>
-          <p:cNvSpPr txBox="1">
-            <a:spLocks noGrp="1"/>
-          </p:cNvSpPr>
+          <p:cNvSpPr txBox="1"/>
           <p:nvPr>
-            <p:ph type="body" idx="1"/>
+            <p:ph idx="1" type="body"/>
           </p:nvPr>
         </p:nvSpPr>
         <p:spPr>
@@ -8875,11 +8971,11 @@
           </a:prstGeom>
         </p:spPr>
         <p:txBody>
-          <a:bodyPr spcFirstLastPara="1" wrap="square" lIns="91425" tIns="91425" rIns="91425" bIns="91425" anchor="b" anchorCtr="0">
+          <a:bodyPr anchorCtr="0" anchor="b" bIns="91425" lIns="91425" spcFirstLastPara="1" rIns="91425" wrap="square" tIns="91425">
             <a:normAutofit/>
           </a:bodyPr>
           <a:lstStyle>
-            <a:lvl1pPr marL="457200" lvl="0" indent="-228600">
+            <a:lvl1pPr indent="-228600" lvl="0" marL="457200">
               <a:lnSpc>
                 <a:spcPct val="100000"/>
               </a:lnSpc>
@@ -8894,19 +8990,15 @@
               <a:defRPr/>
             </a:lvl1pPr>
           </a:lstStyle>
-          <a:p>
-            <a:endParaRPr/>
-          </a:p>
+          <a:p/>
         </p:txBody>
       </p:sp>
       <p:sp>
         <p:nvSpPr>
           <p:cNvPr id="108" name="Google Shape;108;p10"/>
-          <p:cNvSpPr txBox="1">
-            <a:spLocks noGrp="1"/>
-          </p:cNvSpPr>
+          <p:cNvSpPr txBox="1"/>
           <p:nvPr>
-            <p:ph type="sldNum" idx="12"/>
+            <p:ph idx="12" type="sldNum"/>
           </p:nvPr>
         </p:nvSpPr>
         <p:spPr>
@@ -8919,7 +9011,7 @@
           </a:prstGeom>
         </p:spPr>
         <p:txBody>
-          <a:bodyPr spcFirstLastPara="1" wrap="square" lIns="91425" tIns="91425" rIns="91425" bIns="91425" anchor="ctr" anchorCtr="0">
+          <a:bodyPr anchorCtr="0" anchor="ctr" bIns="91425" lIns="91425" spcFirstLastPara="1" rIns="91425" wrap="square" tIns="91425">
             <a:normAutofit/>
           </a:bodyPr>
           <a:lstStyle>
@@ -8961,7 +9053,7 @@
             </a:lvl9pPr>
           </a:lstStyle>
           <a:p>
-            <a:pPr marL="0" lvl="0" indent="0" algn="r" rtl="0">
+            <a:pPr indent="0" lvl="0" marL="0" rtl="0" algn="r">
               <a:spcBef>
                 <a:spcPts val="0"/>
               </a:spcBef>
@@ -8987,19 +9079,18 @@
 </file>
 
 <file path=ppt/slideMasters/slideMaster1.xml><?xml version="1.0" encoding="utf-8"?>
-<p:sldMaster xmlns:a="http://schemas.openxmlformats.org/drawingml/2006/main" xmlns:r="http://schemas.openxmlformats.org/officeDocument/2006/relationships" xmlns:p="http://schemas.openxmlformats.org/presentationml/2006/main">
+<p:sldMaster xmlns:a="http://schemas.openxmlformats.org/drawingml/2006/main" xmlns:r="http://schemas.openxmlformats.org/officeDocument/2006/relationships" xmlns:mc="http://schemas.openxmlformats.org/markup-compatibility/2006" xmlns:mv="urn:schemas-microsoft-com:mac:vml" xmlns:p="http://schemas.openxmlformats.org/presentationml/2006/main" xmlns:c="http://schemas.openxmlformats.org/drawingml/2006/chart" xmlns:dgm="http://schemas.openxmlformats.org/drawingml/2006/diagram" xmlns:o="urn:schemas-microsoft-com:office:office" xmlns:v="urn:schemas-microsoft-com:vml" xmlns:pvml="urn:schemas-microsoft-com:office:powerpoint" xmlns:com="http://schemas.openxmlformats.org/drawingml/2006/compatibility" xmlns:p14="http://schemas.microsoft.com/office/powerpoint/2010/main" xmlns:p15="http://schemas.microsoft.com/office/powerpoint/2012/main" xmlns:ahyp="http://schemas.microsoft.com/office/drawing/2018/hyperlinkcolor">
   <p:cSld name="shift">
     <p:bg>
       <p:bgPr>
         <a:solidFill>
           <a:schemeClr val="dk1"/>
         </a:solidFill>
-        <a:effectLst/>
       </p:bgPr>
     </p:bg>
     <p:spTree>
       <p:nvGrpSpPr>
-        <p:cNvPr id="1" name="Shape 5"/>
+        <p:cNvPr id="5" name="Shape 5"/>
         <p:cNvGrpSpPr/>
         <p:nvPr/>
       </p:nvGrpSpPr>
@@ -9014,9 +9105,7 @@
       <p:sp>
         <p:nvSpPr>
           <p:cNvPr id="6" name="Google Shape;6;p1"/>
-          <p:cNvSpPr txBox="1">
-            <a:spLocks noGrp="1"/>
-          </p:cNvSpPr>
+          <p:cNvSpPr txBox="1"/>
           <p:nvPr>
             <p:ph type="title"/>
           </p:nvPr>
@@ -9035,7 +9124,7 @@
           </a:ln>
         </p:spPr>
         <p:txBody>
-          <a:bodyPr spcFirstLastPara="1" wrap="square" lIns="91425" tIns="91425" rIns="91425" bIns="91425" anchor="t" anchorCtr="0">
+          <a:bodyPr anchorCtr="0" anchor="t" bIns="91425" lIns="91425" spcFirstLastPara="1" rIns="91425" wrap="square" tIns="91425">
             <a:normAutofit/>
           </a:bodyPr>
           <a:lstStyle>
@@ -9247,19 +9336,15 @@
               </a:defRPr>
             </a:lvl9pPr>
           </a:lstStyle>
-          <a:p>
-            <a:endParaRPr/>
-          </a:p>
+          <a:p/>
         </p:txBody>
       </p:sp>
       <p:sp>
         <p:nvSpPr>
           <p:cNvPr id="7" name="Google Shape;7;p1"/>
-          <p:cNvSpPr txBox="1">
-            <a:spLocks noGrp="1"/>
-          </p:cNvSpPr>
+          <p:cNvSpPr txBox="1"/>
           <p:nvPr>
-            <p:ph type="body" idx="1"/>
+            <p:ph idx="1" type="body"/>
           </p:nvPr>
         </p:nvSpPr>
         <p:spPr>
@@ -9276,11 +9361,11 @@
           </a:ln>
         </p:spPr>
         <p:txBody>
-          <a:bodyPr spcFirstLastPara="1" wrap="square" lIns="91425" tIns="91425" rIns="91425" bIns="91425" anchor="t" anchorCtr="0">
+          <a:bodyPr anchorCtr="0" anchor="t" bIns="91425" lIns="91425" spcFirstLastPara="1" rIns="91425" wrap="square" tIns="91425">
             <a:normAutofit/>
           </a:bodyPr>
           <a:lstStyle>
-            <a:lvl1pPr marL="457200" lvl="0" indent="-311150">
+            <a:lvl1pPr indent="-311150" lvl="0" marL="457200">
               <a:lnSpc>
                 <a:spcPct val="115000"/>
               </a:lnSpc>
@@ -9306,7 +9391,7 @@
                 <a:sym typeface="Calibri"/>
               </a:defRPr>
             </a:lvl1pPr>
-            <a:lvl2pPr marL="914400" lvl="1" indent="-298450">
+            <a:lvl2pPr indent="-298450" lvl="1" marL="914400">
               <a:lnSpc>
                 <a:spcPct val="115000"/>
               </a:lnSpc>
@@ -9332,7 +9417,7 @@
                 <a:sym typeface="Calibri"/>
               </a:defRPr>
             </a:lvl2pPr>
-            <a:lvl3pPr marL="1371600" lvl="2" indent="-298450">
+            <a:lvl3pPr indent="-298450" lvl="2" marL="1371600">
               <a:lnSpc>
                 <a:spcPct val="115000"/>
               </a:lnSpc>
@@ -9358,7 +9443,7 @@
                 <a:sym typeface="Calibri"/>
               </a:defRPr>
             </a:lvl3pPr>
-            <a:lvl4pPr marL="1828800" lvl="3" indent="-298450">
+            <a:lvl4pPr indent="-298450" lvl="3" marL="1828800">
               <a:lnSpc>
                 <a:spcPct val="115000"/>
               </a:lnSpc>
@@ -9384,7 +9469,7 @@
                 <a:sym typeface="Calibri"/>
               </a:defRPr>
             </a:lvl4pPr>
-            <a:lvl5pPr marL="2286000" lvl="4" indent="-298450">
+            <a:lvl5pPr indent="-298450" lvl="4" marL="2286000">
               <a:lnSpc>
                 <a:spcPct val="115000"/>
               </a:lnSpc>
@@ -9410,7 +9495,7 @@
                 <a:sym typeface="Calibri"/>
               </a:defRPr>
             </a:lvl5pPr>
-            <a:lvl6pPr marL="2743200" lvl="5" indent="-298450">
+            <a:lvl6pPr indent="-298450" lvl="5" marL="2743200">
               <a:lnSpc>
                 <a:spcPct val="115000"/>
               </a:lnSpc>
@@ -9436,7 +9521,7 @@
                 <a:sym typeface="Calibri"/>
               </a:defRPr>
             </a:lvl6pPr>
-            <a:lvl7pPr marL="3200400" lvl="6" indent="-298450">
+            <a:lvl7pPr indent="-298450" lvl="6" marL="3200400">
               <a:lnSpc>
                 <a:spcPct val="115000"/>
               </a:lnSpc>
@@ -9462,7 +9547,7 @@
                 <a:sym typeface="Calibri"/>
               </a:defRPr>
             </a:lvl7pPr>
-            <a:lvl8pPr marL="3657600" lvl="7" indent="-298450">
+            <a:lvl8pPr indent="-298450" lvl="7" marL="3657600">
               <a:lnSpc>
                 <a:spcPct val="115000"/>
               </a:lnSpc>
@@ -9488,7 +9573,7 @@
                 <a:sym typeface="Calibri"/>
               </a:defRPr>
             </a:lvl8pPr>
-            <a:lvl9pPr marL="4114800" lvl="8" indent="-298450">
+            <a:lvl9pPr indent="-298450" lvl="8" marL="4114800">
               <a:lnSpc>
                 <a:spcPct val="115000"/>
               </a:lnSpc>
@@ -9515,19 +9600,15 @@
               </a:defRPr>
             </a:lvl9pPr>
           </a:lstStyle>
-          <a:p>
-            <a:endParaRPr/>
-          </a:p>
+          <a:p/>
         </p:txBody>
       </p:sp>
       <p:sp>
         <p:nvSpPr>
           <p:cNvPr id="8" name="Google Shape;8;p1"/>
-          <p:cNvSpPr txBox="1">
-            <a:spLocks noGrp="1"/>
-          </p:cNvSpPr>
+          <p:cNvSpPr txBox="1"/>
           <p:nvPr>
-            <p:ph type="sldNum" idx="12"/>
+            <p:ph idx="12" type="sldNum"/>
           </p:nvPr>
         </p:nvSpPr>
         <p:spPr>
@@ -9544,7 +9625,7 @@
           </a:ln>
         </p:spPr>
         <p:txBody>
-          <a:bodyPr spcFirstLastPara="1" wrap="square" lIns="91425" tIns="91425" rIns="91425" bIns="91425" anchor="ctr" anchorCtr="0">
+          <a:bodyPr anchorCtr="0" anchor="ctr" bIns="91425" lIns="91425" spcFirstLastPara="1" rIns="91425" wrap="square" tIns="91425">
             <a:normAutofit/>
           </a:bodyPr>
           <a:lstStyle>
@@ -9658,7 +9739,7 @@
             </a:lvl9pPr>
           </a:lstStyle>
           <a:p>
-            <a:pPr marL="0" lvl="0" indent="0" algn="r" rtl="0">
+            <a:pPr indent="0" lvl="0" marL="0" rtl="0" algn="r">
               <a:spcBef>
                 <a:spcPts val="0"/>
               </a:spcBef>
@@ -9677,7 +9758,7 @@
       </p:sp>
     </p:spTree>
   </p:cSld>
-  <p:clrMap bg1="lt1" tx1="dk1" bg2="dk2" tx2="lt2" accent1="accent1" accent2="accent2" accent3="accent3" accent4="accent4" accent5="accent5" accent6="accent6" hlink="hlink" folHlink="folHlink"/>
+  <p:clrMap accent1="accent1" accent2="accent2" accent3="accent3" accent4="accent4" accent5="accent5" accent6="accent6" bg1="lt1" bg2="dk2" tx1="dk1" tx2="lt2" folHlink="folHlink" hlink="hlink"/>
   <p:sldLayoutIdLst>
     <p:sldLayoutId id="2147483648" r:id="rId1"/>
     <p:sldLayoutId id="2147483649" r:id="rId2"/>
@@ -9691,10 +9772,10 @@
     <p:sldLayoutId id="2147483657" r:id="rId10"/>
     <p:sldLayoutId id="2147483658" r:id="rId11"/>
   </p:sldLayoutIdLst>
-  <p:hf sldNum="0" hdr="0" ftr="0" dt="0"/>
+  <p:hf dt="0" ftr="0" hdr="0" sldNum="0"/>
   <p:txStyles>
     <p:titleStyle>
-      <a:defPPr marR="0" lvl="0" algn="l" rtl="0">
+      <a:defPPr lvl="0" marR="0" rtl="0" algn="l">
         <a:lnSpc>
           <a:spcPct val="100000"/>
         </a:lnSpc>
@@ -9705,7 +9786,7 @@
           <a:spcPts val="0"/>
         </a:spcAft>
       </a:defPPr>
-      <a:lvl1pPr marR="0" lvl="0" algn="l" rtl="0">
+      <a:lvl1pPr lvl="0" marR="0" rtl="0" algn="l">
         <a:lnSpc>
           <a:spcPct val="100000"/>
         </a:lnSpc>
@@ -9719,7 +9800,7 @@
           <a:srgbClr val="000000"/>
         </a:buClr>
         <a:buFont typeface="Arial"/>
-        <a:defRPr sz="1400" b="0" i="0" u="none" strike="noStrike" cap="none">
+        <a:defRPr b="0" i="0" sz="1400" u="none" cap="none" strike="noStrike">
           <a:solidFill>
             <a:srgbClr val="000000"/>
           </a:solidFill>
@@ -9729,7 +9810,7 @@
           <a:sym typeface="Arial"/>
         </a:defRPr>
       </a:lvl1pPr>
-      <a:lvl2pPr marR="0" lvl="1" algn="l" rtl="0">
+      <a:lvl2pPr lvl="1" marR="0" rtl="0" algn="l">
         <a:lnSpc>
           <a:spcPct val="100000"/>
         </a:lnSpc>
@@ -9743,7 +9824,7 @@
           <a:srgbClr val="000000"/>
         </a:buClr>
         <a:buFont typeface="Arial"/>
-        <a:defRPr sz="1400" b="0" i="0" u="none" strike="noStrike" cap="none">
+        <a:defRPr b="0" i="0" sz="1400" u="none" cap="none" strike="noStrike">
           <a:solidFill>
             <a:srgbClr val="000000"/>
           </a:solidFill>
@@ -9753,7 +9834,7 @@
           <a:sym typeface="Arial"/>
         </a:defRPr>
       </a:lvl2pPr>
-      <a:lvl3pPr marR="0" lvl="2" algn="l" rtl="0">
+      <a:lvl3pPr lvl="2" marR="0" rtl="0" algn="l">
         <a:lnSpc>
           <a:spcPct val="100000"/>
         </a:lnSpc>
@@ -9767,7 +9848,7 @@
           <a:srgbClr val="000000"/>
         </a:buClr>
         <a:buFont typeface="Arial"/>
-        <a:defRPr sz="1400" b="0" i="0" u="none" strike="noStrike" cap="none">
+        <a:defRPr b="0" i="0" sz="1400" u="none" cap="none" strike="noStrike">
           <a:solidFill>
             <a:srgbClr val="000000"/>
           </a:solidFill>
@@ -9777,7 +9858,7 @@
           <a:sym typeface="Arial"/>
         </a:defRPr>
       </a:lvl3pPr>
-      <a:lvl4pPr marR="0" lvl="3" algn="l" rtl="0">
+      <a:lvl4pPr lvl="3" marR="0" rtl="0" algn="l">
         <a:lnSpc>
           <a:spcPct val="100000"/>
         </a:lnSpc>
@@ -9791,7 +9872,7 @@
           <a:srgbClr val="000000"/>
         </a:buClr>
         <a:buFont typeface="Arial"/>
-        <a:defRPr sz="1400" b="0" i="0" u="none" strike="noStrike" cap="none">
+        <a:defRPr b="0" i="0" sz="1400" u="none" cap="none" strike="noStrike">
           <a:solidFill>
             <a:srgbClr val="000000"/>
           </a:solidFill>
@@ -9801,7 +9882,7 @@
           <a:sym typeface="Arial"/>
         </a:defRPr>
       </a:lvl4pPr>
-      <a:lvl5pPr marR="0" lvl="4" algn="l" rtl="0">
+      <a:lvl5pPr lvl="4" marR="0" rtl="0" algn="l">
         <a:lnSpc>
           <a:spcPct val="100000"/>
         </a:lnSpc>
@@ -9815,7 +9896,7 @@
           <a:srgbClr val="000000"/>
         </a:buClr>
         <a:buFont typeface="Arial"/>
-        <a:defRPr sz="1400" b="0" i="0" u="none" strike="noStrike" cap="none">
+        <a:defRPr b="0" i="0" sz="1400" u="none" cap="none" strike="noStrike">
           <a:solidFill>
             <a:srgbClr val="000000"/>
           </a:solidFill>
@@ -9825,7 +9906,7 @@
           <a:sym typeface="Arial"/>
         </a:defRPr>
       </a:lvl5pPr>
-      <a:lvl6pPr marR="0" lvl="5" algn="l" rtl="0">
+      <a:lvl6pPr lvl="5" marR="0" rtl="0" algn="l">
         <a:lnSpc>
           <a:spcPct val="100000"/>
         </a:lnSpc>
@@ -9839,7 +9920,7 @@
           <a:srgbClr val="000000"/>
         </a:buClr>
         <a:buFont typeface="Arial"/>
-        <a:defRPr sz="1400" b="0" i="0" u="none" strike="noStrike" cap="none">
+        <a:defRPr b="0" i="0" sz="1400" u="none" cap="none" strike="noStrike">
           <a:solidFill>
             <a:srgbClr val="000000"/>
           </a:solidFill>
@@ -9849,7 +9930,7 @@
           <a:sym typeface="Arial"/>
         </a:defRPr>
       </a:lvl6pPr>
-      <a:lvl7pPr marR="0" lvl="6" algn="l" rtl="0">
+      <a:lvl7pPr lvl="6" marR="0" rtl="0" algn="l">
         <a:lnSpc>
           <a:spcPct val="100000"/>
         </a:lnSpc>
@@ -9863,7 +9944,7 @@
           <a:srgbClr val="000000"/>
         </a:buClr>
         <a:buFont typeface="Arial"/>
-        <a:defRPr sz="1400" b="0" i="0" u="none" strike="noStrike" cap="none">
+        <a:defRPr b="0" i="0" sz="1400" u="none" cap="none" strike="noStrike">
           <a:solidFill>
             <a:srgbClr val="000000"/>
           </a:solidFill>
@@ -9873,7 +9954,7 @@
           <a:sym typeface="Arial"/>
         </a:defRPr>
       </a:lvl7pPr>
-      <a:lvl8pPr marR="0" lvl="7" algn="l" rtl="0">
+      <a:lvl8pPr lvl="7" marR="0" rtl="0" algn="l">
         <a:lnSpc>
           <a:spcPct val="100000"/>
         </a:lnSpc>
@@ -9887,7 +9968,7 @@
           <a:srgbClr val="000000"/>
         </a:buClr>
         <a:buFont typeface="Arial"/>
-        <a:defRPr sz="1400" b="0" i="0" u="none" strike="noStrike" cap="none">
+        <a:defRPr b="0" i="0" sz="1400" u="none" cap="none" strike="noStrike">
           <a:solidFill>
             <a:srgbClr val="000000"/>
           </a:solidFill>
@@ -9897,7 +9978,7 @@
           <a:sym typeface="Arial"/>
         </a:defRPr>
       </a:lvl8pPr>
-      <a:lvl9pPr marR="0" lvl="8" algn="l" rtl="0">
+      <a:lvl9pPr lvl="8" marR="0" rtl="0" algn="l">
         <a:lnSpc>
           <a:spcPct val="100000"/>
         </a:lnSpc>
@@ -9911,7 +9992,7 @@
           <a:srgbClr val="000000"/>
         </a:buClr>
         <a:buFont typeface="Arial"/>
-        <a:defRPr sz="1400" b="0" i="0" u="none" strike="noStrike" cap="none">
+        <a:defRPr b="0" i="0" sz="1400" u="none" cap="none" strike="noStrike">
           <a:solidFill>
             <a:srgbClr val="000000"/>
           </a:solidFill>
@@ -9923,7 +10004,7 @@
       </a:lvl9pPr>
     </p:titleStyle>
     <p:bodyStyle>
-      <a:defPPr marR="0" lvl="0" algn="l" rtl="0">
+      <a:defPPr lvl="0" marR="0" rtl="0" algn="l">
         <a:lnSpc>
           <a:spcPct val="100000"/>
         </a:lnSpc>
@@ -9934,7 +10015,7 @@
           <a:spcPts val="0"/>
         </a:spcAft>
       </a:defPPr>
-      <a:lvl1pPr marR="0" lvl="0" algn="l" rtl="0">
+      <a:lvl1pPr lvl="0" marR="0" rtl="0" algn="l">
         <a:lnSpc>
           <a:spcPct val="100000"/>
         </a:lnSpc>
@@ -9948,7 +10029,7 @@
           <a:srgbClr val="000000"/>
         </a:buClr>
         <a:buFont typeface="Arial"/>
-        <a:defRPr sz="1400" b="0" i="0" u="none" strike="noStrike" cap="none">
+        <a:defRPr b="0" i="0" sz="1400" u="none" cap="none" strike="noStrike">
           <a:solidFill>
             <a:srgbClr val="000000"/>
           </a:solidFill>
@@ -9958,7 +10039,7 @@
           <a:sym typeface="Arial"/>
         </a:defRPr>
       </a:lvl1pPr>
-      <a:lvl2pPr marR="0" lvl="1" algn="l" rtl="0">
+      <a:lvl2pPr lvl="1" marR="0" rtl="0" algn="l">
         <a:lnSpc>
           <a:spcPct val="100000"/>
         </a:lnSpc>
@@ -9972,7 +10053,7 @@
           <a:srgbClr val="000000"/>
         </a:buClr>
         <a:buFont typeface="Arial"/>
-        <a:defRPr sz="1400" b="0" i="0" u="none" strike="noStrike" cap="none">
+        <a:defRPr b="0" i="0" sz="1400" u="none" cap="none" strike="noStrike">
           <a:solidFill>
             <a:srgbClr val="000000"/>
           </a:solidFill>
@@ -9982,7 +10063,7 @@
           <a:sym typeface="Arial"/>
         </a:defRPr>
       </a:lvl2pPr>
-      <a:lvl3pPr marR="0" lvl="2" algn="l" rtl="0">
+      <a:lvl3pPr lvl="2" marR="0" rtl="0" algn="l">
         <a:lnSpc>
           <a:spcPct val="100000"/>
         </a:lnSpc>
@@ -9996,7 +10077,7 @@
           <a:srgbClr val="000000"/>
         </a:buClr>
         <a:buFont typeface="Arial"/>
-        <a:defRPr sz="1400" b="0" i="0" u="none" strike="noStrike" cap="none">
+        <a:defRPr b="0" i="0" sz="1400" u="none" cap="none" strike="noStrike">
           <a:solidFill>
             <a:srgbClr val="000000"/>
           </a:solidFill>
@@ -10006,7 +10087,7 @@
           <a:sym typeface="Arial"/>
         </a:defRPr>
       </a:lvl3pPr>
-      <a:lvl4pPr marR="0" lvl="3" algn="l" rtl="0">
+      <a:lvl4pPr lvl="3" marR="0" rtl="0" algn="l">
         <a:lnSpc>
           <a:spcPct val="100000"/>
         </a:lnSpc>
@@ -10020,7 +10101,7 @@
           <a:srgbClr val="000000"/>
         </a:buClr>
         <a:buFont typeface="Arial"/>
-        <a:defRPr sz="1400" b="0" i="0" u="none" strike="noStrike" cap="none">
+        <a:defRPr b="0" i="0" sz="1400" u="none" cap="none" strike="noStrike">
           <a:solidFill>
             <a:srgbClr val="000000"/>
           </a:solidFill>
@@ -10030,7 +10111,7 @@
           <a:sym typeface="Arial"/>
         </a:defRPr>
       </a:lvl4pPr>
-      <a:lvl5pPr marR="0" lvl="4" algn="l" rtl="0">
+      <a:lvl5pPr lvl="4" marR="0" rtl="0" algn="l">
         <a:lnSpc>
           <a:spcPct val="100000"/>
         </a:lnSpc>
@@ -10044,7 +10125,7 @@
           <a:srgbClr val="000000"/>
         </a:buClr>
         <a:buFont typeface="Arial"/>
-        <a:defRPr sz="1400" b="0" i="0" u="none" strike="noStrike" cap="none">
+        <a:defRPr b="0" i="0" sz="1400" u="none" cap="none" strike="noStrike">
           <a:solidFill>
             <a:srgbClr val="000000"/>
           </a:solidFill>
@@ -10054,7 +10135,7 @@
           <a:sym typeface="Arial"/>
         </a:defRPr>
       </a:lvl5pPr>
-      <a:lvl6pPr marR="0" lvl="5" algn="l" rtl="0">
+      <a:lvl6pPr lvl="5" marR="0" rtl="0" algn="l">
         <a:lnSpc>
           <a:spcPct val="100000"/>
         </a:lnSpc>
@@ -10068,7 +10149,7 @@
           <a:srgbClr val="000000"/>
         </a:buClr>
         <a:buFont typeface="Arial"/>
-        <a:defRPr sz="1400" b="0" i="0" u="none" strike="noStrike" cap="none">
+        <a:defRPr b="0" i="0" sz="1400" u="none" cap="none" strike="noStrike">
           <a:solidFill>
             <a:srgbClr val="000000"/>
           </a:solidFill>
@@ -10078,7 +10159,7 @@
           <a:sym typeface="Arial"/>
         </a:defRPr>
       </a:lvl6pPr>
-      <a:lvl7pPr marR="0" lvl="6" algn="l" rtl="0">
+      <a:lvl7pPr lvl="6" marR="0" rtl="0" algn="l">
         <a:lnSpc>
           <a:spcPct val="100000"/>
         </a:lnSpc>
@@ -10092,7 +10173,7 @@
           <a:srgbClr val="000000"/>
         </a:buClr>
         <a:buFont typeface="Arial"/>
-        <a:defRPr sz="1400" b="0" i="0" u="none" strike="noStrike" cap="none">
+        <a:defRPr b="0" i="0" sz="1400" u="none" cap="none" strike="noStrike">
           <a:solidFill>
             <a:srgbClr val="000000"/>
           </a:solidFill>
@@ -10102,7 +10183,7 @@
           <a:sym typeface="Arial"/>
         </a:defRPr>
       </a:lvl7pPr>
-      <a:lvl8pPr marR="0" lvl="7" algn="l" rtl="0">
+      <a:lvl8pPr lvl="7" marR="0" rtl="0" algn="l">
         <a:lnSpc>
           <a:spcPct val="100000"/>
         </a:lnSpc>
@@ -10116,7 +10197,7 @@
           <a:srgbClr val="000000"/>
         </a:buClr>
         <a:buFont typeface="Arial"/>
-        <a:defRPr sz="1400" b="0" i="0" u="none" strike="noStrike" cap="none">
+        <a:defRPr b="0" i="0" sz="1400" u="none" cap="none" strike="noStrike">
           <a:solidFill>
             <a:srgbClr val="000000"/>
           </a:solidFill>
@@ -10126,7 +10207,7 @@
           <a:sym typeface="Arial"/>
         </a:defRPr>
       </a:lvl8pPr>
-      <a:lvl9pPr marR="0" lvl="8" algn="l" rtl="0">
+      <a:lvl9pPr lvl="8" marR="0" rtl="0" algn="l">
         <a:lnSpc>
           <a:spcPct val="100000"/>
         </a:lnSpc>
@@ -10140,7 +10221,7 @@
           <a:srgbClr val="000000"/>
         </a:buClr>
         <a:buFont typeface="Arial"/>
-        <a:defRPr sz="1400" b="0" i="0" u="none" strike="noStrike" cap="none">
+        <a:defRPr b="0" i="0" sz="1400" u="none" cap="none" strike="noStrike">
           <a:solidFill>
             <a:srgbClr val="000000"/>
           </a:solidFill>
@@ -10152,7 +10233,7 @@
       </a:lvl9pPr>
     </p:bodyStyle>
     <p:otherStyle>
-      <a:defPPr marR="0" lvl="0" algn="l" rtl="0">
+      <a:defPPr lvl="0" marR="0" rtl="0" algn="l">
         <a:lnSpc>
           <a:spcPct val="100000"/>
         </a:lnSpc>
@@ -10163,7 +10244,7 @@
           <a:spcPts val="0"/>
         </a:spcAft>
       </a:defPPr>
-      <a:lvl1pPr marR="0" lvl="0" algn="l" rtl="0">
+      <a:lvl1pPr lvl="0" marR="0" rtl="0" algn="l">
         <a:lnSpc>
           <a:spcPct val="100000"/>
         </a:lnSpc>
@@ -10177,7 +10258,7 @@
           <a:srgbClr val="000000"/>
         </a:buClr>
         <a:buFont typeface="Arial"/>
-        <a:defRPr sz="1400" b="0" i="0" u="none" strike="noStrike" cap="none">
+        <a:defRPr b="0" i="0" sz="1400" u="none" cap="none" strike="noStrike">
           <a:solidFill>
             <a:srgbClr val="000000"/>
           </a:solidFill>
@@ -10187,7 +10268,7 @@
           <a:sym typeface="Arial"/>
         </a:defRPr>
       </a:lvl1pPr>
-      <a:lvl2pPr marR="0" lvl="1" algn="l" rtl="0">
+      <a:lvl2pPr lvl="1" marR="0" rtl="0" algn="l">
         <a:lnSpc>
           <a:spcPct val="100000"/>
         </a:lnSpc>
@@ -10201,7 +10282,7 @@
           <a:srgbClr val="000000"/>
         </a:buClr>
         <a:buFont typeface="Arial"/>
-        <a:defRPr sz="1400" b="0" i="0" u="none" strike="noStrike" cap="none">
+        <a:defRPr b="0" i="0" sz="1400" u="none" cap="none" strike="noStrike">
           <a:solidFill>
             <a:srgbClr val="000000"/>
           </a:solidFill>
@@ -10211,7 +10292,7 @@
           <a:sym typeface="Arial"/>
         </a:defRPr>
       </a:lvl2pPr>
-      <a:lvl3pPr marR="0" lvl="2" algn="l" rtl="0">
+      <a:lvl3pPr lvl="2" marR="0" rtl="0" algn="l">
         <a:lnSpc>
           <a:spcPct val="100000"/>
         </a:lnSpc>
@@ -10225,7 +10306,7 @@
           <a:srgbClr val="000000"/>
         </a:buClr>
         <a:buFont typeface="Arial"/>
-        <a:defRPr sz="1400" b="0" i="0" u="none" strike="noStrike" cap="none">
+        <a:defRPr b="0" i="0" sz="1400" u="none" cap="none" strike="noStrike">
           <a:solidFill>
             <a:srgbClr val="000000"/>
           </a:solidFill>
@@ -10235,7 +10316,7 @@
           <a:sym typeface="Arial"/>
         </a:defRPr>
       </a:lvl3pPr>
-      <a:lvl4pPr marR="0" lvl="3" algn="l" rtl="0">
+      <a:lvl4pPr lvl="3" marR="0" rtl="0" algn="l">
         <a:lnSpc>
           <a:spcPct val="100000"/>
         </a:lnSpc>
@@ -10249,7 +10330,7 @@
           <a:srgbClr val="000000"/>
         </a:buClr>
         <a:buFont typeface="Arial"/>
-        <a:defRPr sz="1400" b="0" i="0" u="none" strike="noStrike" cap="none">
+        <a:defRPr b="0" i="0" sz="1400" u="none" cap="none" strike="noStrike">
           <a:solidFill>
             <a:srgbClr val="000000"/>
           </a:solidFill>
@@ -10259,7 +10340,7 @@
           <a:sym typeface="Arial"/>
         </a:defRPr>
       </a:lvl4pPr>
-      <a:lvl5pPr marR="0" lvl="4" algn="l" rtl="0">
+      <a:lvl5pPr lvl="4" marR="0" rtl="0" algn="l">
         <a:lnSpc>
           <a:spcPct val="100000"/>
         </a:lnSpc>
@@ -10273,7 +10354,7 @@
           <a:srgbClr val="000000"/>
         </a:buClr>
         <a:buFont typeface="Arial"/>
-        <a:defRPr sz="1400" b="0" i="0" u="none" strike="noStrike" cap="none">
+        <a:defRPr b="0" i="0" sz="1400" u="none" cap="none" strike="noStrike">
           <a:solidFill>
             <a:srgbClr val="000000"/>
           </a:solidFill>
@@ -10283,7 +10364,7 @@
           <a:sym typeface="Arial"/>
         </a:defRPr>
       </a:lvl5pPr>
-      <a:lvl6pPr marR="0" lvl="5" algn="l" rtl="0">
+      <a:lvl6pPr lvl="5" marR="0" rtl="0" algn="l">
         <a:lnSpc>
           <a:spcPct val="100000"/>
         </a:lnSpc>
@@ -10297,7 +10378,7 @@
           <a:srgbClr val="000000"/>
         </a:buClr>
         <a:buFont typeface="Arial"/>
-        <a:defRPr sz="1400" b="0" i="0" u="none" strike="noStrike" cap="none">
+        <a:defRPr b="0" i="0" sz="1400" u="none" cap="none" strike="noStrike">
           <a:solidFill>
             <a:srgbClr val="000000"/>
           </a:solidFill>
@@ -10307,7 +10388,7 @@
           <a:sym typeface="Arial"/>
         </a:defRPr>
       </a:lvl6pPr>
-      <a:lvl7pPr marR="0" lvl="6" algn="l" rtl="0">
+      <a:lvl7pPr lvl="6" marR="0" rtl="0" algn="l">
         <a:lnSpc>
           <a:spcPct val="100000"/>
         </a:lnSpc>
@@ -10321,7 +10402,7 @@
           <a:srgbClr val="000000"/>
         </a:buClr>
         <a:buFont typeface="Arial"/>
-        <a:defRPr sz="1400" b="0" i="0" u="none" strike="noStrike" cap="none">
+        <a:defRPr b="0" i="0" sz="1400" u="none" cap="none" strike="noStrike">
           <a:solidFill>
             <a:srgbClr val="000000"/>
           </a:solidFill>
@@ -10331,7 +10412,7 @@
           <a:sym typeface="Arial"/>
         </a:defRPr>
       </a:lvl7pPr>
-      <a:lvl8pPr marR="0" lvl="7" algn="l" rtl="0">
+      <a:lvl8pPr lvl="7" marR="0" rtl="0" algn="l">
         <a:lnSpc>
           <a:spcPct val="100000"/>
         </a:lnSpc>
@@ -10345,7 +10426,7 @@
           <a:srgbClr val="000000"/>
         </a:buClr>
         <a:buFont typeface="Arial"/>
-        <a:defRPr sz="1400" b="0" i="0" u="none" strike="noStrike" cap="none">
+        <a:defRPr b="0" i="0" sz="1400" u="none" cap="none" strike="noStrike">
           <a:solidFill>
             <a:srgbClr val="000000"/>
           </a:solidFill>
@@ -10355,7 +10436,7 @@
           <a:sym typeface="Arial"/>
         </a:defRPr>
       </a:lvl8pPr>
-      <a:lvl9pPr marR="0" lvl="8" algn="l" rtl="0">
+      <a:lvl9pPr lvl="8" marR="0" rtl="0" algn="l">
         <a:lnSpc>
           <a:spcPct val="100000"/>
         </a:lnSpc>
@@ -10369,7 +10450,7 @@
           <a:srgbClr val="000000"/>
         </a:buClr>
         <a:buFont typeface="Arial"/>
-        <a:defRPr sz="1400" b="0" i="0" u="none" strike="noStrike" cap="none">
+        <a:defRPr b="0" i="0" sz="1400" u="none" cap="none" strike="noStrike">
           <a:solidFill>
             <a:srgbClr val="000000"/>
           </a:solidFill>
@@ -10385,17 +10466,16 @@
 </file>
 
 <file path=ppt/slides/slide1.xml><?xml version="1.0" encoding="utf-8"?>
-<p:sld xmlns:a="http://schemas.openxmlformats.org/drawingml/2006/main" xmlns:r="http://schemas.openxmlformats.org/officeDocument/2006/relationships" xmlns:p="http://schemas.openxmlformats.org/presentationml/2006/main">
+<p:sld xmlns:a="http://schemas.openxmlformats.org/drawingml/2006/main" xmlns:r="http://schemas.openxmlformats.org/officeDocument/2006/relationships" xmlns:mc="http://schemas.openxmlformats.org/markup-compatibility/2006" xmlns:mv="urn:schemas-microsoft-com:mac:vml" xmlns:p="http://schemas.openxmlformats.org/presentationml/2006/main" xmlns:c="http://schemas.openxmlformats.org/drawingml/2006/chart" xmlns:dgm="http://schemas.openxmlformats.org/drawingml/2006/diagram" xmlns:o="urn:schemas-microsoft-com:office:office" xmlns:v="urn:schemas-microsoft-com:vml" xmlns:pvml="urn:schemas-microsoft-com:office:powerpoint" xmlns:com="http://schemas.openxmlformats.org/drawingml/2006/compatibility" xmlns:p14="http://schemas.microsoft.com/office/powerpoint/2010/main" xmlns:p15="http://schemas.microsoft.com/office/powerpoint/2012/main" xmlns:ahyp="http://schemas.microsoft.com/office/drawing/2018/hyperlinkcolor">
   <p:cSld>
     <p:bg>
       <p:bgPr>
         <a:noFill/>
-        <a:effectLst/>
       </p:bgPr>
     </p:bg>
     <p:spTree>
       <p:nvGrpSpPr>
-        <p:cNvPr id="1" name="Shape 127"/>
+        <p:cNvPr id="127" name="Shape 127"/>
         <p:cNvGrpSpPr/>
         <p:nvPr/>
       </p:nvGrpSpPr>
@@ -10410,9 +10490,7 @@
       <p:sp>
         <p:nvSpPr>
           <p:cNvPr id="128" name="Google Shape;128;p13"/>
-          <p:cNvSpPr txBox="1">
-            <a:spLocks noGrp="1"/>
-          </p:cNvSpPr>
+          <p:cNvSpPr txBox="1"/>
           <p:nvPr>
             <p:ph type="ctrTitle"/>
           </p:nvPr>
@@ -10427,12 +10505,12 @@
           </a:prstGeom>
         </p:spPr>
         <p:txBody>
-          <a:bodyPr spcFirstLastPara="1" wrap="square" lIns="91425" tIns="91425" rIns="91425" bIns="91425" anchor="ctr" anchorCtr="0">
+          <a:bodyPr anchorCtr="0" anchor="ctr" bIns="91425" lIns="91425" spcFirstLastPara="1" rIns="91425" wrap="square" tIns="91425">
             <a:normAutofit/>
           </a:bodyPr>
           <a:lstStyle/>
           <a:p>
-            <a:pPr marL="0" lvl="0" indent="0" algn="ctr" rtl="0">
+            <a:pPr indent="0" lvl="0" marL="0" rtl="0" algn="ctr">
               <a:spcBef>
                 <a:spcPts val="0"/>
               </a:spcBef>
@@ -10460,11 +10538,9 @@
       <p:sp>
         <p:nvSpPr>
           <p:cNvPr id="129" name="Google Shape;129;p13"/>
-          <p:cNvSpPr txBox="1">
-            <a:spLocks noGrp="1"/>
-          </p:cNvSpPr>
+          <p:cNvSpPr txBox="1"/>
           <p:nvPr>
-            <p:ph type="subTitle" idx="1"/>
+            <p:ph idx="1" type="subTitle"/>
           </p:nvPr>
         </p:nvSpPr>
         <p:spPr>
@@ -10477,12 +10553,12 @@
           </a:prstGeom>
         </p:spPr>
         <p:txBody>
-          <a:bodyPr spcFirstLastPara="1" wrap="square" lIns="91425" tIns="91425" rIns="91425" bIns="91425" anchor="t" anchorCtr="0">
+          <a:bodyPr anchorCtr="0" anchor="t" bIns="91425" lIns="91425" spcFirstLastPara="1" rIns="91425" wrap="square" tIns="91425">
             <a:noAutofit/>
           </a:bodyPr>
           <a:lstStyle/>
           <a:p>
-            <a:pPr marL="0" lvl="0" indent="0" algn="l" rtl="0">
+            <a:pPr indent="0" lvl="0" marL="0" rtl="0" algn="l">
               <a:spcBef>
                 <a:spcPts val="0"/>
               </a:spcBef>
@@ -10517,7 +10593,7 @@
             </a:endParaRPr>
           </a:p>
           <a:p>
-            <a:pPr marL="0" lvl="0" indent="0" algn="ctr" rtl="0">
+            <a:pPr indent="0" lvl="0" marL="0" rtl="0" algn="ctr">
               <a:spcBef>
                 <a:spcPts val="0"/>
               </a:spcBef>
@@ -10526,6 +10602,9 @@
               </a:spcAft>
               <a:buNone/>
             </a:pPr>
+            <a:r>
+              <a:t/>
+            </a:r>
             <a:endParaRPr/>
           </a:p>
         </p:txBody>
@@ -10539,11 +10618,107 @@
 </file>
 
 <file path=ppt/slides/slide10.xml><?xml version="1.0" encoding="utf-8"?>
-<p:sld xmlns:a="http://schemas.openxmlformats.org/drawingml/2006/main" xmlns:r="http://schemas.openxmlformats.org/officeDocument/2006/relationships" xmlns:p="http://schemas.openxmlformats.org/presentationml/2006/main">
+<p:sld xmlns:a="http://schemas.openxmlformats.org/drawingml/2006/main" xmlns:r="http://schemas.openxmlformats.org/officeDocument/2006/relationships" xmlns:mc="http://schemas.openxmlformats.org/markup-compatibility/2006" xmlns:mv="urn:schemas-microsoft-com:mac:vml" xmlns:p="http://schemas.openxmlformats.org/presentationml/2006/main" xmlns:c="http://schemas.openxmlformats.org/drawingml/2006/chart" xmlns:dgm="http://schemas.openxmlformats.org/drawingml/2006/diagram" xmlns:o="urn:schemas-microsoft-com:office:office" xmlns:v="urn:schemas-microsoft-com:vml" xmlns:pvml="urn:schemas-microsoft-com:office:powerpoint" xmlns:com="http://schemas.openxmlformats.org/drawingml/2006/compatibility" xmlns:p14="http://schemas.microsoft.com/office/powerpoint/2010/main" xmlns:p15="http://schemas.microsoft.com/office/powerpoint/2012/main" xmlns:ahyp="http://schemas.microsoft.com/office/drawing/2018/hyperlinkcolor">
   <p:cSld>
     <p:spTree>
       <p:nvGrpSpPr>
-        <p:cNvPr id="1" name="Shape 189"/>
+        <p:cNvPr id="183" name="Shape 183"/>
+        <p:cNvGrpSpPr/>
+        <p:nvPr/>
+      </p:nvGrpSpPr>
+      <p:grpSpPr>
+        <a:xfrm>
+          <a:off x="0" y="0"/>
+          <a:ext cx="0" cy="0"/>
+          <a:chOff x="0" y="0"/>
+          <a:chExt cx="0" cy="0"/>
+        </a:xfrm>
+      </p:grpSpPr>
+      <p:sp>
+        <p:nvSpPr>
+          <p:cNvPr id="184" name="Google Shape;184;p22"/>
+          <p:cNvSpPr txBox="1"/>
+          <p:nvPr>
+            <p:ph type="title"/>
+          </p:nvPr>
+        </p:nvSpPr>
+        <p:spPr>
+          <a:xfrm>
+            <a:off x="1888684" y="1746100"/>
+            <a:ext cx="5377500" cy="1646100"/>
+          </a:xfrm>
+          <a:prstGeom prst="rect">
+            <a:avLst/>
+          </a:prstGeom>
+        </p:spPr>
+        <p:txBody>
+          <a:bodyPr anchorCtr="0" anchor="ctr" bIns="91425" lIns="91425" spcFirstLastPara="1" rIns="91425" wrap="square" tIns="91425">
+            <a:normAutofit/>
+          </a:bodyPr>
+          <a:lstStyle/>
+          <a:p>
+            <a:pPr indent="0" lvl="0" marL="0" rtl="0" algn="l">
+              <a:lnSpc>
+                <a:spcPct val="115000"/>
+              </a:lnSpc>
+              <a:spcBef>
+                <a:spcPts val="0"/>
+              </a:spcBef>
+              <a:spcAft>
+                <a:spcPts val="0"/>
+              </a:spcAft>
+              <a:buNone/>
+            </a:pPr>
+            <a:r>
+              <a:rPr lang="en" sz="2200">
+                <a:latin typeface="Calibri"/>
+                <a:ea typeface="Calibri"/>
+                <a:cs typeface="Calibri"/>
+                <a:sym typeface="Calibri"/>
+              </a:rPr>
+              <a:t>The Components</a:t>
+            </a:r>
+            <a:endParaRPr sz="1400">
+              <a:solidFill>
+                <a:srgbClr val="000000"/>
+              </a:solidFill>
+              <a:latin typeface="Arial"/>
+              <a:ea typeface="Arial"/>
+              <a:cs typeface="Arial"/>
+              <a:sym typeface="Arial"/>
+            </a:endParaRPr>
+          </a:p>
+          <a:p>
+            <a:pPr indent="0" lvl="0" marL="0" rtl="0" algn="ctr">
+              <a:spcBef>
+                <a:spcPts val="1200"/>
+              </a:spcBef>
+              <a:spcAft>
+                <a:spcPts val="0"/>
+              </a:spcAft>
+              <a:buNone/>
+            </a:pPr>
+            <a:r>
+              <a:t/>
+            </a:r>
+            <a:endParaRPr/>
+          </a:p>
+        </p:txBody>
+      </p:sp>
+    </p:spTree>
+  </p:cSld>
+  <p:clrMapOvr>
+    <a:masterClrMapping/>
+  </p:clrMapOvr>
+</p:sld>
+</file>
+
+<file path=ppt/slides/slide11.xml><?xml version="1.0" encoding="utf-8"?>
+<p:sld xmlns:a="http://schemas.openxmlformats.org/drawingml/2006/main" xmlns:r="http://schemas.openxmlformats.org/officeDocument/2006/relationships" xmlns:mc="http://schemas.openxmlformats.org/markup-compatibility/2006" xmlns:mv="urn:schemas-microsoft-com:mac:vml" xmlns:p="http://schemas.openxmlformats.org/presentationml/2006/main" xmlns:c="http://schemas.openxmlformats.org/drawingml/2006/chart" xmlns:dgm="http://schemas.openxmlformats.org/drawingml/2006/diagram" xmlns:o="urn:schemas-microsoft-com:office:office" xmlns:v="urn:schemas-microsoft-com:vml" xmlns:pvml="urn:schemas-microsoft-com:office:powerpoint" xmlns:com="http://schemas.openxmlformats.org/drawingml/2006/compatibility" xmlns:p14="http://schemas.microsoft.com/office/powerpoint/2010/main" xmlns:p15="http://schemas.microsoft.com/office/powerpoint/2012/main" xmlns:ahyp="http://schemas.microsoft.com/office/drawing/2018/hyperlinkcolor">
+  <p:cSld>
+    <p:spTree>
+      <p:nvGrpSpPr>
+        <p:cNvPr id="188" name="Shape 188"/>
         <p:cNvGrpSpPr/>
         <p:nvPr/>
       </p:nvGrpSpPr>
@@ -10557,7 +10732,7 @@
       </p:grpSpPr>
       <p:pic>
         <p:nvPicPr>
-          <p:cNvPr id="190" name="Google Shape;190;p23"/>
+          <p:cNvPr id="189" name="Google Shape;189;p23"/>
           <p:cNvPicPr preferRelativeResize="0"/>
           <p:nvPr/>
         </p:nvPicPr>
@@ -10573,59 +10748,6 @@
           <a:xfrm>
             <a:off x="565638" y="249175"/>
             <a:ext cx="8012724" cy="4645150"/>
-          </a:xfrm>
-          <a:prstGeom prst="rect">
-            <a:avLst/>
-          </a:prstGeom>
-          <a:noFill/>
-          <a:ln>
-            <a:noFill/>
-          </a:ln>
-        </p:spPr>
-      </p:pic>
-    </p:spTree>
-  </p:cSld>
-  <p:clrMapOvr>
-    <a:masterClrMapping/>
-  </p:clrMapOvr>
-</p:sld>
-</file>
-
-<file path=ppt/slides/slide11.xml><?xml version="1.0" encoding="utf-8"?>
-<p:sld xmlns:a="http://schemas.openxmlformats.org/drawingml/2006/main" xmlns:r="http://schemas.openxmlformats.org/officeDocument/2006/relationships" xmlns:p="http://schemas.openxmlformats.org/presentationml/2006/main">
-  <p:cSld>
-    <p:spTree>
-      <p:nvGrpSpPr>
-        <p:cNvPr id="1" name="Shape 194"/>
-        <p:cNvGrpSpPr/>
-        <p:nvPr/>
-      </p:nvGrpSpPr>
-      <p:grpSpPr>
-        <a:xfrm>
-          <a:off x="0" y="0"/>
-          <a:ext cx="0" cy="0"/>
-          <a:chOff x="0" y="0"/>
-          <a:chExt cx="0" cy="0"/>
-        </a:xfrm>
-      </p:grpSpPr>
-      <p:pic>
-        <p:nvPicPr>
-          <p:cNvPr id="195" name="Google Shape;195;p24"/>
-          <p:cNvPicPr preferRelativeResize="0"/>
-          <p:nvPr/>
-        </p:nvPicPr>
-        <p:blipFill>
-          <a:blip r:embed="rId3">
-            <a:alphaModFix/>
-          </a:blip>
-          <a:stretch>
-            <a:fillRect/>
-          </a:stretch>
-        </p:blipFill>
-        <p:spPr>
-          <a:xfrm>
-            <a:off x="586800" y="180013"/>
-            <a:ext cx="7970399" cy="4783475"/>
           </a:xfrm>
           <a:prstGeom prst="rect">
             <a:avLst/>
@@ -10645,11 +10767,11 @@
 </file>
 
 <file path=ppt/slides/slide12.xml><?xml version="1.0" encoding="utf-8"?>
-<p:sld xmlns:a="http://schemas.openxmlformats.org/drawingml/2006/main" xmlns:r="http://schemas.openxmlformats.org/officeDocument/2006/relationships" xmlns:p="http://schemas.openxmlformats.org/presentationml/2006/main">
+<p:sld xmlns:a="http://schemas.openxmlformats.org/drawingml/2006/main" xmlns:r="http://schemas.openxmlformats.org/officeDocument/2006/relationships" xmlns:mc="http://schemas.openxmlformats.org/markup-compatibility/2006" xmlns:mv="urn:schemas-microsoft-com:mac:vml" xmlns:p="http://schemas.openxmlformats.org/presentationml/2006/main" xmlns:c="http://schemas.openxmlformats.org/drawingml/2006/chart" xmlns:dgm="http://schemas.openxmlformats.org/drawingml/2006/diagram" xmlns:o="urn:schemas-microsoft-com:office:office" xmlns:v="urn:schemas-microsoft-com:vml" xmlns:pvml="urn:schemas-microsoft-com:office:powerpoint" xmlns:com="http://schemas.openxmlformats.org/drawingml/2006/compatibility" xmlns:p14="http://schemas.microsoft.com/office/powerpoint/2010/main" xmlns:p15="http://schemas.microsoft.com/office/powerpoint/2012/main" xmlns:ahyp="http://schemas.microsoft.com/office/drawing/2018/hyperlinkcolor">
   <p:cSld>
     <p:spTree>
       <p:nvGrpSpPr>
-        <p:cNvPr id="1" name="Shape 199"/>
+        <p:cNvPr id="193" name="Shape 193"/>
         <p:cNvGrpSpPr/>
         <p:nvPr/>
       </p:nvGrpSpPr>
@@ -10663,7 +10785,7 @@
       </p:grpSpPr>
       <p:pic>
         <p:nvPicPr>
-          <p:cNvPr id="200" name="Google Shape;200;p25"/>
+          <p:cNvPr id="194" name="Google Shape;194;p24"/>
           <p:cNvPicPr preferRelativeResize="0"/>
           <p:nvPr/>
         </p:nvPicPr>
@@ -10677,8 +10799,8 @@
         </p:blipFill>
         <p:spPr>
           <a:xfrm>
-            <a:off x="5759395" y="1"/>
-            <a:ext cx="3384606" cy="5143500"/>
+            <a:off x="586800" y="180013"/>
+            <a:ext cx="7970399" cy="4783475"/>
           </a:xfrm>
           <a:prstGeom prst="rect">
             <a:avLst/>
@@ -10698,11 +10820,90 @@
 </file>
 
 <file path=ppt/slides/slide13.xml><?xml version="1.0" encoding="utf-8"?>
-<p:sld xmlns:a="http://schemas.openxmlformats.org/drawingml/2006/main" xmlns:r="http://schemas.openxmlformats.org/officeDocument/2006/relationships" xmlns:p="http://schemas.openxmlformats.org/presentationml/2006/main">
+<p:sld xmlns:a="http://schemas.openxmlformats.org/drawingml/2006/main" xmlns:r="http://schemas.openxmlformats.org/officeDocument/2006/relationships" xmlns:mc="http://schemas.openxmlformats.org/markup-compatibility/2006" xmlns:mv="urn:schemas-microsoft-com:mac:vml" xmlns:p="http://schemas.openxmlformats.org/presentationml/2006/main" xmlns:c="http://schemas.openxmlformats.org/drawingml/2006/chart" xmlns:dgm="http://schemas.openxmlformats.org/drawingml/2006/diagram" xmlns:o="urn:schemas-microsoft-com:office:office" xmlns:v="urn:schemas-microsoft-com:vml" xmlns:pvml="urn:schemas-microsoft-com:office:powerpoint" xmlns:com="http://schemas.openxmlformats.org/drawingml/2006/compatibility" xmlns:p14="http://schemas.microsoft.com/office/powerpoint/2010/main" xmlns:p15="http://schemas.microsoft.com/office/powerpoint/2012/main" xmlns:ahyp="http://schemas.microsoft.com/office/drawing/2018/hyperlinkcolor">
   <p:cSld>
     <p:spTree>
       <p:nvGrpSpPr>
-        <p:cNvPr id="1" name="Shape 204"/>
+        <p:cNvPr id="198" name="Shape 198"/>
+        <p:cNvGrpSpPr/>
+        <p:nvPr/>
+      </p:nvGrpSpPr>
+      <p:grpSpPr>
+        <a:xfrm>
+          <a:off x="0" y="0"/>
+          <a:ext cx="0" cy="0"/>
+          <a:chOff x="0" y="0"/>
+          <a:chExt cx="0" cy="0"/>
+        </a:xfrm>
+      </p:grpSpPr>
+      <p:pic>
+        <p:nvPicPr>
+          <p:cNvPr id="199" name="Google Shape;199;p25"/>
+          <p:cNvPicPr preferRelativeResize="0"/>
+          <p:nvPr/>
+        </p:nvPicPr>
+        <p:blipFill rotWithShape="1">
+          <a:blip r:embed="rId3">
+            <a:alphaModFix/>
+          </a:blip>
+          <a:srcRect b="51126" l="0" r="0" t="0"/>
+          <a:stretch/>
+        </p:blipFill>
+        <p:spPr>
+          <a:xfrm>
+            <a:off x="309575" y="1079400"/>
+            <a:ext cx="4652675" cy="3455576"/>
+          </a:xfrm>
+          <a:prstGeom prst="rect">
+            <a:avLst/>
+          </a:prstGeom>
+          <a:noFill/>
+          <a:ln>
+            <a:noFill/>
+          </a:ln>
+        </p:spPr>
+      </p:pic>
+      <p:pic>
+        <p:nvPicPr>
+          <p:cNvPr id="200" name="Google Shape;200;p25"/>
+          <p:cNvPicPr preferRelativeResize="0"/>
+          <p:nvPr/>
+        </p:nvPicPr>
+        <p:blipFill rotWithShape="1">
+          <a:blip r:embed="rId3">
+            <a:alphaModFix/>
+          </a:blip>
+          <a:srcRect b="0" l="0" r="0" t="0"/>
+          <a:stretch/>
+        </p:blipFill>
+        <p:spPr>
+          <a:xfrm>
+            <a:off x="5731895" y="203126"/>
+            <a:ext cx="3384606" cy="5143535"/>
+          </a:xfrm>
+          <a:prstGeom prst="rect">
+            <a:avLst/>
+          </a:prstGeom>
+          <a:noFill/>
+          <a:ln>
+            <a:noFill/>
+          </a:ln>
+        </p:spPr>
+      </p:pic>
+    </p:spTree>
+  </p:cSld>
+  <p:clrMapOvr>
+    <a:masterClrMapping/>
+  </p:clrMapOvr>
+</p:sld>
+</file>
+
+<file path=ppt/slides/slide14.xml><?xml version="1.0" encoding="utf-8"?>
+<p:sld xmlns:a="http://schemas.openxmlformats.org/drawingml/2006/main" xmlns:r="http://schemas.openxmlformats.org/officeDocument/2006/relationships" xmlns:mc="http://schemas.openxmlformats.org/markup-compatibility/2006" xmlns:mv="urn:schemas-microsoft-com:mac:vml" xmlns:p="http://schemas.openxmlformats.org/presentationml/2006/main" xmlns:c="http://schemas.openxmlformats.org/drawingml/2006/chart" xmlns:dgm="http://schemas.openxmlformats.org/drawingml/2006/diagram" xmlns:o="urn:schemas-microsoft-com:office:office" xmlns:v="urn:schemas-microsoft-com:vml" xmlns:pvml="urn:schemas-microsoft-com:office:powerpoint" xmlns:com="http://schemas.openxmlformats.org/drawingml/2006/compatibility" xmlns:p14="http://schemas.microsoft.com/office/powerpoint/2010/main" xmlns:p15="http://schemas.microsoft.com/office/powerpoint/2012/main" xmlns:ahyp="http://schemas.microsoft.com/office/drawing/2018/hyperlinkcolor">
+  <p:cSld>
+    <p:spTree>
+      <p:nvGrpSpPr>
+        <p:cNvPr id="204" name="Shape 204"/>
         <p:cNvGrpSpPr/>
         <p:nvPr/>
       </p:nvGrpSpPr>
@@ -10750,12 +10951,12 @@
 </p:sld>
 </file>
 
-<file path=ppt/slides/slide14.xml><?xml version="1.0" encoding="utf-8"?>
-<p:sld xmlns:a="http://schemas.openxmlformats.org/drawingml/2006/main" xmlns:r="http://schemas.openxmlformats.org/officeDocument/2006/relationships" xmlns:p="http://schemas.openxmlformats.org/presentationml/2006/main">
+<file path=ppt/slides/slide15.xml><?xml version="1.0" encoding="utf-8"?>
+<p:sld xmlns:a="http://schemas.openxmlformats.org/drawingml/2006/main" xmlns:r="http://schemas.openxmlformats.org/officeDocument/2006/relationships" xmlns:mc="http://schemas.openxmlformats.org/markup-compatibility/2006" xmlns:mv="urn:schemas-microsoft-com:mac:vml" xmlns:p="http://schemas.openxmlformats.org/presentationml/2006/main" xmlns:c="http://schemas.openxmlformats.org/drawingml/2006/chart" xmlns:dgm="http://schemas.openxmlformats.org/drawingml/2006/diagram" xmlns:o="urn:schemas-microsoft-com:office:office" xmlns:v="urn:schemas-microsoft-com:vml" xmlns:pvml="urn:schemas-microsoft-com:office:powerpoint" xmlns:com="http://schemas.openxmlformats.org/drawingml/2006/compatibility" xmlns:p14="http://schemas.microsoft.com/office/powerpoint/2010/main" xmlns:p15="http://schemas.microsoft.com/office/powerpoint/2012/main" xmlns:ahyp="http://schemas.microsoft.com/office/drawing/2018/hyperlinkcolor">
   <p:cSld>
     <p:spTree>
       <p:nvGrpSpPr>
-        <p:cNvPr id="1" name="Shape 209"/>
+        <p:cNvPr id="209" name="Shape 209"/>
         <p:cNvGrpSpPr/>
         <p:nvPr/>
       </p:nvGrpSpPr>
@@ -10770,9 +10971,7 @@
       <p:sp>
         <p:nvSpPr>
           <p:cNvPr id="210" name="Google Shape;210;p27"/>
-          <p:cNvSpPr txBox="1">
-            <a:spLocks noGrp="1"/>
-          </p:cNvSpPr>
+          <p:cNvSpPr txBox="1"/>
           <p:nvPr>
             <p:ph type="title"/>
           </p:nvPr>
@@ -10787,12 +10986,12 @@
           </a:prstGeom>
         </p:spPr>
         <p:txBody>
-          <a:bodyPr spcFirstLastPara="1" wrap="square" lIns="91425" tIns="91425" rIns="91425" bIns="91425" anchor="t" anchorCtr="0">
+          <a:bodyPr anchorCtr="0" anchor="t" bIns="91425" lIns="91425" spcFirstLastPara="1" rIns="91425" wrap="square" tIns="91425">
             <a:normAutofit/>
           </a:bodyPr>
           <a:lstStyle/>
           <a:p>
-            <a:pPr marL="0" lvl="0" indent="0" algn="l" rtl="0">
+            <a:pPr indent="0" lvl="0" marL="0" rtl="0" algn="l">
               <a:spcBef>
                 <a:spcPts val="0"/>
               </a:spcBef>
@@ -10812,11 +11011,9 @@
       <p:sp>
         <p:nvSpPr>
           <p:cNvPr id="211" name="Google Shape;211;p27"/>
-          <p:cNvSpPr txBox="1">
-            <a:spLocks noGrp="1"/>
-          </p:cNvSpPr>
+          <p:cNvSpPr txBox="1"/>
           <p:nvPr>
-            <p:ph type="body" idx="1"/>
+            <p:ph idx="1" type="body"/>
           </p:nvPr>
         </p:nvSpPr>
         <p:spPr>
@@ -10829,12 +11026,12 @@
           </a:prstGeom>
         </p:spPr>
         <p:txBody>
-          <a:bodyPr spcFirstLastPara="1" wrap="square" lIns="91425" tIns="91425" rIns="91425" bIns="91425" anchor="t" anchorCtr="0">
+          <a:bodyPr anchorCtr="0" anchor="t" bIns="91425" lIns="91425" spcFirstLastPara="1" rIns="91425" wrap="square" tIns="91425">
             <a:normAutofit/>
           </a:bodyPr>
           <a:lstStyle/>
           <a:p>
-            <a:pPr marL="457200" lvl="0" indent="-368300" algn="l" rtl="0">
+            <a:pPr indent="-368300" lvl="0" marL="457200" rtl="0" algn="l">
               <a:spcBef>
                 <a:spcPts val="0"/>
               </a:spcBef>
@@ -10851,7 +11048,7 @@
             <a:endParaRPr sz="2200"/>
           </a:p>
           <a:p>
-            <a:pPr marL="457200" lvl="0" indent="-368300" algn="l" rtl="0">
+            <a:pPr indent="-368300" lvl="0" marL="457200" rtl="0" algn="l">
               <a:spcBef>
                 <a:spcPts val="0"/>
               </a:spcBef>
@@ -10905,12 +11102,12 @@
 </p:sld>
 </file>
 
-<file path=ppt/slides/slide15.xml><?xml version="1.0" encoding="utf-8"?>
-<p:sld xmlns:a="http://schemas.openxmlformats.org/drawingml/2006/main" xmlns:r="http://schemas.openxmlformats.org/officeDocument/2006/relationships" xmlns:p="http://schemas.openxmlformats.org/presentationml/2006/main">
+<file path=ppt/slides/slide16.xml><?xml version="1.0" encoding="utf-8"?>
+<p:sld xmlns:a="http://schemas.openxmlformats.org/drawingml/2006/main" xmlns:r="http://schemas.openxmlformats.org/officeDocument/2006/relationships" xmlns:mc="http://schemas.openxmlformats.org/markup-compatibility/2006" xmlns:mv="urn:schemas-microsoft-com:mac:vml" xmlns:p="http://schemas.openxmlformats.org/presentationml/2006/main" xmlns:c="http://schemas.openxmlformats.org/drawingml/2006/chart" xmlns:dgm="http://schemas.openxmlformats.org/drawingml/2006/diagram" xmlns:o="urn:schemas-microsoft-com:office:office" xmlns:v="urn:schemas-microsoft-com:vml" xmlns:pvml="urn:schemas-microsoft-com:office:powerpoint" xmlns:com="http://schemas.openxmlformats.org/drawingml/2006/compatibility" xmlns:p14="http://schemas.microsoft.com/office/powerpoint/2010/main" xmlns:p15="http://schemas.microsoft.com/office/powerpoint/2012/main" xmlns:ahyp="http://schemas.microsoft.com/office/drawing/2018/hyperlinkcolor">
   <p:cSld>
     <p:spTree>
       <p:nvGrpSpPr>
-        <p:cNvPr id="1" name="Shape 216"/>
+        <p:cNvPr id="216" name="Shape 216"/>
         <p:cNvGrpSpPr/>
         <p:nvPr/>
       </p:nvGrpSpPr>
@@ -10925,9 +11122,7 @@
       <p:sp>
         <p:nvSpPr>
           <p:cNvPr id="217" name="Google Shape;217;p28"/>
-          <p:cNvSpPr txBox="1">
-            <a:spLocks noGrp="1"/>
-          </p:cNvSpPr>
+          <p:cNvSpPr txBox="1"/>
           <p:nvPr>
             <p:ph type="title"/>
           </p:nvPr>
@@ -10942,12 +11137,12 @@
           </a:prstGeom>
         </p:spPr>
         <p:txBody>
-          <a:bodyPr spcFirstLastPara="1" wrap="square" lIns="91425" tIns="91425" rIns="91425" bIns="91425" anchor="t" anchorCtr="0">
+          <a:bodyPr anchorCtr="0" anchor="t" bIns="91425" lIns="91425" spcFirstLastPara="1" rIns="91425" wrap="square" tIns="91425">
             <a:normAutofit/>
           </a:bodyPr>
           <a:lstStyle/>
           <a:p>
-            <a:pPr marL="0" lvl="0" indent="0" algn="l" rtl="0">
+            <a:pPr indent="0" lvl="0" marL="0" rtl="0" algn="l">
               <a:spcBef>
                 <a:spcPts val="0"/>
               </a:spcBef>
@@ -10967,11 +11162,9 @@
       <p:sp>
         <p:nvSpPr>
           <p:cNvPr id="218" name="Google Shape;218;p28"/>
-          <p:cNvSpPr txBox="1">
-            <a:spLocks noGrp="1"/>
-          </p:cNvSpPr>
+          <p:cNvSpPr txBox="1"/>
           <p:nvPr>
-            <p:ph type="body" idx="1"/>
+            <p:ph idx="1" type="body"/>
           </p:nvPr>
         </p:nvSpPr>
         <p:spPr>
@@ -10984,12 +11177,12 @@
           </a:prstGeom>
         </p:spPr>
         <p:txBody>
-          <a:bodyPr spcFirstLastPara="1" wrap="square" lIns="91425" tIns="91425" rIns="91425" bIns="91425" anchor="t" anchorCtr="0">
+          <a:bodyPr anchorCtr="0" anchor="t" bIns="91425" lIns="91425" spcFirstLastPara="1" rIns="91425" wrap="square" tIns="91425">
             <a:normAutofit/>
           </a:bodyPr>
           <a:lstStyle/>
           <a:p>
-            <a:pPr marL="457200" lvl="0" indent="-368300" algn="l" rtl="0">
+            <a:pPr indent="-368300" lvl="0" marL="457200" rtl="0" algn="l">
               <a:spcBef>
                 <a:spcPts val="0"/>
               </a:spcBef>
@@ -11006,7 +11199,7 @@
             <a:endParaRPr sz="2200"/>
           </a:p>
           <a:p>
-            <a:pPr marL="457200" lvl="0" indent="-368300" algn="l" rtl="0">
+            <a:pPr indent="-368300" lvl="0" marL="457200" rtl="0" algn="l">
               <a:spcBef>
                 <a:spcPts val="0"/>
               </a:spcBef>
@@ -11023,7 +11216,7 @@
             <a:endParaRPr sz="2200"/>
           </a:p>
           <a:p>
-            <a:pPr marL="457200" lvl="0" indent="-368300" algn="l" rtl="0">
+            <a:pPr indent="-368300" lvl="0" marL="457200" rtl="0" algn="l">
               <a:spcBef>
                 <a:spcPts val="0"/>
               </a:spcBef>
@@ -11049,12 +11242,12 @@
 </p:sld>
 </file>
 
-<file path=ppt/slides/slide16.xml><?xml version="1.0" encoding="utf-8"?>
-<p:sld xmlns:a="http://schemas.openxmlformats.org/drawingml/2006/main" xmlns:r="http://schemas.openxmlformats.org/officeDocument/2006/relationships" xmlns:p="http://schemas.openxmlformats.org/presentationml/2006/main">
+<file path=ppt/slides/slide17.xml><?xml version="1.0" encoding="utf-8"?>
+<p:sld xmlns:a="http://schemas.openxmlformats.org/drawingml/2006/main" xmlns:r="http://schemas.openxmlformats.org/officeDocument/2006/relationships" xmlns:mc="http://schemas.openxmlformats.org/markup-compatibility/2006" xmlns:mv="urn:schemas-microsoft-com:mac:vml" xmlns:p="http://schemas.openxmlformats.org/presentationml/2006/main" xmlns:c="http://schemas.openxmlformats.org/drawingml/2006/chart" xmlns:dgm="http://schemas.openxmlformats.org/drawingml/2006/diagram" xmlns:o="urn:schemas-microsoft-com:office:office" xmlns:v="urn:schemas-microsoft-com:vml" xmlns:pvml="urn:schemas-microsoft-com:office:powerpoint" xmlns:com="http://schemas.openxmlformats.org/drawingml/2006/compatibility" xmlns:p14="http://schemas.microsoft.com/office/powerpoint/2010/main" xmlns:p15="http://schemas.microsoft.com/office/powerpoint/2012/main" xmlns:ahyp="http://schemas.microsoft.com/office/drawing/2018/hyperlinkcolor">
   <p:cSld>
     <p:spTree>
       <p:nvGrpSpPr>
-        <p:cNvPr id="1" name="Shape 222"/>
+        <p:cNvPr id="222" name="Shape 222"/>
         <p:cNvGrpSpPr/>
         <p:nvPr/>
       </p:nvGrpSpPr>
@@ -11069,9 +11262,7 @@
       <p:sp>
         <p:nvSpPr>
           <p:cNvPr id="223" name="Google Shape;223;p29"/>
-          <p:cNvSpPr txBox="1">
-            <a:spLocks noGrp="1"/>
-          </p:cNvSpPr>
+          <p:cNvSpPr txBox="1"/>
           <p:nvPr>
             <p:ph type="title"/>
           </p:nvPr>
@@ -11086,12 +11277,12 @@
           </a:prstGeom>
         </p:spPr>
         <p:txBody>
-          <a:bodyPr spcFirstLastPara="1" wrap="square" lIns="91425" tIns="91425" rIns="91425" bIns="91425" anchor="t" anchorCtr="0">
+          <a:bodyPr anchorCtr="0" anchor="t" bIns="91425" lIns="91425" spcFirstLastPara="1" rIns="91425" wrap="square" tIns="91425">
             <a:normAutofit/>
           </a:bodyPr>
           <a:lstStyle/>
           <a:p>
-            <a:pPr marL="0" lvl="0" indent="0" algn="l" rtl="0">
+            <a:pPr indent="0" lvl="0" marL="0" rtl="0" algn="l">
               <a:spcBef>
                 <a:spcPts val="0"/>
               </a:spcBef>
@@ -11111,11 +11302,9 @@
       <p:sp>
         <p:nvSpPr>
           <p:cNvPr id="224" name="Google Shape;224;p29"/>
-          <p:cNvSpPr txBox="1">
-            <a:spLocks noGrp="1"/>
-          </p:cNvSpPr>
+          <p:cNvSpPr txBox="1"/>
           <p:nvPr>
-            <p:ph type="body" idx="1"/>
+            <p:ph idx="1" type="body"/>
           </p:nvPr>
         </p:nvSpPr>
         <p:spPr>
@@ -11128,12 +11317,12 @@
           </a:prstGeom>
         </p:spPr>
         <p:txBody>
-          <a:bodyPr spcFirstLastPara="1" wrap="square" lIns="91425" tIns="91425" rIns="91425" bIns="91425" anchor="t" anchorCtr="0">
+          <a:bodyPr anchorCtr="0" anchor="t" bIns="91425" lIns="91425" spcFirstLastPara="1" rIns="91425" wrap="square" tIns="91425">
             <a:normAutofit/>
           </a:bodyPr>
           <a:lstStyle/>
           <a:p>
-            <a:pPr marL="457200" lvl="0" indent="-368300" algn="l" rtl="0">
+            <a:pPr indent="-368300" lvl="0" marL="457200" rtl="0" algn="l">
               <a:spcBef>
                 <a:spcPts val="0"/>
               </a:spcBef>
@@ -11150,7 +11339,7 @@
             <a:endParaRPr sz="2200"/>
           </a:p>
           <a:p>
-            <a:pPr marL="457200" lvl="0" indent="-368300" algn="l" rtl="0">
+            <a:pPr indent="-368300" lvl="0" marL="457200" rtl="0" algn="l">
               <a:spcBef>
                 <a:spcPts val="0"/>
               </a:spcBef>
@@ -11167,7 +11356,7 @@
             <a:endParaRPr sz="2200"/>
           </a:p>
           <a:p>
-            <a:pPr marL="457200" lvl="0" indent="-368300" algn="l" rtl="0">
+            <a:pPr indent="-368300" lvl="0" marL="457200" rtl="0" algn="l">
               <a:spcBef>
                 <a:spcPts val="0"/>
               </a:spcBef>
@@ -11194,11 +11383,76 @@
 </file>
 
 <file path=ppt/slides/slide2.xml><?xml version="1.0" encoding="utf-8"?>
-<p:sld xmlns:a="http://schemas.openxmlformats.org/drawingml/2006/main" xmlns:r="http://schemas.openxmlformats.org/officeDocument/2006/relationships" xmlns:p="http://schemas.openxmlformats.org/presentationml/2006/main">
+<p:sld xmlns:a="http://schemas.openxmlformats.org/drawingml/2006/main" xmlns:r="http://schemas.openxmlformats.org/officeDocument/2006/relationships" xmlns:mc="http://schemas.openxmlformats.org/markup-compatibility/2006" xmlns:mv="urn:schemas-microsoft-com:mac:vml" xmlns:p="http://schemas.openxmlformats.org/presentationml/2006/main" xmlns:c="http://schemas.openxmlformats.org/drawingml/2006/chart" xmlns:dgm="http://schemas.openxmlformats.org/drawingml/2006/diagram" xmlns:o="urn:schemas-microsoft-com:office:office" xmlns:v="urn:schemas-microsoft-com:vml" xmlns:pvml="urn:schemas-microsoft-com:office:powerpoint" xmlns:com="http://schemas.openxmlformats.org/drawingml/2006/compatibility" xmlns:p14="http://schemas.microsoft.com/office/powerpoint/2010/main" xmlns:p15="http://schemas.microsoft.com/office/powerpoint/2012/main" xmlns:ahyp="http://schemas.microsoft.com/office/drawing/2018/hyperlinkcolor">
   <p:cSld>
     <p:spTree>
       <p:nvGrpSpPr>
-        <p:cNvPr id="1" name="Shape 138"/>
+        <p:cNvPr id="133" name="Shape 133"/>
+        <p:cNvGrpSpPr/>
+        <p:nvPr/>
+      </p:nvGrpSpPr>
+      <p:grpSpPr>
+        <a:xfrm>
+          <a:off x="0" y="0"/>
+          <a:ext cx="0" cy="0"/>
+          <a:chOff x="0" y="0"/>
+          <a:chExt cx="0" cy="0"/>
+        </a:xfrm>
+      </p:grpSpPr>
+      <p:sp>
+        <p:nvSpPr>
+          <p:cNvPr id="134" name="Google Shape;134;p14"/>
+          <p:cNvSpPr txBox="1"/>
+          <p:nvPr>
+            <p:ph type="title"/>
+          </p:nvPr>
+        </p:nvSpPr>
+        <p:spPr>
+          <a:xfrm>
+            <a:off x="1888684" y="1746100"/>
+            <a:ext cx="5377500" cy="1646100"/>
+          </a:xfrm>
+          <a:prstGeom prst="rect">
+            <a:avLst/>
+          </a:prstGeom>
+        </p:spPr>
+        <p:txBody>
+          <a:bodyPr anchorCtr="0" anchor="ctr" bIns="91425" lIns="91425" spcFirstLastPara="1" rIns="91425" wrap="square" tIns="91425">
+            <a:normAutofit/>
+          </a:bodyPr>
+          <a:lstStyle/>
+          <a:p>
+            <a:pPr indent="0" lvl="0" marL="0" rtl="0" algn="ctr">
+              <a:spcBef>
+                <a:spcPts val="0"/>
+              </a:spcBef>
+              <a:spcAft>
+                <a:spcPts val="0"/>
+              </a:spcAft>
+              <a:buNone/>
+            </a:pPr>
+            <a:r>
+              <a:rPr lang="en"/>
+              <a:t>What The Users See</a:t>
+            </a:r>
+            <a:endParaRPr/>
+          </a:p>
+        </p:txBody>
+      </p:sp>
+    </p:spTree>
+  </p:cSld>
+  <p:clrMapOvr>
+    <a:masterClrMapping/>
+  </p:clrMapOvr>
+</p:sld>
+</file>
+
+<file path=ppt/slides/slide3.xml><?xml version="1.0" encoding="utf-8"?>
+<p:sld xmlns:a="http://schemas.openxmlformats.org/drawingml/2006/main" xmlns:r="http://schemas.openxmlformats.org/officeDocument/2006/relationships" xmlns:mc="http://schemas.openxmlformats.org/markup-compatibility/2006" xmlns:mv="urn:schemas-microsoft-com:mac:vml" xmlns:p="http://schemas.openxmlformats.org/presentationml/2006/main" xmlns:c="http://schemas.openxmlformats.org/drawingml/2006/chart" xmlns:dgm="http://schemas.openxmlformats.org/drawingml/2006/diagram" xmlns:o="urn:schemas-microsoft-com:office:office" xmlns:v="urn:schemas-microsoft-com:vml" xmlns:pvml="urn:schemas-microsoft-com:office:powerpoint" xmlns:com="http://schemas.openxmlformats.org/drawingml/2006/compatibility" xmlns:p14="http://schemas.microsoft.com/office/powerpoint/2010/main" xmlns:p15="http://schemas.microsoft.com/office/powerpoint/2012/main" xmlns:ahyp="http://schemas.microsoft.com/office/drawing/2018/hyperlinkcolor">
+  <p:cSld>
+    <p:spTree>
+      <p:nvGrpSpPr>
+        <p:cNvPr id="138" name="Shape 138"/>
         <p:cNvGrpSpPr/>
         <p:nvPr/>
       </p:nvGrpSpPr>
@@ -11246,12 +11500,12 @@
 </p:sld>
 </file>
 
-<file path=ppt/slides/slide3.xml><?xml version="1.0" encoding="utf-8"?>
-<p:sld xmlns:a="http://schemas.openxmlformats.org/drawingml/2006/main" xmlns:r="http://schemas.openxmlformats.org/officeDocument/2006/relationships" xmlns:p="http://schemas.openxmlformats.org/presentationml/2006/main">
+<file path=ppt/slides/slide4.xml><?xml version="1.0" encoding="utf-8"?>
+<p:sld xmlns:a="http://schemas.openxmlformats.org/drawingml/2006/main" xmlns:r="http://schemas.openxmlformats.org/officeDocument/2006/relationships" xmlns:mc="http://schemas.openxmlformats.org/markup-compatibility/2006" xmlns:mv="urn:schemas-microsoft-com:mac:vml" xmlns:p="http://schemas.openxmlformats.org/presentationml/2006/main" xmlns:c="http://schemas.openxmlformats.org/drawingml/2006/chart" xmlns:dgm="http://schemas.openxmlformats.org/drawingml/2006/diagram" xmlns:o="urn:schemas-microsoft-com:office:office" xmlns:v="urn:schemas-microsoft-com:vml" xmlns:pvml="urn:schemas-microsoft-com:office:powerpoint" xmlns:com="http://schemas.openxmlformats.org/drawingml/2006/compatibility" xmlns:p14="http://schemas.microsoft.com/office/powerpoint/2010/main" xmlns:p15="http://schemas.microsoft.com/office/powerpoint/2012/main" xmlns:ahyp="http://schemas.microsoft.com/office/drawing/2018/hyperlinkcolor">
   <p:cSld>
     <p:spTree>
       <p:nvGrpSpPr>
-        <p:cNvPr id="1" name="Shape 143"/>
+        <p:cNvPr id="143" name="Shape 143"/>
         <p:cNvGrpSpPr/>
         <p:nvPr/>
       </p:nvGrpSpPr>
@@ -11266,9 +11520,7 @@
       <p:sp>
         <p:nvSpPr>
           <p:cNvPr id="144" name="Google Shape;144;p16"/>
-          <p:cNvSpPr txBox="1">
-            <a:spLocks noGrp="1"/>
-          </p:cNvSpPr>
+          <p:cNvSpPr txBox="1"/>
           <p:nvPr>
             <p:ph type="title"/>
           </p:nvPr>
@@ -11283,12 +11535,12 @@
           </a:prstGeom>
         </p:spPr>
         <p:txBody>
-          <a:bodyPr spcFirstLastPara="1" wrap="square" lIns="91425" tIns="91425" rIns="91425" bIns="91425" anchor="t" anchorCtr="0">
+          <a:bodyPr anchorCtr="0" anchor="t" bIns="91425" lIns="91425" spcFirstLastPara="1" rIns="91425" wrap="square" tIns="91425">
             <a:normAutofit/>
           </a:bodyPr>
           <a:lstStyle/>
           <a:p>
-            <a:pPr marL="0" lvl="0" indent="0" algn="l" rtl="0">
+            <a:pPr indent="0" lvl="0" marL="0" rtl="0" algn="l">
               <a:spcBef>
                 <a:spcPts val="0"/>
               </a:spcBef>
@@ -11308,11 +11560,9 @@
       <p:sp>
         <p:nvSpPr>
           <p:cNvPr id="145" name="Google Shape;145;p16"/>
-          <p:cNvSpPr txBox="1">
-            <a:spLocks noGrp="1"/>
-          </p:cNvSpPr>
+          <p:cNvSpPr txBox="1"/>
           <p:nvPr>
-            <p:ph type="body" idx="1"/>
+            <p:ph idx="1" type="body"/>
           </p:nvPr>
         </p:nvSpPr>
         <p:spPr>
@@ -11325,12 +11575,12 @@
           </a:prstGeom>
         </p:spPr>
         <p:txBody>
-          <a:bodyPr spcFirstLastPara="1" wrap="square" lIns="91425" tIns="91425" rIns="91425" bIns="91425" anchor="t" anchorCtr="0">
+          <a:bodyPr anchorCtr="0" anchor="t" bIns="91425" lIns="91425" spcFirstLastPara="1" rIns="91425" wrap="square" tIns="91425">
             <a:normAutofit/>
           </a:bodyPr>
           <a:lstStyle/>
           <a:p>
-            <a:pPr marL="457200" lvl="0" indent="-368300" algn="l" rtl="0">
+            <a:pPr indent="-368300" lvl="0" marL="457200" rtl="0" algn="l">
               <a:spcBef>
                 <a:spcPts val="0"/>
               </a:spcBef>
@@ -11342,12 +11592,16 @@
             </a:pPr>
             <a:r>
               <a:rPr lang="en" sz="2200"/>
-              <a:t>Google API backbone</a:t>
+              <a:t>Google API </a:t>
+            </a:r>
+            <a:r>
+              <a:rPr lang="en" sz="2200"/>
+              <a:t>backbone</a:t>
             </a:r>
             <a:endParaRPr sz="2200"/>
           </a:p>
           <a:p>
-            <a:pPr marL="457200" lvl="0" indent="-368300" algn="l" rtl="0">
+            <a:pPr indent="-368300" lvl="0" marL="457200" rtl="0" algn="l">
               <a:spcBef>
                 <a:spcPts val="0"/>
               </a:spcBef>
@@ -11381,7 +11635,7 @@
         </p:blipFill>
         <p:spPr>
           <a:xfrm>
-            <a:off x="5091707" y="2169091"/>
+            <a:off x="5284995" y="2354945"/>
             <a:ext cx="3858999" cy="2788550"/>
           </a:xfrm>
           <a:prstGeom prst="rect">
@@ -11401,12 +11655,12 @@
 </p:sld>
 </file>
 
-<file path=ppt/slides/slide4.xml><?xml version="1.0" encoding="utf-8"?>
-<p:sld xmlns:a="http://schemas.openxmlformats.org/drawingml/2006/main" xmlns:r="http://schemas.openxmlformats.org/officeDocument/2006/relationships" xmlns:p="http://schemas.openxmlformats.org/presentationml/2006/main">
+<file path=ppt/slides/slide5.xml><?xml version="1.0" encoding="utf-8"?>
+<p:sld xmlns:a="http://schemas.openxmlformats.org/drawingml/2006/main" xmlns:r="http://schemas.openxmlformats.org/officeDocument/2006/relationships" xmlns:mc="http://schemas.openxmlformats.org/markup-compatibility/2006" xmlns:mv="urn:schemas-microsoft-com:mac:vml" xmlns:p="http://schemas.openxmlformats.org/presentationml/2006/main" xmlns:c="http://schemas.openxmlformats.org/drawingml/2006/chart" xmlns:dgm="http://schemas.openxmlformats.org/drawingml/2006/diagram" xmlns:o="urn:schemas-microsoft-com:office:office" xmlns:v="urn:schemas-microsoft-com:vml" xmlns:pvml="urn:schemas-microsoft-com:office:powerpoint" xmlns:com="http://schemas.openxmlformats.org/drawingml/2006/compatibility" xmlns:p14="http://schemas.microsoft.com/office/powerpoint/2010/main" xmlns:p15="http://schemas.microsoft.com/office/powerpoint/2012/main" xmlns:ahyp="http://schemas.microsoft.com/office/drawing/2018/hyperlinkcolor">
   <p:cSld>
     <p:spTree>
       <p:nvGrpSpPr>
-        <p:cNvPr id="1" name="Shape 150"/>
+        <p:cNvPr id="150" name="Shape 150"/>
         <p:cNvGrpSpPr/>
         <p:nvPr/>
       </p:nvGrpSpPr>
@@ -11421,9 +11675,7 @@
       <p:sp>
         <p:nvSpPr>
           <p:cNvPr id="151" name="Google Shape;151;p17"/>
-          <p:cNvSpPr txBox="1">
-            <a:spLocks noGrp="1"/>
-          </p:cNvSpPr>
+          <p:cNvSpPr txBox="1"/>
           <p:nvPr>
             <p:ph type="title"/>
           </p:nvPr>
@@ -11438,12 +11690,12 @@
           </a:prstGeom>
         </p:spPr>
         <p:txBody>
-          <a:bodyPr spcFirstLastPara="1" wrap="square" lIns="91425" tIns="91425" rIns="91425" bIns="91425" anchor="t" anchorCtr="0">
+          <a:bodyPr anchorCtr="0" anchor="t" bIns="91425" lIns="91425" spcFirstLastPara="1" rIns="91425" wrap="square" tIns="91425">
             <a:normAutofit/>
           </a:bodyPr>
           <a:lstStyle/>
           <a:p>
-            <a:pPr marL="0" lvl="0" indent="0" algn="l" rtl="0">
+            <a:pPr indent="0" lvl="0" marL="0" rtl="0" algn="l">
               <a:spcBef>
                 <a:spcPts val="0"/>
               </a:spcBef>
@@ -11463,11 +11715,9 @@
       <p:sp>
         <p:nvSpPr>
           <p:cNvPr id="152" name="Google Shape;152;p17"/>
-          <p:cNvSpPr txBox="1">
-            <a:spLocks noGrp="1"/>
-          </p:cNvSpPr>
+          <p:cNvSpPr txBox="1"/>
           <p:nvPr>
-            <p:ph type="body" idx="1"/>
+            <p:ph idx="1" type="body"/>
           </p:nvPr>
         </p:nvSpPr>
         <p:spPr>
@@ -11480,12 +11730,12 @@
           </a:prstGeom>
         </p:spPr>
         <p:txBody>
-          <a:bodyPr spcFirstLastPara="1" wrap="square" lIns="91425" tIns="91425" rIns="91425" bIns="91425" anchor="t" anchorCtr="0">
+          <a:bodyPr anchorCtr="0" anchor="t" bIns="91425" lIns="91425" spcFirstLastPara="1" rIns="91425" wrap="square" tIns="91425">
             <a:normAutofit/>
           </a:bodyPr>
           <a:lstStyle/>
           <a:p>
-            <a:pPr marL="457200" lvl="0" indent="-368300" algn="l" rtl="0">
+            <a:pPr indent="-368300" lvl="0" marL="457200" rtl="0" algn="l">
               <a:spcBef>
                 <a:spcPts val="0"/>
               </a:spcBef>
@@ -11502,7 +11752,7 @@
             <a:endParaRPr sz="2200"/>
           </a:p>
           <a:p>
-            <a:pPr marL="457200" lvl="0" indent="-368300" algn="l" rtl="0">
+            <a:pPr indent="-368300" lvl="0" marL="457200" rtl="0" algn="l">
               <a:spcBef>
                 <a:spcPts val="0"/>
               </a:spcBef>
@@ -11519,7 +11769,7 @@
             <a:endParaRPr sz="2200"/>
           </a:p>
           <a:p>
-            <a:pPr marL="457200" lvl="0" indent="-368300" algn="l" rtl="0">
+            <a:pPr indent="-368300" lvl="0" marL="457200" rtl="0" algn="l">
               <a:spcBef>
                 <a:spcPts val="0"/>
               </a:spcBef>
@@ -11536,7 +11786,7 @@
             <a:endParaRPr sz="2200"/>
           </a:p>
           <a:p>
-            <a:pPr marL="457200" lvl="0" indent="-368300" algn="l" rtl="0">
+            <a:pPr indent="-368300" lvl="0" marL="457200" rtl="0" algn="l">
               <a:spcBef>
                 <a:spcPts val="0"/>
               </a:spcBef>
@@ -11570,7 +11820,7 @@
         </p:blipFill>
         <p:spPr>
           <a:xfrm>
-            <a:off x="4485333" y="1885241"/>
+            <a:off x="4752963" y="2085963"/>
             <a:ext cx="4391025" cy="3057525"/>
           </a:xfrm>
           <a:prstGeom prst="rect">
@@ -11590,12 +11840,12 @@
 </p:sld>
 </file>
 
-<file path=ppt/slides/slide5.xml><?xml version="1.0" encoding="utf-8"?>
-<p:sld xmlns:a="http://schemas.openxmlformats.org/drawingml/2006/main" xmlns:r="http://schemas.openxmlformats.org/officeDocument/2006/relationships" xmlns:p="http://schemas.openxmlformats.org/presentationml/2006/main">
+<file path=ppt/slides/slide6.xml><?xml version="1.0" encoding="utf-8"?>
+<p:sld xmlns:a="http://schemas.openxmlformats.org/drawingml/2006/main" xmlns:r="http://schemas.openxmlformats.org/officeDocument/2006/relationships" xmlns:mc="http://schemas.openxmlformats.org/markup-compatibility/2006" xmlns:mv="urn:schemas-microsoft-com:mac:vml" xmlns:p="http://schemas.openxmlformats.org/presentationml/2006/main" xmlns:c="http://schemas.openxmlformats.org/drawingml/2006/chart" xmlns:dgm="http://schemas.openxmlformats.org/drawingml/2006/diagram" xmlns:o="urn:schemas-microsoft-com:office:office" xmlns:v="urn:schemas-microsoft-com:vml" xmlns:pvml="urn:schemas-microsoft-com:office:powerpoint" xmlns:com="http://schemas.openxmlformats.org/drawingml/2006/compatibility" xmlns:p14="http://schemas.microsoft.com/office/powerpoint/2010/main" xmlns:p15="http://schemas.microsoft.com/office/powerpoint/2012/main" xmlns:ahyp="http://schemas.microsoft.com/office/drawing/2018/hyperlinkcolor">
   <p:cSld>
     <p:spTree>
       <p:nvGrpSpPr>
-        <p:cNvPr id="1" name="Shape 157"/>
+        <p:cNvPr id="157" name="Shape 157"/>
         <p:cNvGrpSpPr/>
         <p:nvPr/>
       </p:nvGrpSpPr>
@@ -11610,9 +11860,7 @@
       <p:sp>
         <p:nvSpPr>
           <p:cNvPr id="158" name="Google Shape;158;p18"/>
-          <p:cNvSpPr txBox="1">
-            <a:spLocks noGrp="1"/>
-          </p:cNvSpPr>
+          <p:cNvSpPr txBox="1"/>
           <p:nvPr>
             <p:ph type="title"/>
           </p:nvPr>
@@ -11627,12 +11875,12 @@
           </a:prstGeom>
         </p:spPr>
         <p:txBody>
-          <a:bodyPr spcFirstLastPara="1" wrap="square" lIns="91425" tIns="91425" rIns="91425" bIns="91425" anchor="t" anchorCtr="0">
+          <a:bodyPr anchorCtr="0" anchor="t" bIns="91425" lIns="91425" spcFirstLastPara="1" rIns="91425" wrap="square" tIns="91425">
             <a:normAutofit/>
           </a:bodyPr>
           <a:lstStyle/>
           <a:p>
-            <a:pPr marL="0" lvl="0" indent="0" algn="l" rtl="0">
+            <a:pPr indent="0" lvl="0" marL="0" rtl="0" algn="l">
               <a:spcBef>
                 <a:spcPts val="0"/>
               </a:spcBef>
@@ -11652,11 +11900,9 @@
       <p:sp>
         <p:nvSpPr>
           <p:cNvPr id="159" name="Google Shape;159;p18"/>
-          <p:cNvSpPr txBox="1">
-            <a:spLocks noGrp="1"/>
-          </p:cNvSpPr>
+          <p:cNvSpPr txBox="1"/>
           <p:nvPr>
-            <p:ph type="body" idx="1"/>
+            <p:ph idx="1" type="body"/>
           </p:nvPr>
         </p:nvSpPr>
         <p:spPr>
@@ -11669,12 +11915,12 @@
           </a:prstGeom>
         </p:spPr>
         <p:txBody>
-          <a:bodyPr spcFirstLastPara="1" wrap="square" lIns="91425" tIns="91425" rIns="91425" bIns="91425" anchor="t" anchorCtr="0">
+          <a:bodyPr anchorCtr="0" anchor="t" bIns="91425" lIns="91425" spcFirstLastPara="1" rIns="91425" wrap="square" tIns="91425">
             <a:normAutofit/>
           </a:bodyPr>
           <a:lstStyle/>
           <a:p>
-            <a:pPr marL="457200" lvl="0" indent="-368300" algn="l" rtl="0">
+            <a:pPr indent="-368300" lvl="0" marL="457200" rtl="0" algn="l">
               <a:spcBef>
                 <a:spcPts val="0"/>
               </a:spcBef>
@@ -11691,7 +11937,7 @@
             <a:endParaRPr sz="2200"/>
           </a:p>
           <a:p>
-            <a:pPr marL="457200" lvl="0" indent="-368300" algn="l" rtl="0">
+            <a:pPr indent="-368300" lvl="0" marL="457200" rtl="0" algn="l">
               <a:spcBef>
                 <a:spcPts val="0"/>
               </a:spcBef>
@@ -11708,7 +11954,7 @@
             <a:endParaRPr sz="2200"/>
           </a:p>
           <a:p>
-            <a:pPr marL="457200" lvl="0" indent="-368300" algn="l" rtl="0">
+            <a:pPr indent="-368300" lvl="0" marL="457200" rtl="0" algn="l">
               <a:spcBef>
                 <a:spcPts val="0"/>
               </a:spcBef>
@@ -11720,12 +11966,16 @@
             </a:pPr>
             <a:r>
               <a:rPr lang="en" sz="2200"/>
-              <a:t>Location categories</a:t>
+              <a:t>Location </a:t>
+            </a:r>
+            <a:r>
+              <a:rPr lang="en" sz="2200"/>
+              <a:t>categories</a:t>
             </a:r>
             <a:endParaRPr sz="2200"/>
           </a:p>
           <a:p>
-            <a:pPr marL="457200" lvl="0" indent="-368300" algn="l" rtl="0">
+            <a:pPr indent="-368300" lvl="0" marL="457200" rtl="0" algn="l">
               <a:spcBef>
                 <a:spcPts val="0"/>
               </a:spcBef>
@@ -11737,12 +11987,16 @@
             </a:pPr>
             <a:r>
               <a:rPr lang="en" sz="2200"/>
-              <a:t>Subcategories in the filter</a:t>
+              <a:t>Subcategories</a:t>
+            </a:r>
+            <a:r>
+              <a:rPr lang="en" sz="2200"/>
+              <a:t> in the filter</a:t>
             </a:r>
             <a:endParaRPr sz="2200"/>
           </a:p>
           <a:p>
-            <a:pPr marL="457200" lvl="0" indent="-368300" algn="l" rtl="0">
+            <a:pPr indent="-368300" lvl="0" marL="457200" rtl="0" algn="l">
               <a:spcBef>
                 <a:spcPts val="0"/>
               </a:spcBef>
@@ -11776,7 +12030,7 @@
         </p:blipFill>
         <p:spPr>
           <a:xfrm>
-            <a:off x="4429050" y="51937"/>
+            <a:off x="4733850" y="0"/>
             <a:ext cx="4410150" cy="3496525"/>
           </a:xfrm>
           <a:prstGeom prst="rect">
@@ -11804,502 +12058,8 @@
         </p:blipFill>
         <p:spPr>
           <a:xfrm>
-            <a:off x="4429050" y="3548462"/>
+            <a:off x="6702679" y="3496525"/>
             <a:ext cx="2441321" cy="1646975"/>
-          </a:xfrm>
-          <a:prstGeom prst="rect">
-            <a:avLst/>
-          </a:prstGeom>
-          <a:noFill/>
-          <a:ln>
-            <a:noFill/>
-          </a:ln>
-        </p:spPr>
-      </p:pic>
-      <p:pic>
-        <p:nvPicPr>
-          <p:cNvPr id="3" name="Picture 2">
-            <a:extLst>
-              <a:ext uri="{FF2B5EF4-FFF2-40B4-BE49-F238E27FC236}">
-                <a16:creationId xmlns:a16="http://schemas.microsoft.com/office/drawing/2014/main" id="{827B40B1-9DDF-3A2C-C741-89BF4F96782B}"/>
-              </a:ext>
-            </a:extLst>
-          </p:cNvPr>
-          <p:cNvPicPr>
-            <a:picLocks noChangeAspect="1"/>
-          </p:cNvPicPr>
-          <p:nvPr/>
-        </p:nvPicPr>
-        <p:blipFill>
-          <a:blip r:embed="rId5"/>
-          <a:stretch>
-            <a:fillRect/>
-          </a:stretch>
-        </p:blipFill>
-        <p:spPr>
-          <a:xfrm>
-            <a:off x="6929845" y="3548462"/>
-            <a:ext cx="2340536" cy="1628150"/>
-          </a:xfrm>
-          <a:prstGeom prst="rect">
-            <a:avLst/>
-          </a:prstGeom>
-        </p:spPr>
-      </p:pic>
-    </p:spTree>
-  </p:cSld>
-  <p:clrMapOvr>
-    <a:masterClrMapping/>
-  </p:clrMapOvr>
-</p:sld>
-</file>
-
-<file path=ppt/slides/slide6.xml><?xml version="1.0" encoding="utf-8"?>
-<p:sld xmlns:a="http://schemas.openxmlformats.org/drawingml/2006/main" xmlns:r="http://schemas.openxmlformats.org/officeDocument/2006/relationships" xmlns:p="http://schemas.openxmlformats.org/presentationml/2006/main">
-  <p:cSld>
-    <p:spTree>
-      <p:nvGrpSpPr>
-        <p:cNvPr id="1" name="Shape 165"/>
-        <p:cNvGrpSpPr/>
-        <p:nvPr/>
-      </p:nvGrpSpPr>
-      <p:grpSpPr>
-        <a:xfrm>
-          <a:off x="0" y="0"/>
-          <a:ext cx="0" cy="0"/>
-          <a:chOff x="0" y="0"/>
-          <a:chExt cx="0" cy="0"/>
-        </a:xfrm>
-      </p:grpSpPr>
-      <p:sp>
-        <p:nvSpPr>
-          <p:cNvPr id="166" name="Google Shape;166;p19"/>
-          <p:cNvSpPr txBox="1">
-            <a:spLocks noGrp="1"/>
-          </p:cNvSpPr>
-          <p:nvPr>
-            <p:ph type="title"/>
-          </p:nvPr>
-        </p:nvSpPr>
-        <p:spPr>
-          <a:xfrm>
-            <a:off x="819150" y="845600"/>
-            <a:ext cx="7505700" cy="954600"/>
-          </a:xfrm>
-          <a:prstGeom prst="rect">
-            <a:avLst/>
-          </a:prstGeom>
-        </p:spPr>
-        <p:txBody>
-          <a:bodyPr spcFirstLastPara="1" wrap="square" lIns="91425" tIns="91425" rIns="91425" bIns="91425" anchor="t" anchorCtr="0">
-            <a:normAutofit/>
-          </a:bodyPr>
-          <a:lstStyle/>
-          <a:p>
-            <a:pPr marL="0" lvl="0" indent="0" algn="l" rtl="0">
-              <a:spcBef>
-                <a:spcPts val="0"/>
-              </a:spcBef>
-              <a:spcAft>
-                <a:spcPts val="0"/>
-              </a:spcAft>
-              <a:buNone/>
-            </a:pPr>
-            <a:r>
-              <a:rPr lang="en"/>
-              <a:t>View Itinerary</a:t>
-            </a:r>
-            <a:endParaRPr/>
-          </a:p>
-        </p:txBody>
-      </p:sp>
-      <p:sp>
-        <p:nvSpPr>
-          <p:cNvPr id="167" name="Google Shape;167;p19"/>
-          <p:cNvSpPr txBox="1">
-            <a:spLocks noGrp="1"/>
-          </p:cNvSpPr>
-          <p:nvPr>
-            <p:ph type="body" idx="1"/>
-          </p:nvPr>
-        </p:nvSpPr>
-        <p:spPr>
-          <a:xfrm>
-            <a:off x="424450" y="1800200"/>
-            <a:ext cx="7505700" cy="2448000"/>
-          </a:xfrm>
-          <a:prstGeom prst="rect">
-            <a:avLst/>
-          </a:prstGeom>
-        </p:spPr>
-        <p:txBody>
-          <a:bodyPr spcFirstLastPara="1" wrap="square" lIns="91425" tIns="91425" rIns="91425" bIns="91425" anchor="t" anchorCtr="0">
-            <a:normAutofit/>
-          </a:bodyPr>
-          <a:lstStyle/>
-          <a:p>
-            <a:pPr marL="457200" lvl="0" indent="-368300" algn="l" rtl="0">
-              <a:spcBef>
-                <a:spcPts val="0"/>
-              </a:spcBef>
-              <a:spcAft>
-                <a:spcPts val="0"/>
-              </a:spcAft>
-              <a:buSzPts val="2200"/>
-              <a:buChar char="●"/>
-            </a:pPr>
-            <a:r>
-              <a:rPr lang="en" sz="2200"/>
-              <a:t>Empty Page</a:t>
-            </a:r>
-            <a:endParaRPr sz="2200"/>
-          </a:p>
-          <a:p>
-            <a:pPr marL="457200" lvl="0" indent="-368300" algn="l" rtl="0">
-              <a:spcBef>
-                <a:spcPts val="0"/>
-              </a:spcBef>
-              <a:spcAft>
-                <a:spcPts val="0"/>
-              </a:spcAft>
-              <a:buSzPts val="2200"/>
-              <a:buChar char="●"/>
-            </a:pPr>
-            <a:r>
-              <a:rPr lang="en" sz="2200"/>
-              <a:t>Card Presentation (and Contents)</a:t>
-            </a:r>
-            <a:endParaRPr sz="2200"/>
-          </a:p>
-          <a:p>
-            <a:pPr marL="457200" lvl="0" indent="-368300" algn="l" rtl="0">
-              <a:spcBef>
-                <a:spcPts val="0"/>
-              </a:spcBef>
-              <a:spcAft>
-                <a:spcPts val="0"/>
-              </a:spcAft>
-              <a:buSzPts val="2200"/>
-              <a:buChar char="●"/>
-            </a:pPr>
-            <a:r>
-              <a:rPr lang="en" sz="2200"/>
-              <a:t>Expanded cards</a:t>
-            </a:r>
-            <a:endParaRPr sz="2200"/>
-          </a:p>
-          <a:p>
-            <a:pPr marL="457200" lvl="0" indent="-368300" algn="l" rtl="0">
-              <a:spcBef>
-                <a:spcPts val="0"/>
-              </a:spcBef>
-              <a:spcAft>
-                <a:spcPts val="0"/>
-              </a:spcAft>
-              <a:buSzPts val="2200"/>
-              <a:buChar char="●"/>
-            </a:pPr>
-            <a:r>
-              <a:rPr lang="en" sz="2200"/>
-              <a:t>Edit mode (both event and day)</a:t>
-            </a:r>
-            <a:endParaRPr sz="2200"/>
-          </a:p>
-          <a:p>
-            <a:pPr marL="457200" lvl="0" indent="-368300" algn="l" rtl="0">
-              <a:spcBef>
-                <a:spcPts val="0"/>
-              </a:spcBef>
-              <a:spcAft>
-                <a:spcPts val="0"/>
-              </a:spcAft>
-              <a:buSzPts val="2200"/>
-              <a:buChar char="●"/>
-            </a:pPr>
-            <a:r>
-              <a:rPr lang="en" sz="2200"/>
-              <a:t>Warning</a:t>
-            </a:r>
-            <a:endParaRPr sz="2200"/>
-          </a:p>
-        </p:txBody>
-      </p:sp>
-      <p:pic>
-        <p:nvPicPr>
-          <p:cNvPr id="3" name="Picture 2">
-            <a:extLst>
-              <a:ext uri="{FF2B5EF4-FFF2-40B4-BE49-F238E27FC236}">
-                <a16:creationId xmlns:a16="http://schemas.microsoft.com/office/drawing/2014/main" id="{7B4844C9-51BC-40F3-4E5A-E5C2375B122A}"/>
-              </a:ext>
-            </a:extLst>
-          </p:cNvPr>
-          <p:cNvPicPr>
-            <a:picLocks noChangeAspect="1"/>
-          </p:cNvPicPr>
-          <p:nvPr/>
-        </p:nvPicPr>
-        <p:blipFill>
-          <a:blip r:embed="rId3"/>
-          <a:stretch>
-            <a:fillRect/>
-          </a:stretch>
-        </p:blipFill>
-        <p:spPr>
-          <a:xfrm>
-            <a:off x="5174167" y="89210"/>
-            <a:ext cx="3836018" cy="5143500"/>
-          </a:xfrm>
-          <a:prstGeom prst="rect">
-            <a:avLst/>
-          </a:prstGeom>
-        </p:spPr>
-      </p:pic>
-    </p:spTree>
-  </p:cSld>
-  <p:clrMapOvr>
-    <a:masterClrMapping/>
-  </p:clrMapOvr>
-</p:sld>
-</file>
-
-<file path=ppt/slides/slide7.xml><?xml version="1.0" encoding="utf-8"?>
-<p:sld xmlns:a="http://schemas.openxmlformats.org/drawingml/2006/main" xmlns:r="http://schemas.openxmlformats.org/officeDocument/2006/relationships" xmlns:p="http://schemas.openxmlformats.org/presentationml/2006/main">
-  <p:cSld>
-    <p:spTree>
-      <p:nvGrpSpPr>
-        <p:cNvPr id="1" name="Shape 172"/>
-        <p:cNvGrpSpPr/>
-        <p:nvPr/>
-      </p:nvGrpSpPr>
-      <p:grpSpPr>
-        <a:xfrm>
-          <a:off x="0" y="0"/>
-          <a:ext cx="0" cy="0"/>
-          <a:chOff x="0" y="0"/>
-          <a:chExt cx="0" cy="0"/>
-        </a:xfrm>
-      </p:grpSpPr>
-      <p:sp>
-        <p:nvSpPr>
-          <p:cNvPr id="173" name="Google Shape;173;p20"/>
-          <p:cNvSpPr txBox="1">
-            <a:spLocks noGrp="1"/>
-          </p:cNvSpPr>
-          <p:nvPr>
-            <p:ph type="title"/>
-          </p:nvPr>
-        </p:nvSpPr>
-        <p:spPr>
-          <a:xfrm>
-            <a:off x="1888684" y="1746100"/>
-            <a:ext cx="5377500" cy="1646100"/>
-          </a:xfrm>
-          <a:prstGeom prst="rect">
-            <a:avLst/>
-          </a:prstGeom>
-        </p:spPr>
-        <p:txBody>
-          <a:bodyPr spcFirstLastPara="1" wrap="square" lIns="91425" tIns="91425" rIns="91425" bIns="91425" anchor="ctr" anchorCtr="0">
-            <a:normAutofit/>
-          </a:bodyPr>
-          <a:lstStyle/>
-          <a:p>
-            <a:pPr marL="0" lvl="0" indent="0" algn="ctr" rtl="0">
-              <a:spcBef>
-                <a:spcPts val="0"/>
-              </a:spcBef>
-              <a:spcAft>
-                <a:spcPts val="0"/>
-              </a:spcAft>
-              <a:buNone/>
-            </a:pPr>
-            <a:r>
-              <a:rPr lang="en"/>
-              <a:t>THE BACK END</a:t>
-            </a:r>
-            <a:endParaRPr/>
-          </a:p>
-        </p:txBody>
-      </p:sp>
-    </p:spTree>
-  </p:cSld>
-  <p:clrMapOvr>
-    <a:masterClrMapping/>
-  </p:clrMapOvr>
-</p:sld>
-</file>
-
-<file path=ppt/slides/slide8.xml><?xml version="1.0" encoding="utf-8"?>
-<p:sld xmlns:a="http://schemas.openxmlformats.org/drawingml/2006/main" xmlns:r="http://schemas.openxmlformats.org/officeDocument/2006/relationships" xmlns:p="http://schemas.openxmlformats.org/presentationml/2006/main">
-  <p:cSld>
-    <p:spTree>
-      <p:nvGrpSpPr>
-        <p:cNvPr id="1" name="Shape 177"/>
-        <p:cNvGrpSpPr/>
-        <p:nvPr/>
-      </p:nvGrpSpPr>
-      <p:grpSpPr>
-        <a:xfrm>
-          <a:off x="0" y="0"/>
-          <a:ext cx="0" cy="0"/>
-          <a:chOff x="0" y="0"/>
-          <a:chExt cx="0" cy="0"/>
-        </a:xfrm>
-      </p:grpSpPr>
-      <p:sp>
-        <p:nvSpPr>
-          <p:cNvPr id="178" name="Google Shape;178;p21"/>
-          <p:cNvSpPr txBox="1">
-            <a:spLocks noGrp="1"/>
-          </p:cNvSpPr>
-          <p:nvPr>
-            <p:ph type="title"/>
-          </p:nvPr>
-        </p:nvSpPr>
-        <p:spPr>
-          <a:xfrm>
-            <a:off x="819150" y="845600"/>
-            <a:ext cx="7505700" cy="954600"/>
-          </a:xfrm>
-          <a:prstGeom prst="rect">
-            <a:avLst/>
-          </a:prstGeom>
-        </p:spPr>
-        <p:txBody>
-          <a:bodyPr spcFirstLastPara="1" wrap="square" lIns="91425" tIns="91425" rIns="91425" bIns="91425" anchor="t" anchorCtr="0">
-            <a:normAutofit/>
-          </a:bodyPr>
-          <a:lstStyle/>
-          <a:p>
-            <a:pPr marL="0" lvl="0" indent="0" algn="l" rtl="0">
-              <a:spcBef>
-                <a:spcPts val="0"/>
-              </a:spcBef>
-              <a:spcAft>
-                <a:spcPts val="0"/>
-              </a:spcAft>
-              <a:buNone/>
-            </a:pPr>
-            <a:r>
-              <a:rPr lang="en"/>
-              <a:t>React</a:t>
-            </a:r>
-            <a:endParaRPr/>
-          </a:p>
-        </p:txBody>
-      </p:sp>
-      <p:sp>
-        <p:nvSpPr>
-          <p:cNvPr id="179" name="Google Shape;179;p21"/>
-          <p:cNvSpPr txBox="1">
-            <a:spLocks noGrp="1"/>
-          </p:cNvSpPr>
-          <p:nvPr>
-            <p:ph type="body" idx="1"/>
-          </p:nvPr>
-        </p:nvSpPr>
-        <p:spPr>
-          <a:xfrm>
-            <a:off x="106600" y="1800200"/>
-            <a:ext cx="7505700" cy="2448000"/>
-          </a:xfrm>
-          <a:prstGeom prst="rect">
-            <a:avLst/>
-          </a:prstGeom>
-        </p:spPr>
-        <p:txBody>
-          <a:bodyPr spcFirstLastPara="1" wrap="square" lIns="91425" tIns="91425" rIns="91425" bIns="91425" anchor="t" anchorCtr="0">
-            <a:normAutofit/>
-          </a:bodyPr>
-          <a:lstStyle/>
-          <a:p>
-            <a:pPr marL="457200" lvl="0" indent="-368300" algn="l" rtl="0">
-              <a:spcBef>
-                <a:spcPts val="0"/>
-              </a:spcBef>
-              <a:spcAft>
-                <a:spcPts val="0"/>
-              </a:spcAft>
-              <a:buSzPts val="2200"/>
-              <a:buChar char="●"/>
-            </a:pPr>
-            <a:r>
-              <a:rPr lang="en" sz="2200"/>
-              <a:t>How it works</a:t>
-            </a:r>
-            <a:endParaRPr sz="2200"/>
-          </a:p>
-          <a:p>
-            <a:pPr marL="457200" lvl="0" indent="-368300" algn="l" rtl="0">
-              <a:spcBef>
-                <a:spcPts val="0"/>
-              </a:spcBef>
-              <a:spcAft>
-                <a:spcPts val="0"/>
-              </a:spcAft>
-              <a:buSzPts val="2200"/>
-              <a:buChar char="●"/>
-            </a:pPr>
-            <a:r>
-              <a:rPr lang="en" sz="2200"/>
-              <a:t>How it fits with the project</a:t>
-            </a:r>
-            <a:endParaRPr sz="2200"/>
-          </a:p>
-          <a:p>
-            <a:pPr marL="457200" lvl="0" indent="-368300" algn="l" rtl="0">
-              <a:spcBef>
-                <a:spcPts val="0"/>
-              </a:spcBef>
-              <a:spcAft>
-                <a:spcPts val="0"/>
-              </a:spcAft>
-              <a:buSzPts val="2200"/>
-              <a:buChar char="●"/>
-            </a:pPr>
-            <a:r>
-              <a:rPr lang="en" sz="2200"/>
-              <a:t>Examples of how it will be used</a:t>
-            </a:r>
-            <a:endParaRPr sz="2200"/>
-          </a:p>
-          <a:p>
-            <a:pPr marL="457200" lvl="0" indent="-368300" algn="l" rtl="0">
-              <a:spcBef>
-                <a:spcPts val="0"/>
-              </a:spcBef>
-              <a:spcAft>
-                <a:spcPts val="0"/>
-              </a:spcAft>
-              <a:buSzPts val="2200"/>
-              <a:buChar char="●"/>
-            </a:pPr>
-            <a:r>
-              <a:rPr lang="en" sz="2200"/>
-              <a:t>Sharing is caring (and more efficient)</a:t>
-            </a:r>
-            <a:endParaRPr sz="2200"/>
-          </a:p>
-        </p:txBody>
-      </p:sp>
-      <p:pic>
-        <p:nvPicPr>
-          <p:cNvPr id="180" name="Google Shape;180;p21"/>
-          <p:cNvPicPr preferRelativeResize="0"/>
-          <p:nvPr/>
-        </p:nvPicPr>
-        <p:blipFill>
-          <a:blip r:embed="rId3">
-            <a:alphaModFix/>
-          </a:blip>
-          <a:stretch>
-            <a:fillRect/>
-          </a:stretch>
-        </p:blipFill>
-        <p:spPr>
-          <a:xfrm>
-            <a:off x="4572000" y="0"/>
-            <a:ext cx="4600499" cy="3295550"/>
           </a:xfrm>
           <a:prstGeom prst="rect">
             <a:avLst/>
@@ -12318,12 +12078,12 @@
 </p:sld>
 </file>
 
-<file path=ppt/slides/slide9.xml><?xml version="1.0" encoding="utf-8"?>
-<p:sld xmlns:a="http://schemas.openxmlformats.org/drawingml/2006/main" xmlns:r="http://schemas.openxmlformats.org/officeDocument/2006/relationships" xmlns:p="http://schemas.openxmlformats.org/presentationml/2006/main">
+<file path=ppt/slides/slide7.xml><?xml version="1.0" encoding="utf-8"?>
+<p:sld xmlns:a="http://schemas.openxmlformats.org/drawingml/2006/main" xmlns:r="http://schemas.openxmlformats.org/officeDocument/2006/relationships" xmlns:mc="http://schemas.openxmlformats.org/markup-compatibility/2006" xmlns:mv="urn:schemas-microsoft-com:mac:vml" xmlns:p="http://schemas.openxmlformats.org/presentationml/2006/main" xmlns:c="http://schemas.openxmlformats.org/drawingml/2006/chart" xmlns:dgm="http://schemas.openxmlformats.org/drawingml/2006/diagram" xmlns:o="urn:schemas-microsoft-com:office:office" xmlns:v="urn:schemas-microsoft-com:vml" xmlns:pvml="urn:schemas-microsoft-com:office:powerpoint" xmlns:com="http://schemas.openxmlformats.org/drawingml/2006/compatibility" xmlns:p14="http://schemas.microsoft.com/office/powerpoint/2010/main" xmlns:p15="http://schemas.microsoft.com/office/powerpoint/2012/main" xmlns:ahyp="http://schemas.microsoft.com/office/drawing/2018/hyperlinkcolor">
   <p:cSld>
     <p:spTree>
       <p:nvGrpSpPr>
-        <p:cNvPr id="1" name="Shape 184"/>
+        <p:cNvPr id="165" name="Shape 165"/>
         <p:cNvGrpSpPr/>
         <p:nvPr/>
       </p:nvGrpSpPr>
@@ -12337,10 +12097,210 @@
       </p:grpSpPr>
       <p:sp>
         <p:nvSpPr>
-          <p:cNvPr id="185" name="Google Shape;185;p22"/>
-          <p:cNvSpPr txBox="1">
-            <a:spLocks noGrp="1"/>
-          </p:cNvSpPr>
+          <p:cNvPr id="166" name="Google Shape;166;p19"/>
+          <p:cNvSpPr txBox="1"/>
+          <p:nvPr>
+            <p:ph type="title"/>
+          </p:nvPr>
+        </p:nvSpPr>
+        <p:spPr>
+          <a:xfrm>
+            <a:off x="819150" y="845600"/>
+            <a:ext cx="7505700" cy="954600"/>
+          </a:xfrm>
+          <a:prstGeom prst="rect">
+            <a:avLst/>
+          </a:prstGeom>
+        </p:spPr>
+        <p:txBody>
+          <a:bodyPr anchorCtr="0" anchor="t" bIns="91425" lIns="91425" spcFirstLastPara="1" rIns="91425" wrap="square" tIns="91425">
+            <a:normAutofit/>
+          </a:bodyPr>
+          <a:lstStyle/>
+          <a:p>
+            <a:pPr indent="0" lvl="0" marL="0" rtl="0" algn="l">
+              <a:spcBef>
+                <a:spcPts val="0"/>
+              </a:spcBef>
+              <a:spcAft>
+                <a:spcPts val="0"/>
+              </a:spcAft>
+              <a:buNone/>
+            </a:pPr>
+            <a:r>
+              <a:rPr lang="en"/>
+              <a:t>View Itinerary</a:t>
+            </a:r>
+            <a:endParaRPr/>
+          </a:p>
+        </p:txBody>
+      </p:sp>
+      <p:sp>
+        <p:nvSpPr>
+          <p:cNvPr id="167" name="Google Shape;167;p19"/>
+          <p:cNvSpPr txBox="1"/>
+          <p:nvPr>
+            <p:ph idx="1" type="body"/>
+          </p:nvPr>
+        </p:nvSpPr>
+        <p:spPr>
+          <a:xfrm>
+            <a:off x="424450" y="1800200"/>
+            <a:ext cx="7505700" cy="2448000"/>
+          </a:xfrm>
+          <a:prstGeom prst="rect">
+            <a:avLst/>
+          </a:prstGeom>
+        </p:spPr>
+        <p:txBody>
+          <a:bodyPr anchorCtr="0" anchor="t" bIns="91425" lIns="91425" spcFirstLastPara="1" rIns="91425" wrap="square" tIns="91425">
+            <a:normAutofit/>
+          </a:bodyPr>
+          <a:lstStyle/>
+          <a:p>
+            <a:pPr indent="-368300" lvl="0" marL="457200" rtl="0" algn="l">
+              <a:spcBef>
+                <a:spcPts val="0"/>
+              </a:spcBef>
+              <a:spcAft>
+                <a:spcPts val="0"/>
+              </a:spcAft>
+              <a:buSzPts val="2200"/>
+              <a:buChar char="●"/>
+            </a:pPr>
+            <a:r>
+              <a:rPr lang="en" sz="2200"/>
+              <a:t>Empty Page</a:t>
+            </a:r>
+            <a:endParaRPr sz="2200"/>
+          </a:p>
+          <a:p>
+            <a:pPr indent="-368300" lvl="0" marL="457200" rtl="0" algn="l">
+              <a:spcBef>
+                <a:spcPts val="0"/>
+              </a:spcBef>
+              <a:spcAft>
+                <a:spcPts val="0"/>
+              </a:spcAft>
+              <a:buSzPts val="2200"/>
+              <a:buChar char="●"/>
+            </a:pPr>
+            <a:r>
+              <a:rPr lang="en" sz="2200"/>
+              <a:t>Card Presentation (and Contents)</a:t>
+            </a:r>
+            <a:endParaRPr sz="2200"/>
+          </a:p>
+          <a:p>
+            <a:pPr indent="-368300" lvl="0" marL="457200" rtl="0" algn="l">
+              <a:spcBef>
+                <a:spcPts val="0"/>
+              </a:spcBef>
+              <a:spcAft>
+                <a:spcPts val="0"/>
+              </a:spcAft>
+              <a:buSzPts val="2200"/>
+              <a:buChar char="●"/>
+            </a:pPr>
+            <a:r>
+              <a:rPr lang="en" sz="2200"/>
+              <a:t>Expanded cards</a:t>
+            </a:r>
+            <a:endParaRPr sz="2200"/>
+          </a:p>
+          <a:p>
+            <a:pPr indent="-368300" lvl="0" marL="457200" rtl="0" algn="l">
+              <a:spcBef>
+                <a:spcPts val="0"/>
+              </a:spcBef>
+              <a:spcAft>
+                <a:spcPts val="0"/>
+              </a:spcAft>
+              <a:buSzPts val="2200"/>
+              <a:buChar char="●"/>
+            </a:pPr>
+            <a:r>
+              <a:rPr lang="en" sz="2200"/>
+              <a:t>Edit mode (both event and day)</a:t>
+            </a:r>
+            <a:endParaRPr sz="2200"/>
+          </a:p>
+          <a:p>
+            <a:pPr indent="-368300" lvl="0" marL="457200" rtl="0" algn="l">
+              <a:spcBef>
+                <a:spcPts val="0"/>
+              </a:spcBef>
+              <a:spcAft>
+                <a:spcPts val="0"/>
+              </a:spcAft>
+              <a:buSzPts val="2200"/>
+              <a:buChar char="●"/>
+            </a:pPr>
+            <a:r>
+              <a:rPr lang="en" sz="2200"/>
+              <a:t>Warning</a:t>
+            </a:r>
+            <a:endParaRPr sz="2200"/>
+          </a:p>
+        </p:txBody>
+      </p:sp>
+      <p:pic>
+        <p:nvPicPr>
+          <p:cNvPr id="168" name="Google Shape;168;p19" title="View_Itinerary.png"/>
+          <p:cNvPicPr preferRelativeResize="0"/>
+          <p:nvPr/>
+        </p:nvPicPr>
+        <p:blipFill>
+          <a:blip r:embed="rId3">
+            <a:alphaModFix/>
+          </a:blip>
+          <a:stretch>
+            <a:fillRect/>
+          </a:stretch>
+        </p:blipFill>
+        <p:spPr>
+          <a:xfrm>
+            <a:off x="5971888" y="0"/>
+            <a:ext cx="3172124" cy="5143500"/>
+          </a:xfrm>
+          <a:prstGeom prst="rect">
+            <a:avLst/>
+          </a:prstGeom>
+          <a:noFill/>
+          <a:ln>
+            <a:noFill/>
+          </a:ln>
+        </p:spPr>
+      </p:pic>
+    </p:spTree>
+  </p:cSld>
+  <p:clrMapOvr>
+    <a:masterClrMapping/>
+  </p:clrMapOvr>
+</p:sld>
+</file>
+
+<file path=ppt/slides/slide8.xml><?xml version="1.0" encoding="utf-8"?>
+<p:sld xmlns:a="http://schemas.openxmlformats.org/drawingml/2006/main" xmlns:r="http://schemas.openxmlformats.org/officeDocument/2006/relationships" xmlns:mc="http://schemas.openxmlformats.org/markup-compatibility/2006" xmlns:mv="urn:schemas-microsoft-com:mac:vml" xmlns:p="http://schemas.openxmlformats.org/presentationml/2006/main" xmlns:c="http://schemas.openxmlformats.org/drawingml/2006/chart" xmlns:dgm="http://schemas.openxmlformats.org/drawingml/2006/diagram" xmlns:o="urn:schemas-microsoft-com:office:office" xmlns:v="urn:schemas-microsoft-com:vml" xmlns:pvml="urn:schemas-microsoft-com:office:powerpoint" xmlns:com="http://schemas.openxmlformats.org/drawingml/2006/compatibility" xmlns:p14="http://schemas.microsoft.com/office/powerpoint/2010/main" xmlns:p15="http://schemas.microsoft.com/office/powerpoint/2012/main" xmlns:ahyp="http://schemas.microsoft.com/office/drawing/2018/hyperlinkcolor">
+  <p:cSld>
+    <p:spTree>
+      <p:nvGrpSpPr>
+        <p:cNvPr id="172" name="Shape 172"/>
+        <p:cNvGrpSpPr/>
+        <p:nvPr/>
+      </p:nvGrpSpPr>
+      <p:grpSpPr>
+        <a:xfrm>
+          <a:off x="0" y="0"/>
+          <a:ext cx="0" cy="0"/>
+          <a:chOff x="0" y="0"/>
+          <a:chExt cx="0" cy="0"/>
+        </a:xfrm>
+      </p:grpSpPr>
+      <p:sp>
+        <p:nvSpPr>
+          <p:cNvPr id="173" name="Google Shape;173;p20"/>
+          <p:cNvSpPr txBox="1"/>
           <p:nvPr>
             <p:ph type="title"/>
           </p:nvPr>
@@ -12355,15 +12315,12 @@
           </a:prstGeom>
         </p:spPr>
         <p:txBody>
-          <a:bodyPr spcFirstLastPara="1" wrap="square" lIns="91425" tIns="91425" rIns="91425" bIns="91425" anchor="ctr" anchorCtr="0">
+          <a:bodyPr anchorCtr="0" anchor="ctr" bIns="91425" lIns="91425" spcFirstLastPara="1" rIns="91425" wrap="square" tIns="91425">
             <a:normAutofit/>
           </a:bodyPr>
           <a:lstStyle/>
           <a:p>
-            <a:pPr marL="0" lvl="0" indent="0" algn="l" rtl="0">
-              <a:lnSpc>
-                <a:spcPct val="115000"/>
-              </a:lnSpc>
+            <a:pPr indent="0" lvl="0" marL="0" rtl="0" algn="ctr">
               <a:spcBef>
                 <a:spcPts val="0"/>
               </a:spcBef>
@@ -12373,34 +12330,9 @@
               <a:buNone/>
             </a:pPr>
             <a:r>
-              <a:rPr lang="en" sz="2200">
-                <a:latin typeface="Calibri"/>
-                <a:ea typeface="Calibri"/>
-                <a:cs typeface="Calibri"/>
-                <a:sym typeface="Calibri"/>
-              </a:rPr>
-              <a:t>All of the many components of React</a:t>
+              <a:rPr lang="en"/>
+              <a:t>What The Users Do Not See</a:t>
             </a:r>
-            <a:endParaRPr sz="1400">
-              <a:solidFill>
-                <a:srgbClr val="000000"/>
-              </a:solidFill>
-              <a:latin typeface="Arial"/>
-              <a:ea typeface="Arial"/>
-              <a:cs typeface="Arial"/>
-              <a:sym typeface="Arial"/>
-            </a:endParaRPr>
-          </a:p>
-          <a:p>
-            <a:pPr marL="0" lvl="0" indent="0" algn="ctr" rtl="0">
-              <a:spcBef>
-                <a:spcPts val="1200"/>
-              </a:spcBef>
-              <a:spcAft>
-                <a:spcPts val="0"/>
-              </a:spcAft>
-              <a:buNone/>
-            </a:pPr>
             <a:endParaRPr/>
           </a:p>
         </p:txBody>
@@ -12413,8 +12345,165 @@
 </p:sld>
 </file>
 
+<file path=ppt/slides/slide9.xml><?xml version="1.0" encoding="utf-8"?>
+<p:sld xmlns:a="http://schemas.openxmlformats.org/drawingml/2006/main" xmlns:r="http://schemas.openxmlformats.org/officeDocument/2006/relationships" xmlns:mc="http://schemas.openxmlformats.org/markup-compatibility/2006" xmlns:mv="urn:schemas-microsoft-com:mac:vml" xmlns:p="http://schemas.openxmlformats.org/presentationml/2006/main" xmlns:c="http://schemas.openxmlformats.org/drawingml/2006/chart" xmlns:dgm="http://schemas.openxmlformats.org/drawingml/2006/diagram" xmlns:o="urn:schemas-microsoft-com:office:office" xmlns:v="urn:schemas-microsoft-com:vml" xmlns:pvml="urn:schemas-microsoft-com:office:powerpoint" xmlns:com="http://schemas.openxmlformats.org/drawingml/2006/compatibility" xmlns:p14="http://schemas.microsoft.com/office/powerpoint/2010/main" xmlns:p15="http://schemas.microsoft.com/office/powerpoint/2012/main" xmlns:ahyp="http://schemas.microsoft.com/office/drawing/2018/hyperlinkcolor">
+  <p:cSld>
+    <p:spTree>
+      <p:nvGrpSpPr>
+        <p:cNvPr id="177" name="Shape 177"/>
+        <p:cNvGrpSpPr/>
+        <p:nvPr/>
+      </p:nvGrpSpPr>
+      <p:grpSpPr>
+        <a:xfrm>
+          <a:off x="0" y="0"/>
+          <a:ext cx="0" cy="0"/>
+          <a:chOff x="0" y="0"/>
+          <a:chExt cx="0" cy="0"/>
+        </a:xfrm>
+      </p:grpSpPr>
+      <p:sp>
+        <p:nvSpPr>
+          <p:cNvPr id="178" name="Google Shape;178;p21"/>
+          <p:cNvSpPr txBox="1"/>
+          <p:nvPr>
+            <p:ph type="title"/>
+          </p:nvPr>
+        </p:nvSpPr>
+        <p:spPr>
+          <a:xfrm>
+            <a:off x="819150" y="845600"/>
+            <a:ext cx="7505700" cy="954600"/>
+          </a:xfrm>
+          <a:prstGeom prst="rect">
+            <a:avLst/>
+          </a:prstGeom>
+        </p:spPr>
+        <p:txBody>
+          <a:bodyPr anchorCtr="0" anchor="t" bIns="91425" lIns="91425" spcFirstLastPara="1" rIns="91425" wrap="square" tIns="91425">
+            <a:normAutofit/>
+          </a:bodyPr>
+          <a:lstStyle/>
+          <a:p>
+            <a:pPr indent="0" lvl="0" marL="0" rtl="0" algn="l">
+              <a:spcBef>
+                <a:spcPts val="0"/>
+              </a:spcBef>
+              <a:spcAft>
+                <a:spcPts val="0"/>
+              </a:spcAft>
+              <a:buNone/>
+            </a:pPr>
+            <a:r>
+              <a:rPr lang="en"/>
+              <a:t>React</a:t>
+            </a:r>
+            <a:endParaRPr/>
+          </a:p>
+        </p:txBody>
+      </p:sp>
+      <p:sp>
+        <p:nvSpPr>
+          <p:cNvPr id="179" name="Google Shape;179;p21"/>
+          <p:cNvSpPr txBox="1"/>
+          <p:nvPr>
+            <p:ph idx="1" type="body"/>
+          </p:nvPr>
+        </p:nvSpPr>
+        <p:spPr>
+          <a:xfrm>
+            <a:off x="106600" y="1800200"/>
+            <a:ext cx="7505700" cy="2448000"/>
+          </a:xfrm>
+          <a:prstGeom prst="rect">
+            <a:avLst/>
+          </a:prstGeom>
+        </p:spPr>
+        <p:txBody>
+          <a:bodyPr anchorCtr="0" anchor="t" bIns="91425" lIns="91425" spcFirstLastPara="1" rIns="91425" wrap="square" tIns="91425">
+            <a:normAutofit/>
+          </a:bodyPr>
+          <a:lstStyle/>
+          <a:p>
+            <a:pPr indent="-368300" lvl="0" marL="457200" rtl="0" algn="l">
+              <a:spcBef>
+                <a:spcPts val="0"/>
+              </a:spcBef>
+              <a:spcAft>
+                <a:spcPts val="0"/>
+              </a:spcAft>
+              <a:buSzPts val="2200"/>
+              <a:buChar char="●"/>
+            </a:pPr>
+            <a:r>
+              <a:rPr lang="en" sz="2200"/>
+              <a:t>How it works</a:t>
+            </a:r>
+            <a:endParaRPr sz="2200"/>
+          </a:p>
+          <a:p>
+            <a:pPr indent="-368300" lvl="0" marL="457200" rtl="0" algn="l">
+              <a:spcBef>
+                <a:spcPts val="0"/>
+              </a:spcBef>
+              <a:spcAft>
+                <a:spcPts val="0"/>
+              </a:spcAft>
+              <a:buSzPts val="2200"/>
+              <a:buChar char="●"/>
+            </a:pPr>
+            <a:r>
+              <a:rPr lang="en" sz="2200"/>
+              <a:t>How it fits with the project</a:t>
+            </a:r>
+            <a:endParaRPr sz="2200"/>
+          </a:p>
+          <a:p>
+            <a:pPr indent="-368300" lvl="0" marL="457200" rtl="0" algn="l">
+              <a:spcBef>
+                <a:spcPts val="0"/>
+              </a:spcBef>
+              <a:spcAft>
+                <a:spcPts val="0"/>
+              </a:spcAft>
+              <a:buSzPts val="2200"/>
+              <a:buChar char="●"/>
+            </a:pPr>
+            <a:r>
+              <a:rPr lang="en" sz="2200"/>
+              <a:t>Examples of how it will be used</a:t>
+            </a:r>
+            <a:endParaRPr sz="2200"/>
+          </a:p>
+          <a:p>
+            <a:pPr indent="-368300" lvl="0" marL="457200" rtl="0" algn="l">
+              <a:spcBef>
+                <a:spcPts val="0"/>
+              </a:spcBef>
+              <a:spcAft>
+                <a:spcPts val="0"/>
+              </a:spcAft>
+              <a:buSzPts val="2200"/>
+              <a:buChar char="●"/>
+            </a:pPr>
+            <a:r>
+              <a:rPr lang="en" sz="2200"/>
+              <a:t>Sharing is caring (and more efficient)</a:t>
+            </a:r>
+            <a:endParaRPr sz="2200"/>
+          </a:p>
+        </p:txBody>
+      </p:sp>
+    </p:spTree>
+  </p:cSld>
+  <p:clrMapOvr>
+    <a:masterClrMapping/>
+  </p:clrMapOvr>
+</p:sld>
+</file>
+
 <file path=ppt/theme/theme1.xml><?xml version="1.0" encoding="utf-8"?>
-<a:theme xmlns:a="http://schemas.openxmlformats.org/drawingml/2006/main" name="Shift">
+<a:theme xmlns:a="http://schemas.openxmlformats.org/drawingml/2006/main" xmlns:r="http://schemas.openxmlformats.org/officeDocument/2006/relationships" name="Shift">
   <a:themeElements>
     <a:clrScheme name="Shift">
       <a:dk1>
@@ -12689,13 +12778,11 @@
       </a:bgFillStyleLst>
     </a:fmtScheme>
   </a:themeElements>
-  <a:objectDefaults/>
-  <a:extraClrSchemeLst/>
 </a:theme>
 </file>
 
 <file path=ppt/theme/theme2.xml><?xml version="1.0" encoding="utf-8"?>
-<a:theme xmlns:a="http://schemas.openxmlformats.org/drawingml/2006/main">
+<a:theme xmlns:a="http://schemas.openxmlformats.org/drawingml/2006/main" xmlns:r="http://schemas.openxmlformats.org/officeDocument/2006/relationships">
   <a:themeElements>
     <a:clrScheme name="Default">
       <a:dk1>
@@ -12970,7 +13057,5 @@
       </a:bgFillStyleLst>
     </a:fmtScheme>
   </a:themeElements>
-  <a:objectDefaults/>
-  <a:extraClrSchemeLst/>
 </a:theme>
 </file>
--- a/Documents/Project Design/Project Design.pptx
+++ b/Documents/Project Design/Project Design.pptx
@@ -24,17 +24,16 @@
     <p:sldId id="269" r:id="rId19"/>
     <p:sldId id="270" r:id="rId20"/>
     <p:sldId id="271" r:id="rId21"/>
-    <p:sldId id="272" r:id="rId22"/>
   </p:sldIdLst>
   <p:sldSz cy="5143500" cx="9144000"/>
   <p:notesSz cx="6858000" cy="9144000"/>
   <p:embeddedFontLst>
     <p:embeddedFont>
       <p:font typeface="Nunito"/>
-      <p:regular r:id="rId23"/>
-      <p:bold r:id="rId24"/>
-      <p:italic r:id="rId25"/>
-      <p:boldItalic r:id="rId26"/>
+      <p:regular r:id="rId22"/>
+      <p:bold r:id="rId23"/>
+      <p:italic r:id="rId24"/>
+      <p:boldItalic r:id="rId25"/>
     </p:embeddedFont>
   </p:embeddedFontLst>
   <p:defaultTextStyle>
@@ -815,7 +814,7 @@
   <p:cSld>
     <p:spTree>
       <p:nvGrpSpPr>
-        <p:cNvPr id="180" name="Shape 180"/>
+        <p:cNvPr id="179" name="Shape 179"/>
         <p:cNvGrpSpPr/>
         <p:nvPr/>
       </p:nvGrpSpPr>
@@ -829,7 +828,7 @@
       </p:grpSpPr>
       <p:sp>
         <p:nvSpPr>
-          <p:cNvPr id="181" name="Google Shape;181;g3892eb97007_0_27:notes"/>
+          <p:cNvPr id="180" name="Google Shape;180;g3892eb97007_0_9:notes"/>
           <p:cNvSpPr/>
           <p:nvPr>
             <p:ph idx="2" type="sldImg"/>
@@ -864,7 +863,7 @@
       </p:sp>
       <p:sp>
         <p:nvSpPr>
-          <p:cNvPr id="182" name="Google Shape;182;g3892eb97007_0_27:notes"/>
+          <p:cNvPr id="181" name="Google Shape;181;g3892eb97007_0_9:notes"/>
           <p:cNvSpPr txBox="1"/>
           <p:nvPr>
             <p:ph idx="1" type="body"/>
@@ -914,7 +913,7 @@
   <p:cSld>
     <p:spTree>
       <p:nvGrpSpPr>
-        <p:cNvPr id="185" name="Shape 185"/>
+        <p:cNvPr id="184" name="Shape 184"/>
         <p:cNvGrpSpPr/>
         <p:nvPr/>
       </p:nvGrpSpPr>
@@ -928,7 +927,7 @@
       </p:grpSpPr>
       <p:sp>
         <p:nvSpPr>
-          <p:cNvPr id="186" name="Google Shape;186;g3892eb97007_0_0:notes"/>
+          <p:cNvPr id="185" name="Google Shape;185;g3892eb97007_0_14:notes"/>
           <p:cNvSpPr/>
           <p:nvPr>
             <p:ph idx="2" type="sldImg"/>
@@ -963,7 +962,7 @@
       </p:sp>
       <p:sp>
         <p:nvSpPr>
-          <p:cNvPr id="187" name="Google Shape;187;g3892eb97007_0_0:notes"/>
+          <p:cNvPr id="186" name="Google Shape;186;g3892eb97007_0_14:notes"/>
           <p:cNvSpPr txBox="1"/>
           <p:nvPr>
             <p:ph idx="1" type="body"/>
@@ -1027,7 +1026,7 @@
       </p:grpSpPr>
       <p:sp>
         <p:nvSpPr>
-          <p:cNvPr id="191" name="Google Shape;191;g3892eb97007_0_9:notes"/>
+          <p:cNvPr id="191" name="Google Shape;191;g3892eb97007_0_19:notes"/>
           <p:cNvSpPr/>
           <p:nvPr>
             <p:ph idx="2" type="sldImg"/>
@@ -1062,7 +1061,7 @@
       </p:sp>
       <p:sp>
         <p:nvSpPr>
-          <p:cNvPr id="192" name="Google Shape;192;g3892eb97007_0_9:notes"/>
+          <p:cNvPr id="192" name="Google Shape;192;g3892eb97007_0_19:notes"/>
           <p:cNvSpPr txBox="1"/>
           <p:nvPr>
             <p:ph idx="1" type="body"/>
@@ -1112,7 +1111,7 @@
   <p:cSld>
     <p:spTree>
       <p:nvGrpSpPr>
-        <p:cNvPr id="195" name="Shape 195"/>
+        <p:cNvPr id="196" name="Shape 196"/>
         <p:cNvGrpSpPr/>
         <p:nvPr/>
       </p:nvGrpSpPr>
@@ -1126,7 +1125,7 @@
       </p:grpSpPr>
       <p:sp>
         <p:nvSpPr>
-          <p:cNvPr id="196" name="Google Shape;196;g3892eb97007_0_14:notes"/>
+          <p:cNvPr id="197" name="Google Shape;197;g387f2e334ed_0_303:notes"/>
           <p:cNvSpPr/>
           <p:nvPr>
             <p:ph idx="2" type="sldImg"/>
@@ -1161,7 +1160,7 @@
       </p:sp>
       <p:sp>
         <p:nvSpPr>
-          <p:cNvPr id="197" name="Google Shape;197;g3892eb97007_0_14:notes"/>
+          <p:cNvPr id="198" name="Google Shape;198;g387f2e334ed_0_303:notes"/>
           <p:cNvSpPr txBox="1"/>
           <p:nvPr>
             <p:ph idx="1" type="body"/>
@@ -1211,7 +1210,7 @@
   <p:cSld>
     <p:spTree>
       <p:nvGrpSpPr>
-        <p:cNvPr id="201" name="Shape 201"/>
+        <p:cNvPr id="202" name="Shape 202"/>
         <p:cNvGrpSpPr/>
         <p:nvPr/>
       </p:nvGrpSpPr>
@@ -1225,7 +1224,7 @@
       </p:grpSpPr>
       <p:sp>
         <p:nvSpPr>
-          <p:cNvPr id="202" name="Google Shape;202;g3892eb97007_0_19:notes"/>
+          <p:cNvPr id="203" name="Google Shape;203;g38950ece819_1_0:notes"/>
           <p:cNvSpPr/>
           <p:nvPr>
             <p:ph idx="2" type="sldImg"/>
@@ -1260,7 +1259,7 @@
       </p:sp>
       <p:sp>
         <p:nvSpPr>
-          <p:cNvPr id="203" name="Google Shape;203;g3892eb97007_0_19:notes"/>
+          <p:cNvPr id="204" name="Google Shape;204;g38950ece819_1_0:notes"/>
           <p:cNvSpPr txBox="1"/>
           <p:nvPr>
             <p:ph idx="1" type="body"/>
@@ -1310,7 +1309,7 @@
   <p:cSld>
     <p:spTree>
       <p:nvGrpSpPr>
-        <p:cNvPr id="206" name="Shape 206"/>
+        <p:cNvPr id="208" name="Shape 208"/>
         <p:cNvGrpSpPr/>
         <p:nvPr/>
       </p:nvGrpSpPr>
@@ -1324,7 +1323,7 @@
       </p:grpSpPr>
       <p:sp>
         <p:nvSpPr>
-          <p:cNvPr id="207" name="Google Shape;207;g387f2e334ed_0_303:notes"/>
+          <p:cNvPr id="209" name="Google Shape;209;g38950ece819_1_5:notes"/>
           <p:cNvSpPr/>
           <p:nvPr>
             <p:ph idx="2" type="sldImg"/>
@@ -1359,7 +1358,7 @@
       </p:sp>
       <p:sp>
         <p:nvSpPr>
-          <p:cNvPr id="208" name="Google Shape;208;g387f2e334ed_0_303:notes"/>
+          <p:cNvPr id="210" name="Google Shape;210;g38950ece819_1_5:notes"/>
           <p:cNvSpPr txBox="1"/>
           <p:nvPr>
             <p:ph idx="1" type="body"/>
@@ -1409,7 +1408,7 @@
   <p:cSld>
     <p:spTree>
       <p:nvGrpSpPr>
-        <p:cNvPr id="213" name="Shape 213"/>
+        <p:cNvPr id="214" name="Shape 214"/>
         <p:cNvGrpSpPr/>
         <p:nvPr/>
       </p:nvGrpSpPr>
@@ -1423,7 +1422,7 @@
       </p:grpSpPr>
       <p:sp>
         <p:nvSpPr>
-          <p:cNvPr id="214" name="Google Shape;214;g3892e553a8c_0_124:notes"/>
+          <p:cNvPr id="215" name="Google Shape;215;g38950ece819_2_2:notes"/>
           <p:cNvSpPr/>
           <p:nvPr>
             <p:ph idx="2" type="sldImg"/>
@@ -1458,106 +1457,7 @@
       </p:sp>
       <p:sp>
         <p:nvSpPr>
-          <p:cNvPr id="215" name="Google Shape;215;g3892e553a8c_0_124:notes"/>
-          <p:cNvSpPr txBox="1"/>
-          <p:nvPr>
-            <p:ph idx="1" type="body"/>
-          </p:nvPr>
-        </p:nvSpPr>
-        <p:spPr>
-          <a:xfrm>
-            <a:off x="685800" y="4343400"/>
-            <a:ext cx="5486400" cy="4114800"/>
-          </a:xfrm>
-          <a:prstGeom prst="rect">
-            <a:avLst/>
-          </a:prstGeom>
-        </p:spPr>
-        <p:txBody>
-          <a:bodyPr anchorCtr="0" anchor="t" bIns="91425" lIns="91425" spcFirstLastPara="1" rIns="91425" wrap="square" tIns="91425">
-            <a:noAutofit/>
-          </a:bodyPr>
-          <a:lstStyle/>
-          <a:p>
-            <a:pPr indent="0" lvl="0" marL="0" rtl="0" algn="l">
-              <a:spcBef>
-                <a:spcPts val="0"/>
-              </a:spcBef>
-              <a:spcAft>
-                <a:spcPts val="0"/>
-              </a:spcAft>
-              <a:buNone/>
-            </a:pPr>
-            <a:r>
-              <a:t/>
-            </a:r>
-            <a:endParaRPr/>
-          </a:p>
-        </p:txBody>
-      </p:sp>
-    </p:spTree>
-  </p:cSld>
-  <p:clrMapOvr>
-    <a:masterClrMapping/>
-  </p:clrMapOvr>
-</p:notes>
-</file>
-
-<file path=ppt/notesSlides/notesSlide17.xml><?xml version="1.0" encoding="utf-8"?>
-<p:notes xmlns:a="http://schemas.openxmlformats.org/drawingml/2006/main" xmlns:r="http://schemas.openxmlformats.org/officeDocument/2006/relationships" xmlns:mc="http://schemas.openxmlformats.org/markup-compatibility/2006" xmlns:mv="urn:schemas-microsoft-com:mac:vml" xmlns:p="http://schemas.openxmlformats.org/presentationml/2006/main" xmlns:c="http://schemas.openxmlformats.org/drawingml/2006/chart" xmlns:dgm="http://schemas.openxmlformats.org/drawingml/2006/diagram" xmlns:o="urn:schemas-microsoft-com:office:office" xmlns:v="urn:schemas-microsoft-com:vml" xmlns:pvml="urn:schemas-microsoft-com:office:powerpoint" xmlns:com="http://schemas.openxmlformats.org/drawingml/2006/compatibility" xmlns:p14="http://schemas.microsoft.com/office/powerpoint/2010/main" xmlns:p15="http://schemas.microsoft.com/office/powerpoint/2012/main" xmlns:ahyp="http://schemas.microsoft.com/office/drawing/2018/hyperlinkcolor" showMasterPhAnim="0" showMasterSp="0">
-  <p:cSld>
-    <p:spTree>
-      <p:nvGrpSpPr>
-        <p:cNvPr id="219" name="Shape 219"/>
-        <p:cNvGrpSpPr/>
-        <p:nvPr/>
-      </p:nvGrpSpPr>
-      <p:grpSpPr>
-        <a:xfrm>
-          <a:off x="0" y="0"/>
-          <a:ext cx="0" cy="0"/>
-          <a:chOff x="0" y="0"/>
-          <a:chExt cx="0" cy="0"/>
-        </a:xfrm>
-      </p:grpSpPr>
-      <p:sp>
-        <p:nvSpPr>
-          <p:cNvPr id="220" name="Google Shape;220;g3892e553a8c_0_129:notes"/>
-          <p:cNvSpPr/>
-          <p:nvPr>
-            <p:ph idx="2" type="sldImg"/>
-          </p:nvPr>
-        </p:nvSpPr>
-        <p:spPr>
-          <a:xfrm>
-            <a:off x="381300" y="685800"/>
-            <a:ext cx="6096000" cy="3429000"/>
-          </a:xfrm>
-          <a:custGeom>
-            <a:rect b="b" l="l" r="r" t="t"/>
-            <a:pathLst>
-              <a:path extrusionOk="0" h="120000" w="120000">
-                <a:moveTo>
-                  <a:pt x="0" y="0"/>
-                </a:moveTo>
-                <a:lnTo>
-                  <a:pt x="120000" y="0"/>
-                </a:lnTo>
-                <a:lnTo>
-                  <a:pt x="120000" y="120000"/>
-                </a:lnTo>
-                <a:lnTo>
-                  <a:pt x="0" y="120000"/>
-                </a:lnTo>
-                <a:close/>
-              </a:path>
-            </a:pathLst>
-          </a:custGeom>
-        </p:spPr>
-      </p:sp>
-      <p:sp>
-        <p:nvSpPr>
-          <p:cNvPr id="221" name="Google Shape;221;g3892e553a8c_0_129:notes"/>
+          <p:cNvPr id="216" name="Google Shape;216;g38950ece819_2_2:notes"/>
           <p:cNvSpPr txBox="1"/>
           <p:nvPr>
             <p:ph idx="1" type="body"/>
@@ -2215,7 +2115,7 @@
       </p:grpSpPr>
       <p:sp>
         <p:nvSpPr>
-          <p:cNvPr id="170" name="Google Shape;170;g387f2e334ed_0_291:notes"/>
+          <p:cNvPr id="170" name="Google Shape;170;g3892eb97007_0_27:notes"/>
           <p:cNvSpPr/>
           <p:nvPr>
             <p:ph idx="2" type="sldImg"/>
@@ -2250,7 +2150,7 @@
       </p:sp>
       <p:sp>
         <p:nvSpPr>
-          <p:cNvPr id="171" name="Google Shape;171;g387f2e334ed_0_291:notes"/>
+          <p:cNvPr id="171" name="Google Shape;171;g3892eb97007_0_27:notes"/>
           <p:cNvSpPr txBox="1"/>
           <p:nvPr>
             <p:ph idx="1" type="body"/>
@@ -2314,7 +2214,7 @@
       </p:grpSpPr>
       <p:sp>
         <p:nvSpPr>
-          <p:cNvPr id="175" name="Google Shape;175;g387f2e334ed_0_296:notes"/>
+          <p:cNvPr id="175" name="Google Shape;175;g3892eb97007_0_0:notes"/>
           <p:cNvSpPr/>
           <p:nvPr>
             <p:ph idx="2" type="sldImg"/>
@@ -2349,7 +2249,7 @@
       </p:sp>
       <p:sp>
         <p:nvSpPr>
-          <p:cNvPr id="176" name="Google Shape;176;g387f2e334ed_0_296:notes"/>
+          <p:cNvPr id="176" name="Google Shape;176;g3892eb97007_0_0:notes"/>
           <p:cNvSpPr txBox="1"/>
           <p:nvPr>
             <p:ph idx="1" type="body"/>
@@ -10622,7 +10522,7 @@
   <p:cSld>
     <p:spTree>
       <p:nvGrpSpPr>
-        <p:cNvPr id="183" name="Shape 183"/>
+        <p:cNvPr id="182" name="Shape 182"/>
         <p:cNvGrpSpPr/>
         <p:nvPr/>
       </p:nvGrpSpPr>
@@ -10634,77 +10534,34 @@
           <a:chExt cx="0" cy="0"/>
         </a:xfrm>
       </p:grpSpPr>
-      <p:sp>
-        <p:nvSpPr>
-          <p:cNvPr id="184" name="Google Shape;184;p22"/>
-          <p:cNvSpPr txBox="1"/>
-          <p:nvPr>
-            <p:ph type="title"/>
-          </p:nvPr>
-        </p:nvSpPr>
+      <p:pic>
+        <p:nvPicPr>
+          <p:cNvPr id="183" name="Google Shape;183;p22"/>
+          <p:cNvPicPr preferRelativeResize="0"/>
+          <p:nvPr/>
+        </p:nvPicPr>
+        <p:blipFill>
+          <a:blip r:embed="rId3">
+            <a:alphaModFix/>
+          </a:blip>
+          <a:stretch>
+            <a:fillRect/>
+          </a:stretch>
+        </p:blipFill>
         <p:spPr>
           <a:xfrm>
-            <a:off x="1888684" y="1746100"/>
-            <a:ext cx="5377500" cy="1646100"/>
+            <a:off x="586800" y="180013"/>
+            <a:ext cx="7970399" cy="4783475"/>
           </a:xfrm>
           <a:prstGeom prst="rect">
             <a:avLst/>
           </a:prstGeom>
+          <a:noFill/>
+          <a:ln>
+            <a:noFill/>
+          </a:ln>
         </p:spPr>
-        <p:txBody>
-          <a:bodyPr anchorCtr="0" anchor="ctr" bIns="91425" lIns="91425" spcFirstLastPara="1" rIns="91425" wrap="square" tIns="91425">
-            <a:normAutofit/>
-          </a:bodyPr>
-          <a:lstStyle/>
-          <a:p>
-            <a:pPr indent="0" lvl="0" marL="0" rtl="0" algn="l">
-              <a:lnSpc>
-                <a:spcPct val="115000"/>
-              </a:lnSpc>
-              <a:spcBef>
-                <a:spcPts val="0"/>
-              </a:spcBef>
-              <a:spcAft>
-                <a:spcPts val="0"/>
-              </a:spcAft>
-              <a:buNone/>
-            </a:pPr>
-            <a:r>
-              <a:rPr lang="en" sz="2200">
-                <a:latin typeface="Calibri"/>
-                <a:ea typeface="Calibri"/>
-                <a:cs typeface="Calibri"/>
-                <a:sym typeface="Calibri"/>
-              </a:rPr>
-              <a:t>The Components</a:t>
-            </a:r>
-            <a:endParaRPr sz="1400">
-              <a:solidFill>
-                <a:srgbClr val="000000"/>
-              </a:solidFill>
-              <a:latin typeface="Arial"/>
-              <a:ea typeface="Arial"/>
-              <a:cs typeface="Arial"/>
-              <a:sym typeface="Arial"/>
-            </a:endParaRPr>
-          </a:p>
-          <a:p>
-            <a:pPr indent="0" lvl="0" marL="0" rtl="0" algn="ctr">
-              <a:spcBef>
-                <a:spcPts val="1200"/>
-              </a:spcBef>
-              <a:spcAft>
-                <a:spcPts val="0"/>
-              </a:spcAft>
-              <a:buNone/>
-            </a:pPr>
-            <a:r>
-              <a:t/>
-            </a:r>
-            <a:endParaRPr/>
-          </a:p>
-        </p:txBody>
-      </p:sp>
+      </p:pic>
     </p:spTree>
   </p:cSld>
   <p:clrMapOvr>
@@ -10718,7 +10575,7 @@
   <p:cSld>
     <p:spTree>
       <p:nvGrpSpPr>
-        <p:cNvPr id="188" name="Shape 188"/>
+        <p:cNvPr id="187" name="Shape 187"/>
         <p:cNvGrpSpPr/>
         <p:nvPr/>
       </p:nvGrpSpPr>
@@ -10732,22 +10589,48 @@
       </p:grpSpPr>
       <p:pic>
         <p:nvPicPr>
+          <p:cNvPr id="188" name="Google Shape;188;p23"/>
+          <p:cNvPicPr preferRelativeResize="0"/>
+          <p:nvPr/>
+        </p:nvPicPr>
+        <p:blipFill rotWithShape="1">
+          <a:blip r:embed="rId3">
+            <a:alphaModFix/>
+          </a:blip>
+          <a:srcRect b="51126" l="0" r="0" t="0"/>
+          <a:stretch/>
+        </p:blipFill>
+        <p:spPr>
+          <a:xfrm>
+            <a:off x="200900" y="724425"/>
+            <a:ext cx="4652675" cy="3455576"/>
+          </a:xfrm>
+          <a:prstGeom prst="rect">
+            <a:avLst/>
+          </a:prstGeom>
+          <a:noFill/>
+          <a:ln>
+            <a:noFill/>
+          </a:ln>
+        </p:spPr>
+      </p:pic>
+      <p:pic>
+        <p:nvPicPr>
           <p:cNvPr id="189" name="Google Shape;189;p23"/>
           <p:cNvPicPr preferRelativeResize="0"/>
           <p:nvPr/>
         </p:nvPicPr>
-        <p:blipFill>
+        <p:blipFill rotWithShape="1">
           <a:blip r:embed="rId3">
             <a:alphaModFix/>
           </a:blip>
-          <a:stretch>
-            <a:fillRect/>
-          </a:stretch>
+          <a:srcRect b="0" l="0" r="0" t="48725"/>
+          <a:stretch/>
         </p:blipFill>
         <p:spPr>
           <a:xfrm>
-            <a:off x="565638" y="249175"/>
-            <a:ext cx="8012724" cy="4645150"/>
+            <a:off x="4853575" y="774975"/>
+            <a:ext cx="4100450" cy="3354451"/>
           </a:xfrm>
           <a:prstGeom prst="rect">
             <a:avLst/>
@@ -10789,18 +10672,44 @@
           <p:cNvPicPr preferRelativeResize="0"/>
           <p:nvPr/>
         </p:nvPicPr>
-        <p:blipFill>
+        <p:blipFill rotWithShape="1">
           <a:blip r:embed="rId3">
             <a:alphaModFix/>
           </a:blip>
-          <a:stretch>
-            <a:fillRect/>
-          </a:stretch>
+          <a:srcRect b="0" l="0" r="0" t="41407"/>
+          <a:stretch/>
         </p:blipFill>
         <p:spPr>
           <a:xfrm>
-            <a:off x="586800" y="180013"/>
-            <a:ext cx="7970399" cy="4783475"/>
+            <a:off x="4934375" y="1064927"/>
+            <a:ext cx="3405500" cy="3013651"/>
+          </a:xfrm>
+          <a:prstGeom prst="rect">
+            <a:avLst/>
+          </a:prstGeom>
+          <a:noFill/>
+          <a:ln>
+            <a:noFill/>
+          </a:ln>
+        </p:spPr>
+      </p:pic>
+      <p:pic>
+        <p:nvPicPr>
+          <p:cNvPr id="195" name="Google Shape;195;p24"/>
+          <p:cNvPicPr preferRelativeResize="0"/>
+          <p:nvPr/>
+        </p:nvPicPr>
+        <p:blipFill rotWithShape="1">
+          <a:blip r:embed="rId3">
+            <a:alphaModFix/>
+          </a:blip>
+          <a:srcRect b="58878" l="0" r="0" t="0"/>
+          <a:stretch/>
+        </p:blipFill>
+        <p:spPr>
+          <a:xfrm>
+            <a:off x="609750" y="1514202"/>
+            <a:ext cx="3405500" cy="2115100"/>
           </a:xfrm>
           <a:prstGeom prst="rect">
             <a:avLst/>
@@ -10824,7 +10733,7 @@
   <p:cSld>
     <p:spTree>
       <p:nvGrpSpPr>
-        <p:cNvPr id="198" name="Shape 198"/>
+        <p:cNvPr id="199" name="Shape 199"/>
         <p:cNvGrpSpPr/>
         <p:nvPr/>
       </p:nvGrpSpPr>
@@ -10836,50 +10745,64 @@
           <a:chExt cx="0" cy="0"/>
         </a:xfrm>
       </p:grpSpPr>
+      <p:sp>
+        <p:nvSpPr>
+          <p:cNvPr id="200" name="Google Shape;200;p25"/>
+          <p:cNvSpPr txBox="1"/>
+          <p:nvPr>
+            <p:ph type="title"/>
+          </p:nvPr>
+        </p:nvSpPr>
+        <p:spPr>
+          <a:xfrm>
+            <a:off x="819150" y="845600"/>
+            <a:ext cx="7505700" cy="954600"/>
+          </a:xfrm>
+          <a:prstGeom prst="rect">
+            <a:avLst/>
+          </a:prstGeom>
+        </p:spPr>
+        <p:txBody>
+          <a:bodyPr anchorCtr="0" anchor="t" bIns="91425" lIns="91425" spcFirstLastPara="1" rIns="91425" wrap="square" tIns="91425">
+            <a:normAutofit/>
+          </a:bodyPr>
+          <a:lstStyle/>
+          <a:p>
+            <a:pPr indent="0" lvl="0" marL="0" rtl="0" algn="l">
+              <a:spcBef>
+                <a:spcPts val="0"/>
+              </a:spcBef>
+              <a:spcAft>
+                <a:spcPts val="0"/>
+              </a:spcAft>
+              <a:buNone/>
+            </a:pPr>
+            <a:r>
+              <a:rPr lang="en"/>
+              <a:t>Storage Documentation - ER Diagram</a:t>
+            </a:r>
+            <a:endParaRPr/>
+          </a:p>
+        </p:txBody>
+      </p:sp>
       <p:pic>
         <p:nvPicPr>
-          <p:cNvPr id="199" name="Google Shape;199;p25"/>
+          <p:cNvPr id="201" name="Google Shape;201;p25"/>
           <p:cNvPicPr preferRelativeResize="0"/>
           <p:nvPr/>
         </p:nvPicPr>
-        <p:blipFill rotWithShape="1">
+        <p:blipFill>
           <a:blip r:embed="rId3">
             <a:alphaModFix/>
           </a:blip>
-          <a:srcRect b="51126" l="0" r="0" t="0"/>
-          <a:stretch/>
+          <a:stretch>
+            <a:fillRect/>
+          </a:stretch>
         </p:blipFill>
         <p:spPr>
           <a:xfrm>
-            <a:off x="309575" y="1079400"/>
-            <a:ext cx="4652675" cy="3455576"/>
-          </a:xfrm>
-          <a:prstGeom prst="rect">
-            <a:avLst/>
-          </a:prstGeom>
-          <a:noFill/>
-          <a:ln>
-            <a:noFill/>
-          </a:ln>
-        </p:spPr>
-      </p:pic>
-      <p:pic>
-        <p:nvPicPr>
-          <p:cNvPr id="200" name="Google Shape;200;p25"/>
-          <p:cNvPicPr preferRelativeResize="0"/>
-          <p:nvPr/>
-        </p:nvPicPr>
-        <p:blipFill rotWithShape="1">
-          <a:blip r:embed="rId3">
-            <a:alphaModFix/>
-          </a:blip>
-          <a:srcRect b="0" l="0" r="0" t="0"/>
-          <a:stretch/>
-        </p:blipFill>
-        <p:spPr>
-          <a:xfrm>
-            <a:off x="5731895" y="203126"/>
-            <a:ext cx="3384606" cy="5143535"/>
+            <a:off x="766475" y="1628775"/>
+            <a:ext cx="7611050" cy="2829750"/>
           </a:xfrm>
           <a:prstGeom prst="rect">
             <a:avLst/>
@@ -10903,7 +10826,7 @@
   <p:cSld>
     <p:spTree>
       <p:nvGrpSpPr>
-        <p:cNvPr id="204" name="Shape 204"/>
+        <p:cNvPr id="205" name="Shape 205"/>
         <p:cNvGrpSpPr/>
         <p:nvPr/>
       </p:nvGrpSpPr>
@@ -10915,9 +10838,49 @@
           <a:chExt cx="0" cy="0"/>
         </a:xfrm>
       </p:grpSpPr>
+      <p:sp>
+        <p:nvSpPr>
+          <p:cNvPr id="206" name="Google Shape;206;p26"/>
+          <p:cNvSpPr txBox="1"/>
+          <p:nvPr>
+            <p:ph type="title"/>
+          </p:nvPr>
+        </p:nvSpPr>
+        <p:spPr>
+          <a:xfrm>
+            <a:off x="819150" y="845600"/>
+            <a:ext cx="7505700" cy="954600"/>
+          </a:xfrm>
+          <a:prstGeom prst="rect">
+            <a:avLst/>
+          </a:prstGeom>
+        </p:spPr>
+        <p:txBody>
+          <a:bodyPr anchorCtr="0" anchor="t" bIns="91425" lIns="91425" spcFirstLastPara="1" rIns="91425" wrap="square" tIns="91425">
+            <a:normAutofit/>
+          </a:bodyPr>
+          <a:lstStyle/>
+          <a:p>
+            <a:pPr indent="0" lvl="0" marL="0" rtl="0" algn="l">
+              <a:spcBef>
+                <a:spcPts val="0"/>
+              </a:spcBef>
+              <a:spcAft>
+                <a:spcPts val="0"/>
+              </a:spcAft>
+              <a:buNone/>
+            </a:pPr>
+            <a:r>
+              <a:rPr lang="en"/>
+              <a:t>Message Documentation - Save Itineraries</a:t>
+            </a:r>
+            <a:endParaRPr/>
+          </a:p>
+        </p:txBody>
+      </p:sp>
       <p:pic>
         <p:nvPicPr>
-          <p:cNvPr id="205" name="Google Shape;205;p26"/>
+          <p:cNvPr id="207" name="Google Shape;207;p26"/>
           <p:cNvPicPr preferRelativeResize="0"/>
           <p:nvPr/>
         </p:nvPicPr>
@@ -10931,8 +10894,8 @@
         </p:blipFill>
         <p:spPr>
           <a:xfrm>
-            <a:off x="5738500" y="4"/>
-            <a:ext cx="3405505" cy="5143500"/>
+            <a:off x="2840838" y="1363275"/>
+            <a:ext cx="2605100" cy="3470675"/>
           </a:xfrm>
           <a:prstGeom prst="rect">
             <a:avLst/>
@@ -10956,7 +10919,7 @@
   <p:cSld>
     <p:spTree>
       <p:nvGrpSpPr>
-        <p:cNvPr id="209" name="Shape 209"/>
+        <p:cNvPr id="211" name="Shape 211"/>
         <p:cNvGrpSpPr/>
         <p:nvPr/>
       </p:nvGrpSpPr>
@@ -10970,7 +10933,7 @@
       </p:grpSpPr>
       <p:sp>
         <p:nvSpPr>
-          <p:cNvPr id="210" name="Google Shape;210;p27"/>
+          <p:cNvPr id="212" name="Google Shape;212;p27"/>
           <p:cNvSpPr txBox="1"/>
           <p:nvPr>
             <p:ph type="title"/>
@@ -11002,73 +10965,15 @@
             </a:pPr>
             <a:r>
               <a:rPr lang="en"/>
-              <a:t>SupaBase</a:t>
+              <a:t>Message Documentation - View Itineraries</a:t>
             </a:r>
             <a:endParaRPr/>
           </a:p>
         </p:txBody>
       </p:sp>
-      <p:sp>
-        <p:nvSpPr>
-          <p:cNvPr id="211" name="Google Shape;211;p27"/>
-          <p:cNvSpPr txBox="1"/>
-          <p:nvPr>
-            <p:ph idx="1" type="body"/>
-          </p:nvPr>
-        </p:nvSpPr>
-        <p:spPr>
-          <a:xfrm>
-            <a:off x="66625" y="1537675"/>
-            <a:ext cx="7505700" cy="2448000"/>
-          </a:xfrm>
-          <a:prstGeom prst="rect">
-            <a:avLst/>
-          </a:prstGeom>
-        </p:spPr>
-        <p:txBody>
-          <a:bodyPr anchorCtr="0" anchor="t" bIns="91425" lIns="91425" spcFirstLastPara="1" rIns="91425" wrap="square" tIns="91425">
-            <a:normAutofit/>
-          </a:bodyPr>
-          <a:lstStyle/>
-          <a:p>
-            <a:pPr indent="-368300" lvl="0" marL="457200" rtl="0" algn="l">
-              <a:spcBef>
-                <a:spcPts val="0"/>
-              </a:spcBef>
-              <a:spcAft>
-                <a:spcPts val="0"/>
-              </a:spcAft>
-              <a:buSzPts val="2200"/>
-              <a:buChar char="●"/>
-            </a:pPr>
-            <a:r>
-              <a:rPr lang="en" sz="2200"/>
-              <a:t>How it will help</a:t>
-            </a:r>
-            <a:endParaRPr sz="2200"/>
-          </a:p>
-          <a:p>
-            <a:pPr indent="-368300" lvl="0" marL="457200" rtl="0" algn="l">
-              <a:spcBef>
-                <a:spcPts val="0"/>
-              </a:spcBef>
-              <a:spcAft>
-                <a:spcPts val="0"/>
-              </a:spcAft>
-              <a:buSzPts val="2200"/>
-              <a:buChar char="●"/>
-            </a:pPr>
-            <a:r>
-              <a:rPr lang="en" sz="2200"/>
-              <a:t>The entities of the database</a:t>
-            </a:r>
-            <a:endParaRPr sz="2200"/>
-          </a:p>
-        </p:txBody>
-      </p:sp>
       <p:pic>
         <p:nvPicPr>
-          <p:cNvPr id="212" name="Google Shape;212;p27"/>
+          <p:cNvPr id="213" name="Google Shape;213;p27"/>
           <p:cNvPicPr preferRelativeResize="0"/>
           <p:nvPr/>
         </p:nvPicPr>
@@ -11082,8 +10987,8 @@
         </p:blipFill>
         <p:spPr>
           <a:xfrm>
-            <a:off x="3200400" y="2933700"/>
-            <a:ext cx="5943600" cy="2209800"/>
+            <a:off x="2604800" y="1443050"/>
+            <a:ext cx="3934400" cy="3186075"/>
           </a:xfrm>
           <a:prstGeom prst="rect">
             <a:avLst/>
@@ -11107,7 +11012,7 @@
   <p:cSld>
     <p:spTree>
       <p:nvGrpSpPr>
-        <p:cNvPr id="216" name="Shape 216"/>
+        <p:cNvPr id="217" name="Shape 217"/>
         <p:cNvGrpSpPr/>
         <p:nvPr/>
       </p:nvGrpSpPr>
@@ -11121,7 +11026,7 @@
       </p:grpSpPr>
       <p:sp>
         <p:nvSpPr>
-          <p:cNvPr id="217" name="Google Shape;217;p28"/>
+          <p:cNvPr id="218" name="Google Shape;218;p28"/>
           <p:cNvSpPr txBox="1"/>
           <p:nvPr>
             <p:ph type="title"/>
@@ -11129,20 +11034,20 @@
         </p:nvSpPr>
         <p:spPr>
           <a:xfrm>
-            <a:off x="819150" y="845600"/>
-            <a:ext cx="7505700" cy="954600"/>
+            <a:off x="1393929" y="1301146"/>
+            <a:ext cx="6366900" cy="2539200"/>
           </a:xfrm>
           <a:prstGeom prst="rect">
             <a:avLst/>
           </a:prstGeom>
         </p:spPr>
         <p:txBody>
-          <a:bodyPr anchorCtr="0" anchor="t" bIns="91425" lIns="91425" spcFirstLastPara="1" rIns="91425" wrap="square" tIns="91425">
+          <a:bodyPr anchorCtr="0" anchor="ctr" bIns="91425" lIns="91425" spcFirstLastPara="1" rIns="91425" wrap="square" tIns="91425">
             <a:normAutofit/>
           </a:bodyPr>
           <a:lstStyle/>
           <a:p>
-            <a:pPr indent="0" lvl="0" marL="0" rtl="0" algn="l">
+            <a:pPr indent="0" lvl="0" marL="0" rtl="0" algn="ctr">
               <a:spcBef>
                 <a:spcPts val="0"/>
               </a:spcBef>
@@ -11153,224 +11058,9 @@
             </a:pPr>
             <a:r>
               <a:rPr lang="en"/>
-              <a:t>VERCEL</a:t>
+              <a:t>Questions?</a:t>
             </a:r>
             <a:endParaRPr/>
-          </a:p>
-        </p:txBody>
-      </p:sp>
-      <p:sp>
-        <p:nvSpPr>
-          <p:cNvPr id="218" name="Google Shape;218;p28"/>
-          <p:cNvSpPr txBox="1"/>
-          <p:nvPr>
-            <p:ph idx="1" type="body"/>
-          </p:nvPr>
-        </p:nvSpPr>
-        <p:spPr>
-          <a:xfrm>
-            <a:off x="819150" y="1990725"/>
-            <a:ext cx="7505700" cy="2448000"/>
-          </a:xfrm>
-          <a:prstGeom prst="rect">
-            <a:avLst/>
-          </a:prstGeom>
-        </p:spPr>
-        <p:txBody>
-          <a:bodyPr anchorCtr="0" anchor="t" bIns="91425" lIns="91425" spcFirstLastPara="1" rIns="91425" wrap="square" tIns="91425">
-            <a:normAutofit/>
-          </a:bodyPr>
-          <a:lstStyle/>
-          <a:p>
-            <a:pPr indent="-368300" lvl="0" marL="457200" rtl="0" algn="l">
-              <a:spcBef>
-                <a:spcPts val="0"/>
-              </a:spcBef>
-              <a:spcAft>
-                <a:spcPts val="0"/>
-              </a:spcAft>
-              <a:buSzPts val="2200"/>
-              <a:buChar char="●"/>
-            </a:pPr>
-            <a:r>
-              <a:rPr lang="en" sz="2200"/>
-              <a:t>Server base</a:t>
-            </a:r>
-            <a:endParaRPr sz="2200"/>
-          </a:p>
-          <a:p>
-            <a:pPr indent="-368300" lvl="0" marL="457200" rtl="0" algn="l">
-              <a:spcBef>
-                <a:spcPts val="0"/>
-              </a:spcBef>
-              <a:spcAft>
-                <a:spcPts val="0"/>
-              </a:spcAft>
-              <a:buSzPts val="2200"/>
-              <a:buChar char="●"/>
-            </a:pPr>
-            <a:r>
-              <a:rPr lang="en" sz="2200"/>
-              <a:t>Analytics</a:t>
-            </a:r>
-            <a:endParaRPr sz="2200"/>
-          </a:p>
-          <a:p>
-            <a:pPr indent="-368300" lvl="0" marL="457200" rtl="0" algn="l">
-              <a:spcBef>
-                <a:spcPts val="0"/>
-              </a:spcBef>
-              <a:spcAft>
-                <a:spcPts val="0"/>
-              </a:spcAft>
-              <a:buSzPts val="2200"/>
-              <a:buChar char="●"/>
-            </a:pPr>
-            <a:r>
-              <a:rPr lang="en" sz="2200"/>
-              <a:t>Breakdown</a:t>
-            </a:r>
-            <a:endParaRPr sz="2200"/>
-          </a:p>
-        </p:txBody>
-      </p:sp>
-    </p:spTree>
-  </p:cSld>
-  <p:clrMapOvr>
-    <a:masterClrMapping/>
-  </p:clrMapOvr>
-</p:sld>
-</file>
-
-<file path=ppt/slides/slide17.xml><?xml version="1.0" encoding="utf-8"?>
-<p:sld xmlns:a="http://schemas.openxmlformats.org/drawingml/2006/main" xmlns:r="http://schemas.openxmlformats.org/officeDocument/2006/relationships" xmlns:mc="http://schemas.openxmlformats.org/markup-compatibility/2006" xmlns:mv="urn:schemas-microsoft-com:mac:vml" xmlns:p="http://schemas.openxmlformats.org/presentationml/2006/main" xmlns:c="http://schemas.openxmlformats.org/drawingml/2006/chart" xmlns:dgm="http://schemas.openxmlformats.org/drawingml/2006/diagram" xmlns:o="urn:schemas-microsoft-com:office:office" xmlns:v="urn:schemas-microsoft-com:vml" xmlns:pvml="urn:schemas-microsoft-com:office:powerpoint" xmlns:com="http://schemas.openxmlformats.org/drawingml/2006/compatibility" xmlns:p14="http://schemas.microsoft.com/office/powerpoint/2010/main" xmlns:p15="http://schemas.microsoft.com/office/powerpoint/2012/main" xmlns:ahyp="http://schemas.microsoft.com/office/drawing/2018/hyperlinkcolor">
-  <p:cSld>
-    <p:spTree>
-      <p:nvGrpSpPr>
-        <p:cNvPr id="222" name="Shape 222"/>
-        <p:cNvGrpSpPr/>
-        <p:nvPr/>
-      </p:nvGrpSpPr>
-      <p:grpSpPr>
-        <a:xfrm>
-          <a:off x="0" y="0"/>
-          <a:ext cx="0" cy="0"/>
-          <a:chOff x="0" y="0"/>
-          <a:chExt cx="0" cy="0"/>
-        </a:xfrm>
-      </p:grpSpPr>
-      <p:sp>
-        <p:nvSpPr>
-          <p:cNvPr id="223" name="Google Shape;223;p29"/>
-          <p:cNvSpPr txBox="1"/>
-          <p:nvPr>
-            <p:ph type="title"/>
-          </p:nvPr>
-        </p:nvSpPr>
-        <p:spPr>
-          <a:xfrm>
-            <a:off x="819150" y="845600"/>
-            <a:ext cx="7505700" cy="954600"/>
-          </a:xfrm>
-          <a:prstGeom prst="rect">
-            <a:avLst/>
-          </a:prstGeom>
-        </p:spPr>
-        <p:txBody>
-          <a:bodyPr anchorCtr="0" anchor="t" bIns="91425" lIns="91425" spcFirstLastPara="1" rIns="91425" wrap="square" tIns="91425">
-            <a:normAutofit/>
-          </a:bodyPr>
-          <a:lstStyle/>
-          <a:p>
-            <a:pPr indent="0" lvl="0" marL="0" rtl="0" algn="l">
-              <a:spcBef>
-                <a:spcPts val="0"/>
-              </a:spcBef>
-              <a:spcAft>
-                <a:spcPts val="0"/>
-              </a:spcAft>
-              <a:buNone/>
-            </a:pPr>
-            <a:r>
-              <a:rPr lang="en"/>
-              <a:t>Why each Software Program was chosen</a:t>
-            </a:r>
-            <a:endParaRPr/>
-          </a:p>
-        </p:txBody>
-      </p:sp>
-      <p:sp>
-        <p:nvSpPr>
-          <p:cNvPr id="224" name="Google Shape;224;p29"/>
-          <p:cNvSpPr txBox="1"/>
-          <p:nvPr>
-            <p:ph idx="1" type="body"/>
-          </p:nvPr>
-        </p:nvSpPr>
-        <p:spPr>
-          <a:xfrm>
-            <a:off x="819150" y="1990725"/>
-            <a:ext cx="7505700" cy="2448000"/>
-          </a:xfrm>
-          <a:prstGeom prst="rect">
-            <a:avLst/>
-          </a:prstGeom>
-        </p:spPr>
-        <p:txBody>
-          <a:bodyPr anchorCtr="0" anchor="t" bIns="91425" lIns="91425" spcFirstLastPara="1" rIns="91425" wrap="square" tIns="91425">
-            <a:normAutofit/>
-          </a:bodyPr>
-          <a:lstStyle/>
-          <a:p>
-            <a:pPr indent="-368300" lvl="0" marL="457200" rtl="0" algn="l">
-              <a:spcBef>
-                <a:spcPts val="0"/>
-              </a:spcBef>
-              <a:spcAft>
-                <a:spcPts val="0"/>
-              </a:spcAft>
-              <a:buSzPts val="2200"/>
-              <a:buChar char="●"/>
-            </a:pPr>
-            <a:r>
-              <a:rPr lang="en" sz="2200"/>
-              <a:t>Familiarity and ease of use with React</a:t>
-            </a:r>
-            <a:endParaRPr sz="2200"/>
-          </a:p>
-          <a:p>
-            <a:pPr indent="-368300" lvl="0" marL="457200" rtl="0" algn="l">
-              <a:spcBef>
-                <a:spcPts val="0"/>
-              </a:spcBef>
-              <a:spcAft>
-                <a:spcPts val="0"/>
-              </a:spcAft>
-              <a:buSzPts val="2200"/>
-              <a:buChar char="●"/>
-            </a:pPr>
-            <a:r>
-              <a:rPr lang="en" sz="2200"/>
-              <a:t>Compatibility with Supa</a:t>
-            </a:r>
-            <a:endParaRPr sz="2200"/>
-          </a:p>
-          <a:p>
-            <a:pPr indent="-368300" lvl="0" marL="457200" rtl="0" algn="l">
-              <a:spcBef>
-                <a:spcPts val="0"/>
-              </a:spcBef>
-              <a:spcAft>
-                <a:spcPts val="0"/>
-              </a:spcAft>
-              <a:buSzPts val="2200"/>
-              <a:buChar char="●"/>
-            </a:pPr>
-            <a:r>
-              <a:rPr lang="en" sz="2200"/>
-              <a:t>Simplicity with Vercel</a:t>
-            </a:r>
-            <a:endParaRPr sz="2200"/>
           </a:p>
         </p:txBody>
       </p:sp>
@@ -11433,7 +11123,7 @@
             </a:pPr>
             <a:r>
               <a:rPr lang="en"/>
-              <a:t>What The Users See</a:t>
+              <a:t>Storyboard</a:t>
             </a:r>
             <a:endParaRPr/>
           </a:p>
@@ -11635,7 +11325,7 @@
         </p:blipFill>
         <p:spPr>
           <a:xfrm>
-            <a:off x="5284995" y="2354945"/>
+            <a:off x="4922370" y="1990720"/>
             <a:ext cx="3858999" cy="2788550"/>
           </a:xfrm>
           <a:prstGeom prst="rect">
@@ -11820,7 +11510,7 @@
         </p:blipFill>
         <p:spPr>
           <a:xfrm>
-            <a:off x="4752963" y="2085963"/>
+            <a:off x="4301088" y="1652475"/>
             <a:ext cx="4391025" cy="3057525"/>
           </a:xfrm>
           <a:prstGeom prst="rect">
@@ -12030,8 +11720,8 @@
         </p:blipFill>
         <p:spPr>
           <a:xfrm>
-            <a:off x="4733850" y="0"/>
-            <a:ext cx="4410150" cy="3496525"/>
+            <a:off x="5549350" y="380975"/>
+            <a:ext cx="3135175" cy="2485675"/>
           </a:xfrm>
           <a:prstGeom prst="rect">
             <a:avLst/>
@@ -12058,8 +11748,8 @@
         </p:blipFill>
         <p:spPr>
           <a:xfrm>
-            <a:off x="6702679" y="3496525"/>
-            <a:ext cx="2441321" cy="1646975"/>
+            <a:off x="6030025" y="3012450"/>
+            <a:ext cx="2654500" cy="1790775"/>
           </a:xfrm>
           <a:prstGeom prst="rect">
             <a:avLst/>
@@ -12260,8 +11950,8 @@
         </p:blipFill>
         <p:spPr>
           <a:xfrm>
-            <a:off x="5971888" y="0"/>
-            <a:ext cx="3172124" cy="5143500"/>
+            <a:off x="5962175" y="385625"/>
+            <a:ext cx="2696475" cy="4372251"/>
           </a:xfrm>
           <a:prstGeom prst="rect">
             <a:avLst/>
@@ -12320,7 +12010,10 @@
           </a:bodyPr>
           <a:lstStyle/>
           <a:p>
-            <a:pPr indent="0" lvl="0" marL="0" rtl="0" algn="ctr">
+            <a:pPr indent="0" lvl="0" marL="0" rtl="0" algn="l">
+              <a:lnSpc>
+                <a:spcPct val="115000"/>
+              </a:lnSpc>
               <a:spcBef>
                 <a:spcPts val="0"/>
               </a:spcBef>
@@ -12330,8 +12023,36 @@
               <a:buNone/>
             </a:pPr>
             <a:r>
-              <a:rPr lang="en"/>
-              <a:t>What The Users Do Not See</a:t>
+              <a:rPr lang="en" sz="3600">
+                <a:latin typeface="Calibri"/>
+                <a:ea typeface="Calibri"/>
+                <a:cs typeface="Calibri"/>
+                <a:sym typeface="Calibri"/>
+              </a:rPr>
+              <a:t>The Components</a:t>
+            </a:r>
+            <a:endParaRPr sz="2800">
+              <a:solidFill>
+                <a:srgbClr val="000000"/>
+              </a:solidFill>
+              <a:latin typeface="Arial"/>
+              <a:ea typeface="Arial"/>
+              <a:cs typeface="Arial"/>
+              <a:sym typeface="Arial"/>
+            </a:endParaRPr>
+          </a:p>
+          <a:p>
+            <a:pPr indent="0" lvl="0" marL="0" rtl="0" algn="ctr">
+              <a:spcBef>
+                <a:spcPts val="1200"/>
+              </a:spcBef>
+              <a:spcAft>
+                <a:spcPts val="0"/>
+              </a:spcAft>
+              <a:buNone/>
+            </a:pPr>
+            <a:r>
+              <a:t/>
             </a:r>
             <a:endParaRPr/>
           </a:p>
@@ -12362,138 +12083,34 @@
           <a:chExt cx="0" cy="0"/>
         </a:xfrm>
       </p:grpSpPr>
-      <p:sp>
-        <p:nvSpPr>
+      <p:pic>
+        <p:nvPicPr>
           <p:cNvPr id="178" name="Google Shape;178;p21"/>
-          <p:cNvSpPr txBox="1"/>
-          <p:nvPr>
-            <p:ph type="title"/>
-          </p:nvPr>
-        </p:nvSpPr>
+          <p:cNvPicPr preferRelativeResize="0"/>
+          <p:nvPr/>
+        </p:nvPicPr>
+        <p:blipFill>
+          <a:blip r:embed="rId3">
+            <a:alphaModFix/>
+          </a:blip>
+          <a:stretch>
+            <a:fillRect/>
+          </a:stretch>
+        </p:blipFill>
         <p:spPr>
           <a:xfrm>
-            <a:off x="819150" y="845600"/>
-            <a:ext cx="7505700" cy="954600"/>
+            <a:off x="565638" y="249175"/>
+            <a:ext cx="8012724" cy="4645150"/>
           </a:xfrm>
           <a:prstGeom prst="rect">
             <a:avLst/>
           </a:prstGeom>
+          <a:noFill/>
+          <a:ln>
+            <a:noFill/>
+          </a:ln>
         </p:spPr>
-        <p:txBody>
-          <a:bodyPr anchorCtr="0" anchor="t" bIns="91425" lIns="91425" spcFirstLastPara="1" rIns="91425" wrap="square" tIns="91425">
-            <a:normAutofit/>
-          </a:bodyPr>
-          <a:lstStyle/>
-          <a:p>
-            <a:pPr indent="0" lvl="0" marL="0" rtl="0" algn="l">
-              <a:spcBef>
-                <a:spcPts val="0"/>
-              </a:spcBef>
-              <a:spcAft>
-                <a:spcPts val="0"/>
-              </a:spcAft>
-              <a:buNone/>
-            </a:pPr>
-            <a:r>
-              <a:rPr lang="en"/>
-              <a:t>React</a:t>
-            </a:r>
-            <a:endParaRPr/>
-          </a:p>
-        </p:txBody>
-      </p:sp>
-      <p:sp>
-        <p:nvSpPr>
-          <p:cNvPr id="179" name="Google Shape;179;p21"/>
-          <p:cNvSpPr txBox="1"/>
-          <p:nvPr>
-            <p:ph idx="1" type="body"/>
-          </p:nvPr>
-        </p:nvSpPr>
-        <p:spPr>
-          <a:xfrm>
-            <a:off x="106600" y="1800200"/>
-            <a:ext cx="7505700" cy="2448000"/>
-          </a:xfrm>
-          <a:prstGeom prst="rect">
-            <a:avLst/>
-          </a:prstGeom>
-        </p:spPr>
-        <p:txBody>
-          <a:bodyPr anchorCtr="0" anchor="t" bIns="91425" lIns="91425" spcFirstLastPara="1" rIns="91425" wrap="square" tIns="91425">
-            <a:normAutofit/>
-          </a:bodyPr>
-          <a:lstStyle/>
-          <a:p>
-            <a:pPr indent="-368300" lvl="0" marL="457200" rtl="0" algn="l">
-              <a:spcBef>
-                <a:spcPts val="0"/>
-              </a:spcBef>
-              <a:spcAft>
-                <a:spcPts val="0"/>
-              </a:spcAft>
-              <a:buSzPts val="2200"/>
-              <a:buChar char="●"/>
-            </a:pPr>
-            <a:r>
-              <a:rPr lang="en" sz="2200"/>
-              <a:t>How it works</a:t>
-            </a:r>
-            <a:endParaRPr sz="2200"/>
-          </a:p>
-          <a:p>
-            <a:pPr indent="-368300" lvl="0" marL="457200" rtl="0" algn="l">
-              <a:spcBef>
-                <a:spcPts val="0"/>
-              </a:spcBef>
-              <a:spcAft>
-                <a:spcPts val="0"/>
-              </a:spcAft>
-              <a:buSzPts val="2200"/>
-              <a:buChar char="●"/>
-            </a:pPr>
-            <a:r>
-              <a:rPr lang="en" sz="2200"/>
-              <a:t>How it fits with the project</a:t>
-            </a:r>
-            <a:endParaRPr sz="2200"/>
-          </a:p>
-          <a:p>
-            <a:pPr indent="-368300" lvl="0" marL="457200" rtl="0" algn="l">
-              <a:spcBef>
-                <a:spcPts val="0"/>
-              </a:spcBef>
-              <a:spcAft>
-                <a:spcPts val="0"/>
-              </a:spcAft>
-              <a:buSzPts val="2200"/>
-              <a:buChar char="●"/>
-            </a:pPr>
-            <a:r>
-              <a:rPr lang="en" sz="2200"/>
-              <a:t>Examples of how it will be used</a:t>
-            </a:r>
-            <a:endParaRPr sz="2200"/>
-          </a:p>
-          <a:p>
-            <a:pPr indent="-368300" lvl="0" marL="457200" rtl="0" algn="l">
-              <a:spcBef>
-                <a:spcPts val="0"/>
-              </a:spcBef>
-              <a:spcAft>
-                <a:spcPts val="0"/>
-              </a:spcAft>
-              <a:buSzPts val="2200"/>
-              <a:buChar char="●"/>
-            </a:pPr>
-            <a:r>
-              <a:rPr lang="en" sz="2200"/>
-              <a:t>Sharing is caring (and more efficient)</a:t>
-            </a:r>
-            <a:endParaRPr sz="2200"/>
-          </a:p>
-        </p:txBody>
-      </p:sp>
+      </p:pic>
     </p:spTree>
   </p:cSld>
   <p:clrMapOvr>
@@ -12503,6 +12120,285 @@
 </file>
 
 <file path=ppt/theme/theme1.xml><?xml version="1.0" encoding="utf-8"?>
+<a:theme xmlns:a="http://schemas.openxmlformats.org/drawingml/2006/main" xmlns:r="http://schemas.openxmlformats.org/officeDocument/2006/relationships">
+  <a:themeElements>
+    <a:clrScheme name="Default">
+      <a:dk1>
+        <a:srgbClr val="000000"/>
+      </a:dk1>
+      <a:lt1>
+        <a:srgbClr val="FFFFFF"/>
+      </a:lt1>
+      <a:dk2>
+        <a:srgbClr val="158158"/>
+      </a:dk2>
+      <a:lt2>
+        <a:srgbClr val="F3F3F3"/>
+      </a:lt2>
+      <a:accent1>
+        <a:srgbClr val="058DC7"/>
+      </a:accent1>
+      <a:accent2>
+        <a:srgbClr val="50B432"/>
+      </a:accent2>
+      <a:accent3>
+        <a:srgbClr val="ED561B"/>
+      </a:accent3>
+      <a:accent4>
+        <a:srgbClr val="EDEF00"/>
+      </a:accent4>
+      <a:accent5>
+        <a:srgbClr val="24CBE5"/>
+      </a:accent5>
+      <a:accent6>
+        <a:srgbClr val="64E572"/>
+      </a:accent6>
+      <a:hlink>
+        <a:srgbClr val="2200CC"/>
+      </a:hlink>
+      <a:folHlink>
+        <a:srgbClr val="551A8B"/>
+      </a:folHlink>
+    </a:clrScheme>
+    <a:fontScheme name="Office">
+      <a:majorFont>
+        <a:latin typeface="Arial"/>
+        <a:ea typeface=""/>
+        <a:cs typeface=""/>
+        <a:font script="Jpan" typeface="ＭＳ Ｐゴシック"/>
+        <a:font script="Hang" typeface="맑은 고딕"/>
+        <a:font script="Hans" typeface="宋体"/>
+        <a:font script="Hant" typeface="新細明體"/>
+        <a:font script="Arab" typeface="Times New Roman"/>
+        <a:font script="Hebr" typeface="Times New Roman"/>
+        <a:font script="Thai" typeface="Angsana New"/>
+        <a:font script="Ethi" typeface="Nyala"/>
+        <a:font script="Beng" typeface="Vrinda"/>
+        <a:font script="Gujr" typeface="Shruti"/>
+        <a:font script="Khmr" typeface="MoolBoran"/>
+        <a:font script="Knda" typeface="Tunga"/>
+        <a:font script="Guru" typeface="Raavi"/>
+        <a:font script="Cans" typeface="Euphemia"/>
+        <a:font script="Cher" typeface="Plantagenet Cherokee"/>
+        <a:font script="Yiii" typeface="Microsoft Yi Baiti"/>
+        <a:font script="Tibt" typeface="Microsoft Himalaya"/>
+        <a:font script="Thaa" typeface="MV Boli"/>
+        <a:font script="Deva" typeface="Mangal"/>
+        <a:font script="Telu" typeface="Gautami"/>
+        <a:font script="Taml" typeface="Latha"/>
+        <a:font script="Syrc" typeface="Estrangelo Edessa"/>
+        <a:font script="Orya" typeface="Kalinga"/>
+        <a:font script="Mlym" typeface="Kartika"/>
+        <a:font script="Laoo" typeface="DokChampa"/>
+        <a:font script="Sinh" typeface="Iskoola Pota"/>
+        <a:font script="Mong" typeface="Mongolian Baiti"/>
+        <a:font script="Viet" typeface="Times New Roman"/>
+        <a:font script="Uigh" typeface="Microsoft Uighur"/>
+        <a:font script="Geor" typeface="Sylfaen"/>
+      </a:majorFont>
+      <a:minorFont>
+        <a:latin typeface="Arial"/>
+        <a:ea typeface=""/>
+        <a:cs typeface=""/>
+        <a:font script="Jpan" typeface="ＭＳ Ｐゴシック"/>
+        <a:font script="Hang" typeface="맑은 고딕"/>
+        <a:font script="Hans" typeface="宋体"/>
+        <a:font script="Hant" typeface="新細明體"/>
+        <a:font script="Arab" typeface="Arial"/>
+        <a:font script="Hebr" typeface="Arial"/>
+        <a:font script="Thai" typeface="Cordia New"/>
+        <a:font script="Ethi" typeface="Nyala"/>
+        <a:font script="Beng" typeface="Vrinda"/>
+        <a:font script="Gujr" typeface="Shruti"/>
+        <a:font script="Khmr" typeface="DaunPenh"/>
+        <a:font script="Knda" typeface="Tunga"/>
+        <a:font script="Guru" typeface="Raavi"/>
+        <a:font script="Cans" typeface="Euphemia"/>
+        <a:font script="Cher" typeface="Plantagenet Cherokee"/>
+        <a:font script="Yiii" typeface="Microsoft Yi Baiti"/>
+        <a:font script="Tibt" typeface="Microsoft Himalaya"/>
+        <a:font script="Thaa" typeface="MV Boli"/>
+        <a:font script="Deva" typeface="Mangal"/>
+        <a:font script="Telu" typeface="Gautami"/>
+        <a:font script="Taml" typeface="Latha"/>
+        <a:font script="Syrc" typeface="Estrangelo Edessa"/>
+        <a:font script="Orya" typeface="Kalinga"/>
+        <a:font script="Mlym" typeface="Kartika"/>
+        <a:font script="Laoo" typeface="DokChampa"/>
+        <a:font script="Sinh" typeface="Iskoola Pota"/>
+        <a:font script="Mong" typeface="Mongolian Baiti"/>
+        <a:font script="Viet" typeface="Arial"/>
+        <a:font script="Uigh" typeface="Microsoft Uighur"/>
+        <a:font script="Geor" typeface="Sylfaen"/>
+      </a:minorFont>
+    </a:fontScheme>
+    <a:fmtScheme name="Office">
+      <a:fillStyleLst>
+        <a:solidFill>
+          <a:schemeClr val="phClr"/>
+        </a:solidFill>
+        <a:gradFill rotWithShape="1">
+          <a:gsLst>
+            <a:gs pos="0">
+              <a:schemeClr val="phClr">
+                <a:tint val="50000"/>
+                <a:satMod val="300000"/>
+              </a:schemeClr>
+            </a:gs>
+            <a:gs pos="35000">
+              <a:schemeClr val="phClr">
+                <a:tint val="37000"/>
+                <a:satMod val="300000"/>
+              </a:schemeClr>
+            </a:gs>
+            <a:gs pos="100000">
+              <a:schemeClr val="phClr">
+                <a:tint val="15000"/>
+                <a:satMod val="350000"/>
+              </a:schemeClr>
+            </a:gs>
+          </a:gsLst>
+          <a:lin ang="16200000" scaled="1"/>
+        </a:gradFill>
+        <a:gradFill rotWithShape="1">
+          <a:gsLst>
+            <a:gs pos="0">
+              <a:schemeClr val="phClr">
+                <a:tint val="100000"/>
+                <a:shade val="100000"/>
+                <a:satMod val="130000"/>
+              </a:schemeClr>
+            </a:gs>
+            <a:gs pos="100000">
+              <a:schemeClr val="phClr">
+                <a:tint val="50000"/>
+                <a:shade val="100000"/>
+                <a:satMod val="350000"/>
+              </a:schemeClr>
+            </a:gs>
+          </a:gsLst>
+          <a:lin ang="16200000" scaled="0"/>
+        </a:gradFill>
+      </a:fillStyleLst>
+      <a:lnStyleLst>
+        <a:ln w="9525" cap="flat" cmpd="sng" algn="ctr">
+          <a:solidFill>
+            <a:schemeClr val="phClr">
+              <a:shade val="95000"/>
+              <a:satMod val="105000"/>
+            </a:schemeClr>
+          </a:solidFill>
+          <a:prstDash val="solid"/>
+        </a:ln>
+        <a:ln w="25400" cap="flat" cmpd="sng" algn="ctr">
+          <a:solidFill>
+            <a:schemeClr val="phClr"/>
+          </a:solidFill>
+          <a:prstDash val="solid"/>
+        </a:ln>
+        <a:ln w="38100" cap="flat" cmpd="sng" algn="ctr">
+          <a:solidFill>
+            <a:schemeClr val="phClr"/>
+          </a:solidFill>
+          <a:prstDash val="solid"/>
+        </a:ln>
+      </a:lnStyleLst>
+      <a:effectStyleLst>
+        <a:effectStyle>
+          <a:effectLst>
+            <a:outerShdw blurRad="40000" dist="20000" dir="5400000" rotWithShape="0">
+              <a:srgbClr val="000000">
+                <a:alpha val="38000"/>
+              </a:srgbClr>
+            </a:outerShdw>
+          </a:effectLst>
+        </a:effectStyle>
+        <a:effectStyle>
+          <a:effectLst>
+            <a:outerShdw blurRad="40000" dist="23000" dir="5400000" rotWithShape="0">
+              <a:srgbClr val="000000">
+                <a:alpha val="35000"/>
+              </a:srgbClr>
+            </a:outerShdw>
+          </a:effectLst>
+        </a:effectStyle>
+        <a:effectStyle>
+          <a:effectLst>
+            <a:outerShdw blurRad="40000" dist="23000" dir="5400000" rotWithShape="0">
+              <a:srgbClr val="000000">
+                <a:alpha val="35000"/>
+              </a:srgbClr>
+            </a:outerShdw>
+          </a:effectLst>
+          <a:scene3d>
+            <a:camera prst="orthographicFront">
+              <a:rot lat="0" lon="0" rev="0"/>
+            </a:camera>
+            <a:lightRig rig="threePt" dir="t">
+              <a:rot lat="0" lon="0" rev="1200000"/>
+            </a:lightRig>
+          </a:scene3d>
+          <a:sp3d>
+            <a:bevelT w="63500" h="25400"/>
+          </a:sp3d>
+        </a:effectStyle>
+      </a:effectStyleLst>
+      <a:bgFillStyleLst>
+        <a:solidFill>
+          <a:schemeClr val="phClr"/>
+        </a:solidFill>
+        <a:gradFill rotWithShape="1">
+          <a:gsLst>
+            <a:gs pos="0">
+              <a:schemeClr val="phClr">
+                <a:tint val="40000"/>
+                <a:satMod val="350000"/>
+              </a:schemeClr>
+            </a:gs>
+            <a:gs pos="40000">
+              <a:schemeClr val="phClr">
+                <a:tint val="45000"/>
+                <a:shade val="99000"/>
+                <a:satMod val="350000"/>
+              </a:schemeClr>
+            </a:gs>
+            <a:gs pos="100000">
+              <a:schemeClr val="phClr">
+                <a:shade val="20000"/>
+                <a:satMod val="255000"/>
+              </a:schemeClr>
+            </a:gs>
+          </a:gsLst>
+          <a:path path="circle">
+            <a:fillToRect l="50000" t="-80000" r="50000" b="180000"/>
+          </a:path>
+        </a:gradFill>
+        <a:gradFill rotWithShape="1">
+          <a:gsLst>
+            <a:gs pos="0">
+              <a:schemeClr val="phClr">
+                <a:tint val="80000"/>
+                <a:satMod val="300000"/>
+              </a:schemeClr>
+            </a:gs>
+            <a:gs pos="100000">
+              <a:schemeClr val="phClr">
+                <a:shade val="30000"/>
+                <a:satMod val="200000"/>
+              </a:schemeClr>
+            </a:gs>
+          </a:gsLst>
+          <a:path path="circle">
+            <a:fillToRect l="50000" t="50000" r="50000" b="50000"/>
+          </a:path>
+        </a:gradFill>
+      </a:bgFillStyleLst>
+    </a:fmtScheme>
+  </a:themeElements>
+</a:theme>
+</file>
+
+<file path=ppt/theme/theme2.xml><?xml version="1.0" encoding="utf-8"?>
 <a:theme xmlns:a="http://schemas.openxmlformats.org/drawingml/2006/main" xmlns:r="http://schemas.openxmlformats.org/officeDocument/2006/relationships" name="Shift">
   <a:themeElements>
     <a:clrScheme name="Shift">
@@ -12779,283 +12675,4 @@
     </a:fmtScheme>
   </a:themeElements>
 </a:theme>
-</file>
-
-<file path=ppt/theme/theme2.xml><?xml version="1.0" encoding="utf-8"?>
-<a:theme xmlns:a="http://schemas.openxmlformats.org/drawingml/2006/main" xmlns:r="http://schemas.openxmlformats.org/officeDocument/2006/relationships">
-  <a:themeElements>
-    <a:clrScheme name="Default">
-      <a:dk1>
-        <a:srgbClr val="000000"/>
-      </a:dk1>
-      <a:lt1>
-        <a:srgbClr val="FFFFFF"/>
-      </a:lt1>
-      <a:dk2>
-        <a:srgbClr val="158158"/>
-      </a:dk2>
-      <a:lt2>
-        <a:srgbClr val="F3F3F3"/>
-      </a:lt2>
-      <a:accent1>
-        <a:srgbClr val="058DC7"/>
-      </a:accent1>
-      <a:accent2>
-        <a:srgbClr val="50B432"/>
-      </a:accent2>
-      <a:accent3>
-        <a:srgbClr val="ED561B"/>
-      </a:accent3>
-      <a:accent4>
-        <a:srgbClr val="EDEF00"/>
-      </a:accent4>
-      <a:accent5>
-        <a:srgbClr val="24CBE5"/>
-      </a:accent5>
-      <a:accent6>
-        <a:srgbClr val="64E572"/>
-      </a:accent6>
-      <a:hlink>
-        <a:srgbClr val="2200CC"/>
-      </a:hlink>
-      <a:folHlink>
-        <a:srgbClr val="551A8B"/>
-      </a:folHlink>
-    </a:clrScheme>
-    <a:fontScheme name="Office">
-      <a:majorFont>
-        <a:latin typeface="Arial"/>
-        <a:ea typeface=""/>
-        <a:cs typeface=""/>
-        <a:font script="Jpan" typeface="ＭＳ Ｐゴシック"/>
-        <a:font script="Hang" typeface="맑은 고딕"/>
-        <a:font script="Hans" typeface="宋体"/>
-        <a:font script="Hant" typeface="新細明體"/>
-        <a:font script="Arab" typeface="Times New Roman"/>
-        <a:font script="Hebr" typeface="Times New Roman"/>
-        <a:font script="Thai" typeface="Angsana New"/>
-        <a:font script="Ethi" typeface="Nyala"/>
-        <a:font script="Beng" typeface="Vrinda"/>
-        <a:font script="Gujr" typeface="Shruti"/>
-        <a:font script="Khmr" typeface="MoolBoran"/>
-        <a:font script="Knda" typeface="Tunga"/>
-        <a:font script="Guru" typeface="Raavi"/>
-        <a:font script="Cans" typeface="Euphemia"/>
-        <a:font script="Cher" typeface="Plantagenet Cherokee"/>
-        <a:font script="Yiii" typeface="Microsoft Yi Baiti"/>
-        <a:font script="Tibt" typeface="Microsoft Himalaya"/>
-        <a:font script="Thaa" typeface="MV Boli"/>
-        <a:font script="Deva" typeface="Mangal"/>
-        <a:font script="Telu" typeface="Gautami"/>
-        <a:font script="Taml" typeface="Latha"/>
-        <a:font script="Syrc" typeface="Estrangelo Edessa"/>
-        <a:font script="Orya" typeface="Kalinga"/>
-        <a:font script="Mlym" typeface="Kartika"/>
-        <a:font script="Laoo" typeface="DokChampa"/>
-        <a:font script="Sinh" typeface="Iskoola Pota"/>
-        <a:font script="Mong" typeface="Mongolian Baiti"/>
-        <a:font script="Viet" typeface="Times New Roman"/>
-        <a:font script="Uigh" typeface="Microsoft Uighur"/>
-        <a:font script="Geor" typeface="Sylfaen"/>
-      </a:majorFont>
-      <a:minorFont>
-        <a:latin typeface="Arial"/>
-        <a:ea typeface=""/>
-        <a:cs typeface=""/>
-        <a:font script="Jpan" typeface="ＭＳ Ｐゴシック"/>
-        <a:font script="Hang" typeface="맑은 고딕"/>
-        <a:font script="Hans" typeface="宋体"/>
-        <a:font script="Hant" typeface="新細明體"/>
-        <a:font script="Arab" typeface="Arial"/>
-        <a:font script="Hebr" typeface="Arial"/>
-        <a:font script="Thai" typeface="Cordia New"/>
-        <a:font script="Ethi" typeface="Nyala"/>
-        <a:font script="Beng" typeface="Vrinda"/>
-        <a:font script="Gujr" typeface="Shruti"/>
-        <a:font script="Khmr" typeface="DaunPenh"/>
-        <a:font script="Knda" typeface="Tunga"/>
-        <a:font script="Guru" typeface="Raavi"/>
-        <a:font script="Cans" typeface="Euphemia"/>
-        <a:font script="Cher" typeface="Plantagenet Cherokee"/>
-        <a:font script="Yiii" typeface="Microsoft Yi Baiti"/>
-        <a:font script="Tibt" typeface="Microsoft Himalaya"/>
-        <a:font script="Thaa" typeface="MV Boli"/>
-        <a:font script="Deva" typeface="Mangal"/>
-        <a:font script="Telu" typeface="Gautami"/>
-        <a:font script="Taml" typeface="Latha"/>
-        <a:font script="Syrc" typeface="Estrangelo Edessa"/>
-        <a:font script="Orya" typeface="Kalinga"/>
-        <a:font script="Mlym" typeface="Kartika"/>
-        <a:font script="Laoo" typeface="DokChampa"/>
-        <a:font script="Sinh" typeface="Iskoola Pota"/>
-        <a:font script="Mong" typeface="Mongolian Baiti"/>
-        <a:font script="Viet" typeface="Arial"/>
-        <a:font script="Uigh" typeface="Microsoft Uighur"/>
-        <a:font script="Geor" typeface="Sylfaen"/>
-      </a:minorFont>
-    </a:fontScheme>
-    <a:fmtScheme name="Office">
-      <a:fillStyleLst>
-        <a:solidFill>
-          <a:schemeClr val="phClr"/>
-        </a:solidFill>
-        <a:gradFill rotWithShape="1">
-          <a:gsLst>
-            <a:gs pos="0">
-              <a:schemeClr val="phClr">
-                <a:tint val="50000"/>
-                <a:satMod val="300000"/>
-              </a:schemeClr>
-            </a:gs>
-            <a:gs pos="35000">
-              <a:schemeClr val="phClr">
-                <a:tint val="37000"/>
-                <a:satMod val="300000"/>
-              </a:schemeClr>
-            </a:gs>
-            <a:gs pos="100000">
-              <a:schemeClr val="phClr">
-                <a:tint val="15000"/>
-                <a:satMod val="350000"/>
-              </a:schemeClr>
-            </a:gs>
-          </a:gsLst>
-          <a:lin ang="16200000" scaled="1"/>
-        </a:gradFill>
-        <a:gradFill rotWithShape="1">
-          <a:gsLst>
-            <a:gs pos="0">
-              <a:schemeClr val="phClr">
-                <a:tint val="100000"/>
-                <a:shade val="100000"/>
-                <a:satMod val="130000"/>
-              </a:schemeClr>
-            </a:gs>
-            <a:gs pos="100000">
-              <a:schemeClr val="phClr">
-                <a:tint val="50000"/>
-                <a:shade val="100000"/>
-                <a:satMod val="350000"/>
-              </a:schemeClr>
-            </a:gs>
-          </a:gsLst>
-          <a:lin ang="16200000" scaled="0"/>
-        </a:gradFill>
-      </a:fillStyleLst>
-      <a:lnStyleLst>
-        <a:ln w="9525" cap="flat" cmpd="sng" algn="ctr">
-          <a:solidFill>
-            <a:schemeClr val="phClr">
-              <a:shade val="95000"/>
-              <a:satMod val="105000"/>
-            </a:schemeClr>
-          </a:solidFill>
-          <a:prstDash val="solid"/>
-        </a:ln>
-        <a:ln w="25400" cap="flat" cmpd="sng" algn="ctr">
-          <a:solidFill>
-            <a:schemeClr val="phClr"/>
-          </a:solidFill>
-          <a:prstDash val="solid"/>
-        </a:ln>
-        <a:ln w="38100" cap="flat" cmpd="sng" algn="ctr">
-          <a:solidFill>
-            <a:schemeClr val="phClr"/>
-          </a:solidFill>
-          <a:prstDash val="solid"/>
-        </a:ln>
-      </a:lnStyleLst>
-      <a:effectStyleLst>
-        <a:effectStyle>
-          <a:effectLst>
-            <a:outerShdw blurRad="40000" dist="20000" dir="5400000" rotWithShape="0">
-              <a:srgbClr val="000000">
-                <a:alpha val="38000"/>
-              </a:srgbClr>
-            </a:outerShdw>
-          </a:effectLst>
-        </a:effectStyle>
-        <a:effectStyle>
-          <a:effectLst>
-            <a:outerShdw blurRad="40000" dist="23000" dir="5400000" rotWithShape="0">
-              <a:srgbClr val="000000">
-                <a:alpha val="35000"/>
-              </a:srgbClr>
-            </a:outerShdw>
-          </a:effectLst>
-        </a:effectStyle>
-        <a:effectStyle>
-          <a:effectLst>
-            <a:outerShdw blurRad="40000" dist="23000" dir="5400000" rotWithShape="0">
-              <a:srgbClr val="000000">
-                <a:alpha val="35000"/>
-              </a:srgbClr>
-            </a:outerShdw>
-          </a:effectLst>
-          <a:scene3d>
-            <a:camera prst="orthographicFront">
-              <a:rot lat="0" lon="0" rev="0"/>
-            </a:camera>
-            <a:lightRig rig="threePt" dir="t">
-              <a:rot lat="0" lon="0" rev="1200000"/>
-            </a:lightRig>
-          </a:scene3d>
-          <a:sp3d>
-            <a:bevelT w="63500" h="25400"/>
-          </a:sp3d>
-        </a:effectStyle>
-      </a:effectStyleLst>
-      <a:bgFillStyleLst>
-        <a:solidFill>
-          <a:schemeClr val="phClr"/>
-        </a:solidFill>
-        <a:gradFill rotWithShape="1">
-          <a:gsLst>
-            <a:gs pos="0">
-              <a:schemeClr val="phClr">
-                <a:tint val="40000"/>
-                <a:satMod val="350000"/>
-              </a:schemeClr>
-            </a:gs>
-            <a:gs pos="40000">
-              <a:schemeClr val="phClr">
-                <a:tint val="45000"/>
-                <a:shade val="99000"/>
-                <a:satMod val="350000"/>
-              </a:schemeClr>
-            </a:gs>
-            <a:gs pos="100000">
-              <a:schemeClr val="phClr">
-                <a:shade val="20000"/>
-                <a:satMod val="255000"/>
-              </a:schemeClr>
-            </a:gs>
-          </a:gsLst>
-          <a:path path="circle">
-            <a:fillToRect l="50000" t="-80000" r="50000" b="180000"/>
-          </a:path>
-        </a:gradFill>
-        <a:gradFill rotWithShape="1">
-          <a:gsLst>
-            <a:gs pos="0">
-              <a:schemeClr val="phClr">
-                <a:tint val="80000"/>
-                <a:satMod val="300000"/>
-              </a:schemeClr>
-            </a:gs>
-            <a:gs pos="100000">
-              <a:schemeClr val="phClr">
-                <a:shade val="30000"/>
-                <a:satMod val="200000"/>
-              </a:schemeClr>
-            </a:gs>
-          </a:gsLst>
-          <a:path path="circle">
-            <a:fillToRect l="50000" t="50000" r="50000" b="50000"/>
-          </a:path>
-        </a:gradFill>
-      </a:bgFillStyleLst>
-    </a:fmtScheme>
-  </a:themeElements>
-</a:theme>
 </file>
--- a/Documents/Project Design/Project Design.pptx
+++ b/Documents/Project Design/Project Design.pptx
@@ -24,16 +24,17 @@
     <p:sldId id="269" r:id="rId19"/>
     <p:sldId id="270" r:id="rId20"/>
     <p:sldId id="271" r:id="rId21"/>
+    <p:sldId id="272" r:id="rId22"/>
   </p:sldIdLst>
   <p:sldSz cy="5143500" cx="9144000"/>
   <p:notesSz cx="6858000" cy="9144000"/>
   <p:embeddedFontLst>
     <p:embeddedFont>
       <p:font typeface="Nunito"/>
-      <p:regular r:id="rId22"/>
-      <p:bold r:id="rId23"/>
-      <p:italic r:id="rId24"/>
-      <p:boldItalic r:id="rId25"/>
+      <p:regular r:id="rId23"/>
+      <p:bold r:id="rId24"/>
+      <p:italic r:id="rId25"/>
+      <p:boldItalic r:id="rId26"/>
     </p:embeddedFont>
   </p:embeddedFontLst>
   <p:defaultTextStyle>
@@ -814,7 +815,7 @@
   <p:cSld>
     <p:spTree>
       <p:nvGrpSpPr>
-        <p:cNvPr id="179" name="Shape 179"/>
+        <p:cNvPr id="181" name="Shape 181"/>
         <p:cNvGrpSpPr/>
         <p:nvPr/>
       </p:nvGrpSpPr>
@@ -828,7 +829,7 @@
       </p:grpSpPr>
       <p:sp>
         <p:nvSpPr>
-          <p:cNvPr id="180" name="Google Shape;180;g3892eb97007_0_9:notes"/>
+          <p:cNvPr id="182" name="Google Shape;182;g3892eb97007_0_0:notes"/>
           <p:cNvSpPr/>
           <p:nvPr>
             <p:ph idx="2" type="sldImg"/>
@@ -863,7 +864,7 @@
       </p:sp>
       <p:sp>
         <p:nvSpPr>
-          <p:cNvPr id="181" name="Google Shape;181;g3892eb97007_0_9:notes"/>
+          <p:cNvPr id="183" name="Google Shape;183;g3892eb97007_0_0:notes"/>
           <p:cNvSpPr txBox="1"/>
           <p:nvPr>
             <p:ph idx="1" type="body"/>
@@ -913,7 +914,7 @@
   <p:cSld>
     <p:spTree>
       <p:nvGrpSpPr>
-        <p:cNvPr id="184" name="Shape 184"/>
+        <p:cNvPr id="186" name="Shape 186"/>
         <p:cNvGrpSpPr/>
         <p:nvPr/>
       </p:nvGrpSpPr>
@@ -927,7 +928,7 @@
       </p:grpSpPr>
       <p:sp>
         <p:nvSpPr>
-          <p:cNvPr id="185" name="Google Shape;185;g3892eb97007_0_14:notes"/>
+          <p:cNvPr id="187" name="Google Shape;187;g3892eb97007_0_9:notes"/>
           <p:cNvSpPr/>
           <p:nvPr>
             <p:ph idx="2" type="sldImg"/>
@@ -962,7 +963,7 @@
       </p:sp>
       <p:sp>
         <p:nvSpPr>
-          <p:cNvPr id="186" name="Google Shape;186;g3892eb97007_0_14:notes"/>
+          <p:cNvPr id="188" name="Google Shape;188;g3892eb97007_0_9:notes"/>
           <p:cNvSpPr txBox="1"/>
           <p:nvPr>
             <p:ph idx="1" type="body"/>
@@ -1012,7 +1013,7 @@
   <p:cSld>
     <p:spTree>
       <p:nvGrpSpPr>
-        <p:cNvPr id="190" name="Shape 190"/>
+        <p:cNvPr id="191" name="Shape 191"/>
         <p:cNvGrpSpPr/>
         <p:nvPr/>
       </p:nvGrpSpPr>
@@ -1026,7 +1027,7 @@
       </p:grpSpPr>
       <p:sp>
         <p:nvSpPr>
-          <p:cNvPr id="191" name="Google Shape;191;g3892eb97007_0_19:notes"/>
+          <p:cNvPr id="192" name="Google Shape;192;g3892eb97007_0_14:notes"/>
           <p:cNvSpPr/>
           <p:nvPr>
             <p:ph idx="2" type="sldImg"/>
@@ -1061,7 +1062,7 @@
       </p:sp>
       <p:sp>
         <p:nvSpPr>
-          <p:cNvPr id="192" name="Google Shape;192;g3892eb97007_0_19:notes"/>
+          <p:cNvPr id="193" name="Google Shape;193;g3892eb97007_0_14:notes"/>
           <p:cNvSpPr txBox="1"/>
           <p:nvPr>
             <p:ph idx="1" type="body"/>
@@ -1111,7 +1112,7 @@
   <p:cSld>
     <p:spTree>
       <p:nvGrpSpPr>
-        <p:cNvPr id="196" name="Shape 196"/>
+        <p:cNvPr id="197" name="Shape 197"/>
         <p:cNvGrpSpPr/>
         <p:nvPr/>
       </p:nvGrpSpPr>
@@ -1125,7 +1126,7 @@
       </p:grpSpPr>
       <p:sp>
         <p:nvSpPr>
-          <p:cNvPr id="197" name="Google Shape;197;g387f2e334ed_0_303:notes"/>
+          <p:cNvPr id="198" name="Google Shape;198;g3892eb97007_0_19:notes"/>
           <p:cNvSpPr/>
           <p:nvPr>
             <p:ph idx="2" type="sldImg"/>
@@ -1160,7 +1161,7 @@
       </p:sp>
       <p:sp>
         <p:nvSpPr>
-          <p:cNvPr id="198" name="Google Shape;198;g387f2e334ed_0_303:notes"/>
+          <p:cNvPr id="199" name="Google Shape;199;g3892eb97007_0_19:notes"/>
           <p:cNvSpPr txBox="1"/>
           <p:nvPr>
             <p:ph idx="1" type="body"/>
@@ -1210,7 +1211,7 @@
   <p:cSld>
     <p:spTree>
       <p:nvGrpSpPr>
-        <p:cNvPr id="202" name="Shape 202"/>
+        <p:cNvPr id="203" name="Shape 203"/>
         <p:cNvGrpSpPr/>
         <p:nvPr/>
       </p:nvGrpSpPr>
@@ -1224,7 +1225,7 @@
       </p:grpSpPr>
       <p:sp>
         <p:nvSpPr>
-          <p:cNvPr id="203" name="Google Shape;203;g38950ece819_1_0:notes"/>
+          <p:cNvPr id="204" name="Google Shape;204;g387f2e334ed_0_303:notes"/>
           <p:cNvSpPr/>
           <p:nvPr>
             <p:ph idx="2" type="sldImg"/>
@@ -1259,7 +1260,7 @@
       </p:sp>
       <p:sp>
         <p:nvSpPr>
-          <p:cNvPr id="204" name="Google Shape;204;g38950ece819_1_0:notes"/>
+          <p:cNvPr id="205" name="Google Shape;205;g387f2e334ed_0_303:notes"/>
           <p:cNvSpPr txBox="1"/>
           <p:nvPr>
             <p:ph idx="1" type="body"/>
@@ -1309,7 +1310,7 @@
   <p:cSld>
     <p:spTree>
       <p:nvGrpSpPr>
-        <p:cNvPr id="208" name="Shape 208"/>
+        <p:cNvPr id="209" name="Shape 209"/>
         <p:cNvGrpSpPr/>
         <p:nvPr/>
       </p:nvGrpSpPr>
@@ -1323,7 +1324,7 @@
       </p:grpSpPr>
       <p:sp>
         <p:nvSpPr>
-          <p:cNvPr id="209" name="Google Shape;209;g38950ece819_1_5:notes"/>
+          <p:cNvPr id="210" name="Google Shape;210;g38950ece819_1_0:notes"/>
           <p:cNvSpPr/>
           <p:nvPr>
             <p:ph idx="2" type="sldImg"/>
@@ -1358,7 +1359,7 @@
       </p:sp>
       <p:sp>
         <p:nvSpPr>
-          <p:cNvPr id="210" name="Google Shape;210;g38950ece819_1_5:notes"/>
+          <p:cNvPr id="211" name="Google Shape;211;g38950ece819_1_0:notes"/>
           <p:cNvSpPr txBox="1"/>
           <p:nvPr>
             <p:ph idx="1" type="body"/>
@@ -1408,7 +1409,7 @@
   <p:cSld>
     <p:spTree>
       <p:nvGrpSpPr>
-        <p:cNvPr id="214" name="Shape 214"/>
+        <p:cNvPr id="215" name="Shape 215"/>
         <p:cNvGrpSpPr/>
         <p:nvPr/>
       </p:nvGrpSpPr>
@@ -1422,7 +1423,7 @@
       </p:grpSpPr>
       <p:sp>
         <p:nvSpPr>
-          <p:cNvPr id="215" name="Google Shape;215;g38950ece819_2_2:notes"/>
+          <p:cNvPr id="216" name="Google Shape;216;g38950ece819_1_5:notes"/>
           <p:cNvSpPr/>
           <p:nvPr>
             <p:ph idx="2" type="sldImg"/>
@@ -1457,7 +1458,106 @@
       </p:sp>
       <p:sp>
         <p:nvSpPr>
-          <p:cNvPr id="216" name="Google Shape;216;g38950ece819_2_2:notes"/>
+          <p:cNvPr id="217" name="Google Shape;217;g38950ece819_1_5:notes"/>
+          <p:cNvSpPr txBox="1"/>
+          <p:nvPr>
+            <p:ph idx="1" type="body"/>
+          </p:nvPr>
+        </p:nvSpPr>
+        <p:spPr>
+          <a:xfrm>
+            <a:off x="685800" y="4343400"/>
+            <a:ext cx="5486400" cy="4114800"/>
+          </a:xfrm>
+          <a:prstGeom prst="rect">
+            <a:avLst/>
+          </a:prstGeom>
+        </p:spPr>
+        <p:txBody>
+          <a:bodyPr anchorCtr="0" anchor="t" bIns="91425" lIns="91425" spcFirstLastPara="1" rIns="91425" wrap="square" tIns="91425">
+            <a:noAutofit/>
+          </a:bodyPr>
+          <a:lstStyle/>
+          <a:p>
+            <a:pPr indent="0" lvl="0" marL="0" rtl="0" algn="l">
+              <a:spcBef>
+                <a:spcPts val="0"/>
+              </a:spcBef>
+              <a:spcAft>
+                <a:spcPts val="0"/>
+              </a:spcAft>
+              <a:buNone/>
+            </a:pPr>
+            <a:r>
+              <a:t/>
+            </a:r>
+            <a:endParaRPr/>
+          </a:p>
+        </p:txBody>
+      </p:sp>
+    </p:spTree>
+  </p:cSld>
+  <p:clrMapOvr>
+    <a:masterClrMapping/>
+  </p:clrMapOvr>
+</p:notes>
+</file>
+
+<file path=ppt/notesSlides/notesSlide17.xml><?xml version="1.0" encoding="utf-8"?>
+<p:notes xmlns:a="http://schemas.openxmlformats.org/drawingml/2006/main" xmlns:r="http://schemas.openxmlformats.org/officeDocument/2006/relationships" xmlns:mc="http://schemas.openxmlformats.org/markup-compatibility/2006" xmlns:mv="urn:schemas-microsoft-com:mac:vml" xmlns:p="http://schemas.openxmlformats.org/presentationml/2006/main" xmlns:c="http://schemas.openxmlformats.org/drawingml/2006/chart" xmlns:dgm="http://schemas.openxmlformats.org/drawingml/2006/diagram" xmlns:o="urn:schemas-microsoft-com:office:office" xmlns:v="urn:schemas-microsoft-com:vml" xmlns:pvml="urn:schemas-microsoft-com:office:powerpoint" xmlns:com="http://schemas.openxmlformats.org/drawingml/2006/compatibility" xmlns:p14="http://schemas.microsoft.com/office/powerpoint/2010/main" xmlns:p15="http://schemas.microsoft.com/office/powerpoint/2012/main" xmlns:ahyp="http://schemas.microsoft.com/office/drawing/2018/hyperlinkcolor" showMasterPhAnim="0" showMasterSp="0">
+  <p:cSld>
+    <p:spTree>
+      <p:nvGrpSpPr>
+        <p:cNvPr id="221" name="Shape 221"/>
+        <p:cNvGrpSpPr/>
+        <p:nvPr/>
+      </p:nvGrpSpPr>
+      <p:grpSpPr>
+        <a:xfrm>
+          <a:off x="0" y="0"/>
+          <a:ext cx="0" cy="0"/>
+          <a:chOff x="0" y="0"/>
+          <a:chExt cx="0" cy="0"/>
+        </a:xfrm>
+      </p:grpSpPr>
+      <p:sp>
+        <p:nvSpPr>
+          <p:cNvPr id="222" name="Google Shape;222;g38950ece819_2_2:notes"/>
+          <p:cNvSpPr/>
+          <p:nvPr>
+            <p:ph idx="2" type="sldImg"/>
+          </p:nvPr>
+        </p:nvSpPr>
+        <p:spPr>
+          <a:xfrm>
+            <a:off x="381300" y="685800"/>
+            <a:ext cx="6096000" cy="3429000"/>
+          </a:xfrm>
+          <a:custGeom>
+            <a:rect b="b" l="l" r="r" t="t"/>
+            <a:pathLst>
+              <a:path extrusionOk="0" h="120000" w="120000">
+                <a:moveTo>
+                  <a:pt x="0" y="0"/>
+                </a:moveTo>
+                <a:lnTo>
+                  <a:pt x="120000" y="0"/>
+                </a:lnTo>
+                <a:lnTo>
+                  <a:pt x="120000" y="120000"/>
+                </a:lnTo>
+                <a:lnTo>
+                  <a:pt x="0" y="120000"/>
+                </a:lnTo>
+                <a:close/>
+              </a:path>
+            </a:pathLst>
+          </a:custGeom>
+        </p:spPr>
+      </p:sp>
+      <p:sp>
+        <p:nvSpPr>
+          <p:cNvPr id="223" name="Google Shape;223;g38950ece819_2_2:notes"/>
           <p:cNvSpPr txBox="1"/>
           <p:nvPr>
             <p:ph idx="1" type="body"/>
@@ -1521,7 +1621,7 @@
       </p:grpSpPr>
       <p:sp>
         <p:nvSpPr>
-          <p:cNvPr id="131" name="Google Shape;131;g387f2e334ed_0_260:notes"/>
+          <p:cNvPr id="131" name="Google Shape;131;g38950ece819_1_21:notes"/>
           <p:cNvSpPr/>
           <p:nvPr>
             <p:ph idx="2" type="sldImg"/>
@@ -1556,7 +1656,7 @@
       </p:sp>
       <p:sp>
         <p:nvSpPr>
-          <p:cNvPr id="132" name="Google Shape;132;g387f2e334ed_0_260:notes"/>
+          <p:cNvPr id="132" name="Google Shape;132;g38950ece819_1_21:notes"/>
           <p:cNvSpPr txBox="1"/>
           <p:nvPr>
             <p:ph idx="1" type="body"/>
@@ -1606,7 +1706,7 @@
   <p:cSld>
     <p:spTree>
       <p:nvGrpSpPr>
-        <p:cNvPr id="135" name="Shape 135"/>
+        <p:cNvPr id="136" name="Shape 136"/>
         <p:cNvGrpSpPr/>
         <p:nvPr/>
       </p:nvGrpSpPr>
@@ -1620,7 +1720,7 @@
       </p:grpSpPr>
       <p:sp>
         <p:nvSpPr>
-          <p:cNvPr id="136" name="Google Shape;136;g387f2e334ed_0_265:notes"/>
+          <p:cNvPr id="137" name="Google Shape;137;g387f2e334ed_0_260:notes"/>
           <p:cNvSpPr/>
           <p:nvPr>
             <p:ph idx="2" type="sldImg"/>
@@ -1655,7 +1755,7 @@
       </p:sp>
       <p:sp>
         <p:nvSpPr>
-          <p:cNvPr id="137" name="Google Shape;137;g387f2e334ed_0_265:notes"/>
+          <p:cNvPr id="138" name="Google Shape;138;g387f2e334ed_0_260:notes"/>
           <p:cNvSpPr txBox="1"/>
           <p:nvPr>
             <p:ph idx="1" type="body"/>
@@ -1705,7 +1805,7 @@
   <p:cSld>
     <p:spTree>
       <p:nvGrpSpPr>
-        <p:cNvPr id="140" name="Shape 140"/>
+        <p:cNvPr id="141" name="Shape 141"/>
         <p:cNvGrpSpPr/>
         <p:nvPr/>
       </p:nvGrpSpPr>
@@ -1719,7 +1819,7 @@
       </p:grpSpPr>
       <p:sp>
         <p:nvSpPr>
-          <p:cNvPr id="141" name="Google Shape;141;g387f2e334ed_0_269:notes"/>
+          <p:cNvPr id="142" name="Google Shape;142;g387f2e334ed_0_265:notes"/>
           <p:cNvSpPr/>
           <p:nvPr>
             <p:ph idx="2" type="sldImg"/>
@@ -1754,7 +1854,7 @@
       </p:sp>
       <p:sp>
         <p:nvSpPr>
-          <p:cNvPr id="142" name="Google Shape;142;g387f2e334ed_0_269:notes"/>
+          <p:cNvPr id="143" name="Google Shape;143;g387f2e334ed_0_265:notes"/>
           <p:cNvSpPr txBox="1"/>
           <p:nvPr>
             <p:ph idx="1" type="body"/>
@@ -1804,7 +1904,7 @@
   <p:cSld>
     <p:spTree>
       <p:nvGrpSpPr>
-        <p:cNvPr id="147" name="Shape 147"/>
+        <p:cNvPr id="146" name="Shape 146"/>
         <p:cNvGrpSpPr/>
         <p:nvPr/>
       </p:nvGrpSpPr>
@@ -1818,7 +1918,7 @@
       </p:grpSpPr>
       <p:sp>
         <p:nvSpPr>
-          <p:cNvPr id="148" name="Google Shape;148;g387f2e334ed_0_275:notes"/>
+          <p:cNvPr id="147" name="Google Shape;147;g387f2e334ed_0_269:notes"/>
           <p:cNvSpPr/>
           <p:nvPr>
             <p:ph idx="2" type="sldImg"/>
@@ -1853,7 +1953,7 @@
       </p:sp>
       <p:sp>
         <p:nvSpPr>
-          <p:cNvPr id="149" name="Google Shape;149;g387f2e334ed_0_275:notes"/>
+          <p:cNvPr id="148" name="Google Shape;148;g387f2e334ed_0_269:notes"/>
           <p:cNvSpPr txBox="1"/>
           <p:nvPr>
             <p:ph idx="1" type="body"/>
@@ -1903,7 +2003,7 @@
   <p:cSld>
     <p:spTree>
       <p:nvGrpSpPr>
-        <p:cNvPr id="154" name="Shape 154"/>
+        <p:cNvPr id="153" name="Shape 153"/>
         <p:cNvGrpSpPr/>
         <p:nvPr/>
       </p:nvGrpSpPr>
@@ -1917,7 +2017,7 @@
       </p:grpSpPr>
       <p:sp>
         <p:nvSpPr>
-          <p:cNvPr id="155" name="Google Shape;155;g387f2e334ed_0_280:notes"/>
+          <p:cNvPr id="154" name="Google Shape;154;g387f2e334ed_0_275:notes"/>
           <p:cNvSpPr/>
           <p:nvPr>
             <p:ph idx="2" type="sldImg"/>
@@ -1952,7 +2052,7 @@
       </p:sp>
       <p:sp>
         <p:nvSpPr>
-          <p:cNvPr id="156" name="Google Shape;156;g387f2e334ed_0_280:notes"/>
+          <p:cNvPr id="155" name="Google Shape;155;g387f2e334ed_0_275:notes"/>
           <p:cNvSpPr txBox="1"/>
           <p:nvPr>
             <p:ph idx="1" type="body"/>
@@ -2002,7 +2102,7 @@
   <p:cSld>
     <p:spTree>
       <p:nvGrpSpPr>
-        <p:cNvPr id="162" name="Shape 162"/>
+        <p:cNvPr id="160" name="Shape 160"/>
         <p:cNvGrpSpPr/>
         <p:nvPr/>
       </p:nvGrpSpPr>
@@ -2016,7 +2116,7 @@
       </p:grpSpPr>
       <p:sp>
         <p:nvSpPr>
-          <p:cNvPr id="163" name="Google Shape;163;g387f2e334ed_0_286:notes"/>
+          <p:cNvPr id="161" name="Google Shape;161;g387f2e334ed_0_280:notes"/>
           <p:cNvSpPr/>
           <p:nvPr>
             <p:ph idx="2" type="sldImg"/>
@@ -2051,7 +2151,7 @@
       </p:sp>
       <p:sp>
         <p:nvSpPr>
-          <p:cNvPr id="164" name="Google Shape;164;g387f2e334ed_0_286:notes"/>
+          <p:cNvPr id="162" name="Google Shape;162;g387f2e334ed_0_280:notes"/>
           <p:cNvSpPr txBox="1"/>
           <p:nvPr>
             <p:ph idx="1" type="body"/>
@@ -2115,7 +2215,7 @@
       </p:grpSpPr>
       <p:sp>
         <p:nvSpPr>
-          <p:cNvPr id="170" name="Google Shape;170;g3892eb97007_0_27:notes"/>
+          <p:cNvPr id="170" name="Google Shape;170;g387f2e334ed_0_286:notes"/>
           <p:cNvSpPr/>
           <p:nvPr>
             <p:ph idx="2" type="sldImg"/>
@@ -2150,7 +2250,7 @@
       </p:sp>
       <p:sp>
         <p:nvSpPr>
-          <p:cNvPr id="171" name="Google Shape;171;g3892eb97007_0_27:notes"/>
+          <p:cNvPr id="171" name="Google Shape;171;g387f2e334ed_0_286:notes"/>
           <p:cNvSpPr txBox="1"/>
           <p:nvPr>
             <p:ph idx="1" type="body"/>
@@ -2200,7 +2300,7 @@
   <p:cSld>
     <p:spTree>
       <p:nvGrpSpPr>
-        <p:cNvPr id="174" name="Shape 174"/>
+        <p:cNvPr id="176" name="Shape 176"/>
         <p:cNvGrpSpPr/>
         <p:nvPr/>
       </p:nvGrpSpPr>
@@ -2214,7 +2314,7 @@
       </p:grpSpPr>
       <p:sp>
         <p:nvSpPr>
-          <p:cNvPr id="175" name="Google Shape;175;g3892eb97007_0_0:notes"/>
+          <p:cNvPr id="177" name="Google Shape;177;g3892eb97007_0_27:notes"/>
           <p:cNvSpPr/>
           <p:nvPr>
             <p:ph idx="2" type="sldImg"/>
@@ -2249,7 +2349,7 @@
       </p:sp>
       <p:sp>
         <p:nvSpPr>
-          <p:cNvPr id="176" name="Google Shape;176;g3892eb97007_0_0:notes"/>
+          <p:cNvPr id="178" name="Google Shape;178;g3892eb97007_0_27:notes"/>
           <p:cNvSpPr txBox="1"/>
           <p:nvPr>
             <p:ph idx="1" type="body"/>
@@ -10522,7 +10622,7 @@
   <p:cSld>
     <p:spTree>
       <p:nvGrpSpPr>
-        <p:cNvPr id="182" name="Shape 182"/>
+        <p:cNvPr id="184" name="Shape 184"/>
         <p:cNvGrpSpPr/>
         <p:nvPr/>
       </p:nvGrpSpPr>
@@ -10536,7 +10636,7 @@
       </p:grpSpPr>
       <p:pic>
         <p:nvPicPr>
-          <p:cNvPr id="183" name="Google Shape;183;p22"/>
+          <p:cNvPr id="185" name="Google Shape;185;p22"/>
           <p:cNvPicPr preferRelativeResize="0"/>
           <p:nvPr/>
         </p:nvPicPr>
@@ -10550,8 +10650,8 @@
         </p:blipFill>
         <p:spPr>
           <a:xfrm>
-            <a:off x="586800" y="180013"/>
-            <a:ext cx="7970399" cy="4783475"/>
+            <a:off x="565638" y="249175"/>
+            <a:ext cx="8012724" cy="4645150"/>
           </a:xfrm>
           <a:prstGeom prst="rect">
             <a:avLst/>
@@ -10575,7 +10675,7 @@
   <p:cSld>
     <p:spTree>
       <p:nvGrpSpPr>
-        <p:cNvPr id="187" name="Shape 187"/>
+        <p:cNvPr id="189" name="Shape 189"/>
         <p:cNvGrpSpPr/>
         <p:nvPr/>
       </p:nvGrpSpPr>
@@ -10589,48 +10689,22 @@
       </p:grpSpPr>
       <p:pic>
         <p:nvPicPr>
-          <p:cNvPr id="188" name="Google Shape;188;p23"/>
+          <p:cNvPr id="190" name="Google Shape;190;p23"/>
           <p:cNvPicPr preferRelativeResize="0"/>
           <p:nvPr/>
         </p:nvPicPr>
-        <p:blipFill rotWithShape="1">
+        <p:blipFill>
           <a:blip r:embed="rId3">
             <a:alphaModFix/>
           </a:blip>
-          <a:srcRect b="51126" l="0" r="0" t="0"/>
-          <a:stretch/>
+          <a:stretch>
+            <a:fillRect/>
+          </a:stretch>
         </p:blipFill>
         <p:spPr>
           <a:xfrm>
-            <a:off x="200900" y="724425"/>
-            <a:ext cx="4652675" cy="3455576"/>
-          </a:xfrm>
-          <a:prstGeom prst="rect">
-            <a:avLst/>
-          </a:prstGeom>
-          <a:noFill/>
-          <a:ln>
-            <a:noFill/>
-          </a:ln>
-        </p:spPr>
-      </p:pic>
-      <p:pic>
-        <p:nvPicPr>
-          <p:cNvPr id="189" name="Google Shape;189;p23"/>
-          <p:cNvPicPr preferRelativeResize="0"/>
-          <p:nvPr/>
-        </p:nvPicPr>
-        <p:blipFill rotWithShape="1">
-          <a:blip r:embed="rId3">
-            <a:alphaModFix/>
-          </a:blip>
-          <a:srcRect b="0" l="0" r="0" t="48725"/>
-          <a:stretch/>
-        </p:blipFill>
-        <p:spPr>
-          <a:xfrm>
-            <a:off x="4853575" y="774975"/>
-            <a:ext cx="4100450" cy="3354451"/>
+            <a:off x="586800" y="180013"/>
+            <a:ext cx="7970399" cy="4783475"/>
           </a:xfrm>
           <a:prstGeom prst="rect">
             <a:avLst/>
@@ -10654,7 +10728,7 @@
   <p:cSld>
     <p:spTree>
       <p:nvGrpSpPr>
-        <p:cNvPr id="193" name="Shape 193"/>
+        <p:cNvPr id="194" name="Shape 194"/>
         <p:cNvGrpSpPr/>
         <p:nvPr/>
       </p:nvGrpSpPr>
@@ -10668,7 +10742,7 @@
       </p:grpSpPr>
       <p:pic>
         <p:nvPicPr>
-          <p:cNvPr id="194" name="Google Shape;194;p24"/>
+          <p:cNvPr id="195" name="Google Shape;195;p24"/>
           <p:cNvPicPr preferRelativeResize="0"/>
           <p:nvPr/>
         </p:nvPicPr>
@@ -10676,13 +10750,13 @@
           <a:blip r:embed="rId3">
             <a:alphaModFix/>
           </a:blip>
-          <a:srcRect b="0" l="0" r="0" t="41407"/>
+          <a:srcRect b="51126" l="0" r="0" t="0"/>
           <a:stretch/>
         </p:blipFill>
         <p:spPr>
           <a:xfrm>
-            <a:off x="4934375" y="1064927"/>
-            <a:ext cx="3405500" cy="3013651"/>
+            <a:off x="200900" y="724425"/>
+            <a:ext cx="4652675" cy="3455576"/>
           </a:xfrm>
           <a:prstGeom prst="rect">
             <a:avLst/>
@@ -10695,7 +10769,7 @@
       </p:pic>
       <p:pic>
         <p:nvPicPr>
-          <p:cNvPr id="195" name="Google Shape;195;p24"/>
+          <p:cNvPr id="196" name="Google Shape;196;p24"/>
           <p:cNvPicPr preferRelativeResize="0"/>
           <p:nvPr/>
         </p:nvPicPr>
@@ -10703,13 +10777,13 @@
           <a:blip r:embed="rId3">
             <a:alphaModFix/>
           </a:blip>
-          <a:srcRect b="58878" l="0" r="0" t="0"/>
+          <a:srcRect b="0" l="0" r="0" t="48725"/>
           <a:stretch/>
         </p:blipFill>
         <p:spPr>
           <a:xfrm>
-            <a:off x="609750" y="1514202"/>
-            <a:ext cx="3405500" cy="2115100"/>
+            <a:off x="4853575" y="774975"/>
+            <a:ext cx="4100450" cy="3354451"/>
           </a:xfrm>
           <a:prstGeom prst="rect">
             <a:avLst/>
@@ -10733,7 +10807,7 @@
   <p:cSld>
     <p:spTree>
       <p:nvGrpSpPr>
-        <p:cNvPr id="199" name="Shape 199"/>
+        <p:cNvPr id="200" name="Shape 200"/>
         <p:cNvGrpSpPr/>
         <p:nvPr/>
       </p:nvGrpSpPr>
@@ -10745,64 +10819,50 @@
           <a:chExt cx="0" cy="0"/>
         </a:xfrm>
       </p:grpSpPr>
-      <p:sp>
-        <p:nvSpPr>
-          <p:cNvPr id="200" name="Google Shape;200;p25"/>
-          <p:cNvSpPr txBox="1"/>
-          <p:nvPr>
-            <p:ph type="title"/>
-          </p:nvPr>
-        </p:nvSpPr>
-        <p:spPr>
-          <a:xfrm>
-            <a:off x="819150" y="845600"/>
-            <a:ext cx="7505700" cy="954600"/>
-          </a:xfrm>
-          <a:prstGeom prst="rect">
-            <a:avLst/>
-          </a:prstGeom>
-        </p:spPr>
-        <p:txBody>
-          <a:bodyPr anchorCtr="0" anchor="t" bIns="91425" lIns="91425" spcFirstLastPara="1" rIns="91425" wrap="square" tIns="91425">
-            <a:normAutofit/>
-          </a:bodyPr>
-          <a:lstStyle/>
-          <a:p>
-            <a:pPr indent="0" lvl="0" marL="0" rtl="0" algn="l">
-              <a:spcBef>
-                <a:spcPts val="0"/>
-              </a:spcBef>
-              <a:spcAft>
-                <a:spcPts val="0"/>
-              </a:spcAft>
-              <a:buNone/>
-            </a:pPr>
-            <a:r>
-              <a:rPr lang="en"/>
-              <a:t>Storage Documentation - ER Diagram</a:t>
-            </a:r>
-            <a:endParaRPr/>
-          </a:p>
-        </p:txBody>
-      </p:sp>
       <p:pic>
         <p:nvPicPr>
           <p:cNvPr id="201" name="Google Shape;201;p25"/>
           <p:cNvPicPr preferRelativeResize="0"/>
           <p:nvPr/>
         </p:nvPicPr>
-        <p:blipFill>
+        <p:blipFill rotWithShape="1">
           <a:blip r:embed="rId3">
             <a:alphaModFix/>
           </a:blip>
-          <a:stretch>
-            <a:fillRect/>
-          </a:stretch>
+          <a:srcRect b="0" l="0" r="0" t="41407"/>
+          <a:stretch/>
         </p:blipFill>
         <p:spPr>
           <a:xfrm>
-            <a:off x="766475" y="1628775"/>
-            <a:ext cx="7611050" cy="2829750"/>
+            <a:off x="4934375" y="1064927"/>
+            <a:ext cx="3405500" cy="3013651"/>
+          </a:xfrm>
+          <a:prstGeom prst="rect">
+            <a:avLst/>
+          </a:prstGeom>
+          <a:noFill/>
+          <a:ln>
+            <a:noFill/>
+          </a:ln>
+        </p:spPr>
+      </p:pic>
+      <p:pic>
+        <p:nvPicPr>
+          <p:cNvPr id="202" name="Google Shape;202;p25"/>
+          <p:cNvPicPr preferRelativeResize="0"/>
+          <p:nvPr/>
+        </p:nvPicPr>
+        <p:blipFill rotWithShape="1">
+          <a:blip r:embed="rId3">
+            <a:alphaModFix/>
+          </a:blip>
+          <a:srcRect b="58878" l="0" r="0" t="0"/>
+          <a:stretch/>
+        </p:blipFill>
+        <p:spPr>
+          <a:xfrm>
+            <a:off x="609750" y="1514202"/>
+            <a:ext cx="3405500" cy="2115100"/>
           </a:xfrm>
           <a:prstGeom prst="rect">
             <a:avLst/>
@@ -10826,7 +10886,7 @@
   <p:cSld>
     <p:spTree>
       <p:nvGrpSpPr>
-        <p:cNvPr id="205" name="Shape 205"/>
+        <p:cNvPr id="206" name="Shape 206"/>
         <p:cNvGrpSpPr/>
         <p:nvPr/>
       </p:nvGrpSpPr>
@@ -10840,7 +10900,7 @@
       </p:grpSpPr>
       <p:sp>
         <p:nvSpPr>
-          <p:cNvPr id="206" name="Google Shape;206;p26"/>
+          <p:cNvPr id="207" name="Google Shape;207;p26"/>
           <p:cNvSpPr txBox="1"/>
           <p:nvPr>
             <p:ph type="title"/>
@@ -10872,7 +10932,7 @@
             </a:pPr>
             <a:r>
               <a:rPr lang="en"/>
-              <a:t>Message Documentation - Save Itineraries</a:t>
+              <a:t>Storage Documentation - ER Diagram</a:t>
             </a:r>
             <a:endParaRPr/>
           </a:p>
@@ -10880,7 +10940,7 @@
       </p:sp>
       <p:pic>
         <p:nvPicPr>
-          <p:cNvPr id="207" name="Google Shape;207;p26"/>
+          <p:cNvPr id="208" name="Google Shape;208;p26"/>
           <p:cNvPicPr preferRelativeResize="0"/>
           <p:nvPr/>
         </p:nvPicPr>
@@ -10894,8 +10954,8 @@
         </p:blipFill>
         <p:spPr>
           <a:xfrm>
-            <a:off x="2840838" y="1363275"/>
-            <a:ext cx="2605100" cy="3470675"/>
+            <a:off x="766475" y="1628775"/>
+            <a:ext cx="7611050" cy="2829750"/>
           </a:xfrm>
           <a:prstGeom prst="rect">
             <a:avLst/>
@@ -10919,7 +10979,7 @@
   <p:cSld>
     <p:spTree>
       <p:nvGrpSpPr>
-        <p:cNvPr id="211" name="Shape 211"/>
+        <p:cNvPr id="212" name="Shape 212"/>
         <p:cNvGrpSpPr/>
         <p:nvPr/>
       </p:nvGrpSpPr>
@@ -10933,7 +10993,7 @@
       </p:grpSpPr>
       <p:sp>
         <p:nvSpPr>
-          <p:cNvPr id="212" name="Google Shape;212;p27"/>
+          <p:cNvPr id="213" name="Google Shape;213;p27"/>
           <p:cNvSpPr txBox="1"/>
           <p:nvPr>
             <p:ph type="title"/>
@@ -10965,7 +11025,7 @@
             </a:pPr>
             <a:r>
               <a:rPr lang="en"/>
-              <a:t>Message Documentation - View Itineraries</a:t>
+              <a:t>Message Documentation - Save Itineraries</a:t>
             </a:r>
             <a:endParaRPr/>
           </a:p>
@@ -10973,7 +11033,7 @@
       </p:sp>
       <p:pic>
         <p:nvPicPr>
-          <p:cNvPr id="213" name="Google Shape;213;p27"/>
+          <p:cNvPr id="214" name="Google Shape;214;p27"/>
           <p:cNvPicPr preferRelativeResize="0"/>
           <p:nvPr/>
         </p:nvPicPr>
@@ -10987,8 +11047,8 @@
         </p:blipFill>
         <p:spPr>
           <a:xfrm>
-            <a:off x="2604800" y="1443050"/>
-            <a:ext cx="3934400" cy="3186075"/>
+            <a:off x="2840838" y="1363275"/>
+            <a:ext cx="2605100" cy="3470675"/>
           </a:xfrm>
           <a:prstGeom prst="rect">
             <a:avLst/>
@@ -11012,7 +11072,7 @@
   <p:cSld>
     <p:spTree>
       <p:nvGrpSpPr>
-        <p:cNvPr id="217" name="Shape 217"/>
+        <p:cNvPr id="218" name="Shape 218"/>
         <p:cNvGrpSpPr/>
         <p:nvPr/>
       </p:nvGrpSpPr>
@@ -11026,7 +11086,100 @@
       </p:grpSpPr>
       <p:sp>
         <p:nvSpPr>
-          <p:cNvPr id="218" name="Google Shape;218;p28"/>
+          <p:cNvPr id="219" name="Google Shape;219;p28"/>
+          <p:cNvSpPr txBox="1"/>
+          <p:nvPr>
+            <p:ph type="title"/>
+          </p:nvPr>
+        </p:nvSpPr>
+        <p:spPr>
+          <a:xfrm>
+            <a:off x="819150" y="845600"/>
+            <a:ext cx="7505700" cy="954600"/>
+          </a:xfrm>
+          <a:prstGeom prst="rect">
+            <a:avLst/>
+          </a:prstGeom>
+        </p:spPr>
+        <p:txBody>
+          <a:bodyPr anchorCtr="0" anchor="t" bIns="91425" lIns="91425" spcFirstLastPara="1" rIns="91425" wrap="square" tIns="91425">
+            <a:normAutofit/>
+          </a:bodyPr>
+          <a:lstStyle/>
+          <a:p>
+            <a:pPr indent="0" lvl="0" marL="0" rtl="0" algn="l">
+              <a:spcBef>
+                <a:spcPts val="0"/>
+              </a:spcBef>
+              <a:spcAft>
+                <a:spcPts val="0"/>
+              </a:spcAft>
+              <a:buNone/>
+            </a:pPr>
+            <a:r>
+              <a:rPr lang="en"/>
+              <a:t>Message Documentation - View Itineraries</a:t>
+            </a:r>
+            <a:endParaRPr/>
+          </a:p>
+        </p:txBody>
+      </p:sp>
+      <p:pic>
+        <p:nvPicPr>
+          <p:cNvPr id="220" name="Google Shape;220;p28"/>
+          <p:cNvPicPr preferRelativeResize="0"/>
+          <p:nvPr/>
+        </p:nvPicPr>
+        <p:blipFill>
+          <a:blip r:embed="rId3">
+            <a:alphaModFix/>
+          </a:blip>
+          <a:stretch>
+            <a:fillRect/>
+          </a:stretch>
+        </p:blipFill>
+        <p:spPr>
+          <a:xfrm>
+            <a:off x="2604800" y="1443050"/>
+            <a:ext cx="3934400" cy="3186075"/>
+          </a:xfrm>
+          <a:prstGeom prst="rect">
+            <a:avLst/>
+          </a:prstGeom>
+          <a:noFill/>
+          <a:ln>
+            <a:noFill/>
+          </a:ln>
+        </p:spPr>
+      </p:pic>
+    </p:spTree>
+  </p:cSld>
+  <p:clrMapOvr>
+    <a:masterClrMapping/>
+  </p:clrMapOvr>
+</p:sld>
+</file>
+
+<file path=ppt/slides/slide17.xml><?xml version="1.0" encoding="utf-8"?>
+<p:sld xmlns:a="http://schemas.openxmlformats.org/drawingml/2006/main" xmlns:r="http://schemas.openxmlformats.org/officeDocument/2006/relationships" xmlns:mc="http://schemas.openxmlformats.org/markup-compatibility/2006" xmlns:mv="urn:schemas-microsoft-com:mac:vml" xmlns:p="http://schemas.openxmlformats.org/presentationml/2006/main" xmlns:c="http://schemas.openxmlformats.org/drawingml/2006/chart" xmlns:dgm="http://schemas.openxmlformats.org/drawingml/2006/diagram" xmlns:o="urn:schemas-microsoft-com:office:office" xmlns:v="urn:schemas-microsoft-com:vml" xmlns:pvml="urn:schemas-microsoft-com:office:powerpoint" xmlns:com="http://schemas.openxmlformats.org/drawingml/2006/compatibility" xmlns:p14="http://schemas.microsoft.com/office/powerpoint/2010/main" xmlns:p15="http://schemas.microsoft.com/office/powerpoint/2012/main" xmlns:ahyp="http://schemas.microsoft.com/office/drawing/2018/hyperlinkcolor">
+  <p:cSld>
+    <p:spTree>
+      <p:nvGrpSpPr>
+        <p:cNvPr id="224" name="Shape 224"/>
+        <p:cNvGrpSpPr/>
+        <p:nvPr/>
+      </p:nvGrpSpPr>
+      <p:grpSpPr>
+        <a:xfrm>
+          <a:off x="0" y="0"/>
+          <a:ext cx="0" cy="0"/>
+          <a:chOff x="0" y="0"/>
+          <a:chExt cx="0" cy="0"/>
+        </a:xfrm>
+      </p:grpSpPr>
+      <p:sp>
+        <p:nvSpPr>
+          <p:cNvPr id="225" name="Google Shape;225;p29"/>
           <p:cNvSpPr txBox="1"/>
           <p:nvPr>
             <p:ph type="title"/>
@@ -11099,6 +11252,99 @@
         </p:nvSpPr>
         <p:spPr>
           <a:xfrm>
+            <a:off x="819150" y="845600"/>
+            <a:ext cx="7505700" cy="954600"/>
+          </a:xfrm>
+          <a:prstGeom prst="rect">
+            <a:avLst/>
+          </a:prstGeom>
+        </p:spPr>
+        <p:txBody>
+          <a:bodyPr anchorCtr="0" anchor="t" bIns="91425" lIns="91425" spcFirstLastPara="1" rIns="91425" wrap="square" tIns="91425">
+            <a:normAutofit/>
+          </a:bodyPr>
+          <a:lstStyle/>
+          <a:p>
+            <a:pPr indent="0" lvl="0" marL="0" rtl="0" algn="l">
+              <a:spcBef>
+                <a:spcPts val="0"/>
+              </a:spcBef>
+              <a:spcAft>
+                <a:spcPts val="0"/>
+              </a:spcAft>
+              <a:buNone/>
+            </a:pPr>
+            <a:r>
+              <a:rPr lang="en"/>
+              <a:t>Block Diagram</a:t>
+            </a:r>
+            <a:endParaRPr/>
+          </a:p>
+        </p:txBody>
+      </p:sp>
+      <p:pic>
+        <p:nvPicPr>
+          <p:cNvPr id="135" name="Google Shape;135;p14" title="Atlas Itinerary Block Diagram.png"/>
+          <p:cNvPicPr preferRelativeResize="0"/>
+          <p:nvPr/>
+        </p:nvPicPr>
+        <p:blipFill>
+          <a:blip r:embed="rId3">
+            <a:alphaModFix/>
+          </a:blip>
+          <a:stretch>
+            <a:fillRect/>
+          </a:stretch>
+        </p:blipFill>
+        <p:spPr>
+          <a:xfrm>
+            <a:off x="1427600" y="1507925"/>
+            <a:ext cx="6288800" cy="3176050"/>
+          </a:xfrm>
+          <a:prstGeom prst="rect">
+            <a:avLst/>
+          </a:prstGeom>
+          <a:noFill/>
+          <a:ln>
+            <a:noFill/>
+          </a:ln>
+        </p:spPr>
+      </p:pic>
+    </p:spTree>
+  </p:cSld>
+  <p:clrMapOvr>
+    <a:masterClrMapping/>
+  </p:clrMapOvr>
+</p:sld>
+</file>
+
+<file path=ppt/slides/slide3.xml><?xml version="1.0" encoding="utf-8"?>
+<p:sld xmlns:a="http://schemas.openxmlformats.org/drawingml/2006/main" xmlns:r="http://schemas.openxmlformats.org/officeDocument/2006/relationships" xmlns:mc="http://schemas.openxmlformats.org/markup-compatibility/2006" xmlns:mv="urn:schemas-microsoft-com:mac:vml" xmlns:p="http://schemas.openxmlformats.org/presentationml/2006/main" xmlns:c="http://schemas.openxmlformats.org/drawingml/2006/chart" xmlns:dgm="http://schemas.openxmlformats.org/drawingml/2006/diagram" xmlns:o="urn:schemas-microsoft-com:office:office" xmlns:v="urn:schemas-microsoft-com:vml" xmlns:pvml="urn:schemas-microsoft-com:office:powerpoint" xmlns:com="http://schemas.openxmlformats.org/drawingml/2006/compatibility" xmlns:p14="http://schemas.microsoft.com/office/powerpoint/2010/main" xmlns:p15="http://schemas.microsoft.com/office/powerpoint/2012/main" xmlns:ahyp="http://schemas.microsoft.com/office/drawing/2018/hyperlinkcolor">
+  <p:cSld>
+    <p:spTree>
+      <p:nvGrpSpPr>
+        <p:cNvPr id="139" name="Shape 139"/>
+        <p:cNvGrpSpPr/>
+        <p:nvPr/>
+      </p:nvGrpSpPr>
+      <p:grpSpPr>
+        <a:xfrm>
+          <a:off x="0" y="0"/>
+          <a:ext cx="0" cy="0"/>
+          <a:chOff x="0" y="0"/>
+          <a:chExt cx="0" cy="0"/>
+        </a:xfrm>
+      </p:grpSpPr>
+      <p:sp>
+        <p:nvSpPr>
+          <p:cNvPr id="140" name="Google Shape;140;p15"/>
+          <p:cNvSpPr txBox="1"/>
+          <p:nvPr>
+            <p:ph type="title"/>
+          </p:nvPr>
+        </p:nvSpPr>
+        <p:spPr>
+          <a:xfrm>
             <a:off x="1888684" y="1746100"/>
             <a:ext cx="5377500" cy="1646100"/>
           </a:xfrm>
@@ -11137,12 +11383,12 @@
 </p:sld>
 </file>
 
-<file path=ppt/slides/slide3.xml><?xml version="1.0" encoding="utf-8"?>
+<file path=ppt/slides/slide4.xml><?xml version="1.0" encoding="utf-8"?>
 <p:sld xmlns:a="http://schemas.openxmlformats.org/drawingml/2006/main" xmlns:r="http://schemas.openxmlformats.org/officeDocument/2006/relationships" xmlns:mc="http://schemas.openxmlformats.org/markup-compatibility/2006" xmlns:mv="urn:schemas-microsoft-com:mac:vml" xmlns:p="http://schemas.openxmlformats.org/presentationml/2006/main" xmlns:c="http://schemas.openxmlformats.org/drawingml/2006/chart" xmlns:dgm="http://schemas.openxmlformats.org/drawingml/2006/diagram" xmlns:o="urn:schemas-microsoft-com:office:office" xmlns:v="urn:schemas-microsoft-com:vml" xmlns:pvml="urn:schemas-microsoft-com:office:powerpoint" xmlns:com="http://schemas.openxmlformats.org/drawingml/2006/compatibility" xmlns:p14="http://schemas.microsoft.com/office/powerpoint/2010/main" xmlns:p15="http://schemas.microsoft.com/office/powerpoint/2012/main" xmlns:ahyp="http://schemas.microsoft.com/office/drawing/2018/hyperlinkcolor">
   <p:cSld>
     <p:spTree>
       <p:nvGrpSpPr>
-        <p:cNvPr id="138" name="Shape 138"/>
+        <p:cNvPr id="144" name="Shape 144"/>
         <p:cNvGrpSpPr/>
         <p:nvPr/>
       </p:nvGrpSpPr>
@@ -11156,7 +11402,7 @@
       </p:grpSpPr>
       <p:pic>
         <p:nvPicPr>
-          <p:cNvPr id="139" name="Google Shape;139;p15" title="All_In_One.png"/>
+          <p:cNvPr id="145" name="Google Shape;145;p16" title="All_In_One.png"/>
           <p:cNvPicPr preferRelativeResize="0"/>
           <p:nvPr/>
         </p:nvPicPr>
@@ -11172,161 +11418,6 @@
           <a:xfrm>
             <a:off x="2614788" y="152400"/>
             <a:ext cx="3914426" cy="4838702"/>
-          </a:xfrm>
-          <a:prstGeom prst="rect">
-            <a:avLst/>
-          </a:prstGeom>
-          <a:noFill/>
-          <a:ln>
-            <a:noFill/>
-          </a:ln>
-        </p:spPr>
-      </p:pic>
-    </p:spTree>
-  </p:cSld>
-  <p:clrMapOvr>
-    <a:masterClrMapping/>
-  </p:clrMapOvr>
-</p:sld>
-</file>
-
-<file path=ppt/slides/slide4.xml><?xml version="1.0" encoding="utf-8"?>
-<p:sld xmlns:a="http://schemas.openxmlformats.org/drawingml/2006/main" xmlns:r="http://schemas.openxmlformats.org/officeDocument/2006/relationships" xmlns:mc="http://schemas.openxmlformats.org/markup-compatibility/2006" xmlns:mv="urn:schemas-microsoft-com:mac:vml" xmlns:p="http://schemas.openxmlformats.org/presentationml/2006/main" xmlns:c="http://schemas.openxmlformats.org/drawingml/2006/chart" xmlns:dgm="http://schemas.openxmlformats.org/drawingml/2006/diagram" xmlns:o="urn:schemas-microsoft-com:office:office" xmlns:v="urn:schemas-microsoft-com:vml" xmlns:pvml="urn:schemas-microsoft-com:office:powerpoint" xmlns:com="http://schemas.openxmlformats.org/drawingml/2006/compatibility" xmlns:p14="http://schemas.microsoft.com/office/powerpoint/2010/main" xmlns:p15="http://schemas.microsoft.com/office/powerpoint/2012/main" xmlns:ahyp="http://schemas.microsoft.com/office/drawing/2018/hyperlinkcolor">
-  <p:cSld>
-    <p:spTree>
-      <p:nvGrpSpPr>
-        <p:cNvPr id="143" name="Shape 143"/>
-        <p:cNvGrpSpPr/>
-        <p:nvPr/>
-      </p:nvGrpSpPr>
-      <p:grpSpPr>
-        <a:xfrm>
-          <a:off x="0" y="0"/>
-          <a:ext cx="0" cy="0"/>
-          <a:chOff x="0" y="0"/>
-          <a:chExt cx="0" cy="0"/>
-        </a:xfrm>
-      </p:grpSpPr>
-      <p:sp>
-        <p:nvSpPr>
-          <p:cNvPr id="144" name="Google Shape;144;p16"/>
-          <p:cNvSpPr txBox="1"/>
-          <p:nvPr>
-            <p:ph type="title"/>
-          </p:nvPr>
-        </p:nvSpPr>
-        <p:spPr>
-          <a:xfrm>
-            <a:off x="819150" y="845600"/>
-            <a:ext cx="7505700" cy="954600"/>
-          </a:xfrm>
-          <a:prstGeom prst="rect">
-            <a:avLst/>
-          </a:prstGeom>
-        </p:spPr>
-        <p:txBody>
-          <a:bodyPr anchorCtr="0" anchor="t" bIns="91425" lIns="91425" spcFirstLastPara="1" rIns="91425" wrap="square" tIns="91425">
-            <a:normAutofit/>
-          </a:bodyPr>
-          <a:lstStyle/>
-          <a:p>
-            <a:pPr indent="0" lvl="0" marL="0" rtl="0" algn="l">
-              <a:spcBef>
-                <a:spcPts val="0"/>
-              </a:spcBef>
-              <a:spcAft>
-                <a:spcPts val="0"/>
-              </a:spcAft>
-              <a:buNone/>
-            </a:pPr>
-            <a:r>
-              <a:rPr lang="en"/>
-              <a:t>Sign-up and sign in page</a:t>
-            </a:r>
-            <a:endParaRPr/>
-          </a:p>
-        </p:txBody>
-      </p:sp>
-      <p:sp>
-        <p:nvSpPr>
-          <p:cNvPr id="145" name="Google Shape;145;p16"/>
-          <p:cNvSpPr txBox="1"/>
-          <p:nvPr>
-            <p:ph idx="1" type="body"/>
-          </p:nvPr>
-        </p:nvSpPr>
-        <p:spPr>
-          <a:xfrm>
-            <a:off x="819150" y="1990725"/>
-            <a:ext cx="7505700" cy="2448000"/>
-          </a:xfrm>
-          <a:prstGeom prst="rect">
-            <a:avLst/>
-          </a:prstGeom>
-        </p:spPr>
-        <p:txBody>
-          <a:bodyPr anchorCtr="0" anchor="t" bIns="91425" lIns="91425" spcFirstLastPara="1" rIns="91425" wrap="square" tIns="91425">
-            <a:normAutofit/>
-          </a:bodyPr>
-          <a:lstStyle/>
-          <a:p>
-            <a:pPr indent="-368300" lvl="0" marL="457200" rtl="0" algn="l">
-              <a:spcBef>
-                <a:spcPts val="0"/>
-              </a:spcBef>
-              <a:spcAft>
-                <a:spcPts val="0"/>
-              </a:spcAft>
-              <a:buSzPts val="2200"/>
-              <a:buChar char="●"/>
-            </a:pPr>
-            <a:r>
-              <a:rPr lang="en" sz="2200"/>
-              <a:t>Google API </a:t>
-            </a:r>
-            <a:r>
-              <a:rPr lang="en" sz="2200"/>
-              <a:t>backbone</a:t>
-            </a:r>
-            <a:endParaRPr sz="2200"/>
-          </a:p>
-          <a:p>
-            <a:pPr indent="-368300" lvl="0" marL="457200" rtl="0" algn="l">
-              <a:spcBef>
-                <a:spcPts val="0"/>
-              </a:spcBef>
-              <a:spcAft>
-                <a:spcPts val="0"/>
-              </a:spcAft>
-              <a:buSzPts val="2200"/>
-              <a:buChar char="●"/>
-            </a:pPr>
-            <a:r>
-              <a:rPr lang="en" sz="2200"/>
-              <a:t>Link to Sign-in page</a:t>
-            </a:r>
-            <a:endParaRPr sz="2200"/>
-          </a:p>
-        </p:txBody>
-      </p:sp>
-      <p:pic>
-        <p:nvPicPr>
-          <p:cNvPr id="146" name="Google Shape;146;p16" title="Sign up page.drawio.png"/>
-          <p:cNvPicPr preferRelativeResize="0"/>
-          <p:nvPr/>
-        </p:nvPicPr>
-        <p:blipFill>
-          <a:blip r:embed="rId3">
-            <a:alphaModFix/>
-          </a:blip>
-          <a:stretch>
-            <a:fillRect/>
-          </a:stretch>
-        </p:blipFill>
-        <p:spPr>
-          <a:xfrm>
-            <a:off x="4922370" y="1990720"/>
-            <a:ext cx="3858999" cy="2788550"/>
           </a:xfrm>
           <a:prstGeom prst="rect">
             <a:avLst/>
@@ -11350,7 +11441,7 @@
   <p:cSld>
     <p:spTree>
       <p:nvGrpSpPr>
-        <p:cNvPr id="150" name="Shape 150"/>
+        <p:cNvPr id="149" name="Shape 149"/>
         <p:cNvGrpSpPr/>
         <p:nvPr/>
       </p:nvGrpSpPr>
@@ -11364,7 +11455,7 @@
       </p:grpSpPr>
       <p:sp>
         <p:nvSpPr>
-          <p:cNvPr id="151" name="Google Shape;151;p17"/>
+          <p:cNvPr id="150" name="Google Shape;150;p17"/>
           <p:cNvSpPr txBox="1"/>
           <p:nvPr>
             <p:ph type="title"/>
@@ -11396,7 +11487,7 @@
             </a:pPr>
             <a:r>
               <a:rPr lang="en"/>
-              <a:t>The Home Page</a:t>
+              <a:t>Sign-up and sign in page</a:t>
             </a:r>
             <a:endParaRPr/>
           </a:p>
@@ -11404,7 +11495,7 @@
       </p:sp>
       <p:sp>
         <p:nvSpPr>
-          <p:cNvPr id="152" name="Google Shape;152;p17"/>
+          <p:cNvPr id="151" name="Google Shape;151;p17"/>
           <p:cNvSpPr txBox="1"/>
           <p:nvPr>
             <p:ph idx="1" type="body"/>
@@ -11437,7 +11528,11 @@
             </a:pPr>
             <a:r>
               <a:rPr lang="en" sz="2200"/>
-              <a:t>About Section</a:t>
+              <a:t>Google API </a:t>
+            </a:r>
+            <a:r>
+              <a:rPr lang="en" sz="2200"/>
+              <a:t>backbone</a:t>
             </a:r>
             <a:endParaRPr sz="2200"/>
           </a:p>
@@ -11454,41 +11549,7 @@
             </a:pPr>
             <a:r>
               <a:rPr lang="en" sz="2200"/>
-              <a:t>Instructions</a:t>
-            </a:r>
-            <a:endParaRPr sz="2200"/>
-          </a:p>
-          <a:p>
-            <a:pPr indent="-368300" lvl="0" marL="457200" rtl="0" algn="l">
-              <a:spcBef>
-                <a:spcPts val="0"/>
-              </a:spcBef>
-              <a:spcAft>
-                <a:spcPts val="0"/>
-              </a:spcAft>
-              <a:buSzPts val="2200"/>
-              <a:buChar char="●"/>
-            </a:pPr>
-            <a:r>
-              <a:rPr lang="en" sz="2200"/>
-              <a:t>Personnel</a:t>
-            </a:r>
-            <a:endParaRPr sz="2200"/>
-          </a:p>
-          <a:p>
-            <a:pPr indent="-368300" lvl="0" marL="457200" rtl="0" algn="l">
-              <a:spcBef>
-                <a:spcPts val="0"/>
-              </a:spcBef>
-              <a:spcAft>
-                <a:spcPts val="0"/>
-              </a:spcAft>
-              <a:buSzPts val="2200"/>
-              <a:buChar char="●"/>
-            </a:pPr>
-            <a:r>
-              <a:rPr lang="en" sz="2200"/>
-              <a:t>Nav Bar</a:t>
+              <a:t>Link to Sign-in page</a:t>
             </a:r>
             <a:endParaRPr sz="2200"/>
           </a:p>
@@ -11496,7 +11557,7 @@
       </p:sp>
       <p:pic>
         <p:nvPicPr>
-          <p:cNvPr id="153" name="Google Shape;153;p17" title="Home Page UI.png"/>
+          <p:cNvPr id="152" name="Google Shape;152;p17" title="Sign up page.drawio.png"/>
           <p:cNvPicPr preferRelativeResize="0"/>
           <p:nvPr/>
         </p:nvPicPr>
@@ -11510,8 +11571,8 @@
         </p:blipFill>
         <p:spPr>
           <a:xfrm>
-            <a:off x="4301088" y="1652475"/>
-            <a:ext cx="4391025" cy="3057525"/>
+            <a:off x="4922370" y="1990720"/>
+            <a:ext cx="3858999" cy="2788550"/>
           </a:xfrm>
           <a:prstGeom prst="rect">
             <a:avLst/>
@@ -11535,7 +11596,7 @@
   <p:cSld>
     <p:spTree>
       <p:nvGrpSpPr>
-        <p:cNvPr id="157" name="Shape 157"/>
+        <p:cNvPr id="156" name="Shape 156"/>
         <p:cNvGrpSpPr/>
         <p:nvPr/>
       </p:nvGrpSpPr>
@@ -11549,7 +11610,7 @@
       </p:grpSpPr>
       <p:sp>
         <p:nvSpPr>
-          <p:cNvPr id="158" name="Google Shape;158;p18"/>
+          <p:cNvPr id="157" name="Google Shape;157;p18"/>
           <p:cNvSpPr txBox="1"/>
           <p:nvPr>
             <p:ph type="title"/>
@@ -11581,7 +11642,7 @@
             </a:pPr>
             <a:r>
               <a:rPr lang="en"/>
-              <a:t>Create Itinerary</a:t>
+              <a:t>The Home Page</a:t>
             </a:r>
             <a:endParaRPr/>
           </a:p>
@@ -11589,7 +11650,7 @@
       </p:sp>
       <p:sp>
         <p:nvSpPr>
-          <p:cNvPr id="159" name="Google Shape;159;p18"/>
+          <p:cNvPr id="158" name="Google Shape;158;p18"/>
           <p:cNvSpPr txBox="1"/>
           <p:nvPr>
             <p:ph idx="1" type="body"/>
@@ -11622,7 +11683,7 @@
             </a:pPr>
             <a:r>
               <a:rPr lang="en" sz="2200"/>
-              <a:t>Travel destination</a:t>
+              <a:t>About Section</a:t>
             </a:r>
             <a:endParaRPr sz="2200"/>
           </a:p>
@@ -11639,7 +11700,7 @@
             </a:pPr>
             <a:r>
               <a:rPr lang="en" sz="2200"/>
-              <a:t>Geolocating</a:t>
+              <a:t>Instructions</a:t>
             </a:r>
             <a:endParaRPr sz="2200"/>
           </a:p>
@@ -11656,11 +11717,7 @@
             </a:pPr>
             <a:r>
               <a:rPr lang="en" sz="2200"/>
-              <a:t>Location </a:t>
-            </a:r>
-            <a:r>
-              <a:rPr lang="en" sz="2200"/>
-              <a:t>categories</a:t>
+              <a:t>Personnel</a:t>
             </a:r>
             <a:endParaRPr sz="2200"/>
           </a:p>
@@ -11677,28 +11734,7 @@
             </a:pPr>
             <a:r>
               <a:rPr lang="en" sz="2200"/>
-              <a:t>Subcategories</a:t>
-            </a:r>
-            <a:r>
-              <a:rPr lang="en" sz="2200"/>
-              <a:t> in the filter</a:t>
-            </a:r>
-            <a:endParaRPr sz="2200"/>
-          </a:p>
-          <a:p>
-            <a:pPr indent="-368300" lvl="0" marL="457200" rtl="0" algn="l">
-              <a:spcBef>
-                <a:spcPts val="0"/>
-              </a:spcBef>
-              <a:spcAft>
-                <a:spcPts val="0"/>
-              </a:spcAft>
-              <a:buSzPts val="2200"/>
-              <a:buChar char="●"/>
-            </a:pPr>
-            <a:r>
-              <a:rPr lang="en" sz="2200"/>
-              <a:t>Successful Completion</a:t>
+              <a:t>Nav Bar</a:t>
             </a:r>
             <a:endParaRPr sz="2200"/>
           </a:p>
@@ -11706,7 +11742,7 @@
       </p:sp>
       <p:pic>
         <p:nvPicPr>
-          <p:cNvPr id="160" name="Google Shape;160;p18" title="Create Itineray Page 2.png"/>
+          <p:cNvPr id="159" name="Google Shape;159;p18" title="Home Page UI.png"/>
           <p:cNvPicPr preferRelativeResize="0"/>
           <p:nvPr/>
         </p:nvPicPr>
@@ -11720,36 +11756,8 @@
         </p:blipFill>
         <p:spPr>
           <a:xfrm>
-            <a:off x="5549350" y="380975"/>
-            <a:ext cx="3135175" cy="2485675"/>
-          </a:xfrm>
-          <a:prstGeom prst="rect">
-            <a:avLst/>
-          </a:prstGeom>
-          <a:noFill/>
-          <a:ln>
-            <a:noFill/>
-          </a:ln>
-        </p:spPr>
-      </p:pic>
-      <p:pic>
-        <p:nvPicPr>
-          <p:cNvPr id="161" name="Google Shape;161;p18" title="Lodging_Hotel Selected.png"/>
-          <p:cNvPicPr preferRelativeResize="0"/>
-          <p:nvPr/>
-        </p:nvPicPr>
-        <p:blipFill>
-          <a:blip r:embed="rId4">
-            <a:alphaModFix/>
-          </a:blip>
-          <a:stretch>
-            <a:fillRect/>
-          </a:stretch>
-        </p:blipFill>
-        <p:spPr>
-          <a:xfrm>
-            <a:off x="6030025" y="3012450"/>
-            <a:ext cx="2654500" cy="1790775"/>
+            <a:off x="4301088" y="1652475"/>
+            <a:ext cx="4391025" cy="3057525"/>
           </a:xfrm>
           <a:prstGeom prst="rect">
             <a:avLst/>
@@ -11773,7 +11781,7 @@
   <p:cSld>
     <p:spTree>
       <p:nvGrpSpPr>
-        <p:cNvPr id="165" name="Shape 165"/>
+        <p:cNvPr id="163" name="Shape 163"/>
         <p:cNvGrpSpPr/>
         <p:nvPr/>
       </p:nvGrpSpPr>
@@ -11787,7 +11795,7 @@
       </p:grpSpPr>
       <p:sp>
         <p:nvSpPr>
-          <p:cNvPr id="166" name="Google Shape;166;p19"/>
+          <p:cNvPr id="164" name="Google Shape;164;p19"/>
           <p:cNvSpPr txBox="1"/>
           <p:nvPr>
             <p:ph type="title"/>
@@ -11819,7 +11827,7 @@
             </a:pPr>
             <a:r>
               <a:rPr lang="en"/>
-              <a:t>View Itinerary</a:t>
+              <a:t>Create Itinerary</a:t>
             </a:r>
             <a:endParaRPr/>
           </a:p>
@@ -11827,7 +11835,7 @@
       </p:sp>
       <p:sp>
         <p:nvSpPr>
-          <p:cNvPr id="167" name="Google Shape;167;p19"/>
+          <p:cNvPr id="165" name="Google Shape;165;p19"/>
           <p:cNvSpPr txBox="1"/>
           <p:nvPr>
             <p:ph idx="1" type="body"/>
@@ -11835,7 +11843,7 @@
         </p:nvSpPr>
         <p:spPr>
           <a:xfrm>
-            <a:off x="424450" y="1800200"/>
+            <a:off x="819150" y="1990725"/>
             <a:ext cx="7505700" cy="2448000"/>
           </a:xfrm>
           <a:prstGeom prst="rect">
@@ -11860,7 +11868,7 @@
             </a:pPr>
             <a:r>
               <a:rPr lang="en" sz="2200"/>
-              <a:t>Empty Page</a:t>
+              <a:t>Travel destination</a:t>
             </a:r>
             <a:endParaRPr sz="2200"/>
           </a:p>
@@ -11877,7 +11885,7 @@
             </a:pPr>
             <a:r>
               <a:rPr lang="en" sz="2200"/>
-              <a:t>Card Presentation (and Contents)</a:t>
+              <a:t>Geolocating</a:t>
             </a:r>
             <a:endParaRPr sz="2200"/>
           </a:p>
@@ -11894,7 +11902,11 @@
             </a:pPr>
             <a:r>
               <a:rPr lang="en" sz="2200"/>
-              <a:t>Expanded cards</a:t>
+              <a:t>Location </a:t>
+            </a:r>
+            <a:r>
+              <a:rPr lang="en" sz="2200"/>
+              <a:t>categories</a:t>
             </a:r>
             <a:endParaRPr sz="2200"/>
           </a:p>
@@ -11911,7 +11923,11 @@
             </a:pPr>
             <a:r>
               <a:rPr lang="en" sz="2200"/>
-              <a:t>Edit mode (both event and day)</a:t>
+              <a:t>Subcategories</a:t>
+            </a:r>
+            <a:r>
+              <a:rPr lang="en" sz="2200"/>
+              <a:t> in the filter</a:t>
             </a:r>
             <a:endParaRPr sz="2200"/>
           </a:p>
@@ -11928,7 +11944,7 @@
             </a:pPr>
             <a:r>
               <a:rPr lang="en" sz="2200"/>
-              <a:t>Warning</a:t>
+              <a:t>Successful Completion</a:t>
             </a:r>
             <a:endParaRPr sz="2200"/>
           </a:p>
@@ -11936,7 +11952,7 @@
       </p:sp>
       <p:pic>
         <p:nvPicPr>
-          <p:cNvPr id="168" name="Google Shape;168;p19" title="View_Itinerary.png"/>
+          <p:cNvPr id="166" name="Google Shape;166;p19" title="Create Itineray Page 2.png"/>
           <p:cNvPicPr preferRelativeResize="0"/>
           <p:nvPr/>
         </p:nvPicPr>
@@ -11950,8 +11966,64 @@
         </p:blipFill>
         <p:spPr>
           <a:xfrm>
-            <a:off x="5962175" y="385625"/>
-            <a:ext cx="2696475" cy="4372251"/>
+            <a:off x="5549350" y="380975"/>
+            <a:ext cx="3135175" cy="2485675"/>
+          </a:xfrm>
+          <a:prstGeom prst="rect">
+            <a:avLst/>
+          </a:prstGeom>
+          <a:noFill/>
+          <a:ln>
+            <a:noFill/>
+          </a:ln>
+        </p:spPr>
+      </p:pic>
+      <p:pic>
+        <p:nvPicPr>
+          <p:cNvPr id="167" name="Google Shape;167;p19" title="Lodging_Hotel Selected.png"/>
+          <p:cNvPicPr preferRelativeResize="0"/>
+          <p:nvPr/>
+        </p:nvPicPr>
+        <p:blipFill>
+          <a:blip r:embed="rId4">
+            <a:alphaModFix/>
+          </a:blip>
+          <a:stretch>
+            <a:fillRect/>
+          </a:stretch>
+        </p:blipFill>
+        <p:spPr>
+          <a:xfrm>
+            <a:off x="6030025" y="3012450"/>
+            <a:ext cx="2654500" cy="1790775"/>
+          </a:xfrm>
+          <a:prstGeom prst="rect">
+            <a:avLst/>
+          </a:prstGeom>
+          <a:noFill/>
+          <a:ln>
+            <a:noFill/>
+          </a:ln>
+        </p:spPr>
+      </p:pic>
+      <p:pic>
+        <p:nvPicPr>
+          <p:cNvPr id="168" name="Google Shape;168;p19" title="Save_As_Itinerary.png"/>
+          <p:cNvPicPr preferRelativeResize="0"/>
+          <p:nvPr/>
+        </p:nvPicPr>
+        <p:blipFill>
+          <a:blip r:embed="rId5">
+            <a:alphaModFix/>
+          </a:blip>
+          <a:stretch>
+            <a:fillRect/>
+          </a:stretch>
+        </p:blipFill>
+        <p:spPr>
+          <a:xfrm>
+            <a:off x="3971750" y="3553350"/>
+            <a:ext cx="2058275" cy="1249875"/>
           </a:xfrm>
           <a:prstGeom prst="rect">
             <a:avLst/>
@@ -11997,6 +12069,208 @@
         </p:nvSpPr>
         <p:spPr>
           <a:xfrm>
+            <a:off x="819150" y="845600"/>
+            <a:ext cx="7505700" cy="954600"/>
+          </a:xfrm>
+          <a:prstGeom prst="rect">
+            <a:avLst/>
+          </a:prstGeom>
+        </p:spPr>
+        <p:txBody>
+          <a:bodyPr anchorCtr="0" anchor="t" bIns="91425" lIns="91425" spcFirstLastPara="1" rIns="91425" wrap="square" tIns="91425">
+            <a:normAutofit/>
+          </a:bodyPr>
+          <a:lstStyle/>
+          <a:p>
+            <a:pPr indent="0" lvl="0" marL="0" rtl="0" algn="l">
+              <a:spcBef>
+                <a:spcPts val="0"/>
+              </a:spcBef>
+              <a:spcAft>
+                <a:spcPts val="0"/>
+              </a:spcAft>
+              <a:buNone/>
+            </a:pPr>
+            <a:r>
+              <a:rPr lang="en"/>
+              <a:t>View Itinerary</a:t>
+            </a:r>
+            <a:endParaRPr/>
+          </a:p>
+        </p:txBody>
+      </p:sp>
+      <p:sp>
+        <p:nvSpPr>
+          <p:cNvPr id="174" name="Google Shape;174;p20"/>
+          <p:cNvSpPr txBox="1"/>
+          <p:nvPr>
+            <p:ph idx="1" type="body"/>
+          </p:nvPr>
+        </p:nvSpPr>
+        <p:spPr>
+          <a:xfrm>
+            <a:off x="424450" y="1800200"/>
+            <a:ext cx="7505700" cy="2448000"/>
+          </a:xfrm>
+          <a:prstGeom prst="rect">
+            <a:avLst/>
+          </a:prstGeom>
+        </p:spPr>
+        <p:txBody>
+          <a:bodyPr anchorCtr="0" anchor="t" bIns="91425" lIns="91425" spcFirstLastPara="1" rIns="91425" wrap="square" tIns="91425">
+            <a:normAutofit/>
+          </a:bodyPr>
+          <a:lstStyle/>
+          <a:p>
+            <a:pPr indent="-368300" lvl="0" marL="457200" rtl="0" algn="l">
+              <a:spcBef>
+                <a:spcPts val="0"/>
+              </a:spcBef>
+              <a:spcAft>
+                <a:spcPts val="0"/>
+              </a:spcAft>
+              <a:buSzPts val="2200"/>
+              <a:buChar char="●"/>
+            </a:pPr>
+            <a:r>
+              <a:rPr lang="en" sz="2200"/>
+              <a:t>Empty Page</a:t>
+            </a:r>
+            <a:endParaRPr sz="2200"/>
+          </a:p>
+          <a:p>
+            <a:pPr indent="-368300" lvl="0" marL="457200" rtl="0" algn="l">
+              <a:spcBef>
+                <a:spcPts val="0"/>
+              </a:spcBef>
+              <a:spcAft>
+                <a:spcPts val="0"/>
+              </a:spcAft>
+              <a:buSzPts val="2200"/>
+              <a:buChar char="●"/>
+            </a:pPr>
+            <a:r>
+              <a:rPr lang="en" sz="2200"/>
+              <a:t>Card Presentation (and Contents)</a:t>
+            </a:r>
+            <a:endParaRPr sz="2200"/>
+          </a:p>
+          <a:p>
+            <a:pPr indent="-368300" lvl="0" marL="457200" rtl="0" algn="l">
+              <a:spcBef>
+                <a:spcPts val="0"/>
+              </a:spcBef>
+              <a:spcAft>
+                <a:spcPts val="0"/>
+              </a:spcAft>
+              <a:buSzPts val="2200"/>
+              <a:buChar char="●"/>
+            </a:pPr>
+            <a:r>
+              <a:rPr lang="en" sz="2200"/>
+              <a:t>Expanded cards</a:t>
+            </a:r>
+            <a:endParaRPr sz="2200"/>
+          </a:p>
+          <a:p>
+            <a:pPr indent="-368300" lvl="0" marL="457200" rtl="0" algn="l">
+              <a:spcBef>
+                <a:spcPts val="0"/>
+              </a:spcBef>
+              <a:spcAft>
+                <a:spcPts val="0"/>
+              </a:spcAft>
+              <a:buSzPts val="2200"/>
+              <a:buChar char="●"/>
+            </a:pPr>
+            <a:r>
+              <a:rPr lang="en" sz="2200"/>
+              <a:t>Edit mode (both event and day)</a:t>
+            </a:r>
+            <a:endParaRPr sz="2200"/>
+          </a:p>
+          <a:p>
+            <a:pPr indent="-368300" lvl="0" marL="457200" rtl="0" algn="l">
+              <a:spcBef>
+                <a:spcPts val="0"/>
+              </a:spcBef>
+              <a:spcAft>
+                <a:spcPts val="0"/>
+              </a:spcAft>
+              <a:buSzPts val="2200"/>
+              <a:buChar char="●"/>
+            </a:pPr>
+            <a:r>
+              <a:rPr lang="en" sz="2200"/>
+              <a:t>Warning</a:t>
+            </a:r>
+            <a:endParaRPr sz="2200"/>
+          </a:p>
+        </p:txBody>
+      </p:sp>
+      <p:pic>
+        <p:nvPicPr>
+          <p:cNvPr id="175" name="Google Shape;175;p20" title="View_Itinerary.png"/>
+          <p:cNvPicPr preferRelativeResize="0"/>
+          <p:nvPr/>
+        </p:nvPicPr>
+        <p:blipFill>
+          <a:blip r:embed="rId3">
+            <a:alphaModFix/>
+          </a:blip>
+          <a:stretch>
+            <a:fillRect/>
+          </a:stretch>
+        </p:blipFill>
+        <p:spPr>
+          <a:xfrm>
+            <a:off x="5962175" y="385625"/>
+            <a:ext cx="2696475" cy="4372251"/>
+          </a:xfrm>
+          <a:prstGeom prst="rect">
+            <a:avLst/>
+          </a:prstGeom>
+          <a:noFill/>
+          <a:ln>
+            <a:noFill/>
+          </a:ln>
+        </p:spPr>
+      </p:pic>
+    </p:spTree>
+  </p:cSld>
+  <p:clrMapOvr>
+    <a:masterClrMapping/>
+  </p:clrMapOvr>
+</p:sld>
+</file>
+
+<file path=ppt/slides/slide9.xml><?xml version="1.0" encoding="utf-8"?>
+<p:sld xmlns:a="http://schemas.openxmlformats.org/drawingml/2006/main" xmlns:r="http://schemas.openxmlformats.org/officeDocument/2006/relationships" xmlns:mc="http://schemas.openxmlformats.org/markup-compatibility/2006" xmlns:mv="urn:schemas-microsoft-com:mac:vml" xmlns:p="http://schemas.openxmlformats.org/presentationml/2006/main" xmlns:c="http://schemas.openxmlformats.org/drawingml/2006/chart" xmlns:dgm="http://schemas.openxmlformats.org/drawingml/2006/diagram" xmlns:o="urn:schemas-microsoft-com:office:office" xmlns:v="urn:schemas-microsoft-com:vml" xmlns:pvml="urn:schemas-microsoft-com:office:powerpoint" xmlns:com="http://schemas.openxmlformats.org/drawingml/2006/compatibility" xmlns:p14="http://schemas.microsoft.com/office/powerpoint/2010/main" xmlns:p15="http://schemas.microsoft.com/office/powerpoint/2012/main" xmlns:ahyp="http://schemas.microsoft.com/office/drawing/2018/hyperlinkcolor">
+  <p:cSld>
+    <p:spTree>
+      <p:nvGrpSpPr>
+        <p:cNvPr id="179" name="Shape 179"/>
+        <p:cNvGrpSpPr/>
+        <p:nvPr/>
+      </p:nvGrpSpPr>
+      <p:grpSpPr>
+        <a:xfrm>
+          <a:off x="0" y="0"/>
+          <a:ext cx="0" cy="0"/>
+          <a:chOff x="0" y="0"/>
+          <a:chExt cx="0" cy="0"/>
+        </a:xfrm>
+      </p:grpSpPr>
+      <p:sp>
+        <p:nvSpPr>
+          <p:cNvPr id="180" name="Google Shape;180;p21"/>
+          <p:cNvSpPr txBox="1"/>
+          <p:nvPr>
+            <p:ph type="title"/>
+          </p:nvPr>
+        </p:nvSpPr>
+        <p:spPr>
+          <a:xfrm>
             <a:off x="1888684" y="1746100"/>
             <a:ext cx="5377500" cy="1646100"/>
           </a:xfrm>
@@ -12058,59 +12332,6 @@
           </a:p>
         </p:txBody>
       </p:sp>
-    </p:spTree>
-  </p:cSld>
-  <p:clrMapOvr>
-    <a:masterClrMapping/>
-  </p:clrMapOvr>
-</p:sld>
-</file>
-
-<file path=ppt/slides/slide9.xml><?xml version="1.0" encoding="utf-8"?>
-<p:sld xmlns:a="http://schemas.openxmlformats.org/drawingml/2006/main" xmlns:r="http://schemas.openxmlformats.org/officeDocument/2006/relationships" xmlns:mc="http://schemas.openxmlformats.org/markup-compatibility/2006" xmlns:mv="urn:schemas-microsoft-com:mac:vml" xmlns:p="http://schemas.openxmlformats.org/presentationml/2006/main" xmlns:c="http://schemas.openxmlformats.org/drawingml/2006/chart" xmlns:dgm="http://schemas.openxmlformats.org/drawingml/2006/diagram" xmlns:o="urn:schemas-microsoft-com:office:office" xmlns:v="urn:schemas-microsoft-com:vml" xmlns:pvml="urn:schemas-microsoft-com:office:powerpoint" xmlns:com="http://schemas.openxmlformats.org/drawingml/2006/compatibility" xmlns:p14="http://schemas.microsoft.com/office/powerpoint/2010/main" xmlns:p15="http://schemas.microsoft.com/office/powerpoint/2012/main" xmlns:ahyp="http://schemas.microsoft.com/office/drawing/2018/hyperlinkcolor">
-  <p:cSld>
-    <p:spTree>
-      <p:nvGrpSpPr>
-        <p:cNvPr id="177" name="Shape 177"/>
-        <p:cNvGrpSpPr/>
-        <p:nvPr/>
-      </p:nvGrpSpPr>
-      <p:grpSpPr>
-        <a:xfrm>
-          <a:off x="0" y="0"/>
-          <a:ext cx="0" cy="0"/>
-          <a:chOff x="0" y="0"/>
-          <a:chExt cx="0" cy="0"/>
-        </a:xfrm>
-      </p:grpSpPr>
-      <p:pic>
-        <p:nvPicPr>
-          <p:cNvPr id="178" name="Google Shape;178;p21"/>
-          <p:cNvPicPr preferRelativeResize="0"/>
-          <p:nvPr/>
-        </p:nvPicPr>
-        <p:blipFill>
-          <a:blip r:embed="rId3">
-            <a:alphaModFix/>
-          </a:blip>
-          <a:stretch>
-            <a:fillRect/>
-          </a:stretch>
-        </p:blipFill>
-        <p:spPr>
-          <a:xfrm>
-            <a:off x="565638" y="249175"/>
-            <a:ext cx="8012724" cy="4645150"/>
-          </a:xfrm>
-          <a:prstGeom prst="rect">
-            <a:avLst/>
-          </a:prstGeom>
-          <a:noFill/>
-          <a:ln>
-            <a:noFill/>
-          </a:ln>
-        </p:spPr>
-      </p:pic>
     </p:spTree>
   </p:cSld>
   <p:clrMapOvr>

--- a/Documents/Project Design/Project Design.pptx
+++ b/Documents/Project Design/Project Design.pptx
@@ -25,16 +25,17 @@
     <p:sldId id="270" r:id="rId20"/>
     <p:sldId id="271" r:id="rId21"/>
     <p:sldId id="272" r:id="rId22"/>
+    <p:sldId id="273" r:id="rId23"/>
   </p:sldIdLst>
   <p:sldSz cy="5143500" cx="9144000"/>
   <p:notesSz cx="6858000" cy="9144000"/>
   <p:embeddedFontLst>
     <p:embeddedFont>
       <p:font typeface="Nunito"/>
-      <p:regular r:id="rId23"/>
-      <p:bold r:id="rId24"/>
-      <p:italic r:id="rId25"/>
-      <p:boldItalic r:id="rId26"/>
+      <p:regular r:id="rId24"/>
+      <p:bold r:id="rId25"/>
+      <p:italic r:id="rId26"/>
+      <p:boldItalic r:id="rId27"/>
     </p:embeddedFont>
   </p:embeddedFontLst>
   <p:defaultTextStyle>
@@ -815,7 +816,7 @@
   <p:cSld>
     <p:spTree>
       <p:nvGrpSpPr>
-        <p:cNvPr id="181" name="Shape 181"/>
+        <p:cNvPr id="182" name="Shape 182"/>
         <p:cNvGrpSpPr/>
         <p:nvPr/>
       </p:nvGrpSpPr>
@@ -829,7 +830,7 @@
       </p:grpSpPr>
       <p:sp>
         <p:nvSpPr>
-          <p:cNvPr id="182" name="Google Shape;182;g3892eb97007_0_0:notes"/>
+          <p:cNvPr id="183" name="Google Shape;183;g3892eb97007_0_27:notes"/>
           <p:cNvSpPr/>
           <p:nvPr>
             <p:ph idx="2" type="sldImg"/>
@@ -864,7 +865,7 @@
       </p:sp>
       <p:sp>
         <p:nvSpPr>
-          <p:cNvPr id="183" name="Google Shape;183;g3892eb97007_0_0:notes"/>
+          <p:cNvPr id="184" name="Google Shape;184;g3892eb97007_0_27:notes"/>
           <p:cNvSpPr txBox="1"/>
           <p:nvPr>
             <p:ph idx="1" type="body"/>
@@ -914,7 +915,7 @@
   <p:cSld>
     <p:spTree>
       <p:nvGrpSpPr>
-        <p:cNvPr id="186" name="Shape 186"/>
+        <p:cNvPr id="187" name="Shape 187"/>
         <p:cNvGrpSpPr/>
         <p:nvPr/>
       </p:nvGrpSpPr>
@@ -928,7 +929,7 @@
       </p:grpSpPr>
       <p:sp>
         <p:nvSpPr>
-          <p:cNvPr id="187" name="Google Shape;187;g3892eb97007_0_9:notes"/>
+          <p:cNvPr id="188" name="Google Shape;188;g3892eb97007_0_0:notes"/>
           <p:cNvSpPr/>
           <p:nvPr>
             <p:ph idx="2" type="sldImg"/>
@@ -963,7 +964,7 @@
       </p:sp>
       <p:sp>
         <p:nvSpPr>
-          <p:cNvPr id="188" name="Google Shape;188;g3892eb97007_0_9:notes"/>
+          <p:cNvPr id="189" name="Google Shape;189;g3892eb97007_0_0:notes"/>
           <p:cNvSpPr txBox="1"/>
           <p:nvPr>
             <p:ph idx="1" type="body"/>
@@ -1013,7 +1014,7 @@
   <p:cSld>
     <p:spTree>
       <p:nvGrpSpPr>
-        <p:cNvPr id="191" name="Shape 191"/>
+        <p:cNvPr id="192" name="Shape 192"/>
         <p:cNvGrpSpPr/>
         <p:nvPr/>
       </p:nvGrpSpPr>
@@ -1027,7 +1028,7 @@
       </p:grpSpPr>
       <p:sp>
         <p:nvSpPr>
-          <p:cNvPr id="192" name="Google Shape;192;g3892eb97007_0_14:notes"/>
+          <p:cNvPr id="193" name="Google Shape;193;g3892eb97007_0_9:notes"/>
           <p:cNvSpPr/>
           <p:nvPr>
             <p:ph idx="2" type="sldImg"/>
@@ -1062,7 +1063,7 @@
       </p:sp>
       <p:sp>
         <p:nvSpPr>
-          <p:cNvPr id="193" name="Google Shape;193;g3892eb97007_0_14:notes"/>
+          <p:cNvPr id="194" name="Google Shape;194;g3892eb97007_0_9:notes"/>
           <p:cNvSpPr txBox="1"/>
           <p:nvPr>
             <p:ph idx="1" type="body"/>
@@ -1126,7 +1127,7 @@
       </p:grpSpPr>
       <p:sp>
         <p:nvSpPr>
-          <p:cNvPr id="198" name="Google Shape;198;g3892eb97007_0_19:notes"/>
+          <p:cNvPr id="198" name="Google Shape;198;g3892eb97007_0_14:notes"/>
           <p:cNvSpPr/>
           <p:nvPr>
             <p:ph idx="2" type="sldImg"/>
@@ -1161,7 +1162,7 @@
       </p:sp>
       <p:sp>
         <p:nvSpPr>
-          <p:cNvPr id="199" name="Google Shape;199;g3892eb97007_0_19:notes"/>
+          <p:cNvPr id="199" name="Google Shape;199;g3892eb97007_0_14:notes"/>
           <p:cNvSpPr txBox="1"/>
           <p:nvPr>
             <p:ph idx="1" type="body"/>
@@ -1225,7 +1226,7 @@
       </p:grpSpPr>
       <p:sp>
         <p:nvSpPr>
-          <p:cNvPr id="204" name="Google Shape;204;g387f2e334ed_0_303:notes"/>
+          <p:cNvPr id="204" name="Google Shape;204;g3892eb97007_0_19:notes"/>
           <p:cNvSpPr/>
           <p:nvPr>
             <p:ph idx="2" type="sldImg"/>
@@ -1260,7 +1261,7 @@
       </p:sp>
       <p:sp>
         <p:nvSpPr>
-          <p:cNvPr id="205" name="Google Shape;205;g387f2e334ed_0_303:notes"/>
+          <p:cNvPr id="205" name="Google Shape;205;g3892eb97007_0_19:notes"/>
           <p:cNvSpPr txBox="1"/>
           <p:nvPr>
             <p:ph idx="1" type="body"/>
@@ -1324,7 +1325,7 @@
       </p:grpSpPr>
       <p:sp>
         <p:nvSpPr>
-          <p:cNvPr id="210" name="Google Shape;210;g38950ece819_1_0:notes"/>
+          <p:cNvPr id="210" name="Google Shape;210;g387f2e334ed_0_303:notes"/>
           <p:cNvSpPr/>
           <p:nvPr>
             <p:ph idx="2" type="sldImg"/>
@@ -1359,7 +1360,7 @@
       </p:sp>
       <p:sp>
         <p:nvSpPr>
-          <p:cNvPr id="211" name="Google Shape;211;g38950ece819_1_0:notes"/>
+          <p:cNvPr id="211" name="Google Shape;211;g387f2e334ed_0_303:notes"/>
           <p:cNvSpPr txBox="1"/>
           <p:nvPr>
             <p:ph idx="1" type="body"/>
@@ -1423,7 +1424,7 @@
       </p:grpSpPr>
       <p:sp>
         <p:nvSpPr>
-          <p:cNvPr id="216" name="Google Shape;216;g38950ece819_1_5:notes"/>
+          <p:cNvPr id="216" name="Google Shape;216;g38950ece819_1_0:notes"/>
           <p:cNvSpPr/>
           <p:nvPr>
             <p:ph idx="2" type="sldImg"/>
@@ -1458,7 +1459,7 @@
       </p:sp>
       <p:sp>
         <p:nvSpPr>
-          <p:cNvPr id="217" name="Google Shape;217;g38950ece819_1_5:notes"/>
+          <p:cNvPr id="217" name="Google Shape;217;g38950ece819_1_0:notes"/>
           <p:cNvSpPr txBox="1"/>
           <p:nvPr>
             <p:ph idx="1" type="body"/>
@@ -1522,7 +1523,7 @@
       </p:grpSpPr>
       <p:sp>
         <p:nvSpPr>
-          <p:cNvPr id="222" name="Google Shape;222;g38950ece819_2_2:notes"/>
+          <p:cNvPr id="222" name="Google Shape;222;g38950ece819_1_5:notes"/>
           <p:cNvSpPr/>
           <p:nvPr>
             <p:ph idx="2" type="sldImg"/>
@@ -1557,7 +1558,106 @@
       </p:sp>
       <p:sp>
         <p:nvSpPr>
-          <p:cNvPr id="223" name="Google Shape;223;g38950ece819_2_2:notes"/>
+          <p:cNvPr id="223" name="Google Shape;223;g38950ece819_1_5:notes"/>
+          <p:cNvSpPr txBox="1"/>
+          <p:nvPr>
+            <p:ph idx="1" type="body"/>
+          </p:nvPr>
+        </p:nvSpPr>
+        <p:spPr>
+          <a:xfrm>
+            <a:off x="685800" y="4343400"/>
+            <a:ext cx="5486400" cy="4114800"/>
+          </a:xfrm>
+          <a:prstGeom prst="rect">
+            <a:avLst/>
+          </a:prstGeom>
+        </p:spPr>
+        <p:txBody>
+          <a:bodyPr anchorCtr="0" anchor="t" bIns="91425" lIns="91425" spcFirstLastPara="1" rIns="91425" wrap="square" tIns="91425">
+            <a:noAutofit/>
+          </a:bodyPr>
+          <a:lstStyle/>
+          <a:p>
+            <a:pPr indent="0" lvl="0" marL="0" rtl="0" algn="l">
+              <a:spcBef>
+                <a:spcPts val="0"/>
+              </a:spcBef>
+              <a:spcAft>
+                <a:spcPts val="0"/>
+              </a:spcAft>
+              <a:buNone/>
+            </a:pPr>
+            <a:r>
+              <a:t/>
+            </a:r>
+            <a:endParaRPr/>
+          </a:p>
+        </p:txBody>
+      </p:sp>
+    </p:spTree>
+  </p:cSld>
+  <p:clrMapOvr>
+    <a:masterClrMapping/>
+  </p:clrMapOvr>
+</p:notes>
+</file>
+
+<file path=ppt/notesSlides/notesSlide18.xml><?xml version="1.0" encoding="utf-8"?>
+<p:notes xmlns:a="http://schemas.openxmlformats.org/drawingml/2006/main" xmlns:r="http://schemas.openxmlformats.org/officeDocument/2006/relationships" xmlns:mc="http://schemas.openxmlformats.org/markup-compatibility/2006" xmlns:mv="urn:schemas-microsoft-com:mac:vml" xmlns:p="http://schemas.openxmlformats.org/presentationml/2006/main" xmlns:c="http://schemas.openxmlformats.org/drawingml/2006/chart" xmlns:dgm="http://schemas.openxmlformats.org/drawingml/2006/diagram" xmlns:o="urn:schemas-microsoft-com:office:office" xmlns:v="urn:schemas-microsoft-com:vml" xmlns:pvml="urn:schemas-microsoft-com:office:powerpoint" xmlns:com="http://schemas.openxmlformats.org/drawingml/2006/compatibility" xmlns:p14="http://schemas.microsoft.com/office/powerpoint/2010/main" xmlns:p15="http://schemas.microsoft.com/office/powerpoint/2012/main" xmlns:ahyp="http://schemas.microsoft.com/office/drawing/2018/hyperlinkcolor" showMasterPhAnim="0" showMasterSp="0">
+  <p:cSld>
+    <p:spTree>
+      <p:nvGrpSpPr>
+        <p:cNvPr id="227" name="Shape 227"/>
+        <p:cNvGrpSpPr/>
+        <p:nvPr/>
+      </p:nvGrpSpPr>
+      <p:grpSpPr>
+        <a:xfrm>
+          <a:off x="0" y="0"/>
+          <a:ext cx="0" cy="0"/>
+          <a:chOff x="0" y="0"/>
+          <a:chExt cx="0" cy="0"/>
+        </a:xfrm>
+      </p:grpSpPr>
+      <p:sp>
+        <p:nvSpPr>
+          <p:cNvPr id="228" name="Google Shape;228;g38950ece819_2_2:notes"/>
+          <p:cNvSpPr/>
+          <p:nvPr>
+            <p:ph idx="2" type="sldImg"/>
+          </p:nvPr>
+        </p:nvSpPr>
+        <p:spPr>
+          <a:xfrm>
+            <a:off x="381300" y="685800"/>
+            <a:ext cx="6096000" cy="3429000"/>
+          </a:xfrm>
+          <a:custGeom>
+            <a:rect b="b" l="l" r="r" t="t"/>
+            <a:pathLst>
+              <a:path extrusionOk="0" h="120000" w="120000">
+                <a:moveTo>
+                  <a:pt x="0" y="0"/>
+                </a:moveTo>
+                <a:lnTo>
+                  <a:pt x="120000" y="0"/>
+                </a:lnTo>
+                <a:lnTo>
+                  <a:pt x="120000" y="120000"/>
+                </a:lnTo>
+                <a:lnTo>
+                  <a:pt x="0" y="120000"/>
+                </a:lnTo>
+                <a:close/>
+              </a:path>
+            </a:pathLst>
+          </a:custGeom>
+        </p:spPr>
+      </p:sp>
+      <p:sp>
+        <p:nvSpPr>
+          <p:cNvPr id="229" name="Google Shape;229;g38950ece819_2_2:notes"/>
           <p:cNvSpPr txBox="1"/>
           <p:nvPr>
             <p:ph idx="1" type="body"/>
@@ -2201,7 +2301,7 @@
   <p:cSld>
     <p:spTree>
       <p:nvGrpSpPr>
-        <p:cNvPr id="169" name="Shape 169"/>
+        <p:cNvPr id="168" name="Shape 168"/>
         <p:cNvGrpSpPr/>
         <p:nvPr/>
       </p:nvGrpSpPr>
@@ -2215,7 +2315,7 @@
       </p:grpSpPr>
       <p:sp>
         <p:nvSpPr>
-          <p:cNvPr id="170" name="Google Shape;170;g387f2e334ed_0_286:notes"/>
+          <p:cNvPr id="169" name="Google Shape;169;g389de2905eb_0_4:notes"/>
           <p:cNvSpPr/>
           <p:nvPr>
             <p:ph idx="2" type="sldImg"/>
@@ -2250,7 +2350,7 @@
       </p:sp>
       <p:sp>
         <p:nvSpPr>
-          <p:cNvPr id="171" name="Google Shape;171;g387f2e334ed_0_286:notes"/>
+          <p:cNvPr id="170" name="Google Shape;170;g389de2905eb_0_4:notes"/>
           <p:cNvSpPr txBox="1"/>
           <p:nvPr>
             <p:ph idx="1" type="body"/>
@@ -2300,7 +2400,7 @@
   <p:cSld>
     <p:spTree>
       <p:nvGrpSpPr>
-        <p:cNvPr id="176" name="Shape 176"/>
+        <p:cNvPr id="175" name="Shape 175"/>
         <p:cNvGrpSpPr/>
         <p:nvPr/>
       </p:nvGrpSpPr>
@@ -2314,7 +2414,7 @@
       </p:grpSpPr>
       <p:sp>
         <p:nvSpPr>
-          <p:cNvPr id="177" name="Google Shape;177;g3892eb97007_0_27:notes"/>
+          <p:cNvPr id="176" name="Google Shape;176;g387f2e334ed_0_286:notes"/>
           <p:cNvSpPr/>
           <p:nvPr>
             <p:ph idx="2" type="sldImg"/>
@@ -2349,7 +2449,7 @@
       </p:sp>
       <p:sp>
         <p:nvSpPr>
-          <p:cNvPr id="178" name="Google Shape;178;g3892eb97007_0_27:notes"/>
+          <p:cNvPr id="177" name="Google Shape;177;g387f2e334ed_0_286:notes"/>
           <p:cNvSpPr txBox="1"/>
           <p:nvPr>
             <p:ph idx="1" type="body"/>
@@ -10622,7 +10722,103 @@
   <p:cSld>
     <p:spTree>
       <p:nvGrpSpPr>
-        <p:cNvPr id="184" name="Shape 184"/>
+        <p:cNvPr id="185" name="Shape 185"/>
+        <p:cNvGrpSpPr/>
+        <p:nvPr/>
+      </p:nvGrpSpPr>
+      <p:grpSpPr>
+        <a:xfrm>
+          <a:off x="0" y="0"/>
+          <a:ext cx="0" cy="0"/>
+          <a:chOff x="0" y="0"/>
+          <a:chExt cx="0" cy="0"/>
+        </a:xfrm>
+      </p:grpSpPr>
+      <p:sp>
+        <p:nvSpPr>
+          <p:cNvPr id="186" name="Google Shape;186;p22"/>
+          <p:cNvSpPr txBox="1"/>
+          <p:nvPr>
+            <p:ph type="title"/>
+          </p:nvPr>
+        </p:nvSpPr>
+        <p:spPr>
+          <a:xfrm>
+            <a:off x="1888684" y="1746100"/>
+            <a:ext cx="5377500" cy="1646100"/>
+          </a:xfrm>
+          <a:prstGeom prst="rect">
+            <a:avLst/>
+          </a:prstGeom>
+        </p:spPr>
+        <p:txBody>
+          <a:bodyPr anchorCtr="0" anchor="ctr" bIns="91425" lIns="91425" spcFirstLastPara="1" rIns="91425" wrap="square" tIns="91425">
+            <a:normAutofit/>
+          </a:bodyPr>
+          <a:lstStyle/>
+          <a:p>
+            <a:pPr indent="0" lvl="0" marL="0" rtl="0" algn="l">
+              <a:lnSpc>
+                <a:spcPct val="115000"/>
+              </a:lnSpc>
+              <a:spcBef>
+                <a:spcPts val="0"/>
+              </a:spcBef>
+              <a:spcAft>
+                <a:spcPts val="0"/>
+              </a:spcAft>
+              <a:buNone/>
+            </a:pPr>
+            <a:r>
+              <a:rPr lang="en" sz="3600">
+                <a:latin typeface="Calibri"/>
+                <a:ea typeface="Calibri"/>
+                <a:cs typeface="Calibri"/>
+                <a:sym typeface="Calibri"/>
+              </a:rPr>
+              <a:t>The Components</a:t>
+            </a:r>
+            <a:endParaRPr sz="2800">
+              <a:solidFill>
+                <a:srgbClr val="000000"/>
+              </a:solidFill>
+              <a:latin typeface="Arial"/>
+              <a:ea typeface="Arial"/>
+              <a:cs typeface="Arial"/>
+              <a:sym typeface="Arial"/>
+            </a:endParaRPr>
+          </a:p>
+          <a:p>
+            <a:pPr indent="0" lvl="0" marL="0" rtl="0" algn="ctr">
+              <a:spcBef>
+                <a:spcPts val="1200"/>
+              </a:spcBef>
+              <a:spcAft>
+                <a:spcPts val="0"/>
+              </a:spcAft>
+              <a:buNone/>
+            </a:pPr>
+            <a:r>
+              <a:t/>
+            </a:r>
+            <a:endParaRPr/>
+          </a:p>
+        </p:txBody>
+      </p:sp>
+    </p:spTree>
+  </p:cSld>
+  <p:clrMapOvr>
+    <a:masterClrMapping/>
+  </p:clrMapOvr>
+</p:sld>
+</file>
+
+<file path=ppt/slides/slide11.xml><?xml version="1.0" encoding="utf-8"?>
+<p:sld xmlns:a="http://schemas.openxmlformats.org/drawingml/2006/main" xmlns:r="http://schemas.openxmlformats.org/officeDocument/2006/relationships" xmlns:mc="http://schemas.openxmlformats.org/markup-compatibility/2006" xmlns:mv="urn:schemas-microsoft-com:mac:vml" xmlns:p="http://schemas.openxmlformats.org/presentationml/2006/main" xmlns:c="http://schemas.openxmlformats.org/drawingml/2006/chart" xmlns:dgm="http://schemas.openxmlformats.org/drawingml/2006/diagram" xmlns:o="urn:schemas-microsoft-com:office:office" xmlns:v="urn:schemas-microsoft-com:vml" xmlns:pvml="urn:schemas-microsoft-com:office:powerpoint" xmlns:com="http://schemas.openxmlformats.org/drawingml/2006/compatibility" xmlns:p14="http://schemas.microsoft.com/office/powerpoint/2010/main" xmlns:p15="http://schemas.microsoft.com/office/powerpoint/2012/main" xmlns:ahyp="http://schemas.microsoft.com/office/drawing/2018/hyperlinkcolor">
+  <p:cSld>
+    <p:spTree>
+      <p:nvGrpSpPr>
+        <p:cNvPr id="190" name="Shape 190"/>
         <p:cNvGrpSpPr/>
         <p:nvPr/>
       </p:nvGrpSpPr>
@@ -10636,7 +10832,7 @@
       </p:grpSpPr>
       <p:pic>
         <p:nvPicPr>
-          <p:cNvPr id="185" name="Google Shape;185;p22"/>
+          <p:cNvPr id="191" name="Google Shape;191;p23"/>
           <p:cNvPicPr preferRelativeResize="0"/>
           <p:nvPr/>
         </p:nvPicPr>
@@ -10652,59 +10848,6 @@
           <a:xfrm>
             <a:off x="565638" y="249175"/>
             <a:ext cx="8012724" cy="4645150"/>
-          </a:xfrm>
-          <a:prstGeom prst="rect">
-            <a:avLst/>
-          </a:prstGeom>
-          <a:noFill/>
-          <a:ln>
-            <a:noFill/>
-          </a:ln>
-        </p:spPr>
-      </p:pic>
-    </p:spTree>
-  </p:cSld>
-  <p:clrMapOvr>
-    <a:masterClrMapping/>
-  </p:clrMapOvr>
-</p:sld>
-</file>
-
-<file path=ppt/slides/slide11.xml><?xml version="1.0" encoding="utf-8"?>
-<p:sld xmlns:a="http://schemas.openxmlformats.org/drawingml/2006/main" xmlns:r="http://schemas.openxmlformats.org/officeDocument/2006/relationships" xmlns:mc="http://schemas.openxmlformats.org/markup-compatibility/2006" xmlns:mv="urn:schemas-microsoft-com:mac:vml" xmlns:p="http://schemas.openxmlformats.org/presentationml/2006/main" xmlns:c="http://schemas.openxmlformats.org/drawingml/2006/chart" xmlns:dgm="http://schemas.openxmlformats.org/drawingml/2006/diagram" xmlns:o="urn:schemas-microsoft-com:office:office" xmlns:v="urn:schemas-microsoft-com:vml" xmlns:pvml="urn:schemas-microsoft-com:office:powerpoint" xmlns:com="http://schemas.openxmlformats.org/drawingml/2006/compatibility" xmlns:p14="http://schemas.microsoft.com/office/powerpoint/2010/main" xmlns:p15="http://schemas.microsoft.com/office/powerpoint/2012/main" xmlns:ahyp="http://schemas.microsoft.com/office/drawing/2018/hyperlinkcolor">
-  <p:cSld>
-    <p:spTree>
-      <p:nvGrpSpPr>
-        <p:cNvPr id="189" name="Shape 189"/>
-        <p:cNvGrpSpPr/>
-        <p:nvPr/>
-      </p:nvGrpSpPr>
-      <p:grpSpPr>
-        <a:xfrm>
-          <a:off x="0" y="0"/>
-          <a:ext cx="0" cy="0"/>
-          <a:chOff x="0" y="0"/>
-          <a:chExt cx="0" cy="0"/>
-        </a:xfrm>
-      </p:grpSpPr>
-      <p:pic>
-        <p:nvPicPr>
-          <p:cNvPr id="190" name="Google Shape;190;p23"/>
-          <p:cNvPicPr preferRelativeResize="0"/>
-          <p:nvPr/>
-        </p:nvPicPr>
-        <p:blipFill>
-          <a:blip r:embed="rId3">
-            <a:alphaModFix/>
-          </a:blip>
-          <a:stretch>
-            <a:fillRect/>
-          </a:stretch>
-        </p:blipFill>
-        <p:spPr>
-          <a:xfrm>
-            <a:off x="586800" y="180013"/>
-            <a:ext cx="7970399" cy="4783475"/>
           </a:xfrm>
           <a:prstGeom prst="rect">
             <a:avLst/>
@@ -10728,7 +10871,7 @@
   <p:cSld>
     <p:spTree>
       <p:nvGrpSpPr>
-        <p:cNvPr id="194" name="Shape 194"/>
+        <p:cNvPr id="195" name="Shape 195"/>
         <p:cNvGrpSpPr/>
         <p:nvPr/>
       </p:nvGrpSpPr>
@@ -10742,48 +10885,22 @@
       </p:grpSpPr>
       <p:pic>
         <p:nvPicPr>
-          <p:cNvPr id="195" name="Google Shape;195;p24"/>
-          <p:cNvPicPr preferRelativeResize="0"/>
-          <p:nvPr/>
-        </p:nvPicPr>
-        <p:blipFill rotWithShape="1">
-          <a:blip r:embed="rId3">
-            <a:alphaModFix/>
-          </a:blip>
-          <a:srcRect b="51126" l="0" r="0" t="0"/>
-          <a:stretch/>
-        </p:blipFill>
-        <p:spPr>
-          <a:xfrm>
-            <a:off x="200900" y="724425"/>
-            <a:ext cx="4652675" cy="3455576"/>
-          </a:xfrm>
-          <a:prstGeom prst="rect">
-            <a:avLst/>
-          </a:prstGeom>
-          <a:noFill/>
-          <a:ln>
-            <a:noFill/>
-          </a:ln>
-        </p:spPr>
-      </p:pic>
-      <p:pic>
-        <p:nvPicPr>
           <p:cNvPr id="196" name="Google Shape;196;p24"/>
           <p:cNvPicPr preferRelativeResize="0"/>
           <p:nvPr/>
         </p:nvPicPr>
-        <p:blipFill rotWithShape="1">
+        <p:blipFill>
           <a:blip r:embed="rId3">
             <a:alphaModFix/>
           </a:blip>
-          <a:srcRect b="0" l="0" r="0" t="48725"/>
-          <a:stretch/>
+          <a:stretch>
+            <a:fillRect/>
+          </a:stretch>
         </p:blipFill>
         <p:spPr>
           <a:xfrm>
-            <a:off x="4853575" y="774975"/>
-            <a:ext cx="4100450" cy="3354451"/>
+            <a:off x="586800" y="180013"/>
+            <a:ext cx="7970399" cy="4783475"/>
           </a:xfrm>
           <a:prstGeom prst="rect">
             <a:avLst/>
@@ -10829,13 +10946,13 @@
           <a:blip r:embed="rId3">
             <a:alphaModFix/>
           </a:blip>
-          <a:srcRect b="0" l="0" r="0" t="41407"/>
+          <a:srcRect b="51126" l="0" r="0" t="0"/>
           <a:stretch/>
         </p:blipFill>
         <p:spPr>
           <a:xfrm>
-            <a:off x="4934375" y="1064927"/>
-            <a:ext cx="3405500" cy="3013651"/>
+            <a:off x="200900" y="724425"/>
+            <a:ext cx="4652675" cy="3455576"/>
           </a:xfrm>
           <a:prstGeom prst="rect">
             <a:avLst/>
@@ -10856,13 +10973,13 @@
           <a:blip r:embed="rId3">
             <a:alphaModFix/>
           </a:blip>
-          <a:srcRect b="58878" l="0" r="0" t="0"/>
+          <a:srcRect b="0" l="0" r="0" t="48725"/>
           <a:stretch/>
         </p:blipFill>
         <p:spPr>
           <a:xfrm>
-            <a:off x="609750" y="1514202"/>
-            <a:ext cx="3405500" cy="2115100"/>
+            <a:off x="4853575" y="774975"/>
+            <a:ext cx="4100450" cy="3354451"/>
           </a:xfrm>
           <a:prstGeom prst="rect">
             <a:avLst/>
@@ -10898,64 +11015,50 @@
           <a:chExt cx="0" cy="0"/>
         </a:xfrm>
       </p:grpSpPr>
-      <p:sp>
-        <p:nvSpPr>
+      <p:pic>
+        <p:nvPicPr>
           <p:cNvPr id="207" name="Google Shape;207;p26"/>
-          <p:cNvSpPr txBox="1"/>
-          <p:nvPr>
-            <p:ph type="title"/>
-          </p:nvPr>
-        </p:nvSpPr>
-        <p:spPr>
-          <a:xfrm>
-            <a:off x="819150" y="845600"/>
-            <a:ext cx="7505700" cy="954600"/>
+          <p:cNvPicPr preferRelativeResize="0"/>
+          <p:nvPr/>
+        </p:nvPicPr>
+        <p:blipFill rotWithShape="1">
+          <a:blip r:embed="rId3">
+            <a:alphaModFix/>
+          </a:blip>
+          <a:srcRect b="0" l="0" r="0" t="41407"/>
+          <a:stretch/>
+        </p:blipFill>
+        <p:spPr>
+          <a:xfrm>
+            <a:off x="4934375" y="1064927"/>
+            <a:ext cx="3405500" cy="3013651"/>
           </a:xfrm>
           <a:prstGeom prst="rect">
             <a:avLst/>
           </a:prstGeom>
-        </p:spPr>
-        <p:txBody>
-          <a:bodyPr anchorCtr="0" anchor="t" bIns="91425" lIns="91425" spcFirstLastPara="1" rIns="91425" wrap="square" tIns="91425">
-            <a:normAutofit/>
-          </a:bodyPr>
-          <a:lstStyle/>
-          <a:p>
-            <a:pPr indent="0" lvl="0" marL="0" rtl="0" algn="l">
-              <a:spcBef>
-                <a:spcPts val="0"/>
-              </a:spcBef>
-              <a:spcAft>
-                <a:spcPts val="0"/>
-              </a:spcAft>
-              <a:buNone/>
-            </a:pPr>
-            <a:r>
-              <a:rPr lang="en"/>
-              <a:t>Storage Documentation - ER Diagram</a:t>
-            </a:r>
-            <a:endParaRPr/>
-          </a:p>
-        </p:txBody>
-      </p:sp>
+          <a:noFill/>
+          <a:ln>
+            <a:noFill/>
+          </a:ln>
+        </p:spPr>
+      </p:pic>
       <p:pic>
         <p:nvPicPr>
           <p:cNvPr id="208" name="Google Shape;208;p26"/>
           <p:cNvPicPr preferRelativeResize="0"/>
           <p:nvPr/>
         </p:nvPicPr>
-        <p:blipFill>
+        <p:blipFill rotWithShape="1">
           <a:blip r:embed="rId3">
             <a:alphaModFix/>
           </a:blip>
-          <a:stretch>
-            <a:fillRect/>
-          </a:stretch>
+          <a:srcRect b="58878" l="0" r="0" t="0"/>
+          <a:stretch/>
         </p:blipFill>
         <p:spPr>
           <a:xfrm>
-            <a:off x="766475" y="1628775"/>
-            <a:ext cx="7611050" cy="2829750"/>
+            <a:off x="609750" y="1514202"/>
+            <a:ext cx="3405500" cy="2115100"/>
           </a:xfrm>
           <a:prstGeom prst="rect">
             <a:avLst/>
@@ -11025,7 +11128,7 @@
             </a:pPr>
             <a:r>
               <a:rPr lang="en"/>
-              <a:t>Message Documentation - Save Itineraries</a:t>
+              <a:t>Storage Documentation - ER Diagram</a:t>
             </a:r>
             <a:endParaRPr/>
           </a:p>
@@ -11047,8 +11150,8 @@
         </p:blipFill>
         <p:spPr>
           <a:xfrm>
-            <a:off x="2840838" y="1363275"/>
-            <a:ext cx="2605100" cy="3470675"/>
+            <a:off x="766475" y="1628775"/>
+            <a:ext cx="7611050" cy="2829750"/>
           </a:xfrm>
           <a:prstGeom prst="rect">
             <a:avLst/>
@@ -11118,7 +11221,7 @@
             </a:pPr>
             <a:r>
               <a:rPr lang="en"/>
-              <a:t>Message Documentation - View Itineraries</a:t>
+              <a:t>Message Documentation - Save Itineraries</a:t>
             </a:r>
             <a:endParaRPr/>
           </a:p>
@@ -11140,8 +11243,8 @@
         </p:blipFill>
         <p:spPr>
           <a:xfrm>
-            <a:off x="2604800" y="1443050"/>
-            <a:ext cx="3934400" cy="3186075"/>
+            <a:off x="2840838" y="1363275"/>
+            <a:ext cx="2605100" cy="3470675"/>
           </a:xfrm>
           <a:prstGeom prst="rect">
             <a:avLst/>
@@ -11180,6 +11283,99 @@
       <p:sp>
         <p:nvSpPr>
           <p:cNvPr id="225" name="Google Shape;225;p29"/>
+          <p:cNvSpPr txBox="1"/>
+          <p:nvPr>
+            <p:ph type="title"/>
+          </p:nvPr>
+        </p:nvSpPr>
+        <p:spPr>
+          <a:xfrm>
+            <a:off x="819150" y="845600"/>
+            <a:ext cx="7505700" cy="954600"/>
+          </a:xfrm>
+          <a:prstGeom prst="rect">
+            <a:avLst/>
+          </a:prstGeom>
+        </p:spPr>
+        <p:txBody>
+          <a:bodyPr anchorCtr="0" anchor="t" bIns="91425" lIns="91425" spcFirstLastPara="1" rIns="91425" wrap="square" tIns="91425">
+            <a:normAutofit/>
+          </a:bodyPr>
+          <a:lstStyle/>
+          <a:p>
+            <a:pPr indent="0" lvl="0" marL="0" rtl="0" algn="l">
+              <a:spcBef>
+                <a:spcPts val="0"/>
+              </a:spcBef>
+              <a:spcAft>
+                <a:spcPts val="0"/>
+              </a:spcAft>
+              <a:buNone/>
+            </a:pPr>
+            <a:r>
+              <a:rPr lang="en"/>
+              <a:t>Message Documentation - View Itineraries</a:t>
+            </a:r>
+            <a:endParaRPr/>
+          </a:p>
+        </p:txBody>
+      </p:sp>
+      <p:pic>
+        <p:nvPicPr>
+          <p:cNvPr id="226" name="Google Shape;226;p29"/>
+          <p:cNvPicPr preferRelativeResize="0"/>
+          <p:nvPr/>
+        </p:nvPicPr>
+        <p:blipFill>
+          <a:blip r:embed="rId3">
+            <a:alphaModFix/>
+          </a:blip>
+          <a:stretch>
+            <a:fillRect/>
+          </a:stretch>
+        </p:blipFill>
+        <p:spPr>
+          <a:xfrm>
+            <a:off x="2604800" y="1443050"/>
+            <a:ext cx="3934400" cy="3186075"/>
+          </a:xfrm>
+          <a:prstGeom prst="rect">
+            <a:avLst/>
+          </a:prstGeom>
+          <a:noFill/>
+          <a:ln>
+            <a:noFill/>
+          </a:ln>
+        </p:spPr>
+      </p:pic>
+    </p:spTree>
+  </p:cSld>
+  <p:clrMapOvr>
+    <a:masterClrMapping/>
+  </p:clrMapOvr>
+</p:sld>
+</file>
+
+<file path=ppt/slides/slide18.xml><?xml version="1.0" encoding="utf-8"?>
+<p:sld xmlns:a="http://schemas.openxmlformats.org/drawingml/2006/main" xmlns:r="http://schemas.openxmlformats.org/officeDocument/2006/relationships" xmlns:mc="http://schemas.openxmlformats.org/markup-compatibility/2006" xmlns:mv="urn:schemas-microsoft-com:mac:vml" xmlns:p="http://schemas.openxmlformats.org/presentationml/2006/main" xmlns:c="http://schemas.openxmlformats.org/drawingml/2006/chart" xmlns:dgm="http://schemas.openxmlformats.org/drawingml/2006/diagram" xmlns:o="urn:schemas-microsoft-com:office:office" xmlns:v="urn:schemas-microsoft-com:vml" xmlns:pvml="urn:schemas-microsoft-com:office:powerpoint" xmlns:com="http://schemas.openxmlformats.org/drawingml/2006/compatibility" xmlns:p14="http://schemas.microsoft.com/office/powerpoint/2010/main" xmlns:p15="http://schemas.microsoft.com/office/powerpoint/2012/main" xmlns:ahyp="http://schemas.microsoft.com/office/drawing/2018/hyperlinkcolor">
+  <p:cSld>
+    <p:spTree>
+      <p:nvGrpSpPr>
+        <p:cNvPr id="230" name="Shape 230"/>
+        <p:cNvGrpSpPr/>
+        <p:nvPr/>
+      </p:nvGrpSpPr>
+      <p:grpSpPr>
+        <a:xfrm>
+          <a:off x="0" y="0"/>
+          <a:ext cx="0" cy="0"/>
+          <a:chOff x="0" y="0"/>
+          <a:chExt cx="0" cy="0"/>
+        </a:xfrm>
+      </p:grpSpPr>
+      <p:sp>
+        <p:nvSpPr>
+          <p:cNvPr id="231" name="Google Shape;231;p30"/>
           <p:cNvSpPr txBox="1"/>
           <p:nvPr>
             <p:ph type="title"/>
@@ -11803,7 +11999,7 @@
         </p:nvSpPr>
         <p:spPr>
           <a:xfrm>
-            <a:off x="819150" y="845600"/>
+            <a:off x="208500" y="211475"/>
             <a:ext cx="7505700" cy="954600"/>
           </a:xfrm>
           <a:prstGeom prst="rect">
@@ -11843,7 +12039,7 @@
         </p:nvSpPr>
         <p:spPr>
           <a:xfrm>
-            <a:off x="819150" y="1990725"/>
+            <a:off x="91075" y="757675"/>
             <a:ext cx="7505700" cy="2448000"/>
           </a:xfrm>
           <a:prstGeom prst="rect">
@@ -11932,19 +12128,17 @@
             <a:endParaRPr sz="2200"/>
           </a:p>
           <a:p>
-            <a:pPr indent="-368300" lvl="0" marL="457200" rtl="0" algn="l">
-              <a:spcBef>
-                <a:spcPts val="0"/>
-              </a:spcBef>
-              <a:spcAft>
-                <a:spcPts val="0"/>
-              </a:spcAft>
-              <a:buSzPts val="2200"/>
-              <a:buChar char="●"/>
+            <a:pPr indent="0" lvl="0" marL="0" rtl="0" algn="l">
+              <a:spcBef>
+                <a:spcPts val="1200"/>
+              </a:spcBef>
+              <a:spcAft>
+                <a:spcPts val="1200"/>
+              </a:spcAft>
+              <a:buNone/>
             </a:pPr>
             <a:r>
-              <a:rPr lang="en" sz="2200"/>
-              <a:t>Successful Completion</a:t>
+              <a:t/>
             </a:r>
             <a:endParaRPr sz="2200"/>
           </a:p>
@@ -11966,8 +12160,8 @@
         </p:blipFill>
         <p:spPr>
           <a:xfrm>
-            <a:off x="5549350" y="380975"/>
-            <a:ext cx="3135175" cy="2485675"/>
+            <a:off x="3876975" y="967625"/>
+            <a:ext cx="5267025" cy="4175875"/>
           </a:xfrm>
           <a:prstGeom prst="rect">
             <a:avLst/>
@@ -11994,36 +12188,8 @@
         </p:blipFill>
         <p:spPr>
           <a:xfrm>
-            <a:off x="6030025" y="3012450"/>
-            <a:ext cx="2654500" cy="1790775"/>
-          </a:xfrm>
-          <a:prstGeom prst="rect">
-            <a:avLst/>
-          </a:prstGeom>
-          <a:noFill/>
-          <a:ln>
-            <a:noFill/>
-          </a:ln>
-        </p:spPr>
-      </p:pic>
-      <p:pic>
-        <p:nvPicPr>
-          <p:cNvPr id="168" name="Google Shape;168;p19" title="Save_As_Itinerary.png"/>
-          <p:cNvPicPr preferRelativeResize="0"/>
-          <p:nvPr/>
-        </p:nvPicPr>
-        <p:blipFill>
-          <a:blip r:embed="rId5">
-            <a:alphaModFix/>
-          </a:blip>
-          <a:stretch>
-            <a:fillRect/>
-          </a:stretch>
-        </p:blipFill>
-        <p:spPr>
-          <a:xfrm>
-            <a:off x="3971750" y="3553350"/>
-            <a:ext cx="2058275" cy="1249875"/>
+            <a:off x="0" y="2571750"/>
+            <a:ext cx="3821750" cy="2578225"/>
           </a:xfrm>
           <a:prstGeom prst="rect">
             <a:avLst/>
@@ -12047,7 +12213,154 @@
   <p:cSld>
     <p:spTree>
       <p:nvGrpSpPr>
-        <p:cNvPr id="172" name="Shape 172"/>
+        <p:cNvPr id="171" name="Shape 171"/>
+        <p:cNvGrpSpPr/>
+        <p:nvPr/>
+      </p:nvGrpSpPr>
+      <p:grpSpPr>
+        <a:xfrm>
+          <a:off x="0" y="0"/>
+          <a:ext cx="0" cy="0"/>
+          <a:chOff x="0" y="0"/>
+          <a:chExt cx="0" cy="0"/>
+        </a:xfrm>
+      </p:grpSpPr>
+      <p:pic>
+        <p:nvPicPr>
+          <p:cNvPr id="172" name="Google Shape;172;p20"/>
+          <p:cNvPicPr preferRelativeResize="0"/>
+          <p:nvPr/>
+        </p:nvPicPr>
+        <p:blipFill>
+          <a:blip r:embed="rId3">
+            <a:alphaModFix/>
+          </a:blip>
+          <a:stretch>
+            <a:fillRect/>
+          </a:stretch>
+        </p:blipFill>
+        <p:spPr>
+          <a:xfrm>
+            <a:off x="187926" y="2159300"/>
+            <a:ext cx="4051425" cy="2685950"/>
+          </a:xfrm>
+          <a:prstGeom prst="rect">
+            <a:avLst/>
+          </a:prstGeom>
+          <a:noFill/>
+          <a:ln>
+            <a:noFill/>
+          </a:ln>
+        </p:spPr>
+      </p:pic>
+      <p:pic>
+        <p:nvPicPr>
+          <p:cNvPr id="173" name="Google Shape;173;p20" title="Save_As_Itinerary.png"/>
+          <p:cNvPicPr preferRelativeResize="0"/>
+          <p:nvPr/>
+        </p:nvPicPr>
+        <p:blipFill>
+          <a:blip r:embed="rId4">
+            <a:alphaModFix/>
+          </a:blip>
+          <a:stretch>
+            <a:fillRect/>
+          </a:stretch>
+        </p:blipFill>
+        <p:spPr>
+          <a:xfrm>
+            <a:off x="4239350" y="2159302"/>
+            <a:ext cx="4423175" cy="2685939"/>
+          </a:xfrm>
+          <a:prstGeom prst="rect">
+            <a:avLst/>
+          </a:prstGeom>
+          <a:noFill/>
+          <a:ln>
+            <a:noFill/>
+          </a:ln>
+        </p:spPr>
+      </p:pic>
+      <p:sp>
+        <p:nvSpPr>
+          <p:cNvPr id="174" name="Google Shape;174;p20"/>
+          <p:cNvSpPr txBox="1"/>
+          <p:nvPr/>
+        </p:nvSpPr>
+        <p:spPr>
+          <a:xfrm>
+            <a:off x="589500" y="521400"/>
+            <a:ext cx="5660100" cy="786900"/>
+          </a:xfrm>
+          <a:prstGeom prst="rect">
+            <a:avLst/>
+          </a:prstGeom>
+          <a:noFill/>
+          <a:ln>
+            <a:noFill/>
+          </a:ln>
+        </p:spPr>
+        <p:txBody>
+          <a:bodyPr anchorCtr="0" anchor="t" bIns="91425" lIns="91425" spcFirstLastPara="1" rIns="91425" wrap="square" tIns="91425">
+            <a:noAutofit/>
+          </a:bodyPr>
+          <a:lstStyle/>
+          <a:p>
+            <a:pPr indent="-368300" lvl="0" marL="457200" rtl="0" algn="l">
+              <a:lnSpc>
+                <a:spcPct val="115000"/>
+              </a:lnSpc>
+              <a:spcBef>
+                <a:spcPts val="0"/>
+              </a:spcBef>
+              <a:spcAft>
+                <a:spcPts val="0"/>
+              </a:spcAft>
+              <a:buClr>
+                <a:schemeClr val="dk2"/>
+              </a:buClr>
+              <a:buSzPts val="2200"/>
+              <a:buFont typeface="Calibri"/>
+              <a:buChar char="●"/>
+            </a:pPr>
+            <a:r>
+              <a:rPr lang="en" sz="2200">
+                <a:solidFill>
+                  <a:schemeClr val="dk2"/>
+                </a:solidFill>
+                <a:latin typeface="Calibri"/>
+                <a:ea typeface="Calibri"/>
+                <a:cs typeface="Calibri"/>
+                <a:sym typeface="Calibri"/>
+              </a:rPr>
+              <a:t>Successful Completion</a:t>
+            </a:r>
+            <a:endParaRPr sz="1300">
+              <a:solidFill>
+                <a:schemeClr val="dk2"/>
+              </a:solidFill>
+              <a:latin typeface="Calibri"/>
+              <a:ea typeface="Calibri"/>
+              <a:cs typeface="Calibri"/>
+              <a:sym typeface="Calibri"/>
+            </a:endParaRPr>
+          </a:p>
+        </p:txBody>
+      </p:sp>
+    </p:spTree>
+  </p:cSld>
+  <p:clrMapOvr>
+    <a:masterClrMapping/>
+  </p:clrMapOvr>
+</p:sld>
+</file>
+
+<file path=ppt/slides/slide9.xml><?xml version="1.0" encoding="utf-8"?>
+<p:sld xmlns:a="http://schemas.openxmlformats.org/drawingml/2006/main" xmlns:r="http://schemas.openxmlformats.org/officeDocument/2006/relationships" xmlns:mc="http://schemas.openxmlformats.org/markup-compatibility/2006" xmlns:mv="urn:schemas-microsoft-com:mac:vml" xmlns:p="http://schemas.openxmlformats.org/presentationml/2006/main" xmlns:c="http://schemas.openxmlformats.org/drawingml/2006/chart" xmlns:dgm="http://schemas.openxmlformats.org/drawingml/2006/diagram" xmlns:o="urn:schemas-microsoft-com:office:office" xmlns:v="urn:schemas-microsoft-com:vml" xmlns:pvml="urn:schemas-microsoft-com:office:powerpoint" xmlns:com="http://schemas.openxmlformats.org/drawingml/2006/compatibility" xmlns:p14="http://schemas.microsoft.com/office/powerpoint/2010/main" xmlns:p15="http://schemas.microsoft.com/office/powerpoint/2012/main" xmlns:ahyp="http://schemas.microsoft.com/office/drawing/2018/hyperlinkcolor">
+  <p:cSld>
+    <p:spTree>
+      <p:nvGrpSpPr>
+        <p:cNvPr id="178" name="Shape 178"/>
         <p:cNvGrpSpPr/>
         <p:nvPr/>
       </p:nvGrpSpPr>
@@ -12061,7 +12374,7 @@
       </p:grpSpPr>
       <p:sp>
         <p:nvSpPr>
-          <p:cNvPr id="173" name="Google Shape;173;p20"/>
+          <p:cNvPr id="179" name="Google Shape;179;p21"/>
           <p:cNvSpPr txBox="1"/>
           <p:nvPr>
             <p:ph type="title"/>
@@ -12101,7 +12414,7 @@
       </p:sp>
       <p:sp>
         <p:nvSpPr>
-          <p:cNvPr id="174" name="Google Shape;174;p20"/>
+          <p:cNvPr id="180" name="Google Shape;180;p21"/>
           <p:cNvSpPr txBox="1"/>
           <p:nvPr>
             <p:ph idx="1" type="body"/>
@@ -12210,7 +12523,7 @@
       </p:sp>
       <p:pic>
         <p:nvPicPr>
-          <p:cNvPr id="175" name="Google Shape;175;p20" title="View_Itinerary.png"/>
+          <p:cNvPr id="181" name="Google Shape;181;p21" title="View_Itinerary.png"/>
           <p:cNvPicPr preferRelativeResize="0"/>
           <p:nvPr/>
         </p:nvPicPr>
@@ -12236,102 +12549,6 @@
           </a:ln>
         </p:spPr>
       </p:pic>
-    </p:spTree>
-  </p:cSld>
-  <p:clrMapOvr>
-    <a:masterClrMapping/>
-  </p:clrMapOvr>
-</p:sld>
-</file>
-
-<file path=ppt/slides/slide9.xml><?xml version="1.0" encoding="utf-8"?>
-<p:sld xmlns:a="http://schemas.openxmlformats.org/drawingml/2006/main" xmlns:r="http://schemas.openxmlformats.org/officeDocument/2006/relationships" xmlns:mc="http://schemas.openxmlformats.org/markup-compatibility/2006" xmlns:mv="urn:schemas-microsoft-com:mac:vml" xmlns:p="http://schemas.openxmlformats.org/presentationml/2006/main" xmlns:c="http://schemas.openxmlformats.org/drawingml/2006/chart" xmlns:dgm="http://schemas.openxmlformats.org/drawingml/2006/diagram" xmlns:o="urn:schemas-microsoft-com:office:office" xmlns:v="urn:schemas-microsoft-com:vml" xmlns:pvml="urn:schemas-microsoft-com:office:powerpoint" xmlns:com="http://schemas.openxmlformats.org/drawingml/2006/compatibility" xmlns:p14="http://schemas.microsoft.com/office/powerpoint/2010/main" xmlns:p15="http://schemas.microsoft.com/office/powerpoint/2012/main" xmlns:ahyp="http://schemas.microsoft.com/office/drawing/2018/hyperlinkcolor">
-  <p:cSld>
-    <p:spTree>
-      <p:nvGrpSpPr>
-        <p:cNvPr id="179" name="Shape 179"/>
-        <p:cNvGrpSpPr/>
-        <p:nvPr/>
-      </p:nvGrpSpPr>
-      <p:grpSpPr>
-        <a:xfrm>
-          <a:off x="0" y="0"/>
-          <a:ext cx="0" cy="0"/>
-          <a:chOff x="0" y="0"/>
-          <a:chExt cx="0" cy="0"/>
-        </a:xfrm>
-      </p:grpSpPr>
-      <p:sp>
-        <p:nvSpPr>
-          <p:cNvPr id="180" name="Google Shape;180;p21"/>
-          <p:cNvSpPr txBox="1"/>
-          <p:nvPr>
-            <p:ph type="title"/>
-          </p:nvPr>
-        </p:nvSpPr>
-        <p:spPr>
-          <a:xfrm>
-            <a:off x="1888684" y="1746100"/>
-            <a:ext cx="5377500" cy="1646100"/>
-          </a:xfrm>
-          <a:prstGeom prst="rect">
-            <a:avLst/>
-          </a:prstGeom>
-        </p:spPr>
-        <p:txBody>
-          <a:bodyPr anchorCtr="0" anchor="ctr" bIns="91425" lIns="91425" spcFirstLastPara="1" rIns="91425" wrap="square" tIns="91425">
-            <a:normAutofit/>
-          </a:bodyPr>
-          <a:lstStyle/>
-          <a:p>
-            <a:pPr indent="0" lvl="0" marL="0" rtl="0" algn="l">
-              <a:lnSpc>
-                <a:spcPct val="115000"/>
-              </a:lnSpc>
-              <a:spcBef>
-                <a:spcPts val="0"/>
-              </a:spcBef>
-              <a:spcAft>
-                <a:spcPts val="0"/>
-              </a:spcAft>
-              <a:buNone/>
-            </a:pPr>
-            <a:r>
-              <a:rPr lang="en" sz="3600">
-                <a:latin typeface="Calibri"/>
-                <a:ea typeface="Calibri"/>
-                <a:cs typeface="Calibri"/>
-                <a:sym typeface="Calibri"/>
-              </a:rPr>
-              <a:t>The Components</a:t>
-            </a:r>
-            <a:endParaRPr sz="2800">
-              <a:solidFill>
-                <a:srgbClr val="000000"/>
-              </a:solidFill>
-              <a:latin typeface="Arial"/>
-              <a:ea typeface="Arial"/>
-              <a:cs typeface="Arial"/>
-              <a:sym typeface="Arial"/>
-            </a:endParaRPr>
-          </a:p>
-          <a:p>
-            <a:pPr indent="0" lvl="0" marL="0" rtl="0" algn="ctr">
-              <a:spcBef>
-                <a:spcPts val="1200"/>
-              </a:spcBef>
-              <a:spcAft>
-                <a:spcPts val="0"/>
-              </a:spcAft>
-              <a:buNone/>
-            </a:pPr>
-            <a:r>
-              <a:t/>
-            </a:r>
-            <a:endParaRPr/>
-          </a:p>
-        </p:txBody>
-      </p:sp>
     </p:spTree>
   </p:cSld>
   <p:clrMapOvr>
